--- a/UPDATE 19-2.pptx
+++ b/UPDATE 19-2.pptx
@@ -29,8 +29,8 @@
 </file>
 
 <file path=ppt/slideLayouts/slideLayout1.xml><?xml version="1.0" encoding="utf-8"?>
-<p:sldLayout xmlns:a="http://schemas.openxmlformats.org/drawingml/2006/main" xmlns:p="http://schemas.openxmlformats.org/presentationml/2006/main" xmlns:r="http://schemas.openxmlformats.org/officeDocument/2006/relationships" xmlns:p14="http://schemas.microsoft.com/office/powerpoint/2010/main" xmlns:p15="http://schemas.microsoft.com/office/powerpoint/2012/main" xmlns:mc="http://schemas.openxmlformats.org/markup-compatibility/2006" type="blank" preserve="1">
-  <p:cSld name="Blank">
+<p:sldLayout xmlns:a="http://schemas.openxmlformats.org/drawingml/2006/main" xmlns:p="http://schemas.openxmlformats.org/presentationml/2006/main" xmlns:r="http://schemas.openxmlformats.org/officeDocument/2006/relationships" xmlns:p14="http://schemas.microsoft.com/office/powerpoint/2010/main" xmlns:p15="http://schemas.microsoft.com/office/powerpoint/2012/main" xmlns:mc="http://schemas.openxmlformats.org/markup-compatibility/2006" type="titleOnly" preserve="1">
+  <p:cSld name="Title Only">
     <p:bg>
       <p:bgPr>
         <a:solidFill>
@@ -65,7 +65,7 @@
         <p:spPr>
           <a:xfrm>
             <a:off x="0" y="0"/>
-            <a:ext cx="12184560" cy="6850440"/>
+            <a:ext cx="12184200" cy="6850080"/>
           </a:xfrm>
           <a:prstGeom prst="rect">
             <a:avLst/>
@@ -83,13 +83,73 @@
             <a:spLocks noGrp="1"/>
           </p:cNvSpPr>
           <p:nvPr>
+            <p:ph type="title"/>
+          </p:nvPr>
+        </p:nvSpPr>
+        <p:spPr>
+          <a:xfrm>
+            <a:off x="609480" y="190440"/>
+            <a:ext cx="10964880" cy="574560"/>
+          </a:xfrm>
+          <a:prstGeom prst="rect">
+            <a:avLst/>
+          </a:prstGeom>
+          <a:noFill/>
+          <a:ln w="9360">
+            <a:noFill/>
+          </a:ln>
+        </p:spPr>
+        <p:txBody>
+          <a:bodyPr lIns="90000" rIns="90000" tIns="45000" bIns="45000" anchor="ctr">
+            <a:noAutofit/>
+          </a:bodyPr>
+          <a:p>
+            <a:pPr indent="0">
+              <a:lnSpc>
+                <a:spcPct val="100000"/>
+              </a:lnSpc>
+              <a:buNone/>
+              <a:tabLst>
+                <a:tab algn="l" pos="0"/>
+              </a:tabLst>
+            </a:pPr>
+            <a:r>
+              <a:rPr lang="en-US" sz="3600" b="0" u="none" strike="noStrike">
+                <a:solidFill>
+                  <a:schemeClr val="dk1"/>
+                </a:solidFill>
+                <a:effectLst/>
+                <a:uFillTx/>
+                <a:latin typeface="Arial"/>
+                <a:ea typeface="SimSun"/>
+              </a:rPr>
+              <a:t>Click to edit Master title style</a:t>
+            </a:r>
+            <a:endParaRPr lang="en-US" sz="3600" b="0" u="none" strike="noStrike">
+              <a:solidFill>
+                <a:srgbClr val="000000"/>
+              </a:solidFill>
+              <a:effectLst/>
+              <a:uFillTx/>
+              <a:latin typeface="Arial"/>
+            </a:endParaRPr>
+          </a:p>
+        </p:txBody>
+      </p:sp>
+      <p:sp>
+        <p:nvSpPr>
+          <p:cNvPr id="4" name="PlaceHolder 2"/>
+          <p:cNvSpPr>
+            <a:spLocks noGrp="1"/>
+          </p:cNvSpPr>
+          <p:nvPr>
             <p:ph type="dt" idx="1"/>
           </p:nvPr>
         </p:nvSpPr>
         <p:spPr>
           <a:xfrm>
             <a:off x="609480" y="6245280"/>
-            <a:ext cx="2837160" cy="468720"/>
+            <a:ext cx="2836800" cy="468360"/>
           </a:xfrm>
           <a:prstGeom prst="rect">
             <a:avLst/>
@@ -158,7 +218,7 @@
       </p:sp>
       <p:sp>
         <p:nvSpPr>
-          <p:cNvPr id="4" name="PlaceHolder 2"/>
+          <p:cNvPr id="5" name="PlaceHolder 3"/>
           <p:cNvSpPr>
             <a:spLocks noGrp="1"/>
           </p:cNvSpPr>
@@ -169,7 +229,7 @@
         <p:spPr>
           <a:xfrm>
             <a:off x="4165560" y="6245280"/>
-            <a:ext cx="3853080" cy="468720"/>
+            <a:ext cx="3852720" cy="468360"/>
           </a:xfrm>
           <a:prstGeom prst="rect">
             <a:avLst/>
@@ -238,7 +298,7 @@
       </p:sp>
       <p:sp>
         <p:nvSpPr>
-          <p:cNvPr id="5" name="PlaceHolder 3"/>
+          <p:cNvPr id="6" name="PlaceHolder 4"/>
           <p:cNvSpPr>
             <a:spLocks noGrp="1"/>
           </p:cNvSpPr>
@@ -249,7 +309,7 @@
         <p:spPr>
           <a:xfrm>
             <a:off x="8737560" y="6245280"/>
-            <a:ext cx="2837160" cy="468720"/>
+            <a:ext cx="2836800" cy="468360"/>
           </a:xfrm>
           <a:prstGeom prst="rect">
             <a:avLst/>
@@ -284,6 +344,903 @@
 </file>
 
 <file path=ppt/slideLayouts/slideLayout10.xml><?xml version="1.0" encoding="utf-8"?>
+<p:sldLayout xmlns:a="http://schemas.openxmlformats.org/drawingml/2006/main" xmlns:p="http://schemas.openxmlformats.org/presentationml/2006/main" xmlns:r="http://schemas.openxmlformats.org/officeDocument/2006/relationships" xmlns:p14="http://schemas.microsoft.com/office/powerpoint/2010/main" xmlns:p15="http://schemas.microsoft.com/office/powerpoint/2012/main" xmlns:mc="http://schemas.openxmlformats.org/markup-compatibility/2006" type="obj" preserve="1">
+  <p:cSld name="Title and Content">
+    <p:bg>
+      <p:bgPr>
+        <a:solidFill>
+          <a:srgbClr val="ffffff"/>
+        </a:solidFill>
+      </p:bgPr>
+    </p:bg>
+    <p:spTree>
+      <p:nvGrpSpPr>
+        <p:cNvPr id="1" name=""/>
+        <p:cNvGrpSpPr/>
+        <p:nvPr/>
+      </p:nvGrpSpPr>
+      <p:grpSpPr>
+        <a:xfrm>
+          <a:off x="0" y="0"/>
+          <a:ext cx="0" cy="0"/>
+          <a:chOff x="0" y="0"/>
+          <a:chExt cx="0" cy="0"/>
+        </a:xfrm>
+      </p:grpSpPr>
+      <p:pic>
+        <p:nvPicPr>
+          <p:cNvPr id="59" name="Picture 10"/>
+          <p:cNvPicPr/>
+          <p:nvPr/>
+        </p:nvPicPr>
+        <p:blipFill>
+          <a:blip r:embed="rId2"/>
+          <a:stretch/>
+        </p:blipFill>
+        <p:spPr>
+          <a:xfrm>
+            <a:off x="0" y="0"/>
+            <a:ext cx="12184200" cy="6850080"/>
+          </a:xfrm>
+          <a:prstGeom prst="rect">
+            <a:avLst/>
+          </a:prstGeom>
+          <a:noFill/>
+          <a:ln w="9525">
+            <a:noFill/>
+          </a:ln>
+        </p:spPr>
+      </p:pic>
+      <p:sp>
+        <p:nvSpPr>
+          <p:cNvPr id="60" name="PlaceHolder 1"/>
+          <p:cNvSpPr>
+            <a:spLocks noGrp="1"/>
+          </p:cNvSpPr>
+          <p:nvPr>
+            <p:ph type="title"/>
+          </p:nvPr>
+        </p:nvSpPr>
+        <p:spPr>
+          <a:xfrm>
+            <a:off x="609480" y="190440"/>
+            <a:ext cx="10964880" cy="574560"/>
+          </a:xfrm>
+          <a:prstGeom prst="rect">
+            <a:avLst/>
+          </a:prstGeom>
+          <a:noFill/>
+          <a:ln w="9360">
+            <a:noFill/>
+          </a:ln>
+        </p:spPr>
+        <p:txBody>
+          <a:bodyPr lIns="90000" rIns="90000" tIns="45000" bIns="45000" anchor="ctr">
+            <a:noAutofit/>
+          </a:bodyPr>
+          <a:p>
+            <a:pPr indent="0">
+              <a:lnSpc>
+                <a:spcPct val="100000"/>
+              </a:lnSpc>
+              <a:buNone/>
+              <a:tabLst>
+                <a:tab algn="l" pos="0"/>
+              </a:tabLst>
+            </a:pPr>
+            <a:r>
+              <a:rPr lang="en-US" sz="3600" b="0" u="none" strike="noStrike">
+                <a:solidFill>
+                  <a:schemeClr val="dk1"/>
+                </a:solidFill>
+                <a:effectLst/>
+                <a:uFillTx/>
+                <a:latin typeface="Arial"/>
+                <a:ea typeface="SimSun"/>
+              </a:rPr>
+              <a:t>Click to edit Master title style</a:t>
+            </a:r>
+            <a:endParaRPr lang="en-US" sz="3600" b="0" u="none" strike="noStrike">
+              <a:solidFill>
+                <a:srgbClr val="000000"/>
+              </a:solidFill>
+              <a:effectLst/>
+              <a:uFillTx/>
+              <a:latin typeface="Arial"/>
+            </a:endParaRPr>
+          </a:p>
+        </p:txBody>
+      </p:sp>
+      <p:sp>
+        <p:nvSpPr>
+          <p:cNvPr id="61" name="PlaceHolder 2"/>
+          <p:cNvSpPr>
+            <a:spLocks noGrp="1"/>
+          </p:cNvSpPr>
+          <p:nvPr>
+            <p:ph type="body"/>
+          </p:nvPr>
+        </p:nvSpPr>
+        <p:spPr>
+          <a:xfrm>
+            <a:off x="609480" y="1174680"/>
+            <a:ext cx="10964880" cy="4944960"/>
+          </a:xfrm>
+          <a:prstGeom prst="rect">
+            <a:avLst/>
+          </a:prstGeom>
+          <a:noFill/>
+          <a:ln w="9360">
+            <a:noFill/>
+          </a:ln>
+        </p:spPr>
+        <p:txBody>
+          <a:bodyPr lIns="90000" rIns="90000" tIns="45000" bIns="45000" anchor="t">
+            <a:noAutofit/>
+          </a:bodyPr>
+          <a:p>
+            <a:pPr marL="343080" indent="-343080">
+              <a:lnSpc>
+                <a:spcPct val="100000"/>
+              </a:lnSpc>
+              <a:spcBef>
+                <a:spcPts val="641"/>
+              </a:spcBef>
+              <a:buClr>
+                <a:srgbClr val="000000"/>
+              </a:buClr>
+              <a:buFont typeface="Symbol" charset="2"/>
+              <a:buChar char=""/>
+            </a:pPr>
+            <a:r>
+              <a:rPr lang="en-US" sz="3200" b="0" u="none" strike="noStrike">
+                <a:solidFill>
+                  <a:schemeClr val="dk1"/>
+                </a:solidFill>
+                <a:effectLst/>
+                <a:uFillTx/>
+                <a:latin typeface="Arial"/>
+                <a:ea typeface="SimSun"/>
+              </a:rPr>
+              <a:t>Click to edit Master text styles</a:t>
+            </a:r>
+            <a:endParaRPr lang="en-US" sz="3200" b="0" u="none" strike="noStrike">
+              <a:solidFill>
+                <a:srgbClr val="000000"/>
+              </a:solidFill>
+              <a:effectLst/>
+              <a:uFillTx/>
+              <a:latin typeface="Arial"/>
+            </a:endParaRPr>
+          </a:p>
+          <a:p>
+            <a:pPr marL="743040" lvl="1" indent="-285840">
+              <a:lnSpc>
+                <a:spcPct val="100000"/>
+              </a:lnSpc>
+              <a:spcBef>
+                <a:spcPts val="561"/>
+              </a:spcBef>
+              <a:buClr>
+                <a:srgbClr val="000000"/>
+              </a:buClr>
+              <a:buFont typeface="Symbol" charset="2"/>
+              <a:buChar char=""/>
+            </a:pPr>
+            <a:r>
+              <a:rPr lang="en-US" sz="2800" b="0" u="none" strike="noStrike">
+                <a:solidFill>
+                  <a:schemeClr val="dk1"/>
+                </a:solidFill>
+                <a:effectLst/>
+                <a:uFillTx/>
+                <a:latin typeface="Arial"/>
+                <a:ea typeface="SimSun"/>
+              </a:rPr>
+              <a:t>Second level</a:t>
+            </a:r>
+            <a:endParaRPr lang="en-US" sz="2800" b="0" u="none" strike="noStrike">
+              <a:solidFill>
+                <a:srgbClr val="000000"/>
+              </a:solidFill>
+              <a:effectLst/>
+              <a:uFillTx/>
+              <a:latin typeface="Arial"/>
+            </a:endParaRPr>
+          </a:p>
+          <a:p>
+            <a:pPr marL="1143000" lvl="2" indent="-228600">
+              <a:lnSpc>
+                <a:spcPct val="100000"/>
+              </a:lnSpc>
+              <a:spcBef>
+                <a:spcPts val="479"/>
+              </a:spcBef>
+              <a:buClr>
+                <a:srgbClr val="000000"/>
+              </a:buClr>
+              <a:buFont typeface="Symbol" charset="2"/>
+              <a:buChar char=""/>
+            </a:pPr>
+            <a:r>
+              <a:rPr lang="en-US" sz="2400" b="0" u="none" strike="noStrike">
+                <a:solidFill>
+                  <a:schemeClr val="dk1"/>
+                </a:solidFill>
+                <a:effectLst/>
+                <a:uFillTx/>
+                <a:latin typeface="Arial"/>
+                <a:ea typeface="SimSun"/>
+              </a:rPr>
+              <a:t>Third level</a:t>
+            </a:r>
+            <a:endParaRPr lang="en-US" sz="2400" b="0" u="none" strike="noStrike">
+              <a:solidFill>
+                <a:srgbClr val="000000"/>
+              </a:solidFill>
+              <a:effectLst/>
+              <a:uFillTx/>
+              <a:latin typeface="Arial"/>
+            </a:endParaRPr>
+          </a:p>
+          <a:p>
+            <a:pPr marL="1600200" lvl="3" indent="-228600">
+              <a:lnSpc>
+                <a:spcPct val="100000"/>
+              </a:lnSpc>
+              <a:spcBef>
+                <a:spcPts val="400"/>
+              </a:spcBef>
+              <a:buClr>
+                <a:srgbClr val="000000"/>
+              </a:buClr>
+              <a:buFont typeface="Symbol" charset="2"/>
+              <a:buChar char=""/>
+            </a:pPr>
+            <a:r>
+              <a:rPr lang="en-US" sz="2000" b="0" u="none" strike="noStrike">
+                <a:solidFill>
+                  <a:schemeClr val="dk1"/>
+                </a:solidFill>
+                <a:effectLst/>
+                <a:uFillTx/>
+                <a:latin typeface="Arial"/>
+                <a:ea typeface="SimSun"/>
+              </a:rPr>
+              <a:t>Fourth level</a:t>
+            </a:r>
+            <a:endParaRPr lang="en-US" sz="2000" b="0" u="none" strike="noStrike">
+              <a:solidFill>
+                <a:srgbClr val="000000"/>
+              </a:solidFill>
+              <a:effectLst/>
+              <a:uFillTx/>
+              <a:latin typeface="Arial"/>
+            </a:endParaRPr>
+          </a:p>
+          <a:p>
+            <a:pPr marL="2057400" lvl="4" indent="-228600">
+              <a:lnSpc>
+                <a:spcPct val="100000"/>
+              </a:lnSpc>
+              <a:spcBef>
+                <a:spcPts val="400"/>
+              </a:spcBef>
+              <a:buClr>
+                <a:srgbClr val="000000"/>
+              </a:buClr>
+              <a:buFont typeface="OpenSymbol"/>
+              <a:buChar char="»"/>
+            </a:pPr>
+            <a:r>
+              <a:rPr lang="en-US" sz="2000" b="0" u="none" strike="noStrike">
+                <a:solidFill>
+                  <a:schemeClr val="dk1"/>
+                </a:solidFill>
+                <a:effectLst/>
+                <a:uFillTx/>
+                <a:latin typeface="Arial"/>
+                <a:ea typeface="SimSun"/>
+              </a:rPr>
+              <a:t>Fifth level</a:t>
+            </a:r>
+            <a:endParaRPr lang="en-US" sz="2000" b="0" u="none" strike="noStrike">
+              <a:solidFill>
+                <a:srgbClr val="000000"/>
+              </a:solidFill>
+              <a:effectLst/>
+              <a:uFillTx/>
+              <a:latin typeface="Arial"/>
+            </a:endParaRPr>
+          </a:p>
+        </p:txBody>
+      </p:sp>
+      <p:sp>
+        <p:nvSpPr>
+          <p:cNvPr id="62" name="PlaceHolder 3"/>
+          <p:cNvSpPr>
+            <a:spLocks noGrp="1"/>
+          </p:cNvSpPr>
+          <p:nvPr>
+            <p:ph type="dt" idx="28"/>
+          </p:nvPr>
+        </p:nvSpPr>
+        <p:spPr>
+          <a:xfrm>
+            <a:off x="609480" y="6245280"/>
+            <a:ext cx="2836800" cy="468360"/>
+          </a:xfrm>
+          <a:prstGeom prst="rect">
+            <a:avLst/>
+          </a:prstGeom>
+          <a:noFill/>
+          <a:ln w="0">
+            <a:noFill/>
+          </a:ln>
+        </p:spPr>
+        <p:txBody>
+          <a:bodyPr numCol="1" spcCol="0" lIns="91440" rIns="91440" tIns="45720" bIns="45720" anchor="t">
+            <a:noAutofit/>
+          </a:bodyPr>
+          <a:lstStyle>
+            <a:lvl1pPr indent="0" defTabSz="914400">
+              <a:lnSpc>
+                <a:spcPct val="100000"/>
+              </a:lnSpc>
+              <a:buNone/>
+              <a:tabLst>
+                <a:tab algn="l" pos="0"/>
+              </a:tabLst>
+              <a:defRPr lang="en-US" sz="1400" b="0" u="none" strike="noStrike">
+                <a:solidFill>
+                  <a:srgbClr val="000000"/>
+                </a:solidFill>
+                <a:effectLst/>
+                <a:uFillTx/>
+                <a:latin typeface="Times New Roman"/>
+                <a:ea typeface="SimSun"/>
+              </a:defRPr>
+            </a:lvl1pPr>
+          </a:lstStyle>
+          <a:p>
+            <a:pPr indent="0" defTabSz="914400">
+              <a:lnSpc>
+                <a:spcPct val="100000"/>
+              </a:lnSpc>
+              <a:buNone/>
+              <a:tabLst>
+                <a:tab algn="l" pos="0"/>
+              </a:tabLst>
+            </a:pPr>
+            <a:r>
+              <a:rPr lang="en-US" sz="1400" b="0" u="none" strike="noStrike">
+                <a:solidFill>
+                  <a:srgbClr val="000000"/>
+                </a:solidFill>
+                <a:effectLst/>
+                <a:uFillTx/>
+                <a:latin typeface="Times New Roman"/>
+                <a:ea typeface="SimSun"/>
+              </a:rPr>
+              <a:t>&lt;date/time&gt;</a:t>
+            </a:r>
+            <a:endParaRPr lang="en-US" sz="1400" b="0" u="none" strike="noStrike">
+              <a:solidFill>
+                <a:srgbClr val="000000"/>
+              </a:solidFill>
+              <a:effectLst/>
+              <a:uFillTx/>
+              <a:latin typeface="Times New Roman"/>
+            </a:endParaRPr>
+          </a:p>
+        </p:txBody>
+      </p:sp>
+      <p:sp>
+        <p:nvSpPr>
+          <p:cNvPr id="63" name="PlaceHolder 4"/>
+          <p:cNvSpPr>
+            <a:spLocks noGrp="1"/>
+          </p:cNvSpPr>
+          <p:nvPr>
+            <p:ph type="ftr" idx="29"/>
+          </p:nvPr>
+        </p:nvSpPr>
+        <p:spPr>
+          <a:xfrm>
+            <a:off x="4165560" y="6245280"/>
+            <a:ext cx="3852720" cy="468360"/>
+          </a:xfrm>
+          <a:prstGeom prst="rect">
+            <a:avLst/>
+          </a:prstGeom>
+          <a:noFill/>
+          <a:ln w="0">
+            <a:noFill/>
+          </a:ln>
+        </p:spPr>
+        <p:txBody>
+          <a:bodyPr numCol="1" spcCol="0" lIns="91440" rIns="91440" tIns="45720" bIns="45720" anchor="t">
+            <a:noAutofit/>
+          </a:bodyPr>
+          <a:lstStyle>
+            <a:lvl1pPr indent="0" algn="ctr" defTabSz="914400">
+              <a:lnSpc>
+                <a:spcPct val="100000"/>
+              </a:lnSpc>
+              <a:buNone/>
+              <a:tabLst>
+                <a:tab algn="l" pos="0"/>
+              </a:tabLst>
+              <a:defRPr lang="en-US" sz="1400" b="0" u="none" strike="noStrike">
+                <a:solidFill>
+                  <a:srgbClr val="000000"/>
+                </a:solidFill>
+                <a:effectLst/>
+                <a:uFillTx/>
+                <a:latin typeface="Times New Roman"/>
+                <a:ea typeface="SimSun"/>
+              </a:defRPr>
+            </a:lvl1pPr>
+          </a:lstStyle>
+          <a:p>
+            <a:pPr indent="0" algn="ctr" defTabSz="914400">
+              <a:lnSpc>
+                <a:spcPct val="100000"/>
+              </a:lnSpc>
+              <a:buNone/>
+              <a:tabLst>
+                <a:tab algn="l" pos="0"/>
+              </a:tabLst>
+            </a:pPr>
+            <a:r>
+              <a:rPr lang="en-US" sz="1400" b="0" u="none" strike="noStrike">
+                <a:solidFill>
+                  <a:srgbClr val="000000"/>
+                </a:solidFill>
+                <a:effectLst/>
+                <a:uFillTx/>
+                <a:latin typeface="Times New Roman"/>
+                <a:ea typeface="SimSun"/>
+              </a:rPr>
+              <a:t>&lt;footer&gt;</a:t>
+            </a:r>
+            <a:endParaRPr lang="en-US" sz="1400" b="0" u="none" strike="noStrike">
+              <a:solidFill>
+                <a:srgbClr val="000000"/>
+              </a:solidFill>
+              <a:effectLst/>
+              <a:uFillTx/>
+              <a:latin typeface="Times New Roman"/>
+            </a:endParaRPr>
+          </a:p>
+        </p:txBody>
+      </p:sp>
+      <p:sp>
+        <p:nvSpPr>
+          <p:cNvPr id="64" name="PlaceHolder 5"/>
+          <p:cNvSpPr>
+            <a:spLocks noGrp="1"/>
+          </p:cNvSpPr>
+          <p:nvPr>
+            <p:ph type="sldNum" idx="30"/>
+          </p:nvPr>
+        </p:nvSpPr>
+        <p:spPr>
+          <a:xfrm>
+            <a:off x="8737560" y="6245280"/>
+            <a:ext cx="2836800" cy="468360"/>
+          </a:xfrm>
+          <a:prstGeom prst="rect">
+            <a:avLst/>
+          </a:prstGeom>
+          <a:noFill/>
+          <a:ln w="0">
+            <a:noFill/>
+          </a:ln>
+        </p:spPr>
+        <p:txBody>
+          <a:bodyPr numCol="1" spcCol="0" lIns="91440" rIns="91440" tIns="45720" bIns="45720" anchor="t">
+            <a:noAutofit/>
+          </a:bodyPr>
+          <a:p>
+            <a:pPr indent="0">
+              <a:buNone/>
+            </a:pPr>
+            <a:endParaRPr lang="en-US" sz="1800" b="0" u="none" strike="noStrike">
+              <a:solidFill>
+                <a:srgbClr val="000000"/>
+              </a:solidFill>
+              <a:effectLst/>
+              <a:uFillTx/>
+              <a:latin typeface="Times New Roman"/>
+            </a:endParaRPr>
+          </a:p>
+        </p:txBody>
+      </p:sp>
+    </p:spTree>
+  </p:cSld>
+</p:sldLayout>
+</file>
+
+<file path=ppt/slideLayouts/slideLayout11.xml><?xml version="1.0" encoding="utf-8"?>
+<p:sldLayout xmlns:a="http://schemas.openxmlformats.org/drawingml/2006/main" xmlns:p="http://schemas.openxmlformats.org/presentationml/2006/main" xmlns:r="http://schemas.openxmlformats.org/officeDocument/2006/relationships" xmlns:p14="http://schemas.microsoft.com/office/powerpoint/2010/main" xmlns:p15="http://schemas.microsoft.com/office/powerpoint/2012/main" xmlns:mc="http://schemas.openxmlformats.org/markup-compatibility/2006" type="blank" preserve="1">
+  <p:cSld name="Section Header">
+    <p:bg>
+      <p:bgPr>
+        <a:solidFill>
+          <a:srgbClr val="ffffff"/>
+        </a:solidFill>
+      </p:bgPr>
+    </p:bg>
+    <p:spTree>
+      <p:nvGrpSpPr>
+        <p:cNvPr id="1" name=""/>
+        <p:cNvGrpSpPr/>
+        <p:nvPr/>
+      </p:nvGrpSpPr>
+      <p:grpSpPr>
+        <a:xfrm>
+          <a:off x="0" y="0"/>
+          <a:ext cx="0" cy="0"/>
+          <a:chOff x="0" y="0"/>
+          <a:chExt cx="0" cy="0"/>
+        </a:xfrm>
+      </p:grpSpPr>
+      <p:pic>
+        <p:nvPicPr>
+          <p:cNvPr id="65" name="Picture 10"/>
+          <p:cNvPicPr/>
+          <p:nvPr/>
+        </p:nvPicPr>
+        <p:blipFill>
+          <a:blip r:embed="rId2"/>
+          <a:stretch/>
+        </p:blipFill>
+        <p:spPr>
+          <a:xfrm>
+            <a:off x="0" y="0"/>
+            <a:ext cx="12184200" cy="6850080"/>
+          </a:xfrm>
+          <a:prstGeom prst="rect">
+            <a:avLst/>
+          </a:prstGeom>
+          <a:noFill/>
+          <a:ln w="9525">
+            <a:noFill/>
+          </a:ln>
+        </p:spPr>
+      </p:pic>
+      <p:sp>
+        <p:nvSpPr>
+          <p:cNvPr id="66" name="PlaceHolder 1"/>
+          <p:cNvSpPr>
+            <a:spLocks noGrp="1"/>
+          </p:cNvSpPr>
+          <p:nvPr>
+            <p:ph type="title"/>
+          </p:nvPr>
+        </p:nvSpPr>
+        <p:spPr>
+          <a:xfrm>
+            <a:off x="831960" y="1709640"/>
+            <a:ext cx="10507680" cy="2844720"/>
+          </a:xfrm>
+          <a:prstGeom prst="rect">
+            <a:avLst/>
+          </a:prstGeom>
+          <a:noFill/>
+          <a:ln w="9360">
+            <a:noFill/>
+          </a:ln>
+        </p:spPr>
+        <p:txBody>
+          <a:bodyPr lIns="90000" rIns="90000" tIns="45000" bIns="45000" anchor="b">
+            <a:noAutofit/>
+          </a:bodyPr>
+          <a:p>
+            <a:pPr indent="0">
+              <a:lnSpc>
+                <a:spcPct val="100000"/>
+              </a:lnSpc>
+              <a:buNone/>
+              <a:tabLst>
+                <a:tab algn="l" pos="0"/>
+              </a:tabLst>
+            </a:pPr>
+            <a:r>
+              <a:rPr lang="en-US" sz="6000" b="0" u="none" strike="noStrike">
+                <a:solidFill>
+                  <a:schemeClr val="dk1"/>
+                </a:solidFill>
+                <a:effectLst/>
+                <a:uFillTx/>
+                <a:latin typeface="Arial"/>
+                <a:ea typeface="SimSun"/>
+              </a:rPr>
+              <a:t>Click to edit Master title style</a:t>
+            </a:r>
+            <a:endParaRPr lang="en-US" sz="6000" b="0" u="none" strike="noStrike">
+              <a:solidFill>
+                <a:srgbClr val="000000"/>
+              </a:solidFill>
+              <a:effectLst/>
+              <a:uFillTx/>
+              <a:latin typeface="Arial"/>
+            </a:endParaRPr>
+          </a:p>
+        </p:txBody>
+      </p:sp>
+      <p:sp>
+        <p:nvSpPr>
+          <p:cNvPr id="67" name="PlaceHolder 2"/>
+          <p:cNvSpPr>
+            <a:spLocks noGrp="1"/>
+          </p:cNvSpPr>
+          <p:nvPr>
+            <p:ph type="body"/>
+          </p:nvPr>
+        </p:nvSpPr>
+        <p:spPr>
+          <a:xfrm>
+            <a:off x="831960" y="4589640"/>
+            <a:ext cx="10507680" cy="1492200"/>
+          </a:xfrm>
+          <a:prstGeom prst="rect">
+            <a:avLst/>
+          </a:prstGeom>
+          <a:noFill/>
+          <a:ln w="9360">
+            <a:noFill/>
+          </a:ln>
+        </p:spPr>
+        <p:txBody>
+          <a:bodyPr lIns="90000" rIns="90000" tIns="45000" bIns="45000" anchor="t">
+            <a:noAutofit/>
+          </a:bodyPr>
+          <a:p>
+            <a:pPr indent="0">
+              <a:lnSpc>
+                <a:spcPct val="100000"/>
+              </a:lnSpc>
+              <a:spcBef>
+                <a:spcPts val="479"/>
+              </a:spcBef>
+              <a:buNone/>
+              <a:tabLst>
+                <a:tab algn="l" pos="0"/>
+              </a:tabLst>
+            </a:pPr>
+            <a:r>
+              <a:rPr lang="en-US" sz="2400" b="0" u="none" strike="noStrike">
+                <a:solidFill>
+                  <a:schemeClr val="dk1"/>
+                </a:solidFill>
+                <a:effectLst/>
+                <a:uFillTx/>
+                <a:latin typeface="Arial"/>
+                <a:ea typeface="SimSun"/>
+              </a:rPr>
+              <a:t>Click to edit Master text styles</a:t>
+            </a:r>
+            <a:endParaRPr lang="en-US" sz="2400" b="0" u="none" strike="noStrike">
+              <a:solidFill>
+                <a:srgbClr val="000000"/>
+              </a:solidFill>
+              <a:effectLst/>
+              <a:uFillTx/>
+              <a:latin typeface="Arial"/>
+            </a:endParaRPr>
+          </a:p>
+        </p:txBody>
+      </p:sp>
+      <p:sp>
+        <p:nvSpPr>
+          <p:cNvPr id="68" name="PlaceHolder 3"/>
+          <p:cNvSpPr>
+            <a:spLocks noGrp="1"/>
+          </p:cNvSpPr>
+          <p:nvPr>
+            <p:ph type="dt" idx="31"/>
+          </p:nvPr>
+        </p:nvSpPr>
+        <p:spPr>
+          <a:xfrm>
+            <a:off x="609480" y="6245280"/>
+            <a:ext cx="2836800" cy="468360"/>
+          </a:xfrm>
+          <a:prstGeom prst="rect">
+            <a:avLst/>
+          </a:prstGeom>
+          <a:noFill/>
+          <a:ln w="0">
+            <a:noFill/>
+          </a:ln>
+        </p:spPr>
+        <p:txBody>
+          <a:bodyPr numCol="1" spcCol="0" lIns="91440" rIns="91440" tIns="45720" bIns="45720" anchor="t">
+            <a:noAutofit/>
+          </a:bodyPr>
+          <a:lstStyle>
+            <a:lvl1pPr indent="0" defTabSz="914400">
+              <a:lnSpc>
+                <a:spcPct val="100000"/>
+              </a:lnSpc>
+              <a:buNone/>
+              <a:tabLst>
+                <a:tab algn="l" pos="0"/>
+              </a:tabLst>
+              <a:defRPr lang="en-US" sz="1400" b="0" u="none" strike="noStrike">
+                <a:solidFill>
+                  <a:srgbClr val="000000"/>
+                </a:solidFill>
+                <a:effectLst/>
+                <a:uFillTx/>
+                <a:latin typeface="Times New Roman"/>
+                <a:ea typeface="SimSun"/>
+              </a:defRPr>
+            </a:lvl1pPr>
+          </a:lstStyle>
+          <a:p>
+            <a:pPr indent="0" defTabSz="914400">
+              <a:lnSpc>
+                <a:spcPct val="100000"/>
+              </a:lnSpc>
+              <a:buNone/>
+              <a:tabLst>
+                <a:tab algn="l" pos="0"/>
+              </a:tabLst>
+            </a:pPr>
+            <a:r>
+              <a:rPr lang="en-US" sz="1400" b="0" u="none" strike="noStrike">
+                <a:solidFill>
+                  <a:srgbClr val="000000"/>
+                </a:solidFill>
+                <a:effectLst/>
+                <a:uFillTx/>
+                <a:latin typeface="Times New Roman"/>
+                <a:ea typeface="SimSun"/>
+              </a:rPr>
+              <a:t>&lt;date/time&gt;</a:t>
+            </a:r>
+            <a:endParaRPr lang="en-US" sz="1400" b="0" u="none" strike="noStrike">
+              <a:solidFill>
+                <a:srgbClr val="000000"/>
+              </a:solidFill>
+              <a:effectLst/>
+              <a:uFillTx/>
+              <a:latin typeface="Times New Roman"/>
+            </a:endParaRPr>
+          </a:p>
+        </p:txBody>
+      </p:sp>
+      <p:sp>
+        <p:nvSpPr>
+          <p:cNvPr id="69" name="PlaceHolder 4"/>
+          <p:cNvSpPr>
+            <a:spLocks noGrp="1"/>
+          </p:cNvSpPr>
+          <p:nvPr>
+            <p:ph type="ftr" idx="32"/>
+          </p:nvPr>
+        </p:nvSpPr>
+        <p:spPr>
+          <a:xfrm>
+            <a:off x="4165560" y="6245280"/>
+            <a:ext cx="3852720" cy="468360"/>
+          </a:xfrm>
+          <a:prstGeom prst="rect">
+            <a:avLst/>
+          </a:prstGeom>
+          <a:noFill/>
+          <a:ln w="0">
+            <a:noFill/>
+          </a:ln>
+        </p:spPr>
+        <p:txBody>
+          <a:bodyPr numCol="1" spcCol="0" lIns="91440" rIns="91440" tIns="45720" bIns="45720" anchor="t">
+            <a:noAutofit/>
+          </a:bodyPr>
+          <a:lstStyle>
+            <a:lvl1pPr indent="0" algn="ctr" defTabSz="914400">
+              <a:lnSpc>
+                <a:spcPct val="100000"/>
+              </a:lnSpc>
+              <a:buNone/>
+              <a:tabLst>
+                <a:tab algn="l" pos="0"/>
+              </a:tabLst>
+              <a:defRPr lang="en-US" sz="1400" b="0" u="none" strike="noStrike">
+                <a:solidFill>
+                  <a:srgbClr val="000000"/>
+                </a:solidFill>
+                <a:effectLst/>
+                <a:uFillTx/>
+                <a:latin typeface="Times New Roman"/>
+                <a:ea typeface="SimSun"/>
+              </a:defRPr>
+            </a:lvl1pPr>
+          </a:lstStyle>
+          <a:p>
+            <a:pPr indent="0" algn="ctr" defTabSz="914400">
+              <a:lnSpc>
+                <a:spcPct val="100000"/>
+              </a:lnSpc>
+              <a:buNone/>
+              <a:tabLst>
+                <a:tab algn="l" pos="0"/>
+              </a:tabLst>
+            </a:pPr>
+            <a:r>
+              <a:rPr lang="en-US" sz="1400" b="0" u="none" strike="noStrike">
+                <a:solidFill>
+                  <a:srgbClr val="000000"/>
+                </a:solidFill>
+                <a:effectLst/>
+                <a:uFillTx/>
+                <a:latin typeface="Times New Roman"/>
+                <a:ea typeface="SimSun"/>
+              </a:rPr>
+              <a:t>&lt;footer&gt;</a:t>
+            </a:r>
+            <a:endParaRPr lang="en-US" sz="1400" b="0" u="none" strike="noStrike">
+              <a:solidFill>
+                <a:srgbClr val="000000"/>
+              </a:solidFill>
+              <a:effectLst/>
+              <a:uFillTx/>
+              <a:latin typeface="Times New Roman"/>
+            </a:endParaRPr>
+          </a:p>
+        </p:txBody>
+      </p:sp>
+      <p:sp>
+        <p:nvSpPr>
+          <p:cNvPr id="70" name="PlaceHolder 5"/>
+          <p:cNvSpPr>
+            <a:spLocks noGrp="1"/>
+          </p:cNvSpPr>
+          <p:nvPr>
+            <p:ph type="sldNum" idx="33"/>
+          </p:nvPr>
+        </p:nvSpPr>
+        <p:spPr>
+          <a:xfrm>
+            <a:off x="8737560" y="6245280"/>
+            <a:ext cx="2836800" cy="468360"/>
+          </a:xfrm>
+          <a:prstGeom prst="rect">
+            <a:avLst/>
+          </a:prstGeom>
+          <a:noFill/>
+          <a:ln w="0">
+            <a:noFill/>
+          </a:ln>
+        </p:spPr>
+        <p:txBody>
+          <a:bodyPr numCol="1" spcCol="0" lIns="91440" rIns="91440" tIns="45720" bIns="45720" anchor="t">
+            <a:noAutofit/>
+          </a:bodyPr>
+          <a:p>
+            <a:pPr indent="0">
+              <a:buNone/>
+            </a:pPr>
+            <a:endParaRPr lang="en-US" sz="1800" b="0" u="none" strike="noStrike">
+              <a:solidFill>
+                <a:srgbClr val="000000"/>
+              </a:solidFill>
+              <a:effectLst/>
+              <a:uFillTx/>
+              <a:latin typeface="Times New Roman"/>
+            </a:endParaRPr>
+          </a:p>
+        </p:txBody>
+      </p:sp>
+    </p:spTree>
+  </p:cSld>
+</p:sldLayout>
+</file>
+
+<file path=ppt/slideLayouts/slideLayout2.xml><?xml version="1.0" encoding="utf-8"?>
 <p:sldLayout xmlns:a="http://schemas.openxmlformats.org/drawingml/2006/main" xmlns:p="http://schemas.openxmlformats.org/presentationml/2006/main" xmlns:r="http://schemas.openxmlformats.org/officeDocument/2006/relationships" xmlns:p14="http://schemas.microsoft.com/office/powerpoint/2010/main" xmlns:p15="http://schemas.microsoft.com/office/powerpoint/2012/main" xmlns:mc="http://schemas.openxmlformats.org/markup-compatibility/2006" type="twoObj" preserve="1">
   <p:cSld name="Two Content">
     <p:bg>
@@ -309,7 +1266,7 @@
       </p:grpSpPr>
       <p:pic>
         <p:nvPicPr>
-          <p:cNvPr id="55" name="Picture 10"/>
+          <p:cNvPr id="7" name="Picture 10"/>
           <p:cNvPicPr/>
           <p:nvPr/>
         </p:nvPicPr>
@@ -320,7 +1277,7 @@
         <p:spPr>
           <a:xfrm>
             <a:off x="0" y="0"/>
-            <a:ext cx="12184560" cy="6850440"/>
+            <a:ext cx="12184200" cy="6850080"/>
           </a:xfrm>
           <a:prstGeom prst="rect">
             <a:avLst/>
@@ -333,7 +1290,7 @@
       </p:pic>
       <p:sp>
         <p:nvSpPr>
-          <p:cNvPr id="56" name="PlaceHolder 1"/>
+          <p:cNvPr id="8" name="PlaceHolder 1"/>
           <p:cNvSpPr>
             <a:spLocks noGrp="1"/>
           </p:cNvSpPr>
@@ -344,7 +1301,7 @@
         <p:spPr>
           <a:xfrm>
             <a:off x="609480" y="190440"/>
-            <a:ext cx="10965240" cy="574920"/>
+            <a:ext cx="10964880" cy="574560"/>
           </a:xfrm>
           <a:prstGeom prst="rect">
             <a:avLst/>
@@ -393,7 +1350,7 @@
       </p:sp>
       <p:sp>
         <p:nvSpPr>
-          <p:cNvPr id="57" name="PlaceHolder 2"/>
+          <p:cNvPr id="9" name="PlaceHolder 2"/>
           <p:cNvSpPr>
             <a:spLocks noGrp="1"/>
           </p:cNvSpPr>
@@ -404,7 +1361,7 @@
         <p:spPr>
           <a:xfrm>
             <a:off x="609480" y="1174680"/>
-            <a:ext cx="5377320" cy="4945320"/>
+            <a:ext cx="5376960" cy="4944960"/>
           </a:xfrm>
           <a:prstGeom prst="rect">
             <a:avLst/>
@@ -597,7 +1554,7 @@
       </p:sp>
       <p:sp>
         <p:nvSpPr>
-          <p:cNvPr id="58" name="PlaceHolder 3"/>
+          <p:cNvPr id="10" name="PlaceHolder 3"/>
           <p:cNvSpPr>
             <a:spLocks noGrp="1"/>
           </p:cNvSpPr>
@@ -608,7 +1565,7 @@
         <p:spPr>
           <a:xfrm>
             <a:off x="6197760" y="1174680"/>
-            <a:ext cx="5377320" cy="4945320"/>
+            <a:ext cx="5376960" cy="4944960"/>
           </a:xfrm>
           <a:prstGeom prst="rect">
             <a:avLst/>
@@ -801,18 +1758,18 @@
       </p:sp>
       <p:sp>
         <p:nvSpPr>
-          <p:cNvPr id="59" name="PlaceHolder 4"/>
+          <p:cNvPr id="11" name="PlaceHolder 4"/>
           <p:cNvSpPr>
             <a:spLocks noGrp="1"/>
           </p:cNvSpPr>
           <p:nvPr>
-            <p:ph type="dt" idx="28"/>
+            <p:ph type="dt" idx="4"/>
           </p:nvPr>
         </p:nvSpPr>
         <p:spPr>
           <a:xfrm>
             <a:off x="609480" y="6245280"/>
-            <a:ext cx="2837160" cy="468720"/>
+            <a:ext cx="2836800" cy="468360"/>
           </a:xfrm>
           <a:prstGeom prst="rect">
             <a:avLst/>
@@ -881,18 +1838,18 @@
       </p:sp>
       <p:sp>
         <p:nvSpPr>
-          <p:cNvPr id="60" name="PlaceHolder 5"/>
+          <p:cNvPr id="12" name="PlaceHolder 5"/>
           <p:cNvSpPr>
             <a:spLocks noGrp="1"/>
           </p:cNvSpPr>
           <p:nvPr>
-            <p:ph type="ftr" idx="29"/>
+            <p:ph type="ftr" idx="5"/>
           </p:nvPr>
         </p:nvSpPr>
         <p:spPr>
           <a:xfrm>
             <a:off x="4165560" y="6245280"/>
-            <a:ext cx="3853080" cy="468720"/>
+            <a:ext cx="3852720" cy="468360"/>
           </a:xfrm>
           <a:prstGeom prst="rect">
             <a:avLst/>
@@ -961,18 +1918,18 @@
       </p:sp>
       <p:sp>
         <p:nvSpPr>
-          <p:cNvPr id="61" name="PlaceHolder 6"/>
+          <p:cNvPr id="13" name="PlaceHolder 6"/>
           <p:cNvSpPr>
             <a:spLocks noGrp="1"/>
           </p:cNvSpPr>
           <p:nvPr>
-            <p:ph type="sldNum" idx="30"/>
+            <p:ph type="sldNum" idx="6"/>
           </p:nvPr>
         </p:nvSpPr>
         <p:spPr>
           <a:xfrm>
             <a:off x="8737560" y="6245280"/>
-            <a:ext cx="2837160" cy="468720"/>
+            <a:ext cx="2836800" cy="468360"/>
           </a:xfrm>
           <a:prstGeom prst="rect">
             <a:avLst/>
@@ -1006,7 +1963,7 @@
 </p:sldLayout>
 </file>
 
-<file path=ppt/slideLayouts/slideLayout11.xml><?xml version="1.0" encoding="utf-8"?>
+<file path=ppt/slideLayouts/slideLayout3.xml><?xml version="1.0" encoding="utf-8"?>
 <p:sldLayout xmlns:a="http://schemas.openxmlformats.org/drawingml/2006/main" xmlns:p="http://schemas.openxmlformats.org/presentationml/2006/main" xmlns:r="http://schemas.openxmlformats.org/officeDocument/2006/relationships" xmlns:p14="http://schemas.microsoft.com/office/powerpoint/2010/main" xmlns:p15="http://schemas.microsoft.com/office/powerpoint/2012/main" xmlns:mc="http://schemas.openxmlformats.org/markup-compatibility/2006" type="blank" preserve="1">
   <p:cSld name="Comparison">
     <p:bg>
@@ -1032,7 +1989,7 @@
       </p:grpSpPr>
       <p:pic>
         <p:nvPicPr>
-          <p:cNvPr id="62" name="Picture 10"/>
+          <p:cNvPr id="14" name="Picture 10"/>
           <p:cNvPicPr/>
           <p:nvPr/>
         </p:nvPicPr>
@@ -1043,7 +2000,7 @@
         <p:spPr>
           <a:xfrm>
             <a:off x="0" y="0"/>
-            <a:ext cx="12184560" cy="6850440"/>
+            <a:ext cx="12184200" cy="6850080"/>
           </a:xfrm>
           <a:prstGeom prst="rect">
             <a:avLst/>
@@ -1056,7 +2013,7 @@
       </p:pic>
       <p:sp>
         <p:nvSpPr>
-          <p:cNvPr id="63" name="PlaceHolder 1"/>
+          <p:cNvPr id="15" name="PlaceHolder 1"/>
           <p:cNvSpPr>
             <a:spLocks noGrp="1"/>
           </p:cNvSpPr>
@@ -1067,7 +2024,7 @@
         <p:spPr>
           <a:xfrm>
             <a:off x="840240" y="365040"/>
-            <a:ext cx="10508040" cy="1317960"/>
+            <a:ext cx="10507680" cy="1317600"/>
           </a:xfrm>
           <a:prstGeom prst="rect">
             <a:avLst/>
@@ -1116,7 +2073,7 @@
       </p:sp>
       <p:sp>
         <p:nvSpPr>
-          <p:cNvPr id="64" name="PlaceHolder 2"/>
+          <p:cNvPr id="16" name="PlaceHolder 2"/>
           <p:cNvSpPr>
             <a:spLocks noGrp="1"/>
           </p:cNvSpPr>
@@ -1127,7 +2084,7 @@
         <p:spPr>
           <a:xfrm>
             <a:off x="840240" y="1681200"/>
-            <a:ext cx="5150880" cy="816480"/>
+            <a:ext cx="5150520" cy="816120"/>
           </a:xfrm>
           <a:prstGeom prst="rect">
             <a:avLst/>
@@ -1179,7 +2136,7 @@
       </p:sp>
       <p:sp>
         <p:nvSpPr>
-          <p:cNvPr id="65" name="PlaceHolder 3"/>
+          <p:cNvPr id="17" name="PlaceHolder 3"/>
           <p:cNvSpPr>
             <a:spLocks noGrp="1"/>
           </p:cNvSpPr>
@@ -1190,7 +2147,7 @@
         <p:spPr>
           <a:xfrm>
             <a:off x="840240" y="2505240"/>
-            <a:ext cx="5150880" cy="3677040"/>
+            <a:ext cx="5150520" cy="3676680"/>
           </a:xfrm>
           <a:prstGeom prst="rect">
             <a:avLst/>
@@ -1383,7 +2340,7 @@
       </p:sp>
       <p:sp>
         <p:nvSpPr>
-          <p:cNvPr id="66" name="PlaceHolder 4"/>
+          <p:cNvPr id="18" name="PlaceHolder 4"/>
           <p:cNvSpPr>
             <a:spLocks noGrp="1"/>
           </p:cNvSpPr>
@@ -1394,7 +2351,7 @@
         <p:spPr>
           <a:xfrm>
             <a:off x="6172200" y="1681200"/>
-            <a:ext cx="5176080" cy="816480"/>
+            <a:ext cx="5175720" cy="816120"/>
           </a:xfrm>
           <a:prstGeom prst="rect">
             <a:avLst/>
@@ -1446,7 +2403,7 @@
       </p:sp>
       <p:sp>
         <p:nvSpPr>
-          <p:cNvPr id="67" name="PlaceHolder 5"/>
+          <p:cNvPr id="19" name="PlaceHolder 5"/>
           <p:cNvSpPr>
             <a:spLocks noGrp="1"/>
           </p:cNvSpPr>
@@ -1457,7 +2414,7 @@
         <p:spPr>
           <a:xfrm>
             <a:off x="6172200" y="2505240"/>
-            <a:ext cx="5176080" cy="3677040"/>
+            <a:ext cx="5175720" cy="3676680"/>
           </a:xfrm>
           <a:prstGeom prst="rect">
             <a:avLst/>
@@ -1650,18 +2607,18 @@
       </p:sp>
       <p:sp>
         <p:nvSpPr>
-          <p:cNvPr id="68" name="PlaceHolder 6"/>
+          <p:cNvPr id="20" name="PlaceHolder 6"/>
           <p:cNvSpPr>
             <a:spLocks noGrp="1"/>
           </p:cNvSpPr>
           <p:nvPr>
-            <p:ph type="dt" idx="31"/>
+            <p:ph type="dt" idx="7"/>
           </p:nvPr>
         </p:nvSpPr>
         <p:spPr>
           <a:xfrm>
             <a:off x="609480" y="6245280"/>
-            <a:ext cx="2837160" cy="468720"/>
+            <a:ext cx="2836800" cy="468360"/>
           </a:xfrm>
           <a:prstGeom prst="rect">
             <a:avLst/>
@@ -1730,18 +2687,18 @@
       </p:sp>
       <p:sp>
         <p:nvSpPr>
-          <p:cNvPr id="69" name="PlaceHolder 7"/>
+          <p:cNvPr id="21" name="PlaceHolder 7"/>
           <p:cNvSpPr>
             <a:spLocks noGrp="1"/>
           </p:cNvSpPr>
           <p:nvPr>
-            <p:ph type="ftr" idx="32"/>
+            <p:ph type="ftr" idx="8"/>
           </p:nvPr>
         </p:nvSpPr>
         <p:spPr>
           <a:xfrm>
             <a:off x="4165560" y="6245280"/>
-            <a:ext cx="3853080" cy="468720"/>
+            <a:ext cx="3852720" cy="468360"/>
           </a:xfrm>
           <a:prstGeom prst="rect">
             <a:avLst/>
@@ -1810,18 +2767,18 @@
       </p:sp>
       <p:sp>
         <p:nvSpPr>
-          <p:cNvPr id="70" name="PlaceHolder 8"/>
+          <p:cNvPr id="22" name="PlaceHolder 8"/>
           <p:cNvSpPr>
             <a:spLocks noGrp="1"/>
           </p:cNvSpPr>
           <p:nvPr>
-            <p:ph type="sldNum" idx="33"/>
+            <p:ph type="sldNum" idx="9"/>
           </p:nvPr>
         </p:nvSpPr>
         <p:spPr>
           <a:xfrm>
             <a:off x="8737560" y="6245280"/>
-            <a:ext cx="2837160" cy="468720"/>
+            <a:ext cx="2836800" cy="468360"/>
           </a:xfrm>
           <a:prstGeom prst="rect">
             <a:avLst/>
@@ -1855,7 +2812,262 @@
 </p:sldLayout>
 </file>
 
-<file path=ppt/slideLayouts/slideLayout2.xml><?xml version="1.0" encoding="utf-8"?>
+<file path=ppt/slideLayouts/slideLayout4.xml><?xml version="1.0" encoding="utf-8"?>
+<p:sldLayout xmlns:a="http://schemas.openxmlformats.org/drawingml/2006/main" xmlns:p="http://schemas.openxmlformats.org/presentationml/2006/main" xmlns:r="http://schemas.openxmlformats.org/officeDocument/2006/relationships" xmlns:p14="http://schemas.microsoft.com/office/powerpoint/2010/main" xmlns:p15="http://schemas.microsoft.com/office/powerpoint/2012/main" xmlns:mc="http://schemas.openxmlformats.org/markup-compatibility/2006" type="blank" preserve="1">
+  <p:cSld name="Blank">
+    <p:bg>
+      <p:bgPr>
+        <a:solidFill>
+          <a:srgbClr val="ffffff"/>
+        </a:solidFill>
+      </p:bgPr>
+    </p:bg>
+    <p:spTree>
+      <p:nvGrpSpPr>
+        <p:cNvPr id="1" name=""/>
+        <p:cNvGrpSpPr/>
+        <p:nvPr/>
+      </p:nvGrpSpPr>
+      <p:grpSpPr>
+        <a:xfrm>
+          <a:off x="0" y="0"/>
+          <a:ext cx="0" cy="0"/>
+          <a:chOff x="0" y="0"/>
+          <a:chExt cx="0" cy="0"/>
+        </a:xfrm>
+      </p:grpSpPr>
+      <p:pic>
+        <p:nvPicPr>
+          <p:cNvPr id="23" name="Picture 10"/>
+          <p:cNvPicPr/>
+          <p:nvPr/>
+        </p:nvPicPr>
+        <p:blipFill>
+          <a:blip r:embed="rId2"/>
+          <a:stretch/>
+        </p:blipFill>
+        <p:spPr>
+          <a:xfrm>
+            <a:off x="0" y="0"/>
+            <a:ext cx="12184200" cy="6850080"/>
+          </a:xfrm>
+          <a:prstGeom prst="rect">
+            <a:avLst/>
+          </a:prstGeom>
+          <a:noFill/>
+          <a:ln w="9525">
+            <a:noFill/>
+          </a:ln>
+        </p:spPr>
+      </p:pic>
+      <p:sp>
+        <p:nvSpPr>
+          <p:cNvPr id="24" name="PlaceHolder 1"/>
+          <p:cNvSpPr>
+            <a:spLocks noGrp="1"/>
+          </p:cNvSpPr>
+          <p:nvPr>
+            <p:ph type="dt" idx="10"/>
+          </p:nvPr>
+        </p:nvSpPr>
+        <p:spPr>
+          <a:xfrm>
+            <a:off x="609480" y="6245280"/>
+            <a:ext cx="2836800" cy="468360"/>
+          </a:xfrm>
+          <a:prstGeom prst="rect">
+            <a:avLst/>
+          </a:prstGeom>
+          <a:noFill/>
+          <a:ln w="0">
+            <a:noFill/>
+          </a:ln>
+        </p:spPr>
+        <p:txBody>
+          <a:bodyPr numCol="1" spcCol="0" lIns="91440" rIns="91440" tIns="45720" bIns="45720" anchor="t">
+            <a:noAutofit/>
+          </a:bodyPr>
+          <a:lstStyle>
+            <a:lvl1pPr indent="0" defTabSz="914400">
+              <a:lnSpc>
+                <a:spcPct val="100000"/>
+              </a:lnSpc>
+              <a:buNone/>
+              <a:tabLst>
+                <a:tab algn="l" pos="0"/>
+              </a:tabLst>
+              <a:defRPr lang="en-US" sz="1400" b="0" u="none" strike="noStrike">
+                <a:solidFill>
+                  <a:srgbClr val="000000"/>
+                </a:solidFill>
+                <a:effectLst/>
+                <a:uFillTx/>
+                <a:latin typeface="Times New Roman"/>
+                <a:ea typeface="SimSun"/>
+              </a:defRPr>
+            </a:lvl1pPr>
+          </a:lstStyle>
+          <a:p>
+            <a:pPr indent="0" defTabSz="914400">
+              <a:lnSpc>
+                <a:spcPct val="100000"/>
+              </a:lnSpc>
+              <a:buNone/>
+              <a:tabLst>
+                <a:tab algn="l" pos="0"/>
+              </a:tabLst>
+            </a:pPr>
+            <a:r>
+              <a:rPr lang="en-US" sz="1400" b="0" u="none" strike="noStrike">
+                <a:solidFill>
+                  <a:srgbClr val="000000"/>
+                </a:solidFill>
+                <a:effectLst/>
+                <a:uFillTx/>
+                <a:latin typeface="Times New Roman"/>
+                <a:ea typeface="SimSun"/>
+              </a:rPr>
+              <a:t>&lt;date/time&gt;</a:t>
+            </a:r>
+            <a:endParaRPr lang="en-US" sz="1400" b="0" u="none" strike="noStrike">
+              <a:solidFill>
+                <a:srgbClr val="000000"/>
+              </a:solidFill>
+              <a:effectLst/>
+              <a:uFillTx/>
+              <a:latin typeface="Times New Roman"/>
+            </a:endParaRPr>
+          </a:p>
+        </p:txBody>
+      </p:sp>
+      <p:sp>
+        <p:nvSpPr>
+          <p:cNvPr id="25" name="PlaceHolder 2"/>
+          <p:cNvSpPr>
+            <a:spLocks noGrp="1"/>
+          </p:cNvSpPr>
+          <p:nvPr>
+            <p:ph type="ftr" idx="11"/>
+          </p:nvPr>
+        </p:nvSpPr>
+        <p:spPr>
+          <a:xfrm>
+            <a:off x="4165560" y="6245280"/>
+            <a:ext cx="3852720" cy="468360"/>
+          </a:xfrm>
+          <a:prstGeom prst="rect">
+            <a:avLst/>
+          </a:prstGeom>
+          <a:noFill/>
+          <a:ln w="0">
+            <a:noFill/>
+          </a:ln>
+        </p:spPr>
+        <p:txBody>
+          <a:bodyPr numCol="1" spcCol="0" lIns="91440" rIns="91440" tIns="45720" bIns="45720" anchor="t">
+            <a:noAutofit/>
+          </a:bodyPr>
+          <a:lstStyle>
+            <a:lvl1pPr indent="0" algn="ctr" defTabSz="914400">
+              <a:lnSpc>
+                <a:spcPct val="100000"/>
+              </a:lnSpc>
+              <a:buNone/>
+              <a:tabLst>
+                <a:tab algn="l" pos="0"/>
+              </a:tabLst>
+              <a:defRPr lang="en-US" sz="1400" b="0" u="none" strike="noStrike">
+                <a:solidFill>
+                  <a:srgbClr val="000000"/>
+                </a:solidFill>
+                <a:effectLst/>
+                <a:uFillTx/>
+                <a:latin typeface="Times New Roman"/>
+                <a:ea typeface="SimSun"/>
+              </a:defRPr>
+            </a:lvl1pPr>
+          </a:lstStyle>
+          <a:p>
+            <a:pPr indent="0" algn="ctr" defTabSz="914400">
+              <a:lnSpc>
+                <a:spcPct val="100000"/>
+              </a:lnSpc>
+              <a:buNone/>
+              <a:tabLst>
+                <a:tab algn="l" pos="0"/>
+              </a:tabLst>
+            </a:pPr>
+            <a:r>
+              <a:rPr lang="en-US" sz="1400" b="0" u="none" strike="noStrike">
+                <a:solidFill>
+                  <a:srgbClr val="000000"/>
+                </a:solidFill>
+                <a:effectLst/>
+                <a:uFillTx/>
+                <a:latin typeface="Times New Roman"/>
+                <a:ea typeface="SimSun"/>
+              </a:rPr>
+              <a:t>&lt;footer&gt;</a:t>
+            </a:r>
+            <a:endParaRPr lang="en-US" sz="1400" b="0" u="none" strike="noStrike">
+              <a:solidFill>
+                <a:srgbClr val="000000"/>
+              </a:solidFill>
+              <a:effectLst/>
+              <a:uFillTx/>
+              <a:latin typeface="Times New Roman"/>
+            </a:endParaRPr>
+          </a:p>
+        </p:txBody>
+      </p:sp>
+      <p:sp>
+        <p:nvSpPr>
+          <p:cNvPr id="26" name="PlaceHolder 3"/>
+          <p:cNvSpPr>
+            <a:spLocks noGrp="1"/>
+          </p:cNvSpPr>
+          <p:nvPr>
+            <p:ph type="sldNum" idx="12"/>
+          </p:nvPr>
+        </p:nvSpPr>
+        <p:spPr>
+          <a:xfrm>
+            <a:off x="8737560" y="6245280"/>
+            <a:ext cx="2836800" cy="468360"/>
+          </a:xfrm>
+          <a:prstGeom prst="rect">
+            <a:avLst/>
+          </a:prstGeom>
+          <a:noFill/>
+          <a:ln w="0">
+            <a:noFill/>
+          </a:ln>
+        </p:spPr>
+        <p:txBody>
+          <a:bodyPr numCol="1" spcCol="0" lIns="91440" rIns="91440" tIns="45720" bIns="45720" anchor="t">
+            <a:noAutofit/>
+          </a:bodyPr>
+          <a:p>
+            <a:pPr indent="0">
+              <a:buNone/>
+            </a:pPr>
+            <a:endParaRPr lang="en-US" sz="1800" b="0" u="none" strike="noStrike">
+              <a:solidFill>
+                <a:srgbClr val="000000"/>
+              </a:solidFill>
+              <a:effectLst/>
+              <a:uFillTx/>
+              <a:latin typeface="Times New Roman"/>
+            </a:endParaRPr>
+          </a:p>
+        </p:txBody>
+      </p:sp>
+    </p:spTree>
+  </p:cSld>
+</p:sldLayout>
+</file>
+
+<file path=ppt/slideLayouts/slideLayout5.xml><?xml version="1.0" encoding="utf-8"?>
 <p:sldLayout xmlns:a="http://schemas.openxmlformats.org/drawingml/2006/main" xmlns:p="http://schemas.openxmlformats.org/presentationml/2006/main" xmlns:r="http://schemas.openxmlformats.org/officeDocument/2006/relationships" xmlns:p14="http://schemas.microsoft.com/office/powerpoint/2010/main" xmlns:p15="http://schemas.microsoft.com/office/powerpoint/2012/main" xmlns:mc="http://schemas.openxmlformats.org/markup-compatibility/2006" type="blank" preserve="1">
   <p:cSld name="Content with Caption">
     <p:bg>
@@ -1881,7 +3093,7 @@
       </p:grpSpPr>
       <p:pic>
         <p:nvPicPr>
-          <p:cNvPr id="6" name="Picture 10"/>
+          <p:cNvPr id="27" name="Picture 10"/>
           <p:cNvPicPr/>
           <p:nvPr/>
         </p:nvPicPr>
@@ -1892,7 +3104,7 @@
         <p:spPr>
           <a:xfrm>
             <a:off x="0" y="0"/>
-            <a:ext cx="12184560" cy="6850440"/>
+            <a:ext cx="12184200" cy="6850080"/>
           </a:xfrm>
           <a:prstGeom prst="rect">
             <a:avLst/>
@@ -1905,7 +3117,7 @@
       </p:pic>
       <p:sp>
         <p:nvSpPr>
-          <p:cNvPr id="7" name="PlaceHolder 1"/>
+          <p:cNvPr id="28" name="PlaceHolder 1"/>
           <p:cNvSpPr>
             <a:spLocks noGrp="1"/>
           </p:cNvSpPr>
@@ -1916,7 +3128,7 @@
         <p:spPr>
           <a:xfrm>
             <a:off x="840240" y="457200"/>
-            <a:ext cx="3925080" cy="1592640"/>
+            <a:ext cx="3924720" cy="1592280"/>
           </a:xfrm>
           <a:prstGeom prst="rect">
             <a:avLst/>
@@ -1950,31 +3162,7 @@
                 <a:latin typeface="Arial"/>
                 <a:ea typeface="SimSun"/>
               </a:rPr>
-              <a:t>Click to edit </a:t>
-            </a:r>
-            <a:r>
-              <a:rPr lang="en-US" sz="3200" b="0" u="none" strike="noStrike">
-                <a:solidFill>
-                  <a:schemeClr val="dk1"/>
-                </a:solidFill>
-                <a:effectLst/>
-                <a:uFillTx/>
-                <a:latin typeface="Arial"/>
-                <a:ea typeface="SimSun"/>
-              </a:rPr>
-              <a:t>Master title </a:t>
-            </a:r>
-            <a:r>
-              <a:rPr lang="en-US" sz="3200" b="0" u="none" strike="noStrike">
-                <a:solidFill>
-                  <a:schemeClr val="dk1"/>
-                </a:solidFill>
-                <a:effectLst/>
-                <a:uFillTx/>
-                <a:latin typeface="Arial"/>
-                <a:ea typeface="SimSun"/>
-              </a:rPr>
-              <a:t>style</a:t>
+              <a:t>Click to edit Master title style</a:t>
             </a:r>
             <a:endParaRPr lang="en-US" sz="3200" b="0" u="none" strike="noStrike">
               <a:solidFill>
@@ -1989,7 +3177,7 @@
       </p:sp>
       <p:sp>
         <p:nvSpPr>
-          <p:cNvPr id="8" name="PlaceHolder 2"/>
+          <p:cNvPr id="29" name="PlaceHolder 2"/>
           <p:cNvSpPr>
             <a:spLocks noGrp="1"/>
           </p:cNvSpPr>
@@ -2000,7 +3188,7 @@
         <p:spPr>
           <a:xfrm>
             <a:off x="5183640" y="987480"/>
-            <a:ext cx="6164640" cy="4866120"/>
+            <a:ext cx="6164280" cy="4865760"/>
           </a:xfrm>
           <a:prstGeom prst="rect">
             <a:avLst/>
@@ -2193,7 +3381,7 @@
       </p:sp>
       <p:sp>
         <p:nvSpPr>
-          <p:cNvPr id="9" name="PlaceHolder 3"/>
+          <p:cNvPr id="30" name="PlaceHolder 3"/>
           <p:cNvSpPr>
             <a:spLocks noGrp="1"/>
           </p:cNvSpPr>
@@ -2204,7 +3392,7 @@
         <p:spPr>
           <a:xfrm>
             <a:off x="840240" y="2057400"/>
-            <a:ext cx="3925080" cy="3804120"/>
+            <a:ext cx="3924720" cy="3803760"/>
           </a:xfrm>
           <a:prstGeom prst="rect">
             <a:avLst/>
@@ -2256,18 +3444,18 @@
       </p:sp>
       <p:sp>
         <p:nvSpPr>
-          <p:cNvPr id="10" name="PlaceHolder 4"/>
+          <p:cNvPr id="31" name="PlaceHolder 4"/>
           <p:cNvSpPr>
             <a:spLocks noGrp="1"/>
           </p:cNvSpPr>
           <p:nvPr>
-            <p:ph type="dt" idx="4"/>
+            <p:ph type="dt" idx="13"/>
           </p:nvPr>
         </p:nvSpPr>
         <p:spPr>
           <a:xfrm>
             <a:off x="609480" y="6245280"/>
-            <a:ext cx="2837160" cy="468720"/>
+            <a:ext cx="2836800" cy="468360"/>
           </a:xfrm>
           <a:prstGeom prst="rect">
             <a:avLst/>
@@ -2336,18 +3524,18 @@
       </p:sp>
       <p:sp>
         <p:nvSpPr>
-          <p:cNvPr id="11" name="PlaceHolder 5"/>
+          <p:cNvPr id="32" name="PlaceHolder 5"/>
           <p:cNvSpPr>
             <a:spLocks noGrp="1"/>
           </p:cNvSpPr>
           <p:nvPr>
-            <p:ph type="ftr" idx="5"/>
+            <p:ph type="ftr" idx="14"/>
           </p:nvPr>
         </p:nvSpPr>
         <p:spPr>
           <a:xfrm>
             <a:off x="4165560" y="6245280"/>
-            <a:ext cx="3853080" cy="468720"/>
+            <a:ext cx="3852720" cy="468360"/>
           </a:xfrm>
           <a:prstGeom prst="rect">
             <a:avLst/>
@@ -2416,18 +3604,18 @@
       </p:sp>
       <p:sp>
         <p:nvSpPr>
-          <p:cNvPr id="12" name="PlaceHolder 6"/>
+          <p:cNvPr id="33" name="PlaceHolder 6"/>
           <p:cNvSpPr>
             <a:spLocks noGrp="1"/>
           </p:cNvSpPr>
           <p:nvPr>
-            <p:ph type="sldNum" idx="6"/>
+            <p:ph type="sldNum" idx="15"/>
           </p:nvPr>
         </p:nvSpPr>
         <p:spPr>
           <a:xfrm>
             <a:off x="8737560" y="6245280"/>
-            <a:ext cx="2837160" cy="468720"/>
+            <a:ext cx="2836800" cy="468360"/>
           </a:xfrm>
           <a:prstGeom prst="rect">
             <a:avLst/>
@@ -2461,7 +3649,7 @@
 </p:sldLayout>
 </file>
 
-<file path=ppt/slideLayouts/slideLayout3.xml><?xml version="1.0" encoding="utf-8"?>
+<file path=ppt/slideLayouts/slideLayout6.xml><?xml version="1.0" encoding="utf-8"?>
 <p:sldLayout xmlns:a="http://schemas.openxmlformats.org/drawingml/2006/main" xmlns:p="http://schemas.openxmlformats.org/presentationml/2006/main" xmlns:r="http://schemas.openxmlformats.org/officeDocument/2006/relationships" xmlns:p14="http://schemas.microsoft.com/office/powerpoint/2010/main" xmlns:p15="http://schemas.microsoft.com/office/powerpoint/2012/main" xmlns:mc="http://schemas.openxmlformats.org/markup-compatibility/2006" type="blank" preserve="1">
   <p:cSld name="Picture with Caption">
     <p:bg>
@@ -2487,7 +3675,7 @@
       </p:grpSpPr>
       <p:pic>
         <p:nvPicPr>
-          <p:cNvPr id="13" name="Picture 10"/>
+          <p:cNvPr id="34" name="Picture 10"/>
           <p:cNvPicPr/>
           <p:nvPr/>
         </p:nvPicPr>
@@ -2498,7 +3686,7 @@
         <p:spPr>
           <a:xfrm>
             <a:off x="0" y="0"/>
-            <a:ext cx="12184560" cy="6850440"/>
+            <a:ext cx="12184200" cy="6850080"/>
           </a:xfrm>
           <a:prstGeom prst="rect">
             <a:avLst/>
@@ -2511,7 +3699,7 @@
       </p:pic>
       <p:sp>
         <p:nvSpPr>
-          <p:cNvPr id="14" name="PlaceHolder 1"/>
+          <p:cNvPr id="35" name="PlaceHolder 1"/>
           <p:cNvSpPr>
             <a:spLocks noGrp="1"/>
           </p:cNvSpPr>
@@ -2522,7 +3710,7 @@
         <p:spPr>
           <a:xfrm>
             <a:off x="840240" y="457200"/>
-            <a:ext cx="3925080" cy="1592640"/>
+            <a:ext cx="3924720" cy="1592280"/>
           </a:xfrm>
           <a:prstGeom prst="rect">
             <a:avLst/>
@@ -2571,7 +3759,7 @@
       </p:sp>
       <p:sp>
         <p:nvSpPr>
-          <p:cNvPr id="15" name="PlaceHolder 2"/>
+          <p:cNvPr id="36" name="PlaceHolder 2"/>
           <p:cNvSpPr>
             <a:spLocks noGrp="1"/>
           </p:cNvSpPr>
@@ -2582,7 +3770,7 @@
         <p:spPr>
           <a:xfrm>
             <a:off x="5183640" y="987480"/>
-            <a:ext cx="6164640" cy="4866120"/>
+            <a:ext cx="6164280" cy="4865760"/>
           </a:xfrm>
           <a:prstGeom prst="rect">
             <a:avLst/>
@@ -2845,7 +4033,7 @@
       </p:sp>
       <p:sp>
         <p:nvSpPr>
-          <p:cNvPr id="16" name="PlaceHolder 3"/>
+          <p:cNvPr id="37" name="PlaceHolder 3"/>
           <p:cNvSpPr>
             <a:spLocks noGrp="1"/>
           </p:cNvSpPr>
@@ -2856,7 +4044,7 @@
         <p:spPr>
           <a:xfrm>
             <a:off x="840240" y="2057400"/>
-            <a:ext cx="3925080" cy="3804120"/>
+            <a:ext cx="3924720" cy="3803760"/>
           </a:xfrm>
           <a:prstGeom prst="rect">
             <a:avLst/>
@@ -2908,18 +4096,18 @@
       </p:sp>
       <p:sp>
         <p:nvSpPr>
-          <p:cNvPr id="17" name="PlaceHolder 4"/>
+          <p:cNvPr id="38" name="PlaceHolder 4"/>
           <p:cNvSpPr>
             <a:spLocks noGrp="1"/>
           </p:cNvSpPr>
           <p:nvPr>
-            <p:ph type="dt" idx="7"/>
+            <p:ph type="dt" idx="16"/>
           </p:nvPr>
         </p:nvSpPr>
         <p:spPr>
           <a:xfrm>
             <a:off x="609480" y="6245280"/>
-            <a:ext cx="2837160" cy="468720"/>
+            <a:ext cx="2836800" cy="468360"/>
           </a:xfrm>
           <a:prstGeom prst="rect">
             <a:avLst/>
@@ -2988,18 +4176,18 @@
       </p:sp>
       <p:sp>
         <p:nvSpPr>
-          <p:cNvPr id="18" name="PlaceHolder 5"/>
+          <p:cNvPr id="39" name="PlaceHolder 5"/>
           <p:cNvSpPr>
             <a:spLocks noGrp="1"/>
           </p:cNvSpPr>
           <p:nvPr>
-            <p:ph type="ftr" idx="8"/>
+            <p:ph type="ftr" idx="17"/>
           </p:nvPr>
         </p:nvSpPr>
         <p:spPr>
           <a:xfrm>
             <a:off x="4165560" y="6245280"/>
-            <a:ext cx="3853080" cy="468720"/>
+            <a:ext cx="3852720" cy="468360"/>
           </a:xfrm>
           <a:prstGeom prst="rect">
             <a:avLst/>
@@ -3068,18 +4256,18 @@
       </p:sp>
       <p:sp>
         <p:nvSpPr>
-          <p:cNvPr id="19" name="PlaceHolder 6"/>
+          <p:cNvPr id="40" name="PlaceHolder 6"/>
           <p:cNvSpPr>
             <a:spLocks noGrp="1"/>
           </p:cNvSpPr>
           <p:nvPr>
-            <p:ph type="sldNum" idx="9"/>
+            <p:ph type="sldNum" idx="18"/>
           </p:nvPr>
         </p:nvSpPr>
         <p:spPr>
           <a:xfrm>
             <a:off x="8737560" y="6245280"/>
-            <a:ext cx="2837160" cy="468720"/>
+            <a:ext cx="2836800" cy="468360"/>
           </a:xfrm>
           <a:prstGeom prst="rect">
             <a:avLst/>
@@ -3113,7 +4301,7 @@
 </p:sldLayout>
 </file>
 
-<file path=ppt/slideLayouts/slideLayout4.xml><?xml version="1.0" encoding="utf-8"?>
+<file path=ppt/slideLayouts/slideLayout7.xml><?xml version="1.0" encoding="utf-8"?>
 <p:sldLayout xmlns:a="http://schemas.openxmlformats.org/drawingml/2006/main" xmlns:p="http://schemas.openxmlformats.org/presentationml/2006/main" xmlns:r="http://schemas.openxmlformats.org/officeDocument/2006/relationships" xmlns:p14="http://schemas.microsoft.com/office/powerpoint/2010/main" xmlns:p15="http://schemas.microsoft.com/office/powerpoint/2012/main" xmlns:mc="http://schemas.openxmlformats.org/markup-compatibility/2006" type="vertTitleAndTx" preserve="1">
   <p:cSld name="Vertical Title and Text">
     <p:bg>
@@ -3139,7 +4327,7 @@
       </p:grpSpPr>
       <p:pic>
         <p:nvPicPr>
-          <p:cNvPr id="20" name="Picture 10"/>
+          <p:cNvPr id="41" name="Picture 10"/>
           <p:cNvPicPr/>
           <p:nvPr/>
         </p:nvPicPr>
@@ -3150,7 +4338,7 @@
         <p:spPr>
           <a:xfrm>
             <a:off x="0" y="0"/>
-            <a:ext cx="12184560" cy="6850440"/>
+            <a:ext cx="12184200" cy="6850080"/>
           </a:xfrm>
           <a:prstGeom prst="rect">
             <a:avLst/>
@@ -3163,7 +4351,7 @@
       </p:pic>
       <p:sp>
         <p:nvSpPr>
-          <p:cNvPr id="21" name="PlaceHolder 1"/>
+          <p:cNvPr id="42" name="PlaceHolder 1"/>
           <p:cNvSpPr>
             <a:spLocks noGrp="1"/>
           </p:cNvSpPr>
@@ -3174,7 +4362,7 @@
         <p:spPr>
           <a:xfrm>
             <a:off x="8839080" y="190440"/>
-            <a:ext cx="2735640" cy="5929560"/>
+            <a:ext cx="2735280" cy="5929200"/>
           </a:xfrm>
           <a:prstGeom prst="rect">
             <a:avLst/>
@@ -3223,7 +4411,7 @@
       </p:sp>
       <p:sp>
         <p:nvSpPr>
-          <p:cNvPr id="22" name="PlaceHolder 2"/>
+          <p:cNvPr id="43" name="PlaceHolder 2"/>
           <p:cNvSpPr>
             <a:spLocks noGrp="1"/>
           </p:cNvSpPr>
@@ -3234,7 +4422,7 @@
         <p:spPr>
           <a:xfrm>
             <a:off x="609480" y="190440"/>
-            <a:ext cx="8019000" cy="5929560"/>
+            <a:ext cx="8018640" cy="5929200"/>
           </a:xfrm>
           <a:prstGeom prst="rect">
             <a:avLst/>
@@ -3427,18 +4615,18 @@
       </p:sp>
       <p:sp>
         <p:nvSpPr>
-          <p:cNvPr id="23" name="PlaceHolder 3"/>
+          <p:cNvPr id="44" name="PlaceHolder 3"/>
           <p:cNvSpPr>
             <a:spLocks noGrp="1"/>
           </p:cNvSpPr>
           <p:nvPr>
-            <p:ph type="dt" idx="10"/>
+            <p:ph type="dt" idx="19"/>
           </p:nvPr>
         </p:nvSpPr>
         <p:spPr>
           <a:xfrm>
             <a:off x="609480" y="6245280"/>
-            <a:ext cx="2837160" cy="468720"/>
+            <a:ext cx="2836800" cy="468360"/>
           </a:xfrm>
           <a:prstGeom prst="rect">
             <a:avLst/>
@@ -3507,18 +4695,18 @@
       </p:sp>
       <p:sp>
         <p:nvSpPr>
-          <p:cNvPr id="24" name="PlaceHolder 4"/>
+          <p:cNvPr id="45" name="PlaceHolder 4"/>
           <p:cNvSpPr>
             <a:spLocks noGrp="1"/>
           </p:cNvSpPr>
           <p:nvPr>
-            <p:ph type="ftr" idx="11"/>
+            <p:ph type="ftr" idx="20"/>
           </p:nvPr>
         </p:nvSpPr>
         <p:spPr>
           <a:xfrm>
             <a:off x="4165560" y="6245280"/>
-            <a:ext cx="3853080" cy="468720"/>
+            <a:ext cx="3852720" cy="468360"/>
           </a:xfrm>
           <a:prstGeom prst="rect">
             <a:avLst/>
@@ -3587,18 +4775,18 @@
       </p:sp>
       <p:sp>
         <p:nvSpPr>
-          <p:cNvPr id="25" name="PlaceHolder 5"/>
+          <p:cNvPr id="46" name="PlaceHolder 5"/>
           <p:cNvSpPr>
             <a:spLocks noGrp="1"/>
           </p:cNvSpPr>
           <p:nvPr>
-            <p:ph type="sldNum" idx="12"/>
+            <p:ph type="sldNum" idx="21"/>
           </p:nvPr>
         </p:nvSpPr>
         <p:spPr>
           <a:xfrm>
             <a:off x="8737560" y="6245280"/>
-            <a:ext cx="2837160" cy="468720"/>
+            <a:ext cx="2836800" cy="468360"/>
           </a:xfrm>
           <a:prstGeom prst="rect">
             <a:avLst/>
@@ -3632,7 +4820,7 @@
 </p:sldLayout>
 </file>
 
-<file path=ppt/slideLayouts/slideLayout5.xml><?xml version="1.0" encoding="utf-8"?>
+<file path=ppt/slideLayouts/slideLayout8.xml><?xml version="1.0" encoding="utf-8"?>
 <p:sldLayout xmlns:a="http://schemas.openxmlformats.org/drawingml/2006/main" xmlns:p="http://schemas.openxmlformats.org/presentationml/2006/main" xmlns:r="http://schemas.openxmlformats.org/officeDocument/2006/relationships" xmlns:p14="http://schemas.microsoft.com/office/powerpoint/2010/main" xmlns:p15="http://schemas.microsoft.com/office/powerpoint/2012/main" xmlns:mc="http://schemas.openxmlformats.org/markup-compatibility/2006" type="title" preserve="1">
   <p:cSld name="Title Slide">
     <p:bg>
@@ -3658,7 +4846,7 @@
       </p:grpSpPr>
       <p:pic>
         <p:nvPicPr>
-          <p:cNvPr id="26" name="Picture 10" hidden="1"/>
+          <p:cNvPr id="47" name="Picture 10" hidden="1"/>
           <p:cNvPicPr/>
           <p:nvPr/>
         </p:nvPicPr>
@@ -3669,7 +4857,7 @@
         <p:spPr>
           <a:xfrm>
             <a:off x="0" y="0"/>
-            <a:ext cx="12184560" cy="6850440"/>
+            <a:ext cx="12184200" cy="6850080"/>
           </a:xfrm>
           <a:prstGeom prst="rect">
             <a:avLst/>
@@ -3682,7 +4870,7 @@
       </p:pic>
       <p:pic>
         <p:nvPicPr>
-          <p:cNvPr id="27" name="Picture 3"/>
+          <p:cNvPr id="48" name="Picture 3"/>
           <p:cNvPicPr/>
           <p:nvPr/>
         </p:nvPicPr>
@@ -3693,7 +4881,7 @@
         <p:spPr>
           <a:xfrm>
             <a:off x="0" y="0"/>
-            <a:ext cx="12184560" cy="6850440"/>
+            <a:ext cx="12184200" cy="6850080"/>
           </a:xfrm>
           <a:prstGeom prst="rect">
             <a:avLst/>
@@ -3706,7 +4894,7 @@
       </p:pic>
       <p:sp>
         <p:nvSpPr>
-          <p:cNvPr id="28" name="PlaceHolder 1"/>
+          <p:cNvPr id="49" name="PlaceHolder 1"/>
           <p:cNvSpPr>
             <a:spLocks noGrp="1"/>
           </p:cNvSpPr>
@@ -3717,7 +4905,7 @@
         <p:spPr>
           <a:xfrm>
             <a:off x="624240" y="3718080"/>
-            <a:ext cx="10935720" cy="1074960"/>
+            <a:ext cx="10935360" cy="1074600"/>
           </a:xfrm>
           <a:prstGeom prst="rect">
             <a:avLst/>
@@ -3766,18 +4954,18 @@
       </p:sp>
       <p:sp>
         <p:nvSpPr>
-          <p:cNvPr id="29" name="PlaceHolder 2"/>
+          <p:cNvPr id="50" name="PlaceHolder 2"/>
           <p:cNvSpPr>
             <a:spLocks noGrp="1"/>
           </p:cNvSpPr>
           <p:nvPr>
-            <p:ph type="dt" idx="13"/>
+            <p:ph type="dt" idx="22"/>
           </p:nvPr>
         </p:nvSpPr>
         <p:spPr>
           <a:xfrm>
             <a:off x="609480" y="6245280"/>
-            <a:ext cx="2837160" cy="468720"/>
+            <a:ext cx="2836800" cy="468360"/>
           </a:xfrm>
           <a:prstGeom prst="rect">
             <a:avLst/>
@@ -3846,18 +5034,18 @@
       </p:sp>
       <p:sp>
         <p:nvSpPr>
-          <p:cNvPr id="30" name="PlaceHolder 3"/>
+          <p:cNvPr id="51" name="PlaceHolder 3"/>
           <p:cNvSpPr>
             <a:spLocks noGrp="1"/>
           </p:cNvSpPr>
           <p:nvPr>
-            <p:ph type="ftr" idx="14"/>
+            <p:ph type="ftr" idx="23"/>
           </p:nvPr>
         </p:nvSpPr>
         <p:spPr>
           <a:xfrm>
             <a:off x="4165560" y="6245280"/>
-            <a:ext cx="3853080" cy="468720"/>
+            <a:ext cx="3852720" cy="468360"/>
           </a:xfrm>
           <a:prstGeom prst="rect">
             <a:avLst/>
@@ -3926,18 +5114,18 @@
       </p:sp>
       <p:sp>
         <p:nvSpPr>
-          <p:cNvPr id="31" name="PlaceHolder 4"/>
+          <p:cNvPr id="52" name="PlaceHolder 4"/>
           <p:cNvSpPr>
             <a:spLocks noGrp="1"/>
           </p:cNvSpPr>
           <p:nvPr>
-            <p:ph type="sldNum" idx="15"/>
+            <p:ph type="sldNum" idx="24"/>
           </p:nvPr>
         </p:nvSpPr>
         <p:spPr>
           <a:xfrm>
             <a:off x="8737560" y="6245280"/>
-            <a:ext cx="2837160" cy="468720"/>
+            <a:ext cx="2836800" cy="468360"/>
           </a:xfrm>
           <a:prstGeom prst="rect">
             <a:avLst/>
@@ -3971,7 +5159,7 @@
 </p:sldLayout>
 </file>
 
-<file path=ppt/slideLayouts/slideLayout6.xml><?xml version="1.0" encoding="utf-8"?>
+<file path=ppt/slideLayouts/slideLayout9.xml><?xml version="1.0" encoding="utf-8"?>
 <p:sldLayout xmlns:a="http://schemas.openxmlformats.org/drawingml/2006/main" xmlns:p="http://schemas.openxmlformats.org/presentationml/2006/main" xmlns:r="http://schemas.openxmlformats.org/officeDocument/2006/relationships" xmlns:p14="http://schemas.microsoft.com/office/powerpoint/2010/main" xmlns:p15="http://schemas.microsoft.com/office/powerpoint/2012/main" xmlns:mc="http://schemas.openxmlformats.org/markup-compatibility/2006" type="vertTx" preserve="1">
   <p:cSld name="Title and Vertical Text">
     <p:bg>
@@ -3997,7 +5185,7 @@
       </p:grpSpPr>
       <p:pic>
         <p:nvPicPr>
-          <p:cNvPr id="32" name="Picture 10"/>
+          <p:cNvPr id="53" name="Picture 10"/>
           <p:cNvPicPr/>
           <p:nvPr/>
         </p:nvPicPr>
@@ -4008,7 +5196,7 @@
         <p:spPr>
           <a:xfrm>
             <a:off x="0" y="0"/>
-            <a:ext cx="12184560" cy="6850440"/>
+            <a:ext cx="12184200" cy="6850080"/>
           </a:xfrm>
           <a:prstGeom prst="rect">
             <a:avLst/>
@@ -4021,7 +5209,7 @@
       </p:pic>
       <p:sp>
         <p:nvSpPr>
-          <p:cNvPr id="33" name="PlaceHolder 1"/>
+          <p:cNvPr id="54" name="PlaceHolder 1"/>
           <p:cNvSpPr>
             <a:spLocks noGrp="1"/>
           </p:cNvSpPr>
@@ -4032,7 +5220,7 @@
         <p:spPr>
           <a:xfrm>
             <a:off x="609480" y="190440"/>
-            <a:ext cx="10965240" cy="574920"/>
+            <a:ext cx="10964880" cy="574560"/>
           </a:xfrm>
           <a:prstGeom prst="rect">
             <a:avLst/>
@@ -4066,31 +5254,7 @@
                 <a:latin typeface="Arial"/>
                 <a:ea typeface="SimSun"/>
               </a:rPr>
-              <a:t>Click to edit </a:t>
-            </a:r>
-            <a:r>
-              <a:rPr lang="en-US" sz="3600" b="0" u="none" strike="noStrike">
-                <a:solidFill>
-                  <a:schemeClr val="dk1"/>
-                </a:solidFill>
-                <a:effectLst/>
-                <a:uFillTx/>
-                <a:latin typeface="Arial"/>
-                <a:ea typeface="SimSun"/>
-              </a:rPr>
-              <a:t>Master title </a:t>
-            </a:r>
-            <a:r>
-              <a:rPr lang="en-US" sz="3600" b="0" u="none" strike="noStrike">
-                <a:solidFill>
-                  <a:schemeClr val="dk1"/>
-                </a:solidFill>
-                <a:effectLst/>
-                <a:uFillTx/>
-                <a:latin typeface="Arial"/>
-                <a:ea typeface="SimSun"/>
-              </a:rPr>
-              <a:t>style</a:t>
+              <a:t>Click to edit Master title style</a:t>
             </a:r>
             <a:endParaRPr lang="en-US" sz="3600" b="0" u="none" strike="noStrike">
               <a:solidFill>
@@ -4105,7 +5269,7 @@
       </p:sp>
       <p:sp>
         <p:nvSpPr>
-          <p:cNvPr id="34" name="PlaceHolder 2"/>
+          <p:cNvPr id="55" name="PlaceHolder 2"/>
           <p:cNvSpPr>
             <a:spLocks noGrp="1"/>
           </p:cNvSpPr>
@@ -4116,7 +5280,7 @@
         <p:spPr>
           <a:xfrm>
             <a:off x="609480" y="1174680"/>
-            <a:ext cx="10965240" cy="4945320"/>
+            <a:ext cx="10964880" cy="4944960"/>
           </a:xfrm>
           <a:prstGeom prst="rect">
             <a:avLst/>
@@ -4309,18 +5473,18 @@
       </p:sp>
       <p:sp>
         <p:nvSpPr>
-          <p:cNvPr id="35" name="PlaceHolder 3"/>
+          <p:cNvPr id="56" name="PlaceHolder 3"/>
           <p:cNvSpPr>
             <a:spLocks noGrp="1"/>
           </p:cNvSpPr>
           <p:nvPr>
-            <p:ph type="dt" idx="16"/>
+            <p:ph type="dt" idx="25"/>
           </p:nvPr>
         </p:nvSpPr>
         <p:spPr>
           <a:xfrm>
             <a:off x="609480" y="6245280"/>
-            <a:ext cx="2837160" cy="468720"/>
+            <a:ext cx="2836800" cy="468360"/>
           </a:xfrm>
           <a:prstGeom prst="rect">
             <a:avLst/>
@@ -4389,18 +5553,18 @@
       </p:sp>
       <p:sp>
         <p:nvSpPr>
-          <p:cNvPr id="36" name="PlaceHolder 4"/>
+          <p:cNvPr id="57" name="PlaceHolder 4"/>
           <p:cNvSpPr>
             <a:spLocks noGrp="1"/>
           </p:cNvSpPr>
           <p:nvPr>
-            <p:ph type="ftr" idx="17"/>
+            <p:ph type="ftr" idx="26"/>
           </p:nvPr>
         </p:nvSpPr>
         <p:spPr>
           <a:xfrm>
             <a:off x="4165560" y="6245280"/>
-            <a:ext cx="3853080" cy="468720"/>
+            <a:ext cx="3852720" cy="468360"/>
           </a:xfrm>
           <a:prstGeom prst="rect">
             <a:avLst/>
@@ -4469,1219 +5633,7 @@
       </p:sp>
       <p:sp>
         <p:nvSpPr>
-          <p:cNvPr id="37" name="PlaceHolder 5"/>
-          <p:cNvSpPr>
-            <a:spLocks noGrp="1"/>
-          </p:cNvSpPr>
-          <p:nvPr>
-            <p:ph type="sldNum" idx="18"/>
-          </p:nvPr>
-        </p:nvSpPr>
-        <p:spPr>
-          <a:xfrm>
-            <a:off x="8737560" y="6245280"/>
-            <a:ext cx="2837160" cy="468720"/>
-          </a:xfrm>
-          <a:prstGeom prst="rect">
-            <a:avLst/>
-          </a:prstGeom>
-          <a:noFill/>
-          <a:ln w="0">
-            <a:noFill/>
-          </a:ln>
-        </p:spPr>
-        <p:txBody>
-          <a:bodyPr numCol="1" spcCol="0" lIns="91440" rIns="91440" tIns="45720" bIns="45720" anchor="t">
-            <a:noAutofit/>
-          </a:bodyPr>
-          <a:p>
-            <a:pPr indent="0">
-              <a:buNone/>
-            </a:pPr>
-            <a:endParaRPr lang="en-US" sz="1800" b="0" u="none" strike="noStrike">
-              <a:solidFill>
-                <a:srgbClr val="000000"/>
-              </a:solidFill>
-              <a:effectLst/>
-              <a:uFillTx/>
-              <a:latin typeface="Times New Roman"/>
-            </a:endParaRPr>
-          </a:p>
-        </p:txBody>
-      </p:sp>
-    </p:spTree>
-  </p:cSld>
-</p:sldLayout>
-</file>
-
-<file path=ppt/slideLayouts/slideLayout7.xml><?xml version="1.0" encoding="utf-8"?>
-<p:sldLayout xmlns:a="http://schemas.openxmlformats.org/drawingml/2006/main" xmlns:p="http://schemas.openxmlformats.org/presentationml/2006/main" xmlns:r="http://schemas.openxmlformats.org/officeDocument/2006/relationships" xmlns:p14="http://schemas.microsoft.com/office/powerpoint/2010/main" xmlns:p15="http://schemas.microsoft.com/office/powerpoint/2012/main" xmlns:mc="http://schemas.openxmlformats.org/markup-compatibility/2006" type="obj" preserve="1">
-  <p:cSld name="Title and Content">
-    <p:bg>
-      <p:bgPr>
-        <a:solidFill>
-          <a:srgbClr val="ffffff"/>
-        </a:solidFill>
-      </p:bgPr>
-    </p:bg>
-    <p:spTree>
-      <p:nvGrpSpPr>
-        <p:cNvPr id="1" name=""/>
-        <p:cNvGrpSpPr/>
-        <p:nvPr/>
-      </p:nvGrpSpPr>
-      <p:grpSpPr>
-        <a:xfrm>
-          <a:off x="0" y="0"/>
-          <a:ext cx="0" cy="0"/>
-          <a:chOff x="0" y="0"/>
-          <a:chExt cx="0" cy="0"/>
-        </a:xfrm>
-      </p:grpSpPr>
-      <p:pic>
-        <p:nvPicPr>
-          <p:cNvPr id="38" name="Picture 10"/>
-          <p:cNvPicPr/>
-          <p:nvPr/>
-        </p:nvPicPr>
-        <p:blipFill>
-          <a:blip r:embed="rId2"/>
-          <a:stretch/>
-        </p:blipFill>
-        <p:spPr>
-          <a:xfrm>
-            <a:off x="0" y="0"/>
-            <a:ext cx="12184560" cy="6850440"/>
-          </a:xfrm>
-          <a:prstGeom prst="rect">
-            <a:avLst/>
-          </a:prstGeom>
-          <a:noFill/>
-          <a:ln w="9525">
-            <a:noFill/>
-          </a:ln>
-        </p:spPr>
-      </p:pic>
-      <p:sp>
-        <p:nvSpPr>
-          <p:cNvPr id="39" name="PlaceHolder 1"/>
-          <p:cNvSpPr>
-            <a:spLocks noGrp="1"/>
-          </p:cNvSpPr>
-          <p:nvPr>
-            <p:ph type="title"/>
-          </p:nvPr>
-        </p:nvSpPr>
-        <p:spPr>
-          <a:xfrm>
-            <a:off x="609480" y="190440"/>
-            <a:ext cx="10965240" cy="574920"/>
-          </a:xfrm>
-          <a:prstGeom prst="rect">
-            <a:avLst/>
-          </a:prstGeom>
-          <a:noFill/>
-          <a:ln w="9360">
-            <a:noFill/>
-          </a:ln>
-        </p:spPr>
-        <p:txBody>
-          <a:bodyPr lIns="90000" rIns="90000" tIns="45000" bIns="45000" anchor="ctr">
-            <a:noAutofit/>
-          </a:bodyPr>
-          <a:p>
-            <a:pPr indent="0">
-              <a:lnSpc>
-                <a:spcPct val="100000"/>
-              </a:lnSpc>
-              <a:buNone/>
-              <a:tabLst>
-                <a:tab algn="l" pos="0"/>
-              </a:tabLst>
-            </a:pPr>
-            <a:r>
-              <a:rPr lang="en-US" sz="3600" b="0" u="none" strike="noStrike">
-                <a:solidFill>
-                  <a:schemeClr val="dk1"/>
-                </a:solidFill>
-                <a:effectLst/>
-                <a:uFillTx/>
-                <a:latin typeface="Arial"/>
-                <a:ea typeface="SimSun"/>
-              </a:rPr>
-              <a:t>Click to edit Master title style</a:t>
-            </a:r>
-            <a:endParaRPr lang="en-US" sz="3600" b="0" u="none" strike="noStrike">
-              <a:solidFill>
-                <a:srgbClr val="000000"/>
-              </a:solidFill>
-              <a:effectLst/>
-              <a:uFillTx/>
-              <a:latin typeface="Arial"/>
-            </a:endParaRPr>
-          </a:p>
-        </p:txBody>
-      </p:sp>
-      <p:sp>
-        <p:nvSpPr>
-          <p:cNvPr id="40" name="PlaceHolder 2"/>
-          <p:cNvSpPr>
-            <a:spLocks noGrp="1"/>
-          </p:cNvSpPr>
-          <p:nvPr>
-            <p:ph type="body"/>
-          </p:nvPr>
-        </p:nvSpPr>
-        <p:spPr>
-          <a:xfrm>
-            <a:off x="609480" y="1174680"/>
-            <a:ext cx="10965240" cy="4945320"/>
-          </a:xfrm>
-          <a:prstGeom prst="rect">
-            <a:avLst/>
-          </a:prstGeom>
-          <a:noFill/>
-          <a:ln w="9360">
-            <a:noFill/>
-          </a:ln>
-        </p:spPr>
-        <p:txBody>
-          <a:bodyPr lIns="90000" rIns="90000" tIns="45000" bIns="45000" anchor="t">
-            <a:noAutofit/>
-          </a:bodyPr>
-          <a:p>
-            <a:pPr marL="343080" indent="-343080">
-              <a:lnSpc>
-                <a:spcPct val="100000"/>
-              </a:lnSpc>
-              <a:spcBef>
-                <a:spcPts val="641"/>
-              </a:spcBef>
-              <a:buClr>
-                <a:srgbClr val="000000"/>
-              </a:buClr>
-              <a:buFont typeface="Symbol" charset="2"/>
-              <a:buChar char=""/>
-            </a:pPr>
-            <a:r>
-              <a:rPr lang="en-US" sz="3200" b="0" u="none" strike="noStrike">
-                <a:solidFill>
-                  <a:schemeClr val="dk1"/>
-                </a:solidFill>
-                <a:effectLst/>
-                <a:uFillTx/>
-                <a:latin typeface="Arial"/>
-                <a:ea typeface="SimSun"/>
-              </a:rPr>
-              <a:t>Click to edit Master text styles</a:t>
-            </a:r>
-            <a:endParaRPr lang="en-US" sz="3200" b="0" u="none" strike="noStrike">
-              <a:solidFill>
-                <a:srgbClr val="000000"/>
-              </a:solidFill>
-              <a:effectLst/>
-              <a:uFillTx/>
-              <a:latin typeface="Arial"/>
-            </a:endParaRPr>
-          </a:p>
-          <a:p>
-            <a:pPr marL="743040" lvl="1" indent="-285840">
-              <a:lnSpc>
-                <a:spcPct val="100000"/>
-              </a:lnSpc>
-              <a:spcBef>
-                <a:spcPts val="561"/>
-              </a:spcBef>
-              <a:buClr>
-                <a:srgbClr val="000000"/>
-              </a:buClr>
-              <a:buFont typeface="Symbol" charset="2"/>
-              <a:buChar char=""/>
-            </a:pPr>
-            <a:r>
-              <a:rPr lang="en-US" sz="2800" b="0" u="none" strike="noStrike">
-                <a:solidFill>
-                  <a:schemeClr val="dk1"/>
-                </a:solidFill>
-                <a:effectLst/>
-                <a:uFillTx/>
-                <a:latin typeface="Arial"/>
-                <a:ea typeface="SimSun"/>
-              </a:rPr>
-              <a:t>Second level</a:t>
-            </a:r>
-            <a:endParaRPr lang="en-US" sz="2800" b="0" u="none" strike="noStrike">
-              <a:solidFill>
-                <a:srgbClr val="000000"/>
-              </a:solidFill>
-              <a:effectLst/>
-              <a:uFillTx/>
-              <a:latin typeface="Arial"/>
-            </a:endParaRPr>
-          </a:p>
-          <a:p>
-            <a:pPr marL="1143000" lvl="2" indent="-228600">
-              <a:lnSpc>
-                <a:spcPct val="100000"/>
-              </a:lnSpc>
-              <a:spcBef>
-                <a:spcPts val="479"/>
-              </a:spcBef>
-              <a:buClr>
-                <a:srgbClr val="000000"/>
-              </a:buClr>
-              <a:buFont typeface="Symbol" charset="2"/>
-              <a:buChar char=""/>
-            </a:pPr>
-            <a:r>
-              <a:rPr lang="en-US" sz="2400" b="0" u="none" strike="noStrike">
-                <a:solidFill>
-                  <a:schemeClr val="dk1"/>
-                </a:solidFill>
-                <a:effectLst/>
-                <a:uFillTx/>
-                <a:latin typeface="Arial"/>
-                <a:ea typeface="SimSun"/>
-              </a:rPr>
-              <a:t>Third level</a:t>
-            </a:r>
-            <a:endParaRPr lang="en-US" sz="2400" b="0" u="none" strike="noStrike">
-              <a:solidFill>
-                <a:srgbClr val="000000"/>
-              </a:solidFill>
-              <a:effectLst/>
-              <a:uFillTx/>
-              <a:latin typeface="Arial"/>
-            </a:endParaRPr>
-          </a:p>
-          <a:p>
-            <a:pPr marL="1600200" lvl="3" indent="-228600">
-              <a:lnSpc>
-                <a:spcPct val="100000"/>
-              </a:lnSpc>
-              <a:spcBef>
-                <a:spcPts val="400"/>
-              </a:spcBef>
-              <a:buClr>
-                <a:srgbClr val="000000"/>
-              </a:buClr>
-              <a:buFont typeface="Symbol" charset="2"/>
-              <a:buChar char=""/>
-            </a:pPr>
-            <a:r>
-              <a:rPr lang="en-US" sz="2000" b="0" u="none" strike="noStrike">
-                <a:solidFill>
-                  <a:schemeClr val="dk1"/>
-                </a:solidFill>
-                <a:effectLst/>
-                <a:uFillTx/>
-                <a:latin typeface="Arial"/>
-                <a:ea typeface="SimSun"/>
-              </a:rPr>
-              <a:t>Fourth level</a:t>
-            </a:r>
-            <a:endParaRPr lang="en-US" sz="2000" b="0" u="none" strike="noStrike">
-              <a:solidFill>
-                <a:srgbClr val="000000"/>
-              </a:solidFill>
-              <a:effectLst/>
-              <a:uFillTx/>
-              <a:latin typeface="Arial"/>
-            </a:endParaRPr>
-          </a:p>
-          <a:p>
-            <a:pPr marL="2057400" lvl="4" indent="-228600">
-              <a:lnSpc>
-                <a:spcPct val="100000"/>
-              </a:lnSpc>
-              <a:spcBef>
-                <a:spcPts val="400"/>
-              </a:spcBef>
-              <a:buClr>
-                <a:srgbClr val="000000"/>
-              </a:buClr>
-              <a:buFont typeface="OpenSymbol"/>
-              <a:buChar char="»"/>
-            </a:pPr>
-            <a:r>
-              <a:rPr lang="en-US" sz="2000" b="0" u="none" strike="noStrike">
-                <a:solidFill>
-                  <a:schemeClr val="dk1"/>
-                </a:solidFill>
-                <a:effectLst/>
-                <a:uFillTx/>
-                <a:latin typeface="Arial"/>
-                <a:ea typeface="SimSun"/>
-              </a:rPr>
-              <a:t>Fifth level</a:t>
-            </a:r>
-            <a:endParaRPr lang="en-US" sz="2000" b="0" u="none" strike="noStrike">
-              <a:solidFill>
-                <a:srgbClr val="000000"/>
-              </a:solidFill>
-              <a:effectLst/>
-              <a:uFillTx/>
-              <a:latin typeface="Arial"/>
-            </a:endParaRPr>
-          </a:p>
-        </p:txBody>
-      </p:sp>
-      <p:sp>
-        <p:nvSpPr>
-          <p:cNvPr id="41" name="PlaceHolder 3"/>
-          <p:cNvSpPr>
-            <a:spLocks noGrp="1"/>
-          </p:cNvSpPr>
-          <p:nvPr>
-            <p:ph type="dt" idx="19"/>
-          </p:nvPr>
-        </p:nvSpPr>
-        <p:spPr>
-          <a:xfrm>
-            <a:off x="609480" y="6245280"/>
-            <a:ext cx="2837160" cy="468720"/>
-          </a:xfrm>
-          <a:prstGeom prst="rect">
-            <a:avLst/>
-          </a:prstGeom>
-          <a:noFill/>
-          <a:ln w="0">
-            <a:noFill/>
-          </a:ln>
-        </p:spPr>
-        <p:txBody>
-          <a:bodyPr numCol="1" spcCol="0" lIns="91440" rIns="91440" tIns="45720" bIns="45720" anchor="t">
-            <a:noAutofit/>
-          </a:bodyPr>
-          <a:lstStyle>
-            <a:lvl1pPr indent="0" defTabSz="914400">
-              <a:lnSpc>
-                <a:spcPct val="100000"/>
-              </a:lnSpc>
-              <a:buNone/>
-              <a:tabLst>
-                <a:tab algn="l" pos="0"/>
-              </a:tabLst>
-              <a:defRPr lang="en-US" sz="1400" b="0" u="none" strike="noStrike">
-                <a:solidFill>
-                  <a:srgbClr val="000000"/>
-                </a:solidFill>
-                <a:effectLst/>
-                <a:uFillTx/>
-                <a:latin typeface="Times New Roman"/>
-                <a:ea typeface="SimSun"/>
-              </a:defRPr>
-            </a:lvl1pPr>
-          </a:lstStyle>
-          <a:p>
-            <a:pPr indent="0" defTabSz="914400">
-              <a:lnSpc>
-                <a:spcPct val="100000"/>
-              </a:lnSpc>
-              <a:buNone/>
-              <a:tabLst>
-                <a:tab algn="l" pos="0"/>
-              </a:tabLst>
-            </a:pPr>
-            <a:r>
-              <a:rPr lang="en-US" sz="1400" b="0" u="none" strike="noStrike">
-                <a:solidFill>
-                  <a:srgbClr val="000000"/>
-                </a:solidFill>
-                <a:effectLst/>
-                <a:uFillTx/>
-                <a:latin typeface="Times New Roman"/>
-                <a:ea typeface="SimSun"/>
-              </a:rPr>
-              <a:t>&lt;date/time&gt;</a:t>
-            </a:r>
-            <a:endParaRPr lang="en-US" sz="1400" b="0" u="none" strike="noStrike">
-              <a:solidFill>
-                <a:srgbClr val="000000"/>
-              </a:solidFill>
-              <a:effectLst/>
-              <a:uFillTx/>
-              <a:latin typeface="Times New Roman"/>
-            </a:endParaRPr>
-          </a:p>
-        </p:txBody>
-      </p:sp>
-      <p:sp>
-        <p:nvSpPr>
-          <p:cNvPr id="42" name="PlaceHolder 4"/>
-          <p:cNvSpPr>
-            <a:spLocks noGrp="1"/>
-          </p:cNvSpPr>
-          <p:nvPr>
-            <p:ph type="ftr" idx="20"/>
-          </p:nvPr>
-        </p:nvSpPr>
-        <p:spPr>
-          <a:xfrm>
-            <a:off x="4165560" y="6245280"/>
-            <a:ext cx="3853080" cy="468720"/>
-          </a:xfrm>
-          <a:prstGeom prst="rect">
-            <a:avLst/>
-          </a:prstGeom>
-          <a:noFill/>
-          <a:ln w="0">
-            <a:noFill/>
-          </a:ln>
-        </p:spPr>
-        <p:txBody>
-          <a:bodyPr numCol="1" spcCol="0" lIns="91440" rIns="91440" tIns="45720" bIns="45720" anchor="t">
-            <a:noAutofit/>
-          </a:bodyPr>
-          <a:lstStyle>
-            <a:lvl1pPr indent="0" algn="ctr" defTabSz="914400">
-              <a:lnSpc>
-                <a:spcPct val="100000"/>
-              </a:lnSpc>
-              <a:buNone/>
-              <a:tabLst>
-                <a:tab algn="l" pos="0"/>
-              </a:tabLst>
-              <a:defRPr lang="en-US" sz="1400" b="0" u="none" strike="noStrike">
-                <a:solidFill>
-                  <a:srgbClr val="000000"/>
-                </a:solidFill>
-                <a:effectLst/>
-                <a:uFillTx/>
-                <a:latin typeface="Times New Roman"/>
-                <a:ea typeface="SimSun"/>
-              </a:defRPr>
-            </a:lvl1pPr>
-          </a:lstStyle>
-          <a:p>
-            <a:pPr indent="0" algn="ctr" defTabSz="914400">
-              <a:lnSpc>
-                <a:spcPct val="100000"/>
-              </a:lnSpc>
-              <a:buNone/>
-              <a:tabLst>
-                <a:tab algn="l" pos="0"/>
-              </a:tabLst>
-            </a:pPr>
-            <a:r>
-              <a:rPr lang="en-US" sz="1400" b="0" u="none" strike="noStrike">
-                <a:solidFill>
-                  <a:srgbClr val="000000"/>
-                </a:solidFill>
-                <a:effectLst/>
-                <a:uFillTx/>
-                <a:latin typeface="Times New Roman"/>
-                <a:ea typeface="SimSun"/>
-              </a:rPr>
-              <a:t>&lt;footer&gt;</a:t>
-            </a:r>
-            <a:endParaRPr lang="en-US" sz="1400" b="0" u="none" strike="noStrike">
-              <a:solidFill>
-                <a:srgbClr val="000000"/>
-              </a:solidFill>
-              <a:effectLst/>
-              <a:uFillTx/>
-              <a:latin typeface="Times New Roman"/>
-            </a:endParaRPr>
-          </a:p>
-        </p:txBody>
-      </p:sp>
-      <p:sp>
-        <p:nvSpPr>
-          <p:cNvPr id="43" name="PlaceHolder 5"/>
-          <p:cNvSpPr>
-            <a:spLocks noGrp="1"/>
-          </p:cNvSpPr>
-          <p:nvPr>
-            <p:ph type="sldNum" idx="21"/>
-          </p:nvPr>
-        </p:nvSpPr>
-        <p:spPr>
-          <a:xfrm>
-            <a:off x="8737560" y="6245280"/>
-            <a:ext cx="2837160" cy="468720"/>
-          </a:xfrm>
-          <a:prstGeom prst="rect">
-            <a:avLst/>
-          </a:prstGeom>
-          <a:noFill/>
-          <a:ln w="0">
-            <a:noFill/>
-          </a:ln>
-        </p:spPr>
-        <p:txBody>
-          <a:bodyPr numCol="1" spcCol="0" lIns="91440" rIns="91440" tIns="45720" bIns="45720" anchor="t">
-            <a:noAutofit/>
-          </a:bodyPr>
-          <a:p>
-            <a:pPr indent="0">
-              <a:buNone/>
-            </a:pPr>
-            <a:endParaRPr lang="en-US" sz="1800" b="0" u="none" strike="noStrike">
-              <a:solidFill>
-                <a:srgbClr val="000000"/>
-              </a:solidFill>
-              <a:effectLst/>
-              <a:uFillTx/>
-              <a:latin typeface="Times New Roman"/>
-            </a:endParaRPr>
-          </a:p>
-        </p:txBody>
-      </p:sp>
-    </p:spTree>
-  </p:cSld>
-</p:sldLayout>
-</file>
-
-<file path=ppt/slideLayouts/slideLayout8.xml><?xml version="1.0" encoding="utf-8"?>
-<p:sldLayout xmlns:a="http://schemas.openxmlformats.org/drawingml/2006/main" xmlns:p="http://schemas.openxmlformats.org/presentationml/2006/main" xmlns:r="http://schemas.openxmlformats.org/officeDocument/2006/relationships" xmlns:p14="http://schemas.microsoft.com/office/powerpoint/2010/main" xmlns:p15="http://schemas.microsoft.com/office/powerpoint/2012/main" xmlns:mc="http://schemas.openxmlformats.org/markup-compatibility/2006" type="blank" preserve="1">
-  <p:cSld name="Section Header">
-    <p:bg>
-      <p:bgPr>
-        <a:solidFill>
-          <a:srgbClr val="ffffff"/>
-        </a:solidFill>
-      </p:bgPr>
-    </p:bg>
-    <p:spTree>
-      <p:nvGrpSpPr>
-        <p:cNvPr id="1" name=""/>
-        <p:cNvGrpSpPr/>
-        <p:nvPr/>
-      </p:nvGrpSpPr>
-      <p:grpSpPr>
-        <a:xfrm>
-          <a:off x="0" y="0"/>
-          <a:ext cx="0" cy="0"/>
-          <a:chOff x="0" y="0"/>
-          <a:chExt cx="0" cy="0"/>
-        </a:xfrm>
-      </p:grpSpPr>
-      <p:pic>
-        <p:nvPicPr>
-          <p:cNvPr id="44" name="Picture 10"/>
-          <p:cNvPicPr/>
-          <p:nvPr/>
-        </p:nvPicPr>
-        <p:blipFill>
-          <a:blip r:embed="rId2"/>
-          <a:stretch/>
-        </p:blipFill>
-        <p:spPr>
-          <a:xfrm>
-            <a:off x="0" y="0"/>
-            <a:ext cx="12184560" cy="6850440"/>
-          </a:xfrm>
-          <a:prstGeom prst="rect">
-            <a:avLst/>
-          </a:prstGeom>
-          <a:noFill/>
-          <a:ln w="9525">
-            <a:noFill/>
-          </a:ln>
-        </p:spPr>
-      </p:pic>
-      <p:sp>
-        <p:nvSpPr>
-          <p:cNvPr id="45" name="PlaceHolder 1"/>
-          <p:cNvSpPr>
-            <a:spLocks noGrp="1"/>
-          </p:cNvSpPr>
-          <p:nvPr>
-            <p:ph type="title"/>
-          </p:nvPr>
-        </p:nvSpPr>
-        <p:spPr>
-          <a:xfrm>
-            <a:off x="831960" y="1709640"/>
-            <a:ext cx="10508040" cy="2845080"/>
-          </a:xfrm>
-          <a:prstGeom prst="rect">
-            <a:avLst/>
-          </a:prstGeom>
-          <a:noFill/>
-          <a:ln w="9360">
-            <a:noFill/>
-          </a:ln>
-        </p:spPr>
-        <p:txBody>
-          <a:bodyPr lIns="90000" rIns="90000" tIns="45000" bIns="45000" anchor="b">
-            <a:noAutofit/>
-          </a:bodyPr>
-          <a:p>
-            <a:pPr indent="0">
-              <a:lnSpc>
-                <a:spcPct val="100000"/>
-              </a:lnSpc>
-              <a:buNone/>
-              <a:tabLst>
-                <a:tab algn="l" pos="0"/>
-              </a:tabLst>
-            </a:pPr>
-            <a:r>
-              <a:rPr lang="en-US" sz="6000" b="0" u="none" strike="noStrike">
-                <a:solidFill>
-                  <a:schemeClr val="dk1"/>
-                </a:solidFill>
-                <a:effectLst/>
-                <a:uFillTx/>
-                <a:latin typeface="Arial"/>
-                <a:ea typeface="SimSun"/>
-              </a:rPr>
-              <a:t>Click to edit Master title style</a:t>
-            </a:r>
-            <a:endParaRPr lang="en-US" sz="6000" b="0" u="none" strike="noStrike">
-              <a:solidFill>
-                <a:srgbClr val="000000"/>
-              </a:solidFill>
-              <a:effectLst/>
-              <a:uFillTx/>
-              <a:latin typeface="Arial"/>
-            </a:endParaRPr>
-          </a:p>
-        </p:txBody>
-      </p:sp>
-      <p:sp>
-        <p:nvSpPr>
-          <p:cNvPr id="46" name="PlaceHolder 2"/>
-          <p:cNvSpPr>
-            <a:spLocks noGrp="1"/>
-          </p:cNvSpPr>
-          <p:nvPr>
-            <p:ph type="body"/>
-          </p:nvPr>
-        </p:nvSpPr>
-        <p:spPr>
-          <a:xfrm>
-            <a:off x="831960" y="4589640"/>
-            <a:ext cx="10508040" cy="1492560"/>
-          </a:xfrm>
-          <a:prstGeom prst="rect">
-            <a:avLst/>
-          </a:prstGeom>
-          <a:noFill/>
-          <a:ln w="9360">
-            <a:noFill/>
-          </a:ln>
-        </p:spPr>
-        <p:txBody>
-          <a:bodyPr lIns="90000" rIns="90000" tIns="45000" bIns="45000" anchor="t">
-            <a:noAutofit/>
-          </a:bodyPr>
-          <a:p>
-            <a:pPr indent="0">
-              <a:lnSpc>
-                <a:spcPct val="100000"/>
-              </a:lnSpc>
-              <a:spcBef>
-                <a:spcPts val="479"/>
-              </a:spcBef>
-              <a:buNone/>
-              <a:tabLst>
-                <a:tab algn="l" pos="0"/>
-              </a:tabLst>
-            </a:pPr>
-            <a:r>
-              <a:rPr lang="en-US" sz="2400" b="0" u="none" strike="noStrike">
-                <a:solidFill>
-                  <a:schemeClr val="dk1"/>
-                </a:solidFill>
-                <a:effectLst/>
-                <a:uFillTx/>
-                <a:latin typeface="Arial"/>
-                <a:ea typeface="SimSun"/>
-              </a:rPr>
-              <a:t>Click to edit Master text styles</a:t>
-            </a:r>
-            <a:endParaRPr lang="en-US" sz="2400" b="0" u="none" strike="noStrike">
-              <a:solidFill>
-                <a:srgbClr val="000000"/>
-              </a:solidFill>
-              <a:effectLst/>
-              <a:uFillTx/>
-              <a:latin typeface="Arial"/>
-            </a:endParaRPr>
-          </a:p>
-        </p:txBody>
-      </p:sp>
-      <p:sp>
-        <p:nvSpPr>
-          <p:cNvPr id="47" name="PlaceHolder 3"/>
-          <p:cNvSpPr>
-            <a:spLocks noGrp="1"/>
-          </p:cNvSpPr>
-          <p:nvPr>
-            <p:ph type="dt" idx="22"/>
-          </p:nvPr>
-        </p:nvSpPr>
-        <p:spPr>
-          <a:xfrm>
-            <a:off x="609480" y="6245280"/>
-            <a:ext cx="2837160" cy="468720"/>
-          </a:xfrm>
-          <a:prstGeom prst="rect">
-            <a:avLst/>
-          </a:prstGeom>
-          <a:noFill/>
-          <a:ln w="0">
-            <a:noFill/>
-          </a:ln>
-        </p:spPr>
-        <p:txBody>
-          <a:bodyPr numCol="1" spcCol="0" lIns="91440" rIns="91440" tIns="45720" bIns="45720" anchor="t">
-            <a:noAutofit/>
-          </a:bodyPr>
-          <a:lstStyle>
-            <a:lvl1pPr indent="0" defTabSz="914400">
-              <a:lnSpc>
-                <a:spcPct val="100000"/>
-              </a:lnSpc>
-              <a:buNone/>
-              <a:tabLst>
-                <a:tab algn="l" pos="0"/>
-              </a:tabLst>
-              <a:defRPr lang="en-US" sz="1400" b="0" u="none" strike="noStrike">
-                <a:solidFill>
-                  <a:srgbClr val="000000"/>
-                </a:solidFill>
-                <a:effectLst/>
-                <a:uFillTx/>
-                <a:latin typeface="Times New Roman"/>
-                <a:ea typeface="SimSun"/>
-              </a:defRPr>
-            </a:lvl1pPr>
-          </a:lstStyle>
-          <a:p>
-            <a:pPr indent="0" defTabSz="914400">
-              <a:lnSpc>
-                <a:spcPct val="100000"/>
-              </a:lnSpc>
-              <a:buNone/>
-              <a:tabLst>
-                <a:tab algn="l" pos="0"/>
-              </a:tabLst>
-            </a:pPr>
-            <a:r>
-              <a:rPr lang="en-US" sz="1400" b="0" u="none" strike="noStrike">
-                <a:solidFill>
-                  <a:srgbClr val="000000"/>
-                </a:solidFill>
-                <a:effectLst/>
-                <a:uFillTx/>
-                <a:latin typeface="Times New Roman"/>
-                <a:ea typeface="SimSun"/>
-              </a:rPr>
-              <a:t>&lt;date/time&gt;</a:t>
-            </a:r>
-            <a:endParaRPr lang="en-US" sz="1400" b="0" u="none" strike="noStrike">
-              <a:solidFill>
-                <a:srgbClr val="000000"/>
-              </a:solidFill>
-              <a:effectLst/>
-              <a:uFillTx/>
-              <a:latin typeface="Times New Roman"/>
-            </a:endParaRPr>
-          </a:p>
-        </p:txBody>
-      </p:sp>
-      <p:sp>
-        <p:nvSpPr>
-          <p:cNvPr id="48" name="PlaceHolder 4"/>
-          <p:cNvSpPr>
-            <a:spLocks noGrp="1"/>
-          </p:cNvSpPr>
-          <p:nvPr>
-            <p:ph type="ftr" idx="23"/>
-          </p:nvPr>
-        </p:nvSpPr>
-        <p:spPr>
-          <a:xfrm>
-            <a:off x="4165560" y="6245280"/>
-            <a:ext cx="3853080" cy="468720"/>
-          </a:xfrm>
-          <a:prstGeom prst="rect">
-            <a:avLst/>
-          </a:prstGeom>
-          <a:noFill/>
-          <a:ln w="0">
-            <a:noFill/>
-          </a:ln>
-        </p:spPr>
-        <p:txBody>
-          <a:bodyPr numCol="1" spcCol="0" lIns="91440" rIns="91440" tIns="45720" bIns="45720" anchor="t">
-            <a:noAutofit/>
-          </a:bodyPr>
-          <a:lstStyle>
-            <a:lvl1pPr indent="0" algn="ctr" defTabSz="914400">
-              <a:lnSpc>
-                <a:spcPct val="100000"/>
-              </a:lnSpc>
-              <a:buNone/>
-              <a:tabLst>
-                <a:tab algn="l" pos="0"/>
-              </a:tabLst>
-              <a:defRPr lang="en-US" sz="1400" b="0" u="none" strike="noStrike">
-                <a:solidFill>
-                  <a:srgbClr val="000000"/>
-                </a:solidFill>
-                <a:effectLst/>
-                <a:uFillTx/>
-                <a:latin typeface="Times New Roman"/>
-                <a:ea typeface="SimSun"/>
-              </a:defRPr>
-            </a:lvl1pPr>
-          </a:lstStyle>
-          <a:p>
-            <a:pPr indent="0" algn="ctr" defTabSz="914400">
-              <a:lnSpc>
-                <a:spcPct val="100000"/>
-              </a:lnSpc>
-              <a:buNone/>
-              <a:tabLst>
-                <a:tab algn="l" pos="0"/>
-              </a:tabLst>
-            </a:pPr>
-            <a:r>
-              <a:rPr lang="en-US" sz="1400" b="0" u="none" strike="noStrike">
-                <a:solidFill>
-                  <a:srgbClr val="000000"/>
-                </a:solidFill>
-                <a:effectLst/>
-                <a:uFillTx/>
-                <a:latin typeface="Times New Roman"/>
-                <a:ea typeface="SimSun"/>
-              </a:rPr>
-              <a:t>&lt;footer&gt;</a:t>
-            </a:r>
-            <a:endParaRPr lang="en-US" sz="1400" b="0" u="none" strike="noStrike">
-              <a:solidFill>
-                <a:srgbClr val="000000"/>
-              </a:solidFill>
-              <a:effectLst/>
-              <a:uFillTx/>
-              <a:latin typeface="Times New Roman"/>
-            </a:endParaRPr>
-          </a:p>
-        </p:txBody>
-      </p:sp>
-      <p:sp>
-        <p:nvSpPr>
-          <p:cNvPr id="49" name="PlaceHolder 5"/>
-          <p:cNvSpPr>
-            <a:spLocks noGrp="1"/>
-          </p:cNvSpPr>
-          <p:nvPr>
-            <p:ph type="sldNum" idx="24"/>
-          </p:nvPr>
-        </p:nvSpPr>
-        <p:spPr>
-          <a:xfrm>
-            <a:off x="8737560" y="6245280"/>
-            <a:ext cx="2837160" cy="468720"/>
-          </a:xfrm>
-          <a:prstGeom prst="rect">
-            <a:avLst/>
-          </a:prstGeom>
-          <a:noFill/>
-          <a:ln w="0">
-            <a:noFill/>
-          </a:ln>
-        </p:spPr>
-        <p:txBody>
-          <a:bodyPr numCol="1" spcCol="0" lIns="91440" rIns="91440" tIns="45720" bIns="45720" anchor="t">
-            <a:noAutofit/>
-          </a:bodyPr>
-          <a:p>
-            <a:pPr indent="0">
-              <a:buNone/>
-            </a:pPr>
-            <a:endParaRPr lang="en-US" sz="1800" b="0" u="none" strike="noStrike">
-              <a:solidFill>
-                <a:srgbClr val="000000"/>
-              </a:solidFill>
-              <a:effectLst/>
-              <a:uFillTx/>
-              <a:latin typeface="Times New Roman"/>
-            </a:endParaRPr>
-          </a:p>
-        </p:txBody>
-      </p:sp>
-    </p:spTree>
-  </p:cSld>
-</p:sldLayout>
-</file>
-
-<file path=ppt/slideLayouts/slideLayout9.xml><?xml version="1.0" encoding="utf-8"?>
-<p:sldLayout xmlns:a="http://schemas.openxmlformats.org/drawingml/2006/main" xmlns:p="http://schemas.openxmlformats.org/presentationml/2006/main" xmlns:r="http://schemas.openxmlformats.org/officeDocument/2006/relationships" xmlns:p14="http://schemas.microsoft.com/office/powerpoint/2010/main" xmlns:p15="http://schemas.microsoft.com/office/powerpoint/2012/main" xmlns:mc="http://schemas.openxmlformats.org/markup-compatibility/2006" type="titleOnly" preserve="1">
-  <p:cSld name="Title Only">
-    <p:bg>
-      <p:bgPr>
-        <a:solidFill>
-          <a:srgbClr val="ffffff"/>
-        </a:solidFill>
-      </p:bgPr>
-    </p:bg>
-    <p:spTree>
-      <p:nvGrpSpPr>
-        <p:cNvPr id="1" name=""/>
-        <p:cNvGrpSpPr/>
-        <p:nvPr/>
-      </p:nvGrpSpPr>
-      <p:grpSpPr>
-        <a:xfrm>
-          <a:off x="0" y="0"/>
-          <a:ext cx="0" cy="0"/>
-          <a:chOff x="0" y="0"/>
-          <a:chExt cx="0" cy="0"/>
-        </a:xfrm>
-      </p:grpSpPr>
-      <p:pic>
-        <p:nvPicPr>
-          <p:cNvPr id="50" name="Picture 10"/>
-          <p:cNvPicPr/>
-          <p:nvPr/>
-        </p:nvPicPr>
-        <p:blipFill>
-          <a:blip r:embed="rId2"/>
-          <a:stretch/>
-        </p:blipFill>
-        <p:spPr>
-          <a:xfrm>
-            <a:off x="0" y="0"/>
-            <a:ext cx="12184560" cy="6850440"/>
-          </a:xfrm>
-          <a:prstGeom prst="rect">
-            <a:avLst/>
-          </a:prstGeom>
-          <a:noFill/>
-          <a:ln w="9525">
-            <a:noFill/>
-          </a:ln>
-        </p:spPr>
-      </p:pic>
-      <p:sp>
-        <p:nvSpPr>
-          <p:cNvPr id="51" name="PlaceHolder 1"/>
-          <p:cNvSpPr>
-            <a:spLocks noGrp="1"/>
-          </p:cNvSpPr>
-          <p:nvPr>
-            <p:ph type="title"/>
-          </p:nvPr>
-        </p:nvSpPr>
-        <p:spPr>
-          <a:xfrm>
-            <a:off x="609480" y="190440"/>
-            <a:ext cx="10965240" cy="574920"/>
-          </a:xfrm>
-          <a:prstGeom prst="rect">
-            <a:avLst/>
-          </a:prstGeom>
-          <a:noFill/>
-          <a:ln w="9360">
-            <a:noFill/>
-          </a:ln>
-        </p:spPr>
-        <p:txBody>
-          <a:bodyPr lIns="90000" rIns="90000" tIns="45000" bIns="45000" anchor="ctr">
-            <a:noAutofit/>
-          </a:bodyPr>
-          <a:p>
-            <a:pPr indent="0">
-              <a:lnSpc>
-                <a:spcPct val="100000"/>
-              </a:lnSpc>
-              <a:buNone/>
-              <a:tabLst>
-                <a:tab algn="l" pos="0"/>
-              </a:tabLst>
-            </a:pPr>
-            <a:r>
-              <a:rPr lang="en-US" sz="3600" b="0" u="none" strike="noStrike">
-                <a:solidFill>
-                  <a:schemeClr val="dk1"/>
-                </a:solidFill>
-                <a:effectLst/>
-                <a:uFillTx/>
-                <a:latin typeface="Arial"/>
-                <a:ea typeface="SimSun"/>
-              </a:rPr>
-              <a:t>Click to edit Master title style</a:t>
-            </a:r>
-            <a:endParaRPr lang="en-US" sz="3600" b="0" u="none" strike="noStrike">
-              <a:solidFill>
-                <a:srgbClr val="000000"/>
-              </a:solidFill>
-              <a:effectLst/>
-              <a:uFillTx/>
-              <a:latin typeface="Arial"/>
-            </a:endParaRPr>
-          </a:p>
-        </p:txBody>
-      </p:sp>
-      <p:sp>
-        <p:nvSpPr>
-          <p:cNvPr id="52" name="PlaceHolder 2"/>
-          <p:cNvSpPr>
-            <a:spLocks noGrp="1"/>
-          </p:cNvSpPr>
-          <p:nvPr>
-            <p:ph type="dt" idx="25"/>
-          </p:nvPr>
-        </p:nvSpPr>
-        <p:spPr>
-          <a:xfrm>
-            <a:off x="609480" y="6245280"/>
-            <a:ext cx="2837160" cy="468720"/>
-          </a:xfrm>
-          <a:prstGeom prst="rect">
-            <a:avLst/>
-          </a:prstGeom>
-          <a:noFill/>
-          <a:ln w="0">
-            <a:noFill/>
-          </a:ln>
-        </p:spPr>
-        <p:txBody>
-          <a:bodyPr numCol="1" spcCol="0" lIns="91440" rIns="91440" tIns="45720" bIns="45720" anchor="t">
-            <a:noAutofit/>
-          </a:bodyPr>
-          <a:lstStyle>
-            <a:lvl1pPr indent="0" defTabSz="914400">
-              <a:lnSpc>
-                <a:spcPct val="100000"/>
-              </a:lnSpc>
-              <a:buNone/>
-              <a:tabLst>
-                <a:tab algn="l" pos="0"/>
-              </a:tabLst>
-              <a:defRPr lang="en-US" sz="1400" b="0" u="none" strike="noStrike">
-                <a:solidFill>
-                  <a:srgbClr val="000000"/>
-                </a:solidFill>
-                <a:effectLst/>
-                <a:uFillTx/>
-                <a:latin typeface="Times New Roman"/>
-                <a:ea typeface="SimSun"/>
-              </a:defRPr>
-            </a:lvl1pPr>
-          </a:lstStyle>
-          <a:p>
-            <a:pPr indent="0" defTabSz="914400">
-              <a:lnSpc>
-                <a:spcPct val="100000"/>
-              </a:lnSpc>
-              <a:buNone/>
-              <a:tabLst>
-                <a:tab algn="l" pos="0"/>
-              </a:tabLst>
-            </a:pPr>
-            <a:r>
-              <a:rPr lang="en-US" sz="1400" b="0" u="none" strike="noStrike">
-                <a:solidFill>
-                  <a:srgbClr val="000000"/>
-                </a:solidFill>
-                <a:effectLst/>
-                <a:uFillTx/>
-                <a:latin typeface="Times New Roman"/>
-                <a:ea typeface="SimSun"/>
-              </a:rPr>
-              <a:t>&lt;date/time&gt;</a:t>
-            </a:r>
-            <a:endParaRPr lang="en-US" sz="1400" b="0" u="none" strike="noStrike">
-              <a:solidFill>
-                <a:srgbClr val="000000"/>
-              </a:solidFill>
-              <a:effectLst/>
-              <a:uFillTx/>
-              <a:latin typeface="Times New Roman"/>
-            </a:endParaRPr>
-          </a:p>
-        </p:txBody>
-      </p:sp>
-      <p:sp>
-        <p:nvSpPr>
-          <p:cNvPr id="53" name="PlaceHolder 3"/>
-          <p:cNvSpPr>
-            <a:spLocks noGrp="1"/>
-          </p:cNvSpPr>
-          <p:nvPr>
-            <p:ph type="ftr" idx="26"/>
-          </p:nvPr>
-        </p:nvSpPr>
-        <p:spPr>
-          <a:xfrm>
-            <a:off x="4165560" y="6245280"/>
-            <a:ext cx="3853080" cy="468720"/>
-          </a:xfrm>
-          <a:prstGeom prst="rect">
-            <a:avLst/>
-          </a:prstGeom>
-          <a:noFill/>
-          <a:ln w="0">
-            <a:noFill/>
-          </a:ln>
-        </p:spPr>
-        <p:txBody>
-          <a:bodyPr numCol="1" spcCol="0" lIns="91440" rIns="91440" tIns="45720" bIns="45720" anchor="t">
-            <a:noAutofit/>
-          </a:bodyPr>
-          <a:lstStyle>
-            <a:lvl1pPr indent="0" algn="ctr" defTabSz="914400">
-              <a:lnSpc>
-                <a:spcPct val="100000"/>
-              </a:lnSpc>
-              <a:buNone/>
-              <a:tabLst>
-                <a:tab algn="l" pos="0"/>
-              </a:tabLst>
-              <a:defRPr lang="en-US" sz="1400" b="0" u="none" strike="noStrike">
-                <a:solidFill>
-                  <a:srgbClr val="000000"/>
-                </a:solidFill>
-                <a:effectLst/>
-                <a:uFillTx/>
-                <a:latin typeface="Times New Roman"/>
-                <a:ea typeface="SimSun"/>
-              </a:defRPr>
-            </a:lvl1pPr>
-          </a:lstStyle>
-          <a:p>
-            <a:pPr indent="0" algn="ctr" defTabSz="914400">
-              <a:lnSpc>
-                <a:spcPct val="100000"/>
-              </a:lnSpc>
-              <a:buNone/>
-              <a:tabLst>
-                <a:tab algn="l" pos="0"/>
-              </a:tabLst>
-            </a:pPr>
-            <a:r>
-              <a:rPr lang="en-US" sz="1400" b="0" u="none" strike="noStrike">
-                <a:solidFill>
-                  <a:srgbClr val="000000"/>
-                </a:solidFill>
-                <a:effectLst/>
-                <a:uFillTx/>
-                <a:latin typeface="Times New Roman"/>
-                <a:ea typeface="SimSun"/>
-              </a:rPr>
-              <a:t>&lt;footer&gt;</a:t>
-            </a:r>
-            <a:endParaRPr lang="en-US" sz="1400" b="0" u="none" strike="noStrike">
-              <a:solidFill>
-                <a:srgbClr val="000000"/>
-              </a:solidFill>
-              <a:effectLst/>
-              <a:uFillTx/>
-              <a:latin typeface="Times New Roman"/>
-            </a:endParaRPr>
-          </a:p>
-        </p:txBody>
-      </p:sp>
-      <p:sp>
-        <p:nvSpPr>
-          <p:cNvPr id="54" name="PlaceHolder 4"/>
+          <p:cNvPr id="58" name="PlaceHolder 5"/>
           <p:cNvSpPr>
             <a:spLocks noGrp="1"/>
           </p:cNvSpPr>
@@ -5692,7 +5644,7 @@
         <p:spPr>
           <a:xfrm>
             <a:off x="8737560" y="6245280"/>
-            <a:ext cx="2837160" cy="468720"/>
+            <a:ext cx="2836800" cy="468360"/>
           </a:xfrm>
           <a:prstGeom prst="rect">
             <a:avLst/>
@@ -5792,7 +5744,7 @@
         <p:spPr>
           <a:xfrm>
             <a:off x="734760" y="1720800"/>
-            <a:ext cx="10330920" cy="2892960"/>
+            <a:ext cx="10330560" cy="2892600"/>
           </a:xfrm>
           <a:prstGeom prst="rect">
             <a:avLst/>
@@ -5934,7 +5886,7 @@
         <p:spPr>
           <a:xfrm>
             <a:off x="228600" y="685800"/>
-            <a:ext cx="11655360" cy="7578720"/>
+            <a:ext cx="11655000" cy="7578720"/>
           </a:xfrm>
           <a:prstGeom prst="rect">
             <a:avLst/>
@@ -6381,13 +6333,13 @@
       <p:sp>
         <p:nvSpPr>
           <p:cNvPr id="101" name="PlaceHolder 2"/>
-          <p:cNvSpPr txBox="1"/>
+          <p:cNvSpPr/>
           <p:nvPr/>
         </p:nvSpPr>
         <p:spPr>
           <a:xfrm>
             <a:off x="609840" y="-720"/>
-            <a:ext cx="10965240" cy="582120"/>
+            <a:ext cx="10964880" cy="581760"/>
           </a:xfrm>
           <a:prstGeom prst="rect">
             <a:avLst/>
@@ -6397,6 +6349,12 @@
             <a:noFill/>
           </a:ln>
         </p:spPr>
+        <p:style>
+          <a:lnRef idx="0"/>
+          <a:fillRef idx="0"/>
+          <a:effectRef idx="0"/>
+          <a:fontRef idx="minor"/>
+        </p:style>
         <p:txBody>
           <a:bodyPr lIns="0" rIns="0" tIns="0" bIns="0" anchor="ctr">
             <a:spAutoFit/>
@@ -6474,8 +6432,8 @@
         </p:nvSpPr>
         <p:spPr>
           <a:xfrm>
-            <a:off x="609480" y="-1080"/>
-            <a:ext cx="10965240" cy="582120"/>
+            <a:off x="609480" y="-1440"/>
+            <a:ext cx="10964880" cy="582480"/>
           </a:xfrm>
           <a:prstGeom prst="rect">
             <a:avLst/>
@@ -6530,7 +6488,7 @@
         <p:spPr>
           <a:xfrm>
             <a:off x="228600" y="685800"/>
-            <a:ext cx="11655360" cy="7578720"/>
+            <a:ext cx="11655000" cy="7578720"/>
           </a:xfrm>
           <a:prstGeom prst="rect">
             <a:avLst/>
@@ -7013,7 +6971,7 @@
         <p:spPr>
           <a:xfrm>
             <a:off x="914400" y="914400"/>
-            <a:ext cx="10055160" cy="1095840"/>
+            <a:ext cx="10054800" cy="1095120"/>
           </a:xfrm>
           <a:prstGeom prst="rect">
             <a:avLst/>
@@ -7113,7 +7071,7 @@
         <p:spPr>
           <a:xfrm>
             <a:off x="609480" y="235800"/>
-            <a:ext cx="10965240" cy="487080"/>
+            <a:ext cx="10964880" cy="487080"/>
           </a:xfrm>
           <a:prstGeom prst="rect">
             <a:avLst/>
@@ -7207,8 +7165,8 @@
         </p:nvSpPr>
         <p:spPr>
           <a:xfrm>
-            <a:off x="459360" y="72000"/>
-            <a:ext cx="10965240" cy="6343200"/>
+            <a:off x="459360" y="71640"/>
+            <a:ext cx="10964880" cy="6343560"/>
           </a:xfrm>
           <a:prstGeom prst="rect">
             <a:avLst/>
@@ -7336,8 +7294,8 @@
         </p:nvSpPr>
         <p:spPr>
           <a:xfrm>
-            <a:off x="609480" y="141120"/>
-            <a:ext cx="2589480" cy="674280"/>
+            <a:off x="609480" y="140760"/>
+            <a:ext cx="2589120" cy="674640"/>
           </a:xfrm>
           <a:prstGeom prst="rect">
             <a:avLst/>
@@ -7392,7 +7350,7 @@
         <p:spPr>
           <a:xfrm>
             <a:off x="0" y="1143000"/>
-            <a:ext cx="2509920" cy="5253120"/>
+            <a:ext cx="2509560" cy="5252760"/>
           </a:xfrm>
           <a:prstGeom prst="rect">
             <a:avLst/>
@@ -7664,8 +7622,8 @@
         </p:nvSpPr>
         <p:spPr>
           <a:xfrm>
-            <a:off x="609480" y="140400"/>
-            <a:ext cx="10965240" cy="675360"/>
+            <a:off x="609480" y="140040"/>
+            <a:ext cx="10964880" cy="675720"/>
           </a:xfrm>
           <a:prstGeom prst="rect">
             <a:avLst/>
@@ -7724,7 +7682,7 @@
         <p:spPr>
           <a:xfrm>
             <a:off x="457200" y="914400"/>
-            <a:ext cx="4959720" cy="5256720"/>
+            <a:ext cx="4959360" cy="5256360"/>
           </a:xfrm>
           <a:prstGeom prst="rect">
             <a:avLst/>
@@ -7748,7 +7706,7 @@
         <p:spPr>
           <a:xfrm>
             <a:off x="5718600" y="951840"/>
-            <a:ext cx="4338720" cy="5223960"/>
+            <a:ext cx="4338360" cy="5223600"/>
           </a:xfrm>
           <a:prstGeom prst="rect">
             <a:avLst/>
@@ -7801,8 +7759,8 @@
         </p:nvSpPr>
         <p:spPr>
           <a:xfrm>
-            <a:off x="609480" y="140400"/>
-            <a:ext cx="10965240" cy="675360"/>
+            <a:off x="609480" y="140040"/>
+            <a:ext cx="10964880" cy="675720"/>
           </a:xfrm>
           <a:prstGeom prst="rect">
             <a:avLst/>
@@ -7857,7 +7815,7 @@
         <p:spPr>
           <a:xfrm>
             <a:off x="360" y="1143360"/>
-            <a:ext cx="2509920" cy="5253120"/>
+            <a:ext cx="2509560" cy="5252760"/>
           </a:xfrm>
           <a:prstGeom prst="rect">
             <a:avLst/>
@@ -8129,8 +8087,8 @@
         </p:nvSpPr>
         <p:spPr>
           <a:xfrm>
-            <a:off x="609480" y="140400"/>
-            <a:ext cx="10965240" cy="675360"/>
+            <a:off x="609480" y="140040"/>
+            <a:ext cx="10964880" cy="675720"/>
           </a:xfrm>
           <a:prstGeom prst="rect">
             <a:avLst/>
@@ -8189,7 +8147,7 @@
         <p:spPr>
           <a:xfrm>
             <a:off x="475920" y="914400"/>
-            <a:ext cx="5234400" cy="5464440"/>
+            <a:ext cx="5234040" cy="5464080"/>
           </a:xfrm>
           <a:prstGeom prst="rect">
             <a:avLst/>
@@ -8213,7 +8171,7 @@
         <p:spPr>
           <a:xfrm>
             <a:off x="5943600" y="914400"/>
-            <a:ext cx="4826160" cy="5481720"/>
+            <a:ext cx="4825800" cy="5481360"/>
           </a:xfrm>
           <a:prstGeom prst="rect">
             <a:avLst/>
@@ -8267,7 +8225,7 @@
         <p:spPr>
           <a:xfrm>
             <a:off x="1143000" y="2743200"/>
-            <a:ext cx="10965240" cy="754560"/>
+            <a:ext cx="10964880" cy="754200"/>
           </a:xfrm>
           <a:prstGeom prst="rect">
             <a:avLst/>
@@ -8356,8 +8314,8 @@
         </p:nvSpPr>
         <p:spPr>
           <a:xfrm>
-            <a:off x="609480" y="-1080"/>
-            <a:ext cx="10965240" cy="582120"/>
+            <a:off x="609480" y="-1440"/>
+            <a:ext cx="10964880" cy="582480"/>
           </a:xfrm>
           <a:prstGeom prst="rect">
             <a:avLst/>
@@ -8412,7 +8370,7 @@
         <p:spPr>
           <a:xfrm>
             <a:off x="228600" y="685800"/>
-            <a:ext cx="11655360" cy="8327880"/>
+            <a:ext cx="11655000" cy="8327880"/>
           </a:xfrm>
           <a:prstGeom prst="rect">
             <a:avLst/>
@@ -8622,7 +8580,7 @@
             </a:endParaRPr>
           </a:p>
           <a:p>
-            <a:pPr marL="432000" lvl="1" indent="-216000">
+            <a:pPr>
               <a:lnSpc>
                 <a:spcPct val="100000"/>
               </a:lnSpc>
@@ -8632,12 +8590,6 @@
               <a:spcAft>
                 <a:spcPts val="992"/>
               </a:spcAft>
-              <a:buClr>
-                <a:srgbClr val="000000"/>
-              </a:buClr>
-              <a:buSzPct val="45000"/>
-              <a:buFont typeface="Wingdings" charset="2"/>
-              <a:buChar char=""/>
             </a:pPr>
             <a:endParaRPr lang="en-US" sz="3200" b="0" u="none" strike="noStrike">
               <a:solidFill>
@@ -8664,7 +8616,7 @@
             </a:endParaRPr>
           </a:p>
           <a:p>
-            <a:pPr marL="216000" indent="-216000">
+            <a:pPr>
               <a:lnSpc>
                 <a:spcPct val="100000"/>
               </a:lnSpc>
@@ -8674,11 +8626,6 @@
               <a:spcAft>
                 <a:spcPts val="425"/>
               </a:spcAft>
-              <a:buClr>
-                <a:srgbClr val="000000"/>
-              </a:buClr>
-              <a:buFont typeface="Wingdings" charset="2"/>
-              <a:buChar char=""/>
             </a:pPr>
             <a:endParaRPr lang="en-US" sz="3200" b="0" u="none" strike="noStrike">
               <a:solidFill>
@@ -8853,8 +8800,8 @@
         </p:nvSpPr>
         <p:spPr>
           <a:xfrm>
-            <a:off x="609480" y="-45360"/>
-            <a:ext cx="10965240" cy="670680"/>
+            <a:off x="609480" y="-45720"/>
+            <a:ext cx="10964880" cy="671040"/>
           </a:xfrm>
           <a:prstGeom prst="rect">
             <a:avLst/>
@@ -8870,7 +8817,13 @@
           </a:bodyPr>
           <a:p>
             <a:pPr indent="0">
+              <a:lnSpc>
+                <a:spcPct val="100000"/>
+              </a:lnSpc>
               <a:buNone/>
+              <a:tabLst>
+                <a:tab algn="l" pos="0"/>
+              </a:tabLst>
             </a:pPr>
             <a:r>
               <a:rPr lang="en-US" sz="4400" b="1" u="none" strike="noStrike">
@@ -8883,9 +8836,9 @@
               </a:rPr>
               <a:t>Coseno minimum</a:t>
             </a:r>
-            <a:endParaRPr lang="en-US" sz="4400" b="1" u="none" strike="noStrike">
-              <a:solidFill>
-                <a:srgbClr val="ff0000"/>
+            <a:endParaRPr lang="en-US" sz="4400" b="0" u="none" strike="noStrike">
+              <a:solidFill>
+                <a:srgbClr val="000000"/>
               </a:solidFill>
               <a:effectLst/>
               <a:uFillTx/>
@@ -8903,7 +8856,7 @@
         <p:spPr>
           <a:xfrm>
             <a:off x="228600" y="685800"/>
-            <a:ext cx="11655360" cy="6618960"/>
+            <a:ext cx="11655000" cy="6618240"/>
           </a:xfrm>
           <a:prstGeom prst="rect">
             <a:avLst/>
@@ -9391,7 +9344,7 @@
         <p:spPr>
           <a:xfrm>
             <a:off x="1371600" y="5029200"/>
-            <a:ext cx="228600" cy="1371600"/>
+            <a:ext cx="228240" cy="1371240"/>
           </a:xfrm>
           <a:prstGeom prst="upArrow">
             <a:avLst>
@@ -9419,6 +9372,11 @@
             <a:noAutofit/>
           </a:bodyPr>
           <a:p>
+            <a:pPr>
+              <a:lnSpc>
+                <a:spcPct val="100000"/>
+              </a:lnSpc>
+            </a:pPr>
             <a:endParaRPr lang="en-US" sz="1800" b="0" u="none" strike="noStrike">
               <a:solidFill>
                 <a:srgbClr val="000000"/>
@@ -9426,6 +9384,7 @@
               <a:effectLst/>
               <a:uFillTx/>
               <a:latin typeface="Arial"/>
+              <a:ea typeface="SimSun"/>
             </a:endParaRPr>
           </a:p>
         </p:txBody>
@@ -9439,7 +9398,7 @@
         <p:spPr>
           <a:xfrm>
             <a:off x="2057400" y="5029200"/>
-            <a:ext cx="228600" cy="1371600"/>
+            <a:ext cx="228240" cy="1371240"/>
           </a:xfrm>
           <a:prstGeom prst="downArrow">
             <a:avLst>
@@ -9467,6 +9426,11 @@
             <a:noAutofit/>
           </a:bodyPr>
           <a:p>
+            <a:pPr>
+              <a:lnSpc>
+                <a:spcPct val="100000"/>
+              </a:lnSpc>
+            </a:pPr>
             <a:endParaRPr lang="en-US" sz="1800" b="0" u="none" strike="noStrike">
               <a:solidFill>
                 <a:srgbClr val="000000"/>
@@ -9474,6 +9438,7 @@
               <a:effectLst/>
               <a:uFillTx/>
               <a:latin typeface="Arial"/>
+              <a:ea typeface="SimSun"/>
             </a:endParaRPr>
           </a:p>
         </p:txBody>
@@ -9487,7 +9452,7 @@
         <p:spPr>
           <a:xfrm>
             <a:off x="5715000" y="5029200"/>
-            <a:ext cx="228600" cy="1371600"/>
+            <a:ext cx="228240" cy="1371240"/>
           </a:xfrm>
           <a:prstGeom prst="downArrow">
             <a:avLst>
@@ -9515,6 +9480,11 @@
             <a:noAutofit/>
           </a:bodyPr>
           <a:p>
+            <a:pPr>
+              <a:lnSpc>
+                <a:spcPct val="100000"/>
+              </a:lnSpc>
+            </a:pPr>
             <a:endParaRPr lang="en-US" sz="1800" b="0" u="none" strike="noStrike">
               <a:solidFill>
                 <a:srgbClr val="000000"/>
@@ -9522,6 +9492,7 @@
               <a:effectLst/>
               <a:uFillTx/>
               <a:latin typeface="Arial"/>
+              <a:ea typeface="SimSun"/>
             </a:endParaRPr>
           </a:p>
         </p:txBody>
@@ -9535,7 +9506,7 @@
         <p:spPr>
           <a:xfrm>
             <a:off x="5943600" y="6400800"/>
-            <a:ext cx="1600200" cy="228600"/>
+            <a:ext cx="1599840" cy="228240"/>
           </a:xfrm>
           <a:prstGeom prst="leftArrow">
             <a:avLst>
@@ -9563,6 +9534,11 @@
             <a:noAutofit/>
           </a:bodyPr>
           <a:p>
+            <a:pPr>
+              <a:lnSpc>
+                <a:spcPct val="100000"/>
+              </a:lnSpc>
+            </a:pPr>
             <a:endParaRPr lang="en-US" sz="1800" b="0" u="none" strike="noStrike">
               <a:solidFill>
                 <a:srgbClr val="000000"/>
@@ -9570,6 +9546,7 @@
               <a:effectLst/>
               <a:uFillTx/>
               <a:latin typeface="Arial"/>
+              <a:ea typeface="SimSun"/>
             </a:endParaRPr>
           </a:p>
         </p:txBody>
@@ -9583,7 +9560,7 @@
         <p:spPr>
           <a:xfrm>
             <a:off x="9601200" y="5029200"/>
-            <a:ext cx="228600" cy="457200"/>
+            <a:ext cx="228240" cy="456840"/>
           </a:xfrm>
           <a:prstGeom prst="downArrow">
             <a:avLst>
@@ -9611,6 +9588,11 @@
             <a:noAutofit/>
           </a:bodyPr>
           <a:p>
+            <a:pPr>
+              <a:lnSpc>
+                <a:spcPct val="100000"/>
+              </a:lnSpc>
+            </a:pPr>
             <a:endParaRPr lang="en-US" sz="1800" b="0" u="none" strike="noStrike">
               <a:solidFill>
                 <a:srgbClr val="000000"/>
@@ -9618,6 +9600,7 @@
               <a:effectLst/>
               <a:uFillTx/>
               <a:latin typeface="Arial"/>
+              <a:ea typeface="SimSun"/>
             </a:endParaRPr>
           </a:p>
         </p:txBody>
@@ -9631,7 +9614,7 @@
         <p:spPr>
           <a:xfrm>
             <a:off x="9601200" y="5715000"/>
-            <a:ext cx="228600" cy="457200"/>
+            <a:ext cx="228240" cy="456840"/>
           </a:xfrm>
           <a:prstGeom prst="upArrow">
             <a:avLst>
@@ -9659,6 +9642,11 @@
             <a:noAutofit/>
           </a:bodyPr>
           <a:p>
+            <a:pPr>
+              <a:lnSpc>
+                <a:spcPct val="100000"/>
+              </a:lnSpc>
+            </a:pPr>
             <a:endParaRPr lang="en-US" sz="1800" b="0" u="none" strike="noStrike">
               <a:solidFill>
                 <a:srgbClr val="000000"/>
@@ -9666,6 +9654,7 @@
               <a:effectLst/>
               <a:uFillTx/>
               <a:latin typeface="Arial"/>
+              <a:ea typeface="SimSun"/>
             </a:endParaRPr>
           </a:p>
         </p:txBody>
@@ -9679,7 +9668,7 @@
         <p:spPr>
           <a:xfrm>
             <a:off x="1371960" y="5029200"/>
-            <a:ext cx="228600" cy="1371600"/>
+            <a:ext cx="228240" cy="1371240"/>
           </a:xfrm>
           <a:prstGeom prst="upArrow">
             <a:avLst>
@@ -9707,6 +9696,11 @@
             <a:noAutofit/>
           </a:bodyPr>
           <a:p>
+            <a:pPr>
+              <a:lnSpc>
+                <a:spcPct val="100000"/>
+              </a:lnSpc>
+            </a:pPr>
             <a:endParaRPr lang="en-US" sz="1800" b="0" u="none" strike="noStrike">
               <a:solidFill>
                 <a:srgbClr val="000000"/>
@@ -9714,6 +9708,7 @@
               <a:effectLst/>
               <a:uFillTx/>
               <a:latin typeface="Arial"/>
+              <a:ea typeface="SimSun"/>
             </a:endParaRPr>
           </a:p>
         </p:txBody>
@@ -9721,13 +9716,13 @@
       <p:sp>
         <p:nvSpPr>
           <p:cNvPr id="84" name=""/>
-          <p:cNvSpPr txBox="1"/>
+          <p:cNvSpPr/>
           <p:nvPr/>
         </p:nvSpPr>
         <p:spPr>
           <a:xfrm>
             <a:off x="6172200" y="511200"/>
-            <a:ext cx="5486400" cy="1181160"/>
+            <a:ext cx="5486040" cy="1180800"/>
           </a:xfrm>
           <a:prstGeom prst="rect">
             <a:avLst/>
@@ -9742,11 +9737,22 @@
             <a:round/>
           </a:ln>
         </p:spPr>
+        <p:style>
+          <a:lnRef idx="0"/>
+          <a:fillRef idx="0"/>
+          <a:effectRef idx="0"/>
+          <a:fontRef idx="minor"/>
+        </p:style>
         <p:txBody>
           <a:bodyPr lIns="99000" rIns="99000" tIns="54000" bIns="54000" anchor="ctr">
             <a:spAutoFit/>
           </a:bodyPr>
           <a:p>
+            <a:pPr>
+              <a:lnSpc>
+                <a:spcPct val="100000"/>
+              </a:lnSpc>
+            </a:pPr>
             <a:r>
               <a:rPr lang="en-US" sz="1400" b="1" u="none" strike="noStrike">
                 <a:solidFill>
@@ -9756,18 +9762,7 @@
                 <a:uFillTx/>
                 <a:latin typeface="Arial"/>
               </a:rPr>
-              <a:t>This value is</a:t>
-            </a:r>
-            <a:r>
-              <a:rPr lang="en-US" sz="1400" b="1" u="none" strike="noStrike">
-                <a:solidFill>
-                  <a:srgbClr val="800080"/>
-                </a:solidFill>
-                <a:effectLst/>
-                <a:uFillTx/>
-                <a:latin typeface="Arial"/>
-              </a:rPr>
-              <a:t> called the cosine of the angle. </a:t>
+              <a:t>This value is called the cosine of the angle. </a:t>
             </a:r>
             <a:endParaRPr lang="en-US" sz="1400" b="0" u="none" strike="noStrike">
               <a:solidFill>
@@ -9801,14 +9796,13 @@
               </a:rPr>
               <a:t>What cos_min does?</a:t>
             </a:r>
-            <a:endParaRPr lang="en-US" sz="1400" b="1" u="none" strike="noStrike">
-              <a:solidFill>
-                <a:srgbClr val="3465a4"/>
-              </a:solidFill>
-              <a:effectLst/>
-              <a:uFillTx/>
-              <a:latin typeface="Arial"/>
-              <a:ea typeface="Microsoft YaHei"/>
+            <a:endParaRPr lang="en-US" sz="1400" b="0" u="none" strike="noStrike">
+              <a:solidFill>
+                <a:srgbClr val="000000"/>
+              </a:solidFill>
+              <a:effectLst/>
+              <a:uFillTx/>
+              <a:latin typeface="Arial"/>
             </a:endParaRPr>
           </a:p>
           <a:p>
@@ -9834,20 +9828,24 @@
               </a:rPr>
               <a:t>Only connect fragments if their alignment is at least this good.</a:t>
             </a:r>
-            <a:endParaRPr lang="en-US" sz="1400" b="1" u="none" strike="noStrike">
-              <a:solidFill>
-                <a:srgbClr val="3465a4"/>
-              </a:solidFill>
-              <a:effectLst/>
-              <a:uFillTx/>
-              <a:latin typeface="Arial"/>
-              <a:ea typeface="Microsoft YaHei"/>
-            </a:endParaRPr>
-          </a:p>
-          <a:p>
-            <a:endParaRPr lang="en-US" sz="1400" b="1" u="none" strike="noStrike">
-              <a:solidFill>
-                <a:srgbClr val="3465a4"/>
+            <a:endParaRPr lang="en-US" sz="1400" b="0" u="none" strike="noStrike">
+              <a:solidFill>
+                <a:srgbClr val="000000"/>
+              </a:solidFill>
+              <a:effectLst/>
+              <a:uFillTx/>
+              <a:latin typeface="Arial"/>
+            </a:endParaRPr>
+          </a:p>
+          <a:p>
+            <a:pPr>
+              <a:lnSpc>
+                <a:spcPct val="100000"/>
+              </a:lnSpc>
+            </a:pPr>
+            <a:endParaRPr lang="en-US" sz="1400" b="0" u="none" strike="noStrike">
+              <a:solidFill>
+                <a:srgbClr val="000000"/>
               </a:solidFill>
               <a:effectLst/>
               <a:uFillTx/>
@@ -9898,8 +9896,8 @@
         </p:nvSpPr>
         <p:spPr>
           <a:xfrm>
-            <a:off x="609480" y="-45360"/>
-            <a:ext cx="10965240" cy="670680"/>
+            <a:off x="609480" y="-45720"/>
+            <a:ext cx="10964880" cy="671040"/>
           </a:xfrm>
           <a:prstGeom prst="rect">
             <a:avLst/>
@@ -9915,7 +9913,13 @@
           </a:bodyPr>
           <a:p>
             <a:pPr indent="0">
+              <a:lnSpc>
+                <a:spcPct val="100000"/>
+              </a:lnSpc>
               <a:buNone/>
+              <a:tabLst>
+                <a:tab algn="l" pos="0"/>
+              </a:tabLst>
             </a:pPr>
             <a:r>
               <a:rPr lang="en-US" sz="4400" b="1" u="none" strike="noStrike">
@@ -9928,9 +9932,9 @@
               </a:rPr>
               <a:t>Coseno minimum</a:t>
             </a:r>
-            <a:endParaRPr lang="en-US" sz="4400" b="1" u="none" strike="noStrike">
-              <a:solidFill>
-                <a:srgbClr val="ff0000"/>
+            <a:endParaRPr lang="en-US" sz="4400" b="0" u="none" strike="noStrike">
+              <a:solidFill>
+                <a:srgbClr val="000000"/>
               </a:solidFill>
               <a:effectLst/>
               <a:uFillTx/>
@@ -9947,7 +9951,7 @@
         </p:nvGraphicFramePr>
         <p:xfrm>
           <a:off x="183960" y="671760"/>
-          <a:ext cx="5075280" cy="1038600"/>
+          <a:ext cx="7613280" cy="4120560"/>
         </p:xfrm>
         <a:graphic>
           <a:graphicData uri="http://schemas.openxmlformats.org/drawingml/2006/table">
@@ -9965,7 +9969,11 @@
                       <a:noAutofit/>
                     </a:bodyPr>
                     <a:p>
-                      <a:pPr algn="ctr"/>
+                      <a:pPr algn="ctr">
+                        <a:lnSpc>
+                          <a:spcPct val="100000"/>
+                        </a:lnSpc>
+                      </a:pPr>
                       <a:r>
                         <a:rPr lang="en-US" sz="1800" b="0" u="none" strike="noStrike">
                           <a:solidFill>
@@ -10021,7 +10029,11 @@
                       <a:noAutofit/>
                     </a:bodyPr>
                     <a:p>
-                      <a:pPr algn="ctr"/>
+                      <a:pPr algn="ctr">
+                        <a:lnSpc>
+                          <a:spcPct val="100000"/>
+                        </a:lnSpc>
+                      </a:pPr>
                       <a:r>
                         <a:rPr lang="en-US" sz="1800" b="0" u="none" strike="noStrike">
                           <a:solidFill>
@@ -10077,7 +10089,11 @@
                       <a:noAutofit/>
                     </a:bodyPr>
                     <a:p>
-                      <a:pPr algn="ctr"/>
+                      <a:pPr algn="ctr">
+                        <a:lnSpc>
+                          <a:spcPct val="100000"/>
+                        </a:lnSpc>
+                      </a:pPr>
                       <a:r>
                         <a:rPr lang="en-US" sz="1800" b="0" u="none" strike="noStrike">
                           <a:solidFill>
@@ -10135,7 +10151,11 @@
                       <a:noAutofit/>
                     </a:bodyPr>
                     <a:p>
-                      <a:pPr algn="ctr"/>
+                      <a:pPr algn="ctr">
+                        <a:lnSpc>
+                          <a:spcPct val="100000"/>
+                        </a:lnSpc>
+                      </a:pPr>
                       <a:r>
                         <a:rPr lang="en-US" sz="1400" b="0" u="none" strike="noStrike">
                           <a:solidFill>
@@ -10191,7 +10211,11 @@
                       <a:noAutofit/>
                     </a:bodyPr>
                     <a:p>
-                      <a:pPr algn="ctr"/>
+                      <a:pPr algn="ctr">
+                        <a:lnSpc>
+                          <a:spcPct val="100000"/>
+                        </a:lnSpc>
+                      </a:pPr>
                       <a:r>
                         <a:rPr lang="en-US" sz="1400" b="0" u="none" strike="noStrike">
                           <a:solidFill>
@@ -10247,7 +10271,11 @@
                       <a:noAutofit/>
                     </a:bodyPr>
                     <a:p>
-                      <a:pPr algn="ctr"/>
+                      <a:pPr algn="ctr">
+                        <a:lnSpc>
+                          <a:spcPct val="100000"/>
+                        </a:lnSpc>
+                      </a:pPr>
                       <a:r>
                         <a:rPr lang="en-US" sz="1400" b="0" u="none" strike="noStrike">
                           <a:solidFill>
@@ -10269,7 +10297,11 @@
                       </a:endParaRPr>
                     </a:p>
                     <a:p>
-                      <a:pPr algn="ctr"/>
+                      <a:pPr algn="ctr">
+                        <a:lnSpc>
+                          <a:spcPct val="100000"/>
+                        </a:lnSpc>
+                      </a:pPr>
                       <a:r>
                         <a:rPr lang="en-US" sz="1400" b="0" u="none" strike="noStrike">
                           <a:solidFill>
@@ -10291,7 +10323,11 @@
                       </a:endParaRPr>
                     </a:p>
                     <a:p>
-                      <a:pPr algn="ctr"/>
+                      <a:pPr algn="ctr">
+                        <a:lnSpc>
+                          <a:spcPct val="100000"/>
+                        </a:lnSpc>
+                      </a:pPr>
                       <a:r>
                         <a:rPr lang="en-US" sz="1400" b="0" u="none" strike="noStrike">
                           <a:solidFill>
@@ -10313,7 +10349,11 @@
                       </a:endParaRPr>
                     </a:p>
                     <a:p>
-                      <a:pPr algn="ctr"/>
+                      <a:pPr algn="ctr">
+                        <a:lnSpc>
+                          <a:spcPct val="100000"/>
+                        </a:lnSpc>
+                      </a:pPr>
                       <a:endParaRPr lang="en-US" sz="1400" b="0" u="none" strike="noStrike">
                         <a:solidFill>
                           <a:srgbClr val="000000"/>
@@ -10324,7 +10364,11 @@
                       </a:endParaRPr>
                     </a:p>
                     <a:p>
-                      <a:pPr algn="ctr"/>
+                      <a:pPr algn="ctr">
+                        <a:lnSpc>
+                          <a:spcPct val="100000"/>
+                        </a:lnSpc>
+                      </a:pPr>
                       <a:r>
                         <a:rPr lang="en-US" sz="1400" b="1" u="none" strike="noStrike">
                           <a:solidFill>
@@ -10346,7 +10390,11 @@
                       </a:endParaRPr>
                     </a:p>
                     <a:p>
-                      <a:pPr algn="ctr"/>
+                      <a:pPr algn="ctr">
+                        <a:lnSpc>
+                          <a:spcPct val="100000"/>
+                        </a:lnSpc>
+                      </a:pPr>
                       <a:endParaRPr lang="en-US" sz="1400" b="0" u="none" strike="noStrike">
                         <a:solidFill>
                           <a:srgbClr val="000000"/>
@@ -10393,7 +10441,11 @@
                       <a:noAutofit/>
                     </a:bodyPr>
                     <a:p>
-                      <a:pPr algn="ctr"/>
+                      <a:pPr algn="ctr">
+                        <a:lnSpc>
+                          <a:spcPct val="100000"/>
+                        </a:lnSpc>
+                      </a:pPr>
                       <a:r>
                         <a:rPr lang="en-US" sz="1400" b="0" u="none" strike="noStrike">
                           <a:solidFill>
@@ -10449,7 +10501,11 @@
                       <a:noAutofit/>
                     </a:bodyPr>
                     <a:p>
-                      <a:pPr algn="ctr"/>
+                      <a:pPr algn="ctr">
+                        <a:lnSpc>
+                          <a:spcPct val="100000"/>
+                        </a:lnSpc>
+                      </a:pPr>
                       <a:r>
                         <a:rPr lang="en-US" sz="1400" b="0" u="none" strike="noStrike">
                           <a:solidFill>
@@ -10505,7 +10561,11 @@
                       <a:noAutofit/>
                     </a:bodyPr>
                     <a:p>
-                      <a:pPr algn="ctr"/>
+                      <a:pPr algn="ctr">
+                        <a:lnSpc>
+                          <a:spcPct val="100000"/>
+                        </a:lnSpc>
+                      </a:pPr>
                       <a:r>
                         <a:rPr lang="en-US" sz="1400" b="0" u="none" strike="noStrike">
                           <a:solidFill>
@@ -10527,7 +10587,11 @@
                       </a:endParaRPr>
                     </a:p>
                     <a:p>
-                      <a:pPr algn="ctr"/>
+                      <a:pPr algn="ctr">
+                        <a:lnSpc>
+                          <a:spcPct val="100000"/>
+                        </a:lnSpc>
+                      </a:pPr>
                       <a:r>
                         <a:rPr lang="en-US" sz="1400" b="0" u="none" strike="noStrike">
                           <a:solidFill>
@@ -10549,7 +10613,11 @@
                       </a:endParaRPr>
                     </a:p>
                     <a:p>
-                      <a:pPr algn="ctr"/>
+                      <a:pPr algn="ctr">
+                        <a:lnSpc>
+                          <a:spcPct val="100000"/>
+                        </a:lnSpc>
+                      </a:pPr>
                       <a:r>
                         <a:rPr lang="en-US" sz="1400" b="0" u="none" strike="noStrike">
                           <a:solidFill>
@@ -10571,7 +10639,11 @@
                       </a:endParaRPr>
                     </a:p>
                     <a:p>
-                      <a:pPr algn="ctr"/>
+                      <a:pPr algn="ctr">
+                        <a:lnSpc>
+                          <a:spcPct val="100000"/>
+                        </a:lnSpc>
+                      </a:pPr>
                       <a:endParaRPr lang="en-US" sz="1400" b="0" u="none" strike="noStrike">
                         <a:solidFill>
                           <a:srgbClr val="000000"/>
@@ -10582,7 +10654,11 @@
                       </a:endParaRPr>
                     </a:p>
                     <a:p>
-                      <a:pPr algn="ctr"/>
+                      <a:pPr algn="ctr">
+                        <a:lnSpc>
+                          <a:spcPct val="100000"/>
+                        </a:lnSpc>
+                      </a:pPr>
                       <a:r>
                         <a:rPr lang="en-US" sz="1400" b="1" u="none" strike="noStrike">
                           <a:solidFill>
@@ -10604,7 +10680,11 @@
                       </a:endParaRPr>
                     </a:p>
                     <a:p>
-                      <a:pPr algn="ctr"/>
+                      <a:pPr algn="ctr">
+                        <a:lnSpc>
+                          <a:spcPct val="100000"/>
+                        </a:lnSpc>
+                      </a:pPr>
                       <a:endParaRPr lang="en-US" sz="1400" b="0" u="none" strike="noStrike">
                         <a:solidFill>
                           <a:srgbClr val="000000"/>
@@ -10656,7 +10736,7 @@
         </p:nvGraphicFramePr>
         <p:xfrm>
           <a:off x="6164640" y="4948560"/>
-          <a:ext cx="5075280" cy="1731240"/>
+          <a:ext cx="5075280" cy="1731600"/>
         </p:xfrm>
         <a:graphic>
           <a:graphicData uri="http://schemas.openxmlformats.org/drawingml/2006/table">
@@ -10673,7 +10753,11 @@
                       <a:noAutofit/>
                     </a:bodyPr>
                     <a:p>
-                      <a:pPr algn="ctr"/>
+                      <a:pPr algn="ctr">
+                        <a:lnSpc>
+                          <a:spcPct val="100000"/>
+                        </a:lnSpc>
+                      </a:pPr>
                       <a:r>
                         <a:rPr lang="en-US" sz="1400" b="0" u="none" strike="noStrike">
                           <a:solidFill>
@@ -10729,7 +10813,11 @@
                       <a:noAutofit/>
                     </a:bodyPr>
                     <a:p>
-                      <a:pPr algn="ctr"/>
+                      <a:pPr algn="ctr">
+                        <a:lnSpc>
+                          <a:spcPct val="100000"/>
+                        </a:lnSpc>
+                      </a:pPr>
                       <a:r>
                         <a:rPr lang="en-US" sz="1400" b="0" u="none" strike="noStrike">
                           <a:solidFill>
@@ -10787,6 +10875,11 @@
                       <a:noAutofit/>
                     </a:bodyPr>
                     <a:p>
+                      <a:pPr>
+                        <a:lnSpc>
+                          <a:spcPct val="100000"/>
+                        </a:lnSpc>
+                      </a:pPr>
                       <a:r>
                         <a:rPr lang="en-US" sz="1400" b="0" u="none" strike="noStrike">
                           <a:solidFill>
@@ -10842,6 +10935,11 @@
                       <a:noAutofit/>
                     </a:bodyPr>
                     <a:p>
+                      <a:pPr>
+                        <a:lnSpc>
+                          <a:spcPct val="100000"/>
+                        </a:lnSpc>
+                      </a:pPr>
                       <a:r>
                         <a:rPr lang="en-US" sz="1400" b="0" u="none" strike="noStrike">
                           <a:solidFill>
@@ -10899,6 +10997,11 @@
                       <a:noAutofit/>
                     </a:bodyPr>
                     <a:p>
+                      <a:pPr>
+                        <a:lnSpc>
+                          <a:spcPct val="100000"/>
+                        </a:lnSpc>
+                      </a:pPr>
                       <a:r>
                         <a:rPr lang="en-US" sz="1400" b="0" u="none" strike="noStrike">
                           <a:solidFill>
@@ -10954,6 +11057,11 @@
                       <a:noAutofit/>
                     </a:bodyPr>
                     <a:p>
+                      <a:pPr>
+                        <a:lnSpc>
+                          <a:spcPct val="100000"/>
+                        </a:lnSpc>
+                      </a:pPr>
                       <a:r>
                         <a:rPr lang="en-US" sz="1400" b="0" u="none" strike="noStrike">
                           <a:solidFill>
@@ -11011,6 +11119,11 @@
                       <a:noAutofit/>
                     </a:bodyPr>
                     <a:p>
+                      <a:pPr>
+                        <a:lnSpc>
+                          <a:spcPct val="100000"/>
+                        </a:lnSpc>
+                      </a:pPr>
                       <a:r>
                         <a:rPr lang="en-US" sz="1400" b="0" u="none" strike="noStrike">
                           <a:solidFill>
@@ -11066,6 +11179,11 @@
                       <a:noAutofit/>
                     </a:bodyPr>
                     <a:p>
+                      <a:pPr>
+                        <a:lnSpc>
+                          <a:spcPct val="100000"/>
+                        </a:lnSpc>
+                      </a:pPr>
                       <a:r>
                         <a:rPr lang="en-US" sz="1400" b="0" u="none" strike="noStrike">
                           <a:solidFill>
@@ -11123,6 +11241,11 @@
                       <a:noAutofit/>
                     </a:bodyPr>
                     <a:p>
+                      <a:pPr>
+                        <a:lnSpc>
+                          <a:spcPct val="100000"/>
+                        </a:lnSpc>
+                      </a:pPr>
                       <a:r>
                         <a:rPr lang="en-US" sz="1400" b="0" u="none" strike="noStrike">
                           <a:solidFill>
@@ -11178,6 +11301,11 @@
                       <a:noAutofit/>
                     </a:bodyPr>
                     <a:p>
+                      <a:pPr>
+                        <a:lnSpc>
+                          <a:spcPct val="100000"/>
+                        </a:lnSpc>
+                      </a:pPr>
                       <a:r>
                         <a:rPr lang="en-US" sz="1400" b="0" u="none" strike="noStrike">
                           <a:solidFill>
@@ -11274,8 +11402,8 @@
         </p:nvSpPr>
         <p:spPr>
           <a:xfrm>
-            <a:off x="609480" y="-1080"/>
-            <a:ext cx="10965240" cy="582120"/>
+            <a:off x="609480" y="-1440"/>
+            <a:ext cx="10964880" cy="582480"/>
           </a:xfrm>
           <a:prstGeom prst="rect">
             <a:avLst/>
@@ -11330,7 +11458,7 @@
         <p:spPr>
           <a:xfrm>
             <a:off x="228600" y="685800"/>
-            <a:ext cx="11655360" cy="7039800"/>
+            <a:ext cx="11655000" cy="7039800"/>
           </a:xfrm>
           <a:prstGeom prst="rect">
             <a:avLst/>
@@ -11787,8 +11915,8 @@
         </p:nvSpPr>
         <p:spPr>
           <a:xfrm>
-            <a:off x="609480" y="-45360"/>
-            <a:ext cx="10965240" cy="670680"/>
+            <a:off x="609480" y="-45720"/>
+            <a:ext cx="10964880" cy="671040"/>
           </a:xfrm>
           <a:prstGeom prst="rect">
             <a:avLst/>
@@ -11804,7 +11932,13 @@
           </a:bodyPr>
           <a:p>
             <a:pPr indent="0">
+              <a:lnSpc>
+                <a:spcPct val="100000"/>
+              </a:lnSpc>
               <a:buNone/>
+              <a:tabLst>
+                <a:tab algn="l" pos="0"/>
+              </a:tabLst>
             </a:pPr>
             <a:r>
               <a:rPr lang="en-US" sz="4400" b="1" u="none" strike="noStrike">
@@ -11815,33 +11949,11 @@
                 <a:uFillTx/>
                 <a:latin typeface="Arial"/>
               </a:rPr>
-              <a:t>Intensity </a:t>
-            </a:r>
-            <a:r>
-              <a:rPr lang="en-US" sz="4400" b="1" u="none" strike="noStrike">
-                <a:solidFill>
-                  <a:srgbClr val="ff0000"/>
-                </a:solidFill>
-                <a:effectLst/>
-                <a:uFillTx/>
-                <a:latin typeface="Arial"/>
-              </a:rPr>
-              <a:t>minimum </a:t>
-            </a:r>
-            <a:r>
-              <a:rPr lang="en-US" sz="4400" b="1" u="none" strike="noStrike">
-                <a:solidFill>
-                  <a:srgbClr val="ff0000"/>
-                </a:solidFill>
-                <a:effectLst/>
-                <a:uFillTx/>
-                <a:latin typeface="Arial"/>
-              </a:rPr>
-              <a:t>fraction  </a:t>
-            </a:r>
-            <a:endParaRPr lang="en-US" sz="4400" b="1" u="none" strike="noStrike">
-              <a:solidFill>
-                <a:srgbClr val="ff0000"/>
+              <a:t>Intensity minimum fraction  </a:t>
+            </a:r>
+            <a:endParaRPr lang="en-US" sz="4400" b="0" u="none" strike="noStrike">
+              <a:solidFill>
+                <a:srgbClr val="000000"/>
               </a:solidFill>
               <a:effectLst/>
               <a:uFillTx/>
@@ -11858,7 +11970,7 @@
         </p:nvGraphicFramePr>
         <p:xfrm>
           <a:off x="183960" y="671760"/>
-          <a:ext cx="11017440" cy="5957640"/>
+          <a:ext cx="11017080" cy="6109920"/>
         </p:xfrm>
         <a:graphic>
           <a:graphicData uri="http://schemas.openxmlformats.org/drawingml/2006/table">
@@ -11876,7 +11988,11 @@
                       <a:noAutofit/>
                     </a:bodyPr>
                     <a:p>
-                      <a:pPr algn="ctr"/>
+                      <a:pPr algn="ctr">
+                        <a:lnSpc>
+                          <a:spcPct val="100000"/>
+                        </a:lnSpc>
+                      </a:pPr>
                       <a:r>
                         <a:rPr lang="en-US" sz="2200" b="0" u="none" strike="noStrike">
                           <a:solidFill>
@@ -11895,7 +12011,6 @@
                         <a:effectLst/>
                         <a:uFillTx/>
                         <a:latin typeface="Arial"/>
-                        <a:ea typeface="Microsoft YaHei"/>
                       </a:endParaRPr>
                     </a:p>
                   </a:txBody>
@@ -11933,7 +12048,11 @@
                       <a:noAutofit/>
                     </a:bodyPr>
                     <a:p>
-                      <a:pPr algn="ctr"/>
+                      <a:pPr algn="ctr">
+                        <a:lnSpc>
+                          <a:spcPct val="100000"/>
+                        </a:lnSpc>
+                      </a:pPr>
                       <a:r>
                         <a:rPr lang="en-US" sz="2200" b="0" u="none" strike="noStrike">
                           <a:solidFill>
@@ -11989,7 +12108,11 @@
                       <a:noAutofit/>
                     </a:bodyPr>
                     <a:p>
-                      <a:pPr algn="ctr"/>
+                      <a:pPr algn="ctr">
+                        <a:lnSpc>
+                          <a:spcPct val="100000"/>
+                        </a:lnSpc>
+                      </a:pPr>
                       <a:r>
                         <a:rPr lang="en-US" sz="2200" b="0" u="none" strike="noStrike">
                           <a:solidFill>
@@ -12047,7 +12170,11 @@
                       <a:noAutofit/>
                     </a:bodyPr>
                     <a:p>
-                      <a:pPr algn="ctr"/>
+                      <a:pPr algn="ctr">
+                        <a:lnSpc>
+                          <a:spcPct val="100000"/>
+                        </a:lnSpc>
+                      </a:pPr>
                       <a:r>
                         <a:rPr lang="en-US" sz="2200" b="0" u="none" strike="noStrike">
                           <a:solidFill>
@@ -12103,7 +12230,11 @@
                       <a:noAutofit/>
                     </a:bodyPr>
                     <a:p>
-                      <a:pPr algn="ctr"/>
+                      <a:pPr algn="ctr">
+                        <a:lnSpc>
+                          <a:spcPct val="100000"/>
+                        </a:lnSpc>
+                      </a:pPr>
                       <a:r>
                         <a:rPr lang="en-US" sz="2200" b="0" u="none" strike="noStrike">
                           <a:solidFill>
@@ -12159,7 +12290,11 @@
                       <a:noAutofit/>
                     </a:bodyPr>
                     <a:p>
-                      <a:pPr algn="ctr"/>
+                      <a:pPr algn="ctr">
+                        <a:lnSpc>
+                          <a:spcPct val="100000"/>
+                        </a:lnSpc>
+                      </a:pPr>
                       <a:r>
                         <a:rPr lang="en-US" sz="2200" b="0" u="none" strike="noStrike">
                           <a:solidFill>
@@ -12181,7 +12316,11 @@
                       </a:endParaRPr>
                     </a:p>
                     <a:p>
-                      <a:pPr algn="ctr"/>
+                      <a:pPr algn="ctr">
+                        <a:lnSpc>
+                          <a:spcPct val="100000"/>
+                        </a:lnSpc>
+                      </a:pPr>
                       <a:r>
                         <a:rPr lang="en-US" sz="2200" b="0" u="none" strike="noStrike">
                           <a:solidFill>
@@ -12203,7 +12342,11 @@
                       </a:endParaRPr>
                     </a:p>
                     <a:p>
-                      <a:pPr algn="ctr"/>
+                      <a:pPr algn="ctr">
+                        <a:lnSpc>
+                          <a:spcPct val="100000"/>
+                        </a:lnSpc>
+                      </a:pPr>
                       <a:r>
                         <a:rPr lang="en-US" sz="2200" b="0" u="none" strike="noStrike">
                           <a:solidFill>
@@ -12225,7 +12368,11 @@
                       </a:endParaRPr>
                     </a:p>
                     <a:p>
-                      <a:pPr algn="ctr"/>
+                      <a:pPr algn="ctr">
+                        <a:lnSpc>
+                          <a:spcPct val="100000"/>
+                        </a:lnSpc>
+                      </a:pPr>
                       <a:endParaRPr lang="en-US" sz="2200" b="0" u="none" strike="noStrike">
                         <a:solidFill>
                           <a:srgbClr val="000000"/>
@@ -12236,7 +12383,11 @@
                       </a:endParaRPr>
                     </a:p>
                     <a:p>
-                      <a:pPr algn="ctr"/>
+                      <a:pPr algn="ctr">
+                        <a:lnSpc>
+                          <a:spcPct val="100000"/>
+                        </a:lnSpc>
+                      </a:pPr>
                       <a:r>
                         <a:rPr lang="en-US" sz="2200" b="1" u="none" strike="noStrike">
                           <a:solidFill>
@@ -12258,7 +12409,11 @@
                       </a:endParaRPr>
                     </a:p>
                     <a:p>
-                      <a:pPr algn="ctr"/>
+                      <a:pPr algn="ctr">
+                        <a:lnSpc>
+                          <a:spcPct val="100000"/>
+                        </a:lnSpc>
+                      </a:pPr>
                       <a:endParaRPr lang="en-US" sz="2200" b="0" u="none" strike="noStrike">
                         <a:solidFill>
                           <a:srgbClr val="000000"/>
@@ -12305,7 +12460,11 @@
                       <a:noAutofit/>
                     </a:bodyPr>
                     <a:p>
-                      <a:pPr algn="ctr"/>
+                      <a:pPr algn="ctr">
+                        <a:lnSpc>
+                          <a:spcPct val="100000"/>
+                        </a:lnSpc>
+                      </a:pPr>
                       <a:r>
                         <a:rPr lang="en-US" sz="2200" b="0" u="none" strike="noStrike">
                           <a:solidFill>
@@ -12361,7 +12520,11 @@
                       <a:noAutofit/>
                     </a:bodyPr>
                     <a:p>
-                      <a:pPr algn="ctr"/>
+                      <a:pPr algn="ctr">
+                        <a:lnSpc>
+                          <a:spcPct val="100000"/>
+                        </a:lnSpc>
+                      </a:pPr>
                       <a:r>
                         <a:rPr lang="en-US" sz="2200" b="0" u="none" strike="noStrike">
                           <a:solidFill>
@@ -12417,7 +12580,11 @@
                       <a:noAutofit/>
                     </a:bodyPr>
                     <a:p>
-                      <a:pPr algn="ctr"/>
+                      <a:pPr algn="ctr">
+                        <a:lnSpc>
+                          <a:spcPct val="100000"/>
+                        </a:lnSpc>
+                      </a:pPr>
                       <a:r>
                         <a:rPr lang="en-US" sz="2200" b="0" u="none" strike="noStrike">
                           <a:solidFill>
@@ -12439,7 +12606,11 @@
                       </a:endParaRPr>
                     </a:p>
                     <a:p>
-                      <a:pPr algn="ctr"/>
+                      <a:pPr algn="ctr">
+                        <a:lnSpc>
+                          <a:spcPct val="100000"/>
+                        </a:lnSpc>
+                      </a:pPr>
                       <a:r>
                         <a:rPr lang="en-US" sz="2200" b="0" u="none" strike="noStrike">
                           <a:solidFill>
@@ -12461,7 +12632,11 @@
                       </a:endParaRPr>
                     </a:p>
                     <a:p>
-                      <a:pPr algn="ctr"/>
+                      <a:pPr algn="ctr">
+                        <a:lnSpc>
+                          <a:spcPct val="100000"/>
+                        </a:lnSpc>
+                      </a:pPr>
                       <a:r>
                         <a:rPr lang="en-US" sz="2200" b="0" u="none" strike="noStrike">
                           <a:solidFill>
@@ -12483,7 +12658,11 @@
                       </a:endParaRPr>
                     </a:p>
                     <a:p>
-                      <a:pPr algn="ctr"/>
+                      <a:pPr algn="ctr">
+                        <a:lnSpc>
+                          <a:spcPct val="100000"/>
+                        </a:lnSpc>
+                      </a:pPr>
                       <a:endParaRPr lang="en-US" sz="2200" b="0" u="none" strike="noStrike">
                         <a:solidFill>
                           <a:srgbClr val="000000"/>
@@ -12494,7 +12673,11 @@
                       </a:endParaRPr>
                     </a:p>
                     <a:p>
-                      <a:pPr algn="ctr"/>
+                      <a:pPr algn="ctr">
+                        <a:lnSpc>
+                          <a:spcPct val="100000"/>
+                        </a:lnSpc>
+                      </a:pPr>
                       <a:r>
                         <a:rPr lang="en-US" sz="2200" b="1" u="none" strike="noStrike">
                           <a:solidFill>
@@ -12516,7 +12699,11 @@
                       </a:endParaRPr>
                     </a:p>
                     <a:p>
-                      <a:pPr algn="ctr"/>
+                      <a:pPr algn="ctr">
+                        <a:lnSpc>
+                          <a:spcPct val="100000"/>
+                        </a:lnSpc>
+                      </a:pPr>
                       <a:endParaRPr lang="en-US" sz="2200" b="0" u="none" strike="noStrike">
                         <a:solidFill>
                           <a:srgbClr val="000000"/>
@@ -12602,8 +12789,8 @@
         </p:nvSpPr>
         <p:spPr>
           <a:xfrm>
-            <a:off x="609480" y="-1080"/>
-            <a:ext cx="10965240" cy="582120"/>
+            <a:off x="609480" y="-1440"/>
+            <a:ext cx="10964880" cy="582480"/>
           </a:xfrm>
           <a:prstGeom prst="rect">
             <a:avLst/>
@@ -12658,7 +12845,7 @@
         <p:spPr>
           <a:xfrm>
             <a:off x="228600" y="685800"/>
-            <a:ext cx="11655360" cy="7184520"/>
+            <a:ext cx="11655000" cy="7183800"/>
           </a:xfrm>
           <a:prstGeom prst="rect">
             <a:avLst/>
@@ -12820,7 +13007,6 @@
               <a:effectLst/>
               <a:uFillTx/>
               <a:latin typeface="Arial"/>
-              <a:ea typeface="Microsoft YaHei"/>
             </a:endParaRPr>
           </a:p>
           <a:p>
@@ -12836,7 +13022,6 @@
               <a:effectLst/>
               <a:uFillTx/>
               <a:latin typeface="Arial"/>
-              <a:ea typeface="Microsoft YaHei"/>
             </a:endParaRPr>
           </a:p>
           <a:p>
@@ -12864,7 +13049,6 @@
               <a:effectLst/>
               <a:uFillTx/>
               <a:latin typeface="Arial"/>
-              <a:ea typeface="Microsoft YaHei"/>
             </a:endParaRPr>
           </a:p>
           <a:p>
@@ -12892,7 +13076,6 @@
               <a:effectLst/>
               <a:uFillTx/>
               <a:latin typeface="Arial"/>
-              <a:ea typeface="Microsoft YaHei"/>
             </a:endParaRPr>
           </a:p>
           <a:p>
@@ -12908,7 +13091,6 @@
               <a:effectLst/>
               <a:uFillTx/>
               <a:latin typeface="Arial"/>
-              <a:ea typeface="Microsoft YaHei"/>
             </a:endParaRPr>
           </a:p>
           <a:p>
@@ -12948,7 +13130,6 @@
               <a:effectLst/>
               <a:uFillTx/>
               <a:latin typeface="Arial"/>
-              <a:ea typeface="Microsoft YaHei"/>
             </a:endParaRPr>
           </a:p>
           <a:p>
@@ -13081,7 +13262,7 @@
         </p:nvGraphicFramePr>
         <p:xfrm>
           <a:off x="457200" y="1200960"/>
-          <a:ext cx="10743840" cy="1496520"/>
+          <a:ext cx="10743480" cy="1314360"/>
         </p:xfrm>
         <a:graphic>
           <a:graphicData uri="http://schemas.openxmlformats.org/drawingml/2006/table">
@@ -13099,6 +13280,11 @@
                       <a:noAutofit/>
                     </a:bodyPr>
                     <a:p>
+                      <a:pPr>
+                        <a:lnSpc>
+                          <a:spcPct val="100000"/>
+                        </a:lnSpc>
+                      </a:pPr>
                       <a:r>
                         <a:rPr lang="en-US" sz="1800" b="0" u="none" strike="noStrike">
                           <a:solidFill>
@@ -13154,6 +13340,11 @@
                       <a:noAutofit/>
                     </a:bodyPr>
                     <a:p>
+                      <a:pPr>
+                        <a:lnSpc>
+                          <a:spcPct val="100000"/>
+                        </a:lnSpc>
+                      </a:pPr>
                       <a:r>
                         <a:rPr lang="en-US" sz="1800" b="0" u="none" strike="noStrike">
                           <a:solidFill>
@@ -13209,6 +13400,11 @@
                       <a:noAutofit/>
                     </a:bodyPr>
                     <a:p>
+                      <a:pPr>
+                        <a:lnSpc>
+                          <a:spcPct val="100000"/>
+                        </a:lnSpc>
+                      </a:pPr>
                       <a:endParaRPr lang="en-US" sz="1800" b="0" u="none" strike="noStrike">
                         <a:solidFill>
                           <a:srgbClr val="000000"/>
@@ -13255,6 +13451,11 @@
                       <a:noAutofit/>
                     </a:bodyPr>
                     <a:p>
+                      <a:pPr>
+                        <a:lnSpc>
+                          <a:spcPct val="100000"/>
+                        </a:lnSpc>
+                      </a:pPr>
                       <a:r>
                         <a:rPr lang="en-US" sz="1800" b="0" u="none" strike="noStrike">
                           <a:solidFill>
@@ -13310,6 +13511,11 @@
                       <a:noAutofit/>
                     </a:bodyPr>
                     <a:p>
+                      <a:pPr>
+                        <a:lnSpc>
+                          <a:spcPct val="100000"/>
+                        </a:lnSpc>
+                      </a:pPr>
                       <a:r>
                         <a:rPr lang="en-US" sz="1800" b="0" u="none" strike="noStrike">
                           <a:solidFill>
@@ -13365,6 +13571,11 @@
                       <a:noAutofit/>
                     </a:bodyPr>
                     <a:p>
+                      <a:pPr>
+                        <a:lnSpc>
+                          <a:spcPct val="100000"/>
+                        </a:lnSpc>
+                      </a:pPr>
                       <a:r>
                         <a:rPr lang="en-US" sz="1800" b="0" u="none" strike="noStrike">
                           <a:solidFill>
@@ -13422,6 +13633,11 @@
                       <a:noAutofit/>
                     </a:bodyPr>
                     <a:p>
+                      <a:pPr>
+                        <a:lnSpc>
+                          <a:spcPct val="100000"/>
+                        </a:lnSpc>
+                      </a:pPr>
                       <a:r>
                         <a:rPr lang="en-US" sz="1800" b="0" u="none" strike="noStrike">
                           <a:solidFill>
@@ -13477,6 +13693,11 @@
                       <a:noAutofit/>
                     </a:bodyPr>
                     <a:p>
+                      <a:pPr>
+                        <a:lnSpc>
+                          <a:spcPct val="100000"/>
+                        </a:lnSpc>
+                      </a:pPr>
                       <a:r>
                         <a:rPr lang="en-US" sz="1800" b="0" u="none" strike="noStrike">
                           <a:solidFill>
@@ -13532,6 +13753,11 @@
                       <a:noAutofit/>
                     </a:bodyPr>
                     <a:p>
+                      <a:pPr>
+                        <a:lnSpc>
+                          <a:spcPct val="100000"/>
+                        </a:lnSpc>
+                      </a:pPr>
                       <a:r>
                         <a:rPr lang="en-US" sz="1800" b="0" u="none" strike="noStrike">
                           <a:solidFill>
@@ -13589,13 +13815,13 @@
       <p:sp>
         <p:nvSpPr>
           <p:cNvPr id="95" name=""/>
-          <p:cNvSpPr txBox="1"/>
+          <p:cNvSpPr/>
           <p:nvPr/>
         </p:nvSpPr>
         <p:spPr>
           <a:xfrm>
             <a:off x="6172200" y="4473360"/>
-            <a:ext cx="4876920" cy="2156040"/>
+            <a:ext cx="4876560" cy="2155680"/>
           </a:xfrm>
           <a:prstGeom prst="rect">
             <a:avLst/>
@@ -13610,11 +13836,22 @@
             <a:round/>
           </a:ln>
         </p:spPr>
+        <p:style>
+          <a:lnRef idx="0"/>
+          <a:fillRef idx="0"/>
+          <a:effectRef idx="0"/>
+          <a:fontRef idx="minor"/>
+        </p:style>
         <p:txBody>
           <a:bodyPr lIns="99000" rIns="99000" tIns="54000" bIns="54000" anchor="t">
             <a:spAutoFit/>
           </a:bodyPr>
           <a:p>
+            <a:pPr>
+              <a:lnSpc>
+                <a:spcPct val="100000"/>
+              </a:lnSpc>
+            </a:pPr>
             <a:r>
               <a:rPr lang="en-US" sz="1800" b="1" u="sng" strike="noStrike">
                 <a:solidFill>
@@ -13636,6 +13873,11 @@
             </a:endParaRPr>
           </a:p>
           <a:p>
+            <a:pPr>
+              <a:lnSpc>
+                <a:spcPct val="100000"/>
+              </a:lnSpc>
+            </a:pPr>
             <a:endParaRPr lang="en-US" sz="1800" b="0" u="none" strike="noStrike">
               <a:solidFill>
                 <a:srgbClr val="000000"/>
@@ -13646,6 +13888,11 @@
             </a:endParaRPr>
           </a:p>
           <a:p>
+            <a:pPr>
+              <a:lnSpc>
+                <a:spcPct val="100000"/>
+              </a:lnSpc>
+            </a:pPr>
             <a:r>
               <a:rPr lang="en-US" sz="1800" b="1" u="none" strike="noStrike">
                 <a:solidFill>
@@ -13678,6 +13925,11 @@
             </a:endParaRPr>
           </a:p>
           <a:p>
+            <a:pPr>
+              <a:lnSpc>
+                <a:spcPct val="100000"/>
+              </a:lnSpc>
+            </a:pPr>
             <a:endParaRPr lang="en-US" sz="1800" b="0" u="none" strike="noStrike">
               <a:solidFill>
                 <a:srgbClr val="000000"/>
@@ -13688,6 +13940,11 @@
             </a:endParaRPr>
           </a:p>
           <a:p>
+            <a:pPr>
+              <a:lnSpc>
+                <a:spcPct val="100000"/>
+              </a:lnSpc>
+            </a:pPr>
             <a:r>
               <a:rPr lang="en-US" sz="1800" b="1" u="none" strike="noStrike">
                 <a:solidFill>
@@ -13763,8 +14020,8 @@
         </p:nvSpPr>
         <p:spPr>
           <a:xfrm>
-            <a:off x="609480" y="-1080"/>
-            <a:ext cx="10965240" cy="582120"/>
+            <a:off x="609480" y="-1440"/>
+            <a:ext cx="10964880" cy="582480"/>
           </a:xfrm>
           <a:prstGeom prst="rect">
             <a:avLst/>
@@ -13819,7 +14076,7 @@
         <p:spPr>
           <a:xfrm>
             <a:off x="228600" y="685800"/>
-            <a:ext cx="11655360" cy="2754000"/>
+            <a:ext cx="11655000" cy="2753280"/>
           </a:xfrm>
           <a:prstGeom prst="rect">
             <a:avLst/>
@@ -13975,7 +14232,7 @@
         </p:nvGraphicFramePr>
         <p:xfrm>
           <a:off x="2107080" y="713520"/>
-          <a:ext cx="8686800" cy="930240"/>
+          <a:ext cx="8686440" cy="1040040"/>
         </p:xfrm>
         <a:graphic>
           <a:graphicData uri="http://schemas.openxmlformats.org/drawingml/2006/table">
@@ -13993,6 +14250,11 @@
                       <a:noAutofit/>
                     </a:bodyPr>
                     <a:p>
+                      <a:pPr>
+                        <a:lnSpc>
+                          <a:spcPct val="100000"/>
+                        </a:lnSpc>
+                      </a:pPr>
                       <a:endParaRPr lang="en-US" sz="1800" b="0" u="none" strike="noStrike">
                         <a:solidFill>
                           <a:srgbClr val="000000"/>
@@ -14037,6 +14299,11 @@
                       <a:noAutofit/>
                     </a:bodyPr>
                     <a:p>
+                      <a:pPr>
+                        <a:lnSpc>
+                          <a:spcPct val="100000"/>
+                        </a:lnSpc>
+                      </a:pPr>
                       <a:r>
                         <a:rPr lang="en-US" sz="1800" b="0" u="none" strike="noStrike">
                           <a:solidFill>
@@ -14092,6 +14359,11 @@
                       <a:noAutofit/>
                     </a:bodyPr>
                     <a:p>
+                      <a:pPr>
+                        <a:lnSpc>
+                          <a:spcPct val="100000"/>
+                        </a:lnSpc>
+                      </a:pPr>
                       <a:r>
                         <a:rPr lang="en-US" sz="1800" b="0" u="none" strike="noStrike">
                           <a:solidFill>
@@ -14149,6 +14421,11 @@
                       <a:noAutofit/>
                     </a:bodyPr>
                     <a:p>
+                      <a:pPr>
+                        <a:lnSpc>
+                          <a:spcPct val="100000"/>
+                        </a:lnSpc>
+                      </a:pPr>
                       <a:r>
                         <a:rPr lang="en-US" sz="1800" b="0" u="none" strike="noStrike">
                           <a:solidFill>
@@ -14204,6 +14481,11 @@
                       <a:noAutofit/>
                     </a:bodyPr>
                     <a:p>
+                      <a:pPr>
+                        <a:lnSpc>
+                          <a:spcPct val="100000"/>
+                        </a:lnSpc>
+                      </a:pPr>
                       <a:r>
                         <a:rPr lang="en-US" sz="1800" b="0" u="none" strike="noStrike">
                           <a:solidFill>
@@ -14259,6 +14541,11 @@
                       <a:noAutofit/>
                     </a:bodyPr>
                     <a:p>
+                      <a:pPr>
+                        <a:lnSpc>
+                          <a:spcPct val="100000"/>
+                        </a:lnSpc>
+                      </a:pPr>
                       <a:r>
                         <a:rPr lang="en-US" sz="1800" b="0" u="none" strike="noStrike">
                           <a:solidFill>
@@ -14316,6 +14603,11 @@
                       <a:noAutofit/>
                     </a:bodyPr>
                     <a:p>
+                      <a:pPr>
+                        <a:lnSpc>
+                          <a:spcPct val="100000"/>
+                        </a:lnSpc>
+                      </a:pPr>
                       <a:r>
                         <a:rPr lang="en-US" sz="1800" b="0" u="none" strike="noStrike">
                           <a:solidFill>
@@ -14371,6 +14663,11 @@
                       <a:noAutofit/>
                     </a:bodyPr>
                     <a:p>
+                      <a:pPr>
+                        <a:lnSpc>
+                          <a:spcPct val="100000"/>
+                        </a:lnSpc>
+                      </a:pPr>
                       <a:r>
                         <a:rPr lang="en-US" sz="1800" b="0" u="none" strike="noStrike">
                           <a:solidFill>
@@ -14426,6 +14723,11 @@
                       <a:noAutofit/>
                     </a:bodyPr>
                     <a:p>
+                      <a:pPr>
+                        <a:lnSpc>
+                          <a:spcPct val="100000"/>
+                        </a:lnSpc>
+                      </a:pPr>
                       <a:r>
                         <a:rPr lang="en-US" sz="1800" b="0" u="none" strike="noStrike">
                           <a:solidFill>
@@ -14493,7 +14795,7 @@
         <p:spPr>
           <a:xfrm>
             <a:off x="3061440" y="1888200"/>
-            <a:ext cx="6768360" cy="4512600"/>
+            <a:ext cx="6768000" cy="4512240"/>
           </a:xfrm>
           <a:prstGeom prst="rect">
             <a:avLst/>

--- a/UPDATE 19-2.pptx
+++ b/UPDATE 19-2.pptx
@@ -22,6 +22,7 @@
     <p:sldId id="270" r:id="rId17"/>
     <p:sldId id="271" r:id="rId18"/>
     <p:sldId id="272" r:id="rId19"/>
+    <p:sldId id="273" r:id="rId20"/>
   </p:sldIdLst>
   <p:sldSz cx="12192000" cy="6858000"/>
   <p:notesSz cx="7559675" cy="10691813"/>
@@ -5885,8 +5886,8 @@
         </p:nvSpPr>
         <p:spPr>
           <a:xfrm>
-            <a:off x="228600" y="685800"/>
-            <a:ext cx="11655000" cy="7578720"/>
+            <a:off x="232200" y="1828800"/>
+            <a:ext cx="11655000" cy="6066720"/>
           </a:xfrm>
           <a:prstGeom prst="rect">
             <a:avLst/>
@@ -5911,33 +5912,6 @@
               <a:lnSpc>
                 <a:spcPct val="100000"/>
               </a:lnSpc>
-            </a:pPr>
-            <a:r>
-              <a:rPr lang="en-US" sz="1800" b="1" u="none" strike="noStrike">
-                <a:solidFill>
-                  <a:srgbClr val="000000"/>
-                </a:solidFill>
-                <a:effectLst/>
-                <a:uFillTx/>
-                <a:latin typeface="Arial"/>
-                <a:ea typeface="SimSun"/>
-              </a:rPr>
-              <a:t>A) Intensity-aware bridging(straight bridge + intensity check) </a:t>
-            </a:r>
-            <a:endParaRPr lang="en-US" sz="1800" b="0" u="none" strike="noStrike">
-              <a:solidFill>
-                <a:srgbClr val="000000"/>
-              </a:solidFill>
-              <a:effectLst/>
-              <a:uFillTx/>
-              <a:latin typeface="Arial"/>
-            </a:endParaRPr>
-          </a:p>
-          <a:p>
-            <a:pPr>
-              <a:lnSpc>
-                <a:spcPct val="100000"/>
-              </a:lnSpc>
               <a:spcBef>
                 <a:spcPts val="1191"/>
               </a:spcBef>
@@ -5955,215 +5929,7 @@
                 <a:latin typeface="Arial"/>
                 <a:ea typeface="SimSun"/>
               </a:rPr>
-              <a:t>Try to connect two nearby neurite endpoints with a candidate line/tube, only keep the bridge if most of the path stays bright (neurite-like) or reject bridges that pass through dark/background space.</a:t>
-            </a:r>
-            <a:endParaRPr lang="en-US" sz="1800" b="0" u="none" strike="noStrike">
-              <a:solidFill>
-                <a:srgbClr val="000000"/>
-              </a:solidFill>
-              <a:effectLst/>
-              <a:uFillTx/>
-              <a:latin typeface="Arial"/>
-            </a:endParaRPr>
-          </a:p>
-          <a:p>
-            <a:pPr marL="216000" indent="-216000">
-              <a:lnSpc>
-                <a:spcPct val="100000"/>
-              </a:lnSpc>
-              <a:spcBef>
-                <a:spcPts val="624"/>
-              </a:spcBef>
-              <a:spcAft>
-                <a:spcPts val="425"/>
-              </a:spcAft>
-              <a:buClr>
-                <a:srgbClr val="000000"/>
-              </a:buClr>
-              <a:buFont typeface="Wingdings" charset="2"/>
-              <a:buChar char=""/>
-            </a:pPr>
-            <a:r>
-              <a:rPr lang="en-US" sz="1800" b="0" u="none" strike="noStrike">
-                <a:solidFill>
-                  <a:srgbClr val="000000"/>
-                </a:solidFill>
-                <a:effectLst/>
-                <a:uFillTx/>
-                <a:latin typeface="Arial"/>
-                <a:ea typeface="SimSun"/>
-              </a:rPr>
-              <a:t>If the pixels along that line are mostly bright (neurite-like) → accept the bridge.</a:t>
-            </a:r>
-            <a:endParaRPr lang="en-US" sz="1800" b="0" u="none" strike="noStrike">
-              <a:solidFill>
-                <a:srgbClr val="000000"/>
-              </a:solidFill>
-              <a:effectLst/>
-              <a:uFillTx/>
-              <a:latin typeface="Arial"/>
-            </a:endParaRPr>
-          </a:p>
-          <a:p>
-            <a:pPr marL="216000" indent="-216000">
-              <a:lnSpc>
-                <a:spcPct val="100000"/>
-              </a:lnSpc>
-              <a:spcBef>
-                <a:spcPts val="624"/>
-              </a:spcBef>
-              <a:spcAft>
-                <a:spcPts val="425"/>
-              </a:spcAft>
-              <a:buClr>
-                <a:srgbClr val="000000"/>
-              </a:buClr>
-              <a:buFont typeface="Wingdings" charset="2"/>
-              <a:buChar char=""/>
-            </a:pPr>
-            <a:r>
-              <a:rPr lang="en-US" sz="1800" b="0" u="none" strike="noStrike">
-                <a:solidFill>
-                  <a:srgbClr val="000000"/>
-                </a:solidFill>
-                <a:effectLst/>
-                <a:uFillTx/>
-                <a:latin typeface="Arial"/>
-                <a:ea typeface="SimSun"/>
-              </a:rPr>
-              <a:t>If the line goes through dark background → reject it.</a:t>
-            </a:r>
-            <a:endParaRPr lang="en-US" sz="1800" b="0" u="none" strike="noStrike">
-              <a:solidFill>
-                <a:srgbClr val="000000"/>
-              </a:solidFill>
-              <a:effectLst/>
-              <a:uFillTx/>
-              <a:latin typeface="Arial"/>
-            </a:endParaRPr>
-          </a:p>
-          <a:p>
-            <a:pPr>
-              <a:lnSpc>
-                <a:spcPct val="100000"/>
-              </a:lnSpc>
-              <a:spcBef>
-                <a:spcPts val="1191"/>
-              </a:spcBef>
-              <a:spcAft>
-                <a:spcPts val="992"/>
-              </a:spcAft>
-            </a:pPr>
-            <a:r>
-              <a:rPr lang="en-US" sz="1800" b="1" u="none" strike="noStrike">
-                <a:solidFill>
-                  <a:srgbClr val="2a6099"/>
-                </a:solidFill>
-                <a:effectLst/>
-                <a:uFillTx/>
-                <a:latin typeface="Arial"/>
-                <a:ea typeface="SimSun"/>
-              </a:rPr>
-              <a:t>B) Shortest-path stitching in an intensity cost map </a:t>
-            </a:r>
-            <a:endParaRPr lang="en-US" sz="1800" b="0" u="none" strike="noStrike">
-              <a:solidFill>
-                <a:srgbClr val="000000"/>
-              </a:solidFill>
-              <a:effectLst/>
-              <a:uFillTx/>
-              <a:latin typeface="Arial"/>
-            </a:endParaRPr>
-          </a:p>
-          <a:p>
-            <a:pPr>
-              <a:lnSpc>
-                <a:spcPct val="100000"/>
-              </a:lnSpc>
-              <a:spcBef>
-                <a:spcPts val="1191"/>
-              </a:spcBef>
-              <a:spcAft>
-                <a:spcPts val="992"/>
-              </a:spcAft>
-            </a:pPr>
-            <a:r>
-              <a:rPr lang="en-US" sz="1800" b="0" u="none" strike="noStrike">
-                <a:solidFill>
-                  <a:srgbClr val="000000"/>
-                </a:solidFill>
-                <a:effectLst/>
-                <a:uFillTx/>
-                <a:latin typeface="Arial"/>
-                <a:ea typeface="SimSun"/>
-              </a:rPr>
-              <a:t>Instead of a straight line, search for a path between endpoints in a small region, make bright pixels “cheap” to pass and dark pixels “expensive.”</a:t>
-            </a:r>
-            <a:endParaRPr lang="en-US" sz="1800" b="0" u="none" strike="noStrike">
-              <a:solidFill>
-                <a:srgbClr val="000000"/>
-              </a:solidFill>
-              <a:effectLst/>
-              <a:uFillTx/>
-              <a:latin typeface="Arial"/>
-            </a:endParaRPr>
-          </a:p>
-          <a:p>
-            <a:pPr>
-              <a:lnSpc>
-                <a:spcPct val="100000"/>
-              </a:lnSpc>
-              <a:spcBef>
-                <a:spcPts val="1191"/>
-              </a:spcBef>
-              <a:spcAft>
-                <a:spcPts val="992"/>
-              </a:spcAft>
-            </a:pPr>
-            <a:r>
-              <a:rPr lang="en-US" sz="1800" b="0" u="none" strike="noStrike">
-                <a:solidFill>
-                  <a:srgbClr val="000000"/>
-                </a:solidFill>
-                <a:effectLst/>
-                <a:uFillTx/>
-                <a:latin typeface="Arial"/>
-                <a:ea typeface="SimSun"/>
-              </a:rPr>
-              <a:t>If a low-cost (bright-following) path exists, connect along it and helps follow curved neurites and avoids dark gaps.</a:t>
-            </a:r>
-            <a:endParaRPr lang="en-US" sz="1800" b="0" u="none" strike="noStrike">
-              <a:solidFill>
-                <a:srgbClr val="000000"/>
-              </a:solidFill>
-              <a:effectLst/>
-              <a:uFillTx/>
-              <a:latin typeface="Arial"/>
-            </a:endParaRPr>
-          </a:p>
-          <a:p>
-            <a:pPr>
-              <a:lnSpc>
-                <a:spcPct val="100000"/>
-              </a:lnSpc>
-              <a:spcBef>
-                <a:spcPts val="1191"/>
-              </a:spcBef>
-              <a:spcAft>
-                <a:spcPts val="992"/>
-              </a:spcAft>
-            </a:pPr>
-            <a:r>
-              <a:rPr lang="en-US" sz="1800" b="0" u="none" strike="noStrike">
-                <a:solidFill>
-                  <a:srgbClr val="000000"/>
-                </a:solidFill>
-                <a:effectLst/>
-                <a:uFillTx/>
-                <a:latin typeface="Arial"/>
-                <a:ea typeface="SimSun"/>
-              </a:rPr>
-              <a:t>Then ask: Is there a low-cost path between the two endpoints inside a small box?</a:t>
+              <a:t>The parameters:</a:t>
             </a:r>
             <a:endParaRPr lang="en-US" sz="1800" b="0" u="none" strike="noStrike">
               <a:solidFill>
@@ -6201,7 +5967,7 @@
                 <a:latin typeface="Arial"/>
                 <a:ea typeface="SimSun"/>
               </a:rPr>
-              <a:t>If yes → connect along that curved path.</a:t>
+              <a:t>Threshold block size</a:t>
             </a:r>
             <a:endParaRPr lang="en-US" sz="1800" b="0" u="none" strike="noStrike">
               <a:solidFill>
@@ -6239,7 +6005,7 @@
                 <a:latin typeface="Arial"/>
                 <a:ea typeface="SimSun"/>
               </a:rPr>
-              <a:t>If the only possible path goes through dark pixels (high cost) → don’t connect.</a:t>
+              <a:t>Threshold offset std multiplier</a:t>
             </a:r>
             <a:endParaRPr lang="en-US" sz="1800" b="0" u="none" strike="noStrike">
               <a:solidFill>
@@ -6262,6 +6028,18 @@
                 <a:spcPts val="992"/>
               </a:spcAft>
             </a:pPr>
+            <a:r>
+              <a:rPr lang="en-US" sz="1800" b="0" u="none" strike="noStrike">
+                <a:solidFill>
+                  <a:srgbClr val="000000"/>
+                </a:solidFill>
+                <a:effectLst/>
+                <a:uFillTx/>
+                <a:latin typeface="Arial"/>
+                <a:ea typeface="SimSun"/>
+              </a:rPr>
+              <a:t>They control how the neurite mask is created from the CH2 image.</a:t>
+            </a:r>
             <a:endParaRPr lang="en-US" sz="1800" b="0" u="none" strike="noStrike">
               <a:solidFill>
                 <a:srgbClr val="000000"/>
@@ -6283,7 +6061,19 @@
                 <a:spcPts val="992"/>
               </a:spcAft>
             </a:pPr>
-            <a:endParaRPr lang="en-US" sz="1000" b="0" u="none" strike="noStrike">
+            <a:r>
+              <a:rPr lang="en-US" sz="1800" b="1" u="none" strike="noStrike">
+                <a:solidFill>
+                  <a:srgbClr val="000000"/>
+                </a:solidFill>
+                <a:effectLst/>
+                <a:uFillTx/>
+                <a:latin typeface="Arial"/>
+                <a:ea typeface="SimSun"/>
+              </a:rPr>
+              <a:t> So they determine:</a:t>
+            </a:r>
+            <a:endParaRPr lang="en-US" sz="1800" b="0" u="none" strike="noStrike">
               <a:solidFill>
                 <a:srgbClr val="000000"/>
               </a:solidFill>
@@ -6304,6 +6094,123 @@
                 <a:spcPts val="992"/>
               </a:spcAft>
             </a:pPr>
+            <a:r>
+              <a:rPr lang="en-US" sz="1800" b="1" u="none" strike="noStrike">
+                <a:solidFill>
+                  <a:srgbClr val="000000"/>
+                </a:solidFill>
+                <a:effectLst/>
+                <a:uFillTx/>
+                <a:latin typeface="Arial"/>
+                <a:ea typeface="SimSun"/>
+              </a:rPr>
+              <a:t>Which pixels become neurite (white) and which become background (black)</a:t>
+            </a:r>
+            <a:endParaRPr lang="en-US" sz="1800" b="0" u="none" strike="noStrike">
+              <a:solidFill>
+                <a:srgbClr val="000000"/>
+              </a:solidFill>
+              <a:effectLst/>
+              <a:uFillTx/>
+              <a:latin typeface="Arial"/>
+            </a:endParaRPr>
+          </a:p>
+          <a:p>
+            <a:pPr>
+              <a:lnSpc>
+                <a:spcPct val="100000"/>
+              </a:lnSpc>
+              <a:spcBef>
+                <a:spcPts val="1191"/>
+              </a:spcBef>
+              <a:spcAft>
+                <a:spcPts val="992"/>
+              </a:spcAft>
+            </a:pPr>
+            <a:endParaRPr lang="en-US" sz="1800" b="0" u="none" strike="noStrike">
+              <a:solidFill>
+                <a:srgbClr val="000000"/>
+              </a:solidFill>
+              <a:effectLst/>
+              <a:uFillTx/>
+              <a:latin typeface="Arial"/>
+            </a:endParaRPr>
+          </a:p>
+          <a:p>
+            <a:pPr>
+              <a:lnSpc>
+                <a:spcPct val="100000"/>
+              </a:lnSpc>
+              <a:spcBef>
+                <a:spcPts val="1191"/>
+              </a:spcBef>
+              <a:spcAft>
+                <a:spcPts val="992"/>
+              </a:spcAft>
+            </a:pPr>
+            <a:endParaRPr lang="en-US" sz="1800" b="0" u="none" strike="noStrike">
+              <a:solidFill>
+                <a:srgbClr val="000000"/>
+              </a:solidFill>
+              <a:effectLst/>
+              <a:uFillTx/>
+              <a:latin typeface="Arial"/>
+            </a:endParaRPr>
+          </a:p>
+          <a:p>
+            <a:pPr>
+              <a:lnSpc>
+                <a:spcPct val="100000"/>
+              </a:lnSpc>
+              <a:spcBef>
+                <a:spcPts val="1191"/>
+              </a:spcBef>
+              <a:spcAft>
+                <a:spcPts val="992"/>
+              </a:spcAft>
+            </a:pPr>
+            <a:endParaRPr lang="en-US" sz="1800" b="0" u="none" strike="noStrike">
+              <a:solidFill>
+                <a:srgbClr val="000000"/>
+              </a:solidFill>
+              <a:effectLst/>
+              <a:uFillTx/>
+              <a:latin typeface="Arial"/>
+            </a:endParaRPr>
+          </a:p>
+          <a:p>
+            <a:pPr>
+              <a:lnSpc>
+                <a:spcPct val="100000"/>
+              </a:lnSpc>
+              <a:spcBef>
+                <a:spcPts val="1191"/>
+              </a:spcBef>
+              <a:spcAft>
+                <a:spcPts val="992"/>
+              </a:spcAft>
+            </a:pPr>
+            <a:endParaRPr lang="en-US" sz="1000" b="0" u="none" strike="noStrike">
+              <a:solidFill>
+                <a:srgbClr val="000000"/>
+              </a:solidFill>
+              <a:effectLst/>
+              <a:uFillTx/>
+              <a:latin typeface="Arial"/>
+            </a:endParaRPr>
+          </a:p>
+          <a:p>
+            <a:pPr>
+              <a:lnSpc>
+                <a:spcPct val="100000"/>
+              </a:lnSpc>
+              <a:spcBef>
+                <a:spcPts val="1191"/>
+              </a:spcBef>
+              <a:spcAft>
+                <a:spcPts val="992"/>
+              </a:spcAft>
+            </a:pPr>
             <a:endParaRPr lang="en-US" sz="2000" b="0" u="none" strike="noStrike">
               <a:solidFill>
                 <a:srgbClr val="000000"/>
@@ -6332,14 +6239,14 @@
       </p:sp>
       <p:sp>
         <p:nvSpPr>
-          <p:cNvPr id="101" name="PlaceHolder 2"/>
+          <p:cNvPr id="101" name="PlaceHolder 3"/>
           <p:cNvSpPr/>
           <p:nvPr/>
         </p:nvSpPr>
         <p:spPr>
           <a:xfrm>
-            <a:off x="609840" y="-720"/>
-            <a:ext cx="10964880" cy="581760"/>
+            <a:off x="609840" y="45720"/>
+            <a:ext cx="10964880" cy="488520"/>
           </a:xfrm>
           <a:prstGeom prst="rect">
             <a:avLst/>
@@ -6377,7 +6284,7 @@
                 <a:uFillTx/>
                 <a:latin typeface="Arial"/>
               </a:rPr>
-              <a:t>Threshold block size</a:t>
+              <a:t>Local Threshold </a:t>
             </a:r>
             <a:endParaRPr lang="en-US" sz="3200" b="0" u="none" strike="noStrike">
               <a:solidFill>
@@ -6390,6 +6297,33 @@
           </a:p>
         </p:txBody>
       </p:sp>
+      <p:pic>
+        <p:nvPicPr>
+          <p:cNvPr id="102" name=""/>
+          <p:cNvPicPr/>
+          <p:nvPr/>
+        </p:nvPicPr>
+        <p:blipFill>
+          <a:blip r:embed="rId1"/>
+          <a:stretch/>
+        </p:blipFill>
+        <p:spPr>
+          <a:xfrm>
+            <a:off x="1600200" y="685800"/>
+            <a:ext cx="8735040" cy="1018800"/>
+          </a:xfrm>
+          <a:prstGeom prst="rect">
+            <a:avLst/>
+          </a:prstGeom>
+          <a:noFill/>
+          <a:ln w="36720">
+            <a:solidFill>
+              <a:srgbClr val="3465a4"/>
+            </a:solidFill>
+            <a:round/>
+          </a:ln>
+        </p:spPr>
+      </p:pic>
     </p:spTree>
   </p:cSld>
   <mc:AlternateContent>
@@ -6422,65 +6356,6 @@
       </p:grpSpPr>
       <p:sp>
         <p:nvSpPr>
-          <p:cNvPr id="102" name="PlaceHolder 1"/>
-          <p:cNvSpPr>
-            <a:spLocks noGrp="1"/>
-          </p:cNvSpPr>
-          <p:nvPr>
-            <p:ph type="title"/>
-          </p:nvPr>
-        </p:nvSpPr>
-        <p:spPr>
-          <a:xfrm>
-            <a:off x="609480" y="-1440"/>
-            <a:ext cx="10964880" cy="582480"/>
-          </a:xfrm>
-          <a:prstGeom prst="rect">
-            <a:avLst/>
-          </a:prstGeom>
-          <a:noFill/>
-          <a:ln w="0">
-            <a:noFill/>
-          </a:ln>
-        </p:spPr>
-        <p:txBody>
-          <a:bodyPr lIns="0" rIns="0" tIns="0" bIns="0" anchor="ctr">
-            <a:spAutoFit/>
-          </a:bodyPr>
-          <a:p>
-            <a:pPr indent="0">
-              <a:lnSpc>
-                <a:spcPct val="100000"/>
-              </a:lnSpc>
-              <a:buNone/>
-              <a:tabLst>
-                <a:tab algn="l" pos="0"/>
-              </a:tabLst>
-            </a:pPr>
-            <a:r>
-              <a:rPr lang="en-US" sz="3200" b="1" u="none" strike="noStrike">
-                <a:solidFill>
-                  <a:srgbClr val="ff0000"/>
-                </a:solidFill>
-                <a:effectLst/>
-                <a:uFillTx/>
-                <a:latin typeface="Arial"/>
-              </a:rPr>
-              <a:t>Threshold offset std multiplier</a:t>
-            </a:r>
-            <a:endParaRPr lang="en-US" sz="3200" b="0" u="none" strike="noStrike">
-              <a:solidFill>
-                <a:srgbClr val="000000"/>
-              </a:solidFill>
-              <a:effectLst/>
-              <a:uFillTx/>
-              <a:latin typeface="Arial"/>
-            </a:endParaRPr>
-          </a:p>
-        </p:txBody>
-      </p:sp>
-      <p:sp>
-        <p:nvSpPr>
           <p:cNvPr id="103" name=""/>
           <p:cNvSpPr/>
           <p:nvPr/>
@@ -6922,6 +6797,66 @@
               </a:lnSpc>
             </a:pPr>
             <a:endParaRPr lang="en-US" sz="1000" b="0" u="none" strike="noStrike">
+              <a:solidFill>
+                <a:srgbClr val="000000"/>
+              </a:solidFill>
+              <a:effectLst/>
+              <a:uFillTx/>
+              <a:latin typeface="Arial"/>
+            </a:endParaRPr>
+          </a:p>
+        </p:txBody>
+      </p:sp>
+      <p:sp>
+        <p:nvSpPr>
+          <p:cNvPr id="104" name="PlaceHolder 2"/>
+          <p:cNvSpPr/>
+          <p:nvPr/>
+        </p:nvSpPr>
+        <p:spPr>
+          <a:xfrm>
+            <a:off x="609840" y="-720"/>
+            <a:ext cx="10964880" cy="581760"/>
+          </a:xfrm>
+          <a:prstGeom prst="rect">
+            <a:avLst/>
+          </a:prstGeom>
+          <a:noFill/>
+          <a:ln w="0">
+            <a:noFill/>
+          </a:ln>
+        </p:spPr>
+        <p:style>
+          <a:lnRef idx="0"/>
+          <a:fillRef idx="0"/>
+          <a:effectRef idx="0"/>
+          <a:fontRef idx="minor"/>
+        </p:style>
+        <p:txBody>
+          <a:bodyPr lIns="0" rIns="0" tIns="0" bIns="0" anchor="ctr">
+            <a:spAutoFit/>
+          </a:bodyPr>
+          <a:p>
+            <a:pPr>
+              <a:lnSpc>
+                <a:spcPct val="100000"/>
+              </a:lnSpc>
+              <a:tabLst>
+                <a:tab algn="l" pos="0"/>
+              </a:tabLst>
+            </a:pPr>
+            <a:r>
+              <a:rPr lang="en-US" sz="3200" b="1" u="none" strike="noStrike">
+                <a:solidFill>
+                  <a:srgbClr val="ff0000"/>
+                </a:solidFill>
+                <a:effectLst/>
+                <a:uFillTx/>
+                <a:latin typeface="Arial"/>
+              </a:rPr>
+              <a:t>Threshold block size</a:t>
+            </a:r>
+            <a:endParaRPr lang="en-US" sz="3200" b="0" u="none" strike="noStrike">
               <a:solidFill>
                 <a:srgbClr val="000000"/>
               </a:solidFill>
@@ -6964,14 +6899,73 @@
       </p:grpSpPr>
       <p:sp>
         <p:nvSpPr>
-          <p:cNvPr id="104" name=""/>
+          <p:cNvPr id="105" name="PlaceHolder 1"/>
+          <p:cNvSpPr>
+            <a:spLocks noGrp="1"/>
+          </p:cNvSpPr>
+          <p:nvPr>
+            <p:ph type="title"/>
+          </p:nvPr>
+        </p:nvSpPr>
+        <p:spPr>
+          <a:xfrm>
+            <a:off x="609480" y="-1440"/>
+            <a:ext cx="10964880" cy="582480"/>
+          </a:xfrm>
+          <a:prstGeom prst="rect">
+            <a:avLst/>
+          </a:prstGeom>
+          <a:noFill/>
+          <a:ln w="0">
+            <a:noFill/>
+          </a:ln>
+        </p:spPr>
+        <p:txBody>
+          <a:bodyPr lIns="0" rIns="0" tIns="0" bIns="0" anchor="ctr">
+            <a:spAutoFit/>
+          </a:bodyPr>
+          <a:p>
+            <a:pPr indent="0">
+              <a:lnSpc>
+                <a:spcPct val="100000"/>
+              </a:lnSpc>
+              <a:buNone/>
+              <a:tabLst>
+                <a:tab algn="l" pos="0"/>
+              </a:tabLst>
+            </a:pPr>
+            <a:r>
+              <a:rPr lang="en-US" sz="3200" b="1" u="none" strike="noStrike">
+                <a:solidFill>
+                  <a:srgbClr val="ff0000"/>
+                </a:solidFill>
+                <a:effectLst/>
+                <a:uFillTx/>
+                <a:latin typeface="Arial"/>
+              </a:rPr>
+              <a:t>Threshold offset std multiplier</a:t>
+            </a:r>
+            <a:endParaRPr lang="en-US" sz="3200" b="0" u="none" strike="noStrike">
+              <a:solidFill>
+                <a:srgbClr val="000000"/>
+              </a:solidFill>
+              <a:effectLst/>
+              <a:uFillTx/>
+              <a:latin typeface="Arial"/>
+            </a:endParaRPr>
+          </a:p>
+        </p:txBody>
+      </p:sp>
+      <p:sp>
+        <p:nvSpPr>
+          <p:cNvPr id="106" name=""/>
           <p:cNvSpPr/>
           <p:nvPr/>
         </p:nvSpPr>
         <p:spPr>
           <a:xfrm>
-            <a:off x="914400" y="914400"/>
-            <a:ext cx="10054800" cy="1095120"/>
+            <a:off x="228600" y="685800"/>
+            <a:ext cx="11655000" cy="7578720"/>
           </a:xfrm>
           <a:prstGeom prst="rect">
             <a:avLst/>
@@ -6998,7 +6992,149 @@
               </a:lnSpc>
             </a:pPr>
             <a:r>
-              <a:rPr lang="en-US" sz="2600" b="1" u="none" strike="noStrike">
+              <a:rPr lang="en-US" sz="1800" b="1" u="none" strike="noStrike">
+                <a:solidFill>
+                  <a:srgbClr val="000000"/>
+                </a:solidFill>
+                <a:effectLst/>
+                <a:uFillTx/>
+                <a:latin typeface="Arial"/>
+                <a:ea typeface="SimSun"/>
+              </a:rPr>
+              <a:t>A) Intensity-aware bridging(straight bridge + intensity check) </a:t>
+            </a:r>
+            <a:endParaRPr lang="en-US" sz="1800" b="0" u="none" strike="noStrike">
+              <a:solidFill>
+                <a:srgbClr val="000000"/>
+              </a:solidFill>
+              <a:effectLst/>
+              <a:uFillTx/>
+              <a:latin typeface="Arial"/>
+            </a:endParaRPr>
+          </a:p>
+          <a:p>
+            <a:pPr>
+              <a:lnSpc>
+                <a:spcPct val="100000"/>
+              </a:lnSpc>
+              <a:spcBef>
+                <a:spcPts val="1191"/>
+              </a:spcBef>
+              <a:spcAft>
+                <a:spcPts val="992"/>
+              </a:spcAft>
+            </a:pPr>
+            <a:r>
+              <a:rPr lang="en-US" sz="1800" b="0" u="none" strike="noStrike">
+                <a:solidFill>
+                  <a:srgbClr val="000000"/>
+                </a:solidFill>
+                <a:effectLst/>
+                <a:uFillTx/>
+                <a:latin typeface="Arial"/>
+                <a:ea typeface="SimSun"/>
+              </a:rPr>
+              <a:t>Try to connect two nearby neurite endpoints with a candidate line/tube, only keep the bridge if most of the path stays bright (neurite-like) or reject bridges that pass through dark/background space.</a:t>
+            </a:r>
+            <a:endParaRPr lang="en-US" sz="1800" b="0" u="none" strike="noStrike">
+              <a:solidFill>
+                <a:srgbClr val="000000"/>
+              </a:solidFill>
+              <a:effectLst/>
+              <a:uFillTx/>
+              <a:latin typeface="Arial"/>
+            </a:endParaRPr>
+          </a:p>
+          <a:p>
+            <a:pPr marL="216000" indent="-216000">
+              <a:lnSpc>
+                <a:spcPct val="100000"/>
+              </a:lnSpc>
+              <a:spcBef>
+                <a:spcPts val="624"/>
+              </a:spcBef>
+              <a:spcAft>
+                <a:spcPts val="425"/>
+              </a:spcAft>
+              <a:buClr>
+                <a:srgbClr val="000000"/>
+              </a:buClr>
+              <a:buFont typeface="Wingdings" charset="2"/>
+              <a:buChar char=""/>
+            </a:pPr>
+            <a:r>
+              <a:rPr lang="en-US" sz="1800" b="0" u="none" strike="noStrike">
+                <a:solidFill>
+                  <a:srgbClr val="000000"/>
+                </a:solidFill>
+                <a:effectLst/>
+                <a:uFillTx/>
+                <a:latin typeface="Arial"/>
+                <a:ea typeface="SimSun"/>
+              </a:rPr>
+              <a:t>If the pixels along that line are mostly bright (neurite-like) → accept the bridge.</a:t>
+            </a:r>
+            <a:endParaRPr lang="en-US" sz="1800" b="0" u="none" strike="noStrike">
+              <a:solidFill>
+                <a:srgbClr val="000000"/>
+              </a:solidFill>
+              <a:effectLst/>
+              <a:uFillTx/>
+              <a:latin typeface="Arial"/>
+            </a:endParaRPr>
+          </a:p>
+          <a:p>
+            <a:pPr marL="216000" indent="-216000">
+              <a:lnSpc>
+                <a:spcPct val="100000"/>
+              </a:lnSpc>
+              <a:spcBef>
+                <a:spcPts val="624"/>
+              </a:spcBef>
+              <a:spcAft>
+                <a:spcPts val="425"/>
+              </a:spcAft>
+              <a:buClr>
+                <a:srgbClr val="000000"/>
+              </a:buClr>
+              <a:buFont typeface="Wingdings" charset="2"/>
+              <a:buChar char=""/>
+            </a:pPr>
+            <a:r>
+              <a:rPr lang="en-US" sz="1800" b="0" u="none" strike="noStrike">
+                <a:solidFill>
+                  <a:srgbClr val="000000"/>
+                </a:solidFill>
+                <a:effectLst/>
+                <a:uFillTx/>
+                <a:latin typeface="Arial"/>
+                <a:ea typeface="SimSun"/>
+              </a:rPr>
+              <a:t>If the line goes through dark background → reject it.</a:t>
+            </a:r>
+            <a:endParaRPr lang="en-US" sz="1800" b="0" u="none" strike="noStrike">
+              <a:solidFill>
+                <a:srgbClr val="000000"/>
+              </a:solidFill>
+              <a:effectLst/>
+              <a:uFillTx/>
+              <a:latin typeface="Arial"/>
+            </a:endParaRPr>
+          </a:p>
+          <a:p>
+            <a:pPr>
+              <a:lnSpc>
+                <a:spcPct val="100000"/>
+              </a:lnSpc>
+              <a:spcBef>
+                <a:spcPts val="1191"/>
+              </a:spcBef>
+              <a:spcAft>
+                <a:spcPts val="992"/>
+              </a:spcAft>
+            </a:pPr>
+            <a:r>
+              <a:rPr lang="en-US" sz="1800" b="1" u="none" strike="noStrike">
                 <a:solidFill>
                   <a:srgbClr val="2a6099"/>
                 </a:solidFill>
@@ -7007,10 +7143,31 @@
                 <a:latin typeface="Arial"/>
                 <a:ea typeface="SimSun"/>
               </a:rPr>
-              <a:t> Add new layers to filter per cells ID and lysosomes ID</a:t>
-            </a:r>
-            <a:r>
-              <a:rPr lang="en-US" sz="2600" b="1" u="none" strike="noStrike">
+              <a:t>B) Shortest-path stitching in an intensity cost map </a:t>
+            </a:r>
+            <a:endParaRPr lang="en-US" sz="1800" b="0" u="none" strike="noStrike">
+              <a:solidFill>
+                <a:srgbClr val="000000"/>
+              </a:solidFill>
+              <a:effectLst/>
+              <a:uFillTx/>
+              <a:latin typeface="Arial"/>
+            </a:endParaRPr>
+          </a:p>
+          <a:p>
+            <a:pPr>
+              <a:lnSpc>
+                <a:spcPct val="100000"/>
+              </a:lnSpc>
+              <a:spcBef>
+                <a:spcPts val="1191"/>
+              </a:spcBef>
+              <a:spcAft>
+                <a:spcPts val="992"/>
+              </a:spcAft>
+            </a:pPr>
+            <a:r>
+              <a:rPr lang="en-US" sz="1800" b="0" u="none" strike="noStrike">
                 <a:solidFill>
                   <a:srgbClr val="000000"/>
                 </a:solidFill>
@@ -7019,9 +7176,9 @@
                 <a:latin typeface="Arial"/>
                 <a:ea typeface="SimSun"/>
               </a:rPr>
-              <a:t>.</a:t>
-            </a:r>
-            <a:endParaRPr lang="en-US" sz="2600" b="0" u="none" strike="noStrike">
+              <a:t>Instead of a straight line, search for a path between endpoints in a small region, make bright pixels “cheap” to pass and dark pixels “expensive.”</a:t>
+            </a:r>
+            <a:endParaRPr lang="en-US" sz="1800" b="0" u="none" strike="noStrike">
               <a:solidFill>
                 <a:srgbClr val="000000"/>
               </a:solidFill>
@@ -7035,8 +7192,26 @@
               <a:lnSpc>
                 <a:spcPct val="100000"/>
               </a:lnSpc>
-            </a:pPr>
-            <a:endParaRPr lang="en-US" sz="2600" b="0" u="none" strike="noStrike">
+              <a:spcBef>
+                <a:spcPts val="1191"/>
+              </a:spcBef>
+              <a:spcAft>
+                <a:spcPts val="992"/>
+              </a:spcAft>
+            </a:pPr>
+            <a:r>
+              <a:rPr lang="en-US" sz="1800" b="0" u="none" strike="noStrike">
+                <a:solidFill>
+                  <a:srgbClr val="000000"/>
+                </a:solidFill>
+                <a:effectLst/>
+                <a:uFillTx/>
+                <a:latin typeface="Arial"/>
+                <a:ea typeface="SimSun"/>
+              </a:rPr>
+              <a:t>If a low-cost (bright-following) path exists, connect along it and helps follow curved neurites and avoids dark gaps.</a:t>
+            </a:r>
+            <a:endParaRPr lang="en-US" sz="1800" b="0" u="none" strike="noStrike">
               <a:solidFill>
                 <a:srgbClr val="000000"/>
               </a:solidFill>
@@ -7050,69 +7225,180 @@
               <a:lnSpc>
                 <a:spcPct val="100000"/>
               </a:lnSpc>
-            </a:pPr>
-            <a:endParaRPr lang="en-US" sz="1400" b="0" u="none" strike="noStrike">
-              <a:solidFill>
-                <a:srgbClr val="000000"/>
-              </a:solidFill>
-              <a:effectLst/>
-              <a:uFillTx/>
-              <a:latin typeface="Arial"/>
-            </a:endParaRPr>
-          </a:p>
-        </p:txBody>
-      </p:sp>
-      <p:sp>
-        <p:nvSpPr>
-          <p:cNvPr id="105" name="PlaceHolder 5"/>
-          <p:cNvSpPr/>
-          <p:nvPr/>
-        </p:nvSpPr>
-        <p:spPr>
-          <a:xfrm>
-            <a:off x="609480" y="235800"/>
-            <a:ext cx="10964880" cy="487080"/>
-          </a:xfrm>
-          <a:prstGeom prst="rect">
-            <a:avLst/>
-          </a:prstGeom>
-          <a:noFill/>
-          <a:ln w="0">
-            <a:noFill/>
-          </a:ln>
-        </p:spPr>
-        <p:style>
-          <a:lnRef idx="0"/>
-          <a:fillRef idx="0"/>
-          <a:effectRef idx="0"/>
-          <a:fontRef idx="minor"/>
-        </p:style>
-        <p:txBody>
-          <a:bodyPr lIns="0" rIns="0" tIns="0" bIns="0" anchor="ctr">
-            <a:spAutoFit/>
-          </a:bodyPr>
+              <a:spcBef>
+                <a:spcPts val="1191"/>
+              </a:spcBef>
+              <a:spcAft>
+                <a:spcPts val="992"/>
+              </a:spcAft>
+            </a:pPr>
+            <a:r>
+              <a:rPr lang="en-US" sz="1800" b="0" u="none" strike="noStrike">
+                <a:solidFill>
+                  <a:srgbClr val="000000"/>
+                </a:solidFill>
+                <a:effectLst/>
+                <a:uFillTx/>
+                <a:latin typeface="Arial"/>
+                <a:ea typeface="SimSun"/>
+              </a:rPr>
+              <a:t>Then ask: Is there a low-cost path between the two endpoints inside a small box?</a:t>
+            </a:r>
+            <a:endParaRPr lang="en-US" sz="1800" b="0" u="none" strike="noStrike">
+              <a:solidFill>
+                <a:srgbClr val="000000"/>
+              </a:solidFill>
+              <a:effectLst/>
+              <a:uFillTx/>
+              <a:latin typeface="Arial"/>
+            </a:endParaRPr>
+          </a:p>
+          <a:p>
+            <a:pPr marL="216000" indent="-216000">
+              <a:lnSpc>
+                <a:spcPct val="100000"/>
+              </a:lnSpc>
+              <a:spcBef>
+                <a:spcPts val="1191"/>
+              </a:spcBef>
+              <a:spcAft>
+                <a:spcPts val="992"/>
+              </a:spcAft>
+              <a:buClr>
+                <a:srgbClr val="000000"/>
+              </a:buClr>
+              <a:buFont typeface="Wingdings" charset="2"/>
+              <a:buChar char=""/>
+            </a:pPr>
+            <a:r>
+              <a:rPr lang="en-US" sz="1800" b="0" u="none" strike="noStrike">
+                <a:solidFill>
+                  <a:srgbClr val="000000"/>
+                </a:solidFill>
+                <a:effectLst/>
+                <a:uFillTx/>
+                <a:latin typeface="Arial"/>
+                <a:ea typeface="SimSun"/>
+              </a:rPr>
+              <a:t>If yes → connect along that curved path.</a:t>
+            </a:r>
+            <a:endParaRPr lang="en-US" sz="1800" b="0" u="none" strike="noStrike">
+              <a:solidFill>
+                <a:srgbClr val="000000"/>
+              </a:solidFill>
+              <a:effectLst/>
+              <a:uFillTx/>
+              <a:latin typeface="Arial"/>
+            </a:endParaRPr>
+          </a:p>
+          <a:p>
+            <a:pPr marL="216000" indent="-216000">
+              <a:lnSpc>
+                <a:spcPct val="100000"/>
+              </a:lnSpc>
+              <a:spcBef>
+                <a:spcPts val="1191"/>
+              </a:spcBef>
+              <a:spcAft>
+                <a:spcPts val="992"/>
+              </a:spcAft>
+              <a:buClr>
+                <a:srgbClr val="000000"/>
+              </a:buClr>
+              <a:buFont typeface="Wingdings" charset="2"/>
+              <a:buChar char=""/>
+            </a:pPr>
+            <a:r>
+              <a:rPr lang="en-US" sz="1800" b="0" u="none" strike="noStrike">
+                <a:solidFill>
+                  <a:srgbClr val="000000"/>
+                </a:solidFill>
+                <a:effectLst/>
+                <a:uFillTx/>
+                <a:latin typeface="Arial"/>
+                <a:ea typeface="SimSun"/>
+              </a:rPr>
+              <a:t>If the only possible path goes through dark pixels (high cost) → don’t connect.</a:t>
+            </a:r>
+            <a:endParaRPr lang="en-US" sz="1800" b="0" u="none" strike="noStrike">
+              <a:solidFill>
+                <a:srgbClr val="000000"/>
+              </a:solidFill>
+              <a:effectLst/>
+              <a:uFillTx/>
+              <a:latin typeface="Arial"/>
+            </a:endParaRPr>
+          </a:p>
           <a:p>
             <a:pPr>
               <a:lnSpc>
                 <a:spcPct val="100000"/>
               </a:lnSpc>
-              <a:tabLst>
-                <a:tab algn="l" pos="0"/>
-              </a:tabLst>
-            </a:pPr>
-            <a:r>
-              <a:rPr lang="en-US" sz="3200" b="1" u="none" strike="noStrike">
-                <a:solidFill>
-                  <a:srgbClr val="ff0000"/>
-                </a:solidFill>
-                <a:effectLst/>
-                <a:uFillTx/>
-                <a:latin typeface="Arial"/>
-                <a:ea typeface="SimSun"/>
-              </a:rPr>
-              <a:t>VIEWER LAYERS</a:t>
-            </a:r>
-            <a:endParaRPr lang="en-US" sz="3200" b="0" u="none" strike="noStrike">
+              <a:spcBef>
+                <a:spcPts val="1191"/>
+              </a:spcBef>
+              <a:spcAft>
+                <a:spcPts val="992"/>
+              </a:spcAft>
+            </a:pPr>
+            <a:endParaRPr lang="en-US" sz="1800" b="0" u="none" strike="noStrike">
+              <a:solidFill>
+                <a:srgbClr val="000000"/>
+              </a:solidFill>
+              <a:effectLst/>
+              <a:uFillTx/>
+              <a:latin typeface="Arial"/>
+            </a:endParaRPr>
+          </a:p>
+          <a:p>
+            <a:pPr>
+              <a:lnSpc>
+                <a:spcPct val="100000"/>
+              </a:lnSpc>
+              <a:spcBef>
+                <a:spcPts val="1191"/>
+              </a:spcBef>
+              <a:spcAft>
+                <a:spcPts val="992"/>
+              </a:spcAft>
+            </a:pPr>
+            <a:endParaRPr lang="en-US" sz="1000" b="0" u="none" strike="noStrike">
+              <a:solidFill>
+                <a:srgbClr val="000000"/>
+              </a:solidFill>
+              <a:effectLst/>
+              <a:uFillTx/>
+              <a:latin typeface="Arial"/>
+            </a:endParaRPr>
+          </a:p>
+          <a:p>
+            <a:pPr>
+              <a:lnSpc>
+                <a:spcPct val="100000"/>
+              </a:lnSpc>
+              <a:spcBef>
+                <a:spcPts val="1191"/>
+              </a:spcBef>
+              <a:spcAft>
+                <a:spcPts val="992"/>
+              </a:spcAft>
+            </a:pPr>
+            <a:endParaRPr lang="en-US" sz="2000" b="0" u="none" strike="noStrike">
+              <a:solidFill>
+                <a:srgbClr val="000000"/>
+              </a:solidFill>
+              <a:effectLst/>
+              <a:uFillTx/>
+              <a:latin typeface="Arial"/>
+            </a:endParaRPr>
+          </a:p>
+          <a:p>
+            <a:pPr>
+              <a:lnSpc>
+                <a:spcPct val="100000"/>
+              </a:lnSpc>
+            </a:pPr>
+            <a:endParaRPr lang="en-US" sz="1000" b="0" u="none" strike="noStrike">
               <a:solidFill>
                 <a:srgbClr val="000000"/>
               </a:solidFill>
@@ -7155,18 +7441,14 @@
       </p:grpSpPr>
       <p:sp>
         <p:nvSpPr>
-          <p:cNvPr id="106" name="PlaceHolder 1"/>
-          <p:cNvSpPr>
-            <a:spLocks noGrp="1"/>
-          </p:cNvSpPr>
-          <p:nvPr>
-            <p:ph type="title"/>
-          </p:nvPr>
+          <p:cNvPr id="107" name=""/>
+          <p:cNvSpPr/>
+          <p:nvPr/>
         </p:nvSpPr>
         <p:spPr>
           <a:xfrm>
-            <a:off x="459360" y="71640"/>
-            <a:ext cx="10964880" cy="6343560"/>
+            <a:off x="914400" y="914400"/>
+            <a:ext cx="10054800" cy="1095120"/>
           </a:xfrm>
           <a:prstGeom prst="rect">
             <a:avLst/>
@@ -7176,16 +7458,121 @@
             <a:noFill/>
           </a:ln>
         </p:spPr>
+        <p:style>
+          <a:lnRef idx="0"/>
+          <a:fillRef idx="0"/>
+          <a:effectRef idx="0"/>
+          <a:fontRef idx="minor"/>
+        </p:style>
+        <p:txBody>
+          <a:bodyPr lIns="90000" rIns="90000" tIns="45000" bIns="45000" anchor="t">
+            <a:spAutoFit/>
+          </a:bodyPr>
+          <a:p>
+            <a:pPr>
+              <a:lnSpc>
+                <a:spcPct val="100000"/>
+              </a:lnSpc>
+            </a:pPr>
+            <a:r>
+              <a:rPr lang="en-US" sz="2600" b="1" u="none" strike="noStrike">
+                <a:solidFill>
+                  <a:srgbClr val="2a6099"/>
+                </a:solidFill>
+                <a:effectLst/>
+                <a:uFillTx/>
+                <a:latin typeface="Arial"/>
+                <a:ea typeface="SimSun"/>
+              </a:rPr>
+              <a:t> Add new layers to filter per cells ID and lysosomes ID</a:t>
+            </a:r>
+            <a:r>
+              <a:rPr lang="en-US" sz="2600" b="1" u="none" strike="noStrike">
+                <a:solidFill>
+                  <a:srgbClr val="000000"/>
+                </a:solidFill>
+                <a:effectLst/>
+                <a:uFillTx/>
+                <a:latin typeface="Arial"/>
+                <a:ea typeface="SimSun"/>
+              </a:rPr>
+              <a:t>.</a:t>
+            </a:r>
+            <a:endParaRPr lang="en-US" sz="2600" b="0" u="none" strike="noStrike">
+              <a:solidFill>
+                <a:srgbClr val="000000"/>
+              </a:solidFill>
+              <a:effectLst/>
+              <a:uFillTx/>
+              <a:latin typeface="Arial"/>
+            </a:endParaRPr>
+          </a:p>
+          <a:p>
+            <a:pPr>
+              <a:lnSpc>
+                <a:spcPct val="100000"/>
+              </a:lnSpc>
+            </a:pPr>
+            <a:endParaRPr lang="en-US" sz="2600" b="0" u="none" strike="noStrike">
+              <a:solidFill>
+                <a:srgbClr val="000000"/>
+              </a:solidFill>
+              <a:effectLst/>
+              <a:uFillTx/>
+              <a:latin typeface="Arial"/>
+            </a:endParaRPr>
+          </a:p>
+          <a:p>
+            <a:pPr>
+              <a:lnSpc>
+                <a:spcPct val="100000"/>
+              </a:lnSpc>
+            </a:pPr>
+            <a:endParaRPr lang="en-US" sz="1400" b="0" u="none" strike="noStrike">
+              <a:solidFill>
+                <a:srgbClr val="000000"/>
+              </a:solidFill>
+              <a:effectLst/>
+              <a:uFillTx/>
+              <a:latin typeface="Arial"/>
+            </a:endParaRPr>
+          </a:p>
+        </p:txBody>
+      </p:sp>
+      <p:sp>
+        <p:nvSpPr>
+          <p:cNvPr id="108" name="PlaceHolder 5"/>
+          <p:cNvSpPr/>
+          <p:nvPr/>
+        </p:nvSpPr>
+        <p:spPr>
+          <a:xfrm>
+            <a:off x="609480" y="235800"/>
+            <a:ext cx="10964880" cy="487080"/>
+          </a:xfrm>
+          <a:prstGeom prst="rect">
+            <a:avLst/>
+          </a:prstGeom>
+          <a:noFill/>
+          <a:ln w="0">
+            <a:noFill/>
+          </a:ln>
+        </p:spPr>
+        <p:style>
+          <a:lnRef idx="0"/>
+          <a:fillRef idx="0"/>
+          <a:effectRef idx="0"/>
+          <a:fontRef idx="minor"/>
+        </p:style>
         <p:txBody>
           <a:bodyPr lIns="0" rIns="0" tIns="0" bIns="0" anchor="ctr">
             <a:spAutoFit/>
           </a:bodyPr>
           <a:p>
-            <a:pPr indent="0">
-              <a:lnSpc>
-                <a:spcPct val="150000"/>
-              </a:lnSpc>
-              <a:buNone/>
+            <a:pPr>
+              <a:lnSpc>
+                <a:spcPct val="100000"/>
+              </a:lnSpc>
               <a:tabLst>
                 <a:tab algn="l" pos="0"/>
               </a:tabLst>
@@ -7193,54 +7580,15 @@
             <a:r>
               <a:rPr lang="en-US" sz="3200" b="1" u="none" strike="noStrike">
                 <a:solidFill>
-                  <a:srgbClr val="000000"/>
-                </a:solidFill>
-                <a:effectLst/>
-                <a:uFillTx/>
-                <a:latin typeface="Arial"/>
-                <a:ea typeface="Microsoft YaHei"/>
-              </a:rPr>
-              <a:t>FILES:</a:t>
-            </a:r>
-            <a:br>
-              <a:rPr sz="3200"/>
-            </a:br>
-            <a:r>
-              <a:rPr lang="en-US" sz="3200" b="0" i="1" u="none" strike="noStrike">
-                <a:solidFill>
-                  <a:srgbClr val="000000"/>
-                </a:solidFill>
-                <a:effectLst/>
-                <a:uFillTx/>
-                <a:latin typeface="Arial"/>
-                <a:ea typeface="Microsoft YaHei"/>
-              </a:rPr>
-              <a:t>-Airy scan_40A_UAS-TMEM-HA_axon_0h_again_2_051222</a:t>
-            </a:r>
-            <a:br>
-              <a:rPr sz="3200"/>
-            </a:br>
-            <a:r>
-              <a:rPr lang="en-US" sz="3200" b="0" i="1" u="none" strike="noStrike">
-                <a:solidFill>
-                  <a:srgbClr val="000000"/>
-                </a:solidFill>
-                <a:effectLst/>
-                <a:uFillTx/>
-                <a:latin typeface="Arial"/>
-                <a:ea typeface="Microsoft YaHei"/>
-              </a:rPr>
-              <a:t>-Airy scan_40A_UAS-TMEM-HA_axon_0h_again_3_051222</a:t>
-            </a:r>
-            <a:br>
-              <a:rPr sz="3200"/>
-            </a:br>
-            <a:br>
-              <a:rPr sz="3200"/>
-            </a:br>
-            <a:br>
-              <a:rPr sz="3200"/>
-            </a:br>
+                  <a:srgbClr val="ff0000"/>
+                </a:solidFill>
+                <a:effectLst/>
+                <a:uFillTx/>
+                <a:latin typeface="Arial"/>
+                <a:ea typeface="SimSun"/>
+              </a:rPr>
+              <a:t>VIEWER LAYERS</a:t>
+            </a:r>
             <a:endParaRPr lang="en-US" sz="3200" b="0" u="none" strike="noStrike">
               <a:solidFill>
                 <a:srgbClr val="000000"/>
@@ -7284,7 +7632,7 @@
       </p:grpSpPr>
       <p:sp>
         <p:nvSpPr>
-          <p:cNvPr id="107" name="PlaceHolder 1"/>
+          <p:cNvPr id="109" name="PlaceHolder 1"/>
           <p:cNvSpPr>
             <a:spLocks noGrp="1"/>
           </p:cNvSpPr>
@@ -7294,8 +7642,8 @@
         </p:nvSpPr>
         <p:spPr>
           <a:xfrm>
-            <a:off x="609480" y="140760"/>
-            <a:ext cx="2589120" cy="674640"/>
+            <a:off x="459360" y="71640"/>
+            <a:ext cx="10964880" cy="6343560"/>
           </a:xfrm>
           <a:prstGeom prst="rect">
             <a:avLst/>
@@ -7310,9 +7658,9 @@
             <a:spAutoFit/>
           </a:bodyPr>
           <a:p>
-            <a:pPr indent="0" algn="ctr">
-              <a:lnSpc>
-                <a:spcPct val="100000"/>
+            <a:pPr indent="0">
+              <a:lnSpc>
+                <a:spcPct val="150000"/>
               </a:lnSpc>
               <a:buNone/>
               <a:tabLst>
@@ -7320,256 +7668,57 @@
               </a:tabLst>
             </a:pPr>
             <a:r>
-              <a:rPr lang="en-US" sz="4400" b="1" u="none" strike="noStrike">
-                <a:solidFill>
-                  <a:srgbClr val="ff0000"/>
-                </a:solidFill>
-                <a:effectLst/>
-                <a:uFillTx/>
-                <a:latin typeface="Arial"/>
-              </a:rPr>
-              <a:t>0H 2</a:t>
-            </a:r>
-            <a:endParaRPr lang="en-US" sz="4400" b="0" u="none" strike="noStrike">
-              <a:solidFill>
-                <a:srgbClr val="000000"/>
-              </a:solidFill>
-              <a:effectLst/>
-              <a:uFillTx/>
-              <a:latin typeface="Arial"/>
-            </a:endParaRPr>
-          </a:p>
-        </p:txBody>
-      </p:sp>
-      <p:sp>
-        <p:nvSpPr>
-          <p:cNvPr id="108" name="Rectangles 104"/>
-          <p:cNvSpPr/>
-          <p:nvPr/>
-        </p:nvSpPr>
-        <p:spPr>
-          <a:xfrm>
-            <a:off x="0" y="1143000"/>
-            <a:ext cx="2509560" cy="5252760"/>
-          </a:xfrm>
-          <a:prstGeom prst="rect">
-            <a:avLst/>
-          </a:prstGeom>
-          <a:solidFill>
-            <a:srgbClr val="729fcf"/>
-          </a:solidFill>
-          <a:ln w="0">
-            <a:solidFill>
-              <a:srgbClr val="3465a4"/>
-            </a:solidFill>
-          </a:ln>
-        </p:spPr>
-        <p:style>
-          <a:lnRef idx="0"/>
-          <a:fillRef idx="0"/>
-          <a:effectRef idx="0"/>
-          <a:fontRef idx="minor"/>
-        </p:style>
-        <p:txBody>
-          <a:bodyPr lIns="90000" rIns="90000" tIns="45000" bIns="45000" anchor="ctr">
-            <a:noAutofit/>
-          </a:bodyPr>
-          <a:p>
-            <a:pPr defTabSz="914400">
-              <a:lnSpc>
-                <a:spcPct val="100000"/>
-              </a:lnSpc>
-            </a:pPr>
-            <a:r>
-              <a:rPr lang="en-US" sz="1400" b="1" u="none" strike="noStrike">
+              <a:rPr lang="en-US" sz="3200" b="1" u="none" strike="noStrike">
                 <a:solidFill>
                   <a:srgbClr val="000000"/>
                 </a:solidFill>
                 <a:effectLst/>
                 <a:uFillTx/>
                 <a:latin typeface="Arial"/>
-                <a:ea typeface="SimSun"/>
-              </a:rPr>
-              <a:t>Erosion = 4</a:t>
-            </a:r>
-            <a:endParaRPr lang="en-US" sz="1400" b="0" u="none" strike="noStrike">
-              <a:solidFill>
-                <a:srgbClr val="000000"/>
-              </a:solidFill>
-              <a:effectLst/>
-              <a:uFillTx/>
-              <a:latin typeface="Arial"/>
-            </a:endParaRPr>
-          </a:p>
-          <a:p>
-            <a:pPr defTabSz="914400">
-              <a:lnSpc>
-                <a:spcPct val="100000"/>
-              </a:lnSpc>
-            </a:pPr>
-            <a:r>
-              <a:rPr lang="en-US" sz="1400" b="1" u="none" strike="noStrike">
+                <a:ea typeface="Microsoft YaHei"/>
+              </a:rPr>
+              <a:t>FILES:</a:t>
+            </a:r>
+            <a:br>
+              <a:rPr sz="3200"/>
+            </a:br>
+            <a:r>
+              <a:rPr lang="en-US" sz="3200" b="0" i="1" u="none" strike="noStrike">
                 <a:solidFill>
                   <a:srgbClr val="000000"/>
                 </a:solidFill>
                 <a:effectLst/>
                 <a:uFillTx/>
                 <a:latin typeface="Arial"/>
-                <a:ea typeface="SimSun"/>
-              </a:rPr>
-              <a:t>Thresholding = 0.002</a:t>
-            </a:r>
-            <a:endParaRPr lang="en-US" sz="1400" b="0" u="none" strike="noStrike">
-              <a:solidFill>
-                <a:srgbClr val="000000"/>
-              </a:solidFill>
-              <a:effectLst/>
-              <a:uFillTx/>
-              <a:latin typeface="Arial"/>
-            </a:endParaRPr>
-          </a:p>
-          <a:p>
-            <a:pPr defTabSz="914400">
-              <a:lnSpc>
-                <a:spcPct val="100000"/>
-              </a:lnSpc>
-            </a:pPr>
-            <a:r>
-              <a:rPr lang="en-US" sz="1400" b="1" u="none" strike="noStrike">
+                <a:ea typeface="Microsoft YaHei"/>
+              </a:rPr>
+              <a:t>-Airy scan_40A_UAS-TMEM-HA_axon_0h_again_2_051222</a:t>
+            </a:r>
+            <a:br>
+              <a:rPr sz="3200"/>
+            </a:br>
+            <a:r>
+              <a:rPr lang="en-US" sz="3200" b="0" i="1" u="none" strike="noStrike">
                 <a:solidFill>
                   <a:srgbClr val="000000"/>
                 </a:solidFill>
                 <a:effectLst/>
                 <a:uFillTx/>
                 <a:latin typeface="Arial"/>
-                <a:ea typeface="SimSun"/>
-              </a:rPr>
-              <a:t>margin um = 0.5</a:t>
-            </a:r>
-            <a:endParaRPr lang="en-US" sz="1400" b="0" u="none" strike="noStrike">
-              <a:solidFill>
-                <a:srgbClr val="000000"/>
-              </a:solidFill>
-              <a:effectLst/>
-              <a:uFillTx/>
-              <a:latin typeface="Arial"/>
-            </a:endParaRPr>
-          </a:p>
-          <a:p>
-            <a:pPr defTabSz="914400">
-              <a:lnSpc>
-                <a:spcPct val="100000"/>
-              </a:lnSpc>
-            </a:pPr>
-            <a:r>
-              <a:rPr lang="en-US" sz="1400" b="1" u="none" strike="noStrike">
-                <a:solidFill>
-                  <a:srgbClr val="000000"/>
-                </a:solidFill>
-                <a:effectLst/>
-                <a:uFillTx/>
-                <a:latin typeface="Arial"/>
-                <a:ea typeface="SimSun"/>
-              </a:rPr>
-              <a:t>overlap alpha = 0.4</a:t>
-            </a:r>
-            <a:endParaRPr lang="en-US" sz="1400" b="0" u="none" strike="noStrike">
-              <a:solidFill>
-                <a:srgbClr val="000000"/>
-              </a:solidFill>
-              <a:effectLst/>
-              <a:uFillTx/>
-              <a:latin typeface="Arial"/>
-            </a:endParaRPr>
-          </a:p>
-          <a:p>
-            <a:pPr defTabSz="914400">
-              <a:lnSpc>
-                <a:spcPct val="100000"/>
-              </a:lnSpc>
-            </a:pPr>
-            <a:r>
-              <a:rPr lang="en-US" sz="1400" b="1" u="none" strike="noStrike">
-                <a:solidFill>
-                  <a:srgbClr val="000000"/>
-                </a:solidFill>
-                <a:effectLst/>
-                <a:uFillTx/>
-                <a:latin typeface="Arial"/>
-                <a:ea typeface="SimSun"/>
-              </a:rPr>
-              <a:t>viz min voxels = 2000</a:t>
-            </a:r>
-            <a:endParaRPr lang="en-US" sz="1400" b="0" u="none" strike="noStrike">
-              <a:solidFill>
-                <a:srgbClr val="000000"/>
-              </a:solidFill>
-              <a:effectLst/>
-              <a:uFillTx/>
-              <a:latin typeface="Arial"/>
-            </a:endParaRPr>
-          </a:p>
-          <a:p>
-            <a:pPr defTabSz="914400">
-              <a:lnSpc>
-                <a:spcPct val="100000"/>
-              </a:lnSpc>
-            </a:pPr>
-            <a:r>
-              <a:rPr lang="en-US" sz="1400" b="1" u="none" strike="noStrike">
-                <a:solidFill>
-                  <a:srgbClr val="000000"/>
-                </a:solidFill>
-                <a:effectLst/>
-                <a:uFillTx/>
-                <a:latin typeface="Arial"/>
-                <a:ea typeface="SimSun"/>
-              </a:rPr>
-              <a:t>CLOSING = 6</a:t>
-            </a:r>
-            <a:endParaRPr lang="en-US" sz="1400" b="0" u="none" strike="noStrike">
-              <a:solidFill>
-                <a:srgbClr val="000000"/>
-              </a:solidFill>
-              <a:effectLst/>
-              <a:uFillTx/>
-              <a:latin typeface="Arial"/>
-            </a:endParaRPr>
-          </a:p>
-          <a:p>
-            <a:pPr defTabSz="914400">
-              <a:lnSpc>
-                <a:spcPct val="100000"/>
-              </a:lnSpc>
-            </a:pPr>
-            <a:r>
-              <a:rPr lang="en-US" sz="1400" b="1" u="none" strike="noStrike">
-                <a:solidFill>
-                  <a:srgbClr val="000000"/>
-                </a:solidFill>
-                <a:effectLst/>
-                <a:uFillTx/>
-                <a:latin typeface="Arial"/>
-                <a:ea typeface="SimSun"/>
-              </a:rPr>
-              <a:t>max_gap_UM = 4</a:t>
-            </a:r>
-            <a:endParaRPr lang="en-US" sz="1400" b="0" u="none" strike="noStrike">
-              <a:solidFill>
-                <a:srgbClr val="000000"/>
-              </a:solidFill>
-              <a:effectLst/>
-              <a:uFillTx/>
-              <a:latin typeface="Arial"/>
-            </a:endParaRPr>
-          </a:p>
-          <a:p>
-            <a:pPr defTabSz="914400">
-              <a:lnSpc>
-                <a:spcPct val="100000"/>
-              </a:lnSpc>
-            </a:pPr>
-            <a:endParaRPr lang="en-US" sz="1800" b="0" u="none" strike="noStrike">
+                <a:ea typeface="Microsoft YaHei"/>
+              </a:rPr>
+              <a:t>-Airy scan_40A_UAS-TMEM-HA_axon_0h_again_3_051222</a:t>
+            </a:r>
+            <a:br>
+              <a:rPr sz="3200"/>
+            </a:br>
+            <a:br>
+              <a:rPr sz="3200"/>
+            </a:br>
+            <a:br>
+              <a:rPr sz="3200"/>
+            </a:br>
+            <a:endParaRPr lang="en-US" sz="3200" b="0" u="none" strike="noStrike">
               <a:solidFill>
                 <a:srgbClr val="000000"/>
               </a:solidFill>
@@ -7612,7 +7761,7 @@
       </p:grpSpPr>
       <p:sp>
         <p:nvSpPr>
-          <p:cNvPr id="109" name="PlaceHolder 1"/>
+          <p:cNvPr id="110" name="PlaceHolder 1"/>
           <p:cNvSpPr>
             <a:spLocks noGrp="1"/>
           </p:cNvSpPr>
@@ -7622,8 +7771,8 @@
         </p:nvSpPr>
         <p:spPr>
           <a:xfrm>
-            <a:off x="609480" y="140040"/>
-            <a:ext cx="10964880" cy="675720"/>
+            <a:off x="609480" y="140760"/>
+            <a:ext cx="2589120" cy="674640"/>
           </a:xfrm>
           <a:prstGeom prst="rect">
             <a:avLst/>
@@ -7669,54 +7818,245 @@
           </a:p>
         </p:txBody>
       </p:sp>
-      <p:pic>
-        <p:nvPicPr>
-          <p:cNvPr id="110" name="Picture 108"/>
-          <p:cNvPicPr/>
+      <p:sp>
+        <p:nvSpPr>
+          <p:cNvPr id="111" name="Rectangles 104"/>
+          <p:cNvSpPr/>
           <p:nvPr/>
-        </p:nvPicPr>
-        <p:blipFill>
-          <a:blip r:embed="rId1"/>
-          <a:stretch/>
-        </p:blipFill>
+        </p:nvSpPr>
         <p:spPr>
           <a:xfrm>
-            <a:off x="457200" y="914400"/>
-            <a:ext cx="4959360" cy="5256360"/>
+            <a:off x="0" y="1143000"/>
+            <a:ext cx="2509560" cy="5252760"/>
           </a:xfrm>
           <a:prstGeom prst="rect">
             <a:avLst/>
           </a:prstGeom>
-          <a:noFill/>
+          <a:solidFill>
+            <a:srgbClr val="729fcf"/>
+          </a:solidFill>
           <a:ln w="0">
-            <a:noFill/>
+            <a:solidFill>
+              <a:srgbClr val="3465a4"/>
+            </a:solidFill>
           </a:ln>
         </p:spPr>
-      </p:pic>
-      <p:pic>
-        <p:nvPicPr>
-          <p:cNvPr id="111" name="Picture 109"/>
-          <p:cNvPicPr/>
-          <p:nvPr/>
-        </p:nvPicPr>
-        <p:blipFill>
-          <a:blip r:embed="rId2"/>
-          <a:stretch/>
-        </p:blipFill>
-        <p:spPr>
-          <a:xfrm>
-            <a:off x="5718600" y="951840"/>
-            <a:ext cx="4338360" cy="5223600"/>
-          </a:xfrm>
-          <a:prstGeom prst="rect">
-            <a:avLst/>
-          </a:prstGeom>
-          <a:noFill/>
-          <a:ln w="0">
-            <a:noFill/>
-          </a:ln>
-        </p:spPr>
-      </p:pic>
+        <p:style>
+          <a:lnRef idx="0"/>
+          <a:fillRef idx="0"/>
+          <a:effectRef idx="0"/>
+          <a:fontRef idx="minor"/>
+        </p:style>
+        <p:txBody>
+          <a:bodyPr lIns="90000" rIns="90000" tIns="45000" bIns="45000" anchor="ctr">
+            <a:noAutofit/>
+          </a:bodyPr>
+          <a:p>
+            <a:pPr defTabSz="914400">
+              <a:lnSpc>
+                <a:spcPct val="100000"/>
+              </a:lnSpc>
+            </a:pPr>
+            <a:r>
+              <a:rPr lang="en-US" sz="1400" b="1" u="none" strike="noStrike">
+                <a:solidFill>
+                  <a:srgbClr val="000000"/>
+                </a:solidFill>
+                <a:effectLst/>
+                <a:uFillTx/>
+                <a:latin typeface="Arial"/>
+                <a:ea typeface="SimSun"/>
+              </a:rPr>
+              <a:t>Erosion = 4</a:t>
+            </a:r>
+            <a:endParaRPr lang="en-US" sz="1400" b="0" u="none" strike="noStrike">
+              <a:solidFill>
+                <a:srgbClr val="000000"/>
+              </a:solidFill>
+              <a:effectLst/>
+              <a:uFillTx/>
+              <a:latin typeface="Arial"/>
+            </a:endParaRPr>
+          </a:p>
+          <a:p>
+            <a:pPr defTabSz="914400">
+              <a:lnSpc>
+                <a:spcPct val="100000"/>
+              </a:lnSpc>
+            </a:pPr>
+            <a:r>
+              <a:rPr lang="en-US" sz="1400" b="1" u="none" strike="noStrike">
+                <a:solidFill>
+                  <a:srgbClr val="000000"/>
+                </a:solidFill>
+                <a:effectLst/>
+                <a:uFillTx/>
+                <a:latin typeface="Arial"/>
+                <a:ea typeface="SimSun"/>
+              </a:rPr>
+              <a:t>Thresholding = 0.002</a:t>
+            </a:r>
+            <a:endParaRPr lang="en-US" sz="1400" b="0" u="none" strike="noStrike">
+              <a:solidFill>
+                <a:srgbClr val="000000"/>
+              </a:solidFill>
+              <a:effectLst/>
+              <a:uFillTx/>
+              <a:latin typeface="Arial"/>
+            </a:endParaRPr>
+          </a:p>
+          <a:p>
+            <a:pPr defTabSz="914400">
+              <a:lnSpc>
+                <a:spcPct val="100000"/>
+              </a:lnSpc>
+            </a:pPr>
+            <a:r>
+              <a:rPr lang="en-US" sz="1400" b="1" u="none" strike="noStrike">
+                <a:solidFill>
+                  <a:srgbClr val="000000"/>
+                </a:solidFill>
+                <a:effectLst/>
+                <a:uFillTx/>
+                <a:latin typeface="Arial"/>
+                <a:ea typeface="SimSun"/>
+              </a:rPr>
+              <a:t>margin um = 0.5</a:t>
+            </a:r>
+            <a:endParaRPr lang="en-US" sz="1400" b="0" u="none" strike="noStrike">
+              <a:solidFill>
+                <a:srgbClr val="000000"/>
+              </a:solidFill>
+              <a:effectLst/>
+              <a:uFillTx/>
+              <a:latin typeface="Arial"/>
+            </a:endParaRPr>
+          </a:p>
+          <a:p>
+            <a:pPr defTabSz="914400">
+              <a:lnSpc>
+                <a:spcPct val="100000"/>
+              </a:lnSpc>
+            </a:pPr>
+            <a:r>
+              <a:rPr lang="en-US" sz="1400" b="1" u="none" strike="noStrike">
+                <a:solidFill>
+                  <a:srgbClr val="000000"/>
+                </a:solidFill>
+                <a:effectLst/>
+                <a:uFillTx/>
+                <a:latin typeface="Arial"/>
+                <a:ea typeface="SimSun"/>
+              </a:rPr>
+              <a:t>overlap alpha = 0.4</a:t>
+            </a:r>
+            <a:endParaRPr lang="en-US" sz="1400" b="0" u="none" strike="noStrike">
+              <a:solidFill>
+                <a:srgbClr val="000000"/>
+              </a:solidFill>
+              <a:effectLst/>
+              <a:uFillTx/>
+              <a:latin typeface="Arial"/>
+            </a:endParaRPr>
+          </a:p>
+          <a:p>
+            <a:pPr defTabSz="914400">
+              <a:lnSpc>
+                <a:spcPct val="100000"/>
+              </a:lnSpc>
+            </a:pPr>
+            <a:r>
+              <a:rPr lang="en-US" sz="1400" b="1" u="none" strike="noStrike">
+                <a:solidFill>
+                  <a:srgbClr val="000000"/>
+                </a:solidFill>
+                <a:effectLst/>
+                <a:uFillTx/>
+                <a:latin typeface="Arial"/>
+                <a:ea typeface="SimSun"/>
+              </a:rPr>
+              <a:t>viz min voxels = 2000</a:t>
+            </a:r>
+            <a:endParaRPr lang="en-US" sz="1400" b="0" u="none" strike="noStrike">
+              <a:solidFill>
+                <a:srgbClr val="000000"/>
+              </a:solidFill>
+              <a:effectLst/>
+              <a:uFillTx/>
+              <a:latin typeface="Arial"/>
+            </a:endParaRPr>
+          </a:p>
+          <a:p>
+            <a:pPr defTabSz="914400">
+              <a:lnSpc>
+                <a:spcPct val="100000"/>
+              </a:lnSpc>
+            </a:pPr>
+            <a:r>
+              <a:rPr lang="en-US" sz="1400" b="1" u="none" strike="noStrike">
+                <a:solidFill>
+                  <a:srgbClr val="000000"/>
+                </a:solidFill>
+                <a:effectLst/>
+                <a:uFillTx/>
+                <a:latin typeface="Arial"/>
+                <a:ea typeface="SimSun"/>
+              </a:rPr>
+              <a:t>CLOSING = 6</a:t>
+            </a:r>
+            <a:endParaRPr lang="en-US" sz="1400" b="0" u="none" strike="noStrike">
+              <a:solidFill>
+                <a:srgbClr val="000000"/>
+              </a:solidFill>
+              <a:effectLst/>
+              <a:uFillTx/>
+              <a:latin typeface="Arial"/>
+            </a:endParaRPr>
+          </a:p>
+          <a:p>
+            <a:pPr defTabSz="914400">
+              <a:lnSpc>
+                <a:spcPct val="100000"/>
+              </a:lnSpc>
+            </a:pPr>
+            <a:r>
+              <a:rPr lang="en-US" sz="1400" b="1" u="none" strike="noStrike">
+                <a:solidFill>
+                  <a:srgbClr val="000000"/>
+                </a:solidFill>
+                <a:effectLst/>
+                <a:uFillTx/>
+                <a:latin typeface="Arial"/>
+                <a:ea typeface="SimSun"/>
+              </a:rPr>
+              <a:t>max_gap_UM = 4</a:t>
+            </a:r>
+            <a:endParaRPr lang="en-US" sz="1400" b="0" u="none" strike="noStrike">
+              <a:solidFill>
+                <a:srgbClr val="000000"/>
+              </a:solidFill>
+              <a:effectLst/>
+              <a:uFillTx/>
+              <a:latin typeface="Arial"/>
+            </a:endParaRPr>
+          </a:p>
+          <a:p>
+            <a:pPr defTabSz="914400">
+              <a:lnSpc>
+                <a:spcPct val="100000"/>
+              </a:lnSpc>
+            </a:pPr>
+            <a:endParaRPr lang="en-US" sz="1800" b="0" u="none" strike="noStrike">
+              <a:solidFill>
+                <a:srgbClr val="000000"/>
+              </a:solidFill>
+              <a:effectLst/>
+              <a:uFillTx/>
+              <a:latin typeface="Arial"/>
+            </a:endParaRPr>
+          </a:p>
+        </p:txBody>
+      </p:sp>
     </p:spTree>
   </p:cSld>
   <mc:AlternateContent>
@@ -7793,7 +8133,7 @@
                 <a:uFillTx/>
                 <a:latin typeface="Arial"/>
               </a:rPr>
-              <a:t>0H 3</a:t>
+              <a:t>0H 2</a:t>
             </a:r>
             <a:endParaRPr lang="en-US" sz="4400" b="0" u="none" strike="noStrike">
               <a:solidFill>
@@ -7806,245 +8146,54 @@
           </a:p>
         </p:txBody>
       </p:sp>
-      <p:sp>
-        <p:nvSpPr>
-          <p:cNvPr id="113" name="Rectangles 111"/>
-          <p:cNvSpPr/>
+      <p:pic>
+        <p:nvPicPr>
+          <p:cNvPr id="113" name="Picture 108"/>
+          <p:cNvPicPr/>
           <p:nvPr/>
-        </p:nvSpPr>
+        </p:nvPicPr>
+        <p:blipFill>
+          <a:blip r:embed="rId1"/>
+          <a:stretch/>
+        </p:blipFill>
         <p:spPr>
           <a:xfrm>
-            <a:off x="360" y="1143360"/>
-            <a:ext cx="2509560" cy="5252760"/>
+            <a:off x="457200" y="914400"/>
+            <a:ext cx="4959360" cy="5256360"/>
           </a:xfrm>
           <a:prstGeom prst="rect">
             <a:avLst/>
           </a:prstGeom>
-          <a:solidFill>
-            <a:srgbClr val="729fcf"/>
-          </a:solidFill>
+          <a:noFill/>
           <a:ln w="0">
-            <a:solidFill>
-              <a:srgbClr val="3465a4"/>
-            </a:solidFill>
+            <a:noFill/>
           </a:ln>
         </p:spPr>
-        <p:style>
-          <a:lnRef idx="0"/>
-          <a:fillRef idx="0"/>
-          <a:effectRef idx="0"/>
-          <a:fontRef idx="minor"/>
-        </p:style>
-        <p:txBody>
-          <a:bodyPr lIns="90000" rIns="90000" tIns="45000" bIns="45000" anchor="ctr">
-            <a:noAutofit/>
-          </a:bodyPr>
-          <a:p>
-            <a:pPr defTabSz="914400">
-              <a:lnSpc>
-                <a:spcPct val="100000"/>
-              </a:lnSpc>
-            </a:pPr>
-            <a:r>
-              <a:rPr lang="en-US" sz="1400" b="1" u="none" strike="noStrike">
-                <a:solidFill>
-                  <a:srgbClr val="000000"/>
-                </a:solidFill>
-                <a:effectLst/>
-                <a:uFillTx/>
-                <a:latin typeface="Arial"/>
-                <a:ea typeface="SimSun"/>
-              </a:rPr>
-              <a:t>Erosion = 4</a:t>
-            </a:r>
-            <a:endParaRPr lang="en-US" sz="1400" b="0" u="none" strike="noStrike">
-              <a:solidFill>
-                <a:srgbClr val="000000"/>
-              </a:solidFill>
-              <a:effectLst/>
-              <a:uFillTx/>
-              <a:latin typeface="Arial"/>
-            </a:endParaRPr>
-          </a:p>
-          <a:p>
-            <a:pPr defTabSz="914400">
-              <a:lnSpc>
-                <a:spcPct val="100000"/>
-              </a:lnSpc>
-            </a:pPr>
-            <a:r>
-              <a:rPr lang="en-US" sz="1400" b="1" u="none" strike="noStrike">
-                <a:solidFill>
-                  <a:srgbClr val="000000"/>
-                </a:solidFill>
-                <a:effectLst/>
-                <a:uFillTx/>
-                <a:latin typeface="Arial"/>
-                <a:ea typeface="SimSun"/>
-              </a:rPr>
-              <a:t>Thresholding = 0.001</a:t>
-            </a:r>
-            <a:endParaRPr lang="en-US" sz="1400" b="0" u="none" strike="noStrike">
-              <a:solidFill>
-                <a:srgbClr val="000000"/>
-              </a:solidFill>
-              <a:effectLst/>
-              <a:uFillTx/>
-              <a:latin typeface="Arial"/>
-            </a:endParaRPr>
-          </a:p>
-          <a:p>
-            <a:pPr defTabSz="914400">
-              <a:lnSpc>
-                <a:spcPct val="100000"/>
-              </a:lnSpc>
-            </a:pPr>
-            <a:r>
-              <a:rPr lang="en-US" sz="1400" b="1" u="none" strike="noStrike">
-                <a:solidFill>
-                  <a:srgbClr val="000000"/>
-                </a:solidFill>
-                <a:effectLst/>
-                <a:uFillTx/>
-                <a:latin typeface="Arial"/>
-                <a:ea typeface="SimSun"/>
-              </a:rPr>
-              <a:t>margin um = 0.5</a:t>
-            </a:r>
-            <a:endParaRPr lang="en-US" sz="1400" b="0" u="none" strike="noStrike">
-              <a:solidFill>
-                <a:srgbClr val="000000"/>
-              </a:solidFill>
-              <a:effectLst/>
-              <a:uFillTx/>
-              <a:latin typeface="Arial"/>
-            </a:endParaRPr>
-          </a:p>
-          <a:p>
-            <a:pPr defTabSz="914400">
-              <a:lnSpc>
-                <a:spcPct val="100000"/>
-              </a:lnSpc>
-            </a:pPr>
-            <a:r>
-              <a:rPr lang="en-US" sz="1400" b="1" u="none" strike="noStrike">
-                <a:solidFill>
-                  <a:srgbClr val="000000"/>
-                </a:solidFill>
-                <a:effectLst/>
-                <a:uFillTx/>
-                <a:latin typeface="Arial"/>
-                <a:ea typeface="SimSun"/>
-              </a:rPr>
-              <a:t>overlap alpha = 0.4</a:t>
-            </a:r>
-            <a:endParaRPr lang="en-US" sz="1400" b="0" u="none" strike="noStrike">
-              <a:solidFill>
-                <a:srgbClr val="000000"/>
-              </a:solidFill>
-              <a:effectLst/>
-              <a:uFillTx/>
-              <a:latin typeface="Arial"/>
-            </a:endParaRPr>
-          </a:p>
-          <a:p>
-            <a:pPr defTabSz="914400">
-              <a:lnSpc>
-                <a:spcPct val="100000"/>
-              </a:lnSpc>
-            </a:pPr>
-            <a:r>
-              <a:rPr lang="en-US" sz="1400" b="1" u="none" strike="noStrike">
-                <a:solidFill>
-                  <a:srgbClr val="000000"/>
-                </a:solidFill>
-                <a:effectLst/>
-                <a:uFillTx/>
-                <a:latin typeface="Arial"/>
-                <a:ea typeface="SimSun"/>
-              </a:rPr>
-              <a:t>viz min voxels = 2000</a:t>
-            </a:r>
-            <a:endParaRPr lang="en-US" sz="1400" b="0" u="none" strike="noStrike">
-              <a:solidFill>
-                <a:srgbClr val="000000"/>
-              </a:solidFill>
-              <a:effectLst/>
-              <a:uFillTx/>
-              <a:latin typeface="Arial"/>
-            </a:endParaRPr>
-          </a:p>
-          <a:p>
-            <a:pPr defTabSz="914400">
-              <a:lnSpc>
-                <a:spcPct val="100000"/>
-              </a:lnSpc>
-            </a:pPr>
-            <a:r>
-              <a:rPr lang="en-US" sz="1400" b="1" u="none" strike="noStrike">
-                <a:solidFill>
-                  <a:srgbClr val="000000"/>
-                </a:solidFill>
-                <a:effectLst/>
-                <a:uFillTx/>
-                <a:latin typeface="Arial"/>
-                <a:ea typeface="SimSun"/>
-              </a:rPr>
-              <a:t>CLOSING = 9</a:t>
-            </a:r>
-            <a:endParaRPr lang="en-US" sz="1400" b="0" u="none" strike="noStrike">
-              <a:solidFill>
-                <a:srgbClr val="000000"/>
-              </a:solidFill>
-              <a:effectLst/>
-              <a:uFillTx/>
-              <a:latin typeface="Arial"/>
-            </a:endParaRPr>
-          </a:p>
-          <a:p>
-            <a:pPr defTabSz="914400">
-              <a:lnSpc>
-                <a:spcPct val="100000"/>
-              </a:lnSpc>
-            </a:pPr>
-            <a:r>
-              <a:rPr lang="en-US" sz="1400" b="1" u="none" strike="noStrike">
-                <a:solidFill>
-                  <a:srgbClr val="000000"/>
-                </a:solidFill>
-                <a:effectLst/>
-                <a:uFillTx/>
-                <a:latin typeface="Arial"/>
-                <a:ea typeface="SimSun"/>
-              </a:rPr>
-              <a:t>max_gap_UM = 3</a:t>
-            </a:r>
-            <a:endParaRPr lang="en-US" sz="1400" b="0" u="none" strike="noStrike">
-              <a:solidFill>
-                <a:srgbClr val="000000"/>
-              </a:solidFill>
-              <a:effectLst/>
-              <a:uFillTx/>
-              <a:latin typeface="Arial"/>
-            </a:endParaRPr>
-          </a:p>
-          <a:p>
-            <a:pPr defTabSz="914400">
-              <a:lnSpc>
-                <a:spcPct val="100000"/>
-              </a:lnSpc>
-            </a:pPr>
-            <a:endParaRPr lang="en-US" sz="1800" b="0" u="none" strike="noStrike">
-              <a:solidFill>
-                <a:srgbClr val="000000"/>
-              </a:solidFill>
-              <a:effectLst/>
-              <a:uFillTx/>
-              <a:latin typeface="Arial"/>
-            </a:endParaRPr>
-          </a:p>
-        </p:txBody>
-      </p:sp>
+      </p:pic>
+      <p:pic>
+        <p:nvPicPr>
+          <p:cNvPr id="114" name="Picture 109"/>
+          <p:cNvPicPr/>
+          <p:nvPr/>
+        </p:nvPicPr>
+        <p:blipFill>
+          <a:blip r:embed="rId2"/>
+          <a:stretch/>
+        </p:blipFill>
+        <p:spPr>
+          <a:xfrm>
+            <a:off x="5718600" y="951840"/>
+            <a:ext cx="4338360" cy="5223600"/>
+          </a:xfrm>
+          <a:prstGeom prst="rect">
+            <a:avLst/>
+          </a:prstGeom>
+          <a:noFill/>
+          <a:ln w="0">
+            <a:noFill/>
+          </a:ln>
+        </p:spPr>
+      </p:pic>
     </p:spTree>
   </p:cSld>
   <mc:AlternateContent>
@@ -8077,7 +8226,7 @@
       </p:grpSpPr>
       <p:sp>
         <p:nvSpPr>
-          <p:cNvPr id="114" name="PlaceHolder 1"/>
+          <p:cNvPr id="115" name="PlaceHolder 1"/>
           <p:cNvSpPr>
             <a:spLocks noGrp="1"/>
           </p:cNvSpPr>
@@ -8134,9 +8283,337 @@
           </a:p>
         </p:txBody>
       </p:sp>
+      <p:sp>
+        <p:nvSpPr>
+          <p:cNvPr id="116" name="Rectangles 111"/>
+          <p:cNvSpPr/>
+          <p:nvPr/>
+        </p:nvSpPr>
+        <p:spPr>
+          <a:xfrm>
+            <a:off x="360" y="1143360"/>
+            <a:ext cx="2509560" cy="5252760"/>
+          </a:xfrm>
+          <a:prstGeom prst="rect">
+            <a:avLst/>
+          </a:prstGeom>
+          <a:solidFill>
+            <a:srgbClr val="729fcf"/>
+          </a:solidFill>
+          <a:ln w="0">
+            <a:solidFill>
+              <a:srgbClr val="3465a4"/>
+            </a:solidFill>
+          </a:ln>
+        </p:spPr>
+        <p:style>
+          <a:lnRef idx="0"/>
+          <a:fillRef idx="0"/>
+          <a:effectRef idx="0"/>
+          <a:fontRef idx="minor"/>
+        </p:style>
+        <p:txBody>
+          <a:bodyPr lIns="90000" rIns="90000" tIns="45000" bIns="45000" anchor="ctr">
+            <a:noAutofit/>
+          </a:bodyPr>
+          <a:p>
+            <a:pPr defTabSz="914400">
+              <a:lnSpc>
+                <a:spcPct val="100000"/>
+              </a:lnSpc>
+            </a:pPr>
+            <a:r>
+              <a:rPr lang="en-US" sz="1400" b="1" u="none" strike="noStrike">
+                <a:solidFill>
+                  <a:srgbClr val="000000"/>
+                </a:solidFill>
+                <a:effectLst/>
+                <a:uFillTx/>
+                <a:latin typeface="Arial"/>
+                <a:ea typeface="SimSun"/>
+              </a:rPr>
+              <a:t>Erosion = 4</a:t>
+            </a:r>
+            <a:endParaRPr lang="en-US" sz="1400" b="0" u="none" strike="noStrike">
+              <a:solidFill>
+                <a:srgbClr val="000000"/>
+              </a:solidFill>
+              <a:effectLst/>
+              <a:uFillTx/>
+              <a:latin typeface="Arial"/>
+            </a:endParaRPr>
+          </a:p>
+          <a:p>
+            <a:pPr defTabSz="914400">
+              <a:lnSpc>
+                <a:spcPct val="100000"/>
+              </a:lnSpc>
+            </a:pPr>
+            <a:r>
+              <a:rPr lang="en-US" sz="1400" b="1" u="none" strike="noStrike">
+                <a:solidFill>
+                  <a:srgbClr val="000000"/>
+                </a:solidFill>
+                <a:effectLst/>
+                <a:uFillTx/>
+                <a:latin typeface="Arial"/>
+                <a:ea typeface="SimSun"/>
+              </a:rPr>
+              <a:t>Thresholding = 0.001</a:t>
+            </a:r>
+            <a:endParaRPr lang="en-US" sz="1400" b="0" u="none" strike="noStrike">
+              <a:solidFill>
+                <a:srgbClr val="000000"/>
+              </a:solidFill>
+              <a:effectLst/>
+              <a:uFillTx/>
+              <a:latin typeface="Arial"/>
+            </a:endParaRPr>
+          </a:p>
+          <a:p>
+            <a:pPr defTabSz="914400">
+              <a:lnSpc>
+                <a:spcPct val="100000"/>
+              </a:lnSpc>
+            </a:pPr>
+            <a:r>
+              <a:rPr lang="en-US" sz="1400" b="1" u="none" strike="noStrike">
+                <a:solidFill>
+                  <a:srgbClr val="000000"/>
+                </a:solidFill>
+                <a:effectLst/>
+                <a:uFillTx/>
+                <a:latin typeface="Arial"/>
+                <a:ea typeface="SimSun"/>
+              </a:rPr>
+              <a:t>margin um = 0.5</a:t>
+            </a:r>
+            <a:endParaRPr lang="en-US" sz="1400" b="0" u="none" strike="noStrike">
+              <a:solidFill>
+                <a:srgbClr val="000000"/>
+              </a:solidFill>
+              <a:effectLst/>
+              <a:uFillTx/>
+              <a:latin typeface="Arial"/>
+            </a:endParaRPr>
+          </a:p>
+          <a:p>
+            <a:pPr defTabSz="914400">
+              <a:lnSpc>
+                <a:spcPct val="100000"/>
+              </a:lnSpc>
+            </a:pPr>
+            <a:r>
+              <a:rPr lang="en-US" sz="1400" b="1" u="none" strike="noStrike">
+                <a:solidFill>
+                  <a:srgbClr val="000000"/>
+                </a:solidFill>
+                <a:effectLst/>
+                <a:uFillTx/>
+                <a:latin typeface="Arial"/>
+                <a:ea typeface="SimSun"/>
+              </a:rPr>
+              <a:t>overlap alpha = 0.4</a:t>
+            </a:r>
+            <a:endParaRPr lang="en-US" sz="1400" b="0" u="none" strike="noStrike">
+              <a:solidFill>
+                <a:srgbClr val="000000"/>
+              </a:solidFill>
+              <a:effectLst/>
+              <a:uFillTx/>
+              <a:latin typeface="Arial"/>
+            </a:endParaRPr>
+          </a:p>
+          <a:p>
+            <a:pPr defTabSz="914400">
+              <a:lnSpc>
+                <a:spcPct val="100000"/>
+              </a:lnSpc>
+            </a:pPr>
+            <a:r>
+              <a:rPr lang="en-US" sz="1400" b="1" u="none" strike="noStrike">
+                <a:solidFill>
+                  <a:srgbClr val="000000"/>
+                </a:solidFill>
+                <a:effectLst/>
+                <a:uFillTx/>
+                <a:latin typeface="Arial"/>
+                <a:ea typeface="SimSun"/>
+              </a:rPr>
+              <a:t>viz min voxels = 2000</a:t>
+            </a:r>
+            <a:endParaRPr lang="en-US" sz="1400" b="0" u="none" strike="noStrike">
+              <a:solidFill>
+                <a:srgbClr val="000000"/>
+              </a:solidFill>
+              <a:effectLst/>
+              <a:uFillTx/>
+              <a:latin typeface="Arial"/>
+            </a:endParaRPr>
+          </a:p>
+          <a:p>
+            <a:pPr defTabSz="914400">
+              <a:lnSpc>
+                <a:spcPct val="100000"/>
+              </a:lnSpc>
+            </a:pPr>
+            <a:r>
+              <a:rPr lang="en-US" sz="1400" b="1" u="none" strike="noStrike">
+                <a:solidFill>
+                  <a:srgbClr val="000000"/>
+                </a:solidFill>
+                <a:effectLst/>
+                <a:uFillTx/>
+                <a:latin typeface="Arial"/>
+                <a:ea typeface="SimSun"/>
+              </a:rPr>
+              <a:t>CLOSING = 9</a:t>
+            </a:r>
+            <a:endParaRPr lang="en-US" sz="1400" b="0" u="none" strike="noStrike">
+              <a:solidFill>
+                <a:srgbClr val="000000"/>
+              </a:solidFill>
+              <a:effectLst/>
+              <a:uFillTx/>
+              <a:latin typeface="Arial"/>
+            </a:endParaRPr>
+          </a:p>
+          <a:p>
+            <a:pPr defTabSz="914400">
+              <a:lnSpc>
+                <a:spcPct val="100000"/>
+              </a:lnSpc>
+            </a:pPr>
+            <a:r>
+              <a:rPr lang="en-US" sz="1400" b="1" u="none" strike="noStrike">
+                <a:solidFill>
+                  <a:srgbClr val="000000"/>
+                </a:solidFill>
+                <a:effectLst/>
+                <a:uFillTx/>
+                <a:latin typeface="Arial"/>
+                <a:ea typeface="SimSun"/>
+              </a:rPr>
+              <a:t>max_gap_UM = 3</a:t>
+            </a:r>
+            <a:endParaRPr lang="en-US" sz="1400" b="0" u="none" strike="noStrike">
+              <a:solidFill>
+                <a:srgbClr val="000000"/>
+              </a:solidFill>
+              <a:effectLst/>
+              <a:uFillTx/>
+              <a:latin typeface="Arial"/>
+            </a:endParaRPr>
+          </a:p>
+          <a:p>
+            <a:pPr defTabSz="914400">
+              <a:lnSpc>
+                <a:spcPct val="100000"/>
+              </a:lnSpc>
+            </a:pPr>
+            <a:endParaRPr lang="en-US" sz="1800" b="0" u="none" strike="noStrike">
+              <a:solidFill>
+                <a:srgbClr val="000000"/>
+              </a:solidFill>
+              <a:effectLst/>
+              <a:uFillTx/>
+              <a:latin typeface="Arial"/>
+            </a:endParaRPr>
+          </a:p>
+        </p:txBody>
+      </p:sp>
+    </p:spTree>
+  </p:cSld>
+  <mc:AlternateContent>
+    <mc:Choice Requires="p14">
+      <p:transition spd="slow" p14:dur="2000"/>
+    </mc:Choice>
+    <mc:Fallback>
+      <p:transition spd="slow"/>
+    </mc:Fallback>
+  </mc:AlternateContent>
+</p:sld>
+</file>
+
+<file path=ppt/slides/slide18.xml><?xml version="1.0" encoding="utf-8"?>
+<p:sld xmlns:a="http://schemas.openxmlformats.org/drawingml/2006/main" xmlns:p="http://schemas.openxmlformats.org/presentationml/2006/main" xmlns:r="http://schemas.openxmlformats.org/officeDocument/2006/relationships" xmlns:p14="http://schemas.microsoft.com/office/powerpoint/2010/main" xmlns:p15="http://schemas.microsoft.com/office/powerpoint/2012/main" xmlns:mc="http://schemas.openxmlformats.org/markup-compatibility/2006">
+  <p:cSld>
+    <p:spTree>
+      <p:nvGrpSpPr>
+        <p:cNvPr id="1" name=""/>
+        <p:cNvGrpSpPr/>
+        <p:nvPr/>
+      </p:nvGrpSpPr>
+      <p:grpSpPr>
+        <a:xfrm>
+          <a:off x="0" y="0"/>
+          <a:ext cx="0" cy="0"/>
+          <a:chOff x="0" y="0"/>
+          <a:chExt cx="0" cy="0"/>
+        </a:xfrm>
+      </p:grpSpPr>
+      <p:sp>
+        <p:nvSpPr>
+          <p:cNvPr id="117" name="PlaceHolder 1"/>
+          <p:cNvSpPr>
+            <a:spLocks noGrp="1"/>
+          </p:cNvSpPr>
+          <p:nvPr>
+            <p:ph type="title"/>
+          </p:nvPr>
+        </p:nvSpPr>
+        <p:spPr>
+          <a:xfrm>
+            <a:off x="609480" y="140040"/>
+            <a:ext cx="10964880" cy="675720"/>
+          </a:xfrm>
+          <a:prstGeom prst="rect">
+            <a:avLst/>
+          </a:prstGeom>
+          <a:noFill/>
+          <a:ln w="0">
+            <a:noFill/>
+          </a:ln>
+        </p:spPr>
+        <p:txBody>
+          <a:bodyPr lIns="0" rIns="0" tIns="0" bIns="0" anchor="ctr">
+            <a:spAutoFit/>
+          </a:bodyPr>
+          <a:p>
+            <a:pPr indent="0" algn="ctr">
+              <a:lnSpc>
+                <a:spcPct val="100000"/>
+              </a:lnSpc>
+              <a:buNone/>
+              <a:tabLst>
+                <a:tab algn="l" pos="0"/>
+              </a:tabLst>
+            </a:pPr>
+            <a:r>
+              <a:rPr lang="en-US" sz="4400" b="1" u="none" strike="noStrike">
+                <a:solidFill>
+                  <a:srgbClr val="ff0000"/>
+                </a:solidFill>
+                <a:effectLst/>
+                <a:uFillTx/>
+                <a:latin typeface="Arial"/>
+              </a:rPr>
+              <a:t>0H 3</a:t>
+            </a:r>
+            <a:endParaRPr lang="en-US" sz="4400" b="0" u="none" strike="noStrike">
+              <a:solidFill>
+                <a:srgbClr val="000000"/>
+              </a:solidFill>
+              <a:effectLst/>
+              <a:uFillTx/>
+              <a:latin typeface="Arial"/>
+            </a:endParaRPr>
+          </a:p>
+        </p:txBody>
+      </p:sp>
       <p:pic>
         <p:nvPicPr>
-          <p:cNvPr id="115" name="Picture 115"/>
+          <p:cNvPr id="118" name="Picture 115"/>
           <p:cNvPicPr/>
           <p:nvPr/>
         </p:nvPicPr>
@@ -8160,7 +8637,7 @@
       </p:pic>
       <p:pic>
         <p:nvPicPr>
-          <p:cNvPr id="116" name="Picture 116"/>
+          <p:cNvPr id="119" name="Picture 116"/>
           <p:cNvPicPr/>
           <p:nvPr/>
         </p:nvPicPr>
@@ -8370,7 +8847,7 @@
         <p:spPr>
           <a:xfrm>
             <a:off x="228600" y="685800"/>
-            <a:ext cx="11655000" cy="8327880"/>
+            <a:ext cx="11655000" cy="9092880"/>
           </a:xfrm>
           <a:prstGeom prst="rect">
             <a:avLst/>
@@ -8490,7 +8967,7 @@
                 <a:latin typeface="Arial"/>
                 <a:ea typeface="SimSun"/>
               </a:rPr>
-              <a:t>Intensity minimum fraction </a:t>
+              <a:t>Intensity minimum fraction</a:t>
             </a:r>
             <a:endParaRPr lang="en-US" sz="3200" b="0" u="none" strike="noStrike">
               <a:solidFill>
@@ -8529,7 +9006,7 @@
                 <a:latin typeface="Arial"/>
                 <a:ea typeface="SimSun"/>
               </a:rPr>
-              <a:t>Threshold block size</a:t>
+              <a:t> Local Threshold</a:t>
             </a:r>
             <a:endParaRPr lang="en-US" sz="3200" b="0" u="none" strike="noStrike">
               <a:solidFill>
@@ -8541,7 +9018,7 @@
             </a:endParaRPr>
           </a:p>
           <a:p>
-            <a:pPr marL="432000" lvl="1" indent="-216000">
+            <a:pPr marL="648000" lvl="2" indent="-216000">
               <a:lnSpc>
                 <a:spcPct val="100000"/>
               </a:lnSpc>
@@ -8555,8 +9032,47 @@
                 <a:srgbClr val="000000"/>
               </a:buClr>
               <a:buSzPct val="45000"/>
-              <a:buFont typeface="Wingdings" charset="2"/>
-              <a:buChar char=""/>
+              <a:buFont typeface="OpenSymbol"/>
+              <a:buChar char="▪"/>
+            </a:pPr>
+            <a:r>
+              <a:rPr lang="en-US" sz="3200" b="0" u="none" strike="noStrike">
+                <a:solidFill>
+                  <a:srgbClr val="000000"/>
+                </a:solidFill>
+                <a:effectLst/>
+                <a:uFillTx/>
+                <a:latin typeface="Arial"/>
+                <a:ea typeface="SimSun"/>
+              </a:rPr>
+              <a:t>Threshold block size</a:t>
+            </a:r>
+            <a:endParaRPr lang="en-US" sz="3200" b="0" u="none" strike="noStrike">
+              <a:solidFill>
+                <a:srgbClr val="000000"/>
+              </a:solidFill>
+              <a:effectLst/>
+              <a:uFillTx/>
+              <a:latin typeface="Arial"/>
+            </a:endParaRPr>
+          </a:p>
+          <a:p>
+            <a:pPr marL="648000" lvl="2" indent="-216000">
+              <a:lnSpc>
+                <a:spcPct val="100000"/>
+              </a:lnSpc>
+              <a:spcBef>
+                <a:spcPts val="1191"/>
+              </a:spcBef>
+              <a:spcAft>
+                <a:spcPts val="992"/>
+              </a:spcAft>
+              <a:buClr>
+                <a:srgbClr val="000000"/>
+              </a:buClr>
+              <a:buSzPct val="45000"/>
+              <a:buFont typeface="OpenSymbol"/>
+              <a:buChar char="▪"/>
             </a:pPr>
             <a:r>
               <a:rPr lang="en-US" sz="3200" b="0" u="none" strike="noStrike">

--- a/UPDATE 19-2.pptx
+++ b/UPDATE 19-2.pptx
@@ -23,6 +23,7 @@
     <p:sldId id="271" r:id="rId18"/>
     <p:sldId id="272" r:id="rId19"/>
     <p:sldId id="273" r:id="rId20"/>
+    <p:sldId id="274" r:id="rId21"/>
   </p:sldIdLst>
   <p:sldSz cx="12192000" cy="6858000"/>
   <p:notesSz cx="7559675" cy="10691813"/>
@@ -6363,7 +6364,7 @@
         <p:spPr>
           <a:xfrm>
             <a:off x="228600" y="685800"/>
-            <a:ext cx="11655000" cy="7578720"/>
+            <a:ext cx="11655000" cy="3948120"/>
           </a:xfrm>
           <a:prstGeom prst="rect">
             <a:avLst/>
@@ -6399,7 +6400,7 @@
                 <a:latin typeface="Arial"/>
                 <a:ea typeface="SimSun"/>
               </a:rPr>
-              <a:t>A) Intensity-aware bridging(straight bridge + intensity check) </a:t>
+              <a:t>How big is the neighborhood we look at?</a:t>
             </a:r>
             <a:endParaRPr lang="en-US" sz="1800" b="0" u="none" strike="noStrike">
               <a:solidFill>
@@ -6432,83 +6433,7 @@
                 <a:latin typeface="Arial"/>
                 <a:ea typeface="SimSun"/>
               </a:rPr>
-              <a:t>Try to connect two nearby neurite endpoints with a candidate line/tube, only keep the bridge if most of the path stays bright (neurite-like) or reject bridges that pass through dark/background space.</a:t>
-            </a:r>
-            <a:endParaRPr lang="en-US" sz="1800" b="0" u="none" strike="noStrike">
-              <a:solidFill>
-                <a:srgbClr val="000000"/>
-              </a:solidFill>
-              <a:effectLst/>
-              <a:uFillTx/>
-              <a:latin typeface="Arial"/>
-            </a:endParaRPr>
-          </a:p>
-          <a:p>
-            <a:pPr marL="216000" indent="-216000">
-              <a:lnSpc>
-                <a:spcPct val="100000"/>
-              </a:lnSpc>
-              <a:spcBef>
-                <a:spcPts val="624"/>
-              </a:spcBef>
-              <a:spcAft>
-                <a:spcPts val="425"/>
-              </a:spcAft>
-              <a:buClr>
-                <a:srgbClr val="000000"/>
-              </a:buClr>
-              <a:buFont typeface="Wingdings" charset="2"/>
-              <a:buChar char=""/>
-            </a:pPr>
-            <a:r>
-              <a:rPr lang="en-US" sz="1800" b="0" u="none" strike="noStrike">
-                <a:solidFill>
-                  <a:srgbClr val="000000"/>
-                </a:solidFill>
-                <a:effectLst/>
-                <a:uFillTx/>
-                <a:latin typeface="Arial"/>
-                <a:ea typeface="SimSun"/>
-              </a:rPr>
-              <a:t>If the pixels along that line are mostly bright (neurite-like) → accept the bridge.</a:t>
-            </a:r>
-            <a:endParaRPr lang="en-US" sz="1800" b="0" u="none" strike="noStrike">
-              <a:solidFill>
-                <a:srgbClr val="000000"/>
-              </a:solidFill>
-              <a:effectLst/>
-              <a:uFillTx/>
-              <a:latin typeface="Arial"/>
-            </a:endParaRPr>
-          </a:p>
-          <a:p>
-            <a:pPr marL="216000" indent="-216000">
-              <a:lnSpc>
-                <a:spcPct val="100000"/>
-              </a:lnSpc>
-              <a:spcBef>
-                <a:spcPts val="624"/>
-              </a:spcBef>
-              <a:spcAft>
-                <a:spcPts val="425"/>
-              </a:spcAft>
-              <a:buClr>
-                <a:srgbClr val="000000"/>
-              </a:buClr>
-              <a:buFont typeface="Wingdings" charset="2"/>
-              <a:buChar char=""/>
-            </a:pPr>
-            <a:r>
-              <a:rPr lang="en-US" sz="1800" b="0" u="none" strike="noStrike">
-                <a:solidFill>
-                  <a:srgbClr val="000000"/>
-                </a:solidFill>
-                <a:effectLst/>
-                <a:uFillTx/>
-                <a:latin typeface="Arial"/>
-                <a:ea typeface="SimSun"/>
-              </a:rPr>
-              <a:t>If the line goes through dark background → reject it.</a:t>
+              <a:t>Imagine you are deciding:Is this pixel part of a neurite?</a:t>
             </a:r>
             <a:endParaRPr lang="en-US" sz="1800" b="0" u="none" strike="noStrike">
               <a:solidFill>
@@ -6532,16 +6457,16 @@
               </a:spcAft>
             </a:pPr>
             <a:r>
-              <a:rPr lang="en-US" sz="1800" b="1" u="none" strike="noStrike">
-                <a:solidFill>
-                  <a:srgbClr val="2a6099"/>
-                </a:solidFill>
-                <a:effectLst/>
-                <a:uFillTx/>
-                <a:latin typeface="Arial"/>
-                <a:ea typeface="SimSun"/>
-              </a:rPr>
-              <a:t>B) Shortest-path stitching in an intensity cost map </a:t>
+              <a:rPr lang="en-US" sz="1800" b="0" u="none" strike="noStrike">
+                <a:solidFill>
+                  <a:srgbClr val="000000"/>
+                </a:solidFill>
+                <a:effectLst/>
+                <a:uFillTx/>
+                <a:latin typeface="Arial"/>
+                <a:ea typeface="SimSun"/>
+              </a:rPr>
+              <a:t>Instead of comparing it to the whole image, you compare it only to pixels around it. How big that local neighborhood is.</a:t>
             </a:r>
             <a:endParaRPr lang="en-US" sz="1800" b="0" u="none" strike="noStrike">
               <a:solidFill>
@@ -6565,7 +6490,7 @@
               </a:spcAft>
             </a:pPr>
             <a:r>
-              <a:rPr lang="en-US" sz="1800" b="0" u="none" strike="noStrike">
+              <a:rPr lang="en-US" sz="2000" b="1" u="none" strike="noStrike">
                 <a:solidFill>
                   <a:srgbClr val="000000"/>
                 </a:solidFill>
@@ -6574,9 +6499,21 @@
                 <a:latin typeface="Arial"/>
                 <a:ea typeface="SimSun"/>
               </a:rPr>
-              <a:t>Instead of a straight line, search for a path between endpoints in a small region, make bright pixels “cheap” to pass and dark pixels “expensive.”</a:t>
-            </a:r>
-            <a:endParaRPr lang="en-US" sz="1800" b="0" u="none" strike="noStrike">
+              <a:t>Example:</a:t>
+            </a:r>
+            <a:r>
+              <a:rPr lang="en-US" sz="2000" b="0" u="none" strike="noStrike">
+                <a:solidFill>
+                  <a:srgbClr val="000000"/>
+                </a:solidFill>
+                <a:effectLst/>
+                <a:uFillTx/>
+                <a:latin typeface="Arial"/>
+                <a:ea typeface="SimSun"/>
+              </a:rPr>
+              <a:t> block_size = 3-&gt;Each pixel is compared to the average of a 3 × 3 square around it.</a:t>
+            </a:r>
+            <a:endParaRPr lang="en-US" sz="2000" b="0" u="none" strike="noStrike">
               <a:solidFill>
                 <a:srgbClr val="000000"/>
               </a:solidFill>
@@ -6597,19 +6534,7 @@
                 <a:spcPts val="992"/>
               </a:spcAft>
             </a:pPr>
-            <a:r>
-              <a:rPr lang="en-US" sz="1800" b="0" u="none" strike="noStrike">
-                <a:solidFill>
-                  <a:srgbClr val="000000"/>
-                </a:solidFill>
-                <a:effectLst/>
-                <a:uFillTx/>
-                <a:latin typeface="Arial"/>
-                <a:ea typeface="SimSun"/>
-              </a:rPr>
-              <a:t>If a low-cost (bright-following) path exists, connect along it and helps follow curved neurites and avoids dark gaps.</a:t>
-            </a:r>
-            <a:endParaRPr lang="en-US" sz="1800" b="0" u="none" strike="noStrike">
+            <a:endParaRPr lang="en-US" sz="1400" b="0" u="none" strike="noStrike">
               <a:solidFill>
                 <a:srgbClr val="000000"/>
               </a:solidFill>
@@ -6630,29 +6555,17 @@
                 <a:spcPts val="992"/>
               </a:spcAft>
             </a:pPr>
-            <a:r>
-              <a:rPr lang="en-US" sz="1800" b="0" u="none" strike="noStrike">
-                <a:solidFill>
-                  <a:srgbClr val="000000"/>
-                </a:solidFill>
-                <a:effectLst/>
-                <a:uFillTx/>
-                <a:latin typeface="Arial"/>
-                <a:ea typeface="SimSun"/>
-              </a:rPr>
-              <a:t>Then ask: Is there a low-cost path between the two endpoints inside a small box?</a:t>
-            </a:r>
-            <a:endParaRPr lang="en-US" sz="1800" b="0" u="none" strike="noStrike">
-              <a:solidFill>
-                <a:srgbClr val="000000"/>
-              </a:solidFill>
-              <a:effectLst/>
-              <a:uFillTx/>
-              <a:latin typeface="Arial"/>
-            </a:endParaRPr>
-          </a:p>
-          <a:p>
-            <a:pPr marL="216000" indent="-216000">
+            <a:endParaRPr lang="en-US" sz="1400" b="0" u="none" strike="noStrike">
+              <a:solidFill>
+                <a:srgbClr val="000000"/>
+              </a:solidFill>
+              <a:effectLst/>
+              <a:uFillTx/>
+              <a:latin typeface="Arial"/>
+            </a:endParaRPr>
+          </a:p>
+          <a:p>
+            <a:pPr>
               <a:lnSpc>
                 <a:spcPct val="100000"/>
               </a:lnSpc>
@@ -6662,126 +6575,8 @@
               <a:spcAft>
                 <a:spcPts val="992"/>
               </a:spcAft>
-              <a:buClr>
-                <a:srgbClr val="000000"/>
-              </a:buClr>
-              <a:buFont typeface="Wingdings" charset="2"/>
-              <a:buChar char=""/>
-            </a:pPr>
-            <a:r>
-              <a:rPr lang="en-US" sz="1800" b="0" u="none" strike="noStrike">
-                <a:solidFill>
-                  <a:srgbClr val="000000"/>
-                </a:solidFill>
-                <a:effectLst/>
-                <a:uFillTx/>
-                <a:latin typeface="Arial"/>
-                <a:ea typeface="SimSun"/>
-              </a:rPr>
-              <a:t>If yes → connect along that curved path.</a:t>
-            </a:r>
-            <a:endParaRPr lang="en-US" sz="1800" b="0" u="none" strike="noStrike">
-              <a:solidFill>
-                <a:srgbClr val="000000"/>
-              </a:solidFill>
-              <a:effectLst/>
-              <a:uFillTx/>
-              <a:latin typeface="Arial"/>
-            </a:endParaRPr>
-          </a:p>
-          <a:p>
-            <a:pPr marL="216000" indent="-216000">
-              <a:lnSpc>
-                <a:spcPct val="100000"/>
-              </a:lnSpc>
-              <a:spcBef>
-                <a:spcPts val="1191"/>
-              </a:spcBef>
-              <a:spcAft>
-                <a:spcPts val="992"/>
-              </a:spcAft>
-              <a:buClr>
-                <a:srgbClr val="000000"/>
-              </a:buClr>
-              <a:buFont typeface="Wingdings" charset="2"/>
-              <a:buChar char=""/>
-            </a:pPr>
-            <a:r>
-              <a:rPr lang="en-US" sz="1800" b="0" u="none" strike="noStrike">
-                <a:solidFill>
-                  <a:srgbClr val="000000"/>
-                </a:solidFill>
-                <a:effectLst/>
-                <a:uFillTx/>
-                <a:latin typeface="Arial"/>
-                <a:ea typeface="SimSun"/>
-              </a:rPr>
-              <a:t>If the only possible path goes through dark pixels (high cost) → don’t connect.</a:t>
-            </a:r>
-            <a:endParaRPr lang="en-US" sz="1800" b="0" u="none" strike="noStrike">
-              <a:solidFill>
-                <a:srgbClr val="000000"/>
-              </a:solidFill>
-              <a:effectLst/>
-              <a:uFillTx/>
-              <a:latin typeface="Arial"/>
-            </a:endParaRPr>
-          </a:p>
-          <a:p>
-            <a:pPr>
-              <a:lnSpc>
-                <a:spcPct val="100000"/>
-              </a:lnSpc>
-              <a:spcBef>
-                <a:spcPts val="1191"/>
-              </a:spcBef>
-              <a:spcAft>
-                <a:spcPts val="992"/>
-              </a:spcAft>
-            </a:pPr>
-            <a:endParaRPr lang="en-US" sz="1800" b="0" u="none" strike="noStrike">
-              <a:solidFill>
-                <a:srgbClr val="000000"/>
-              </a:solidFill>
-              <a:effectLst/>
-              <a:uFillTx/>
-              <a:latin typeface="Arial"/>
-            </a:endParaRPr>
-          </a:p>
-          <a:p>
-            <a:pPr>
-              <a:lnSpc>
-                <a:spcPct val="100000"/>
-              </a:lnSpc>
-              <a:spcBef>
-                <a:spcPts val="1191"/>
-              </a:spcBef>
-              <a:spcAft>
-                <a:spcPts val="992"/>
-              </a:spcAft>
-            </a:pPr>
-            <a:endParaRPr lang="en-US" sz="1000" b="0" u="none" strike="noStrike">
-              <a:solidFill>
-                <a:srgbClr val="000000"/>
-              </a:solidFill>
-              <a:effectLst/>
-              <a:uFillTx/>
-              <a:latin typeface="Arial"/>
-            </a:endParaRPr>
-          </a:p>
-          <a:p>
-            <a:pPr>
-              <a:lnSpc>
-                <a:spcPct val="100000"/>
-              </a:lnSpc>
-              <a:spcBef>
-                <a:spcPts val="1191"/>
-              </a:spcBef>
-              <a:spcAft>
-                <a:spcPts val="992"/>
-              </a:spcAft>
-            </a:pPr>
-            <a:endParaRPr lang="en-US" sz="2000" b="0" u="none" strike="noStrike">
+            </a:pPr>
+            <a:endParaRPr lang="en-US" sz="1400" b="0" u="none" strike="noStrike">
               <a:solidFill>
                 <a:srgbClr val="000000"/>
               </a:solidFill>
@@ -6857,6 +6652,1116 @@
               <a:t>Threshold block size</a:t>
             </a:r>
             <a:endParaRPr lang="en-US" sz="3200" b="0" u="none" strike="noStrike">
+              <a:solidFill>
+                <a:srgbClr val="000000"/>
+              </a:solidFill>
+              <a:effectLst/>
+              <a:uFillTx/>
+              <a:latin typeface="Arial"/>
+            </a:endParaRPr>
+          </a:p>
+        </p:txBody>
+      </p:sp>
+      <p:sp>
+        <p:nvSpPr>
+          <p:cNvPr id="105" name=""/>
+          <p:cNvSpPr/>
+          <p:nvPr/>
+        </p:nvSpPr>
+        <p:spPr>
+          <a:xfrm>
+            <a:off x="3429000" y="3657600"/>
+            <a:ext cx="685800" cy="685800"/>
+          </a:xfrm>
+          <a:prstGeom prst="rect">
+            <a:avLst/>
+          </a:prstGeom>
+          <a:solidFill>
+            <a:srgbClr val="729fcf"/>
+          </a:solidFill>
+          <a:ln w="0">
+            <a:solidFill>
+              <a:srgbClr val="3465a4"/>
+            </a:solidFill>
+          </a:ln>
+        </p:spPr>
+        <p:style>
+          <a:lnRef idx="0"/>
+          <a:fillRef idx="0"/>
+          <a:effectRef idx="0"/>
+          <a:fontRef idx="minor"/>
+        </p:style>
+        <p:txBody>
+          <a:bodyPr lIns="90000" rIns="90000" tIns="45000" bIns="45000" anchor="ctr">
+            <a:noAutofit/>
+          </a:bodyPr>
+          <a:p>
+            <a:pPr algn="ctr"/>
+            <a:r>
+              <a:rPr lang="en-US" sz="1800" b="0" u="none" strike="noStrike">
+                <a:solidFill>
+                  <a:srgbClr val="000000"/>
+                </a:solidFill>
+                <a:effectLst/>
+                <a:uFillTx/>
+                <a:latin typeface="Arial"/>
+              </a:rPr>
+              <a:t>9</a:t>
+            </a:r>
+            <a:endParaRPr lang="en-US" sz="1800" b="0" u="none" strike="noStrike">
+              <a:solidFill>
+                <a:srgbClr val="000000"/>
+              </a:solidFill>
+              <a:effectLst/>
+              <a:uFillTx/>
+              <a:latin typeface="Arial"/>
+            </a:endParaRPr>
+          </a:p>
+        </p:txBody>
+      </p:sp>
+      <p:sp>
+        <p:nvSpPr>
+          <p:cNvPr id="106" name=""/>
+          <p:cNvSpPr/>
+          <p:nvPr/>
+        </p:nvSpPr>
+        <p:spPr>
+          <a:xfrm>
+            <a:off x="4800960" y="5029200"/>
+            <a:ext cx="685800" cy="685800"/>
+          </a:xfrm>
+          <a:prstGeom prst="rect">
+            <a:avLst/>
+          </a:prstGeom>
+          <a:solidFill>
+            <a:srgbClr val="729fcf"/>
+          </a:solidFill>
+          <a:ln w="0">
+            <a:solidFill>
+              <a:srgbClr val="3465a4"/>
+            </a:solidFill>
+          </a:ln>
+        </p:spPr>
+        <p:style>
+          <a:lnRef idx="0"/>
+          <a:fillRef idx="0"/>
+          <a:effectRef idx="0"/>
+          <a:fontRef idx="minor"/>
+        </p:style>
+        <p:txBody>
+          <a:bodyPr lIns="90000" rIns="90000" tIns="45000" bIns="45000" anchor="ctr">
+            <a:noAutofit/>
+          </a:bodyPr>
+          <a:p>
+            <a:pPr algn="ctr"/>
+            <a:r>
+              <a:rPr lang="en-US" sz="1800" b="0" u="none" strike="noStrike">
+                <a:solidFill>
+                  <a:srgbClr val="000000"/>
+                </a:solidFill>
+                <a:effectLst/>
+                <a:uFillTx/>
+                <a:latin typeface="Arial"/>
+              </a:rPr>
+              <a:t>2</a:t>
+            </a:r>
+            <a:endParaRPr lang="en-US" sz="1800" b="0" u="none" strike="noStrike">
+              <a:solidFill>
+                <a:srgbClr val="000000"/>
+              </a:solidFill>
+              <a:effectLst/>
+              <a:uFillTx/>
+              <a:latin typeface="Arial"/>
+            </a:endParaRPr>
+          </a:p>
+        </p:txBody>
+      </p:sp>
+      <p:sp>
+        <p:nvSpPr>
+          <p:cNvPr id="107" name=""/>
+          <p:cNvSpPr/>
+          <p:nvPr/>
+        </p:nvSpPr>
+        <p:spPr>
+          <a:xfrm>
+            <a:off x="4114800" y="5029200"/>
+            <a:ext cx="685800" cy="685800"/>
+          </a:xfrm>
+          <a:prstGeom prst="rect">
+            <a:avLst/>
+          </a:prstGeom>
+          <a:solidFill>
+            <a:srgbClr val="729fcf"/>
+          </a:solidFill>
+          <a:ln w="0">
+            <a:solidFill>
+              <a:srgbClr val="3465a4"/>
+            </a:solidFill>
+          </a:ln>
+        </p:spPr>
+        <p:style>
+          <a:lnRef idx="0"/>
+          <a:fillRef idx="0"/>
+          <a:effectRef idx="0"/>
+          <a:fontRef idx="minor"/>
+        </p:style>
+        <p:txBody>
+          <a:bodyPr lIns="90000" rIns="90000" tIns="45000" bIns="45000" anchor="ctr">
+            <a:noAutofit/>
+          </a:bodyPr>
+          <a:p>
+            <a:pPr algn="ctr"/>
+            <a:r>
+              <a:rPr lang="en-US" sz="1800" b="0" u="none" strike="noStrike">
+                <a:solidFill>
+                  <a:srgbClr val="000000"/>
+                </a:solidFill>
+                <a:effectLst/>
+                <a:uFillTx/>
+                <a:latin typeface="Arial"/>
+              </a:rPr>
+              <a:t>1</a:t>
+            </a:r>
+            <a:endParaRPr lang="en-US" sz="1800" b="0" u="none" strike="noStrike">
+              <a:solidFill>
+                <a:srgbClr val="000000"/>
+              </a:solidFill>
+              <a:effectLst/>
+              <a:uFillTx/>
+              <a:latin typeface="Arial"/>
+            </a:endParaRPr>
+          </a:p>
+        </p:txBody>
+      </p:sp>
+      <p:sp>
+        <p:nvSpPr>
+          <p:cNvPr id="108" name=""/>
+          <p:cNvSpPr/>
+          <p:nvPr/>
+        </p:nvSpPr>
+        <p:spPr>
+          <a:xfrm>
+            <a:off x="3429360" y="5029200"/>
+            <a:ext cx="685800" cy="685800"/>
+          </a:xfrm>
+          <a:prstGeom prst="rect">
+            <a:avLst/>
+          </a:prstGeom>
+          <a:solidFill>
+            <a:srgbClr val="729fcf"/>
+          </a:solidFill>
+          <a:ln w="0">
+            <a:solidFill>
+              <a:srgbClr val="3465a4"/>
+            </a:solidFill>
+          </a:ln>
+        </p:spPr>
+        <p:style>
+          <a:lnRef idx="0"/>
+          <a:fillRef idx="0"/>
+          <a:effectRef idx="0"/>
+          <a:fontRef idx="minor"/>
+        </p:style>
+        <p:txBody>
+          <a:bodyPr lIns="90000" rIns="90000" tIns="45000" bIns="45000" anchor="ctr">
+            <a:noAutofit/>
+          </a:bodyPr>
+          <a:p>
+            <a:pPr algn="ctr"/>
+            <a:r>
+              <a:rPr lang="en-US" sz="1800" b="0" u="none" strike="noStrike">
+                <a:solidFill>
+                  <a:srgbClr val="000000"/>
+                </a:solidFill>
+                <a:effectLst/>
+                <a:uFillTx/>
+                <a:latin typeface="Arial"/>
+              </a:rPr>
+              <a:t>3</a:t>
+            </a:r>
+            <a:endParaRPr lang="en-US" sz="1800" b="0" u="none" strike="noStrike">
+              <a:solidFill>
+                <a:srgbClr val="000000"/>
+              </a:solidFill>
+              <a:effectLst/>
+              <a:uFillTx/>
+              <a:latin typeface="Arial"/>
+            </a:endParaRPr>
+          </a:p>
+        </p:txBody>
+      </p:sp>
+      <p:sp>
+        <p:nvSpPr>
+          <p:cNvPr id="109" name=""/>
+          <p:cNvSpPr/>
+          <p:nvPr/>
+        </p:nvSpPr>
+        <p:spPr>
+          <a:xfrm>
+            <a:off x="4800600" y="4343400"/>
+            <a:ext cx="685800" cy="685800"/>
+          </a:xfrm>
+          <a:prstGeom prst="rect">
+            <a:avLst/>
+          </a:prstGeom>
+          <a:solidFill>
+            <a:srgbClr val="729fcf"/>
+          </a:solidFill>
+          <a:ln w="0">
+            <a:solidFill>
+              <a:srgbClr val="3465a4"/>
+            </a:solidFill>
+          </a:ln>
+        </p:spPr>
+        <p:style>
+          <a:lnRef idx="0"/>
+          <a:fillRef idx="0"/>
+          <a:effectRef idx="0"/>
+          <a:fontRef idx="minor"/>
+        </p:style>
+        <p:txBody>
+          <a:bodyPr lIns="90000" rIns="90000" tIns="45000" bIns="45000" anchor="ctr">
+            <a:noAutofit/>
+          </a:bodyPr>
+          <a:p>
+            <a:pPr algn="ctr"/>
+            <a:r>
+              <a:rPr lang="en-US" sz="1800" b="0" u="none" strike="noStrike">
+                <a:solidFill>
+                  <a:srgbClr val="000000"/>
+                </a:solidFill>
+                <a:effectLst/>
+                <a:uFillTx/>
+                <a:latin typeface="Arial"/>
+              </a:rPr>
+              <a:t>5</a:t>
+            </a:r>
+            <a:endParaRPr lang="en-US" sz="1800" b="0" u="none" strike="noStrike">
+              <a:solidFill>
+                <a:srgbClr val="000000"/>
+              </a:solidFill>
+              <a:effectLst/>
+              <a:uFillTx/>
+              <a:latin typeface="Arial"/>
+            </a:endParaRPr>
+          </a:p>
+        </p:txBody>
+      </p:sp>
+      <p:sp>
+        <p:nvSpPr>
+          <p:cNvPr id="110" name=""/>
+          <p:cNvSpPr/>
+          <p:nvPr/>
+        </p:nvSpPr>
+        <p:spPr>
+          <a:xfrm>
+            <a:off x="4800600" y="3657600"/>
+            <a:ext cx="685800" cy="685800"/>
+          </a:xfrm>
+          <a:prstGeom prst="rect">
+            <a:avLst/>
+          </a:prstGeom>
+          <a:solidFill>
+            <a:srgbClr val="729fcf"/>
+          </a:solidFill>
+          <a:ln w="0">
+            <a:solidFill>
+              <a:srgbClr val="3465a4"/>
+            </a:solidFill>
+          </a:ln>
+        </p:spPr>
+        <p:style>
+          <a:lnRef idx="0"/>
+          <a:fillRef idx="0"/>
+          <a:effectRef idx="0"/>
+          <a:fontRef idx="minor"/>
+        </p:style>
+        <p:txBody>
+          <a:bodyPr lIns="90000" rIns="90000" tIns="45000" bIns="45000" anchor="ctr">
+            <a:noAutofit/>
+          </a:bodyPr>
+          <a:p>
+            <a:pPr algn="ctr"/>
+            <a:r>
+              <a:rPr lang="en-US" sz="1800" b="0" u="none" strike="noStrike">
+                <a:solidFill>
+                  <a:srgbClr val="000000"/>
+                </a:solidFill>
+                <a:effectLst/>
+                <a:uFillTx/>
+                <a:latin typeface="Arial"/>
+              </a:rPr>
+              <a:t>8</a:t>
+            </a:r>
+            <a:endParaRPr lang="en-US" sz="1800" b="0" u="none" strike="noStrike">
+              <a:solidFill>
+                <a:srgbClr val="000000"/>
+              </a:solidFill>
+              <a:effectLst/>
+              <a:uFillTx/>
+              <a:latin typeface="Arial"/>
+            </a:endParaRPr>
+          </a:p>
+        </p:txBody>
+      </p:sp>
+      <p:sp>
+        <p:nvSpPr>
+          <p:cNvPr id="111" name=""/>
+          <p:cNvSpPr/>
+          <p:nvPr/>
+        </p:nvSpPr>
+        <p:spPr>
+          <a:xfrm>
+            <a:off x="4115160" y="4343400"/>
+            <a:ext cx="685800" cy="685800"/>
+          </a:xfrm>
+          <a:prstGeom prst="rect">
+            <a:avLst/>
+          </a:prstGeom>
+          <a:solidFill>
+            <a:srgbClr val="ffff00"/>
+          </a:solidFill>
+          <a:ln w="0">
+            <a:solidFill>
+              <a:srgbClr val="3465a4"/>
+            </a:solidFill>
+          </a:ln>
+        </p:spPr>
+        <p:style>
+          <a:lnRef idx="0"/>
+          <a:fillRef idx="0"/>
+          <a:effectRef idx="0"/>
+          <a:fontRef idx="minor"/>
+        </p:style>
+        <p:txBody>
+          <a:bodyPr lIns="90000" rIns="90000" tIns="45000" bIns="45000" anchor="ctr">
+            <a:noAutofit/>
+          </a:bodyPr>
+          <a:p>
+            <a:pPr algn="ctr"/>
+            <a:r>
+              <a:rPr lang="en-US" sz="1800" b="0" u="none" strike="noStrike">
+                <a:solidFill>
+                  <a:srgbClr val="000000"/>
+                </a:solidFill>
+                <a:effectLst/>
+                <a:uFillTx/>
+                <a:latin typeface="Arial"/>
+              </a:rPr>
+              <a:t>10</a:t>
+            </a:r>
+            <a:endParaRPr lang="en-US" sz="1800" b="0" u="none" strike="noStrike">
+              <a:solidFill>
+                <a:srgbClr val="000000"/>
+              </a:solidFill>
+              <a:effectLst/>
+              <a:uFillTx/>
+              <a:latin typeface="Arial"/>
+            </a:endParaRPr>
+          </a:p>
+        </p:txBody>
+      </p:sp>
+      <p:sp>
+        <p:nvSpPr>
+          <p:cNvPr id="112" name=""/>
+          <p:cNvSpPr/>
+          <p:nvPr/>
+        </p:nvSpPr>
+        <p:spPr>
+          <a:xfrm>
+            <a:off x="4114800" y="3657600"/>
+            <a:ext cx="685800" cy="685800"/>
+          </a:xfrm>
+          <a:prstGeom prst="rect">
+            <a:avLst/>
+          </a:prstGeom>
+          <a:solidFill>
+            <a:srgbClr val="729fcf"/>
+          </a:solidFill>
+          <a:ln w="0">
+            <a:solidFill>
+              <a:srgbClr val="3465a4"/>
+            </a:solidFill>
+          </a:ln>
+        </p:spPr>
+        <p:style>
+          <a:lnRef idx="0"/>
+          <a:fillRef idx="0"/>
+          <a:effectRef idx="0"/>
+          <a:fontRef idx="minor"/>
+        </p:style>
+        <p:txBody>
+          <a:bodyPr lIns="90000" rIns="90000" tIns="45000" bIns="45000" anchor="ctr">
+            <a:noAutofit/>
+          </a:bodyPr>
+          <a:p>
+            <a:pPr algn="ctr"/>
+            <a:r>
+              <a:rPr lang="en-US" sz="1800" b="0" u="none" strike="noStrike">
+                <a:solidFill>
+                  <a:srgbClr val="000000"/>
+                </a:solidFill>
+                <a:effectLst/>
+                <a:uFillTx/>
+                <a:latin typeface="Arial"/>
+              </a:rPr>
+              <a:t>8</a:t>
+            </a:r>
+            <a:endParaRPr lang="en-US" sz="1800" b="0" u="none" strike="noStrike">
+              <a:solidFill>
+                <a:srgbClr val="000000"/>
+              </a:solidFill>
+              <a:effectLst/>
+              <a:uFillTx/>
+              <a:latin typeface="Arial"/>
+            </a:endParaRPr>
+          </a:p>
+        </p:txBody>
+      </p:sp>
+      <p:sp>
+        <p:nvSpPr>
+          <p:cNvPr id="113" name=""/>
+          <p:cNvSpPr/>
+          <p:nvPr/>
+        </p:nvSpPr>
+        <p:spPr>
+          <a:xfrm>
+            <a:off x="3429360" y="4343400"/>
+            <a:ext cx="685800" cy="685800"/>
+          </a:xfrm>
+          <a:prstGeom prst="rect">
+            <a:avLst/>
+          </a:prstGeom>
+          <a:solidFill>
+            <a:srgbClr val="729fcf"/>
+          </a:solidFill>
+          <a:ln w="0">
+            <a:solidFill>
+              <a:srgbClr val="3465a4"/>
+            </a:solidFill>
+          </a:ln>
+        </p:spPr>
+        <p:style>
+          <a:lnRef idx="0"/>
+          <a:fillRef idx="0"/>
+          <a:effectRef idx="0"/>
+          <a:fontRef idx="minor"/>
+        </p:style>
+        <p:txBody>
+          <a:bodyPr lIns="90000" rIns="90000" tIns="45000" bIns="45000" anchor="ctr">
+            <a:noAutofit/>
+          </a:bodyPr>
+          <a:p>
+            <a:pPr algn="ctr"/>
+            <a:r>
+              <a:rPr lang="en-US" sz="1800" b="0" u="none" strike="noStrike">
+                <a:solidFill>
+                  <a:srgbClr val="000000"/>
+                </a:solidFill>
+                <a:effectLst/>
+                <a:uFillTx/>
+                <a:latin typeface="Arial"/>
+              </a:rPr>
+              <a:t>10</a:t>
+            </a:r>
+            <a:endParaRPr lang="en-US" sz="1800" b="0" u="none" strike="noStrike">
+              <a:solidFill>
+                <a:srgbClr val="000000"/>
+              </a:solidFill>
+              <a:effectLst/>
+              <a:uFillTx/>
+              <a:latin typeface="Arial"/>
+            </a:endParaRPr>
+          </a:p>
+        </p:txBody>
+      </p:sp>
+      <p:sp>
+        <p:nvSpPr>
+          <p:cNvPr id="114" name=""/>
+          <p:cNvSpPr/>
+          <p:nvPr/>
+        </p:nvSpPr>
+        <p:spPr>
+          <a:xfrm>
+            <a:off x="7086600" y="3657600"/>
+            <a:ext cx="685800" cy="685800"/>
+          </a:xfrm>
+          <a:prstGeom prst="rect">
+            <a:avLst/>
+          </a:prstGeom>
+          <a:solidFill>
+            <a:srgbClr val="ffbf00"/>
+          </a:solidFill>
+          <a:ln w="0">
+            <a:solidFill>
+              <a:srgbClr val="3465a4"/>
+            </a:solidFill>
+          </a:ln>
+        </p:spPr>
+        <p:style>
+          <a:lnRef idx="0"/>
+          <a:fillRef idx="0"/>
+          <a:effectRef idx="0"/>
+          <a:fontRef idx="minor"/>
+        </p:style>
+        <p:txBody>
+          <a:bodyPr lIns="90000" rIns="90000" tIns="45000" bIns="45000" anchor="ctr">
+            <a:noAutofit/>
+          </a:bodyPr>
+          <a:p>
+            <a:pPr algn="ctr"/>
+            <a:endParaRPr lang="en-US" sz="1800" b="0" u="none" strike="noStrike">
+              <a:solidFill>
+                <a:srgbClr val="000000"/>
+              </a:solidFill>
+              <a:effectLst/>
+              <a:uFillTx/>
+              <a:latin typeface="Arial"/>
+            </a:endParaRPr>
+          </a:p>
+        </p:txBody>
+      </p:sp>
+      <p:sp>
+        <p:nvSpPr>
+          <p:cNvPr id="115" name=""/>
+          <p:cNvSpPr/>
+          <p:nvPr/>
+        </p:nvSpPr>
+        <p:spPr>
+          <a:xfrm>
+            <a:off x="8458560" y="5029200"/>
+            <a:ext cx="685800" cy="685800"/>
+          </a:xfrm>
+          <a:prstGeom prst="rect">
+            <a:avLst/>
+          </a:prstGeom>
+          <a:solidFill>
+            <a:srgbClr val="afd095"/>
+          </a:solidFill>
+          <a:ln w="0">
+            <a:solidFill>
+              <a:srgbClr val="3465a4"/>
+            </a:solidFill>
+          </a:ln>
+        </p:spPr>
+        <p:style>
+          <a:lnRef idx="0"/>
+          <a:fillRef idx="0"/>
+          <a:effectRef idx="0"/>
+          <a:fontRef idx="minor"/>
+        </p:style>
+        <p:txBody>
+          <a:bodyPr lIns="90000" rIns="90000" tIns="45000" bIns="45000" anchor="ctr">
+            <a:noAutofit/>
+          </a:bodyPr>
+          <a:p>
+            <a:pPr algn="ctr"/>
+            <a:endParaRPr lang="en-US" sz="1800" b="0" u="none" strike="noStrike">
+              <a:solidFill>
+                <a:srgbClr val="000000"/>
+              </a:solidFill>
+              <a:effectLst/>
+              <a:uFillTx/>
+              <a:latin typeface="Arial"/>
+            </a:endParaRPr>
+          </a:p>
+        </p:txBody>
+      </p:sp>
+      <p:sp>
+        <p:nvSpPr>
+          <p:cNvPr id="116" name=""/>
+          <p:cNvSpPr/>
+          <p:nvPr/>
+        </p:nvSpPr>
+        <p:spPr>
+          <a:xfrm>
+            <a:off x="7772400" y="5029200"/>
+            <a:ext cx="685800" cy="685800"/>
+          </a:xfrm>
+          <a:prstGeom prst="rect">
+            <a:avLst/>
+          </a:prstGeom>
+          <a:solidFill>
+            <a:srgbClr val="afd095"/>
+          </a:solidFill>
+          <a:ln w="0">
+            <a:solidFill>
+              <a:srgbClr val="3465a4"/>
+            </a:solidFill>
+          </a:ln>
+        </p:spPr>
+        <p:style>
+          <a:lnRef idx="0"/>
+          <a:fillRef idx="0"/>
+          <a:effectRef idx="0"/>
+          <a:fontRef idx="minor"/>
+        </p:style>
+        <p:txBody>
+          <a:bodyPr lIns="90000" rIns="90000" tIns="45000" bIns="45000" anchor="ctr">
+            <a:noAutofit/>
+          </a:bodyPr>
+          <a:p>
+            <a:pPr algn="ctr"/>
+            <a:endParaRPr lang="en-US" sz="1800" b="0" u="none" strike="noStrike">
+              <a:solidFill>
+                <a:srgbClr val="000000"/>
+              </a:solidFill>
+              <a:effectLst/>
+              <a:uFillTx/>
+              <a:latin typeface="Arial"/>
+            </a:endParaRPr>
+          </a:p>
+        </p:txBody>
+      </p:sp>
+      <p:sp>
+        <p:nvSpPr>
+          <p:cNvPr id="117" name=""/>
+          <p:cNvSpPr/>
+          <p:nvPr/>
+        </p:nvSpPr>
+        <p:spPr>
+          <a:xfrm>
+            <a:off x="7086960" y="5029200"/>
+            <a:ext cx="685800" cy="685800"/>
+          </a:xfrm>
+          <a:prstGeom prst="rect">
+            <a:avLst/>
+          </a:prstGeom>
+          <a:solidFill>
+            <a:srgbClr val="afd095"/>
+          </a:solidFill>
+          <a:ln w="0">
+            <a:solidFill>
+              <a:srgbClr val="3465a4"/>
+            </a:solidFill>
+          </a:ln>
+        </p:spPr>
+        <p:style>
+          <a:lnRef idx="0"/>
+          <a:fillRef idx="0"/>
+          <a:effectRef idx="0"/>
+          <a:fontRef idx="minor"/>
+        </p:style>
+        <p:txBody>
+          <a:bodyPr lIns="90000" rIns="90000" tIns="45000" bIns="45000" anchor="ctr">
+            <a:noAutofit/>
+          </a:bodyPr>
+          <a:p>
+            <a:pPr algn="ctr"/>
+            <a:endParaRPr lang="en-US" sz="1800" b="0" u="none" strike="noStrike">
+              <a:solidFill>
+                <a:srgbClr val="000000"/>
+              </a:solidFill>
+              <a:effectLst/>
+              <a:uFillTx/>
+              <a:latin typeface="Arial"/>
+            </a:endParaRPr>
+          </a:p>
+        </p:txBody>
+      </p:sp>
+      <p:sp>
+        <p:nvSpPr>
+          <p:cNvPr id="118" name=""/>
+          <p:cNvSpPr/>
+          <p:nvPr/>
+        </p:nvSpPr>
+        <p:spPr>
+          <a:xfrm>
+            <a:off x="8458200" y="4343400"/>
+            <a:ext cx="685800" cy="685800"/>
+          </a:xfrm>
+          <a:prstGeom prst="rect">
+            <a:avLst/>
+          </a:prstGeom>
+          <a:solidFill>
+            <a:srgbClr val="afd095"/>
+          </a:solidFill>
+          <a:ln w="0">
+            <a:solidFill>
+              <a:srgbClr val="3465a4"/>
+            </a:solidFill>
+          </a:ln>
+        </p:spPr>
+        <p:style>
+          <a:lnRef idx="0"/>
+          <a:fillRef idx="0"/>
+          <a:effectRef idx="0"/>
+          <a:fontRef idx="minor"/>
+        </p:style>
+        <p:txBody>
+          <a:bodyPr lIns="90000" rIns="90000" tIns="45000" bIns="45000" anchor="ctr">
+            <a:noAutofit/>
+          </a:bodyPr>
+          <a:p>
+            <a:pPr algn="ctr"/>
+            <a:endParaRPr lang="en-US" sz="1800" b="0" u="none" strike="noStrike">
+              <a:solidFill>
+                <a:srgbClr val="000000"/>
+              </a:solidFill>
+              <a:effectLst/>
+              <a:uFillTx/>
+              <a:latin typeface="Arial"/>
+            </a:endParaRPr>
+          </a:p>
+        </p:txBody>
+      </p:sp>
+      <p:sp>
+        <p:nvSpPr>
+          <p:cNvPr id="119" name=""/>
+          <p:cNvSpPr/>
+          <p:nvPr/>
+        </p:nvSpPr>
+        <p:spPr>
+          <a:xfrm>
+            <a:off x="8458200" y="3657600"/>
+            <a:ext cx="685800" cy="685800"/>
+          </a:xfrm>
+          <a:prstGeom prst="rect">
+            <a:avLst/>
+          </a:prstGeom>
+          <a:solidFill>
+            <a:srgbClr val="ffbf00"/>
+          </a:solidFill>
+          <a:ln w="0">
+            <a:solidFill>
+              <a:srgbClr val="3465a4"/>
+            </a:solidFill>
+          </a:ln>
+        </p:spPr>
+        <p:style>
+          <a:lnRef idx="0"/>
+          <a:fillRef idx="0"/>
+          <a:effectRef idx="0"/>
+          <a:fontRef idx="minor"/>
+        </p:style>
+        <p:txBody>
+          <a:bodyPr lIns="90000" rIns="90000" tIns="45000" bIns="45000" anchor="ctr">
+            <a:noAutofit/>
+          </a:bodyPr>
+          <a:p>
+            <a:pPr algn="ctr"/>
+            <a:endParaRPr lang="en-US" sz="1800" b="0" u="none" strike="noStrike">
+              <a:solidFill>
+                <a:srgbClr val="000000"/>
+              </a:solidFill>
+              <a:effectLst/>
+              <a:uFillTx/>
+              <a:latin typeface="Arial"/>
+            </a:endParaRPr>
+          </a:p>
+        </p:txBody>
+      </p:sp>
+      <p:sp>
+        <p:nvSpPr>
+          <p:cNvPr id="120" name=""/>
+          <p:cNvSpPr/>
+          <p:nvPr/>
+        </p:nvSpPr>
+        <p:spPr>
+          <a:xfrm>
+            <a:off x="7772760" y="4343400"/>
+            <a:ext cx="685800" cy="685800"/>
+          </a:xfrm>
+          <a:prstGeom prst="rect">
+            <a:avLst/>
+          </a:prstGeom>
+          <a:solidFill>
+            <a:srgbClr val="ffbf00"/>
+          </a:solidFill>
+          <a:ln w="0">
+            <a:solidFill>
+              <a:srgbClr val="3465a4"/>
+            </a:solidFill>
+          </a:ln>
+        </p:spPr>
+        <p:style>
+          <a:lnRef idx="0"/>
+          <a:fillRef idx="0"/>
+          <a:effectRef idx="0"/>
+          <a:fontRef idx="minor"/>
+        </p:style>
+        <p:txBody>
+          <a:bodyPr lIns="90000" rIns="90000" tIns="45000" bIns="45000" anchor="ctr">
+            <a:noAutofit/>
+          </a:bodyPr>
+          <a:p>
+            <a:pPr algn="ctr"/>
+            <a:endParaRPr lang="en-US" sz="1800" b="0" u="none" strike="noStrike">
+              <a:solidFill>
+                <a:srgbClr val="000000"/>
+              </a:solidFill>
+              <a:effectLst/>
+              <a:uFillTx/>
+              <a:latin typeface="Arial"/>
+            </a:endParaRPr>
+          </a:p>
+        </p:txBody>
+      </p:sp>
+      <p:sp>
+        <p:nvSpPr>
+          <p:cNvPr id="121" name=""/>
+          <p:cNvSpPr/>
+          <p:nvPr/>
+        </p:nvSpPr>
+        <p:spPr>
+          <a:xfrm>
+            <a:off x="7772400" y="3657600"/>
+            <a:ext cx="685800" cy="685800"/>
+          </a:xfrm>
+          <a:prstGeom prst="rect">
+            <a:avLst/>
+          </a:prstGeom>
+          <a:solidFill>
+            <a:srgbClr val="ffbf00"/>
+          </a:solidFill>
+          <a:ln w="0">
+            <a:solidFill>
+              <a:srgbClr val="3465a4"/>
+            </a:solidFill>
+          </a:ln>
+        </p:spPr>
+        <p:style>
+          <a:lnRef idx="0"/>
+          <a:fillRef idx="0"/>
+          <a:effectRef idx="0"/>
+          <a:fontRef idx="minor"/>
+        </p:style>
+        <p:txBody>
+          <a:bodyPr lIns="90000" rIns="90000" tIns="45000" bIns="45000" anchor="ctr">
+            <a:noAutofit/>
+          </a:bodyPr>
+          <a:p>
+            <a:pPr algn="ctr"/>
+            <a:endParaRPr lang="en-US" sz="1800" b="0" u="none" strike="noStrike">
+              <a:solidFill>
+                <a:srgbClr val="000000"/>
+              </a:solidFill>
+              <a:effectLst/>
+              <a:uFillTx/>
+              <a:latin typeface="Arial"/>
+            </a:endParaRPr>
+          </a:p>
+        </p:txBody>
+      </p:sp>
+      <p:sp>
+        <p:nvSpPr>
+          <p:cNvPr id="122" name=""/>
+          <p:cNvSpPr/>
+          <p:nvPr/>
+        </p:nvSpPr>
+        <p:spPr>
+          <a:xfrm>
+            <a:off x="7086960" y="4343400"/>
+            <a:ext cx="685800" cy="685800"/>
+          </a:xfrm>
+          <a:prstGeom prst="rect">
+            <a:avLst/>
+          </a:prstGeom>
+          <a:solidFill>
+            <a:srgbClr val="ffbf00"/>
+          </a:solidFill>
+          <a:ln w="0">
+            <a:solidFill>
+              <a:srgbClr val="3465a4"/>
+            </a:solidFill>
+          </a:ln>
+        </p:spPr>
+        <p:style>
+          <a:lnRef idx="0"/>
+          <a:fillRef idx="0"/>
+          <a:effectRef idx="0"/>
+          <a:fontRef idx="minor"/>
+        </p:style>
+        <p:txBody>
+          <a:bodyPr lIns="90000" rIns="90000" tIns="45000" bIns="45000" anchor="ctr">
+            <a:noAutofit/>
+          </a:bodyPr>
+          <a:p>
+            <a:pPr algn="ctr"/>
+            <a:endParaRPr lang="en-US" sz="1800" b="0" u="none" strike="noStrike">
+              <a:solidFill>
+                <a:srgbClr val="000000"/>
+              </a:solidFill>
+              <a:effectLst/>
+              <a:uFillTx/>
+              <a:latin typeface="Arial"/>
+            </a:endParaRPr>
+          </a:p>
+        </p:txBody>
+      </p:sp>
+      <p:sp>
+        <p:nvSpPr>
+          <p:cNvPr id="123" name=""/>
+          <p:cNvSpPr/>
+          <p:nvPr/>
+        </p:nvSpPr>
+        <p:spPr>
+          <a:xfrm>
+            <a:off x="9372600" y="3657600"/>
+            <a:ext cx="685800" cy="685800"/>
+          </a:xfrm>
+          <a:prstGeom prst="rect">
+            <a:avLst/>
+          </a:prstGeom>
+          <a:solidFill>
+            <a:srgbClr val="ffbf00"/>
+          </a:solidFill>
+          <a:ln w="0">
+            <a:solidFill>
+              <a:srgbClr val="3465a4"/>
+            </a:solidFill>
+          </a:ln>
+        </p:spPr>
+        <p:style>
+          <a:lnRef idx="0"/>
+          <a:fillRef idx="0"/>
+          <a:effectRef idx="0"/>
+          <a:fontRef idx="minor"/>
+        </p:style>
+        <p:txBody>
+          <a:bodyPr lIns="90000" rIns="90000" tIns="45000" bIns="45000" anchor="ctr">
+            <a:noAutofit/>
+          </a:bodyPr>
+          <a:p>
+            <a:pPr algn="ctr"/>
+            <a:endParaRPr lang="en-US" sz="1800" b="0" u="none" strike="noStrike">
+              <a:solidFill>
+                <a:srgbClr val="000000"/>
+              </a:solidFill>
+              <a:effectLst/>
+              <a:uFillTx/>
+              <a:latin typeface="Arial"/>
+            </a:endParaRPr>
+          </a:p>
+        </p:txBody>
+      </p:sp>
+      <p:sp>
+        <p:nvSpPr>
+          <p:cNvPr id="124" name=""/>
+          <p:cNvSpPr/>
+          <p:nvPr/>
+        </p:nvSpPr>
+        <p:spPr>
+          <a:xfrm>
+            <a:off x="9372600" y="4800600"/>
+            <a:ext cx="685800" cy="685800"/>
+          </a:xfrm>
+          <a:prstGeom prst="rect">
+            <a:avLst/>
+          </a:prstGeom>
+          <a:solidFill>
+            <a:srgbClr val="afd095"/>
+          </a:solidFill>
+          <a:ln w="0">
+            <a:solidFill>
+              <a:srgbClr val="3465a4"/>
+            </a:solidFill>
+          </a:ln>
+        </p:spPr>
+        <p:style>
+          <a:lnRef idx="0"/>
+          <a:fillRef idx="0"/>
+          <a:effectRef idx="0"/>
+          <a:fontRef idx="minor"/>
+        </p:style>
+        <p:txBody>
+          <a:bodyPr lIns="90000" rIns="90000" tIns="45000" bIns="45000" anchor="ctr">
+            <a:noAutofit/>
+          </a:bodyPr>
+          <a:p>
+            <a:endParaRPr lang="en-US" sz="1800" b="0" u="none" strike="noStrike">
+              <a:solidFill>
+                <a:srgbClr val="000000"/>
+              </a:solidFill>
+              <a:effectLst/>
+              <a:uFillTx/>
+              <a:latin typeface="Arial"/>
+            </a:endParaRPr>
+          </a:p>
+        </p:txBody>
+      </p:sp>
+      <p:sp>
+        <p:nvSpPr>
+          <p:cNvPr id="125" name=""/>
+          <p:cNvSpPr txBox="1"/>
+          <p:nvPr/>
+        </p:nvSpPr>
+        <p:spPr>
+          <a:xfrm>
+            <a:off x="10058400" y="3657600"/>
+            <a:ext cx="2057400" cy="685800"/>
+          </a:xfrm>
+          <a:prstGeom prst="rect">
+            <a:avLst/>
+          </a:prstGeom>
+          <a:noFill/>
+          <a:ln w="0">
+            <a:noFill/>
+          </a:ln>
+        </p:spPr>
+        <p:txBody>
+          <a:bodyPr lIns="90000" rIns="90000" tIns="45000" bIns="45000" anchor="t">
+            <a:spAutoFit/>
+          </a:bodyPr>
+          <a:p>
+            <a:r>
+              <a:rPr lang="en-US" sz="1800" b="0" u="none" strike="noStrike">
+                <a:solidFill>
+                  <a:srgbClr val="000000"/>
+                </a:solidFill>
+                <a:effectLst/>
+                <a:uFillTx/>
+                <a:latin typeface="Arial"/>
+              </a:rPr>
+              <a:t>FOREGROUND  (NEURITES)</a:t>
+            </a:r>
+            <a:endParaRPr lang="en-US" sz="1800" b="0" u="none" strike="noStrike">
+              <a:solidFill>
+                <a:srgbClr val="000000"/>
+              </a:solidFill>
+              <a:effectLst/>
+              <a:uFillTx/>
+              <a:latin typeface="Arial"/>
+            </a:endParaRPr>
+          </a:p>
+        </p:txBody>
+      </p:sp>
+      <p:sp>
+        <p:nvSpPr>
+          <p:cNvPr id="126" name=""/>
+          <p:cNvSpPr txBox="1"/>
+          <p:nvPr/>
+        </p:nvSpPr>
+        <p:spPr>
+          <a:xfrm>
+            <a:off x="10058400" y="4800600"/>
+            <a:ext cx="2057400" cy="685800"/>
+          </a:xfrm>
+          <a:prstGeom prst="rect">
+            <a:avLst/>
+          </a:prstGeom>
+          <a:noFill/>
+          <a:ln w="0">
+            <a:noFill/>
+          </a:ln>
+        </p:spPr>
+        <p:txBody>
+          <a:bodyPr lIns="90000" rIns="90000" tIns="45000" bIns="45000" anchor="t">
+            <a:spAutoFit/>
+          </a:bodyPr>
+          <a:p>
+            <a:r>
+              <a:rPr lang="en-US" sz="1800" b="0" u="none" strike="noStrike">
+                <a:solidFill>
+                  <a:srgbClr val="000000"/>
+                </a:solidFill>
+                <a:effectLst/>
+                <a:uFillTx/>
+                <a:latin typeface="Arial"/>
+              </a:rPr>
+              <a:t>BACKGROUND (NOT NEURITES)</a:t>
+            </a:r>
+            <a:endParaRPr lang="en-US" sz="1800" b="0" u="none" strike="noStrike">
               <a:solidFill>
                 <a:srgbClr val="000000"/>
               </a:solidFill>
@@ -6899,73 +7804,14 @@
       </p:grpSpPr>
       <p:sp>
         <p:nvSpPr>
-          <p:cNvPr id="105" name="PlaceHolder 1"/>
-          <p:cNvSpPr>
-            <a:spLocks noGrp="1"/>
-          </p:cNvSpPr>
-          <p:nvPr>
-            <p:ph type="title"/>
-          </p:nvPr>
-        </p:nvSpPr>
-        <p:spPr>
-          <a:xfrm>
-            <a:off x="609480" y="-1440"/>
-            <a:ext cx="10964880" cy="582480"/>
-          </a:xfrm>
-          <a:prstGeom prst="rect">
-            <a:avLst/>
-          </a:prstGeom>
-          <a:noFill/>
-          <a:ln w="0">
-            <a:noFill/>
-          </a:ln>
-        </p:spPr>
-        <p:txBody>
-          <a:bodyPr lIns="0" rIns="0" tIns="0" bIns="0" anchor="ctr">
-            <a:spAutoFit/>
-          </a:bodyPr>
-          <a:p>
-            <a:pPr indent="0">
-              <a:lnSpc>
-                <a:spcPct val="100000"/>
-              </a:lnSpc>
-              <a:buNone/>
-              <a:tabLst>
-                <a:tab algn="l" pos="0"/>
-              </a:tabLst>
-            </a:pPr>
-            <a:r>
-              <a:rPr lang="en-US" sz="3200" b="1" u="none" strike="noStrike">
-                <a:solidFill>
-                  <a:srgbClr val="ff0000"/>
-                </a:solidFill>
-                <a:effectLst/>
-                <a:uFillTx/>
-                <a:latin typeface="Arial"/>
-              </a:rPr>
-              <a:t>Threshold offset std multiplier</a:t>
-            </a:r>
-            <a:endParaRPr lang="en-US" sz="3200" b="0" u="none" strike="noStrike">
-              <a:solidFill>
-                <a:srgbClr val="000000"/>
-              </a:solidFill>
-              <a:effectLst/>
-              <a:uFillTx/>
-              <a:latin typeface="Arial"/>
-            </a:endParaRPr>
-          </a:p>
-        </p:txBody>
-      </p:sp>
-      <p:sp>
-        <p:nvSpPr>
-          <p:cNvPr id="106" name=""/>
+          <p:cNvPr id="127" name="PlaceHolder 4"/>
           <p:cNvSpPr/>
           <p:nvPr/>
         </p:nvSpPr>
         <p:spPr>
           <a:xfrm>
-            <a:off x="228600" y="685800"/>
-            <a:ext cx="11655000" cy="7578720"/>
+            <a:off x="609840" y="45720"/>
+            <a:ext cx="10964880" cy="488520"/>
           </a:xfrm>
           <a:prstGeom prst="rect">
             <a:avLst/>
@@ -6982,7 +7828,7 @@
           <a:fontRef idx="minor"/>
         </p:style>
         <p:txBody>
-          <a:bodyPr lIns="90000" rIns="90000" tIns="45000" bIns="45000" anchor="t">
+          <a:bodyPr lIns="0" rIns="0" tIns="0" bIns="0" anchor="ctr">
             <a:spAutoFit/>
           </a:bodyPr>
           <a:p>
@@ -6990,415 +7836,22 @@
               <a:lnSpc>
                 <a:spcPct val="100000"/>
               </a:lnSpc>
-            </a:pPr>
-            <a:r>
-              <a:rPr lang="en-US" sz="1800" b="1" u="none" strike="noStrike">
-                <a:solidFill>
-                  <a:srgbClr val="000000"/>
-                </a:solidFill>
-                <a:effectLst/>
-                <a:uFillTx/>
-                <a:latin typeface="Arial"/>
-                <a:ea typeface="SimSun"/>
-              </a:rPr>
-              <a:t>A) Intensity-aware bridging(straight bridge + intensity check) </a:t>
-            </a:r>
-            <a:endParaRPr lang="en-US" sz="1800" b="0" u="none" strike="noStrike">
-              <a:solidFill>
-                <a:srgbClr val="000000"/>
-              </a:solidFill>
-              <a:effectLst/>
-              <a:uFillTx/>
-              <a:latin typeface="Arial"/>
-            </a:endParaRPr>
-          </a:p>
-          <a:p>
-            <a:pPr>
-              <a:lnSpc>
-                <a:spcPct val="100000"/>
-              </a:lnSpc>
-              <a:spcBef>
-                <a:spcPts val="1191"/>
-              </a:spcBef>
-              <a:spcAft>
-                <a:spcPts val="992"/>
-              </a:spcAft>
-            </a:pPr>
-            <a:r>
-              <a:rPr lang="en-US" sz="1800" b="0" u="none" strike="noStrike">
-                <a:solidFill>
-                  <a:srgbClr val="000000"/>
-                </a:solidFill>
-                <a:effectLst/>
-                <a:uFillTx/>
-                <a:latin typeface="Arial"/>
-                <a:ea typeface="SimSun"/>
-              </a:rPr>
-              <a:t>Try to connect two nearby neurite endpoints with a candidate line/tube, only keep the bridge if most of the path stays bright (neurite-like) or reject bridges that pass through dark/background space.</a:t>
-            </a:r>
-            <a:endParaRPr lang="en-US" sz="1800" b="0" u="none" strike="noStrike">
-              <a:solidFill>
-                <a:srgbClr val="000000"/>
-              </a:solidFill>
-              <a:effectLst/>
-              <a:uFillTx/>
-              <a:latin typeface="Arial"/>
-            </a:endParaRPr>
-          </a:p>
-          <a:p>
-            <a:pPr marL="216000" indent="-216000">
-              <a:lnSpc>
-                <a:spcPct val="100000"/>
-              </a:lnSpc>
-              <a:spcBef>
-                <a:spcPts val="624"/>
-              </a:spcBef>
-              <a:spcAft>
-                <a:spcPts val="425"/>
-              </a:spcAft>
-              <a:buClr>
-                <a:srgbClr val="000000"/>
-              </a:buClr>
-              <a:buFont typeface="Wingdings" charset="2"/>
-              <a:buChar char=""/>
-            </a:pPr>
-            <a:r>
-              <a:rPr lang="en-US" sz="1800" b="0" u="none" strike="noStrike">
-                <a:solidFill>
-                  <a:srgbClr val="000000"/>
-                </a:solidFill>
-                <a:effectLst/>
-                <a:uFillTx/>
-                <a:latin typeface="Arial"/>
-                <a:ea typeface="SimSun"/>
-              </a:rPr>
-              <a:t>If the pixels along that line are mostly bright (neurite-like) → accept the bridge.</a:t>
-            </a:r>
-            <a:endParaRPr lang="en-US" sz="1800" b="0" u="none" strike="noStrike">
-              <a:solidFill>
-                <a:srgbClr val="000000"/>
-              </a:solidFill>
-              <a:effectLst/>
-              <a:uFillTx/>
-              <a:latin typeface="Arial"/>
-            </a:endParaRPr>
-          </a:p>
-          <a:p>
-            <a:pPr marL="216000" indent="-216000">
-              <a:lnSpc>
-                <a:spcPct val="100000"/>
-              </a:lnSpc>
-              <a:spcBef>
-                <a:spcPts val="624"/>
-              </a:spcBef>
-              <a:spcAft>
-                <a:spcPts val="425"/>
-              </a:spcAft>
-              <a:buClr>
-                <a:srgbClr val="000000"/>
-              </a:buClr>
-              <a:buFont typeface="Wingdings" charset="2"/>
-              <a:buChar char=""/>
-            </a:pPr>
-            <a:r>
-              <a:rPr lang="en-US" sz="1800" b="0" u="none" strike="noStrike">
-                <a:solidFill>
-                  <a:srgbClr val="000000"/>
-                </a:solidFill>
-                <a:effectLst/>
-                <a:uFillTx/>
-                <a:latin typeface="Arial"/>
-                <a:ea typeface="SimSun"/>
-              </a:rPr>
-              <a:t>If the line goes through dark background → reject it.</a:t>
-            </a:r>
-            <a:endParaRPr lang="en-US" sz="1800" b="0" u="none" strike="noStrike">
-              <a:solidFill>
-                <a:srgbClr val="000000"/>
-              </a:solidFill>
-              <a:effectLst/>
-              <a:uFillTx/>
-              <a:latin typeface="Arial"/>
-            </a:endParaRPr>
-          </a:p>
-          <a:p>
-            <a:pPr>
-              <a:lnSpc>
-                <a:spcPct val="100000"/>
-              </a:lnSpc>
-              <a:spcBef>
-                <a:spcPts val="1191"/>
-              </a:spcBef>
-              <a:spcAft>
-                <a:spcPts val="992"/>
-              </a:spcAft>
-            </a:pPr>
-            <a:r>
-              <a:rPr lang="en-US" sz="1800" b="1" u="none" strike="noStrike">
-                <a:solidFill>
-                  <a:srgbClr val="2a6099"/>
-                </a:solidFill>
-                <a:effectLst/>
-                <a:uFillTx/>
-                <a:latin typeface="Arial"/>
-                <a:ea typeface="SimSun"/>
-              </a:rPr>
-              <a:t>B) Shortest-path stitching in an intensity cost map </a:t>
-            </a:r>
-            <a:endParaRPr lang="en-US" sz="1800" b="0" u="none" strike="noStrike">
-              <a:solidFill>
-                <a:srgbClr val="000000"/>
-              </a:solidFill>
-              <a:effectLst/>
-              <a:uFillTx/>
-              <a:latin typeface="Arial"/>
-            </a:endParaRPr>
-          </a:p>
-          <a:p>
-            <a:pPr>
-              <a:lnSpc>
-                <a:spcPct val="100000"/>
-              </a:lnSpc>
-              <a:spcBef>
-                <a:spcPts val="1191"/>
-              </a:spcBef>
-              <a:spcAft>
-                <a:spcPts val="992"/>
-              </a:spcAft>
-            </a:pPr>
-            <a:r>
-              <a:rPr lang="en-US" sz="1800" b="0" u="none" strike="noStrike">
-                <a:solidFill>
-                  <a:srgbClr val="000000"/>
-                </a:solidFill>
-                <a:effectLst/>
-                <a:uFillTx/>
-                <a:latin typeface="Arial"/>
-                <a:ea typeface="SimSun"/>
-              </a:rPr>
-              <a:t>Instead of a straight line, search for a path between endpoints in a small region, make bright pixels “cheap” to pass and dark pixels “expensive.”</a:t>
-            </a:r>
-            <a:endParaRPr lang="en-US" sz="1800" b="0" u="none" strike="noStrike">
-              <a:solidFill>
-                <a:srgbClr val="000000"/>
-              </a:solidFill>
-              <a:effectLst/>
-              <a:uFillTx/>
-              <a:latin typeface="Arial"/>
-            </a:endParaRPr>
-          </a:p>
-          <a:p>
-            <a:pPr>
-              <a:lnSpc>
-                <a:spcPct val="100000"/>
-              </a:lnSpc>
-              <a:spcBef>
-                <a:spcPts val="1191"/>
-              </a:spcBef>
-              <a:spcAft>
-                <a:spcPts val="992"/>
-              </a:spcAft>
-            </a:pPr>
-            <a:r>
-              <a:rPr lang="en-US" sz="1800" b="0" u="none" strike="noStrike">
-                <a:solidFill>
-                  <a:srgbClr val="000000"/>
-                </a:solidFill>
-                <a:effectLst/>
-                <a:uFillTx/>
-                <a:latin typeface="Arial"/>
-                <a:ea typeface="SimSun"/>
-              </a:rPr>
-              <a:t>If a low-cost (bright-following) path exists, connect along it and helps follow curved neurites and avoids dark gaps.</a:t>
-            </a:r>
-            <a:endParaRPr lang="en-US" sz="1800" b="0" u="none" strike="noStrike">
-              <a:solidFill>
-                <a:srgbClr val="000000"/>
-              </a:solidFill>
-              <a:effectLst/>
-              <a:uFillTx/>
-              <a:latin typeface="Arial"/>
-            </a:endParaRPr>
-          </a:p>
-          <a:p>
-            <a:pPr>
-              <a:lnSpc>
-                <a:spcPct val="100000"/>
-              </a:lnSpc>
-              <a:spcBef>
-                <a:spcPts val="1191"/>
-              </a:spcBef>
-              <a:spcAft>
-                <a:spcPts val="992"/>
-              </a:spcAft>
-            </a:pPr>
-            <a:r>
-              <a:rPr lang="en-US" sz="1800" b="0" u="none" strike="noStrike">
-                <a:solidFill>
-                  <a:srgbClr val="000000"/>
-                </a:solidFill>
-                <a:effectLst/>
-                <a:uFillTx/>
-                <a:latin typeface="Arial"/>
-                <a:ea typeface="SimSun"/>
-              </a:rPr>
-              <a:t>Then ask: Is there a low-cost path between the two endpoints inside a small box?</a:t>
-            </a:r>
-            <a:endParaRPr lang="en-US" sz="1800" b="0" u="none" strike="noStrike">
-              <a:solidFill>
-                <a:srgbClr val="000000"/>
-              </a:solidFill>
-              <a:effectLst/>
-              <a:uFillTx/>
-              <a:latin typeface="Arial"/>
-            </a:endParaRPr>
-          </a:p>
-          <a:p>
-            <a:pPr marL="216000" indent="-216000">
-              <a:lnSpc>
-                <a:spcPct val="100000"/>
-              </a:lnSpc>
-              <a:spcBef>
-                <a:spcPts val="1191"/>
-              </a:spcBef>
-              <a:spcAft>
-                <a:spcPts val="992"/>
-              </a:spcAft>
-              <a:buClr>
-                <a:srgbClr val="000000"/>
-              </a:buClr>
-              <a:buFont typeface="Wingdings" charset="2"/>
-              <a:buChar char=""/>
-            </a:pPr>
-            <a:r>
-              <a:rPr lang="en-US" sz="1800" b="0" u="none" strike="noStrike">
-                <a:solidFill>
-                  <a:srgbClr val="000000"/>
-                </a:solidFill>
-                <a:effectLst/>
-                <a:uFillTx/>
-                <a:latin typeface="Arial"/>
-                <a:ea typeface="SimSun"/>
-              </a:rPr>
-              <a:t>If yes → connect along that curved path.</a:t>
-            </a:r>
-            <a:endParaRPr lang="en-US" sz="1800" b="0" u="none" strike="noStrike">
-              <a:solidFill>
-                <a:srgbClr val="000000"/>
-              </a:solidFill>
-              <a:effectLst/>
-              <a:uFillTx/>
-              <a:latin typeface="Arial"/>
-            </a:endParaRPr>
-          </a:p>
-          <a:p>
-            <a:pPr marL="216000" indent="-216000">
-              <a:lnSpc>
-                <a:spcPct val="100000"/>
-              </a:lnSpc>
-              <a:spcBef>
-                <a:spcPts val="1191"/>
-              </a:spcBef>
-              <a:spcAft>
-                <a:spcPts val="992"/>
-              </a:spcAft>
-              <a:buClr>
-                <a:srgbClr val="000000"/>
-              </a:buClr>
-              <a:buFont typeface="Wingdings" charset="2"/>
-              <a:buChar char=""/>
-            </a:pPr>
-            <a:r>
-              <a:rPr lang="en-US" sz="1800" b="0" u="none" strike="noStrike">
-                <a:solidFill>
-                  <a:srgbClr val="000000"/>
-                </a:solidFill>
-                <a:effectLst/>
-                <a:uFillTx/>
-                <a:latin typeface="Arial"/>
-                <a:ea typeface="SimSun"/>
-              </a:rPr>
-              <a:t>If the only possible path goes through dark pixels (high cost) → don’t connect.</a:t>
-            </a:r>
-            <a:endParaRPr lang="en-US" sz="1800" b="0" u="none" strike="noStrike">
-              <a:solidFill>
-                <a:srgbClr val="000000"/>
-              </a:solidFill>
-              <a:effectLst/>
-              <a:uFillTx/>
-              <a:latin typeface="Arial"/>
-            </a:endParaRPr>
-          </a:p>
-          <a:p>
-            <a:pPr>
-              <a:lnSpc>
-                <a:spcPct val="100000"/>
-              </a:lnSpc>
-              <a:spcBef>
-                <a:spcPts val="1191"/>
-              </a:spcBef>
-              <a:spcAft>
-                <a:spcPts val="992"/>
-              </a:spcAft>
-            </a:pPr>
-            <a:endParaRPr lang="en-US" sz="1800" b="0" u="none" strike="noStrike">
-              <a:solidFill>
-                <a:srgbClr val="000000"/>
-              </a:solidFill>
-              <a:effectLst/>
-              <a:uFillTx/>
-              <a:latin typeface="Arial"/>
-            </a:endParaRPr>
-          </a:p>
-          <a:p>
-            <a:pPr>
-              <a:lnSpc>
-                <a:spcPct val="100000"/>
-              </a:lnSpc>
-              <a:spcBef>
-                <a:spcPts val="1191"/>
-              </a:spcBef>
-              <a:spcAft>
-                <a:spcPts val="992"/>
-              </a:spcAft>
-            </a:pPr>
-            <a:endParaRPr lang="en-US" sz="1000" b="0" u="none" strike="noStrike">
-              <a:solidFill>
-                <a:srgbClr val="000000"/>
-              </a:solidFill>
-              <a:effectLst/>
-              <a:uFillTx/>
-              <a:latin typeface="Arial"/>
-            </a:endParaRPr>
-          </a:p>
-          <a:p>
-            <a:pPr>
-              <a:lnSpc>
-                <a:spcPct val="100000"/>
-              </a:lnSpc>
-              <a:spcBef>
-                <a:spcPts val="1191"/>
-              </a:spcBef>
-              <a:spcAft>
-                <a:spcPts val="992"/>
-              </a:spcAft>
-            </a:pPr>
-            <a:endParaRPr lang="en-US" sz="2000" b="0" u="none" strike="noStrike">
-              <a:solidFill>
-                <a:srgbClr val="000000"/>
-              </a:solidFill>
-              <a:effectLst/>
-              <a:uFillTx/>
-              <a:latin typeface="Arial"/>
-            </a:endParaRPr>
-          </a:p>
-          <a:p>
-            <a:pPr>
-              <a:lnSpc>
-                <a:spcPct val="100000"/>
-              </a:lnSpc>
-            </a:pPr>
-            <a:endParaRPr lang="en-US" sz="1000" b="0" u="none" strike="noStrike">
+              <a:tabLst>
+                <a:tab algn="l" pos="0"/>
+              </a:tabLst>
+            </a:pPr>
+            <a:r>
+              <a:rPr lang="en-US" sz="3200" b="1" u="none" strike="noStrike">
+                <a:solidFill>
+                  <a:srgbClr val="ff0000"/>
+                </a:solidFill>
+                <a:effectLst/>
+                <a:uFillTx/>
+                <a:latin typeface="Arial"/>
+              </a:rPr>
+              <a:t>Threshold block size</a:t>
+            </a:r>
+            <a:endParaRPr lang="en-US" sz="3200" b="0" u="none" strike="noStrike">
               <a:solidFill>
                 <a:srgbClr val="000000"/>
               </a:solidFill>
@@ -7409,6 +7862,1174 @@
           </a:p>
         </p:txBody>
       </p:sp>
+      <p:graphicFrame>
+        <p:nvGraphicFramePr>
+          <p:cNvPr id="128" name=""/>
+          <p:cNvGraphicFramePr/>
+          <p:nvPr/>
+        </p:nvGraphicFramePr>
+        <p:xfrm>
+          <a:off x="1827000" y="733680"/>
+          <a:ext cx="8458200" cy="5715000"/>
+        </p:xfrm>
+        <a:graphic>
+          <a:graphicData uri="http://schemas.openxmlformats.org/drawingml/2006/table">
+            <a:tbl>
+              <a:tblPr/>
+              <a:tblGrid>
+                <a:gridCol w="2113560"/>
+                <a:gridCol w="1047600"/>
+                <a:gridCol w="3818880"/>
+                <a:gridCol w="1478160"/>
+              </a:tblGrid>
+              <a:tr h="272160">
+                <a:tc>
+                  <a:txBody>
+                    <a:bodyPr lIns="36000" rIns="36000" tIns="36000" bIns="36000" anchor="t">
+                      <a:noAutofit/>
+                    </a:bodyPr>
+                    <a:p>
+                      <a:pPr algn="ctr"/>
+                      <a:r>
+                        <a:rPr lang="en-US" sz="1400" b="0" u="none" strike="noStrike">
+                          <a:solidFill>
+                            <a:srgbClr val="000000"/>
+                          </a:solidFill>
+                          <a:effectLst/>
+                          <a:uFillTx/>
+                          <a:latin typeface="Arial"/>
+                        </a:rPr>
+                        <a:t>SIZE</a:t>
+                      </a:r>
+                      <a:endParaRPr lang="en-US" sz="1400" b="0" u="none" strike="noStrike">
+                        <a:solidFill>
+                          <a:srgbClr val="000000"/>
+                        </a:solidFill>
+                        <a:effectLst/>
+                        <a:uFillTx/>
+                        <a:latin typeface="Arial"/>
+                      </a:endParaRPr>
+                    </a:p>
+                  </a:txBody>
+                  <a:tcPr anchor="t" marL="36000" marR="36000" marT="36000" marB="36000">
+                    <a:lnL w="7200">
+                      <a:solidFill>
+                        <a:srgbClr val="000000"/>
+                      </a:solidFill>
+                      <a:prstDash val="solid"/>
+                    </a:lnL>
+                    <a:lnR w="7200">
+                      <a:solidFill>
+                        <a:srgbClr val="000000"/>
+                      </a:solidFill>
+                      <a:prstDash val="solid"/>
+                    </a:lnR>
+                    <a:lnT w="7200">
+                      <a:solidFill>
+                        <a:srgbClr val="000000"/>
+                      </a:solidFill>
+                      <a:prstDash val="solid"/>
+                    </a:lnT>
+                    <a:lnB w="7200">
+                      <a:solidFill>
+                        <a:srgbClr val="000000"/>
+                      </a:solidFill>
+                      <a:prstDash val="solid"/>
+                    </a:lnB>
+                    <a:noFill/>
+                  </a:tcPr>
+                </a:tc>
+                <a:tc>
+                  <a:txBody>
+                    <a:bodyPr lIns="36000" rIns="36000" tIns="36000" bIns="36000" anchor="t">
+                      <a:noAutofit/>
+                    </a:bodyPr>
+                    <a:p>
+                      <a:pPr algn="ctr"/>
+                      <a:r>
+                        <a:rPr lang="en-US" sz="1400" b="0" u="none" strike="noStrike">
+                          <a:solidFill>
+                            <a:srgbClr val="000000"/>
+                          </a:solidFill>
+                          <a:effectLst/>
+                          <a:uFillTx/>
+                          <a:latin typeface="Arial"/>
+                        </a:rPr>
+                        <a:t>VALUE</a:t>
+                      </a:r>
+                      <a:endParaRPr lang="en-US" sz="1400" b="0" u="none" strike="noStrike">
+                        <a:solidFill>
+                          <a:srgbClr val="000000"/>
+                        </a:solidFill>
+                        <a:effectLst/>
+                        <a:uFillTx/>
+                        <a:latin typeface="Arial"/>
+                      </a:endParaRPr>
+                    </a:p>
+                  </a:txBody>
+                  <a:tcPr anchor="t" marL="36000" marR="36000" marT="36000" marB="36000">
+                    <a:lnL w="7200">
+                      <a:solidFill>
+                        <a:srgbClr val="000000"/>
+                      </a:solidFill>
+                      <a:prstDash val="solid"/>
+                    </a:lnL>
+                    <a:lnR w="7200">
+                      <a:solidFill>
+                        <a:srgbClr val="000000"/>
+                      </a:solidFill>
+                      <a:prstDash val="solid"/>
+                    </a:lnR>
+                    <a:lnT w="7200">
+                      <a:solidFill>
+                        <a:srgbClr val="000000"/>
+                      </a:solidFill>
+                      <a:prstDash val="solid"/>
+                    </a:lnT>
+                    <a:lnB w="7200">
+                      <a:solidFill>
+                        <a:srgbClr val="000000"/>
+                      </a:solidFill>
+                      <a:prstDash val="solid"/>
+                    </a:lnB>
+                    <a:noFill/>
+                  </a:tcPr>
+                </a:tc>
+                <a:tc>
+                  <a:txBody>
+                    <a:bodyPr lIns="36000" rIns="36000" tIns="36000" bIns="36000" anchor="t">
+                      <a:noAutofit/>
+                    </a:bodyPr>
+                    <a:p>
+                      <a:pPr algn="ctr"/>
+                      <a:r>
+                        <a:rPr lang="en-US" sz="1400" b="0" u="none" strike="noStrike">
+                          <a:solidFill>
+                            <a:srgbClr val="000000"/>
+                          </a:solidFill>
+                          <a:effectLst/>
+                          <a:uFillTx/>
+                          <a:latin typeface="Arial"/>
+                        </a:rPr>
+                        <a:t>DESCRIPTION</a:t>
+                      </a:r>
+                      <a:endParaRPr lang="en-US" sz="1400" b="0" u="none" strike="noStrike">
+                        <a:solidFill>
+                          <a:srgbClr val="000000"/>
+                        </a:solidFill>
+                        <a:effectLst/>
+                        <a:uFillTx/>
+                        <a:latin typeface="Arial"/>
+                      </a:endParaRPr>
+                    </a:p>
+                  </a:txBody>
+                  <a:tcPr anchor="t" marL="36000" marR="36000" marT="36000" marB="36000">
+                    <a:lnL w="7200">
+                      <a:solidFill>
+                        <a:srgbClr val="000000"/>
+                      </a:solidFill>
+                      <a:prstDash val="solid"/>
+                    </a:lnL>
+                    <a:lnR w="7200">
+                      <a:solidFill>
+                        <a:srgbClr val="000000"/>
+                      </a:solidFill>
+                      <a:prstDash val="solid"/>
+                    </a:lnR>
+                    <a:lnT w="7200">
+                      <a:solidFill>
+                        <a:srgbClr val="000000"/>
+                      </a:solidFill>
+                      <a:prstDash val="solid"/>
+                    </a:lnT>
+                    <a:lnB w="7200">
+                      <a:solidFill>
+                        <a:srgbClr val="000000"/>
+                      </a:solidFill>
+                      <a:prstDash val="solid"/>
+                    </a:lnB>
+                    <a:noFill/>
+                  </a:tcPr>
+                </a:tc>
+                <a:tc>
+                  <a:txBody>
+                    <a:bodyPr lIns="36000" rIns="36000" tIns="36000" bIns="36000" anchor="t">
+                      <a:noAutofit/>
+                    </a:bodyPr>
+                    <a:p>
+                      <a:pPr algn="ctr"/>
+                      <a:r>
+                        <a:rPr lang="en-US" sz="1400" b="0" u="none" strike="noStrike">
+                          <a:solidFill>
+                            <a:srgbClr val="000000"/>
+                          </a:solidFill>
+                          <a:effectLst/>
+                          <a:uFillTx/>
+                          <a:latin typeface="Arial"/>
+                        </a:rPr>
+                        <a:t>MEANING </a:t>
+                      </a:r>
+                      <a:endParaRPr lang="en-US" sz="1400" b="0" u="none" strike="noStrike">
+                        <a:solidFill>
+                          <a:srgbClr val="000000"/>
+                        </a:solidFill>
+                        <a:effectLst/>
+                        <a:uFillTx/>
+                        <a:latin typeface="Arial"/>
+                      </a:endParaRPr>
+                    </a:p>
+                  </a:txBody>
+                  <a:tcPr anchor="t" marL="36000" marR="36000" marT="36000" marB="36000">
+                    <a:lnL w="7200">
+                      <a:solidFill>
+                        <a:srgbClr val="000000"/>
+                      </a:solidFill>
+                      <a:prstDash val="solid"/>
+                    </a:lnL>
+                    <a:lnR w="7200">
+                      <a:solidFill>
+                        <a:srgbClr val="000000"/>
+                      </a:solidFill>
+                      <a:prstDash val="solid"/>
+                    </a:lnR>
+                    <a:lnT w="7200">
+                      <a:solidFill>
+                        <a:srgbClr val="000000"/>
+                      </a:solidFill>
+                      <a:prstDash val="solid"/>
+                    </a:lnT>
+                    <a:lnB w="7200">
+                      <a:solidFill>
+                        <a:srgbClr val="000000"/>
+                      </a:solidFill>
+                      <a:prstDash val="solid"/>
+                    </a:lnB>
+                    <a:noFill/>
+                  </a:tcPr>
+                </a:tc>
+              </a:tr>
+              <a:tr h="2869560">
+                <a:tc>
+                  <a:txBody>
+                    <a:bodyPr lIns="36000" rIns="36000" tIns="36000" bIns="36000" anchor="t">
+                      <a:noAutofit/>
+                    </a:bodyPr>
+                    <a:p>
+                      <a:pPr algn="ctr"/>
+                      <a:r>
+                        <a:rPr lang="en-US" sz="1400" b="0" u="none" strike="noStrike">
+                          <a:solidFill>
+                            <a:srgbClr val="000000"/>
+                          </a:solidFill>
+                          <a:effectLst/>
+                          <a:uFillTx/>
+                          <a:latin typeface="Arial"/>
+                        </a:rPr>
+                        <a:t>BIG </a:t>
+                      </a:r>
+                      <a:endParaRPr lang="en-US" sz="1400" b="0" u="none" strike="noStrike">
+                        <a:solidFill>
+                          <a:srgbClr val="000000"/>
+                        </a:solidFill>
+                        <a:effectLst/>
+                        <a:uFillTx/>
+                        <a:latin typeface="Arial"/>
+                      </a:endParaRPr>
+                    </a:p>
+                  </a:txBody>
+                  <a:tcPr anchor="t" marL="36000" marR="36000" marT="36000" marB="36000">
+                    <a:lnL w="7200">
+                      <a:solidFill>
+                        <a:srgbClr val="000000"/>
+                      </a:solidFill>
+                      <a:prstDash val="solid"/>
+                    </a:lnL>
+                    <a:lnR w="7200">
+                      <a:solidFill>
+                        <a:srgbClr val="000000"/>
+                      </a:solidFill>
+                      <a:prstDash val="solid"/>
+                    </a:lnR>
+                    <a:lnT w="7200">
+                      <a:solidFill>
+                        <a:srgbClr val="000000"/>
+                      </a:solidFill>
+                      <a:prstDash val="solid"/>
+                    </a:lnT>
+                    <a:lnB w="7200">
+                      <a:solidFill>
+                        <a:srgbClr val="000000"/>
+                      </a:solidFill>
+                      <a:prstDash val="solid"/>
+                    </a:lnB>
+                    <a:noFill/>
+                  </a:tcPr>
+                </a:tc>
+                <a:tc>
+                  <a:txBody>
+                    <a:bodyPr lIns="36000" rIns="36000" tIns="36000" bIns="36000" anchor="t">
+                      <a:noAutofit/>
+                    </a:bodyPr>
+                    <a:p>
+                      <a:pPr algn="ctr"/>
+                      <a:r>
+                        <a:rPr lang="en-US" sz="1400" b="0" u="none" strike="noStrike">
+                          <a:solidFill>
+                            <a:srgbClr val="000000"/>
+                          </a:solidFill>
+                          <a:effectLst/>
+                          <a:uFillTx/>
+                          <a:latin typeface="Arial"/>
+                        </a:rPr>
+                        <a:t>201-301</a:t>
+                      </a:r>
+                      <a:endParaRPr lang="en-US" sz="1400" b="0" u="none" strike="noStrike">
+                        <a:solidFill>
+                          <a:srgbClr val="000000"/>
+                        </a:solidFill>
+                        <a:effectLst/>
+                        <a:uFillTx/>
+                        <a:latin typeface="Arial"/>
+                      </a:endParaRPr>
+                    </a:p>
+                  </a:txBody>
+                  <a:tcPr anchor="t" marL="36000" marR="36000" marT="36000" marB="36000">
+                    <a:lnL w="7200">
+                      <a:solidFill>
+                        <a:srgbClr val="000000"/>
+                      </a:solidFill>
+                      <a:prstDash val="solid"/>
+                    </a:lnL>
+                    <a:lnR w="7200">
+                      <a:solidFill>
+                        <a:srgbClr val="000000"/>
+                      </a:solidFill>
+                      <a:prstDash val="solid"/>
+                    </a:lnR>
+                    <a:lnT w="7200">
+                      <a:solidFill>
+                        <a:srgbClr val="000000"/>
+                      </a:solidFill>
+                      <a:prstDash val="solid"/>
+                    </a:lnT>
+                    <a:lnB w="7200">
+                      <a:solidFill>
+                        <a:srgbClr val="000000"/>
+                      </a:solidFill>
+                      <a:prstDash val="solid"/>
+                    </a:lnB>
+                    <a:noFill/>
+                  </a:tcPr>
+                </a:tc>
+                <a:tc>
+                  <a:txBody>
+                    <a:bodyPr lIns="36000" rIns="36000" tIns="36000" bIns="36000" anchor="t">
+                      <a:noAutofit/>
+                    </a:bodyPr>
+                    <a:p>
+                      <a:pPr marL="216000" indent="-216000" algn="ctr">
+                        <a:buClr>
+                          <a:srgbClr val="000000"/>
+                        </a:buClr>
+                        <a:buSzPct val="45000"/>
+                        <a:buFont typeface="Wingdings" charset="2"/>
+                        <a:buChar char=""/>
+                      </a:pPr>
+                      <a:r>
+                        <a:rPr lang="en-US" sz="1400" b="0" u="none" strike="noStrike">
+                          <a:solidFill>
+                            <a:srgbClr val="000000"/>
+                          </a:solidFill>
+                          <a:effectLst/>
+                          <a:uFillTx/>
+                          <a:latin typeface="Arial"/>
+                        </a:rPr>
+                        <a:t>Threshold changes slowly across image.</a:t>
+                      </a:r>
+                      <a:endParaRPr lang="en-US" sz="1400" b="0" u="none" strike="noStrike">
+                        <a:solidFill>
+                          <a:srgbClr val="000000"/>
+                        </a:solidFill>
+                        <a:effectLst/>
+                        <a:uFillTx/>
+                        <a:latin typeface="Arial"/>
+                      </a:endParaRPr>
+                    </a:p>
+                    <a:p>
+                      <a:pPr marL="216000" indent="-216000" algn="ctr">
+                        <a:buClr>
+                          <a:srgbClr val="000000"/>
+                        </a:buClr>
+                        <a:buSzPct val="45000"/>
+                        <a:buFont typeface="Wingdings" charset="2"/>
+                        <a:buChar char=""/>
+                      </a:pPr>
+                      <a:r>
+                        <a:rPr lang="en-US" sz="1400" b="0" u="none" strike="noStrike">
+                          <a:solidFill>
+                            <a:srgbClr val="000000"/>
+                          </a:solidFill>
+                          <a:effectLst/>
+                          <a:uFillTx/>
+                          <a:latin typeface="Arial"/>
+                        </a:rPr>
+                        <a:t>Good for smooth illumination.</a:t>
+                      </a:r>
+                      <a:endParaRPr lang="en-US" sz="1400" b="0" u="none" strike="noStrike">
+                        <a:solidFill>
+                          <a:srgbClr val="000000"/>
+                        </a:solidFill>
+                        <a:effectLst/>
+                        <a:uFillTx/>
+                        <a:latin typeface="Arial"/>
+                      </a:endParaRPr>
+                    </a:p>
+                    <a:p>
+                      <a:pPr marL="216000" indent="-216000" algn="ctr">
+                        <a:buClr>
+                          <a:srgbClr val="000000"/>
+                        </a:buClr>
+                        <a:buSzPct val="45000"/>
+                        <a:buFont typeface="Wingdings" charset="2"/>
+                        <a:buChar char=""/>
+                      </a:pPr>
+                      <a:r>
+                        <a:rPr lang="en-US" sz="1400" b="0" u="none" strike="noStrike">
+                          <a:solidFill>
+                            <a:srgbClr val="000000"/>
+                          </a:solidFill>
+                          <a:effectLst/>
+                          <a:uFillTx/>
+                          <a:latin typeface="Arial"/>
+                        </a:rPr>
+                        <a:t>Good for thick neurites.</a:t>
+                      </a:r>
+                      <a:endParaRPr lang="en-US" sz="1400" b="0" u="none" strike="noStrike">
+                        <a:solidFill>
+                          <a:srgbClr val="000000"/>
+                        </a:solidFill>
+                        <a:effectLst/>
+                        <a:uFillTx/>
+                        <a:latin typeface="Arial"/>
+                      </a:endParaRPr>
+                    </a:p>
+                    <a:p>
+                      <a:pPr marL="216000" indent="-216000" algn="ctr">
+                        <a:buClr>
+                          <a:srgbClr val="000000"/>
+                        </a:buClr>
+                        <a:buSzPct val="45000"/>
+                        <a:buFont typeface="Wingdings" charset="2"/>
+                        <a:buChar char=""/>
+                      </a:pPr>
+                      <a:r>
+                        <a:rPr lang="en-US" sz="1400" b="0" u="none" strike="noStrike">
+                          <a:solidFill>
+                            <a:srgbClr val="ff0000"/>
+                          </a:solidFill>
+                          <a:effectLst/>
+                          <a:uFillTx/>
+                          <a:latin typeface="Arial"/>
+                        </a:rPr>
+                        <a:t>May miss very thin branches.</a:t>
+                      </a:r>
+                      <a:endParaRPr lang="en-US" sz="1400" b="0" u="none" strike="noStrike">
+                        <a:solidFill>
+                          <a:srgbClr val="000000"/>
+                        </a:solidFill>
+                        <a:effectLst/>
+                        <a:uFillTx/>
+                        <a:latin typeface="Arial"/>
+                      </a:endParaRPr>
+                    </a:p>
+                    <a:p>
+                      <a:pPr marL="216000" indent="-216000" algn="ctr">
+                        <a:buClr>
+                          <a:srgbClr val="000000"/>
+                        </a:buClr>
+                        <a:buSzPct val="45000"/>
+                        <a:buFont typeface="Wingdings" charset="2"/>
+                        <a:buChar char=""/>
+                      </a:pPr>
+                      <a:r>
+                        <a:rPr lang="en-US" sz="1400" b="0" u="none" strike="noStrike">
+                          <a:solidFill>
+                            <a:srgbClr val="ff0000"/>
+                          </a:solidFill>
+                          <a:effectLst/>
+                          <a:uFillTx/>
+                          <a:latin typeface="Arial"/>
+                        </a:rPr>
+                        <a:t>Can create small gaps in thin areas.</a:t>
+                      </a:r>
+                      <a:endParaRPr lang="en-US" sz="1400" b="0" u="none" strike="noStrike">
+                        <a:solidFill>
+                          <a:srgbClr val="000000"/>
+                        </a:solidFill>
+                        <a:effectLst/>
+                        <a:uFillTx/>
+                        <a:latin typeface="Arial"/>
+                      </a:endParaRPr>
+                    </a:p>
+                    <a:p>
+                      <a:pPr marL="216000" indent="-216000" algn="ctr">
+                        <a:buClr>
+                          <a:srgbClr val="000000"/>
+                        </a:buClr>
+                        <a:buSzPct val="45000"/>
+                        <a:buFont typeface="Wingdings" charset="2"/>
+                        <a:buChar char=""/>
+                      </a:pPr>
+                      <a:endParaRPr lang="en-US" sz="1400" b="0" u="none" strike="noStrike">
+                        <a:solidFill>
+                          <a:srgbClr val="000000"/>
+                        </a:solidFill>
+                        <a:effectLst/>
+                        <a:uFillTx/>
+                        <a:latin typeface="Arial"/>
+                      </a:endParaRPr>
+                    </a:p>
+                    <a:p>
+                      <a:pPr algn="ctr"/>
+                      <a:r>
+                        <a:rPr lang="en-US" sz="1400" b="0" u="none" strike="noStrike">
+                          <a:solidFill>
+                            <a:srgbClr val="000000"/>
+                          </a:solidFill>
+                          <a:effectLst/>
+                          <a:uFillTx/>
+                          <a:latin typeface="Arial"/>
+                        </a:rPr>
+                        <a:t>In simply words:</a:t>
+                      </a:r>
+                      <a:endParaRPr lang="en-US" sz="1400" b="0" u="none" strike="noStrike">
+                        <a:solidFill>
+                          <a:srgbClr val="000000"/>
+                        </a:solidFill>
+                        <a:effectLst/>
+                        <a:uFillTx/>
+                        <a:latin typeface="Arial"/>
+                      </a:endParaRPr>
+                    </a:p>
+                    <a:p>
+                      <a:pPr algn="ctr"/>
+                      <a:r>
+                        <a:rPr lang="en-US" sz="1400" b="0" u="none" strike="noStrike">
+                          <a:solidFill>
+                            <a:srgbClr val="000000"/>
+                          </a:solidFill>
+                          <a:effectLst/>
+                          <a:uFillTx/>
+                          <a:latin typeface="Arial"/>
+                        </a:rPr>
+                        <a:t>“You judge brightness compared to a large region.”</a:t>
+                      </a:r>
+                      <a:endParaRPr lang="en-US" sz="1400" b="0" u="none" strike="noStrike">
+                        <a:solidFill>
+                          <a:srgbClr val="000000"/>
+                        </a:solidFill>
+                        <a:effectLst/>
+                        <a:uFillTx/>
+                        <a:latin typeface="Arial"/>
+                      </a:endParaRPr>
+                    </a:p>
+                    <a:p>
+                      <a:pPr algn="ctr"/>
+                      <a:endParaRPr lang="en-US" sz="1400" b="0" u="none" strike="noStrike">
+                        <a:solidFill>
+                          <a:srgbClr val="000000"/>
+                        </a:solidFill>
+                        <a:effectLst/>
+                        <a:uFillTx/>
+                        <a:latin typeface="Arial"/>
+                      </a:endParaRPr>
+                    </a:p>
+                  </a:txBody>
+                  <a:tcPr anchor="t" marL="36000" marR="36000" marT="36000" marB="36000">
+                    <a:lnL w="7200">
+                      <a:solidFill>
+                        <a:srgbClr val="000000"/>
+                      </a:solidFill>
+                      <a:prstDash val="solid"/>
+                    </a:lnL>
+                    <a:lnR w="7200">
+                      <a:solidFill>
+                        <a:srgbClr val="000000"/>
+                      </a:solidFill>
+                      <a:prstDash val="solid"/>
+                    </a:lnR>
+                    <a:lnT w="7200">
+                      <a:solidFill>
+                        <a:srgbClr val="000000"/>
+                      </a:solidFill>
+                      <a:prstDash val="solid"/>
+                    </a:lnT>
+                    <a:lnB w="7200">
+                      <a:solidFill>
+                        <a:srgbClr val="000000"/>
+                      </a:solidFill>
+                      <a:prstDash val="solid"/>
+                    </a:lnB>
+                    <a:noFill/>
+                  </a:tcPr>
+                </a:tc>
+                <a:tc>
+                  <a:txBody>
+                    <a:bodyPr lIns="36000" rIns="36000" tIns="36000" bIns="36000" anchor="t">
+                      <a:noAutofit/>
+                    </a:bodyPr>
+                    <a:p>
+                      <a:pPr algn="ctr"/>
+                      <a:r>
+                        <a:rPr lang="en-US" sz="1400" b="0" u="none" strike="noStrike">
+                          <a:solidFill>
+                            <a:srgbClr val="000000"/>
+                          </a:solidFill>
+                          <a:effectLst/>
+                          <a:uFillTx/>
+                          <a:latin typeface="Arial"/>
+                        </a:rPr>
+                        <a:t>Smooth, conservative mask </a:t>
+                      </a:r>
+                      <a:endParaRPr lang="en-US" sz="1400" b="0" u="none" strike="noStrike">
+                        <a:solidFill>
+                          <a:srgbClr val="000000"/>
+                        </a:solidFill>
+                        <a:effectLst/>
+                        <a:uFillTx/>
+                        <a:latin typeface="Arial"/>
+                      </a:endParaRPr>
+                    </a:p>
+                  </a:txBody>
+                  <a:tcPr anchor="t" marL="36000" marR="36000" marT="36000" marB="36000">
+                    <a:lnL w="7200">
+                      <a:solidFill>
+                        <a:srgbClr val="000000"/>
+                      </a:solidFill>
+                      <a:prstDash val="solid"/>
+                    </a:lnL>
+                    <a:lnR w="7200">
+                      <a:solidFill>
+                        <a:srgbClr val="000000"/>
+                      </a:solidFill>
+                      <a:prstDash val="solid"/>
+                    </a:lnR>
+                    <a:lnT w="7200">
+                      <a:solidFill>
+                        <a:srgbClr val="000000"/>
+                      </a:solidFill>
+                      <a:prstDash val="solid"/>
+                    </a:lnT>
+                    <a:lnB w="7200">
+                      <a:solidFill>
+                        <a:srgbClr val="000000"/>
+                      </a:solidFill>
+                      <a:prstDash val="solid"/>
+                    </a:lnB>
+                    <a:noFill/>
+                  </a:tcPr>
+                </a:tc>
+              </a:tr>
+              <a:tr h="2669760">
+                <a:tc>
+                  <a:txBody>
+                    <a:bodyPr lIns="36000" rIns="36000" tIns="36000" bIns="36000" anchor="t">
+                      <a:noAutofit/>
+                    </a:bodyPr>
+                    <a:p>
+                      <a:pPr algn="ctr"/>
+                      <a:r>
+                        <a:rPr lang="en-US" sz="1400" b="0" u="none" strike="noStrike">
+                          <a:solidFill>
+                            <a:srgbClr val="000000"/>
+                          </a:solidFill>
+                          <a:effectLst/>
+                          <a:uFillTx/>
+                          <a:latin typeface="Arial"/>
+                        </a:rPr>
+                        <a:t>SMALL</a:t>
+                      </a:r>
+                      <a:endParaRPr lang="en-US" sz="1400" b="0" u="none" strike="noStrike">
+                        <a:solidFill>
+                          <a:srgbClr val="000000"/>
+                        </a:solidFill>
+                        <a:effectLst/>
+                        <a:uFillTx/>
+                        <a:latin typeface="Arial"/>
+                      </a:endParaRPr>
+                    </a:p>
+                  </a:txBody>
+                  <a:tcPr anchor="t" marL="36000" marR="36000" marT="36000" marB="36000">
+                    <a:lnL w="7200">
+                      <a:solidFill>
+                        <a:srgbClr val="000000"/>
+                      </a:solidFill>
+                      <a:prstDash val="solid"/>
+                    </a:lnL>
+                    <a:lnR w="7200">
+                      <a:solidFill>
+                        <a:srgbClr val="000000"/>
+                      </a:solidFill>
+                      <a:prstDash val="solid"/>
+                    </a:lnR>
+                    <a:lnT w="7200">
+                      <a:solidFill>
+                        <a:srgbClr val="000000"/>
+                      </a:solidFill>
+                      <a:prstDash val="solid"/>
+                    </a:lnT>
+                    <a:lnB w="7200">
+                      <a:solidFill>
+                        <a:srgbClr val="000000"/>
+                      </a:solidFill>
+                      <a:prstDash val="solid"/>
+                    </a:lnB>
+                    <a:noFill/>
+                  </a:tcPr>
+                </a:tc>
+                <a:tc>
+                  <a:txBody>
+                    <a:bodyPr lIns="36000" rIns="36000" tIns="36000" bIns="36000" anchor="t">
+                      <a:noAutofit/>
+                    </a:bodyPr>
+                    <a:p>
+                      <a:pPr algn="ctr"/>
+                      <a:r>
+                        <a:rPr lang="en-US" sz="1400" b="0" u="none" strike="noStrike">
+                          <a:solidFill>
+                            <a:srgbClr val="000000"/>
+                          </a:solidFill>
+                          <a:effectLst/>
+                          <a:uFillTx/>
+                          <a:latin typeface="Arial"/>
+                        </a:rPr>
+                        <a:t>51-91</a:t>
+                      </a:r>
+                      <a:endParaRPr lang="en-US" sz="1400" b="0" u="none" strike="noStrike">
+                        <a:solidFill>
+                          <a:srgbClr val="000000"/>
+                        </a:solidFill>
+                        <a:effectLst/>
+                        <a:uFillTx/>
+                        <a:latin typeface="Arial"/>
+                      </a:endParaRPr>
+                    </a:p>
+                  </a:txBody>
+                  <a:tcPr anchor="t" marL="36000" marR="36000" marT="36000" marB="36000">
+                    <a:lnL w="7200">
+                      <a:solidFill>
+                        <a:srgbClr val="000000"/>
+                      </a:solidFill>
+                      <a:prstDash val="solid"/>
+                    </a:lnL>
+                    <a:lnR w="7200">
+                      <a:solidFill>
+                        <a:srgbClr val="000000"/>
+                      </a:solidFill>
+                      <a:prstDash val="solid"/>
+                    </a:lnR>
+                    <a:lnT w="7200">
+                      <a:solidFill>
+                        <a:srgbClr val="000000"/>
+                      </a:solidFill>
+                      <a:prstDash val="solid"/>
+                    </a:lnT>
+                    <a:lnB w="7200">
+                      <a:solidFill>
+                        <a:srgbClr val="000000"/>
+                      </a:solidFill>
+                      <a:prstDash val="solid"/>
+                    </a:lnB>
+                    <a:noFill/>
+                  </a:tcPr>
+                </a:tc>
+                <a:tc>
+                  <a:txBody>
+                    <a:bodyPr lIns="36000" rIns="36000" tIns="36000" bIns="36000" anchor="t">
+                      <a:noAutofit/>
+                    </a:bodyPr>
+                    <a:p>
+                      <a:pPr marL="216000" indent="-216000" algn="ctr">
+                        <a:buClr>
+                          <a:srgbClr val="000000"/>
+                        </a:buClr>
+                        <a:buSzPct val="45000"/>
+                        <a:buFont typeface="Wingdings" charset="2"/>
+                        <a:buChar char=""/>
+                      </a:pPr>
+                      <a:r>
+                        <a:rPr lang="en-US" sz="1400" b="0" u="none" strike="noStrike">
+                          <a:solidFill>
+                            <a:srgbClr val="000000"/>
+                          </a:solidFill>
+                          <a:effectLst/>
+                          <a:uFillTx/>
+                          <a:latin typeface="Arial"/>
+                        </a:rPr>
+                        <a:t>Detects thin neurites </a:t>
+                      </a:r>
+                      <a:r>
+                        <a:rPr lang="en-US" sz="1400" b="0" u="none" strike="noStrike">
+                          <a:solidFill>
+                            <a:srgbClr val="000000"/>
+                          </a:solidFill>
+                          <a:effectLst/>
+                          <a:uFillTx/>
+                          <a:latin typeface="Arial"/>
+                        </a:rPr>
+                        <a:t>better.</a:t>
+                      </a:r>
+                      <a:endParaRPr lang="en-US" sz="1400" b="0" u="none" strike="noStrike">
+                        <a:solidFill>
+                          <a:srgbClr val="000000"/>
+                        </a:solidFill>
+                        <a:effectLst/>
+                        <a:uFillTx/>
+                        <a:latin typeface="Arial"/>
+                      </a:endParaRPr>
+                    </a:p>
+                    <a:p>
+                      <a:pPr marL="216000" indent="-216000" algn="ctr">
+                        <a:buClr>
+                          <a:srgbClr val="000000"/>
+                        </a:buClr>
+                        <a:buSzPct val="45000"/>
+                        <a:buFont typeface="Wingdings" charset="2"/>
+                        <a:buChar char=""/>
+                      </a:pPr>
+                      <a:r>
+                        <a:rPr lang="en-US" sz="1400" b="0" u="none" strike="noStrike">
+                          <a:solidFill>
+                            <a:srgbClr val="000000"/>
+                          </a:solidFill>
+                          <a:effectLst/>
+                          <a:uFillTx/>
+                          <a:latin typeface="Arial"/>
+                        </a:rPr>
+                        <a:t>Adapts quickly to </a:t>
+                      </a:r>
+                      <a:r>
+                        <a:rPr lang="en-US" sz="1400" b="0" u="none" strike="noStrike">
+                          <a:solidFill>
+                            <a:srgbClr val="000000"/>
+                          </a:solidFill>
+                          <a:effectLst/>
+                          <a:uFillTx/>
+                          <a:latin typeface="Arial"/>
+                        </a:rPr>
+                        <a:t>local changes.</a:t>
+                      </a:r>
+                      <a:endParaRPr lang="en-US" sz="1400" b="0" u="none" strike="noStrike">
+                        <a:solidFill>
+                          <a:srgbClr val="000000"/>
+                        </a:solidFill>
+                        <a:effectLst/>
+                        <a:uFillTx/>
+                        <a:latin typeface="Arial"/>
+                      </a:endParaRPr>
+                    </a:p>
+                    <a:p>
+                      <a:pPr marL="216000" indent="-216000" algn="ctr">
+                        <a:buClr>
+                          <a:srgbClr val="000000"/>
+                        </a:buClr>
+                        <a:buSzPct val="45000"/>
+                        <a:buFont typeface="Wingdings" charset="2"/>
+                        <a:buChar char=""/>
+                      </a:pPr>
+                      <a:r>
+                        <a:rPr lang="en-US" sz="1400" b="0" u="none" strike="noStrike">
+                          <a:solidFill>
+                            <a:srgbClr val="ff0000"/>
+                          </a:solidFill>
+                          <a:effectLst/>
+                          <a:uFillTx/>
+                          <a:latin typeface="Arial"/>
+                        </a:rPr>
+                        <a:t>More sensitive to </a:t>
+                      </a:r>
+                      <a:r>
+                        <a:rPr lang="en-US" sz="1400" b="0" u="none" strike="noStrike">
+                          <a:solidFill>
+                            <a:srgbClr val="ff0000"/>
+                          </a:solidFill>
+                          <a:effectLst/>
+                          <a:uFillTx/>
+                          <a:latin typeface="Arial"/>
+                        </a:rPr>
+                        <a:t>noise.</a:t>
+                      </a:r>
+                      <a:endParaRPr lang="en-US" sz="1400" b="0" u="none" strike="noStrike">
+                        <a:solidFill>
+                          <a:srgbClr val="000000"/>
+                        </a:solidFill>
+                        <a:effectLst/>
+                        <a:uFillTx/>
+                        <a:latin typeface="Arial"/>
+                      </a:endParaRPr>
+                    </a:p>
+                    <a:p>
+                      <a:pPr marL="216000" indent="-216000" algn="ctr">
+                        <a:buClr>
+                          <a:srgbClr val="000000"/>
+                        </a:buClr>
+                        <a:buSzPct val="45000"/>
+                        <a:buFont typeface="Wingdings" charset="2"/>
+                        <a:buChar char=""/>
+                      </a:pPr>
+                      <a:r>
+                        <a:rPr lang="en-US" sz="1400" b="0" u="none" strike="noStrike">
+                          <a:solidFill>
+                            <a:srgbClr val="ff0000"/>
+                          </a:solidFill>
+                          <a:effectLst/>
+                          <a:uFillTx/>
+                          <a:latin typeface="Arial"/>
+                        </a:rPr>
+                        <a:t> Mask may look </a:t>
+                      </a:r>
+                      <a:r>
+                        <a:rPr lang="en-US" sz="1400" b="0" u="none" strike="noStrike">
+                          <a:solidFill>
+                            <a:srgbClr val="ff0000"/>
+                          </a:solidFill>
+                          <a:effectLst/>
+                          <a:uFillTx/>
+                          <a:latin typeface="Arial"/>
+                        </a:rPr>
+                        <a:t>patchy.</a:t>
+                      </a:r>
+                      <a:endParaRPr lang="en-US" sz="1400" b="0" u="none" strike="noStrike">
+                        <a:solidFill>
+                          <a:srgbClr val="000000"/>
+                        </a:solidFill>
+                        <a:effectLst/>
+                        <a:uFillTx/>
+                        <a:latin typeface="Arial"/>
+                      </a:endParaRPr>
+                    </a:p>
+                    <a:p>
+                      <a:pPr algn="ctr"/>
+                      <a:endParaRPr lang="en-US" sz="1400" b="0" u="none" strike="noStrike">
+                        <a:solidFill>
+                          <a:srgbClr val="000000"/>
+                        </a:solidFill>
+                        <a:effectLst/>
+                        <a:uFillTx/>
+                        <a:latin typeface="Arial"/>
+                      </a:endParaRPr>
+                    </a:p>
+                    <a:p>
+                      <a:pPr algn="ctr"/>
+                      <a:r>
+                        <a:rPr lang="en-US" sz="1400" b="0" u="none" strike="noStrike">
+                          <a:solidFill>
+                            <a:srgbClr val="000000"/>
+                          </a:solidFill>
+                          <a:effectLst/>
+                          <a:uFillTx/>
+                          <a:latin typeface="Arial"/>
+                        </a:rPr>
+                        <a:t>In simply words:</a:t>
+                      </a:r>
+                      <a:endParaRPr lang="en-US" sz="1400" b="0" u="none" strike="noStrike">
+                        <a:solidFill>
+                          <a:srgbClr val="000000"/>
+                        </a:solidFill>
+                        <a:effectLst/>
+                        <a:uFillTx/>
+                        <a:latin typeface="Arial"/>
+                      </a:endParaRPr>
+                    </a:p>
+                    <a:p>
+                      <a:pPr algn="ctr"/>
+                      <a:r>
+                        <a:rPr lang="en-US" sz="1400" b="0" u="none" strike="noStrike">
+                          <a:solidFill>
+                            <a:srgbClr val="000000"/>
+                          </a:solidFill>
+                          <a:effectLst/>
+                          <a:uFillTx/>
+                          <a:latin typeface="Arial"/>
+                        </a:rPr>
+                        <a:t>“You judge brightness </a:t>
+                      </a:r>
+                      <a:r>
+                        <a:rPr lang="en-US" sz="1400" b="0" u="none" strike="noStrike">
+                          <a:solidFill>
+                            <a:srgbClr val="000000"/>
+                          </a:solidFill>
+                          <a:effectLst/>
+                          <a:uFillTx/>
+                          <a:latin typeface="Arial"/>
+                        </a:rPr>
+                        <a:t>compared to a tiny </a:t>
+                      </a:r>
+                      <a:r>
+                        <a:rPr lang="en-US" sz="1400" b="0" u="none" strike="noStrike">
+                          <a:solidFill>
+                            <a:srgbClr val="000000"/>
+                          </a:solidFill>
+                          <a:effectLst/>
+                          <a:uFillTx/>
+                          <a:latin typeface="Arial"/>
+                        </a:rPr>
+                        <a:t>neighborhood.”</a:t>
+                      </a:r>
+                      <a:endParaRPr lang="en-US" sz="1400" b="0" u="none" strike="noStrike">
+                        <a:solidFill>
+                          <a:srgbClr val="000000"/>
+                        </a:solidFill>
+                        <a:effectLst/>
+                        <a:uFillTx/>
+                        <a:latin typeface="Arial"/>
+                      </a:endParaRPr>
+                    </a:p>
+                    <a:p>
+                      <a:pPr algn="ctr"/>
+                      <a:endParaRPr lang="en-US" sz="1400" b="0" u="none" strike="noStrike">
+                        <a:solidFill>
+                          <a:srgbClr val="000000"/>
+                        </a:solidFill>
+                        <a:effectLst/>
+                        <a:uFillTx/>
+                        <a:latin typeface="Arial"/>
+                      </a:endParaRPr>
+                    </a:p>
+                  </a:txBody>
+                  <a:tcPr anchor="t" marL="36000" marR="36000" marT="36000" marB="36000">
+                    <a:lnL w="7200">
+                      <a:solidFill>
+                        <a:srgbClr val="000000"/>
+                      </a:solidFill>
+                      <a:prstDash val="solid"/>
+                    </a:lnL>
+                    <a:lnR w="7200">
+                      <a:solidFill>
+                        <a:srgbClr val="000000"/>
+                      </a:solidFill>
+                      <a:prstDash val="solid"/>
+                    </a:lnR>
+                    <a:lnT w="7200">
+                      <a:solidFill>
+                        <a:srgbClr val="000000"/>
+                      </a:solidFill>
+                      <a:prstDash val="solid"/>
+                    </a:lnT>
+                    <a:lnB w="7200">
+                      <a:solidFill>
+                        <a:srgbClr val="000000"/>
+                      </a:solidFill>
+                      <a:prstDash val="solid"/>
+                    </a:lnB>
+                    <a:noFill/>
+                  </a:tcPr>
+                </a:tc>
+                <a:tc>
+                  <a:txBody>
+                    <a:bodyPr lIns="36000" rIns="36000" tIns="36000" bIns="36000" anchor="t">
+                      <a:noAutofit/>
+                    </a:bodyPr>
+                    <a:p>
+                      <a:pPr algn="ctr"/>
+                      <a:r>
+                        <a:rPr lang="en-US" sz="1400" b="0" u="none" strike="noStrike">
+                          <a:solidFill>
+                            <a:srgbClr val="000000"/>
+                          </a:solidFill>
+                          <a:effectLst/>
+                          <a:uFillTx/>
+                          <a:latin typeface="Arial"/>
+                        </a:rPr>
+                        <a:t>Sensit</a:t>
+                      </a:r>
+                      <a:r>
+                        <a:rPr lang="en-US" sz="1400" b="0" u="none" strike="noStrike">
+                          <a:solidFill>
+                            <a:srgbClr val="000000"/>
+                          </a:solidFill>
+                          <a:effectLst/>
+                          <a:uFillTx/>
+                          <a:latin typeface="Arial"/>
+                        </a:rPr>
+                        <a:t>ive, </a:t>
+                      </a:r>
+                      <a:r>
+                        <a:rPr lang="en-US" sz="1400" b="0" u="none" strike="noStrike">
+                          <a:solidFill>
+                            <a:srgbClr val="000000"/>
+                          </a:solidFill>
+                          <a:effectLst/>
+                          <a:uFillTx/>
+                          <a:latin typeface="Arial"/>
+                        </a:rPr>
+                        <a:t>detail</a:t>
+                      </a:r>
+                      <a:r>
+                        <a:rPr lang="en-US" sz="1400" b="0" u="none" strike="noStrike">
+                          <a:solidFill>
+                            <a:srgbClr val="000000"/>
+                          </a:solidFill>
+                          <a:effectLst/>
+                          <a:uFillTx/>
+                          <a:latin typeface="Arial"/>
+                        </a:rPr>
+                        <a:t>ed </a:t>
+                      </a:r>
+                      <a:r>
+                        <a:rPr lang="en-US" sz="1400" b="0" u="none" strike="noStrike">
+                          <a:solidFill>
+                            <a:srgbClr val="000000"/>
+                          </a:solidFill>
+                          <a:effectLst/>
+                          <a:uFillTx/>
+                          <a:latin typeface="Arial"/>
+                        </a:rPr>
+                        <a:t>mask </a:t>
+                      </a:r>
+                      <a:endParaRPr lang="en-US" sz="1400" b="0" u="none" strike="noStrike">
+                        <a:solidFill>
+                          <a:srgbClr val="000000"/>
+                        </a:solidFill>
+                        <a:effectLst/>
+                        <a:uFillTx/>
+                        <a:latin typeface="Arial"/>
+                      </a:endParaRPr>
+                    </a:p>
+                  </a:txBody>
+                  <a:tcPr anchor="t" marL="36000" marR="36000" marT="36000" marB="36000">
+                    <a:lnL w="7200">
+                      <a:solidFill>
+                        <a:srgbClr val="000000"/>
+                      </a:solidFill>
+                      <a:prstDash val="solid"/>
+                    </a:lnL>
+                    <a:lnR w="7200">
+                      <a:solidFill>
+                        <a:srgbClr val="000000"/>
+                      </a:solidFill>
+                      <a:prstDash val="solid"/>
+                    </a:lnR>
+                    <a:lnT w="7200">
+                      <a:solidFill>
+                        <a:srgbClr val="000000"/>
+                      </a:solidFill>
+                      <a:prstDash val="solid"/>
+                    </a:lnT>
+                    <a:lnB w="7200">
+                      <a:solidFill>
+                        <a:srgbClr val="000000"/>
+                      </a:solidFill>
+                      <a:prstDash val="solid"/>
+                    </a:lnB>
+                    <a:noFill/>
+                  </a:tcPr>
+                </a:tc>
+              </a:tr>
+            </a:tbl>
+          </a:graphicData>
+        </a:graphic>
+      </p:graphicFrame>
     </p:spTree>
   </p:cSld>
   <mc:AlternateContent>
@@ -7441,14 +9062,73 @@
       </p:grpSpPr>
       <p:sp>
         <p:nvSpPr>
-          <p:cNvPr id="107" name=""/>
+          <p:cNvPr id="129" name="PlaceHolder 1"/>
+          <p:cNvSpPr>
+            <a:spLocks noGrp="1"/>
+          </p:cNvSpPr>
+          <p:nvPr>
+            <p:ph type="title"/>
+          </p:nvPr>
+        </p:nvSpPr>
+        <p:spPr>
+          <a:xfrm>
+            <a:off x="609480" y="-1440"/>
+            <a:ext cx="10964880" cy="582480"/>
+          </a:xfrm>
+          <a:prstGeom prst="rect">
+            <a:avLst/>
+          </a:prstGeom>
+          <a:noFill/>
+          <a:ln w="0">
+            <a:noFill/>
+          </a:ln>
+        </p:spPr>
+        <p:txBody>
+          <a:bodyPr lIns="0" rIns="0" tIns="0" bIns="0" anchor="ctr">
+            <a:spAutoFit/>
+          </a:bodyPr>
+          <a:p>
+            <a:pPr indent="0">
+              <a:lnSpc>
+                <a:spcPct val="100000"/>
+              </a:lnSpc>
+              <a:buNone/>
+              <a:tabLst>
+                <a:tab algn="l" pos="0"/>
+              </a:tabLst>
+            </a:pPr>
+            <a:r>
+              <a:rPr lang="en-US" sz="3200" b="1" u="none" strike="noStrike">
+                <a:solidFill>
+                  <a:srgbClr val="ff0000"/>
+                </a:solidFill>
+                <a:effectLst/>
+                <a:uFillTx/>
+                <a:latin typeface="Arial"/>
+              </a:rPr>
+              <a:t>Threshold offset std multiplier</a:t>
+            </a:r>
+            <a:endParaRPr lang="en-US" sz="3200" b="0" u="none" strike="noStrike">
+              <a:solidFill>
+                <a:srgbClr val="000000"/>
+              </a:solidFill>
+              <a:effectLst/>
+              <a:uFillTx/>
+              <a:latin typeface="Arial"/>
+            </a:endParaRPr>
+          </a:p>
+        </p:txBody>
+      </p:sp>
+      <p:sp>
+        <p:nvSpPr>
+          <p:cNvPr id="130" name=""/>
           <p:cNvSpPr/>
           <p:nvPr/>
         </p:nvSpPr>
         <p:spPr>
           <a:xfrm>
-            <a:off x="914400" y="914400"/>
-            <a:ext cx="10054800" cy="1095120"/>
+            <a:off x="228600" y="685800"/>
+            <a:ext cx="11655000" cy="7578720"/>
           </a:xfrm>
           <a:prstGeom prst="rect">
             <a:avLst/>
@@ -7475,7 +9155,149 @@
               </a:lnSpc>
             </a:pPr>
             <a:r>
-              <a:rPr lang="en-US" sz="2600" b="1" u="none" strike="noStrike">
+              <a:rPr lang="en-US" sz="1800" b="1" u="none" strike="noStrike">
+                <a:solidFill>
+                  <a:srgbClr val="000000"/>
+                </a:solidFill>
+                <a:effectLst/>
+                <a:uFillTx/>
+                <a:latin typeface="Arial"/>
+                <a:ea typeface="SimSun"/>
+              </a:rPr>
+              <a:t>How strict are we?</a:t>
+            </a:r>
+            <a:endParaRPr lang="en-US" sz="1800" b="0" u="none" strike="noStrike">
+              <a:solidFill>
+                <a:srgbClr val="000000"/>
+              </a:solidFill>
+              <a:effectLst/>
+              <a:uFillTx/>
+              <a:latin typeface="Arial"/>
+            </a:endParaRPr>
+          </a:p>
+          <a:p>
+            <a:pPr>
+              <a:lnSpc>
+                <a:spcPct val="100000"/>
+              </a:lnSpc>
+              <a:spcBef>
+                <a:spcPts val="1191"/>
+              </a:spcBef>
+              <a:spcAft>
+                <a:spcPts val="992"/>
+              </a:spcAft>
+            </a:pPr>
+            <a:r>
+              <a:rPr lang="en-US" sz="1800" b="0" u="none" strike="noStrike">
+                <a:solidFill>
+                  <a:srgbClr val="000000"/>
+                </a:solidFill>
+                <a:effectLst/>
+                <a:uFillTx/>
+                <a:latin typeface="Arial"/>
+                <a:ea typeface="SimSun"/>
+              </a:rPr>
+              <a:t>This controls how much we lower the threshold so this value decides how easy it is for a pixel to be considered neurite.</a:t>
+            </a:r>
+            <a:endParaRPr lang="en-US" sz="1800" b="0" u="none" strike="noStrike">
+              <a:solidFill>
+                <a:srgbClr val="000000"/>
+              </a:solidFill>
+              <a:effectLst/>
+              <a:uFillTx/>
+              <a:latin typeface="Arial"/>
+            </a:endParaRPr>
+          </a:p>
+          <a:p>
+            <a:pPr marL="216000" indent="-216000">
+              <a:lnSpc>
+                <a:spcPct val="100000"/>
+              </a:lnSpc>
+              <a:spcBef>
+                <a:spcPts val="624"/>
+              </a:spcBef>
+              <a:spcAft>
+                <a:spcPts val="425"/>
+              </a:spcAft>
+              <a:buClr>
+                <a:srgbClr val="000000"/>
+              </a:buClr>
+              <a:buFont typeface="Wingdings" charset="2"/>
+              <a:buChar char=""/>
+            </a:pPr>
+            <a:r>
+              <a:rPr lang="en-US" sz="1800" b="0" u="none" strike="noStrike">
+                <a:solidFill>
+                  <a:srgbClr val="000000"/>
+                </a:solidFill>
+                <a:effectLst/>
+                <a:uFillTx/>
+                <a:latin typeface="Arial"/>
+                <a:ea typeface="SimSun"/>
+              </a:rPr>
+              <a:t>If the pixels along that line are mostly bright (neurite-like) → accept the bridge.</a:t>
+            </a:r>
+            <a:endParaRPr lang="en-US" sz="1800" b="0" u="none" strike="noStrike">
+              <a:solidFill>
+                <a:srgbClr val="000000"/>
+              </a:solidFill>
+              <a:effectLst/>
+              <a:uFillTx/>
+              <a:latin typeface="Arial"/>
+            </a:endParaRPr>
+          </a:p>
+          <a:p>
+            <a:pPr marL="216000" indent="-216000">
+              <a:lnSpc>
+                <a:spcPct val="100000"/>
+              </a:lnSpc>
+              <a:spcBef>
+                <a:spcPts val="624"/>
+              </a:spcBef>
+              <a:spcAft>
+                <a:spcPts val="425"/>
+              </a:spcAft>
+              <a:buClr>
+                <a:srgbClr val="000000"/>
+              </a:buClr>
+              <a:buFont typeface="Wingdings" charset="2"/>
+              <a:buChar char=""/>
+            </a:pPr>
+            <a:r>
+              <a:rPr lang="en-US" sz="1800" b="0" u="none" strike="noStrike">
+                <a:solidFill>
+                  <a:srgbClr val="000000"/>
+                </a:solidFill>
+                <a:effectLst/>
+                <a:uFillTx/>
+                <a:latin typeface="Arial"/>
+                <a:ea typeface="SimSun"/>
+              </a:rPr>
+              <a:t>If the line goes through dark background → reject it.</a:t>
+            </a:r>
+            <a:endParaRPr lang="en-US" sz="1800" b="0" u="none" strike="noStrike">
+              <a:solidFill>
+                <a:srgbClr val="000000"/>
+              </a:solidFill>
+              <a:effectLst/>
+              <a:uFillTx/>
+              <a:latin typeface="Arial"/>
+            </a:endParaRPr>
+          </a:p>
+          <a:p>
+            <a:pPr>
+              <a:lnSpc>
+                <a:spcPct val="100000"/>
+              </a:lnSpc>
+              <a:spcBef>
+                <a:spcPts val="1191"/>
+              </a:spcBef>
+              <a:spcAft>
+                <a:spcPts val="992"/>
+              </a:spcAft>
+            </a:pPr>
+            <a:r>
+              <a:rPr lang="en-US" sz="1800" b="1" u="none" strike="noStrike">
                 <a:solidFill>
                   <a:srgbClr val="2a6099"/>
                 </a:solidFill>
@@ -7484,10 +9306,31 @@
                 <a:latin typeface="Arial"/>
                 <a:ea typeface="SimSun"/>
               </a:rPr>
-              <a:t> Add new layers to filter per cells ID and lysosomes ID</a:t>
-            </a:r>
-            <a:r>
-              <a:rPr lang="en-US" sz="2600" b="1" u="none" strike="noStrike">
+              <a:t>B) Shortest-path stitching in an intensity cost map </a:t>
+            </a:r>
+            <a:endParaRPr lang="en-US" sz="1800" b="0" u="none" strike="noStrike">
+              <a:solidFill>
+                <a:srgbClr val="000000"/>
+              </a:solidFill>
+              <a:effectLst/>
+              <a:uFillTx/>
+              <a:latin typeface="Arial"/>
+            </a:endParaRPr>
+          </a:p>
+          <a:p>
+            <a:pPr>
+              <a:lnSpc>
+                <a:spcPct val="100000"/>
+              </a:lnSpc>
+              <a:spcBef>
+                <a:spcPts val="1191"/>
+              </a:spcBef>
+              <a:spcAft>
+                <a:spcPts val="992"/>
+              </a:spcAft>
+            </a:pPr>
+            <a:r>
+              <a:rPr lang="en-US" sz="1800" b="0" u="none" strike="noStrike">
                 <a:solidFill>
                   <a:srgbClr val="000000"/>
                 </a:solidFill>
@@ -7496,9 +9339,9 @@
                 <a:latin typeface="Arial"/>
                 <a:ea typeface="SimSun"/>
               </a:rPr>
-              <a:t>.</a:t>
-            </a:r>
-            <a:endParaRPr lang="en-US" sz="2600" b="0" u="none" strike="noStrike">
+              <a:t>Instead of a straight line, search for a path between endpoints in a small region, make bright pixels “cheap” to pass and dark pixels “expensive.”</a:t>
+            </a:r>
+            <a:endParaRPr lang="en-US" sz="1800" b="0" u="none" strike="noStrike">
               <a:solidFill>
                 <a:srgbClr val="000000"/>
               </a:solidFill>
@@ -7512,8 +9355,26 @@
               <a:lnSpc>
                 <a:spcPct val="100000"/>
               </a:lnSpc>
-            </a:pPr>
-            <a:endParaRPr lang="en-US" sz="2600" b="0" u="none" strike="noStrike">
+              <a:spcBef>
+                <a:spcPts val="1191"/>
+              </a:spcBef>
+              <a:spcAft>
+                <a:spcPts val="992"/>
+              </a:spcAft>
+            </a:pPr>
+            <a:r>
+              <a:rPr lang="en-US" sz="1800" b="0" u="none" strike="noStrike">
+                <a:solidFill>
+                  <a:srgbClr val="000000"/>
+                </a:solidFill>
+                <a:effectLst/>
+                <a:uFillTx/>
+                <a:latin typeface="Arial"/>
+                <a:ea typeface="SimSun"/>
+              </a:rPr>
+              <a:t>If a low-cost (bright-following) path exists, connect along it and helps follow curved neurites and avoids dark gaps.</a:t>
+            </a:r>
+            <a:endParaRPr lang="en-US" sz="1800" b="0" u="none" strike="noStrike">
               <a:solidFill>
                 <a:srgbClr val="000000"/>
               </a:solidFill>
@@ -7527,69 +9388,180 @@
               <a:lnSpc>
                 <a:spcPct val="100000"/>
               </a:lnSpc>
-            </a:pPr>
-            <a:endParaRPr lang="en-US" sz="1400" b="0" u="none" strike="noStrike">
-              <a:solidFill>
-                <a:srgbClr val="000000"/>
-              </a:solidFill>
-              <a:effectLst/>
-              <a:uFillTx/>
-              <a:latin typeface="Arial"/>
-            </a:endParaRPr>
-          </a:p>
-        </p:txBody>
-      </p:sp>
-      <p:sp>
-        <p:nvSpPr>
-          <p:cNvPr id="108" name="PlaceHolder 5"/>
-          <p:cNvSpPr/>
-          <p:nvPr/>
-        </p:nvSpPr>
-        <p:spPr>
-          <a:xfrm>
-            <a:off x="609480" y="235800"/>
-            <a:ext cx="10964880" cy="487080"/>
-          </a:xfrm>
-          <a:prstGeom prst="rect">
-            <a:avLst/>
-          </a:prstGeom>
-          <a:noFill/>
-          <a:ln w="0">
-            <a:noFill/>
-          </a:ln>
-        </p:spPr>
-        <p:style>
-          <a:lnRef idx="0"/>
-          <a:fillRef idx="0"/>
-          <a:effectRef idx="0"/>
-          <a:fontRef idx="minor"/>
-        </p:style>
-        <p:txBody>
-          <a:bodyPr lIns="0" rIns="0" tIns="0" bIns="0" anchor="ctr">
-            <a:spAutoFit/>
-          </a:bodyPr>
+              <a:spcBef>
+                <a:spcPts val="1191"/>
+              </a:spcBef>
+              <a:spcAft>
+                <a:spcPts val="992"/>
+              </a:spcAft>
+            </a:pPr>
+            <a:r>
+              <a:rPr lang="en-US" sz="1800" b="0" u="none" strike="noStrike">
+                <a:solidFill>
+                  <a:srgbClr val="000000"/>
+                </a:solidFill>
+                <a:effectLst/>
+                <a:uFillTx/>
+                <a:latin typeface="Arial"/>
+                <a:ea typeface="SimSun"/>
+              </a:rPr>
+              <a:t>Then ask: Is there a low-cost path between the two endpoints inside a small box?</a:t>
+            </a:r>
+            <a:endParaRPr lang="en-US" sz="1800" b="0" u="none" strike="noStrike">
+              <a:solidFill>
+                <a:srgbClr val="000000"/>
+              </a:solidFill>
+              <a:effectLst/>
+              <a:uFillTx/>
+              <a:latin typeface="Arial"/>
+            </a:endParaRPr>
+          </a:p>
+          <a:p>
+            <a:pPr marL="216000" indent="-216000">
+              <a:lnSpc>
+                <a:spcPct val="100000"/>
+              </a:lnSpc>
+              <a:spcBef>
+                <a:spcPts val="1191"/>
+              </a:spcBef>
+              <a:spcAft>
+                <a:spcPts val="992"/>
+              </a:spcAft>
+              <a:buClr>
+                <a:srgbClr val="000000"/>
+              </a:buClr>
+              <a:buFont typeface="Wingdings" charset="2"/>
+              <a:buChar char=""/>
+            </a:pPr>
+            <a:r>
+              <a:rPr lang="en-US" sz="1800" b="0" u="none" strike="noStrike">
+                <a:solidFill>
+                  <a:srgbClr val="000000"/>
+                </a:solidFill>
+                <a:effectLst/>
+                <a:uFillTx/>
+                <a:latin typeface="Arial"/>
+                <a:ea typeface="SimSun"/>
+              </a:rPr>
+              <a:t>If yes → connect along that curved path.</a:t>
+            </a:r>
+            <a:endParaRPr lang="en-US" sz="1800" b="0" u="none" strike="noStrike">
+              <a:solidFill>
+                <a:srgbClr val="000000"/>
+              </a:solidFill>
+              <a:effectLst/>
+              <a:uFillTx/>
+              <a:latin typeface="Arial"/>
+            </a:endParaRPr>
+          </a:p>
+          <a:p>
+            <a:pPr marL="216000" indent="-216000">
+              <a:lnSpc>
+                <a:spcPct val="100000"/>
+              </a:lnSpc>
+              <a:spcBef>
+                <a:spcPts val="1191"/>
+              </a:spcBef>
+              <a:spcAft>
+                <a:spcPts val="992"/>
+              </a:spcAft>
+              <a:buClr>
+                <a:srgbClr val="000000"/>
+              </a:buClr>
+              <a:buFont typeface="Wingdings" charset="2"/>
+              <a:buChar char=""/>
+            </a:pPr>
+            <a:r>
+              <a:rPr lang="en-US" sz="1800" b="0" u="none" strike="noStrike">
+                <a:solidFill>
+                  <a:srgbClr val="000000"/>
+                </a:solidFill>
+                <a:effectLst/>
+                <a:uFillTx/>
+                <a:latin typeface="Arial"/>
+                <a:ea typeface="SimSun"/>
+              </a:rPr>
+              <a:t>If the only possible path goes through dark pixels (high cost) → don’t connect.</a:t>
+            </a:r>
+            <a:endParaRPr lang="en-US" sz="1800" b="0" u="none" strike="noStrike">
+              <a:solidFill>
+                <a:srgbClr val="000000"/>
+              </a:solidFill>
+              <a:effectLst/>
+              <a:uFillTx/>
+              <a:latin typeface="Arial"/>
+            </a:endParaRPr>
+          </a:p>
           <a:p>
             <a:pPr>
               <a:lnSpc>
                 <a:spcPct val="100000"/>
               </a:lnSpc>
-              <a:tabLst>
-                <a:tab algn="l" pos="0"/>
-              </a:tabLst>
-            </a:pPr>
-            <a:r>
-              <a:rPr lang="en-US" sz="3200" b="1" u="none" strike="noStrike">
-                <a:solidFill>
-                  <a:srgbClr val="ff0000"/>
-                </a:solidFill>
-                <a:effectLst/>
-                <a:uFillTx/>
-                <a:latin typeface="Arial"/>
-                <a:ea typeface="SimSun"/>
-              </a:rPr>
-              <a:t>VIEWER LAYERS</a:t>
-            </a:r>
-            <a:endParaRPr lang="en-US" sz="3200" b="0" u="none" strike="noStrike">
+              <a:spcBef>
+                <a:spcPts val="1191"/>
+              </a:spcBef>
+              <a:spcAft>
+                <a:spcPts val="992"/>
+              </a:spcAft>
+            </a:pPr>
+            <a:endParaRPr lang="en-US" sz="1800" b="0" u="none" strike="noStrike">
+              <a:solidFill>
+                <a:srgbClr val="000000"/>
+              </a:solidFill>
+              <a:effectLst/>
+              <a:uFillTx/>
+              <a:latin typeface="Arial"/>
+            </a:endParaRPr>
+          </a:p>
+          <a:p>
+            <a:pPr>
+              <a:lnSpc>
+                <a:spcPct val="100000"/>
+              </a:lnSpc>
+              <a:spcBef>
+                <a:spcPts val="1191"/>
+              </a:spcBef>
+              <a:spcAft>
+                <a:spcPts val="992"/>
+              </a:spcAft>
+            </a:pPr>
+            <a:endParaRPr lang="en-US" sz="1000" b="0" u="none" strike="noStrike">
+              <a:solidFill>
+                <a:srgbClr val="000000"/>
+              </a:solidFill>
+              <a:effectLst/>
+              <a:uFillTx/>
+              <a:latin typeface="Arial"/>
+            </a:endParaRPr>
+          </a:p>
+          <a:p>
+            <a:pPr>
+              <a:lnSpc>
+                <a:spcPct val="100000"/>
+              </a:lnSpc>
+              <a:spcBef>
+                <a:spcPts val="1191"/>
+              </a:spcBef>
+              <a:spcAft>
+                <a:spcPts val="992"/>
+              </a:spcAft>
+            </a:pPr>
+            <a:endParaRPr lang="en-US" sz="2000" b="0" u="none" strike="noStrike">
+              <a:solidFill>
+                <a:srgbClr val="000000"/>
+              </a:solidFill>
+              <a:effectLst/>
+              <a:uFillTx/>
+              <a:latin typeface="Arial"/>
+            </a:endParaRPr>
+          </a:p>
+          <a:p>
+            <a:pPr>
+              <a:lnSpc>
+                <a:spcPct val="100000"/>
+              </a:lnSpc>
+            </a:pPr>
+            <a:endParaRPr lang="en-US" sz="1000" b="0" u="none" strike="noStrike">
               <a:solidFill>
                 <a:srgbClr val="000000"/>
               </a:solidFill>
@@ -7632,18 +9604,14 @@
       </p:grpSpPr>
       <p:sp>
         <p:nvSpPr>
-          <p:cNvPr id="109" name="PlaceHolder 1"/>
-          <p:cNvSpPr>
-            <a:spLocks noGrp="1"/>
-          </p:cNvSpPr>
-          <p:nvPr>
-            <p:ph type="title"/>
-          </p:nvPr>
+          <p:cNvPr id="131" name=""/>
+          <p:cNvSpPr/>
+          <p:nvPr/>
         </p:nvSpPr>
         <p:spPr>
           <a:xfrm>
-            <a:off x="459360" y="71640"/>
-            <a:ext cx="10964880" cy="6343560"/>
+            <a:off x="914400" y="914400"/>
+            <a:ext cx="10054800" cy="1095120"/>
           </a:xfrm>
           <a:prstGeom prst="rect">
             <a:avLst/>
@@ -7653,16 +9621,121 @@
             <a:noFill/>
           </a:ln>
         </p:spPr>
+        <p:style>
+          <a:lnRef idx="0"/>
+          <a:fillRef idx="0"/>
+          <a:effectRef idx="0"/>
+          <a:fontRef idx="minor"/>
+        </p:style>
+        <p:txBody>
+          <a:bodyPr lIns="90000" rIns="90000" tIns="45000" bIns="45000" anchor="t">
+            <a:spAutoFit/>
+          </a:bodyPr>
+          <a:p>
+            <a:pPr>
+              <a:lnSpc>
+                <a:spcPct val="100000"/>
+              </a:lnSpc>
+            </a:pPr>
+            <a:r>
+              <a:rPr lang="en-US" sz="2600" b="1" u="none" strike="noStrike">
+                <a:solidFill>
+                  <a:srgbClr val="2a6099"/>
+                </a:solidFill>
+                <a:effectLst/>
+                <a:uFillTx/>
+                <a:latin typeface="Arial"/>
+                <a:ea typeface="SimSun"/>
+              </a:rPr>
+              <a:t> Add new layers to filter per cells ID and lysosomes ID</a:t>
+            </a:r>
+            <a:r>
+              <a:rPr lang="en-US" sz="2600" b="1" u="none" strike="noStrike">
+                <a:solidFill>
+                  <a:srgbClr val="000000"/>
+                </a:solidFill>
+                <a:effectLst/>
+                <a:uFillTx/>
+                <a:latin typeface="Arial"/>
+                <a:ea typeface="SimSun"/>
+              </a:rPr>
+              <a:t>.</a:t>
+            </a:r>
+            <a:endParaRPr lang="en-US" sz="2600" b="0" u="none" strike="noStrike">
+              <a:solidFill>
+                <a:srgbClr val="000000"/>
+              </a:solidFill>
+              <a:effectLst/>
+              <a:uFillTx/>
+              <a:latin typeface="Arial"/>
+            </a:endParaRPr>
+          </a:p>
+          <a:p>
+            <a:pPr>
+              <a:lnSpc>
+                <a:spcPct val="100000"/>
+              </a:lnSpc>
+            </a:pPr>
+            <a:endParaRPr lang="en-US" sz="2600" b="0" u="none" strike="noStrike">
+              <a:solidFill>
+                <a:srgbClr val="000000"/>
+              </a:solidFill>
+              <a:effectLst/>
+              <a:uFillTx/>
+              <a:latin typeface="Arial"/>
+            </a:endParaRPr>
+          </a:p>
+          <a:p>
+            <a:pPr>
+              <a:lnSpc>
+                <a:spcPct val="100000"/>
+              </a:lnSpc>
+            </a:pPr>
+            <a:endParaRPr lang="en-US" sz="1400" b="0" u="none" strike="noStrike">
+              <a:solidFill>
+                <a:srgbClr val="000000"/>
+              </a:solidFill>
+              <a:effectLst/>
+              <a:uFillTx/>
+              <a:latin typeface="Arial"/>
+            </a:endParaRPr>
+          </a:p>
+        </p:txBody>
+      </p:sp>
+      <p:sp>
+        <p:nvSpPr>
+          <p:cNvPr id="132" name="PlaceHolder 5"/>
+          <p:cNvSpPr/>
+          <p:nvPr/>
+        </p:nvSpPr>
+        <p:spPr>
+          <a:xfrm>
+            <a:off x="609480" y="235800"/>
+            <a:ext cx="10964880" cy="487080"/>
+          </a:xfrm>
+          <a:prstGeom prst="rect">
+            <a:avLst/>
+          </a:prstGeom>
+          <a:noFill/>
+          <a:ln w="0">
+            <a:noFill/>
+          </a:ln>
+        </p:spPr>
+        <p:style>
+          <a:lnRef idx="0"/>
+          <a:fillRef idx="0"/>
+          <a:effectRef idx="0"/>
+          <a:fontRef idx="minor"/>
+        </p:style>
         <p:txBody>
           <a:bodyPr lIns="0" rIns="0" tIns="0" bIns="0" anchor="ctr">
             <a:spAutoFit/>
           </a:bodyPr>
           <a:p>
-            <a:pPr indent="0">
-              <a:lnSpc>
-                <a:spcPct val="150000"/>
-              </a:lnSpc>
-              <a:buNone/>
+            <a:pPr>
+              <a:lnSpc>
+                <a:spcPct val="100000"/>
+              </a:lnSpc>
               <a:tabLst>
                 <a:tab algn="l" pos="0"/>
               </a:tabLst>
@@ -7670,54 +9743,15 @@
             <a:r>
               <a:rPr lang="en-US" sz="3200" b="1" u="none" strike="noStrike">
                 <a:solidFill>
-                  <a:srgbClr val="000000"/>
-                </a:solidFill>
-                <a:effectLst/>
-                <a:uFillTx/>
-                <a:latin typeface="Arial"/>
-                <a:ea typeface="Microsoft YaHei"/>
-              </a:rPr>
-              <a:t>FILES:</a:t>
-            </a:r>
-            <a:br>
-              <a:rPr sz="3200"/>
-            </a:br>
-            <a:r>
-              <a:rPr lang="en-US" sz="3200" b="0" i="1" u="none" strike="noStrike">
-                <a:solidFill>
-                  <a:srgbClr val="000000"/>
-                </a:solidFill>
-                <a:effectLst/>
-                <a:uFillTx/>
-                <a:latin typeface="Arial"/>
-                <a:ea typeface="Microsoft YaHei"/>
-              </a:rPr>
-              <a:t>-Airy scan_40A_UAS-TMEM-HA_axon_0h_again_2_051222</a:t>
-            </a:r>
-            <a:br>
-              <a:rPr sz="3200"/>
-            </a:br>
-            <a:r>
-              <a:rPr lang="en-US" sz="3200" b="0" i="1" u="none" strike="noStrike">
-                <a:solidFill>
-                  <a:srgbClr val="000000"/>
-                </a:solidFill>
-                <a:effectLst/>
-                <a:uFillTx/>
-                <a:latin typeface="Arial"/>
-                <a:ea typeface="Microsoft YaHei"/>
-              </a:rPr>
-              <a:t>-Airy scan_40A_UAS-TMEM-HA_axon_0h_again_3_051222</a:t>
-            </a:r>
-            <a:br>
-              <a:rPr sz="3200"/>
-            </a:br>
-            <a:br>
-              <a:rPr sz="3200"/>
-            </a:br>
-            <a:br>
-              <a:rPr sz="3200"/>
-            </a:br>
+                  <a:srgbClr val="ff0000"/>
+                </a:solidFill>
+                <a:effectLst/>
+                <a:uFillTx/>
+                <a:latin typeface="Arial"/>
+                <a:ea typeface="SimSun"/>
+              </a:rPr>
+              <a:t>VIEWER LAYERS</a:t>
+            </a:r>
             <a:endParaRPr lang="en-US" sz="3200" b="0" u="none" strike="noStrike">
               <a:solidFill>
                 <a:srgbClr val="000000"/>
@@ -7761,7 +9795,7 @@
       </p:grpSpPr>
       <p:sp>
         <p:nvSpPr>
-          <p:cNvPr id="110" name="PlaceHolder 1"/>
+          <p:cNvPr id="133" name="PlaceHolder 1"/>
           <p:cNvSpPr>
             <a:spLocks noGrp="1"/>
           </p:cNvSpPr>
@@ -7771,8 +9805,8 @@
         </p:nvSpPr>
         <p:spPr>
           <a:xfrm>
-            <a:off x="609480" y="140760"/>
-            <a:ext cx="2589120" cy="674640"/>
+            <a:off x="459360" y="71640"/>
+            <a:ext cx="10964880" cy="6343560"/>
           </a:xfrm>
           <a:prstGeom prst="rect">
             <a:avLst/>
@@ -7787,9 +9821,9 @@
             <a:spAutoFit/>
           </a:bodyPr>
           <a:p>
-            <a:pPr indent="0" algn="ctr">
-              <a:lnSpc>
-                <a:spcPct val="100000"/>
+            <a:pPr indent="0">
+              <a:lnSpc>
+                <a:spcPct val="150000"/>
               </a:lnSpc>
               <a:buNone/>
               <a:tabLst>
@@ -7797,256 +9831,57 @@
               </a:tabLst>
             </a:pPr>
             <a:r>
-              <a:rPr lang="en-US" sz="4400" b="1" u="none" strike="noStrike">
-                <a:solidFill>
-                  <a:srgbClr val="ff0000"/>
-                </a:solidFill>
-                <a:effectLst/>
-                <a:uFillTx/>
-                <a:latin typeface="Arial"/>
-              </a:rPr>
-              <a:t>0H 2</a:t>
-            </a:r>
-            <a:endParaRPr lang="en-US" sz="4400" b="0" u="none" strike="noStrike">
-              <a:solidFill>
-                <a:srgbClr val="000000"/>
-              </a:solidFill>
-              <a:effectLst/>
-              <a:uFillTx/>
-              <a:latin typeface="Arial"/>
-            </a:endParaRPr>
-          </a:p>
-        </p:txBody>
-      </p:sp>
-      <p:sp>
-        <p:nvSpPr>
-          <p:cNvPr id="111" name="Rectangles 104"/>
-          <p:cNvSpPr/>
-          <p:nvPr/>
-        </p:nvSpPr>
-        <p:spPr>
-          <a:xfrm>
-            <a:off x="0" y="1143000"/>
-            <a:ext cx="2509560" cy="5252760"/>
-          </a:xfrm>
-          <a:prstGeom prst="rect">
-            <a:avLst/>
-          </a:prstGeom>
-          <a:solidFill>
-            <a:srgbClr val="729fcf"/>
-          </a:solidFill>
-          <a:ln w="0">
-            <a:solidFill>
-              <a:srgbClr val="3465a4"/>
-            </a:solidFill>
-          </a:ln>
-        </p:spPr>
-        <p:style>
-          <a:lnRef idx="0"/>
-          <a:fillRef idx="0"/>
-          <a:effectRef idx="0"/>
-          <a:fontRef idx="minor"/>
-        </p:style>
-        <p:txBody>
-          <a:bodyPr lIns="90000" rIns="90000" tIns="45000" bIns="45000" anchor="ctr">
-            <a:noAutofit/>
-          </a:bodyPr>
-          <a:p>
-            <a:pPr defTabSz="914400">
-              <a:lnSpc>
-                <a:spcPct val="100000"/>
-              </a:lnSpc>
-            </a:pPr>
-            <a:r>
-              <a:rPr lang="en-US" sz="1400" b="1" u="none" strike="noStrike">
+              <a:rPr lang="en-US" sz="3200" b="1" u="none" strike="noStrike">
                 <a:solidFill>
                   <a:srgbClr val="000000"/>
                 </a:solidFill>
                 <a:effectLst/>
                 <a:uFillTx/>
                 <a:latin typeface="Arial"/>
-                <a:ea typeface="SimSun"/>
-              </a:rPr>
-              <a:t>Erosion = 4</a:t>
-            </a:r>
-            <a:endParaRPr lang="en-US" sz="1400" b="0" u="none" strike="noStrike">
-              <a:solidFill>
-                <a:srgbClr val="000000"/>
-              </a:solidFill>
-              <a:effectLst/>
-              <a:uFillTx/>
-              <a:latin typeface="Arial"/>
-            </a:endParaRPr>
-          </a:p>
-          <a:p>
-            <a:pPr defTabSz="914400">
-              <a:lnSpc>
-                <a:spcPct val="100000"/>
-              </a:lnSpc>
-            </a:pPr>
-            <a:r>
-              <a:rPr lang="en-US" sz="1400" b="1" u="none" strike="noStrike">
+                <a:ea typeface="Microsoft YaHei"/>
+              </a:rPr>
+              <a:t>FILES:</a:t>
+            </a:r>
+            <a:br>
+              <a:rPr sz="3200"/>
+            </a:br>
+            <a:r>
+              <a:rPr lang="en-US" sz="3200" b="0" i="1" u="none" strike="noStrike">
                 <a:solidFill>
                   <a:srgbClr val="000000"/>
                 </a:solidFill>
                 <a:effectLst/>
                 <a:uFillTx/>
                 <a:latin typeface="Arial"/>
-                <a:ea typeface="SimSun"/>
-              </a:rPr>
-              <a:t>Thresholding = 0.002</a:t>
-            </a:r>
-            <a:endParaRPr lang="en-US" sz="1400" b="0" u="none" strike="noStrike">
-              <a:solidFill>
-                <a:srgbClr val="000000"/>
-              </a:solidFill>
-              <a:effectLst/>
-              <a:uFillTx/>
-              <a:latin typeface="Arial"/>
-            </a:endParaRPr>
-          </a:p>
-          <a:p>
-            <a:pPr defTabSz="914400">
-              <a:lnSpc>
-                <a:spcPct val="100000"/>
-              </a:lnSpc>
-            </a:pPr>
-            <a:r>
-              <a:rPr lang="en-US" sz="1400" b="1" u="none" strike="noStrike">
+                <a:ea typeface="Microsoft YaHei"/>
+              </a:rPr>
+              <a:t>-Airy scan_40A_UAS-TMEM-HA_axon_0h_again_2_051222</a:t>
+            </a:r>
+            <a:br>
+              <a:rPr sz="3200"/>
+            </a:br>
+            <a:r>
+              <a:rPr lang="en-US" sz="3200" b="0" i="1" u="none" strike="noStrike">
                 <a:solidFill>
                   <a:srgbClr val="000000"/>
                 </a:solidFill>
                 <a:effectLst/>
                 <a:uFillTx/>
                 <a:latin typeface="Arial"/>
-                <a:ea typeface="SimSun"/>
-              </a:rPr>
-              <a:t>margin um = 0.5</a:t>
-            </a:r>
-            <a:endParaRPr lang="en-US" sz="1400" b="0" u="none" strike="noStrike">
-              <a:solidFill>
-                <a:srgbClr val="000000"/>
-              </a:solidFill>
-              <a:effectLst/>
-              <a:uFillTx/>
-              <a:latin typeface="Arial"/>
-            </a:endParaRPr>
-          </a:p>
-          <a:p>
-            <a:pPr defTabSz="914400">
-              <a:lnSpc>
-                <a:spcPct val="100000"/>
-              </a:lnSpc>
-            </a:pPr>
-            <a:r>
-              <a:rPr lang="en-US" sz="1400" b="1" u="none" strike="noStrike">
-                <a:solidFill>
-                  <a:srgbClr val="000000"/>
-                </a:solidFill>
-                <a:effectLst/>
-                <a:uFillTx/>
-                <a:latin typeface="Arial"/>
-                <a:ea typeface="SimSun"/>
-              </a:rPr>
-              <a:t>overlap alpha = 0.4</a:t>
-            </a:r>
-            <a:endParaRPr lang="en-US" sz="1400" b="0" u="none" strike="noStrike">
-              <a:solidFill>
-                <a:srgbClr val="000000"/>
-              </a:solidFill>
-              <a:effectLst/>
-              <a:uFillTx/>
-              <a:latin typeface="Arial"/>
-            </a:endParaRPr>
-          </a:p>
-          <a:p>
-            <a:pPr defTabSz="914400">
-              <a:lnSpc>
-                <a:spcPct val="100000"/>
-              </a:lnSpc>
-            </a:pPr>
-            <a:r>
-              <a:rPr lang="en-US" sz="1400" b="1" u="none" strike="noStrike">
-                <a:solidFill>
-                  <a:srgbClr val="000000"/>
-                </a:solidFill>
-                <a:effectLst/>
-                <a:uFillTx/>
-                <a:latin typeface="Arial"/>
-                <a:ea typeface="SimSun"/>
-              </a:rPr>
-              <a:t>viz min voxels = 2000</a:t>
-            </a:r>
-            <a:endParaRPr lang="en-US" sz="1400" b="0" u="none" strike="noStrike">
-              <a:solidFill>
-                <a:srgbClr val="000000"/>
-              </a:solidFill>
-              <a:effectLst/>
-              <a:uFillTx/>
-              <a:latin typeface="Arial"/>
-            </a:endParaRPr>
-          </a:p>
-          <a:p>
-            <a:pPr defTabSz="914400">
-              <a:lnSpc>
-                <a:spcPct val="100000"/>
-              </a:lnSpc>
-            </a:pPr>
-            <a:r>
-              <a:rPr lang="en-US" sz="1400" b="1" u="none" strike="noStrike">
-                <a:solidFill>
-                  <a:srgbClr val="000000"/>
-                </a:solidFill>
-                <a:effectLst/>
-                <a:uFillTx/>
-                <a:latin typeface="Arial"/>
-                <a:ea typeface="SimSun"/>
-              </a:rPr>
-              <a:t>CLOSING = 6</a:t>
-            </a:r>
-            <a:endParaRPr lang="en-US" sz="1400" b="0" u="none" strike="noStrike">
-              <a:solidFill>
-                <a:srgbClr val="000000"/>
-              </a:solidFill>
-              <a:effectLst/>
-              <a:uFillTx/>
-              <a:latin typeface="Arial"/>
-            </a:endParaRPr>
-          </a:p>
-          <a:p>
-            <a:pPr defTabSz="914400">
-              <a:lnSpc>
-                <a:spcPct val="100000"/>
-              </a:lnSpc>
-            </a:pPr>
-            <a:r>
-              <a:rPr lang="en-US" sz="1400" b="1" u="none" strike="noStrike">
-                <a:solidFill>
-                  <a:srgbClr val="000000"/>
-                </a:solidFill>
-                <a:effectLst/>
-                <a:uFillTx/>
-                <a:latin typeface="Arial"/>
-                <a:ea typeface="SimSun"/>
-              </a:rPr>
-              <a:t>max_gap_UM = 4</a:t>
-            </a:r>
-            <a:endParaRPr lang="en-US" sz="1400" b="0" u="none" strike="noStrike">
-              <a:solidFill>
-                <a:srgbClr val="000000"/>
-              </a:solidFill>
-              <a:effectLst/>
-              <a:uFillTx/>
-              <a:latin typeface="Arial"/>
-            </a:endParaRPr>
-          </a:p>
-          <a:p>
-            <a:pPr defTabSz="914400">
-              <a:lnSpc>
-                <a:spcPct val="100000"/>
-              </a:lnSpc>
-            </a:pPr>
-            <a:endParaRPr lang="en-US" sz="1800" b="0" u="none" strike="noStrike">
+                <a:ea typeface="Microsoft YaHei"/>
+              </a:rPr>
+              <a:t>-Airy scan_40A_UAS-TMEM-HA_axon_0h_again_3_051222</a:t>
+            </a:r>
+            <a:br>
+              <a:rPr sz="3200"/>
+            </a:br>
+            <a:br>
+              <a:rPr sz="3200"/>
+            </a:br>
+            <a:br>
+              <a:rPr sz="3200"/>
+            </a:br>
+            <a:endParaRPr lang="en-US" sz="3200" b="0" u="none" strike="noStrike">
               <a:solidFill>
                 <a:srgbClr val="000000"/>
               </a:solidFill>
@@ -8089,7 +9924,335 @@
       </p:grpSpPr>
       <p:sp>
         <p:nvSpPr>
-          <p:cNvPr id="112" name="PlaceHolder 1"/>
+          <p:cNvPr id="134" name="PlaceHolder 1"/>
+          <p:cNvSpPr>
+            <a:spLocks noGrp="1"/>
+          </p:cNvSpPr>
+          <p:nvPr>
+            <p:ph type="title"/>
+          </p:nvPr>
+        </p:nvSpPr>
+        <p:spPr>
+          <a:xfrm>
+            <a:off x="609480" y="140760"/>
+            <a:ext cx="2589120" cy="674640"/>
+          </a:xfrm>
+          <a:prstGeom prst="rect">
+            <a:avLst/>
+          </a:prstGeom>
+          <a:noFill/>
+          <a:ln w="0">
+            <a:noFill/>
+          </a:ln>
+        </p:spPr>
+        <p:txBody>
+          <a:bodyPr lIns="0" rIns="0" tIns="0" bIns="0" anchor="ctr">
+            <a:spAutoFit/>
+          </a:bodyPr>
+          <a:p>
+            <a:pPr indent="0" algn="ctr">
+              <a:lnSpc>
+                <a:spcPct val="100000"/>
+              </a:lnSpc>
+              <a:buNone/>
+              <a:tabLst>
+                <a:tab algn="l" pos="0"/>
+              </a:tabLst>
+            </a:pPr>
+            <a:r>
+              <a:rPr lang="en-US" sz="4400" b="1" u="none" strike="noStrike">
+                <a:solidFill>
+                  <a:srgbClr val="ff0000"/>
+                </a:solidFill>
+                <a:effectLst/>
+                <a:uFillTx/>
+                <a:latin typeface="Arial"/>
+              </a:rPr>
+              <a:t>0H 2</a:t>
+            </a:r>
+            <a:endParaRPr lang="en-US" sz="4400" b="0" u="none" strike="noStrike">
+              <a:solidFill>
+                <a:srgbClr val="000000"/>
+              </a:solidFill>
+              <a:effectLst/>
+              <a:uFillTx/>
+              <a:latin typeface="Arial"/>
+            </a:endParaRPr>
+          </a:p>
+        </p:txBody>
+      </p:sp>
+      <p:sp>
+        <p:nvSpPr>
+          <p:cNvPr id="135" name="Rectangles 104"/>
+          <p:cNvSpPr/>
+          <p:nvPr/>
+        </p:nvSpPr>
+        <p:spPr>
+          <a:xfrm>
+            <a:off x="0" y="1143000"/>
+            <a:ext cx="2509560" cy="5252760"/>
+          </a:xfrm>
+          <a:prstGeom prst="rect">
+            <a:avLst/>
+          </a:prstGeom>
+          <a:solidFill>
+            <a:srgbClr val="729fcf"/>
+          </a:solidFill>
+          <a:ln w="0">
+            <a:solidFill>
+              <a:srgbClr val="3465a4"/>
+            </a:solidFill>
+          </a:ln>
+        </p:spPr>
+        <p:style>
+          <a:lnRef idx="0"/>
+          <a:fillRef idx="0"/>
+          <a:effectRef idx="0"/>
+          <a:fontRef idx="minor"/>
+        </p:style>
+        <p:txBody>
+          <a:bodyPr lIns="90000" rIns="90000" tIns="45000" bIns="45000" anchor="ctr">
+            <a:noAutofit/>
+          </a:bodyPr>
+          <a:p>
+            <a:pPr defTabSz="914400">
+              <a:lnSpc>
+                <a:spcPct val="100000"/>
+              </a:lnSpc>
+            </a:pPr>
+            <a:r>
+              <a:rPr lang="en-US" sz="1400" b="1" u="none" strike="noStrike">
+                <a:solidFill>
+                  <a:srgbClr val="000000"/>
+                </a:solidFill>
+                <a:effectLst/>
+                <a:uFillTx/>
+                <a:latin typeface="Arial"/>
+                <a:ea typeface="SimSun"/>
+              </a:rPr>
+              <a:t>Erosion = 4</a:t>
+            </a:r>
+            <a:endParaRPr lang="en-US" sz="1400" b="0" u="none" strike="noStrike">
+              <a:solidFill>
+                <a:srgbClr val="000000"/>
+              </a:solidFill>
+              <a:effectLst/>
+              <a:uFillTx/>
+              <a:latin typeface="Arial"/>
+            </a:endParaRPr>
+          </a:p>
+          <a:p>
+            <a:pPr defTabSz="914400">
+              <a:lnSpc>
+                <a:spcPct val="100000"/>
+              </a:lnSpc>
+            </a:pPr>
+            <a:r>
+              <a:rPr lang="en-US" sz="1400" b="1" u="none" strike="noStrike">
+                <a:solidFill>
+                  <a:srgbClr val="000000"/>
+                </a:solidFill>
+                <a:effectLst/>
+                <a:uFillTx/>
+                <a:latin typeface="Arial"/>
+                <a:ea typeface="SimSun"/>
+              </a:rPr>
+              <a:t>Thresholding = 0.002</a:t>
+            </a:r>
+            <a:endParaRPr lang="en-US" sz="1400" b="0" u="none" strike="noStrike">
+              <a:solidFill>
+                <a:srgbClr val="000000"/>
+              </a:solidFill>
+              <a:effectLst/>
+              <a:uFillTx/>
+              <a:latin typeface="Arial"/>
+            </a:endParaRPr>
+          </a:p>
+          <a:p>
+            <a:pPr defTabSz="914400">
+              <a:lnSpc>
+                <a:spcPct val="100000"/>
+              </a:lnSpc>
+            </a:pPr>
+            <a:r>
+              <a:rPr lang="en-US" sz="1400" b="1" u="none" strike="noStrike">
+                <a:solidFill>
+                  <a:srgbClr val="000000"/>
+                </a:solidFill>
+                <a:effectLst/>
+                <a:uFillTx/>
+                <a:latin typeface="Arial"/>
+                <a:ea typeface="SimSun"/>
+              </a:rPr>
+              <a:t>margin um = 0.5</a:t>
+            </a:r>
+            <a:endParaRPr lang="en-US" sz="1400" b="0" u="none" strike="noStrike">
+              <a:solidFill>
+                <a:srgbClr val="000000"/>
+              </a:solidFill>
+              <a:effectLst/>
+              <a:uFillTx/>
+              <a:latin typeface="Arial"/>
+            </a:endParaRPr>
+          </a:p>
+          <a:p>
+            <a:pPr defTabSz="914400">
+              <a:lnSpc>
+                <a:spcPct val="100000"/>
+              </a:lnSpc>
+            </a:pPr>
+            <a:r>
+              <a:rPr lang="en-US" sz="1400" b="1" u="none" strike="noStrike">
+                <a:solidFill>
+                  <a:srgbClr val="000000"/>
+                </a:solidFill>
+                <a:effectLst/>
+                <a:uFillTx/>
+                <a:latin typeface="Arial"/>
+                <a:ea typeface="SimSun"/>
+              </a:rPr>
+              <a:t>overlap alpha = 0.4</a:t>
+            </a:r>
+            <a:endParaRPr lang="en-US" sz="1400" b="0" u="none" strike="noStrike">
+              <a:solidFill>
+                <a:srgbClr val="000000"/>
+              </a:solidFill>
+              <a:effectLst/>
+              <a:uFillTx/>
+              <a:latin typeface="Arial"/>
+            </a:endParaRPr>
+          </a:p>
+          <a:p>
+            <a:pPr defTabSz="914400">
+              <a:lnSpc>
+                <a:spcPct val="100000"/>
+              </a:lnSpc>
+            </a:pPr>
+            <a:r>
+              <a:rPr lang="en-US" sz="1400" b="1" u="none" strike="noStrike">
+                <a:solidFill>
+                  <a:srgbClr val="000000"/>
+                </a:solidFill>
+                <a:effectLst/>
+                <a:uFillTx/>
+                <a:latin typeface="Arial"/>
+                <a:ea typeface="SimSun"/>
+              </a:rPr>
+              <a:t>viz min voxels = 2000</a:t>
+            </a:r>
+            <a:endParaRPr lang="en-US" sz="1400" b="0" u="none" strike="noStrike">
+              <a:solidFill>
+                <a:srgbClr val="000000"/>
+              </a:solidFill>
+              <a:effectLst/>
+              <a:uFillTx/>
+              <a:latin typeface="Arial"/>
+            </a:endParaRPr>
+          </a:p>
+          <a:p>
+            <a:pPr defTabSz="914400">
+              <a:lnSpc>
+                <a:spcPct val="100000"/>
+              </a:lnSpc>
+            </a:pPr>
+            <a:r>
+              <a:rPr lang="en-US" sz="1400" b="1" u="none" strike="noStrike">
+                <a:solidFill>
+                  <a:srgbClr val="000000"/>
+                </a:solidFill>
+                <a:effectLst/>
+                <a:uFillTx/>
+                <a:latin typeface="Arial"/>
+                <a:ea typeface="SimSun"/>
+              </a:rPr>
+              <a:t>CLOSING = 6</a:t>
+            </a:r>
+            <a:endParaRPr lang="en-US" sz="1400" b="0" u="none" strike="noStrike">
+              <a:solidFill>
+                <a:srgbClr val="000000"/>
+              </a:solidFill>
+              <a:effectLst/>
+              <a:uFillTx/>
+              <a:latin typeface="Arial"/>
+            </a:endParaRPr>
+          </a:p>
+          <a:p>
+            <a:pPr defTabSz="914400">
+              <a:lnSpc>
+                <a:spcPct val="100000"/>
+              </a:lnSpc>
+            </a:pPr>
+            <a:r>
+              <a:rPr lang="en-US" sz="1400" b="1" u="none" strike="noStrike">
+                <a:solidFill>
+                  <a:srgbClr val="000000"/>
+                </a:solidFill>
+                <a:effectLst/>
+                <a:uFillTx/>
+                <a:latin typeface="Arial"/>
+                <a:ea typeface="SimSun"/>
+              </a:rPr>
+              <a:t>max_gap_UM = 4</a:t>
+            </a:r>
+            <a:endParaRPr lang="en-US" sz="1400" b="0" u="none" strike="noStrike">
+              <a:solidFill>
+                <a:srgbClr val="000000"/>
+              </a:solidFill>
+              <a:effectLst/>
+              <a:uFillTx/>
+              <a:latin typeface="Arial"/>
+            </a:endParaRPr>
+          </a:p>
+          <a:p>
+            <a:pPr defTabSz="914400">
+              <a:lnSpc>
+                <a:spcPct val="100000"/>
+              </a:lnSpc>
+            </a:pPr>
+            <a:endParaRPr lang="en-US" sz="1800" b="0" u="none" strike="noStrike">
+              <a:solidFill>
+                <a:srgbClr val="000000"/>
+              </a:solidFill>
+              <a:effectLst/>
+              <a:uFillTx/>
+              <a:latin typeface="Arial"/>
+            </a:endParaRPr>
+          </a:p>
+        </p:txBody>
+      </p:sp>
+    </p:spTree>
+  </p:cSld>
+  <mc:AlternateContent>
+    <mc:Choice Requires="p14">
+      <p:transition spd="slow" p14:dur="2000"/>
+    </mc:Choice>
+    <mc:Fallback>
+      <p:transition spd="slow"/>
+    </mc:Fallback>
+  </mc:AlternateContent>
+</p:sld>
+</file>
+
+<file path=ppt/slides/slide17.xml><?xml version="1.0" encoding="utf-8"?>
+<p:sld xmlns:a="http://schemas.openxmlformats.org/drawingml/2006/main" xmlns:p="http://schemas.openxmlformats.org/presentationml/2006/main" xmlns:r="http://schemas.openxmlformats.org/officeDocument/2006/relationships" xmlns:p14="http://schemas.microsoft.com/office/powerpoint/2010/main" xmlns:p15="http://schemas.microsoft.com/office/powerpoint/2012/main" xmlns:mc="http://schemas.openxmlformats.org/markup-compatibility/2006">
+  <p:cSld>
+    <p:spTree>
+      <p:nvGrpSpPr>
+        <p:cNvPr id="1" name=""/>
+        <p:cNvGrpSpPr/>
+        <p:nvPr/>
+      </p:nvGrpSpPr>
+      <p:grpSpPr>
+        <a:xfrm>
+          <a:off x="0" y="0"/>
+          <a:ext cx="0" cy="0"/>
+          <a:chOff x="0" y="0"/>
+          <a:chExt cx="0" cy="0"/>
+        </a:xfrm>
+      </p:grpSpPr>
+      <p:sp>
+        <p:nvSpPr>
+          <p:cNvPr id="136" name="PlaceHolder 1"/>
           <p:cNvSpPr>
             <a:spLocks noGrp="1"/>
           </p:cNvSpPr>
@@ -8148,7 +10311,7 @@
       </p:sp>
       <p:pic>
         <p:nvPicPr>
-          <p:cNvPr id="113" name="Picture 108"/>
+          <p:cNvPr id="137" name="Picture 108"/>
           <p:cNvPicPr/>
           <p:nvPr/>
         </p:nvPicPr>
@@ -8172,7 +10335,7 @@
       </p:pic>
       <p:pic>
         <p:nvPicPr>
-          <p:cNvPr id="114" name="Picture 109"/>
+          <p:cNvPr id="138" name="Picture 109"/>
           <p:cNvPicPr/>
           <p:nvPr/>
         </p:nvPicPr>
@@ -8207,7 +10370,7 @@
 </p:sld>
 </file>
 
-<file path=ppt/slides/slide17.xml><?xml version="1.0" encoding="utf-8"?>
+<file path=ppt/slides/slide18.xml><?xml version="1.0" encoding="utf-8"?>
 <p:sld xmlns:a="http://schemas.openxmlformats.org/drawingml/2006/main" xmlns:p="http://schemas.openxmlformats.org/presentationml/2006/main" xmlns:r="http://schemas.openxmlformats.org/officeDocument/2006/relationships" xmlns:p14="http://schemas.microsoft.com/office/powerpoint/2010/main" xmlns:p15="http://schemas.microsoft.com/office/powerpoint/2012/main" xmlns:mc="http://schemas.openxmlformats.org/markup-compatibility/2006">
   <p:cSld>
     <p:spTree>
@@ -8226,7 +10389,7 @@
       </p:grpSpPr>
       <p:sp>
         <p:nvSpPr>
-          <p:cNvPr id="115" name="PlaceHolder 1"/>
+          <p:cNvPr id="139" name="PlaceHolder 1"/>
           <p:cNvSpPr>
             <a:spLocks noGrp="1"/>
           </p:cNvSpPr>
@@ -8285,7 +10448,7 @@
       </p:sp>
       <p:sp>
         <p:nvSpPr>
-          <p:cNvPr id="116" name="Rectangles 111"/>
+          <p:cNvPr id="140" name="Rectangles 111"/>
           <p:cNvSpPr/>
           <p:nvPr/>
         </p:nvSpPr>
@@ -8535,7 +10698,7 @@
 </p:sld>
 </file>
 
-<file path=ppt/slides/slide18.xml><?xml version="1.0" encoding="utf-8"?>
+<file path=ppt/slides/slide19.xml><?xml version="1.0" encoding="utf-8"?>
 <p:sld xmlns:a="http://schemas.openxmlformats.org/drawingml/2006/main" xmlns:p="http://schemas.openxmlformats.org/presentationml/2006/main" xmlns:r="http://schemas.openxmlformats.org/officeDocument/2006/relationships" xmlns:p14="http://schemas.microsoft.com/office/powerpoint/2010/main" xmlns:p15="http://schemas.microsoft.com/office/powerpoint/2012/main" xmlns:mc="http://schemas.openxmlformats.org/markup-compatibility/2006">
   <p:cSld>
     <p:spTree>
@@ -8554,7 +10717,7 @@
       </p:grpSpPr>
       <p:sp>
         <p:nvSpPr>
-          <p:cNvPr id="117" name="PlaceHolder 1"/>
+          <p:cNvPr id="141" name="PlaceHolder 1"/>
           <p:cNvSpPr>
             <a:spLocks noGrp="1"/>
           </p:cNvSpPr>
@@ -8613,7 +10776,7 @@
       </p:sp>
       <p:pic>
         <p:nvPicPr>
-          <p:cNvPr id="118" name="Picture 115"/>
+          <p:cNvPr id="142" name="Picture 115"/>
           <p:cNvPicPr/>
           <p:nvPr/>
         </p:nvPicPr>
@@ -8637,7 +10800,7 @@
       </p:pic>
       <p:pic>
         <p:nvPicPr>
-          <p:cNvPr id="119" name="Picture 116"/>
+          <p:cNvPr id="143" name="Picture 116"/>
           <p:cNvPicPr/>
           <p:nvPr/>
         </p:nvPicPr>
@@ -13203,7 +15366,7 @@
                           <a:uFillTx/>
                           <a:latin typeface="Arial"/>
                         </a:rPr>
-                        <a:t>“It’s okay if only half the path looks bright.  .”</a:t>
+                        <a:t>“It’s okay if only half the path looks bright.”</a:t>
                       </a:r>
                       <a:endParaRPr lang="en-US" sz="2200" b="0" u="none" strike="noStrike">
                         <a:solidFill>

--- a/UPDATE 19-2.pptx
+++ b/UPDATE 19-2.pptx
@@ -9128,7 +9128,7 @@
         <p:spPr>
           <a:xfrm>
             <a:off x="228600" y="685800"/>
-            <a:ext cx="11655000" cy="7578720"/>
+            <a:ext cx="11655000" cy="3865680"/>
           </a:xfrm>
           <a:prstGeom prst="rect">
             <a:avLst/>
@@ -9225,56 +9225,6 @@
               <a:buFont typeface="Wingdings" charset="2"/>
               <a:buChar char=""/>
             </a:pPr>
-            <a:r>
-              <a:rPr lang="en-US" sz="1800" b="0" u="none" strike="noStrike">
-                <a:solidFill>
-                  <a:srgbClr val="000000"/>
-                </a:solidFill>
-                <a:effectLst/>
-                <a:uFillTx/>
-                <a:latin typeface="Arial"/>
-                <a:ea typeface="SimSun"/>
-              </a:rPr>
-              <a:t>If the pixels along that line are mostly bright (neurite-like) → accept the bridge.</a:t>
-            </a:r>
-            <a:endParaRPr lang="en-US" sz="1800" b="0" u="none" strike="noStrike">
-              <a:solidFill>
-                <a:srgbClr val="000000"/>
-              </a:solidFill>
-              <a:effectLst/>
-              <a:uFillTx/>
-              <a:latin typeface="Arial"/>
-            </a:endParaRPr>
-          </a:p>
-          <a:p>
-            <a:pPr marL="216000" indent="-216000">
-              <a:lnSpc>
-                <a:spcPct val="100000"/>
-              </a:lnSpc>
-              <a:spcBef>
-                <a:spcPts val="624"/>
-              </a:spcBef>
-              <a:spcAft>
-                <a:spcPts val="425"/>
-              </a:spcAft>
-              <a:buClr>
-                <a:srgbClr val="000000"/>
-              </a:buClr>
-              <a:buFont typeface="Wingdings" charset="2"/>
-              <a:buChar char=""/>
-            </a:pPr>
-            <a:r>
-              <a:rPr lang="en-US" sz="1800" b="0" u="none" strike="noStrike">
-                <a:solidFill>
-                  <a:srgbClr val="000000"/>
-                </a:solidFill>
-                <a:effectLst/>
-                <a:uFillTx/>
-                <a:latin typeface="Arial"/>
-                <a:ea typeface="SimSun"/>
-              </a:rPr>
-              <a:t>If the line goes through dark background → reject it.</a:t>
-            </a:r>
             <a:endParaRPr lang="en-US" sz="1800" b="0" u="none" strike="noStrike">
               <a:solidFill>
                 <a:srgbClr val="000000"/>
@@ -9296,18 +9246,6 @@
                 <a:spcPts val="992"/>
               </a:spcAft>
             </a:pPr>
-            <a:r>
-              <a:rPr lang="en-US" sz="1800" b="1" u="none" strike="noStrike">
-                <a:solidFill>
-                  <a:srgbClr val="2a6099"/>
-                </a:solidFill>
-                <a:effectLst/>
-                <a:uFillTx/>
-                <a:latin typeface="Arial"/>
-                <a:ea typeface="SimSun"/>
-              </a:rPr>
-              <a:t>B) Shortest-path stitching in an intensity cost map </a:t>
-            </a:r>
             <a:endParaRPr lang="en-US" sz="1800" b="0" u="none" strike="noStrike">
               <a:solidFill>
                 <a:srgbClr val="000000"/>
@@ -9329,18 +9267,6 @@
                 <a:spcPts val="992"/>
               </a:spcAft>
             </a:pPr>
-            <a:r>
-              <a:rPr lang="en-US" sz="1800" b="0" u="none" strike="noStrike">
-                <a:solidFill>
-                  <a:srgbClr val="000000"/>
-                </a:solidFill>
-                <a:effectLst/>
-                <a:uFillTx/>
-                <a:latin typeface="Arial"/>
-                <a:ea typeface="SimSun"/>
-              </a:rPr>
-              <a:t>Instead of a straight line, search for a path between endpoints in a small region, make bright pixels “cheap” to pass and dark pixels “expensive.”</a:t>
-            </a:r>
             <a:endParaRPr lang="en-US" sz="1800" b="0" u="none" strike="noStrike">
               <a:solidFill>
                 <a:srgbClr val="000000"/>
@@ -9362,19 +9288,7 @@
                 <a:spcPts val="992"/>
               </a:spcAft>
             </a:pPr>
-            <a:r>
-              <a:rPr lang="en-US" sz="1800" b="0" u="none" strike="noStrike">
-                <a:solidFill>
-                  <a:srgbClr val="000000"/>
-                </a:solidFill>
-                <a:effectLst/>
-                <a:uFillTx/>
-                <a:latin typeface="Arial"/>
-                <a:ea typeface="SimSun"/>
-              </a:rPr>
-              <a:t>If a low-cost (bright-following) path exists, connect along it and helps follow curved neurites and avoids dark gaps.</a:t>
-            </a:r>
-            <a:endParaRPr lang="en-US" sz="1800" b="0" u="none" strike="noStrike">
+            <a:endParaRPr lang="en-US" sz="1000" b="0" u="none" strike="noStrike">
               <a:solidFill>
                 <a:srgbClr val="000000"/>
               </a:solidFill>
@@ -9395,157 +9309,6 @@
                 <a:spcPts val="992"/>
               </a:spcAft>
             </a:pPr>
-            <a:r>
-              <a:rPr lang="en-US" sz="1800" b="0" u="none" strike="noStrike">
-                <a:solidFill>
-                  <a:srgbClr val="000000"/>
-                </a:solidFill>
-                <a:effectLst/>
-                <a:uFillTx/>
-                <a:latin typeface="Arial"/>
-                <a:ea typeface="SimSun"/>
-              </a:rPr>
-              <a:t>Then ask: Is there a low-cost path between the two endpoints inside a small box?</a:t>
-            </a:r>
-            <a:endParaRPr lang="en-US" sz="1800" b="0" u="none" strike="noStrike">
-              <a:solidFill>
-                <a:srgbClr val="000000"/>
-              </a:solidFill>
-              <a:effectLst/>
-              <a:uFillTx/>
-              <a:latin typeface="Arial"/>
-            </a:endParaRPr>
-          </a:p>
-          <a:p>
-            <a:pPr marL="216000" indent="-216000">
-              <a:lnSpc>
-                <a:spcPct val="100000"/>
-              </a:lnSpc>
-              <a:spcBef>
-                <a:spcPts val="1191"/>
-              </a:spcBef>
-              <a:spcAft>
-                <a:spcPts val="992"/>
-              </a:spcAft>
-              <a:buClr>
-                <a:srgbClr val="000000"/>
-              </a:buClr>
-              <a:buFont typeface="Wingdings" charset="2"/>
-              <a:buChar char=""/>
-            </a:pPr>
-            <a:r>
-              <a:rPr lang="en-US" sz="1800" b="0" u="none" strike="noStrike">
-                <a:solidFill>
-                  <a:srgbClr val="000000"/>
-                </a:solidFill>
-                <a:effectLst/>
-                <a:uFillTx/>
-                <a:latin typeface="Arial"/>
-                <a:ea typeface="SimSun"/>
-              </a:rPr>
-              <a:t>If yes → connect along that curved path.</a:t>
-            </a:r>
-            <a:endParaRPr lang="en-US" sz="1800" b="0" u="none" strike="noStrike">
-              <a:solidFill>
-                <a:srgbClr val="000000"/>
-              </a:solidFill>
-              <a:effectLst/>
-              <a:uFillTx/>
-              <a:latin typeface="Arial"/>
-            </a:endParaRPr>
-          </a:p>
-          <a:p>
-            <a:pPr marL="216000" indent="-216000">
-              <a:lnSpc>
-                <a:spcPct val="100000"/>
-              </a:lnSpc>
-              <a:spcBef>
-                <a:spcPts val="1191"/>
-              </a:spcBef>
-              <a:spcAft>
-                <a:spcPts val="992"/>
-              </a:spcAft>
-              <a:buClr>
-                <a:srgbClr val="000000"/>
-              </a:buClr>
-              <a:buFont typeface="Wingdings" charset="2"/>
-              <a:buChar char=""/>
-            </a:pPr>
-            <a:r>
-              <a:rPr lang="en-US" sz="1800" b="0" u="none" strike="noStrike">
-                <a:solidFill>
-                  <a:srgbClr val="000000"/>
-                </a:solidFill>
-                <a:effectLst/>
-                <a:uFillTx/>
-                <a:latin typeface="Arial"/>
-                <a:ea typeface="SimSun"/>
-              </a:rPr>
-              <a:t>If the only possible path goes through dark pixels (high cost) → don’t connect.</a:t>
-            </a:r>
-            <a:endParaRPr lang="en-US" sz="1800" b="0" u="none" strike="noStrike">
-              <a:solidFill>
-                <a:srgbClr val="000000"/>
-              </a:solidFill>
-              <a:effectLst/>
-              <a:uFillTx/>
-              <a:latin typeface="Arial"/>
-            </a:endParaRPr>
-          </a:p>
-          <a:p>
-            <a:pPr>
-              <a:lnSpc>
-                <a:spcPct val="100000"/>
-              </a:lnSpc>
-              <a:spcBef>
-                <a:spcPts val="1191"/>
-              </a:spcBef>
-              <a:spcAft>
-                <a:spcPts val="992"/>
-              </a:spcAft>
-            </a:pPr>
-            <a:endParaRPr lang="en-US" sz="1800" b="0" u="none" strike="noStrike">
-              <a:solidFill>
-                <a:srgbClr val="000000"/>
-              </a:solidFill>
-              <a:effectLst/>
-              <a:uFillTx/>
-              <a:latin typeface="Arial"/>
-            </a:endParaRPr>
-          </a:p>
-          <a:p>
-            <a:pPr>
-              <a:lnSpc>
-                <a:spcPct val="100000"/>
-              </a:lnSpc>
-              <a:spcBef>
-                <a:spcPts val="1191"/>
-              </a:spcBef>
-              <a:spcAft>
-                <a:spcPts val="992"/>
-              </a:spcAft>
-            </a:pPr>
-            <a:endParaRPr lang="en-US" sz="1000" b="0" u="none" strike="noStrike">
-              <a:solidFill>
-                <a:srgbClr val="000000"/>
-              </a:solidFill>
-              <a:effectLst/>
-              <a:uFillTx/>
-              <a:latin typeface="Arial"/>
-            </a:endParaRPr>
-          </a:p>
-          <a:p>
-            <a:pPr>
-              <a:lnSpc>
-                <a:spcPct val="100000"/>
-              </a:lnSpc>
-              <a:spcBef>
-                <a:spcPts val="1191"/>
-              </a:spcBef>
-              <a:spcAft>
-                <a:spcPts val="992"/>
-              </a:spcAft>
-            </a:pPr>
             <a:endParaRPr lang="en-US" sz="2000" b="0" u="none" strike="noStrike">
               <a:solidFill>
                 <a:srgbClr val="000000"/>
@@ -9572,6 +9335,725 @@
           </a:p>
         </p:txBody>
       </p:sp>
+      <p:graphicFrame>
+        <p:nvGraphicFramePr>
+          <p:cNvPr id="131" name=""/>
+          <p:cNvGraphicFramePr/>
+          <p:nvPr/>
+        </p:nvGraphicFramePr>
+        <p:xfrm>
+          <a:off x="1626840" y="1883520"/>
+          <a:ext cx="7084440" cy="4487400"/>
+        </p:xfrm>
+        <a:graphic>
+          <a:graphicData uri="http://schemas.openxmlformats.org/drawingml/2006/table">
+            <a:tbl>
+              <a:tblPr/>
+              <a:tblGrid>
+                <a:gridCol w="1770480"/>
+                <a:gridCol w="877680"/>
+                <a:gridCol w="3198960"/>
+              </a:tblGrid>
+              <a:tr h="272160">
+                <a:tc>
+                  <a:txBody>
+                    <a:bodyPr lIns="36000" rIns="36000" tIns="36000" bIns="36000" anchor="t">
+                      <a:noAutofit/>
+                    </a:bodyPr>
+                    <a:p>
+                      <a:pPr algn="ctr"/>
+                      <a:r>
+                        <a:rPr lang="en-US" sz="1400" b="0" u="none" strike="noStrike">
+                          <a:solidFill>
+                            <a:srgbClr val="000000"/>
+                          </a:solidFill>
+                          <a:effectLst/>
+                          <a:uFillTx/>
+                          <a:latin typeface="Arial"/>
+                        </a:rPr>
+                        <a:t>SIZE</a:t>
+                      </a:r>
+                      <a:endParaRPr lang="en-US" sz="1400" b="0" u="none" strike="noStrike">
+                        <a:solidFill>
+                          <a:srgbClr val="000000"/>
+                        </a:solidFill>
+                        <a:effectLst/>
+                        <a:uFillTx/>
+                        <a:latin typeface="Arial"/>
+                      </a:endParaRPr>
+                    </a:p>
+                  </a:txBody>
+                  <a:tcPr anchor="t" marL="36000" marR="36000" marT="36000" marB="36000">
+                    <a:lnL w="7200">
+                      <a:solidFill>
+                        <a:srgbClr val="000000"/>
+                      </a:solidFill>
+                      <a:prstDash val="solid"/>
+                    </a:lnL>
+                    <a:lnR w="7200">
+                      <a:solidFill>
+                        <a:srgbClr val="000000"/>
+                      </a:solidFill>
+                      <a:prstDash val="solid"/>
+                    </a:lnR>
+                    <a:lnT w="7200">
+                      <a:solidFill>
+                        <a:srgbClr val="000000"/>
+                      </a:solidFill>
+                      <a:prstDash val="solid"/>
+                    </a:lnT>
+                    <a:lnB w="7200">
+                      <a:solidFill>
+                        <a:srgbClr val="000000"/>
+                      </a:solidFill>
+                      <a:prstDash val="solid"/>
+                    </a:lnB>
+                    <a:noFill/>
+                  </a:tcPr>
+                </a:tc>
+                <a:tc>
+                  <a:txBody>
+                    <a:bodyPr lIns="36000" rIns="36000" tIns="36000" bIns="36000" anchor="t">
+                      <a:noAutofit/>
+                    </a:bodyPr>
+                    <a:p>
+                      <a:pPr algn="ctr"/>
+                      <a:r>
+                        <a:rPr lang="en-US" sz="1400" b="0" u="none" strike="noStrike">
+                          <a:solidFill>
+                            <a:srgbClr val="000000"/>
+                          </a:solidFill>
+                          <a:effectLst/>
+                          <a:uFillTx/>
+                          <a:latin typeface="Arial"/>
+                        </a:rPr>
+                        <a:t>VALUE</a:t>
+                      </a:r>
+                      <a:endParaRPr lang="en-US" sz="1400" b="0" u="none" strike="noStrike">
+                        <a:solidFill>
+                          <a:srgbClr val="000000"/>
+                        </a:solidFill>
+                        <a:effectLst/>
+                        <a:uFillTx/>
+                        <a:latin typeface="Arial"/>
+                      </a:endParaRPr>
+                    </a:p>
+                  </a:txBody>
+                  <a:tcPr anchor="t" marL="36000" marR="36000" marT="36000" marB="36000">
+                    <a:lnL w="7200">
+                      <a:solidFill>
+                        <a:srgbClr val="000000"/>
+                      </a:solidFill>
+                      <a:prstDash val="solid"/>
+                    </a:lnL>
+                    <a:lnR w="7200">
+                      <a:solidFill>
+                        <a:srgbClr val="000000"/>
+                      </a:solidFill>
+                      <a:prstDash val="solid"/>
+                    </a:lnR>
+                    <a:lnT w="7200">
+                      <a:solidFill>
+                        <a:srgbClr val="000000"/>
+                      </a:solidFill>
+                      <a:prstDash val="solid"/>
+                    </a:lnT>
+                    <a:lnB w="7200">
+                      <a:solidFill>
+                        <a:srgbClr val="000000"/>
+                      </a:solidFill>
+                      <a:prstDash val="solid"/>
+                    </a:lnB>
+                    <a:noFill/>
+                  </a:tcPr>
+                </a:tc>
+                <a:tc>
+                  <a:txBody>
+                    <a:bodyPr lIns="36000" rIns="36000" tIns="36000" bIns="36000" anchor="t">
+                      <a:noAutofit/>
+                    </a:bodyPr>
+                    <a:p>
+                      <a:pPr algn="ctr"/>
+                      <a:r>
+                        <a:rPr lang="en-US" sz="1400" b="0" u="none" strike="noStrike">
+                          <a:solidFill>
+                            <a:srgbClr val="000000"/>
+                          </a:solidFill>
+                          <a:effectLst/>
+                          <a:uFillTx/>
+                          <a:latin typeface="Arial"/>
+                        </a:rPr>
+                        <a:t>DESCRIPTION</a:t>
+                      </a:r>
+                      <a:endParaRPr lang="en-US" sz="1400" b="0" u="none" strike="noStrike">
+                        <a:solidFill>
+                          <a:srgbClr val="000000"/>
+                        </a:solidFill>
+                        <a:effectLst/>
+                        <a:uFillTx/>
+                        <a:latin typeface="Arial"/>
+                      </a:endParaRPr>
+                    </a:p>
+                  </a:txBody>
+                  <a:tcPr anchor="t" marL="36000" marR="36000" marT="36000" marB="36000">
+                    <a:lnL w="7200">
+                      <a:solidFill>
+                        <a:srgbClr val="000000"/>
+                      </a:solidFill>
+                      <a:prstDash val="solid"/>
+                    </a:lnL>
+                    <a:lnR w="7200">
+                      <a:solidFill>
+                        <a:srgbClr val="000000"/>
+                      </a:solidFill>
+                      <a:prstDash val="solid"/>
+                    </a:lnR>
+                    <a:lnT w="7200">
+                      <a:solidFill>
+                        <a:srgbClr val="000000"/>
+                      </a:solidFill>
+                      <a:prstDash val="solid"/>
+                    </a:lnT>
+                    <a:lnB w="7200">
+                      <a:solidFill>
+                        <a:srgbClr val="000000"/>
+                      </a:solidFill>
+                      <a:prstDash val="solid"/>
+                    </a:lnB>
+                    <a:noFill/>
+                  </a:tcPr>
+                </a:tc>
+              </a:tr>
+              <a:tr h="2270160">
+                <a:tc>
+                  <a:txBody>
+                    <a:bodyPr lIns="36000" rIns="36000" tIns="36000" bIns="36000" anchor="t">
+                      <a:noAutofit/>
+                    </a:bodyPr>
+                    <a:p>
+                      <a:pPr algn="ctr"/>
+                      <a:r>
+                        <a:rPr lang="en-US" sz="1400" b="0" u="none" strike="noStrike">
+                          <a:solidFill>
+                            <a:srgbClr val="000000"/>
+                          </a:solidFill>
+                          <a:effectLst/>
+                          <a:uFillTx/>
+                          <a:latin typeface="Arial"/>
+                        </a:rPr>
+                        <a:t>BIG </a:t>
+                      </a:r>
+                      <a:endParaRPr lang="en-US" sz="1400" b="0" u="none" strike="noStrike">
+                        <a:solidFill>
+                          <a:srgbClr val="000000"/>
+                        </a:solidFill>
+                        <a:effectLst/>
+                        <a:uFillTx/>
+                        <a:latin typeface="Arial"/>
+                      </a:endParaRPr>
+                    </a:p>
+                  </a:txBody>
+                  <a:tcPr anchor="t" marL="36000" marR="36000" marT="36000" marB="36000">
+                    <a:lnL w="7200">
+                      <a:solidFill>
+                        <a:srgbClr val="000000"/>
+                      </a:solidFill>
+                      <a:prstDash val="solid"/>
+                    </a:lnL>
+                    <a:lnR w="7200">
+                      <a:solidFill>
+                        <a:srgbClr val="000000"/>
+                      </a:solidFill>
+                      <a:prstDash val="solid"/>
+                    </a:lnR>
+                    <a:lnT w="7200">
+                      <a:solidFill>
+                        <a:srgbClr val="000000"/>
+                      </a:solidFill>
+                      <a:prstDash val="solid"/>
+                    </a:lnT>
+                    <a:lnB w="7200">
+                      <a:solidFill>
+                        <a:srgbClr val="000000"/>
+                      </a:solidFill>
+                      <a:prstDash val="solid"/>
+                    </a:lnB>
+                    <a:noFill/>
+                  </a:tcPr>
+                </a:tc>
+                <a:tc>
+                  <a:txBody>
+                    <a:bodyPr lIns="36000" rIns="36000" tIns="36000" bIns="36000" anchor="t">
+                      <a:noAutofit/>
+                    </a:bodyPr>
+                    <a:p>
+                      <a:pPr algn="ctr"/>
+                      <a:r>
+                        <a:rPr lang="en-US" sz="1400" b="0" u="none" strike="noStrike">
+                          <a:solidFill>
+                            <a:srgbClr val="000000"/>
+                          </a:solidFill>
+                          <a:effectLst/>
+                          <a:uFillTx/>
+                          <a:latin typeface="Arial"/>
+                        </a:rPr>
+                        <a:t>0.20–0.30 </a:t>
+                      </a:r>
+                      <a:endParaRPr lang="en-US" sz="1400" b="0" u="none" strike="noStrike">
+                        <a:solidFill>
+                          <a:srgbClr val="000000"/>
+                        </a:solidFill>
+                        <a:effectLst/>
+                        <a:uFillTx/>
+                        <a:latin typeface="Arial"/>
+                      </a:endParaRPr>
+                    </a:p>
+                  </a:txBody>
+                  <a:tcPr anchor="t" marL="36000" marR="36000" marT="36000" marB="36000">
+                    <a:lnL w="7200">
+                      <a:solidFill>
+                        <a:srgbClr val="000000"/>
+                      </a:solidFill>
+                      <a:prstDash val="solid"/>
+                    </a:lnL>
+                    <a:lnR w="7200">
+                      <a:solidFill>
+                        <a:srgbClr val="000000"/>
+                      </a:solidFill>
+                      <a:prstDash val="solid"/>
+                    </a:lnR>
+                    <a:lnT w="7200">
+                      <a:solidFill>
+                        <a:srgbClr val="000000"/>
+                      </a:solidFill>
+                      <a:prstDash val="solid"/>
+                    </a:lnT>
+                    <a:lnB w="7200">
+                      <a:solidFill>
+                        <a:srgbClr val="000000"/>
+                      </a:solidFill>
+                      <a:prstDash val="solid"/>
+                    </a:lnB>
+                    <a:noFill/>
+                  </a:tcPr>
+                </a:tc>
+                <a:tc>
+                  <a:txBody>
+                    <a:bodyPr lIns="36000" rIns="36000" tIns="36000" bIns="36000" anchor="t">
+                      <a:noAutofit/>
+                    </a:bodyPr>
+                    <a:p>
+                      <a:r>
+                        <a:rPr lang="en-US" sz="1800" b="0" u="none" strike="noStrike">
+                          <a:solidFill>
+                            <a:srgbClr val="000000"/>
+                          </a:solidFill>
+                          <a:effectLst/>
+                          <a:uFillTx/>
+                          <a:latin typeface="Arial"/>
+                        </a:rPr>
+                        <a:t>Dim neurites kept</a:t>
+                      </a:r>
+                      <a:endParaRPr lang="en-US" sz="1800" b="0" u="none" strike="noStrike">
+                        <a:solidFill>
+                          <a:srgbClr val="000000"/>
+                        </a:solidFill>
+                        <a:effectLst/>
+                        <a:uFillTx/>
+                        <a:latin typeface="Arial"/>
+                      </a:endParaRPr>
+                    </a:p>
+                    <a:p>
+                      <a:r>
+                        <a:rPr lang="en-US" sz="1800" b="0" u="none" strike="noStrike">
+                          <a:solidFill>
+                            <a:srgbClr val="000000"/>
+                          </a:solidFill>
+                          <a:effectLst/>
+                          <a:uFillTx/>
+                          <a:latin typeface="Arial"/>
+                        </a:rPr>
+                        <a:t>✔ Fewer gaps</a:t>
+                      </a:r>
+                      <a:endParaRPr lang="en-US" sz="1800" b="0" u="none" strike="noStrike">
+                        <a:solidFill>
+                          <a:srgbClr val="000000"/>
+                        </a:solidFill>
+                        <a:effectLst/>
+                        <a:uFillTx/>
+                        <a:latin typeface="Arial"/>
+                      </a:endParaRPr>
+                    </a:p>
+                    <a:p>
+                      <a:r>
+                        <a:rPr lang="en-US" sz="1800" b="0" u="none" strike="noStrike">
+                          <a:solidFill>
+                            <a:srgbClr val="000000"/>
+                          </a:solidFill>
+                          <a:effectLst/>
+                          <a:uFillTx/>
+                          <a:latin typeface="Arial"/>
+                        </a:rPr>
+                        <a:t>❌ More noise included</a:t>
+                      </a:r>
+                      <a:endParaRPr lang="en-US" sz="1800" b="0" u="none" strike="noStrike">
+                        <a:solidFill>
+                          <a:srgbClr val="000000"/>
+                        </a:solidFill>
+                        <a:effectLst/>
+                        <a:uFillTx/>
+                        <a:latin typeface="Arial"/>
+                      </a:endParaRPr>
+                    </a:p>
+                    <a:p>
+                      <a:r>
+                        <a:rPr lang="en-US" sz="1800" b="0" u="none" strike="noStrike">
+                          <a:solidFill>
+                            <a:srgbClr val="000000"/>
+                          </a:solidFill>
+                          <a:effectLst/>
+                          <a:uFillTx/>
+                          <a:latin typeface="Arial"/>
+                        </a:rPr>
+                        <a:t>Think:</a:t>
+                      </a:r>
+                      <a:endParaRPr lang="en-US" sz="1800" b="0" u="none" strike="noStrike">
+                        <a:solidFill>
+                          <a:srgbClr val="000000"/>
+                        </a:solidFill>
+                        <a:effectLst/>
+                        <a:uFillTx/>
+                        <a:latin typeface="Arial"/>
+                      </a:endParaRPr>
+                    </a:p>
+                    <a:p>
+                      <a:r>
+                        <a:rPr lang="en-US" sz="1800" b="0" u="none" strike="noStrike">
+                          <a:solidFill>
+                            <a:srgbClr val="000000"/>
+                          </a:solidFill>
+                          <a:effectLst/>
+                          <a:uFillTx/>
+                          <a:latin typeface="Arial"/>
+                        </a:rPr>
+                        <a:t>“Even slightly bright pixels are allowed.”</a:t>
+                      </a:r>
+                      <a:endParaRPr lang="en-US" sz="1800" b="0" u="none" strike="noStrike">
+                        <a:solidFill>
+                          <a:srgbClr val="000000"/>
+                        </a:solidFill>
+                        <a:effectLst/>
+                        <a:uFillTx/>
+                        <a:latin typeface="Arial"/>
+                      </a:endParaRPr>
+                    </a:p>
+                    <a:p>
+                      <a:endParaRPr lang="en-US" sz="1800" b="0" u="none" strike="noStrike">
+                        <a:solidFill>
+                          <a:srgbClr val="000000"/>
+                        </a:solidFill>
+                        <a:effectLst/>
+                        <a:uFillTx/>
+                        <a:latin typeface="Arial"/>
+                      </a:endParaRPr>
+                    </a:p>
+                  </a:txBody>
+                  <a:tcPr anchor="t" marL="36000" marR="36000" marT="36000" marB="36000">
+                    <a:lnL w="7200">
+                      <a:solidFill>
+                        <a:srgbClr val="000000"/>
+                      </a:solidFill>
+                      <a:prstDash val="solid"/>
+                    </a:lnL>
+                    <a:lnR w="7200">
+                      <a:solidFill>
+                        <a:srgbClr val="000000"/>
+                      </a:solidFill>
+                      <a:prstDash val="solid"/>
+                    </a:lnR>
+                    <a:lnT w="7200">
+                      <a:solidFill>
+                        <a:srgbClr val="000000"/>
+                      </a:solidFill>
+                      <a:prstDash val="solid"/>
+                    </a:lnT>
+                    <a:lnB w="7200">
+                      <a:solidFill>
+                        <a:srgbClr val="000000"/>
+                      </a:solidFill>
+                      <a:prstDash val="solid"/>
+                    </a:lnB>
+                    <a:noFill/>
+                  </a:tcPr>
+                </a:tc>
+              </a:tr>
+              <a:tr h="1870560">
+                <a:tc>
+                  <a:txBody>
+                    <a:bodyPr lIns="36000" rIns="36000" tIns="36000" bIns="36000" anchor="t">
+                      <a:noAutofit/>
+                    </a:bodyPr>
+                    <a:p>
+                      <a:pPr algn="ctr"/>
+                      <a:r>
+                        <a:rPr lang="en-US" sz="1400" b="0" u="none" strike="noStrike">
+                          <a:solidFill>
+                            <a:srgbClr val="000000"/>
+                          </a:solidFill>
+                          <a:effectLst/>
+                          <a:uFillTx/>
+                          <a:latin typeface="Arial"/>
+                        </a:rPr>
+                        <a:t>SMALL</a:t>
+                      </a:r>
+                      <a:endParaRPr lang="en-US" sz="1400" b="0" u="none" strike="noStrike">
+                        <a:solidFill>
+                          <a:srgbClr val="000000"/>
+                        </a:solidFill>
+                        <a:effectLst/>
+                        <a:uFillTx/>
+                        <a:latin typeface="Arial"/>
+                      </a:endParaRPr>
+                    </a:p>
+                  </a:txBody>
+                  <a:tcPr anchor="t" marL="36000" marR="36000" marT="36000" marB="36000">
+                    <a:lnL w="7200">
+                      <a:solidFill>
+                        <a:srgbClr val="000000"/>
+                      </a:solidFill>
+                      <a:prstDash val="solid"/>
+                    </a:lnL>
+                    <a:lnR w="7200">
+                      <a:solidFill>
+                        <a:srgbClr val="000000"/>
+                      </a:solidFill>
+                      <a:prstDash val="solid"/>
+                    </a:lnR>
+                    <a:lnT w="7200">
+                      <a:solidFill>
+                        <a:srgbClr val="000000"/>
+                      </a:solidFill>
+                      <a:prstDash val="solid"/>
+                    </a:lnT>
+                    <a:lnB w="7200">
+                      <a:solidFill>
+                        <a:srgbClr val="000000"/>
+                      </a:solidFill>
+                      <a:prstDash val="solid"/>
+                    </a:lnB>
+                    <a:noFill/>
+                  </a:tcPr>
+                </a:tc>
+                <a:tc>
+                  <a:txBody>
+                    <a:bodyPr lIns="36000" rIns="36000" tIns="36000" bIns="36000" anchor="t">
+                      <a:noAutofit/>
+                    </a:bodyPr>
+                    <a:p>
+                      <a:pPr algn="ctr"/>
+                      <a:r>
+                        <a:rPr lang="en-US" sz="1400" b="0" u="none" strike="noStrike">
+                          <a:solidFill>
+                            <a:srgbClr val="000000"/>
+                          </a:solidFill>
+                          <a:effectLst/>
+                          <a:uFillTx/>
+                          <a:latin typeface="Arial"/>
+                        </a:rPr>
+                        <a:t>0.05–0.10 </a:t>
+                      </a:r>
+                      <a:endParaRPr lang="en-US" sz="1400" b="0" u="none" strike="noStrike">
+                        <a:solidFill>
+                          <a:srgbClr val="000000"/>
+                        </a:solidFill>
+                        <a:effectLst/>
+                        <a:uFillTx/>
+                        <a:latin typeface="Arial"/>
+                      </a:endParaRPr>
+                    </a:p>
+                  </a:txBody>
+                  <a:tcPr anchor="t" marL="36000" marR="36000" marT="36000" marB="36000">
+                    <a:lnL w="7200">
+                      <a:solidFill>
+                        <a:srgbClr val="000000"/>
+                      </a:solidFill>
+                      <a:prstDash val="solid"/>
+                    </a:lnL>
+                    <a:lnR w="7200">
+                      <a:solidFill>
+                        <a:srgbClr val="000000"/>
+                      </a:solidFill>
+                      <a:prstDash val="solid"/>
+                    </a:lnR>
+                    <a:lnT w="7200">
+                      <a:solidFill>
+                        <a:srgbClr val="000000"/>
+                      </a:solidFill>
+                      <a:prstDash val="solid"/>
+                    </a:lnT>
+                    <a:lnB w="7200">
+                      <a:solidFill>
+                        <a:srgbClr val="000000"/>
+                      </a:solidFill>
+                      <a:prstDash val="solid"/>
+                    </a:lnB>
+                    <a:noFill/>
+                  </a:tcPr>
+                </a:tc>
+                <a:tc>
+                  <a:txBody>
+                    <a:bodyPr lIns="36000" rIns="36000" tIns="36000" bIns="36000" anchor="t">
+                      <a:noAutofit/>
+                    </a:bodyPr>
+                    <a:p>
+                      <a:r>
+                        <a:rPr lang="en-US" sz="1800" b="0" u="none" strike="noStrike">
+                          <a:solidFill>
+                            <a:srgbClr val="000000"/>
+                          </a:solidFill>
+                          <a:effectLst/>
+                          <a:uFillTx/>
+                          <a:latin typeface="Arial"/>
+                        </a:rPr>
+                        <a:t>✔ Strict</a:t>
+                      </a:r>
+                      <a:endParaRPr lang="en-US" sz="1800" b="0" u="none" strike="noStrike">
+                        <a:solidFill>
+                          <a:srgbClr val="000000"/>
+                        </a:solidFill>
+                        <a:effectLst/>
+                        <a:uFillTx/>
+                        <a:latin typeface="Arial"/>
+                      </a:endParaRPr>
+                    </a:p>
+                    <a:p>
+                      <a:r>
+                        <a:rPr lang="en-US" sz="1800" b="0" u="none" strike="noStrike">
+                          <a:solidFill>
+                            <a:srgbClr val="000000"/>
+                          </a:solidFill>
+                          <a:effectLst/>
+                          <a:uFillTx/>
+                          <a:latin typeface="Arial"/>
+                        </a:rPr>
+                        <a:t>✔ Only bright neurites kept</a:t>
+                      </a:r>
+                      <a:endParaRPr lang="en-US" sz="1800" b="0" u="none" strike="noStrike">
+                        <a:solidFill>
+                          <a:srgbClr val="000000"/>
+                        </a:solidFill>
+                        <a:effectLst/>
+                        <a:uFillTx/>
+                        <a:latin typeface="Arial"/>
+                      </a:endParaRPr>
+                    </a:p>
+                    <a:p>
+                      <a:r>
+                        <a:rPr lang="en-US" sz="1800" b="0" u="none" strike="noStrike">
+                          <a:solidFill>
+                            <a:srgbClr val="000000"/>
+                          </a:solidFill>
+                          <a:effectLst/>
+                          <a:uFillTx/>
+                          <a:latin typeface="Arial"/>
+                        </a:rPr>
+                        <a:t>❌ Dim neurites may disappear</a:t>
+                      </a:r>
+                      <a:endParaRPr lang="en-US" sz="1800" b="0" u="none" strike="noStrike">
+                        <a:solidFill>
+                          <a:srgbClr val="000000"/>
+                        </a:solidFill>
+                        <a:effectLst/>
+                        <a:uFillTx/>
+                        <a:latin typeface="Arial"/>
+                      </a:endParaRPr>
+                    </a:p>
+                    <a:p>
+                      <a:r>
+                        <a:rPr lang="en-US" sz="1800" b="0" u="none" strike="noStrike">
+                          <a:solidFill>
+                            <a:srgbClr val="000000"/>
+                          </a:solidFill>
+                          <a:effectLst/>
+                          <a:uFillTx/>
+                          <a:latin typeface="Arial"/>
+                        </a:rPr>
+                        <a:t>Think:</a:t>
+                      </a:r>
+                      <a:endParaRPr lang="en-US" sz="1800" b="0" u="none" strike="noStrike">
+                        <a:solidFill>
+                          <a:srgbClr val="000000"/>
+                        </a:solidFill>
+                        <a:effectLst/>
+                        <a:uFillTx/>
+                        <a:latin typeface="Arial"/>
+                      </a:endParaRPr>
+                    </a:p>
+                    <a:p>
+                      <a:r>
+                        <a:rPr lang="en-US" sz="1800" b="0" u="none" strike="noStrike">
+                          <a:solidFill>
+                            <a:srgbClr val="000000"/>
+                          </a:solidFill>
+                          <a:effectLst/>
+                          <a:uFillTx/>
+                          <a:latin typeface="Arial"/>
+                        </a:rPr>
+                        <a:t>“Only clearly bright pixels count.”</a:t>
+                      </a:r>
+                      <a:endParaRPr lang="en-US" sz="1800" b="0" u="none" strike="noStrike">
+                        <a:solidFill>
+                          <a:srgbClr val="000000"/>
+                        </a:solidFill>
+                        <a:effectLst/>
+                        <a:uFillTx/>
+                        <a:latin typeface="Arial"/>
+                      </a:endParaRPr>
+                    </a:p>
+                    <a:p>
+                      <a:endParaRPr lang="en-US" sz="1800" b="0" u="none" strike="noStrike">
+                        <a:solidFill>
+                          <a:srgbClr val="000000"/>
+                        </a:solidFill>
+                        <a:effectLst/>
+                        <a:uFillTx/>
+                        <a:latin typeface="Arial"/>
+                      </a:endParaRPr>
+                    </a:p>
+                  </a:txBody>
+                  <a:tcPr anchor="t" marL="36000" marR="36000" marT="36000" marB="36000">
+                    <a:lnL w="7200">
+                      <a:solidFill>
+                        <a:srgbClr val="000000"/>
+                      </a:solidFill>
+                      <a:prstDash val="solid"/>
+                    </a:lnL>
+                    <a:lnR w="7200">
+                      <a:solidFill>
+                        <a:srgbClr val="000000"/>
+                      </a:solidFill>
+                      <a:prstDash val="solid"/>
+                    </a:lnR>
+                    <a:lnT w="7200">
+                      <a:solidFill>
+                        <a:srgbClr val="000000"/>
+                      </a:solidFill>
+                      <a:prstDash val="solid"/>
+                    </a:lnT>
+                    <a:lnB w="7200">
+                      <a:solidFill>
+                        <a:srgbClr val="000000"/>
+                      </a:solidFill>
+                      <a:prstDash val="solid"/>
+                    </a:lnB>
+                    <a:noFill/>
+                  </a:tcPr>
+                </a:tc>
+              </a:tr>
+            </a:tbl>
+          </a:graphicData>
+        </a:graphic>
+      </p:graphicFrame>
     </p:spTree>
   </p:cSld>
   <mc:AlternateContent>
@@ -9604,7 +10086,7 @@
       </p:grpSpPr>
       <p:sp>
         <p:nvSpPr>
-          <p:cNvPr id="131" name=""/>
+          <p:cNvPr id="132" name=""/>
           <p:cNvSpPr/>
           <p:nvPr/>
         </p:nvSpPr>
@@ -9704,7 +10186,7 @@
       </p:sp>
       <p:sp>
         <p:nvSpPr>
-          <p:cNvPr id="132" name="PlaceHolder 5"/>
+          <p:cNvPr id="133" name="PlaceHolder 5"/>
           <p:cNvSpPr/>
           <p:nvPr/>
         </p:nvSpPr>
@@ -9795,7 +10277,7 @@
       </p:grpSpPr>
       <p:sp>
         <p:nvSpPr>
-          <p:cNvPr id="133" name="PlaceHolder 1"/>
+          <p:cNvPr id="134" name="PlaceHolder 1"/>
           <p:cNvSpPr>
             <a:spLocks noGrp="1"/>
           </p:cNvSpPr>
@@ -9924,7 +10406,7 @@
       </p:grpSpPr>
       <p:sp>
         <p:nvSpPr>
-          <p:cNvPr id="134" name="PlaceHolder 1"/>
+          <p:cNvPr id="135" name="PlaceHolder 1"/>
           <p:cNvSpPr>
             <a:spLocks noGrp="1"/>
           </p:cNvSpPr>
@@ -9983,7 +10465,7 @@
       </p:sp>
       <p:sp>
         <p:nvSpPr>
-          <p:cNvPr id="135" name="Rectangles 104"/>
+          <p:cNvPr id="136" name="Rectangles 104"/>
           <p:cNvSpPr/>
           <p:nvPr/>
         </p:nvSpPr>
@@ -10252,7 +10734,7 @@
       </p:grpSpPr>
       <p:sp>
         <p:nvSpPr>
-          <p:cNvPr id="136" name="PlaceHolder 1"/>
+          <p:cNvPr id="137" name="PlaceHolder 1"/>
           <p:cNvSpPr>
             <a:spLocks noGrp="1"/>
           </p:cNvSpPr>
@@ -10311,7 +10793,7 @@
       </p:sp>
       <p:pic>
         <p:nvPicPr>
-          <p:cNvPr id="137" name="Picture 108"/>
+          <p:cNvPr id="138" name="Picture 108"/>
           <p:cNvPicPr/>
           <p:nvPr/>
         </p:nvPicPr>
@@ -10335,7 +10817,7 @@
       </p:pic>
       <p:pic>
         <p:nvPicPr>
-          <p:cNvPr id="138" name="Picture 109"/>
+          <p:cNvPr id="139" name="Picture 109"/>
           <p:cNvPicPr/>
           <p:nvPr/>
         </p:nvPicPr>
@@ -10389,7 +10871,7 @@
       </p:grpSpPr>
       <p:sp>
         <p:nvSpPr>
-          <p:cNvPr id="139" name="PlaceHolder 1"/>
+          <p:cNvPr id="140" name="PlaceHolder 1"/>
           <p:cNvSpPr>
             <a:spLocks noGrp="1"/>
           </p:cNvSpPr>
@@ -10448,7 +10930,7 @@
       </p:sp>
       <p:sp>
         <p:nvSpPr>
-          <p:cNvPr id="140" name="Rectangles 111"/>
+          <p:cNvPr id="141" name="Rectangles 111"/>
           <p:cNvSpPr/>
           <p:nvPr/>
         </p:nvSpPr>
@@ -10717,7 +11199,7 @@
       </p:grpSpPr>
       <p:sp>
         <p:nvSpPr>
-          <p:cNvPr id="141" name="PlaceHolder 1"/>
+          <p:cNvPr id="142" name="PlaceHolder 1"/>
           <p:cNvSpPr>
             <a:spLocks noGrp="1"/>
           </p:cNvSpPr>
@@ -10776,7 +11258,7 @@
       </p:sp>
       <p:pic>
         <p:nvPicPr>
-          <p:cNvPr id="142" name="Picture 115"/>
+          <p:cNvPr id="143" name="Picture 115"/>
           <p:cNvPicPr/>
           <p:nvPr/>
         </p:nvPicPr>
@@ -10800,7 +11282,7 @@
       </p:pic>
       <p:pic>
         <p:nvPicPr>
-          <p:cNvPr id="143" name="Picture 116"/>
+          <p:cNvPr id="144" name="Picture 116"/>
           <p:cNvPicPr/>
           <p:nvPr/>
         </p:nvPicPr>

--- a/UPDATE 19-2.pptx
+++ b/UPDATE 19-2.pptx
@@ -24,6 +24,7 @@
     <p:sldId id="272" r:id="rId19"/>
     <p:sldId id="273" r:id="rId20"/>
     <p:sldId id="274" r:id="rId21"/>
+    <p:sldId id="275" r:id="rId22"/>
   </p:sldIdLst>
   <p:sldSz cx="12192000" cy="6858000"/>
   <p:notesSz cx="7559675" cy="10691813"/>
@@ -31,8 +32,8 @@
 </file>
 
 <file path=ppt/slideLayouts/slideLayout1.xml><?xml version="1.0" encoding="utf-8"?>
-<p:sldLayout xmlns:a="http://schemas.openxmlformats.org/drawingml/2006/main" xmlns:p="http://schemas.openxmlformats.org/presentationml/2006/main" xmlns:r="http://schemas.openxmlformats.org/officeDocument/2006/relationships" xmlns:p14="http://schemas.microsoft.com/office/powerpoint/2010/main" xmlns:p15="http://schemas.microsoft.com/office/powerpoint/2012/main" xmlns:mc="http://schemas.openxmlformats.org/markup-compatibility/2006" type="titleOnly" preserve="1">
-  <p:cSld name="Title Only">
+<p:sldLayout xmlns:a="http://schemas.openxmlformats.org/drawingml/2006/main" xmlns:p="http://schemas.openxmlformats.org/presentationml/2006/main" xmlns:r="http://schemas.openxmlformats.org/officeDocument/2006/relationships" xmlns:p14="http://schemas.microsoft.com/office/powerpoint/2010/main" xmlns:p15="http://schemas.microsoft.com/office/powerpoint/2012/main" xmlns:mc="http://schemas.openxmlformats.org/markup-compatibility/2006" type="vertTx" preserve="1">
+  <p:cSld name="Title and Vertical Text">
     <p:bg>
       <p:bgPr>
         <a:solidFill>
@@ -67,7 +68,7 @@
         <p:spPr>
           <a:xfrm>
             <a:off x="0" y="0"/>
-            <a:ext cx="12184200" cy="6850080"/>
+            <a:ext cx="12183840" cy="6849720"/>
           </a:xfrm>
           <a:prstGeom prst="rect">
             <a:avLst/>
@@ -91,7 +92,7 @@
         <p:spPr>
           <a:xfrm>
             <a:off x="609480" y="190440"/>
-            <a:ext cx="10964880" cy="574560"/>
+            <a:ext cx="10964520" cy="574200"/>
           </a:xfrm>
           <a:prstGeom prst="rect">
             <a:avLst/>
@@ -145,13 +146,217 @@
             <a:spLocks noGrp="1"/>
           </p:cNvSpPr>
           <p:nvPr>
+            <p:ph type="body"/>
+          </p:nvPr>
+        </p:nvSpPr>
+        <p:spPr>
+          <a:xfrm>
+            <a:off x="609480" y="1174680"/>
+            <a:ext cx="10964520" cy="4944600"/>
+          </a:xfrm>
+          <a:prstGeom prst="rect">
+            <a:avLst/>
+          </a:prstGeom>
+          <a:noFill/>
+          <a:ln w="9360">
+            <a:noFill/>
+          </a:ln>
+        </p:spPr>
+        <p:txBody>
+          <a:bodyPr lIns="45000" rIns="45000" tIns="90000" bIns="90000" anchor="t" vert="eaVert">
+            <a:noAutofit/>
+          </a:bodyPr>
+          <a:p>
+            <a:pPr marL="343080" indent="-343080">
+              <a:lnSpc>
+                <a:spcPct val="100000"/>
+              </a:lnSpc>
+              <a:spcBef>
+                <a:spcPts val="641"/>
+              </a:spcBef>
+              <a:buClr>
+                <a:srgbClr val="000000"/>
+              </a:buClr>
+              <a:buFont typeface="Symbol" charset="2"/>
+              <a:buChar char=""/>
+            </a:pPr>
+            <a:r>
+              <a:rPr lang="en-US" sz="3200" b="0" u="none" strike="noStrike">
+                <a:solidFill>
+                  <a:schemeClr val="dk1"/>
+                </a:solidFill>
+                <a:effectLst/>
+                <a:uFillTx/>
+                <a:latin typeface="Arial"/>
+                <a:ea typeface="SimSun"/>
+              </a:rPr>
+              <a:t>Click to edit Master text styles</a:t>
+            </a:r>
+            <a:endParaRPr lang="en-US" sz="3200" b="0" u="none" strike="noStrike">
+              <a:solidFill>
+                <a:srgbClr val="000000"/>
+              </a:solidFill>
+              <a:effectLst/>
+              <a:uFillTx/>
+              <a:latin typeface="Arial"/>
+            </a:endParaRPr>
+          </a:p>
+          <a:p>
+            <a:pPr marL="743040" lvl="1" indent="-285840">
+              <a:lnSpc>
+                <a:spcPct val="100000"/>
+              </a:lnSpc>
+              <a:spcBef>
+                <a:spcPts val="561"/>
+              </a:spcBef>
+              <a:buClr>
+                <a:srgbClr val="000000"/>
+              </a:buClr>
+              <a:buFont typeface="Symbol" charset="2"/>
+              <a:buChar char=""/>
+            </a:pPr>
+            <a:r>
+              <a:rPr lang="en-US" sz="2800" b="0" u="none" strike="noStrike">
+                <a:solidFill>
+                  <a:schemeClr val="dk1"/>
+                </a:solidFill>
+                <a:effectLst/>
+                <a:uFillTx/>
+                <a:latin typeface="Arial"/>
+                <a:ea typeface="SimSun"/>
+              </a:rPr>
+              <a:t>Second level</a:t>
+            </a:r>
+            <a:endParaRPr lang="en-US" sz="2800" b="0" u="none" strike="noStrike">
+              <a:solidFill>
+                <a:srgbClr val="000000"/>
+              </a:solidFill>
+              <a:effectLst/>
+              <a:uFillTx/>
+              <a:latin typeface="Arial"/>
+            </a:endParaRPr>
+          </a:p>
+          <a:p>
+            <a:pPr marL="1143000" lvl="2" indent="-228600">
+              <a:lnSpc>
+                <a:spcPct val="100000"/>
+              </a:lnSpc>
+              <a:spcBef>
+                <a:spcPts val="479"/>
+              </a:spcBef>
+              <a:buClr>
+                <a:srgbClr val="000000"/>
+              </a:buClr>
+              <a:buFont typeface="Symbol" charset="2"/>
+              <a:buChar char=""/>
+            </a:pPr>
+            <a:r>
+              <a:rPr lang="en-US" sz="2400" b="0" u="none" strike="noStrike">
+                <a:solidFill>
+                  <a:schemeClr val="dk1"/>
+                </a:solidFill>
+                <a:effectLst/>
+                <a:uFillTx/>
+                <a:latin typeface="Arial"/>
+                <a:ea typeface="SimSun"/>
+              </a:rPr>
+              <a:t>Third level</a:t>
+            </a:r>
+            <a:endParaRPr lang="en-US" sz="2400" b="0" u="none" strike="noStrike">
+              <a:solidFill>
+                <a:srgbClr val="000000"/>
+              </a:solidFill>
+              <a:effectLst/>
+              <a:uFillTx/>
+              <a:latin typeface="Arial"/>
+            </a:endParaRPr>
+          </a:p>
+          <a:p>
+            <a:pPr marL="1600200" lvl="3" indent="-228600">
+              <a:lnSpc>
+                <a:spcPct val="100000"/>
+              </a:lnSpc>
+              <a:spcBef>
+                <a:spcPts val="400"/>
+              </a:spcBef>
+              <a:buClr>
+                <a:srgbClr val="000000"/>
+              </a:buClr>
+              <a:buFont typeface="Symbol" charset="2"/>
+              <a:buChar char=""/>
+            </a:pPr>
+            <a:r>
+              <a:rPr lang="en-US" sz="2000" b="0" u="none" strike="noStrike">
+                <a:solidFill>
+                  <a:schemeClr val="dk1"/>
+                </a:solidFill>
+                <a:effectLst/>
+                <a:uFillTx/>
+                <a:latin typeface="Arial"/>
+                <a:ea typeface="SimSun"/>
+              </a:rPr>
+              <a:t>Fourth level</a:t>
+            </a:r>
+            <a:endParaRPr lang="en-US" sz="2000" b="0" u="none" strike="noStrike">
+              <a:solidFill>
+                <a:srgbClr val="000000"/>
+              </a:solidFill>
+              <a:effectLst/>
+              <a:uFillTx/>
+              <a:latin typeface="Arial"/>
+            </a:endParaRPr>
+          </a:p>
+          <a:p>
+            <a:pPr marL="2057400" lvl="4" indent="-228600">
+              <a:lnSpc>
+                <a:spcPct val="100000"/>
+              </a:lnSpc>
+              <a:spcBef>
+                <a:spcPts val="400"/>
+              </a:spcBef>
+              <a:buClr>
+                <a:srgbClr val="000000"/>
+              </a:buClr>
+              <a:buFont typeface="OpenSymbol"/>
+              <a:buChar char="»"/>
+            </a:pPr>
+            <a:r>
+              <a:rPr lang="en-US" sz="2000" b="0" u="none" strike="noStrike">
+                <a:solidFill>
+                  <a:schemeClr val="dk1"/>
+                </a:solidFill>
+                <a:effectLst/>
+                <a:uFillTx/>
+                <a:latin typeface="Arial"/>
+                <a:ea typeface="SimSun"/>
+              </a:rPr>
+              <a:t>Fifth level</a:t>
+            </a:r>
+            <a:endParaRPr lang="en-US" sz="2000" b="0" u="none" strike="noStrike">
+              <a:solidFill>
+                <a:srgbClr val="000000"/>
+              </a:solidFill>
+              <a:effectLst/>
+              <a:uFillTx/>
+              <a:latin typeface="Arial"/>
+            </a:endParaRPr>
+          </a:p>
+        </p:txBody>
+      </p:sp>
+      <p:sp>
+        <p:nvSpPr>
+          <p:cNvPr id="5" name="PlaceHolder 3"/>
+          <p:cNvSpPr>
+            <a:spLocks noGrp="1"/>
+          </p:cNvSpPr>
+          <p:nvPr>
             <p:ph type="dt" idx="1"/>
           </p:nvPr>
         </p:nvSpPr>
         <p:spPr>
           <a:xfrm>
             <a:off x="609480" y="6245280"/>
-            <a:ext cx="2836800" cy="468360"/>
+            <a:ext cx="2836440" cy="468000"/>
           </a:xfrm>
           <a:prstGeom prst="rect">
             <a:avLst/>
@@ -220,7 +425,7 @@
       </p:sp>
       <p:sp>
         <p:nvSpPr>
-          <p:cNvPr id="5" name="PlaceHolder 3"/>
+          <p:cNvPr id="6" name="PlaceHolder 4"/>
           <p:cNvSpPr>
             <a:spLocks noGrp="1"/>
           </p:cNvSpPr>
@@ -231,7 +436,7 @@
         <p:spPr>
           <a:xfrm>
             <a:off x="4165560" y="6245280"/>
-            <a:ext cx="3852720" cy="468360"/>
+            <a:ext cx="3852360" cy="468000"/>
           </a:xfrm>
           <a:prstGeom prst="rect">
             <a:avLst/>
@@ -300,7 +505,7 @@
       </p:sp>
       <p:sp>
         <p:nvSpPr>
-          <p:cNvPr id="6" name="PlaceHolder 4"/>
+          <p:cNvPr id="7" name="PlaceHolder 5"/>
           <p:cNvSpPr>
             <a:spLocks noGrp="1"/>
           </p:cNvSpPr>
@@ -311,7 +516,7 @@
         <p:spPr>
           <a:xfrm>
             <a:off x="8737560" y="6245280"/>
-            <a:ext cx="2836800" cy="468360"/>
+            <a:ext cx="2836440" cy="468000"/>
           </a:xfrm>
           <a:prstGeom prst="rect">
             <a:avLst/>
@@ -346,8 +551,8 @@
 </file>
 
 <file path=ppt/slideLayouts/slideLayout10.xml><?xml version="1.0" encoding="utf-8"?>
-<p:sldLayout xmlns:a="http://schemas.openxmlformats.org/drawingml/2006/main" xmlns:p="http://schemas.openxmlformats.org/presentationml/2006/main" xmlns:r="http://schemas.openxmlformats.org/officeDocument/2006/relationships" xmlns:p14="http://schemas.microsoft.com/office/powerpoint/2010/main" xmlns:p15="http://schemas.microsoft.com/office/powerpoint/2012/main" xmlns:mc="http://schemas.openxmlformats.org/markup-compatibility/2006" type="obj" preserve="1">
-  <p:cSld name="Title and Content">
+<p:sldLayout xmlns:a="http://schemas.openxmlformats.org/drawingml/2006/main" xmlns:p="http://schemas.openxmlformats.org/presentationml/2006/main" xmlns:r="http://schemas.openxmlformats.org/officeDocument/2006/relationships" xmlns:p14="http://schemas.microsoft.com/office/powerpoint/2010/main" xmlns:p15="http://schemas.microsoft.com/office/powerpoint/2012/main" xmlns:mc="http://schemas.openxmlformats.org/markup-compatibility/2006" type="vertTitleAndTx" preserve="1">
+  <p:cSld name="Vertical Title and Text">
     <p:bg>
       <p:bgPr>
         <a:solidFill>
@@ -382,7 +587,7 @@
         <p:spPr>
           <a:xfrm>
             <a:off x="0" y="0"/>
-            <a:ext cx="12184200" cy="6850080"/>
+            <a:ext cx="12183840" cy="6849720"/>
           </a:xfrm>
           <a:prstGeom prst="rect">
             <a:avLst/>
@@ -405,8 +610,8 @@
         </p:nvSpPr>
         <p:spPr>
           <a:xfrm>
-            <a:off x="609480" y="190440"/>
-            <a:ext cx="10964880" cy="574560"/>
+            <a:off x="8839080" y="190440"/>
+            <a:ext cx="2734920" cy="5928840"/>
           </a:xfrm>
           <a:prstGeom prst="rect">
             <a:avLst/>
@@ -417,7 +622,7 @@
           </a:ln>
         </p:spPr>
         <p:txBody>
-          <a:bodyPr lIns="90000" rIns="90000" tIns="45000" bIns="45000" anchor="ctr">
+          <a:bodyPr lIns="45000" rIns="45000" tIns="90000" bIns="90000" anchor="ctr" vert="eaVert">
             <a:noAutofit/>
           </a:bodyPr>
           <a:p>
@@ -465,8 +670,8 @@
         </p:nvSpPr>
         <p:spPr>
           <a:xfrm>
-            <a:off x="609480" y="1174680"/>
-            <a:ext cx="10964880" cy="4944960"/>
+            <a:off x="609480" y="190440"/>
+            <a:ext cx="8018280" cy="5928840"/>
           </a:xfrm>
           <a:prstGeom prst="rect">
             <a:avLst/>
@@ -477,7 +682,7 @@
           </a:ln>
         </p:spPr>
         <p:txBody>
-          <a:bodyPr lIns="90000" rIns="90000" tIns="45000" bIns="45000" anchor="t">
+          <a:bodyPr lIns="45000" rIns="45000" tIns="90000" bIns="90000" anchor="t" vert="eaVert">
             <a:noAutofit/>
           </a:bodyPr>
           <a:p>
@@ -670,7 +875,7 @@
         <p:spPr>
           <a:xfrm>
             <a:off x="609480" y="6245280"/>
-            <a:ext cx="2836800" cy="468360"/>
+            <a:ext cx="2836440" cy="468000"/>
           </a:xfrm>
           <a:prstGeom prst="rect">
             <a:avLst/>
@@ -750,7 +955,7 @@
         <p:spPr>
           <a:xfrm>
             <a:off x="4165560" y="6245280"/>
-            <a:ext cx="3852720" cy="468360"/>
+            <a:ext cx="3852360" cy="468000"/>
           </a:xfrm>
           <a:prstGeom prst="rect">
             <a:avLst/>
@@ -830,7 +1035,7 @@
         <p:spPr>
           <a:xfrm>
             <a:off x="8737560" y="6245280"/>
-            <a:ext cx="2836800" cy="468360"/>
+            <a:ext cx="2836440" cy="468000"/>
           </a:xfrm>
           <a:prstGeom prst="rect">
             <a:avLst/>
@@ -865,8 +1070,8 @@
 </file>
 
 <file path=ppt/slideLayouts/slideLayout11.xml><?xml version="1.0" encoding="utf-8"?>
-<p:sldLayout xmlns:a="http://schemas.openxmlformats.org/drawingml/2006/main" xmlns:p="http://schemas.openxmlformats.org/presentationml/2006/main" xmlns:r="http://schemas.openxmlformats.org/officeDocument/2006/relationships" xmlns:p14="http://schemas.microsoft.com/office/powerpoint/2010/main" xmlns:p15="http://schemas.microsoft.com/office/powerpoint/2012/main" xmlns:mc="http://schemas.openxmlformats.org/markup-compatibility/2006" type="blank" preserve="1">
-  <p:cSld name="Section Header">
+<p:sldLayout xmlns:a="http://schemas.openxmlformats.org/drawingml/2006/main" xmlns:p="http://schemas.openxmlformats.org/presentationml/2006/main" xmlns:r="http://schemas.openxmlformats.org/officeDocument/2006/relationships" xmlns:p14="http://schemas.microsoft.com/office/powerpoint/2010/main" xmlns:p15="http://schemas.microsoft.com/office/powerpoint/2012/main" xmlns:mc="http://schemas.openxmlformats.org/markup-compatibility/2006" type="title" preserve="1">
+  <p:cSld name="Title Slide">
     <p:bg>
       <p:bgPr>
         <a:solidFill>
@@ -890,7 +1095,7 @@
       </p:grpSpPr>
       <p:pic>
         <p:nvPicPr>
-          <p:cNvPr id="65" name="Picture 10"/>
+          <p:cNvPr id="65" name="Picture 10" hidden="1"/>
           <p:cNvPicPr/>
           <p:nvPr/>
         </p:nvPicPr>
@@ -901,7 +1106,31 @@
         <p:spPr>
           <a:xfrm>
             <a:off x="0" y="0"/>
-            <a:ext cx="12184200" cy="6850080"/>
+            <a:ext cx="12183840" cy="6849720"/>
+          </a:xfrm>
+          <a:prstGeom prst="rect">
+            <a:avLst/>
+          </a:prstGeom>
+          <a:noFill/>
+          <a:ln w="9525">
+            <a:noFill/>
+          </a:ln>
+        </p:spPr>
+      </p:pic>
+      <p:pic>
+        <p:nvPicPr>
+          <p:cNvPr id="66" name="Picture 3"/>
+          <p:cNvPicPr/>
+          <p:nvPr/>
+        </p:nvPicPr>
+        <p:blipFill>
+          <a:blip r:embed="rId3"/>
+          <a:stretch/>
+        </p:blipFill>
+        <p:spPr>
+          <a:xfrm>
+            <a:off x="0" y="0"/>
+            <a:ext cx="12183840" cy="6849720"/>
           </a:xfrm>
           <a:prstGeom prst="rect">
             <a:avLst/>
@@ -914,7 +1143,7 @@
       </p:pic>
       <p:sp>
         <p:nvSpPr>
-          <p:cNvPr id="66" name="PlaceHolder 1"/>
+          <p:cNvPr id="67" name="PlaceHolder 1"/>
           <p:cNvSpPr>
             <a:spLocks noGrp="1"/>
           </p:cNvSpPr>
@@ -924,8 +1153,8 @@
         </p:nvSpPr>
         <p:spPr>
           <a:xfrm>
-            <a:off x="831960" y="1709640"/>
-            <a:ext cx="10507680" cy="2844720"/>
+            <a:off x="624240" y="3718080"/>
+            <a:ext cx="10935000" cy="1074240"/>
           </a:xfrm>
           <a:prstGeom prst="rect">
             <a:avLst/>
@@ -936,11 +1165,11 @@
           </a:ln>
         </p:spPr>
         <p:txBody>
-          <a:bodyPr lIns="90000" rIns="90000" tIns="45000" bIns="45000" anchor="b">
+          <a:bodyPr lIns="90000" rIns="90000" tIns="45000" bIns="45000" anchor="ctr">
             <a:noAutofit/>
           </a:bodyPr>
           <a:p>
-            <a:pPr indent="0">
+            <a:pPr indent="0" algn="r">
               <a:lnSpc>
                 <a:spcPct val="100000"/>
               </a:lnSpc>
@@ -950,7 +1179,7 @@
               </a:tabLst>
             </a:pPr>
             <a:r>
-              <a:rPr lang="en-US" sz="6000" b="0" u="none" strike="noStrike">
+              <a:rPr lang="en-US" sz="3600" b="0" u="none" strike="noStrike">
                 <a:solidFill>
                   <a:schemeClr val="dk1"/>
                 </a:solidFill>
@@ -961,7 +1190,7 @@
               </a:rPr>
               <a:t>Click to edit Master title style</a:t>
             </a:r>
-            <a:endParaRPr lang="en-US" sz="6000" b="0" u="none" strike="noStrike">
+            <a:endParaRPr lang="en-US" sz="3600" b="0" u="none" strike="noStrike">
               <a:solidFill>
                 <a:srgbClr val="000000"/>
               </a:solidFill>
@@ -974,70 +1203,7 @@
       </p:sp>
       <p:sp>
         <p:nvSpPr>
-          <p:cNvPr id="67" name="PlaceHolder 2"/>
-          <p:cNvSpPr>
-            <a:spLocks noGrp="1"/>
-          </p:cNvSpPr>
-          <p:nvPr>
-            <p:ph type="body"/>
-          </p:nvPr>
-        </p:nvSpPr>
-        <p:spPr>
-          <a:xfrm>
-            <a:off x="831960" y="4589640"/>
-            <a:ext cx="10507680" cy="1492200"/>
-          </a:xfrm>
-          <a:prstGeom prst="rect">
-            <a:avLst/>
-          </a:prstGeom>
-          <a:noFill/>
-          <a:ln w="9360">
-            <a:noFill/>
-          </a:ln>
-        </p:spPr>
-        <p:txBody>
-          <a:bodyPr lIns="90000" rIns="90000" tIns="45000" bIns="45000" anchor="t">
-            <a:noAutofit/>
-          </a:bodyPr>
-          <a:p>
-            <a:pPr indent="0">
-              <a:lnSpc>
-                <a:spcPct val="100000"/>
-              </a:lnSpc>
-              <a:spcBef>
-                <a:spcPts val="479"/>
-              </a:spcBef>
-              <a:buNone/>
-              <a:tabLst>
-                <a:tab algn="l" pos="0"/>
-              </a:tabLst>
-            </a:pPr>
-            <a:r>
-              <a:rPr lang="en-US" sz="2400" b="0" u="none" strike="noStrike">
-                <a:solidFill>
-                  <a:schemeClr val="dk1"/>
-                </a:solidFill>
-                <a:effectLst/>
-                <a:uFillTx/>
-                <a:latin typeface="Arial"/>
-                <a:ea typeface="SimSun"/>
-              </a:rPr>
-              <a:t>Click to edit Master text styles</a:t>
-            </a:r>
-            <a:endParaRPr lang="en-US" sz="2400" b="0" u="none" strike="noStrike">
-              <a:solidFill>
-                <a:srgbClr val="000000"/>
-              </a:solidFill>
-              <a:effectLst/>
-              <a:uFillTx/>
-              <a:latin typeface="Arial"/>
-            </a:endParaRPr>
-          </a:p>
-        </p:txBody>
-      </p:sp>
-      <p:sp>
-        <p:nvSpPr>
-          <p:cNvPr id="68" name="PlaceHolder 3"/>
+          <p:cNvPr id="68" name="PlaceHolder 2"/>
           <p:cNvSpPr>
             <a:spLocks noGrp="1"/>
           </p:cNvSpPr>
@@ -1048,7 +1214,7 @@
         <p:spPr>
           <a:xfrm>
             <a:off x="609480" y="6245280"/>
-            <a:ext cx="2836800" cy="468360"/>
+            <a:ext cx="2836440" cy="468000"/>
           </a:xfrm>
           <a:prstGeom prst="rect">
             <a:avLst/>
@@ -1117,7 +1283,7 @@
       </p:sp>
       <p:sp>
         <p:nvSpPr>
-          <p:cNvPr id="69" name="PlaceHolder 4"/>
+          <p:cNvPr id="69" name="PlaceHolder 3"/>
           <p:cNvSpPr>
             <a:spLocks noGrp="1"/>
           </p:cNvSpPr>
@@ -1128,7 +1294,7 @@
         <p:spPr>
           <a:xfrm>
             <a:off x="4165560" y="6245280"/>
-            <a:ext cx="3852720" cy="468360"/>
+            <a:ext cx="3852360" cy="468000"/>
           </a:xfrm>
           <a:prstGeom prst="rect">
             <a:avLst/>
@@ -1197,7 +1363,7 @@
       </p:sp>
       <p:sp>
         <p:nvSpPr>
-          <p:cNvPr id="70" name="PlaceHolder 5"/>
+          <p:cNvPr id="70" name="PlaceHolder 4"/>
           <p:cNvSpPr>
             <a:spLocks noGrp="1"/>
           </p:cNvSpPr>
@@ -1208,7 +1374,7 @@
         <p:spPr>
           <a:xfrm>
             <a:off x="8737560" y="6245280"/>
-            <a:ext cx="2836800" cy="468360"/>
+            <a:ext cx="2836440" cy="468000"/>
           </a:xfrm>
           <a:prstGeom prst="rect">
             <a:avLst/>
@@ -1243,8 +1409,8 @@
 </file>
 
 <file path=ppt/slideLayouts/slideLayout2.xml><?xml version="1.0" encoding="utf-8"?>
-<p:sldLayout xmlns:a="http://schemas.openxmlformats.org/drawingml/2006/main" xmlns:p="http://schemas.openxmlformats.org/presentationml/2006/main" xmlns:r="http://schemas.openxmlformats.org/officeDocument/2006/relationships" xmlns:p14="http://schemas.microsoft.com/office/powerpoint/2010/main" xmlns:p15="http://schemas.microsoft.com/office/powerpoint/2012/main" xmlns:mc="http://schemas.openxmlformats.org/markup-compatibility/2006" type="twoObj" preserve="1">
-  <p:cSld name="Two Content">
+<p:sldLayout xmlns:a="http://schemas.openxmlformats.org/drawingml/2006/main" xmlns:p="http://schemas.openxmlformats.org/presentationml/2006/main" xmlns:r="http://schemas.openxmlformats.org/officeDocument/2006/relationships" xmlns:p14="http://schemas.microsoft.com/office/powerpoint/2010/main" xmlns:p15="http://schemas.microsoft.com/office/powerpoint/2012/main" xmlns:mc="http://schemas.openxmlformats.org/markup-compatibility/2006" type="obj" preserve="1">
+  <p:cSld name="Title and Content">
     <p:bg>
       <p:bgPr>
         <a:solidFill>
@@ -1268,7 +1434,7 @@
       </p:grpSpPr>
       <p:pic>
         <p:nvPicPr>
-          <p:cNvPr id="7" name="Picture 10"/>
+          <p:cNvPr id="8" name="Picture 10"/>
           <p:cNvPicPr/>
           <p:nvPr/>
         </p:nvPicPr>
@@ -1279,7 +1445,7 @@
         <p:spPr>
           <a:xfrm>
             <a:off x="0" y="0"/>
-            <a:ext cx="12184200" cy="6850080"/>
+            <a:ext cx="12183840" cy="6849720"/>
           </a:xfrm>
           <a:prstGeom prst="rect">
             <a:avLst/>
@@ -1292,7 +1458,7 @@
       </p:pic>
       <p:sp>
         <p:nvSpPr>
-          <p:cNvPr id="8" name="PlaceHolder 1"/>
+          <p:cNvPr id="9" name="PlaceHolder 1"/>
           <p:cNvSpPr>
             <a:spLocks noGrp="1"/>
           </p:cNvSpPr>
@@ -1303,7 +1469,7 @@
         <p:spPr>
           <a:xfrm>
             <a:off x="609480" y="190440"/>
-            <a:ext cx="10964880" cy="574560"/>
+            <a:ext cx="10964520" cy="574200"/>
           </a:xfrm>
           <a:prstGeom prst="rect">
             <a:avLst/>
@@ -1337,7 +1503,31 @@
                 <a:latin typeface="Arial"/>
                 <a:ea typeface="SimSun"/>
               </a:rPr>
-              <a:t>Click to edit Master title style</a:t>
+              <a:t>Click to edit </a:t>
+            </a:r>
+            <a:r>
+              <a:rPr lang="en-US" sz="3600" b="0" u="none" strike="noStrike">
+                <a:solidFill>
+                  <a:schemeClr val="dk1"/>
+                </a:solidFill>
+                <a:effectLst/>
+                <a:uFillTx/>
+                <a:latin typeface="Arial"/>
+                <a:ea typeface="SimSun"/>
+              </a:rPr>
+              <a:t>Master title </a:t>
+            </a:r>
+            <a:r>
+              <a:rPr lang="en-US" sz="3600" b="0" u="none" strike="noStrike">
+                <a:solidFill>
+                  <a:schemeClr val="dk1"/>
+                </a:solidFill>
+                <a:effectLst/>
+                <a:uFillTx/>
+                <a:latin typeface="Arial"/>
+                <a:ea typeface="SimSun"/>
+              </a:rPr>
+              <a:t>style</a:t>
             </a:r>
             <a:endParaRPr lang="en-US" sz="3600" b="0" u="none" strike="noStrike">
               <a:solidFill>
@@ -1352,7 +1542,7 @@
       </p:sp>
       <p:sp>
         <p:nvSpPr>
-          <p:cNvPr id="9" name="PlaceHolder 2"/>
+          <p:cNvPr id="10" name="PlaceHolder 2"/>
           <p:cNvSpPr>
             <a:spLocks noGrp="1"/>
           </p:cNvSpPr>
@@ -1363,7 +1553,7 @@
         <p:spPr>
           <a:xfrm>
             <a:off x="609480" y="1174680"/>
-            <a:ext cx="5376960" cy="4944960"/>
+            <a:ext cx="10964520" cy="4944600"/>
           </a:xfrm>
           <a:prstGeom prst="rect">
             <a:avLst/>
@@ -1556,211 +1746,7 @@
       </p:sp>
       <p:sp>
         <p:nvSpPr>
-          <p:cNvPr id="10" name="PlaceHolder 3"/>
-          <p:cNvSpPr>
-            <a:spLocks noGrp="1"/>
-          </p:cNvSpPr>
-          <p:nvPr>
-            <p:ph type="body"/>
-          </p:nvPr>
-        </p:nvSpPr>
-        <p:spPr>
-          <a:xfrm>
-            <a:off x="6197760" y="1174680"/>
-            <a:ext cx="5376960" cy="4944960"/>
-          </a:xfrm>
-          <a:prstGeom prst="rect">
-            <a:avLst/>
-          </a:prstGeom>
-          <a:noFill/>
-          <a:ln w="9360">
-            <a:noFill/>
-          </a:ln>
-        </p:spPr>
-        <p:txBody>
-          <a:bodyPr lIns="90000" rIns="90000" tIns="45000" bIns="45000" anchor="t">
-            <a:noAutofit/>
-          </a:bodyPr>
-          <a:p>
-            <a:pPr marL="343080" indent="-343080">
-              <a:lnSpc>
-                <a:spcPct val="100000"/>
-              </a:lnSpc>
-              <a:spcBef>
-                <a:spcPts val="641"/>
-              </a:spcBef>
-              <a:buClr>
-                <a:srgbClr val="000000"/>
-              </a:buClr>
-              <a:buFont typeface="Symbol" charset="2"/>
-              <a:buChar char=""/>
-            </a:pPr>
-            <a:r>
-              <a:rPr lang="en-US" sz="3200" b="0" u="none" strike="noStrike">
-                <a:solidFill>
-                  <a:schemeClr val="dk1"/>
-                </a:solidFill>
-                <a:effectLst/>
-                <a:uFillTx/>
-                <a:latin typeface="Arial"/>
-                <a:ea typeface="SimSun"/>
-              </a:rPr>
-              <a:t>Click to edit Master text styles</a:t>
-            </a:r>
-            <a:endParaRPr lang="en-US" sz="3200" b="0" u="none" strike="noStrike">
-              <a:solidFill>
-                <a:srgbClr val="000000"/>
-              </a:solidFill>
-              <a:effectLst/>
-              <a:uFillTx/>
-              <a:latin typeface="Arial"/>
-            </a:endParaRPr>
-          </a:p>
-          <a:p>
-            <a:pPr marL="743040" lvl="1" indent="-285840">
-              <a:lnSpc>
-                <a:spcPct val="100000"/>
-              </a:lnSpc>
-              <a:spcBef>
-                <a:spcPts val="561"/>
-              </a:spcBef>
-              <a:buClr>
-                <a:srgbClr val="000000"/>
-              </a:buClr>
-              <a:buFont typeface="Symbol" charset="2"/>
-              <a:buChar char=""/>
-            </a:pPr>
-            <a:r>
-              <a:rPr lang="en-US" sz="2800" b="0" u="none" strike="noStrike">
-                <a:solidFill>
-                  <a:schemeClr val="dk1"/>
-                </a:solidFill>
-                <a:effectLst/>
-                <a:uFillTx/>
-                <a:latin typeface="Arial"/>
-                <a:ea typeface="SimSun"/>
-              </a:rPr>
-              <a:t>Second level</a:t>
-            </a:r>
-            <a:endParaRPr lang="en-US" sz="2800" b="0" u="none" strike="noStrike">
-              <a:solidFill>
-                <a:srgbClr val="000000"/>
-              </a:solidFill>
-              <a:effectLst/>
-              <a:uFillTx/>
-              <a:latin typeface="Arial"/>
-            </a:endParaRPr>
-          </a:p>
-          <a:p>
-            <a:pPr marL="1143000" lvl="2" indent="-228600">
-              <a:lnSpc>
-                <a:spcPct val="100000"/>
-              </a:lnSpc>
-              <a:spcBef>
-                <a:spcPts val="479"/>
-              </a:spcBef>
-              <a:buClr>
-                <a:srgbClr val="000000"/>
-              </a:buClr>
-              <a:buFont typeface="Symbol" charset="2"/>
-              <a:buChar char=""/>
-            </a:pPr>
-            <a:r>
-              <a:rPr lang="en-US" sz="2400" b="0" u="none" strike="noStrike">
-                <a:solidFill>
-                  <a:schemeClr val="dk1"/>
-                </a:solidFill>
-                <a:effectLst/>
-                <a:uFillTx/>
-                <a:latin typeface="Arial"/>
-                <a:ea typeface="SimSun"/>
-              </a:rPr>
-              <a:t>Third level</a:t>
-            </a:r>
-            <a:endParaRPr lang="en-US" sz="2400" b="0" u="none" strike="noStrike">
-              <a:solidFill>
-                <a:srgbClr val="000000"/>
-              </a:solidFill>
-              <a:effectLst/>
-              <a:uFillTx/>
-              <a:latin typeface="Arial"/>
-            </a:endParaRPr>
-          </a:p>
-          <a:p>
-            <a:pPr marL="1600200" lvl="3" indent="-228600">
-              <a:lnSpc>
-                <a:spcPct val="100000"/>
-              </a:lnSpc>
-              <a:spcBef>
-                <a:spcPts val="400"/>
-              </a:spcBef>
-              <a:buClr>
-                <a:srgbClr val="000000"/>
-              </a:buClr>
-              <a:buFont typeface="Symbol" charset="2"/>
-              <a:buChar char=""/>
-            </a:pPr>
-            <a:r>
-              <a:rPr lang="en-US" sz="2000" b="0" u="none" strike="noStrike">
-                <a:solidFill>
-                  <a:schemeClr val="dk1"/>
-                </a:solidFill>
-                <a:effectLst/>
-                <a:uFillTx/>
-                <a:latin typeface="Arial"/>
-                <a:ea typeface="SimSun"/>
-              </a:rPr>
-              <a:t>Fourth level</a:t>
-            </a:r>
-            <a:endParaRPr lang="en-US" sz="2000" b="0" u="none" strike="noStrike">
-              <a:solidFill>
-                <a:srgbClr val="000000"/>
-              </a:solidFill>
-              <a:effectLst/>
-              <a:uFillTx/>
-              <a:latin typeface="Arial"/>
-            </a:endParaRPr>
-          </a:p>
-          <a:p>
-            <a:pPr marL="2057400" lvl="4" indent="-228600">
-              <a:lnSpc>
-                <a:spcPct val="100000"/>
-              </a:lnSpc>
-              <a:spcBef>
-                <a:spcPts val="400"/>
-              </a:spcBef>
-              <a:buClr>
-                <a:srgbClr val="000000"/>
-              </a:buClr>
-              <a:buFont typeface="OpenSymbol"/>
-              <a:buChar char="»"/>
-            </a:pPr>
-            <a:r>
-              <a:rPr lang="en-US" sz="2000" b="0" u="none" strike="noStrike">
-                <a:solidFill>
-                  <a:schemeClr val="dk1"/>
-                </a:solidFill>
-                <a:effectLst/>
-                <a:uFillTx/>
-                <a:latin typeface="Arial"/>
-                <a:ea typeface="SimSun"/>
-              </a:rPr>
-              <a:t>Fifth level</a:t>
-            </a:r>
-            <a:endParaRPr lang="en-US" sz="2000" b="0" u="none" strike="noStrike">
-              <a:solidFill>
-                <a:srgbClr val="000000"/>
-              </a:solidFill>
-              <a:effectLst/>
-              <a:uFillTx/>
-              <a:latin typeface="Arial"/>
-            </a:endParaRPr>
-          </a:p>
-        </p:txBody>
-      </p:sp>
-      <p:sp>
-        <p:nvSpPr>
-          <p:cNvPr id="11" name="PlaceHolder 4"/>
+          <p:cNvPr id="11" name="PlaceHolder 3"/>
           <p:cNvSpPr>
             <a:spLocks noGrp="1"/>
           </p:cNvSpPr>
@@ -1771,7 +1757,7 @@
         <p:spPr>
           <a:xfrm>
             <a:off x="609480" y="6245280"/>
-            <a:ext cx="2836800" cy="468360"/>
+            <a:ext cx="2836440" cy="468000"/>
           </a:xfrm>
           <a:prstGeom prst="rect">
             <a:avLst/>
@@ -1840,7 +1826,7 @@
       </p:sp>
       <p:sp>
         <p:nvSpPr>
-          <p:cNvPr id="12" name="PlaceHolder 5"/>
+          <p:cNvPr id="12" name="PlaceHolder 4"/>
           <p:cNvSpPr>
             <a:spLocks noGrp="1"/>
           </p:cNvSpPr>
@@ -1851,7 +1837,7 @@
         <p:spPr>
           <a:xfrm>
             <a:off x="4165560" y="6245280"/>
-            <a:ext cx="3852720" cy="468360"/>
+            <a:ext cx="3852360" cy="468000"/>
           </a:xfrm>
           <a:prstGeom prst="rect">
             <a:avLst/>
@@ -1920,7 +1906,7 @@
       </p:sp>
       <p:sp>
         <p:nvSpPr>
-          <p:cNvPr id="13" name="PlaceHolder 6"/>
+          <p:cNvPr id="13" name="PlaceHolder 5"/>
           <p:cNvSpPr>
             <a:spLocks noGrp="1"/>
           </p:cNvSpPr>
@@ -1931,7 +1917,7 @@
         <p:spPr>
           <a:xfrm>
             <a:off x="8737560" y="6245280"/>
-            <a:ext cx="2836800" cy="468360"/>
+            <a:ext cx="2836440" cy="468000"/>
           </a:xfrm>
           <a:prstGeom prst="rect">
             <a:avLst/>
@@ -1967,7 +1953,7 @@
 
 <file path=ppt/slideLayouts/slideLayout3.xml><?xml version="1.0" encoding="utf-8"?>
 <p:sldLayout xmlns:a="http://schemas.openxmlformats.org/drawingml/2006/main" xmlns:p="http://schemas.openxmlformats.org/presentationml/2006/main" xmlns:r="http://schemas.openxmlformats.org/officeDocument/2006/relationships" xmlns:p14="http://schemas.microsoft.com/office/powerpoint/2010/main" xmlns:p15="http://schemas.microsoft.com/office/powerpoint/2012/main" xmlns:mc="http://schemas.openxmlformats.org/markup-compatibility/2006" type="blank" preserve="1">
-  <p:cSld name="Comparison">
+  <p:cSld name="Section Header">
     <p:bg>
       <p:bgPr>
         <a:solidFill>
@@ -2002,7 +1988,7 @@
         <p:spPr>
           <a:xfrm>
             <a:off x="0" y="0"/>
-            <a:ext cx="12184200" cy="6850080"/>
+            <a:ext cx="12183840" cy="6849720"/>
           </a:xfrm>
           <a:prstGeom prst="rect">
             <a:avLst/>
@@ -2025,8 +2011,8 @@
         </p:nvSpPr>
         <p:spPr>
           <a:xfrm>
-            <a:off x="840240" y="365040"/>
-            <a:ext cx="10507680" cy="1317600"/>
+            <a:off x="831960" y="1709640"/>
+            <a:ext cx="10507320" cy="2844360"/>
           </a:xfrm>
           <a:prstGeom prst="rect">
             <a:avLst/>
@@ -2037,7 +2023,7 @@
           </a:ln>
         </p:spPr>
         <p:txBody>
-          <a:bodyPr lIns="90000" rIns="90000" tIns="45000" bIns="45000" anchor="ctr">
+          <a:bodyPr lIns="90000" rIns="90000" tIns="45000" bIns="45000" anchor="b">
             <a:noAutofit/>
           </a:bodyPr>
           <a:p>
@@ -2051,7 +2037,7 @@
               </a:tabLst>
             </a:pPr>
             <a:r>
-              <a:rPr lang="en-US" sz="3600" b="0" u="none" strike="noStrike">
+              <a:rPr lang="en-US" sz="6000" b="0" u="none" strike="noStrike">
                 <a:solidFill>
                   <a:schemeClr val="dk1"/>
                 </a:solidFill>
@@ -2062,7 +2048,7 @@
               </a:rPr>
               <a:t>Click to edit Master title style</a:t>
             </a:r>
-            <a:endParaRPr lang="en-US" sz="3600" b="0" u="none" strike="noStrike">
+            <a:endParaRPr lang="en-US" sz="6000" b="0" u="none" strike="noStrike">
               <a:solidFill>
                 <a:srgbClr val="000000"/>
               </a:solidFill>
@@ -2085,71 +2071,8 @@
         </p:nvSpPr>
         <p:spPr>
           <a:xfrm>
-            <a:off x="840240" y="1681200"/>
-            <a:ext cx="5150520" cy="816120"/>
-          </a:xfrm>
-          <a:prstGeom prst="rect">
-            <a:avLst/>
-          </a:prstGeom>
-          <a:noFill/>
-          <a:ln w="9360">
-            <a:noFill/>
-          </a:ln>
-        </p:spPr>
-        <p:txBody>
-          <a:bodyPr lIns="90000" rIns="90000" tIns="45000" bIns="45000" anchor="b">
-            <a:noAutofit/>
-          </a:bodyPr>
-          <a:p>
-            <a:pPr indent="0">
-              <a:lnSpc>
-                <a:spcPct val="100000"/>
-              </a:lnSpc>
-              <a:spcBef>
-                <a:spcPts val="479"/>
-              </a:spcBef>
-              <a:buNone/>
-              <a:tabLst>
-                <a:tab algn="l" pos="0"/>
-              </a:tabLst>
-            </a:pPr>
-            <a:r>
-              <a:rPr lang="en-US" sz="2400" b="1" u="none" strike="noStrike">
-                <a:solidFill>
-                  <a:schemeClr val="dk1"/>
-                </a:solidFill>
-                <a:effectLst/>
-                <a:uFillTx/>
-                <a:latin typeface="Arial"/>
-                <a:ea typeface="SimSun"/>
-              </a:rPr>
-              <a:t>Click to edit Master text styles</a:t>
-            </a:r>
-            <a:endParaRPr lang="en-US" sz="2400" b="0" u="none" strike="noStrike">
-              <a:solidFill>
-                <a:srgbClr val="000000"/>
-              </a:solidFill>
-              <a:effectLst/>
-              <a:uFillTx/>
-              <a:latin typeface="Arial"/>
-            </a:endParaRPr>
-          </a:p>
-        </p:txBody>
-      </p:sp>
-      <p:sp>
-        <p:nvSpPr>
-          <p:cNvPr id="17" name="PlaceHolder 3"/>
-          <p:cNvSpPr>
-            <a:spLocks noGrp="1"/>
-          </p:cNvSpPr>
-          <p:nvPr>
-            <p:ph type="body"/>
-          </p:nvPr>
-        </p:nvSpPr>
-        <p:spPr>
-          <a:xfrm>
-            <a:off x="840240" y="2505240"/>
-            <a:ext cx="5150520" cy="3676680"/>
+            <a:off x="831960" y="4589640"/>
+            <a:ext cx="10507320" cy="1491840"/>
           </a:xfrm>
           <a:prstGeom prst="rect">
             <a:avLst/>
@@ -2164,210 +2087,6 @@
             <a:noAutofit/>
           </a:bodyPr>
           <a:p>
-            <a:pPr marL="343080" indent="-343080">
-              <a:lnSpc>
-                <a:spcPct val="100000"/>
-              </a:lnSpc>
-              <a:spcBef>
-                <a:spcPts val="641"/>
-              </a:spcBef>
-              <a:buClr>
-                <a:srgbClr val="000000"/>
-              </a:buClr>
-              <a:buFont typeface="Symbol" charset="2"/>
-              <a:buChar char=""/>
-            </a:pPr>
-            <a:r>
-              <a:rPr lang="en-US" sz="3200" b="0" u="none" strike="noStrike">
-                <a:solidFill>
-                  <a:schemeClr val="dk1"/>
-                </a:solidFill>
-                <a:effectLst/>
-                <a:uFillTx/>
-                <a:latin typeface="Arial"/>
-                <a:ea typeface="SimSun"/>
-              </a:rPr>
-              <a:t>Click to edit Master text styles</a:t>
-            </a:r>
-            <a:endParaRPr lang="en-US" sz="3200" b="0" u="none" strike="noStrike">
-              <a:solidFill>
-                <a:srgbClr val="000000"/>
-              </a:solidFill>
-              <a:effectLst/>
-              <a:uFillTx/>
-              <a:latin typeface="Arial"/>
-            </a:endParaRPr>
-          </a:p>
-          <a:p>
-            <a:pPr marL="743040" lvl="1" indent="-285840">
-              <a:lnSpc>
-                <a:spcPct val="100000"/>
-              </a:lnSpc>
-              <a:spcBef>
-                <a:spcPts val="561"/>
-              </a:spcBef>
-              <a:buClr>
-                <a:srgbClr val="000000"/>
-              </a:buClr>
-              <a:buFont typeface="Symbol" charset="2"/>
-              <a:buChar char=""/>
-            </a:pPr>
-            <a:r>
-              <a:rPr lang="en-US" sz="2800" b="0" u="none" strike="noStrike">
-                <a:solidFill>
-                  <a:schemeClr val="dk1"/>
-                </a:solidFill>
-                <a:effectLst/>
-                <a:uFillTx/>
-                <a:latin typeface="Arial"/>
-                <a:ea typeface="SimSun"/>
-              </a:rPr>
-              <a:t>Second level</a:t>
-            </a:r>
-            <a:endParaRPr lang="en-US" sz="2800" b="0" u="none" strike="noStrike">
-              <a:solidFill>
-                <a:srgbClr val="000000"/>
-              </a:solidFill>
-              <a:effectLst/>
-              <a:uFillTx/>
-              <a:latin typeface="Arial"/>
-            </a:endParaRPr>
-          </a:p>
-          <a:p>
-            <a:pPr marL="1143000" lvl="2" indent="-228600">
-              <a:lnSpc>
-                <a:spcPct val="100000"/>
-              </a:lnSpc>
-              <a:spcBef>
-                <a:spcPts val="479"/>
-              </a:spcBef>
-              <a:buClr>
-                <a:srgbClr val="000000"/>
-              </a:buClr>
-              <a:buFont typeface="Symbol" charset="2"/>
-              <a:buChar char=""/>
-            </a:pPr>
-            <a:r>
-              <a:rPr lang="en-US" sz="2400" b="0" u="none" strike="noStrike">
-                <a:solidFill>
-                  <a:schemeClr val="dk1"/>
-                </a:solidFill>
-                <a:effectLst/>
-                <a:uFillTx/>
-                <a:latin typeface="Arial"/>
-                <a:ea typeface="SimSun"/>
-              </a:rPr>
-              <a:t>Third level</a:t>
-            </a:r>
-            <a:endParaRPr lang="en-US" sz="2400" b="0" u="none" strike="noStrike">
-              <a:solidFill>
-                <a:srgbClr val="000000"/>
-              </a:solidFill>
-              <a:effectLst/>
-              <a:uFillTx/>
-              <a:latin typeface="Arial"/>
-            </a:endParaRPr>
-          </a:p>
-          <a:p>
-            <a:pPr marL="1600200" lvl="3" indent="-228600">
-              <a:lnSpc>
-                <a:spcPct val="100000"/>
-              </a:lnSpc>
-              <a:spcBef>
-                <a:spcPts val="400"/>
-              </a:spcBef>
-              <a:buClr>
-                <a:srgbClr val="000000"/>
-              </a:buClr>
-              <a:buFont typeface="Symbol" charset="2"/>
-              <a:buChar char=""/>
-            </a:pPr>
-            <a:r>
-              <a:rPr lang="en-US" sz="2000" b="0" u="none" strike="noStrike">
-                <a:solidFill>
-                  <a:schemeClr val="dk1"/>
-                </a:solidFill>
-                <a:effectLst/>
-                <a:uFillTx/>
-                <a:latin typeface="Arial"/>
-                <a:ea typeface="SimSun"/>
-              </a:rPr>
-              <a:t>Fourth level</a:t>
-            </a:r>
-            <a:endParaRPr lang="en-US" sz="2000" b="0" u="none" strike="noStrike">
-              <a:solidFill>
-                <a:srgbClr val="000000"/>
-              </a:solidFill>
-              <a:effectLst/>
-              <a:uFillTx/>
-              <a:latin typeface="Arial"/>
-            </a:endParaRPr>
-          </a:p>
-          <a:p>
-            <a:pPr marL="2057400" lvl="4" indent="-228600">
-              <a:lnSpc>
-                <a:spcPct val="100000"/>
-              </a:lnSpc>
-              <a:spcBef>
-                <a:spcPts val="400"/>
-              </a:spcBef>
-              <a:buClr>
-                <a:srgbClr val="000000"/>
-              </a:buClr>
-              <a:buFont typeface="OpenSymbol"/>
-              <a:buChar char="»"/>
-            </a:pPr>
-            <a:r>
-              <a:rPr lang="en-US" sz="2000" b="0" u="none" strike="noStrike">
-                <a:solidFill>
-                  <a:schemeClr val="dk1"/>
-                </a:solidFill>
-                <a:effectLst/>
-                <a:uFillTx/>
-                <a:latin typeface="Arial"/>
-                <a:ea typeface="SimSun"/>
-              </a:rPr>
-              <a:t>Fifth level</a:t>
-            </a:r>
-            <a:endParaRPr lang="en-US" sz="2000" b="0" u="none" strike="noStrike">
-              <a:solidFill>
-                <a:srgbClr val="000000"/>
-              </a:solidFill>
-              <a:effectLst/>
-              <a:uFillTx/>
-              <a:latin typeface="Arial"/>
-            </a:endParaRPr>
-          </a:p>
-        </p:txBody>
-      </p:sp>
-      <p:sp>
-        <p:nvSpPr>
-          <p:cNvPr id="18" name="PlaceHolder 4"/>
-          <p:cNvSpPr>
-            <a:spLocks noGrp="1"/>
-          </p:cNvSpPr>
-          <p:nvPr>
-            <p:ph type="body"/>
-          </p:nvPr>
-        </p:nvSpPr>
-        <p:spPr>
-          <a:xfrm>
-            <a:off x="6172200" y="1681200"/>
-            <a:ext cx="5175720" cy="816120"/>
-          </a:xfrm>
-          <a:prstGeom prst="rect">
-            <a:avLst/>
-          </a:prstGeom>
-          <a:noFill/>
-          <a:ln w="9360">
-            <a:noFill/>
-          </a:ln>
-        </p:spPr>
-        <p:txBody>
-          <a:bodyPr lIns="90000" rIns="90000" tIns="45000" bIns="45000" anchor="b">
-            <a:noAutofit/>
-          </a:bodyPr>
-          <a:p>
             <a:pPr indent="0">
               <a:lnSpc>
                 <a:spcPct val="100000"/>
@@ -2381,7 +2100,7 @@
               </a:tabLst>
             </a:pPr>
             <a:r>
-              <a:rPr lang="en-US" sz="2400" b="1" u="none" strike="noStrike">
+              <a:rPr lang="en-US" sz="2400" b="0" u="none" strike="noStrike">
                 <a:solidFill>
                   <a:schemeClr val="dk1"/>
                 </a:solidFill>
@@ -2405,211 +2124,7 @@
       </p:sp>
       <p:sp>
         <p:nvSpPr>
-          <p:cNvPr id="19" name="PlaceHolder 5"/>
-          <p:cNvSpPr>
-            <a:spLocks noGrp="1"/>
-          </p:cNvSpPr>
-          <p:nvPr>
-            <p:ph type="body"/>
-          </p:nvPr>
-        </p:nvSpPr>
-        <p:spPr>
-          <a:xfrm>
-            <a:off x="6172200" y="2505240"/>
-            <a:ext cx="5175720" cy="3676680"/>
-          </a:xfrm>
-          <a:prstGeom prst="rect">
-            <a:avLst/>
-          </a:prstGeom>
-          <a:noFill/>
-          <a:ln w="9360">
-            <a:noFill/>
-          </a:ln>
-        </p:spPr>
-        <p:txBody>
-          <a:bodyPr lIns="90000" rIns="90000" tIns="45000" bIns="45000" anchor="t">
-            <a:noAutofit/>
-          </a:bodyPr>
-          <a:p>
-            <a:pPr marL="343080" indent="-343080">
-              <a:lnSpc>
-                <a:spcPct val="100000"/>
-              </a:lnSpc>
-              <a:spcBef>
-                <a:spcPts val="641"/>
-              </a:spcBef>
-              <a:buClr>
-                <a:srgbClr val="000000"/>
-              </a:buClr>
-              <a:buFont typeface="Symbol" charset="2"/>
-              <a:buChar char=""/>
-            </a:pPr>
-            <a:r>
-              <a:rPr lang="en-US" sz="3200" b="0" u="none" strike="noStrike">
-                <a:solidFill>
-                  <a:schemeClr val="dk1"/>
-                </a:solidFill>
-                <a:effectLst/>
-                <a:uFillTx/>
-                <a:latin typeface="Arial"/>
-                <a:ea typeface="SimSun"/>
-              </a:rPr>
-              <a:t>Click to edit Master text styles</a:t>
-            </a:r>
-            <a:endParaRPr lang="en-US" sz="3200" b="0" u="none" strike="noStrike">
-              <a:solidFill>
-                <a:srgbClr val="000000"/>
-              </a:solidFill>
-              <a:effectLst/>
-              <a:uFillTx/>
-              <a:latin typeface="Arial"/>
-            </a:endParaRPr>
-          </a:p>
-          <a:p>
-            <a:pPr marL="743040" lvl="1" indent="-285840">
-              <a:lnSpc>
-                <a:spcPct val="100000"/>
-              </a:lnSpc>
-              <a:spcBef>
-                <a:spcPts val="561"/>
-              </a:spcBef>
-              <a:buClr>
-                <a:srgbClr val="000000"/>
-              </a:buClr>
-              <a:buFont typeface="Symbol" charset="2"/>
-              <a:buChar char=""/>
-            </a:pPr>
-            <a:r>
-              <a:rPr lang="en-US" sz="2800" b="0" u="none" strike="noStrike">
-                <a:solidFill>
-                  <a:schemeClr val="dk1"/>
-                </a:solidFill>
-                <a:effectLst/>
-                <a:uFillTx/>
-                <a:latin typeface="Arial"/>
-                <a:ea typeface="SimSun"/>
-              </a:rPr>
-              <a:t>Second level</a:t>
-            </a:r>
-            <a:endParaRPr lang="en-US" sz="2800" b="0" u="none" strike="noStrike">
-              <a:solidFill>
-                <a:srgbClr val="000000"/>
-              </a:solidFill>
-              <a:effectLst/>
-              <a:uFillTx/>
-              <a:latin typeface="Arial"/>
-            </a:endParaRPr>
-          </a:p>
-          <a:p>
-            <a:pPr marL="1143000" lvl="2" indent="-228600">
-              <a:lnSpc>
-                <a:spcPct val="100000"/>
-              </a:lnSpc>
-              <a:spcBef>
-                <a:spcPts val="479"/>
-              </a:spcBef>
-              <a:buClr>
-                <a:srgbClr val="000000"/>
-              </a:buClr>
-              <a:buFont typeface="Symbol" charset="2"/>
-              <a:buChar char=""/>
-            </a:pPr>
-            <a:r>
-              <a:rPr lang="en-US" sz="2400" b="0" u="none" strike="noStrike">
-                <a:solidFill>
-                  <a:schemeClr val="dk1"/>
-                </a:solidFill>
-                <a:effectLst/>
-                <a:uFillTx/>
-                <a:latin typeface="Arial"/>
-                <a:ea typeface="SimSun"/>
-              </a:rPr>
-              <a:t>Third level</a:t>
-            </a:r>
-            <a:endParaRPr lang="en-US" sz="2400" b="0" u="none" strike="noStrike">
-              <a:solidFill>
-                <a:srgbClr val="000000"/>
-              </a:solidFill>
-              <a:effectLst/>
-              <a:uFillTx/>
-              <a:latin typeface="Arial"/>
-            </a:endParaRPr>
-          </a:p>
-          <a:p>
-            <a:pPr marL="1600200" lvl="3" indent="-228600">
-              <a:lnSpc>
-                <a:spcPct val="100000"/>
-              </a:lnSpc>
-              <a:spcBef>
-                <a:spcPts val="400"/>
-              </a:spcBef>
-              <a:buClr>
-                <a:srgbClr val="000000"/>
-              </a:buClr>
-              <a:buFont typeface="Symbol" charset="2"/>
-              <a:buChar char=""/>
-            </a:pPr>
-            <a:r>
-              <a:rPr lang="en-US" sz="2000" b="0" u="none" strike="noStrike">
-                <a:solidFill>
-                  <a:schemeClr val="dk1"/>
-                </a:solidFill>
-                <a:effectLst/>
-                <a:uFillTx/>
-                <a:latin typeface="Arial"/>
-                <a:ea typeface="SimSun"/>
-              </a:rPr>
-              <a:t>Fourth level</a:t>
-            </a:r>
-            <a:endParaRPr lang="en-US" sz="2000" b="0" u="none" strike="noStrike">
-              <a:solidFill>
-                <a:srgbClr val="000000"/>
-              </a:solidFill>
-              <a:effectLst/>
-              <a:uFillTx/>
-              <a:latin typeface="Arial"/>
-            </a:endParaRPr>
-          </a:p>
-          <a:p>
-            <a:pPr marL="2057400" lvl="4" indent="-228600">
-              <a:lnSpc>
-                <a:spcPct val="100000"/>
-              </a:lnSpc>
-              <a:spcBef>
-                <a:spcPts val="400"/>
-              </a:spcBef>
-              <a:buClr>
-                <a:srgbClr val="000000"/>
-              </a:buClr>
-              <a:buFont typeface="OpenSymbol"/>
-              <a:buChar char="»"/>
-            </a:pPr>
-            <a:r>
-              <a:rPr lang="en-US" sz="2000" b="0" u="none" strike="noStrike">
-                <a:solidFill>
-                  <a:schemeClr val="dk1"/>
-                </a:solidFill>
-                <a:effectLst/>
-                <a:uFillTx/>
-                <a:latin typeface="Arial"/>
-                <a:ea typeface="SimSun"/>
-              </a:rPr>
-              <a:t>Fifth level</a:t>
-            </a:r>
-            <a:endParaRPr lang="en-US" sz="2000" b="0" u="none" strike="noStrike">
-              <a:solidFill>
-                <a:srgbClr val="000000"/>
-              </a:solidFill>
-              <a:effectLst/>
-              <a:uFillTx/>
-              <a:latin typeface="Arial"/>
-            </a:endParaRPr>
-          </a:p>
-        </p:txBody>
-      </p:sp>
-      <p:sp>
-        <p:nvSpPr>
-          <p:cNvPr id="20" name="PlaceHolder 6"/>
+          <p:cNvPr id="17" name="PlaceHolder 3"/>
           <p:cNvSpPr>
             <a:spLocks noGrp="1"/>
           </p:cNvSpPr>
@@ -2620,7 +2135,7 @@
         <p:spPr>
           <a:xfrm>
             <a:off x="609480" y="6245280"/>
-            <a:ext cx="2836800" cy="468360"/>
+            <a:ext cx="2836440" cy="468000"/>
           </a:xfrm>
           <a:prstGeom prst="rect">
             <a:avLst/>
@@ -2689,7 +2204,7 @@
       </p:sp>
       <p:sp>
         <p:nvSpPr>
-          <p:cNvPr id="21" name="PlaceHolder 7"/>
+          <p:cNvPr id="18" name="PlaceHolder 4"/>
           <p:cNvSpPr>
             <a:spLocks noGrp="1"/>
           </p:cNvSpPr>
@@ -2700,7 +2215,7 @@
         <p:spPr>
           <a:xfrm>
             <a:off x="4165560" y="6245280"/>
-            <a:ext cx="3852720" cy="468360"/>
+            <a:ext cx="3852360" cy="468000"/>
           </a:xfrm>
           <a:prstGeom prst="rect">
             <a:avLst/>
@@ -2769,7 +2284,7 @@
       </p:sp>
       <p:sp>
         <p:nvSpPr>
-          <p:cNvPr id="22" name="PlaceHolder 8"/>
+          <p:cNvPr id="19" name="PlaceHolder 5"/>
           <p:cNvSpPr>
             <a:spLocks noGrp="1"/>
           </p:cNvSpPr>
@@ -2780,7 +2295,7 @@
         <p:spPr>
           <a:xfrm>
             <a:off x="8737560" y="6245280"/>
-            <a:ext cx="2836800" cy="468360"/>
+            <a:ext cx="2836440" cy="468000"/>
           </a:xfrm>
           <a:prstGeom prst="rect">
             <a:avLst/>
@@ -2815,8 +2330,8 @@
 </file>
 
 <file path=ppt/slideLayouts/slideLayout4.xml><?xml version="1.0" encoding="utf-8"?>
-<p:sldLayout xmlns:a="http://schemas.openxmlformats.org/drawingml/2006/main" xmlns:p="http://schemas.openxmlformats.org/presentationml/2006/main" xmlns:r="http://schemas.openxmlformats.org/officeDocument/2006/relationships" xmlns:p14="http://schemas.microsoft.com/office/powerpoint/2010/main" xmlns:p15="http://schemas.microsoft.com/office/powerpoint/2012/main" xmlns:mc="http://schemas.openxmlformats.org/markup-compatibility/2006" type="blank" preserve="1">
-  <p:cSld name="Blank">
+<p:sldLayout xmlns:a="http://schemas.openxmlformats.org/drawingml/2006/main" xmlns:p="http://schemas.openxmlformats.org/presentationml/2006/main" xmlns:r="http://schemas.openxmlformats.org/officeDocument/2006/relationships" xmlns:p14="http://schemas.microsoft.com/office/powerpoint/2010/main" xmlns:p15="http://schemas.microsoft.com/office/powerpoint/2012/main" xmlns:mc="http://schemas.openxmlformats.org/markup-compatibility/2006" type="titleOnly" preserve="1">
+  <p:cSld name="Title Only">
     <p:bg>
       <p:bgPr>
         <a:solidFill>
@@ -2840,7 +2355,7 @@
       </p:grpSpPr>
       <p:pic>
         <p:nvPicPr>
-          <p:cNvPr id="23" name="Picture 10"/>
+          <p:cNvPr id="20" name="Picture 10"/>
           <p:cNvPicPr/>
           <p:nvPr/>
         </p:nvPicPr>
@@ -2851,7 +2366,7 @@
         <p:spPr>
           <a:xfrm>
             <a:off x="0" y="0"/>
-            <a:ext cx="12184200" cy="6850080"/>
+            <a:ext cx="12183840" cy="6849720"/>
           </a:xfrm>
           <a:prstGeom prst="rect">
             <a:avLst/>
@@ -2864,7 +2379,67 @@
       </p:pic>
       <p:sp>
         <p:nvSpPr>
-          <p:cNvPr id="24" name="PlaceHolder 1"/>
+          <p:cNvPr id="21" name="PlaceHolder 1"/>
+          <p:cNvSpPr>
+            <a:spLocks noGrp="1"/>
+          </p:cNvSpPr>
+          <p:nvPr>
+            <p:ph type="title"/>
+          </p:nvPr>
+        </p:nvSpPr>
+        <p:spPr>
+          <a:xfrm>
+            <a:off x="609480" y="190440"/>
+            <a:ext cx="10964520" cy="574200"/>
+          </a:xfrm>
+          <a:prstGeom prst="rect">
+            <a:avLst/>
+          </a:prstGeom>
+          <a:noFill/>
+          <a:ln w="9360">
+            <a:noFill/>
+          </a:ln>
+        </p:spPr>
+        <p:txBody>
+          <a:bodyPr lIns="90000" rIns="90000" tIns="45000" bIns="45000" anchor="ctr">
+            <a:noAutofit/>
+          </a:bodyPr>
+          <a:p>
+            <a:pPr indent="0">
+              <a:lnSpc>
+                <a:spcPct val="100000"/>
+              </a:lnSpc>
+              <a:buNone/>
+              <a:tabLst>
+                <a:tab algn="l" pos="0"/>
+              </a:tabLst>
+            </a:pPr>
+            <a:r>
+              <a:rPr lang="en-US" sz="3600" b="0" u="none" strike="noStrike">
+                <a:solidFill>
+                  <a:schemeClr val="dk1"/>
+                </a:solidFill>
+                <a:effectLst/>
+                <a:uFillTx/>
+                <a:latin typeface="Arial"/>
+                <a:ea typeface="SimSun"/>
+              </a:rPr>
+              <a:t>Click to edit Master title style</a:t>
+            </a:r>
+            <a:endParaRPr lang="en-US" sz="3600" b="0" u="none" strike="noStrike">
+              <a:solidFill>
+                <a:srgbClr val="000000"/>
+              </a:solidFill>
+              <a:effectLst/>
+              <a:uFillTx/>
+              <a:latin typeface="Arial"/>
+            </a:endParaRPr>
+          </a:p>
+        </p:txBody>
+      </p:sp>
+      <p:sp>
+        <p:nvSpPr>
+          <p:cNvPr id="22" name="PlaceHolder 2"/>
           <p:cNvSpPr>
             <a:spLocks noGrp="1"/>
           </p:cNvSpPr>
@@ -2875,7 +2450,7 @@
         <p:spPr>
           <a:xfrm>
             <a:off x="609480" y="6245280"/>
-            <a:ext cx="2836800" cy="468360"/>
+            <a:ext cx="2836440" cy="468000"/>
           </a:xfrm>
           <a:prstGeom prst="rect">
             <a:avLst/>
@@ -2944,7 +2519,7 @@
       </p:sp>
       <p:sp>
         <p:nvSpPr>
-          <p:cNvPr id="25" name="PlaceHolder 2"/>
+          <p:cNvPr id="23" name="PlaceHolder 3"/>
           <p:cNvSpPr>
             <a:spLocks noGrp="1"/>
           </p:cNvSpPr>
@@ -2955,7 +2530,7 @@
         <p:spPr>
           <a:xfrm>
             <a:off x="4165560" y="6245280"/>
-            <a:ext cx="3852720" cy="468360"/>
+            <a:ext cx="3852360" cy="468000"/>
           </a:xfrm>
           <a:prstGeom prst="rect">
             <a:avLst/>
@@ -3024,7 +2599,7 @@
       </p:sp>
       <p:sp>
         <p:nvSpPr>
-          <p:cNvPr id="26" name="PlaceHolder 3"/>
+          <p:cNvPr id="24" name="PlaceHolder 4"/>
           <p:cNvSpPr>
             <a:spLocks noGrp="1"/>
           </p:cNvSpPr>
@@ -3035,7 +2610,7 @@
         <p:spPr>
           <a:xfrm>
             <a:off x="8737560" y="6245280"/>
-            <a:ext cx="2836800" cy="468360"/>
+            <a:ext cx="2836440" cy="468000"/>
           </a:xfrm>
           <a:prstGeom prst="rect">
             <a:avLst/>
@@ -3070,8 +2645,8 @@
 </file>
 
 <file path=ppt/slideLayouts/slideLayout5.xml><?xml version="1.0" encoding="utf-8"?>
-<p:sldLayout xmlns:a="http://schemas.openxmlformats.org/drawingml/2006/main" xmlns:p="http://schemas.openxmlformats.org/presentationml/2006/main" xmlns:r="http://schemas.openxmlformats.org/officeDocument/2006/relationships" xmlns:p14="http://schemas.microsoft.com/office/powerpoint/2010/main" xmlns:p15="http://schemas.microsoft.com/office/powerpoint/2012/main" xmlns:mc="http://schemas.openxmlformats.org/markup-compatibility/2006" type="blank" preserve="1">
-  <p:cSld name="Content with Caption">
+<p:sldLayout xmlns:a="http://schemas.openxmlformats.org/drawingml/2006/main" xmlns:p="http://schemas.openxmlformats.org/presentationml/2006/main" xmlns:r="http://schemas.openxmlformats.org/officeDocument/2006/relationships" xmlns:p14="http://schemas.microsoft.com/office/powerpoint/2010/main" xmlns:p15="http://schemas.microsoft.com/office/powerpoint/2012/main" xmlns:mc="http://schemas.openxmlformats.org/markup-compatibility/2006" type="twoObj" preserve="1">
+  <p:cSld name="Two Content">
     <p:bg>
       <p:bgPr>
         <a:solidFill>
@@ -3095,7 +2670,7 @@
       </p:grpSpPr>
       <p:pic>
         <p:nvPicPr>
-          <p:cNvPr id="27" name="Picture 10"/>
+          <p:cNvPr id="25" name="Picture 10"/>
           <p:cNvPicPr/>
           <p:nvPr/>
         </p:nvPicPr>
@@ -3106,7 +2681,7 @@
         <p:spPr>
           <a:xfrm>
             <a:off x="0" y="0"/>
-            <a:ext cx="12184200" cy="6850080"/>
+            <a:ext cx="12183840" cy="6849720"/>
           </a:xfrm>
           <a:prstGeom prst="rect">
             <a:avLst/>
@@ -3119,7 +2694,7 @@
       </p:pic>
       <p:sp>
         <p:nvSpPr>
-          <p:cNvPr id="28" name="PlaceHolder 1"/>
+          <p:cNvPr id="26" name="PlaceHolder 1"/>
           <p:cNvSpPr>
             <a:spLocks noGrp="1"/>
           </p:cNvSpPr>
@@ -3129,8 +2704,8 @@
         </p:nvSpPr>
         <p:spPr>
           <a:xfrm>
-            <a:off x="840240" y="457200"/>
-            <a:ext cx="3924720" cy="1592280"/>
+            <a:off x="609480" y="190440"/>
+            <a:ext cx="10964520" cy="574200"/>
           </a:xfrm>
           <a:prstGeom prst="rect">
             <a:avLst/>
@@ -3141,7 +2716,7 @@
           </a:ln>
         </p:spPr>
         <p:txBody>
-          <a:bodyPr lIns="90000" rIns="90000" tIns="45000" bIns="45000" anchor="b">
+          <a:bodyPr lIns="90000" rIns="90000" tIns="45000" bIns="45000" anchor="ctr">
             <a:noAutofit/>
           </a:bodyPr>
           <a:p>
@@ -3155,7 +2730,7 @@
               </a:tabLst>
             </a:pPr>
             <a:r>
-              <a:rPr lang="en-US" sz="3200" b="0" u="none" strike="noStrike">
+              <a:rPr lang="en-US" sz="3600" b="0" u="none" strike="noStrike">
                 <a:solidFill>
                   <a:schemeClr val="dk1"/>
                 </a:solidFill>
@@ -3166,7 +2741,7 @@
               </a:rPr>
               <a:t>Click to edit Master title style</a:t>
             </a:r>
-            <a:endParaRPr lang="en-US" sz="3200" b="0" u="none" strike="noStrike">
+            <a:endParaRPr lang="en-US" sz="3600" b="0" u="none" strike="noStrike">
               <a:solidFill>
                 <a:srgbClr val="000000"/>
               </a:solidFill>
@@ -3179,7 +2754,7 @@
       </p:sp>
       <p:sp>
         <p:nvSpPr>
-          <p:cNvPr id="29" name="PlaceHolder 2"/>
+          <p:cNvPr id="27" name="PlaceHolder 2"/>
           <p:cNvSpPr>
             <a:spLocks noGrp="1"/>
           </p:cNvSpPr>
@@ -3189,8 +2764,8 @@
         </p:nvSpPr>
         <p:spPr>
           <a:xfrm>
-            <a:off x="5183640" y="987480"/>
-            <a:ext cx="6164280" cy="4865760"/>
+            <a:off x="609480" y="1174680"/>
+            <a:ext cx="5376600" cy="4944600"/>
           </a:xfrm>
           <a:prstGeom prst="rect">
             <a:avLst/>
@@ -3383,7 +2958,7 @@
       </p:sp>
       <p:sp>
         <p:nvSpPr>
-          <p:cNvPr id="30" name="PlaceHolder 3"/>
+          <p:cNvPr id="28" name="PlaceHolder 3"/>
           <p:cNvSpPr>
             <a:spLocks noGrp="1"/>
           </p:cNvSpPr>
@@ -3393,8 +2968,8 @@
         </p:nvSpPr>
         <p:spPr>
           <a:xfrm>
-            <a:off x="840240" y="2057400"/>
-            <a:ext cx="3924720" cy="3803760"/>
+            <a:off x="6197760" y="1174680"/>
+            <a:ext cx="5376600" cy="4944600"/>
           </a:xfrm>
           <a:prstGeom prst="rect">
             <a:avLst/>
@@ -3409,20 +2984,21 @@
             <a:noAutofit/>
           </a:bodyPr>
           <a:p>
-            <a:pPr indent="0">
+            <a:pPr marL="343080" indent="-343080">
               <a:lnSpc>
                 <a:spcPct val="100000"/>
               </a:lnSpc>
               <a:spcBef>
-                <a:spcPts val="320"/>
+                <a:spcPts val="641"/>
               </a:spcBef>
-              <a:buNone/>
-              <a:tabLst>
-                <a:tab algn="l" pos="0"/>
-              </a:tabLst>
-            </a:pPr>
-            <a:r>
-              <a:rPr lang="en-US" sz="1600" b="0" u="none" strike="noStrike">
+              <a:buClr>
+                <a:srgbClr val="000000"/>
+              </a:buClr>
+              <a:buFont typeface="Symbol" charset="2"/>
+              <a:buChar char=""/>
+            </a:pPr>
+            <a:r>
+              <a:rPr lang="en-US" sz="3200" b="0" u="none" strike="noStrike">
                 <a:solidFill>
                   <a:schemeClr val="dk1"/>
                 </a:solidFill>
@@ -3433,7 +3009,147 @@
               </a:rPr>
               <a:t>Click to edit Master text styles</a:t>
             </a:r>
-            <a:endParaRPr lang="en-US" sz="1600" b="0" u="none" strike="noStrike">
+            <a:endParaRPr lang="en-US" sz="3200" b="0" u="none" strike="noStrike">
+              <a:solidFill>
+                <a:srgbClr val="000000"/>
+              </a:solidFill>
+              <a:effectLst/>
+              <a:uFillTx/>
+              <a:latin typeface="Arial"/>
+            </a:endParaRPr>
+          </a:p>
+          <a:p>
+            <a:pPr marL="743040" lvl="1" indent="-285840">
+              <a:lnSpc>
+                <a:spcPct val="100000"/>
+              </a:lnSpc>
+              <a:spcBef>
+                <a:spcPts val="561"/>
+              </a:spcBef>
+              <a:buClr>
+                <a:srgbClr val="000000"/>
+              </a:buClr>
+              <a:buFont typeface="Symbol" charset="2"/>
+              <a:buChar char=""/>
+            </a:pPr>
+            <a:r>
+              <a:rPr lang="en-US" sz="2800" b="0" u="none" strike="noStrike">
+                <a:solidFill>
+                  <a:schemeClr val="dk1"/>
+                </a:solidFill>
+                <a:effectLst/>
+                <a:uFillTx/>
+                <a:latin typeface="Arial"/>
+                <a:ea typeface="SimSun"/>
+              </a:rPr>
+              <a:t>Second level</a:t>
+            </a:r>
+            <a:endParaRPr lang="en-US" sz="2800" b="0" u="none" strike="noStrike">
+              <a:solidFill>
+                <a:srgbClr val="000000"/>
+              </a:solidFill>
+              <a:effectLst/>
+              <a:uFillTx/>
+              <a:latin typeface="Arial"/>
+            </a:endParaRPr>
+          </a:p>
+          <a:p>
+            <a:pPr marL="1143000" lvl="2" indent="-228600">
+              <a:lnSpc>
+                <a:spcPct val="100000"/>
+              </a:lnSpc>
+              <a:spcBef>
+                <a:spcPts val="479"/>
+              </a:spcBef>
+              <a:buClr>
+                <a:srgbClr val="000000"/>
+              </a:buClr>
+              <a:buFont typeface="Symbol" charset="2"/>
+              <a:buChar char=""/>
+            </a:pPr>
+            <a:r>
+              <a:rPr lang="en-US" sz="2400" b="0" u="none" strike="noStrike">
+                <a:solidFill>
+                  <a:schemeClr val="dk1"/>
+                </a:solidFill>
+                <a:effectLst/>
+                <a:uFillTx/>
+                <a:latin typeface="Arial"/>
+                <a:ea typeface="SimSun"/>
+              </a:rPr>
+              <a:t>Third level</a:t>
+            </a:r>
+            <a:endParaRPr lang="en-US" sz="2400" b="0" u="none" strike="noStrike">
+              <a:solidFill>
+                <a:srgbClr val="000000"/>
+              </a:solidFill>
+              <a:effectLst/>
+              <a:uFillTx/>
+              <a:latin typeface="Arial"/>
+            </a:endParaRPr>
+          </a:p>
+          <a:p>
+            <a:pPr marL="1600200" lvl="3" indent="-228600">
+              <a:lnSpc>
+                <a:spcPct val="100000"/>
+              </a:lnSpc>
+              <a:spcBef>
+                <a:spcPts val="400"/>
+              </a:spcBef>
+              <a:buClr>
+                <a:srgbClr val="000000"/>
+              </a:buClr>
+              <a:buFont typeface="Symbol" charset="2"/>
+              <a:buChar char=""/>
+            </a:pPr>
+            <a:r>
+              <a:rPr lang="en-US" sz="2000" b="0" u="none" strike="noStrike">
+                <a:solidFill>
+                  <a:schemeClr val="dk1"/>
+                </a:solidFill>
+                <a:effectLst/>
+                <a:uFillTx/>
+                <a:latin typeface="Arial"/>
+                <a:ea typeface="SimSun"/>
+              </a:rPr>
+              <a:t>Fourth level</a:t>
+            </a:r>
+            <a:endParaRPr lang="en-US" sz="2000" b="0" u="none" strike="noStrike">
+              <a:solidFill>
+                <a:srgbClr val="000000"/>
+              </a:solidFill>
+              <a:effectLst/>
+              <a:uFillTx/>
+              <a:latin typeface="Arial"/>
+            </a:endParaRPr>
+          </a:p>
+          <a:p>
+            <a:pPr marL="2057400" lvl="4" indent="-228600">
+              <a:lnSpc>
+                <a:spcPct val="100000"/>
+              </a:lnSpc>
+              <a:spcBef>
+                <a:spcPts val="400"/>
+              </a:spcBef>
+              <a:buClr>
+                <a:srgbClr val="000000"/>
+              </a:buClr>
+              <a:buFont typeface="OpenSymbol"/>
+              <a:buChar char="»"/>
+            </a:pPr>
+            <a:r>
+              <a:rPr lang="en-US" sz="2000" b="0" u="none" strike="noStrike">
+                <a:solidFill>
+                  <a:schemeClr val="dk1"/>
+                </a:solidFill>
+                <a:effectLst/>
+                <a:uFillTx/>
+                <a:latin typeface="Arial"/>
+                <a:ea typeface="SimSun"/>
+              </a:rPr>
+              <a:t>Fifth level</a:t>
+            </a:r>
+            <a:endParaRPr lang="en-US" sz="2000" b="0" u="none" strike="noStrike">
               <a:solidFill>
                 <a:srgbClr val="000000"/>
               </a:solidFill>
@@ -3446,7 +3162,7 @@
       </p:sp>
       <p:sp>
         <p:nvSpPr>
-          <p:cNvPr id="31" name="PlaceHolder 4"/>
+          <p:cNvPr id="29" name="PlaceHolder 4"/>
           <p:cNvSpPr>
             <a:spLocks noGrp="1"/>
           </p:cNvSpPr>
@@ -3457,7 +3173,7 @@
         <p:spPr>
           <a:xfrm>
             <a:off x="609480" y="6245280"/>
-            <a:ext cx="2836800" cy="468360"/>
+            <a:ext cx="2836440" cy="468000"/>
           </a:xfrm>
           <a:prstGeom prst="rect">
             <a:avLst/>
@@ -3526,7 +3242,7 @@
       </p:sp>
       <p:sp>
         <p:nvSpPr>
-          <p:cNvPr id="32" name="PlaceHolder 5"/>
+          <p:cNvPr id="30" name="PlaceHolder 5"/>
           <p:cNvSpPr>
             <a:spLocks noGrp="1"/>
           </p:cNvSpPr>
@@ -3537,7 +3253,7 @@
         <p:spPr>
           <a:xfrm>
             <a:off x="4165560" y="6245280"/>
-            <a:ext cx="3852720" cy="468360"/>
+            <a:ext cx="3852360" cy="468000"/>
           </a:xfrm>
           <a:prstGeom prst="rect">
             <a:avLst/>
@@ -3606,7 +3322,7 @@
       </p:sp>
       <p:sp>
         <p:nvSpPr>
-          <p:cNvPr id="33" name="PlaceHolder 6"/>
+          <p:cNvPr id="31" name="PlaceHolder 6"/>
           <p:cNvSpPr>
             <a:spLocks noGrp="1"/>
           </p:cNvSpPr>
@@ -3617,7 +3333,7 @@
         <p:spPr>
           <a:xfrm>
             <a:off x="8737560" y="6245280"/>
-            <a:ext cx="2836800" cy="468360"/>
+            <a:ext cx="2836440" cy="468000"/>
           </a:xfrm>
           <a:prstGeom prst="rect">
             <a:avLst/>
@@ -3653,7 +3369,7 @@
 
 <file path=ppt/slideLayouts/slideLayout6.xml><?xml version="1.0" encoding="utf-8"?>
 <p:sldLayout xmlns:a="http://schemas.openxmlformats.org/drawingml/2006/main" xmlns:p="http://schemas.openxmlformats.org/presentationml/2006/main" xmlns:r="http://schemas.openxmlformats.org/officeDocument/2006/relationships" xmlns:p14="http://schemas.microsoft.com/office/powerpoint/2010/main" xmlns:p15="http://schemas.microsoft.com/office/powerpoint/2012/main" xmlns:mc="http://schemas.openxmlformats.org/markup-compatibility/2006" type="blank" preserve="1">
-  <p:cSld name="Picture with Caption">
+  <p:cSld name="Comparison">
     <p:bg>
       <p:bgPr>
         <a:solidFill>
@@ -3677,7 +3393,7 @@
       </p:grpSpPr>
       <p:pic>
         <p:nvPicPr>
-          <p:cNvPr id="34" name="Picture 10"/>
+          <p:cNvPr id="32" name="Picture 10"/>
           <p:cNvPicPr/>
           <p:nvPr/>
         </p:nvPicPr>
@@ -3688,7 +3404,7 @@
         <p:spPr>
           <a:xfrm>
             <a:off x="0" y="0"/>
-            <a:ext cx="12184200" cy="6850080"/>
+            <a:ext cx="12183840" cy="6849720"/>
           </a:xfrm>
           <a:prstGeom prst="rect">
             <a:avLst/>
@@ -3701,7 +3417,7 @@
       </p:pic>
       <p:sp>
         <p:nvSpPr>
-          <p:cNvPr id="35" name="PlaceHolder 1"/>
+          <p:cNvPr id="33" name="PlaceHolder 1"/>
           <p:cNvSpPr>
             <a:spLocks noGrp="1"/>
           </p:cNvSpPr>
@@ -3711,8 +3427,68 @@
         </p:nvSpPr>
         <p:spPr>
           <a:xfrm>
-            <a:off x="840240" y="457200"/>
-            <a:ext cx="3924720" cy="1592280"/>
+            <a:off x="840240" y="365040"/>
+            <a:ext cx="10507320" cy="1317240"/>
+          </a:xfrm>
+          <a:prstGeom prst="rect">
+            <a:avLst/>
+          </a:prstGeom>
+          <a:noFill/>
+          <a:ln w="9360">
+            <a:noFill/>
+          </a:ln>
+        </p:spPr>
+        <p:txBody>
+          <a:bodyPr lIns="90000" rIns="90000" tIns="45000" bIns="45000" anchor="ctr">
+            <a:noAutofit/>
+          </a:bodyPr>
+          <a:p>
+            <a:pPr indent="0">
+              <a:lnSpc>
+                <a:spcPct val="100000"/>
+              </a:lnSpc>
+              <a:buNone/>
+              <a:tabLst>
+                <a:tab algn="l" pos="0"/>
+              </a:tabLst>
+            </a:pPr>
+            <a:r>
+              <a:rPr lang="en-US" sz="3600" b="0" u="none" strike="noStrike">
+                <a:solidFill>
+                  <a:schemeClr val="dk1"/>
+                </a:solidFill>
+                <a:effectLst/>
+                <a:uFillTx/>
+                <a:latin typeface="Arial"/>
+                <a:ea typeface="SimSun"/>
+              </a:rPr>
+              <a:t>Click to edit Master title style</a:t>
+            </a:r>
+            <a:endParaRPr lang="en-US" sz="3600" b="0" u="none" strike="noStrike">
+              <a:solidFill>
+                <a:srgbClr val="000000"/>
+              </a:solidFill>
+              <a:effectLst/>
+              <a:uFillTx/>
+              <a:latin typeface="Arial"/>
+            </a:endParaRPr>
+          </a:p>
+        </p:txBody>
+      </p:sp>
+      <p:sp>
+        <p:nvSpPr>
+          <p:cNvPr id="34" name="PlaceHolder 2"/>
+          <p:cNvSpPr>
+            <a:spLocks noGrp="1"/>
+          </p:cNvSpPr>
+          <p:nvPr>
+            <p:ph type="body"/>
+          </p:nvPr>
+        </p:nvSpPr>
+        <p:spPr>
+          <a:xfrm>
+            <a:off x="840240" y="1681200"/>
+            <a:ext cx="5150160" cy="815760"/>
           </a:xfrm>
           <a:prstGeom prst="rect">
             <a:avLst/>
@@ -3731,13 +3507,16 @@
               <a:lnSpc>
                 <a:spcPct val="100000"/>
               </a:lnSpc>
+              <a:spcBef>
+                <a:spcPts val="479"/>
+              </a:spcBef>
               <a:buNone/>
               <a:tabLst>
                 <a:tab algn="l" pos="0"/>
               </a:tabLst>
             </a:pPr>
             <a:r>
-              <a:rPr lang="en-US" sz="3200" b="0" u="none" strike="noStrike">
+              <a:rPr lang="en-US" sz="2400" b="1" u="none" strike="noStrike">
                 <a:solidFill>
                   <a:schemeClr val="dk1"/>
                 </a:solidFill>
@@ -3746,9 +3525,9 @@
                 <a:latin typeface="Arial"/>
                 <a:ea typeface="SimSun"/>
               </a:rPr>
-              <a:t>Click to edit Master title style</a:t>
-            </a:r>
-            <a:endParaRPr lang="en-US" sz="3200" b="0" u="none" strike="noStrike">
+              <a:t>Click to edit Master text styles</a:t>
+            </a:r>
+            <a:endParaRPr lang="en-US" sz="2400" b="0" u="none" strike="noStrike">
               <a:solidFill>
                 <a:srgbClr val="000000"/>
               </a:solidFill>
@@ -3761,7 +3540,7 @@
       </p:sp>
       <p:sp>
         <p:nvSpPr>
-          <p:cNvPr id="36" name="PlaceHolder 2"/>
+          <p:cNvPr id="35" name="PlaceHolder 3"/>
           <p:cNvSpPr>
             <a:spLocks noGrp="1"/>
           </p:cNvSpPr>
@@ -3771,282 +3550,8 @@
         </p:nvSpPr>
         <p:spPr>
           <a:xfrm>
-            <a:off x="5183640" y="987480"/>
-            <a:ext cx="6164280" cy="4865760"/>
-          </a:xfrm>
-          <a:prstGeom prst="rect">
-            <a:avLst/>
-          </a:prstGeom>
-          <a:noFill/>
-          <a:ln w="0">
-            <a:noFill/>
-          </a:ln>
-        </p:spPr>
-        <p:txBody>
-          <a:bodyPr numCol="1" spcCol="0" lIns="91440" rIns="91440" tIns="45720" bIns="45720" anchor="t">
-            <a:noAutofit/>
-          </a:bodyPr>
-          <a:p>
-            <a:pPr marL="431640" indent="-324000">
-              <a:lnSpc>
-                <a:spcPct val="100000"/>
-              </a:lnSpc>
-              <a:spcBef>
-                <a:spcPts val="1414"/>
-              </a:spcBef>
-              <a:buClr>
-                <a:srgbClr val="000000"/>
-              </a:buClr>
-              <a:buSzPct val="45000"/>
-              <a:buFont typeface="Wingdings" charset="2"/>
-              <a:buChar char=""/>
-            </a:pPr>
-            <a:r>
-              <a:rPr lang="en-US" sz="3200" b="0" u="none" strike="noStrike">
-                <a:solidFill>
-                  <a:schemeClr val="dk1"/>
-                </a:solidFill>
-                <a:effectLst/>
-                <a:uFillTx/>
-                <a:latin typeface="Arial"/>
-              </a:rPr>
-              <a:t>Click to edit the outline text format</a:t>
-            </a:r>
-            <a:endParaRPr lang="en-US" sz="3200" b="0" u="none" strike="noStrike">
-              <a:solidFill>
-                <a:srgbClr val="000000"/>
-              </a:solidFill>
-              <a:effectLst/>
-              <a:uFillTx/>
-              <a:latin typeface="Arial"/>
-            </a:endParaRPr>
-          </a:p>
-          <a:p>
-            <a:pPr marL="864360" lvl="1" indent="-324000">
-              <a:lnSpc>
-                <a:spcPct val="100000"/>
-              </a:lnSpc>
-              <a:spcBef>
-                <a:spcPts val="1134"/>
-              </a:spcBef>
-              <a:buClr>
-                <a:srgbClr val="000000"/>
-              </a:buClr>
-              <a:buSzPct val="75000"/>
-              <a:buFont typeface="Symbol" charset="2"/>
-              <a:buChar char=""/>
-            </a:pPr>
-            <a:r>
-              <a:rPr lang="en-US" sz="3200" b="0" u="none" strike="noStrike">
-                <a:solidFill>
-                  <a:schemeClr val="dk1"/>
-                </a:solidFill>
-                <a:effectLst/>
-                <a:uFillTx/>
-                <a:latin typeface="Arial"/>
-              </a:rPr>
-              <a:t>Second Outline Level</a:t>
-            </a:r>
-            <a:endParaRPr lang="en-US" sz="3200" b="0" u="none" strike="noStrike">
-              <a:solidFill>
-                <a:srgbClr val="000000"/>
-              </a:solidFill>
-              <a:effectLst/>
-              <a:uFillTx/>
-              <a:latin typeface="Arial"/>
-            </a:endParaRPr>
-          </a:p>
-          <a:p>
-            <a:pPr marL="1296000" lvl="2" indent="-288360">
-              <a:lnSpc>
-                <a:spcPct val="100000"/>
-              </a:lnSpc>
-              <a:spcBef>
-                <a:spcPts val="850"/>
-              </a:spcBef>
-              <a:buClr>
-                <a:srgbClr val="000000"/>
-              </a:buClr>
-              <a:buSzPct val="45000"/>
-              <a:buFont typeface="Wingdings" charset="2"/>
-              <a:buChar char=""/>
-            </a:pPr>
-            <a:r>
-              <a:rPr lang="en-US" sz="3200" b="0" u="none" strike="noStrike">
-                <a:solidFill>
-                  <a:schemeClr val="dk1"/>
-                </a:solidFill>
-                <a:effectLst/>
-                <a:uFillTx/>
-                <a:latin typeface="Arial"/>
-              </a:rPr>
-              <a:t>Third Outline Level</a:t>
-            </a:r>
-            <a:endParaRPr lang="en-US" sz="3200" b="0" u="none" strike="noStrike">
-              <a:solidFill>
-                <a:srgbClr val="000000"/>
-              </a:solidFill>
-              <a:effectLst/>
-              <a:uFillTx/>
-              <a:latin typeface="Arial"/>
-            </a:endParaRPr>
-          </a:p>
-          <a:p>
-            <a:pPr marL="1728000" lvl="3" indent="-216000">
-              <a:lnSpc>
-                <a:spcPct val="100000"/>
-              </a:lnSpc>
-              <a:spcBef>
-                <a:spcPts val="564"/>
-              </a:spcBef>
-              <a:buClr>
-                <a:srgbClr val="000000"/>
-              </a:buClr>
-              <a:buSzPct val="75000"/>
-              <a:buFont typeface="Symbol" charset="2"/>
-              <a:buChar char=""/>
-            </a:pPr>
-            <a:r>
-              <a:rPr lang="en-US" sz="3200" b="0" u="none" strike="noStrike">
-                <a:solidFill>
-                  <a:schemeClr val="dk1"/>
-                </a:solidFill>
-                <a:effectLst/>
-                <a:uFillTx/>
-                <a:latin typeface="Arial"/>
-              </a:rPr>
-              <a:t>Fourth Outline Level</a:t>
-            </a:r>
-            <a:endParaRPr lang="en-US" sz="3200" b="0" u="none" strike="noStrike">
-              <a:solidFill>
-                <a:srgbClr val="000000"/>
-              </a:solidFill>
-              <a:effectLst/>
-              <a:uFillTx/>
-              <a:latin typeface="Arial"/>
-            </a:endParaRPr>
-          </a:p>
-          <a:p>
-            <a:pPr marL="2160360" lvl="4" indent="-216000">
-              <a:lnSpc>
-                <a:spcPct val="100000"/>
-              </a:lnSpc>
-              <a:spcBef>
-                <a:spcPts val="286"/>
-              </a:spcBef>
-              <a:buClr>
-                <a:srgbClr val="000000"/>
-              </a:buClr>
-              <a:buSzPct val="45000"/>
-              <a:buFont typeface="Wingdings" charset="2"/>
-              <a:buChar char=""/>
-            </a:pPr>
-            <a:r>
-              <a:rPr lang="en-US" sz="3200" b="0" u="none" strike="noStrike">
-                <a:solidFill>
-                  <a:schemeClr val="dk1"/>
-                </a:solidFill>
-                <a:effectLst/>
-                <a:uFillTx/>
-                <a:latin typeface="Arial"/>
-              </a:rPr>
-              <a:t>Fifth Outline Level</a:t>
-            </a:r>
-            <a:endParaRPr lang="en-US" sz="3200" b="0" u="none" strike="noStrike">
-              <a:solidFill>
-                <a:srgbClr val="000000"/>
-              </a:solidFill>
-              <a:effectLst/>
-              <a:uFillTx/>
-              <a:latin typeface="Arial"/>
-            </a:endParaRPr>
-          </a:p>
-          <a:p>
-            <a:pPr marL="2592000" lvl="5" indent="-216000">
-              <a:lnSpc>
-                <a:spcPct val="100000"/>
-              </a:lnSpc>
-              <a:spcBef>
-                <a:spcPts val="286"/>
-              </a:spcBef>
-              <a:buClr>
-                <a:srgbClr val="000000"/>
-              </a:buClr>
-              <a:buSzPct val="45000"/>
-              <a:buFont typeface="Wingdings" charset="2"/>
-              <a:buChar char=""/>
-            </a:pPr>
-            <a:r>
-              <a:rPr lang="en-US" sz="3200" b="0" u="none" strike="noStrike">
-                <a:solidFill>
-                  <a:schemeClr val="dk1"/>
-                </a:solidFill>
-                <a:effectLst/>
-                <a:uFillTx/>
-                <a:latin typeface="Arial"/>
-              </a:rPr>
-              <a:t>Sixth Outline Level</a:t>
-            </a:r>
-            <a:endParaRPr lang="en-US" sz="3200" b="0" u="none" strike="noStrike">
-              <a:solidFill>
-                <a:srgbClr val="000000"/>
-              </a:solidFill>
-              <a:effectLst/>
-              <a:uFillTx/>
-              <a:latin typeface="Arial"/>
-            </a:endParaRPr>
-          </a:p>
-          <a:p>
-            <a:pPr marL="3024000" lvl="6" indent="-216000">
-              <a:lnSpc>
-                <a:spcPct val="100000"/>
-              </a:lnSpc>
-              <a:spcBef>
-                <a:spcPts val="286"/>
-              </a:spcBef>
-              <a:buClr>
-                <a:srgbClr val="000000"/>
-              </a:buClr>
-              <a:buSzPct val="45000"/>
-              <a:buFont typeface="Wingdings" charset="2"/>
-              <a:buChar char=""/>
-            </a:pPr>
-            <a:r>
-              <a:rPr lang="en-US" sz="3200" b="0" u="none" strike="noStrike">
-                <a:solidFill>
-                  <a:schemeClr val="dk1"/>
-                </a:solidFill>
-                <a:effectLst/>
-                <a:uFillTx/>
-                <a:latin typeface="Arial"/>
-              </a:rPr>
-              <a:t>Seventh Outline Level</a:t>
-            </a:r>
-            <a:endParaRPr lang="en-US" sz="3200" b="0" u="none" strike="noStrike">
-              <a:solidFill>
-                <a:srgbClr val="000000"/>
-              </a:solidFill>
-              <a:effectLst/>
-              <a:uFillTx/>
-              <a:latin typeface="Arial"/>
-            </a:endParaRPr>
-          </a:p>
-        </p:txBody>
-      </p:sp>
-      <p:sp>
-        <p:nvSpPr>
-          <p:cNvPr id="37" name="PlaceHolder 3"/>
-          <p:cNvSpPr>
-            <a:spLocks noGrp="1"/>
-          </p:cNvSpPr>
-          <p:nvPr>
-            <p:ph type="body"/>
-          </p:nvPr>
-        </p:nvSpPr>
-        <p:spPr>
-          <a:xfrm>
-            <a:off x="840240" y="2057400"/>
-            <a:ext cx="3924720" cy="3803760"/>
+            <a:off x="840240" y="2505240"/>
+            <a:ext cx="5150160" cy="3676320"/>
           </a:xfrm>
           <a:prstGeom prst="rect">
             <a:avLst/>
@@ -4061,12 +3566,216 @@
             <a:noAutofit/>
           </a:bodyPr>
           <a:p>
+            <a:pPr marL="343080" indent="-343080">
+              <a:lnSpc>
+                <a:spcPct val="100000"/>
+              </a:lnSpc>
+              <a:spcBef>
+                <a:spcPts val="641"/>
+              </a:spcBef>
+              <a:buClr>
+                <a:srgbClr val="000000"/>
+              </a:buClr>
+              <a:buFont typeface="Symbol" charset="2"/>
+              <a:buChar char=""/>
+            </a:pPr>
+            <a:r>
+              <a:rPr lang="en-US" sz="3200" b="0" u="none" strike="noStrike">
+                <a:solidFill>
+                  <a:schemeClr val="dk1"/>
+                </a:solidFill>
+                <a:effectLst/>
+                <a:uFillTx/>
+                <a:latin typeface="Arial"/>
+                <a:ea typeface="SimSun"/>
+              </a:rPr>
+              <a:t>Click to edit Master text styles</a:t>
+            </a:r>
+            <a:endParaRPr lang="en-US" sz="3200" b="0" u="none" strike="noStrike">
+              <a:solidFill>
+                <a:srgbClr val="000000"/>
+              </a:solidFill>
+              <a:effectLst/>
+              <a:uFillTx/>
+              <a:latin typeface="Arial"/>
+            </a:endParaRPr>
+          </a:p>
+          <a:p>
+            <a:pPr marL="743040" lvl="1" indent="-285840">
+              <a:lnSpc>
+                <a:spcPct val="100000"/>
+              </a:lnSpc>
+              <a:spcBef>
+                <a:spcPts val="561"/>
+              </a:spcBef>
+              <a:buClr>
+                <a:srgbClr val="000000"/>
+              </a:buClr>
+              <a:buFont typeface="Symbol" charset="2"/>
+              <a:buChar char=""/>
+            </a:pPr>
+            <a:r>
+              <a:rPr lang="en-US" sz="2800" b="0" u="none" strike="noStrike">
+                <a:solidFill>
+                  <a:schemeClr val="dk1"/>
+                </a:solidFill>
+                <a:effectLst/>
+                <a:uFillTx/>
+                <a:latin typeface="Arial"/>
+                <a:ea typeface="SimSun"/>
+              </a:rPr>
+              <a:t>Second level</a:t>
+            </a:r>
+            <a:endParaRPr lang="en-US" sz="2800" b="0" u="none" strike="noStrike">
+              <a:solidFill>
+                <a:srgbClr val="000000"/>
+              </a:solidFill>
+              <a:effectLst/>
+              <a:uFillTx/>
+              <a:latin typeface="Arial"/>
+            </a:endParaRPr>
+          </a:p>
+          <a:p>
+            <a:pPr marL="1143000" lvl="2" indent="-228600">
+              <a:lnSpc>
+                <a:spcPct val="100000"/>
+              </a:lnSpc>
+              <a:spcBef>
+                <a:spcPts val="479"/>
+              </a:spcBef>
+              <a:buClr>
+                <a:srgbClr val="000000"/>
+              </a:buClr>
+              <a:buFont typeface="Symbol" charset="2"/>
+              <a:buChar char=""/>
+            </a:pPr>
+            <a:r>
+              <a:rPr lang="en-US" sz="2400" b="0" u="none" strike="noStrike">
+                <a:solidFill>
+                  <a:schemeClr val="dk1"/>
+                </a:solidFill>
+                <a:effectLst/>
+                <a:uFillTx/>
+                <a:latin typeface="Arial"/>
+                <a:ea typeface="SimSun"/>
+              </a:rPr>
+              <a:t>Third level</a:t>
+            </a:r>
+            <a:endParaRPr lang="en-US" sz="2400" b="0" u="none" strike="noStrike">
+              <a:solidFill>
+                <a:srgbClr val="000000"/>
+              </a:solidFill>
+              <a:effectLst/>
+              <a:uFillTx/>
+              <a:latin typeface="Arial"/>
+            </a:endParaRPr>
+          </a:p>
+          <a:p>
+            <a:pPr marL="1600200" lvl="3" indent="-228600">
+              <a:lnSpc>
+                <a:spcPct val="100000"/>
+              </a:lnSpc>
+              <a:spcBef>
+                <a:spcPts val="400"/>
+              </a:spcBef>
+              <a:buClr>
+                <a:srgbClr val="000000"/>
+              </a:buClr>
+              <a:buFont typeface="Symbol" charset="2"/>
+              <a:buChar char=""/>
+            </a:pPr>
+            <a:r>
+              <a:rPr lang="en-US" sz="2000" b="0" u="none" strike="noStrike">
+                <a:solidFill>
+                  <a:schemeClr val="dk1"/>
+                </a:solidFill>
+                <a:effectLst/>
+                <a:uFillTx/>
+                <a:latin typeface="Arial"/>
+                <a:ea typeface="SimSun"/>
+              </a:rPr>
+              <a:t>Fourth level</a:t>
+            </a:r>
+            <a:endParaRPr lang="en-US" sz="2000" b="0" u="none" strike="noStrike">
+              <a:solidFill>
+                <a:srgbClr val="000000"/>
+              </a:solidFill>
+              <a:effectLst/>
+              <a:uFillTx/>
+              <a:latin typeface="Arial"/>
+            </a:endParaRPr>
+          </a:p>
+          <a:p>
+            <a:pPr marL="2057400" lvl="4" indent="-228600">
+              <a:lnSpc>
+                <a:spcPct val="100000"/>
+              </a:lnSpc>
+              <a:spcBef>
+                <a:spcPts val="400"/>
+              </a:spcBef>
+              <a:buClr>
+                <a:srgbClr val="000000"/>
+              </a:buClr>
+              <a:buFont typeface="OpenSymbol"/>
+              <a:buChar char="»"/>
+            </a:pPr>
+            <a:r>
+              <a:rPr lang="en-US" sz="2000" b="0" u="none" strike="noStrike">
+                <a:solidFill>
+                  <a:schemeClr val="dk1"/>
+                </a:solidFill>
+                <a:effectLst/>
+                <a:uFillTx/>
+                <a:latin typeface="Arial"/>
+                <a:ea typeface="SimSun"/>
+              </a:rPr>
+              <a:t>Fifth level</a:t>
+            </a:r>
+            <a:endParaRPr lang="en-US" sz="2000" b="0" u="none" strike="noStrike">
+              <a:solidFill>
+                <a:srgbClr val="000000"/>
+              </a:solidFill>
+              <a:effectLst/>
+              <a:uFillTx/>
+              <a:latin typeface="Arial"/>
+            </a:endParaRPr>
+          </a:p>
+        </p:txBody>
+      </p:sp>
+      <p:sp>
+        <p:nvSpPr>
+          <p:cNvPr id="36" name="PlaceHolder 4"/>
+          <p:cNvSpPr>
+            <a:spLocks noGrp="1"/>
+          </p:cNvSpPr>
+          <p:nvPr>
+            <p:ph type="body"/>
+          </p:nvPr>
+        </p:nvSpPr>
+        <p:spPr>
+          <a:xfrm>
+            <a:off x="6172200" y="1681200"/>
+            <a:ext cx="5175360" cy="815760"/>
+          </a:xfrm>
+          <a:prstGeom prst="rect">
+            <a:avLst/>
+          </a:prstGeom>
+          <a:noFill/>
+          <a:ln w="9360">
+            <a:noFill/>
+          </a:ln>
+        </p:spPr>
+        <p:txBody>
+          <a:bodyPr lIns="90000" rIns="90000" tIns="45000" bIns="45000" anchor="b">
+            <a:noAutofit/>
+          </a:bodyPr>
+          <a:p>
             <a:pPr indent="0">
               <a:lnSpc>
                 <a:spcPct val="100000"/>
               </a:lnSpc>
               <a:spcBef>
-                <a:spcPts val="320"/>
+                <a:spcPts val="479"/>
               </a:spcBef>
               <a:buNone/>
               <a:tabLst>
@@ -4074,7 +3783,7 @@
               </a:tabLst>
             </a:pPr>
             <a:r>
-              <a:rPr lang="en-US" sz="1600" b="0" u="none" strike="noStrike">
+              <a:rPr lang="en-US" sz="2400" b="1" u="none" strike="noStrike">
                 <a:solidFill>
                   <a:schemeClr val="dk1"/>
                 </a:solidFill>
@@ -4085,7 +3794,7 @@
               </a:rPr>
               <a:t>Click to edit Master text styles</a:t>
             </a:r>
-            <a:endParaRPr lang="en-US" sz="1600" b="0" u="none" strike="noStrike">
+            <a:endParaRPr lang="en-US" sz="2400" b="0" u="none" strike="noStrike">
               <a:solidFill>
                 <a:srgbClr val="000000"/>
               </a:solidFill>
@@ -4098,7 +3807,211 @@
       </p:sp>
       <p:sp>
         <p:nvSpPr>
-          <p:cNvPr id="38" name="PlaceHolder 4"/>
+          <p:cNvPr id="37" name="PlaceHolder 5"/>
+          <p:cNvSpPr>
+            <a:spLocks noGrp="1"/>
+          </p:cNvSpPr>
+          <p:nvPr>
+            <p:ph type="body"/>
+          </p:nvPr>
+        </p:nvSpPr>
+        <p:spPr>
+          <a:xfrm>
+            <a:off x="6172200" y="2505240"/>
+            <a:ext cx="5175360" cy="3676320"/>
+          </a:xfrm>
+          <a:prstGeom prst="rect">
+            <a:avLst/>
+          </a:prstGeom>
+          <a:noFill/>
+          <a:ln w="9360">
+            <a:noFill/>
+          </a:ln>
+        </p:spPr>
+        <p:txBody>
+          <a:bodyPr lIns="90000" rIns="90000" tIns="45000" bIns="45000" anchor="t">
+            <a:noAutofit/>
+          </a:bodyPr>
+          <a:p>
+            <a:pPr marL="343080" indent="-343080">
+              <a:lnSpc>
+                <a:spcPct val="100000"/>
+              </a:lnSpc>
+              <a:spcBef>
+                <a:spcPts val="641"/>
+              </a:spcBef>
+              <a:buClr>
+                <a:srgbClr val="000000"/>
+              </a:buClr>
+              <a:buFont typeface="Symbol" charset="2"/>
+              <a:buChar char=""/>
+            </a:pPr>
+            <a:r>
+              <a:rPr lang="en-US" sz="3200" b="0" u="none" strike="noStrike">
+                <a:solidFill>
+                  <a:schemeClr val="dk1"/>
+                </a:solidFill>
+                <a:effectLst/>
+                <a:uFillTx/>
+                <a:latin typeface="Arial"/>
+                <a:ea typeface="SimSun"/>
+              </a:rPr>
+              <a:t>Click to edit Master text styles</a:t>
+            </a:r>
+            <a:endParaRPr lang="en-US" sz="3200" b="0" u="none" strike="noStrike">
+              <a:solidFill>
+                <a:srgbClr val="000000"/>
+              </a:solidFill>
+              <a:effectLst/>
+              <a:uFillTx/>
+              <a:latin typeface="Arial"/>
+            </a:endParaRPr>
+          </a:p>
+          <a:p>
+            <a:pPr marL="743040" lvl="1" indent="-285840">
+              <a:lnSpc>
+                <a:spcPct val="100000"/>
+              </a:lnSpc>
+              <a:spcBef>
+                <a:spcPts val="561"/>
+              </a:spcBef>
+              <a:buClr>
+                <a:srgbClr val="000000"/>
+              </a:buClr>
+              <a:buFont typeface="Symbol" charset="2"/>
+              <a:buChar char=""/>
+            </a:pPr>
+            <a:r>
+              <a:rPr lang="en-US" sz="2800" b="0" u="none" strike="noStrike">
+                <a:solidFill>
+                  <a:schemeClr val="dk1"/>
+                </a:solidFill>
+                <a:effectLst/>
+                <a:uFillTx/>
+                <a:latin typeface="Arial"/>
+                <a:ea typeface="SimSun"/>
+              </a:rPr>
+              <a:t>Second level</a:t>
+            </a:r>
+            <a:endParaRPr lang="en-US" sz="2800" b="0" u="none" strike="noStrike">
+              <a:solidFill>
+                <a:srgbClr val="000000"/>
+              </a:solidFill>
+              <a:effectLst/>
+              <a:uFillTx/>
+              <a:latin typeface="Arial"/>
+            </a:endParaRPr>
+          </a:p>
+          <a:p>
+            <a:pPr marL="1143000" lvl="2" indent="-228600">
+              <a:lnSpc>
+                <a:spcPct val="100000"/>
+              </a:lnSpc>
+              <a:spcBef>
+                <a:spcPts val="479"/>
+              </a:spcBef>
+              <a:buClr>
+                <a:srgbClr val="000000"/>
+              </a:buClr>
+              <a:buFont typeface="Symbol" charset="2"/>
+              <a:buChar char=""/>
+            </a:pPr>
+            <a:r>
+              <a:rPr lang="en-US" sz="2400" b="0" u="none" strike="noStrike">
+                <a:solidFill>
+                  <a:schemeClr val="dk1"/>
+                </a:solidFill>
+                <a:effectLst/>
+                <a:uFillTx/>
+                <a:latin typeface="Arial"/>
+                <a:ea typeface="SimSun"/>
+              </a:rPr>
+              <a:t>Third level</a:t>
+            </a:r>
+            <a:endParaRPr lang="en-US" sz="2400" b="0" u="none" strike="noStrike">
+              <a:solidFill>
+                <a:srgbClr val="000000"/>
+              </a:solidFill>
+              <a:effectLst/>
+              <a:uFillTx/>
+              <a:latin typeface="Arial"/>
+            </a:endParaRPr>
+          </a:p>
+          <a:p>
+            <a:pPr marL="1600200" lvl="3" indent="-228600">
+              <a:lnSpc>
+                <a:spcPct val="100000"/>
+              </a:lnSpc>
+              <a:spcBef>
+                <a:spcPts val="400"/>
+              </a:spcBef>
+              <a:buClr>
+                <a:srgbClr val="000000"/>
+              </a:buClr>
+              <a:buFont typeface="Symbol" charset="2"/>
+              <a:buChar char=""/>
+            </a:pPr>
+            <a:r>
+              <a:rPr lang="en-US" sz="2000" b="0" u="none" strike="noStrike">
+                <a:solidFill>
+                  <a:schemeClr val="dk1"/>
+                </a:solidFill>
+                <a:effectLst/>
+                <a:uFillTx/>
+                <a:latin typeface="Arial"/>
+                <a:ea typeface="SimSun"/>
+              </a:rPr>
+              <a:t>Fourth level</a:t>
+            </a:r>
+            <a:endParaRPr lang="en-US" sz="2000" b="0" u="none" strike="noStrike">
+              <a:solidFill>
+                <a:srgbClr val="000000"/>
+              </a:solidFill>
+              <a:effectLst/>
+              <a:uFillTx/>
+              <a:latin typeface="Arial"/>
+            </a:endParaRPr>
+          </a:p>
+          <a:p>
+            <a:pPr marL="2057400" lvl="4" indent="-228600">
+              <a:lnSpc>
+                <a:spcPct val="100000"/>
+              </a:lnSpc>
+              <a:spcBef>
+                <a:spcPts val="400"/>
+              </a:spcBef>
+              <a:buClr>
+                <a:srgbClr val="000000"/>
+              </a:buClr>
+              <a:buFont typeface="OpenSymbol"/>
+              <a:buChar char="»"/>
+            </a:pPr>
+            <a:r>
+              <a:rPr lang="en-US" sz="2000" b="0" u="none" strike="noStrike">
+                <a:solidFill>
+                  <a:schemeClr val="dk1"/>
+                </a:solidFill>
+                <a:effectLst/>
+                <a:uFillTx/>
+                <a:latin typeface="Arial"/>
+                <a:ea typeface="SimSun"/>
+              </a:rPr>
+              <a:t>Fifth level</a:t>
+            </a:r>
+            <a:endParaRPr lang="en-US" sz="2000" b="0" u="none" strike="noStrike">
+              <a:solidFill>
+                <a:srgbClr val="000000"/>
+              </a:solidFill>
+              <a:effectLst/>
+              <a:uFillTx/>
+              <a:latin typeface="Arial"/>
+            </a:endParaRPr>
+          </a:p>
+        </p:txBody>
+      </p:sp>
+      <p:sp>
+        <p:nvSpPr>
+          <p:cNvPr id="38" name="PlaceHolder 6"/>
           <p:cNvSpPr>
             <a:spLocks noGrp="1"/>
           </p:cNvSpPr>
@@ -4109,7 +4022,7 @@
         <p:spPr>
           <a:xfrm>
             <a:off x="609480" y="6245280"/>
-            <a:ext cx="2836800" cy="468360"/>
+            <a:ext cx="2836440" cy="468000"/>
           </a:xfrm>
           <a:prstGeom prst="rect">
             <a:avLst/>
@@ -4178,7 +4091,7 @@
       </p:sp>
       <p:sp>
         <p:nvSpPr>
-          <p:cNvPr id="39" name="PlaceHolder 5"/>
+          <p:cNvPr id="39" name="PlaceHolder 7"/>
           <p:cNvSpPr>
             <a:spLocks noGrp="1"/>
           </p:cNvSpPr>
@@ -4189,7 +4102,7 @@
         <p:spPr>
           <a:xfrm>
             <a:off x="4165560" y="6245280"/>
-            <a:ext cx="3852720" cy="468360"/>
+            <a:ext cx="3852360" cy="468000"/>
           </a:xfrm>
           <a:prstGeom prst="rect">
             <a:avLst/>
@@ -4258,7 +4171,7 @@
       </p:sp>
       <p:sp>
         <p:nvSpPr>
-          <p:cNvPr id="40" name="PlaceHolder 6"/>
+          <p:cNvPr id="40" name="PlaceHolder 8"/>
           <p:cNvSpPr>
             <a:spLocks noGrp="1"/>
           </p:cNvSpPr>
@@ -4269,7 +4182,7 @@
         <p:spPr>
           <a:xfrm>
             <a:off x="8737560" y="6245280"/>
-            <a:ext cx="2836800" cy="468360"/>
+            <a:ext cx="2836440" cy="468000"/>
           </a:xfrm>
           <a:prstGeom prst="rect">
             <a:avLst/>
@@ -4304,8 +4217,8 @@
 </file>
 
 <file path=ppt/slideLayouts/slideLayout7.xml><?xml version="1.0" encoding="utf-8"?>
-<p:sldLayout xmlns:a="http://schemas.openxmlformats.org/drawingml/2006/main" xmlns:p="http://schemas.openxmlformats.org/presentationml/2006/main" xmlns:r="http://schemas.openxmlformats.org/officeDocument/2006/relationships" xmlns:p14="http://schemas.microsoft.com/office/powerpoint/2010/main" xmlns:p15="http://schemas.microsoft.com/office/powerpoint/2012/main" xmlns:mc="http://schemas.openxmlformats.org/markup-compatibility/2006" type="vertTitleAndTx" preserve="1">
-  <p:cSld name="Vertical Title and Text">
+<p:sldLayout xmlns:a="http://schemas.openxmlformats.org/drawingml/2006/main" xmlns:p="http://schemas.openxmlformats.org/presentationml/2006/main" xmlns:r="http://schemas.openxmlformats.org/officeDocument/2006/relationships" xmlns:p14="http://schemas.microsoft.com/office/powerpoint/2010/main" xmlns:p15="http://schemas.microsoft.com/office/powerpoint/2012/main" xmlns:mc="http://schemas.openxmlformats.org/markup-compatibility/2006" type="blank" preserve="1">
+  <p:cSld name="Blank">
     <p:bg>
       <p:bgPr>
         <a:solidFill>
@@ -4340,7 +4253,7 @@
         <p:spPr>
           <a:xfrm>
             <a:off x="0" y="0"/>
-            <a:ext cx="12184200" cy="6850080"/>
+            <a:ext cx="12183840" cy="6849720"/>
           </a:xfrm>
           <a:prstGeom prst="rect">
             <a:avLst/>
@@ -4358,277 +4271,13 @@
             <a:spLocks noGrp="1"/>
           </p:cNvSpPr>
           <p:nvPr>
-            <p:ph type="title"/>
-          </p:nvPr>
-        </p:nvSpPr>
-        <p:spPr>
-          <a:xfrm>
-            <a:off x="8839080" y="190440"/>
-            <a:ext cx="2735280" cy="5929200"/>
-          </a:xfrm>
-          <a:prstGeom prst="rect">
-            <a:avLst/>
-          </a:prstGeom>
-          <a:noFill/>
-          <a:ln w="9360">
-            <a:noFill/>
-          </a:ln>
-        </p:spPr>
-        <p:txBody>
-          <a:bodyPr lIns="45000" rIns="45000" tIns="90000" bIns="90000" anchor="ctr" vert="eaVert">
-            <a:noAutofit/>
-          </a:bodyPr>
-          <a:p>
-            <a:pPr indent="0">
-              <a:lnSpc>
-                <a:spcPct val="100000"/>
-              </a:lnSpc>
-              <a:buNone/>
-              <a:tabLst>
-                <a:tab algn="l" pos="0"/>
-              </a:tabLst>
-            </a:pPr>
-            <a:r>
-              <a:rPr lang="en-US" sz="3600" b="0" u="none" strike="noStrike">
-                <a:solidFill>
-                  <a:schemeClr val="dk1"/>
-                </a:solidFill>
-                <a:effectLst/>
-                <a:uFillTx/>
-                <a:latin typeface="Arial"/>
-                <a:ea typeface="SimSun"/>
-              </a:rPr>
-              <a:t>Click to edit Master title style</a:t>
-            </a:r>
-            <a:endParaRPr lang="en-US" sz="3600" b="0" u="none" strike="noStrike">
-              <a:solidFill>
-                <a:srgbClr val="000000"/>
-              </a:solidFill>
-              <a:effectLst/>
-              <a:uFillTx/>
-              <a:latin typeface="Arial"/>
-            </a:endParaRPr>
-          </a:p>
-        </p:txBody>
-      </p:sp>
-      <p:sp>
-        <p:nvSpPr>
-          <p:cNvPr id="43" name="PlaceHolder 2"/>
-          <p:cNvSpPr>
-            <a:spLocks noGrp="1"/>
-          </p:cNvSpPr>
-          <p:nvPr>
-            <p:ph type="body"/>
-          </p:nvPr>
-        </p:nvSpPr>
-        <p:spPr>
-          <a:xfrm>
-            <a:off x="609480" y="190440"/>
-            <a:ext cx="8018640" cy="5929200"/>
-          </a:xfrm>
-          <a:prstGeom prst="rect">
-            <a:avLst/>
-          </a:prstGeom>
-          <a:noFill/>
-          <a:ln w="9360">
-            <a:noFill/>
-          </a:ln>
-        </p:spPr>
-        <p:txBody>
-          <a:bodyPr lIns="45000" rIns="45000" tIns="90000" bIns="90000" anchor="t" vert="eaVert">
-            <a:noAutofit/>
-          </a:bodyPr>
-          <a:p>
-            <a:pPr marL="343080" indent="-343080">
-              <a:lnSpc>
-                <a:spcPct val="100000"/>
-              </a:lnSpc>
-              <a:spcBef>
-                <a:spcPts val="641"/>
-              </a:spcBef>
-              <a:buClr>
-                <a:srgbClr val="000000"/>
-              </a:buClr>
-              <a:buFont typeface="Symbol" charset="2"/>
-              <a:buChar char=""/>
-            </a:pPr>
-            <a:r>
-              <a:rPr lang="en-US" sz="3200" b="0" u="none" strike="noStrike">
-                <a:solidFill>
-                  <a:schemeClr val="dk1"/>
-                </a:solidFill>
-                <a:effectLst/>
-                <a:uFillTx/>
-                <a:latin typeface="Arial"/>
-                <a:ea typeface="SimSun"/>
-              </a:rPr>
-              <a:t>Click to edit Master text styles</a:t>
-            </a:r>
-            <a:endParaRPr lang="en-US" sz="3200" b="0" u="none" strike="noStrike">
-              <a:solidFill>
-                <a:srgbClr val="000000"/>
-              </a:solidFill>
-              <a:effectLst/>
-              <a:uFillTx/>
-              <a:latin typeface="Arial"/>
-            </a:endParaRPr>
-          </a:p>
-          <a:p>
-            <a:pPr marL="743040" lvl="1" indent="-285840">
-              <a:lnSpc>
-                <a:spcPct val="100000"/>
-              </a:lnSpc>
-              <a:spcBef>
-                <a:spcPts val="561"/>
-              </a:spcBef>
-              <a:buClr>
-                <a:srgbClr val="000000"/>
-              </a:buClr>
-              <a:buFont typeface="Symbol" charset="2"/>
-              <a:buChar char=""/>
-            </a:pPr>
-            <a:r>
-              <a:rPr lang="en-US" sz="2800" b="0" u="none" strike="noStrike">
-                <a:solidFill>
-                  <a:schemeClr val="dk1"/>
-                </a:solidFill>
-                <a:effectLst/>
-                <a:uFillTx/>
-                <a:latin typeface="Arial"/>
-                <a:ea typeface="SimSun"/>
-              </a:rPr>
-              <a:t>Second level</a:t>
-            </a:r>
-            <a:endParaRPr lang="en-US" sz="2800" b="0" u="none" strike="noStrike">
-              <a:solidFill>
-                <a:srgbClr val="000000"/>
-              </a:solidFill>
-              <a:effectLst/>
-              <a:uFillTx/>
-              <a:latin typeface="Arial"/>
-            </a:endParaRPr>
-          </a:p>
-          <a:p>
-            <a:pPr marL="1143000" lvl="2" indent="-228600">
-              <a:lnSpc>
-                <a:spcPct val="100000"/>
-              </a:lnSpc>
-              <a:spcBef>
-                <a:spcPts val="479"/>
-              </a:spcBef>
-              <a:buClr>
-                <a:srgbClr val="000000"/>
-              </a:buClr>
-              <a:buFont typeface="Symbol" charset="2"/>
-              <a:buChar char=""/>
-            </a:pPr>
-            <a:r>
-              <a:rPr lang="en-US" sz="2400" b="0" u="none" strike="noStrike">
-                <a:solidFill>
-                  <a:schemeClr val="dk1"/>
-                </a:solidFill>
-                <a:effectLst/>
-                <a:uFillTx/>
-                <a:latin typeface="Arial"/>
-                <a:ea typeface="SimSun"/>
-              </a:rPr>
-              <a:t>Third level</a:t>
-            </a:r>
-            <a:endParaRPr lang="en-US" sz="2400" b="0" u="none" strike="noStrike">
-              <a:solidFill>
-                <a:srgbClr val="000000"/>
-              </a:solidFill>
-              <a:effectLst/>
-              <a:uFillTx/>
-              <a:latin typeface="Arial"/>
-            </a:endParaRPr>
-          </a:p>
-          <a:p>
-            <a:pPr marL="1600200" lvl="3" indent="-228600">
-              <a:lnSpc>
-                <a:spcPct val="100000"/>
-              </a:lnSpc>
-              <a:spcBef>
-                <a:spcPts val="400"/>
-              </a:spcBef>
-              <a:buClr>
-                <a:srgbClr val="000000"/>
-              </a:buClr>
-              <a:buFont typeface="Symbol" charset="2"/>
-              <a:buChar char=""/>
-            </a:pPr>
-            <a:r>
-              <a:rPr lang="en-US" sz="2000" b="0" u="none" strike="noStrike">
-                <a:solidFill>
-                  <a:schemeClr val="dk1"/>
-                </a:solidFill>
-                <a:effectLst/>
-                <a:uFillTx/>
-                <a:latin typeface="Arial"/>
-                <a:ea typeface="SimSun"/>
-              </a:rPr>
-              <a:t>Fourth level</a:t>
-            </a:r>
-            <a:endParaRPr lang="en-US" sz="2000" b="0" u="none" strike="noStrike">
-              <a:solidFill>
-                <a:srgbClr val="000000"/>
-              </a:solidFill>
-              <a:effectLst/>
-              <a:uFillTx/>
-              <a:latin typeface="Arial"/>
-            </a:endParaRPr>
-          </a:p>
-          <a:p>
-            <a:pPr marL="2057400" lvl="4" indent="-228600">
-              <a:lnSpc>
-                <a:spcPct val="100000"/>
-              </a:lnSpc>
-              <a:spcBef>
-                <a:spcPts val="400"/>
-              </a:spcBef>
-              <a:buClr>
-                <a:srgbClr val="000000"/>
-              </a:buClr>
-              <a:buFont typeface="OpenSymbol"/>
-              <a:buChar char="»"/>
-            </a:pPr>
-            <a:r>
-              <a:rPr lang="en-US" sz="2000" b="0" u="none" strike="noStrike">
-                <a:solidFill>
-                  <a:schemeClr val="dk1"/>
-                </a:solidFill>
-                <a:effectLst/>
-                <a:uFillTx/>
-                <a:latin typeface="Arial"/>
-                <a:ea typeface="SimSun"/>
-              </a:rPr>
-              <a:t>Fifth level</a:t>
-            </a:r>
-            <a:endParaRPr lang="en-US" sz="2000" b="0" u="none" strike="noStrike">
-              <a:solidFill>
-                <a:srgbClr val="000000"/>
-              </a:solidFill>
-              <a:effectLst/>
-              <a:uFillTx/>
-              <a:latin typeface="Arial"/>
-            </a:endParaRPr>
-          </a:p>
-        </p:txBody>
-      </p:sp>
-      <p:sp>
-        <p:nvSpPr>
-          <p:cNvPr id="44" name="PlaceHolder 3"/>
-          <p:cNvSpPr>
-            <a:spLocks noGrp="1"/>
-          </p:cNvSpPr>
-          <p:nvPr>
             <p:ph type="dt" idx="19"/>
           </p:nvPr>
         </p:nvSpPr>
         <p:spPr>
           <a:xfrm>
             <a:off x="609480" y="6245280"/>
-            <a:ext cx="2836800" cy="468360"/>
+            <a:ext cx="2836440" cy="468000"/>
           </a:xfrm>
           <a:prstGeom prst="rect">
             <a:avLst/>
@@ -4697,7 +4346,7 @@
       </p:sp>
       <p:sp>
         <p:nvSpPr>
-          <p:cNvPr id="45" name="PlaceHolder 4"/>
+          <p:cNvPr id="43" name="PlaceHolder 2"/>
           <p:cNvSpPr>
             <a:spLocks noGrp="1"/>
           </p:cNvSpPr>
@@ -4708,7 +4357,7 @@
         <p:spPr>
           <a:xfrm>
             <a:off x="4165560" y="6245280"/>
-            <a:ext cx="3852720" cy="468360"/>
+            <a:ext cx="3852360" cy="468000"/>
           </a:xfrm>
           <a:prstGeom prst="rect">
             <a:avLst/>
@@ -4777,7 +4426,7 @@
       </p:sp>
       <p:sp>
         <p:nvSpPr>
-          <p:cNvPr id="46" name="PlaceHolder 5"/>
+          <p:cNvPr id="44" name="PlaceHolder 3"/>
           <p:cNvSpPr>
             <a:spLocks noGrp="1"/>
           </p:cNvSpPr>
@@ -4788,7 +4437,7 @@
         <p:spPr>
           <a:xfrm>
             <a:off x="8737560" y="6245280"/>
-            <a:ext cx="2836800" cy="468360"/>
+            <a:ext cx="2836440" cy="468000"/>
           </a:xfrm>
           <a:prstGeom prst="rect">
             <a:avLst/>
@@ -4823,8 +4472,8 @@
 </file>
 
 <file path=ppt/slideLayouts/slideLayout8.xml><?xml version="1.0" encoding="utf-8"?>
-<p:sldLayout xmlns:a="http://schemas.openxmlformats.org/drawingml/2006/main" xmlns:p="http://schemas.openxmlformats.org/presentationml/2006/main" xmlns:r="http://schemas.openxmlformats.org/officeDocument/2006/relationships" xmlns:p14="http://schemas.microsoft.com/office/powerpoint/2010/main" xmlns:p15="http://schemas.microsoft.com/office/powerpoint/2012/main" xmlns:mc="http://schemas.openxmlformats.org/markup-compatibility/2006" type="title" preserve="1">
-  <p:cSld name="Title Slide">
+<p:sldLayout xmlns:a="http://schemas.openxmlformats.org/drawingml/2006/main" xmlns:p="http://schemas.openxmlformats.org/presentationml/2006/main" xmlns:r="http://schemas.openxmlformats.org/officeDocument/2006/relationships" xmlns:p14="http://schemas.microsoft.com/office/powerpoint/2010/main" xmlns:p15="http://schemas.microsoft.com/office/powerpoint/2012/main" xmlns:mc="http://schemas.openxmlformats.org/markup-compatibility/2006" type="blank" preserve="1">
+  <p:cSld name="Content with Caption">
     <p:bg>
       <p:bgPr>
         <a:solidFill>
@@ -4848,7 +4497,7 @@
       </p:grpSpPr>
       <p:pic>
         <p:nvPicPr>
-          <p:cNvPr id="47" name="Picture 10" hidden="1"/>
+          <p:cNvPr id="45" name="Picture 10"/>
           <p:cNvPicPr/>
           <p:nvPr/>
         </p:nvPicPr>
@@ -4859,31 +4508,7 @@
         <p:spPr>
           <a:xfrm>
             <a:off x="0" y="0"/>
-            <a:ext cx="12184200" cy="6850080"/>
-          </a:xfrm>
-          <a:prstGeom prst="rect">
-            <a:avLst/>
-          </a:prstGeom>
-          <a:noFill/>
-          <a:ln w="9525">
-            <a:noFill/>
-          </a:ln>
-        </p:spPr>
-      </p:pic>
-      <p:pic>
-        <p:nvPicPr>
-          <p:cNvPr id="48" name="Picture 3"/>
-          <p:cNvPicPr/>
-          <p:nvPr/>
-        </p:nvPicPr>
-        <p:blipFill>
-          <a:blip r:embed="rId3"/>
-          <a:stretch/>
-        </p:blipFill>
-        <p:spPr>
-          <a:xfrm>
-            <a:off x="0" y="0"/>
-            <a:ext cx="12184200" cy="6850080"/>
+            <a:ext cx="12183840" cy="6849720"/>
           </a:xfrm>
           <a:prstGeom prst="rect">
             <a:avLst/>
@@ -4896,7 +4521,7 @@
       </p:pic>
       <p:sp>
         <p:nvSpPr>
-          <p:cNvPr id="49" name="PlaceHolder 1"/>
+          <p:cNvPr id="46" name="PlaceHolder 1"/>
           <p:cNvSpPr>
             <a:spLocks noGrp="1"/>
           </p:cNvSpPr>
@@ -4906,8 +4531,8 @@
         </p:nvSpPr>
         <p:spPr>
           <a:xfrm>
-            <a:off x="624240" y="3718080"/>
-            <a:ext cx="10935360" cy="1074600"/>
+            <a:off x="840240" y="457200"/>
+            <a:ext cx="3924360" cy="1591920"/>
           </a:xfrm>
           <a:prstGeom prst="rect">
             <a:avLst/>
@@ -4918,11 +4543,11 @@
           </a:ln>
         </p:spPr>
         <p:txBody>
-          <a:bodyPr lIns="90000" rIns="90000" tIns="45000" bIns="45000" anchor="ctr">
+          <a:bodyPr lIns="90000" rIns="90000" tIns="45000" bIns="45000" anchor="b">
             <a:noAutofit/>
           </a:bodyPr>
           <a:p>
-            <a:pPr indent="0" algn="r">
+            <a:pPr indent="0">
               <a:lnSpc>
                 <a:spcPct val="100000"/>
               </a:lnSpc>
@@ -4932,7 +4557,7 @@
               </a:tabLst>
             </a:pPr>
             <a:r>
-              <a:rPr lang="en-US" sz="3600" b="0" u="none" strike="noStrike">
+              <a:rPr lang="en-US" sz="3200" b="0" u="none" strike="noStrike">
                 <a:solidFill>
                   <a:schemeClr val="dk1"/>
                 </a:solidFill>
@@ -4943,7 +4568,7 @@
               </a:rPr>
               <a:t>Click to edit Master title style</a:t>
             </a:r>
-            <a:endParaRPr lang="en-US" sz="3600" b="0" u="none" strike="noStrike">
+            <a:endParaRPr lang="en-US" sz="3200" b="0" u="none" strike="noStrike">
               <a:solidFill>
                 <a:srgbClr val="000000"/>
               </a:solidFill>
@@ -4956,7 +4581,274 @@
       </p:sp>
       <p:sp>
         <p:nvSpPr>
-          <p:cNvPr id="50" name="PlaceHolder 2"/>
+          <p:cNvPr id="47" name="PlaceHolder 2"/>
+          <p:cNvSpPr>
+            <a:spLocks noGrp="1"/>
+          </p:cNvSpPr>
+          <p:nvPr>
+            <p:ph type="body"/>
+          </p:nvPr>
+        </p:nvSpPr>
+        <p:spPr>
+          <a:xfrm>
+            <a:off x="5183640" y="987480"/>
+            <a:ext cx="6163920" cy="4865400"/>
+          </a:xfrm>
+          <a:prstGeom prst="rect">
+            <a:avLst/>
+          </a:prstGeom>
+          <a:noFill/>
+          <a:ln w="9360">
+            <a:noFill/>
+          </a:ln>
+        </p:spPr>
+        <p:txBody>
+          <a:bodyPr lIns="90000" rIns="90000" tIns="45000" bIns="45000" anchor="t">
+            <a:noAutofit/>
+          </a:bodyPr>
+          <a:p>
+            <a:pPr marL="343080" indent="-343080">
+              <a:lnSpc>
+                <a:spcPct val="100000"/>
+              </a:lnSpc>
+              <a:spcBef>
+                <a:spcPts val="641"/>
+              </a:spcBef>
+              <a:buClr>
+                <a:srgbClr val="000000"/>
+              </a:buClr>
+              <a:buFont typeface="Symbol" charset="2"/>
+              <a:buChar char=""/>
+            </a:pPr>
+            <a:r>
+              <a:rPr lang="en-US" sz="3200" b="0" u="none" strike="noStrike">
+                <a:solidFill>
+                  <a:schemeClr val="dk1"/>
+                </a:solidFill>
+                <a:effectLst/>
+                <a:uFillTx/>
+                <a:latin typeface="Arial"/>
+                <a:ea typeface="SimSun"/>
+              </a:rPr>
+              <a:t>Click to edit Master text styles</a:t>
+            </a:r>
+            <a:endParaRPr lang="en-US" sz="3200" b="0" u="none" strike="noStrike">
+              <a:solidFill>
+                <a:srgbClr val="000000"/>
+              </a:solidFill>
+              <a:effectLst/>
+              <a:uFillTx/>
+              <a:latin typeface="Arial"/>
+            </a:endParaRPr>
+          </a:p>
+          <a:p>
+            <a:pPr marL="743040" lvl="1" indent="-285840">
+              <a:lnSpc>
+                <a:spcPct val="100000"/>
+              </a:lnSpc>
+              <a:spcBef>
+                <a:spcPts val="561"/>
+              </a:spcBef>
+              <a:buClr>
+                <a:srgbClr val="000000"/>
+              </a:buClr>
+              <a:buFont typeface="Symbol" charset="2"/>
+              <a:buChar char=""/>
+            </a:pPr>
+            <a:r>
+              <a:rPr lang="en-US" sz="2800" b="0" u="none" strike="noStrike">
+                <a:solidFill>
+                  <a:schemeClr val="dk1"/>
+                </a:solidFill>
+                <a:effectLst/>
+                <a:uFillTx/>
+                <a:latin typeface="Arial"/>
+                <a:ea typeface="SimSun"/>
+              </a:rPr>
+              <a:t>Second level</a:t>
+            </a:r>
+            <a:endParaRPr lang="en-US" sz="2800" b="0" u="none" strike="noStrike">
+              <a:solidFill>
+                <a:srgbClr val="000000"/>
+              </a:solidFill>
+              <a:effectLst/>
+              <a:uFillTx/>
+              <a:latin typeface="Arial"/>
+            </a:endParaRPr>
+          </a:p>
+          <a:p>
+            <a:pPr marL="1143000" lvl="2" indent="-228600">
+              <a:lnSpc>
+                <a:spcPct val="100000"/>
+              </a:lnSpc>
+              <a:spcBef>
+                <a:spcPts val="479"/>
+              </a:spcBef>
+              <a:buClr>
+                <a:srgbClr val="000000"/>
+              </a:buClr>
+              <a:buFont typeface="Symbol" charset="2"/>
+              <a:buChar char=""/>
+            </a:pPr>
+            <a:r>
+              <a:rPr lang="en-US" sz="2400" b="0" u="none" strike="noStrike">
+                <a:solidFill>
+                  <a:schemeClr val="dk1"/>
+                </a:solidFill>
+                <a:effectLst/>
+                <a:uFillTx/>
+                <a:latin typeface="Arial"/>
+                <a:ea typeface="SimSun"/>
+              </a:rPr>
+              <a:t>Third level</a:t>
+            </a:r>
+            <a:endParaRPr lang="en-US" sz="2400" b="0" u="none" strike="noStrike">
+              <a:solidFill>
+                <a:srgbClr val="000000"/>
+              </a:solidFill>
+              <a:effectLst/>
+              <a:uFillTx/>
+              <a:latin typeface="Arial"/>
+            </a:endParaRPr>
+          </a:p>
+          <a:p>
+            <a:pPr marL="1600200" lvl="3" indent="-228600">
+              <a:lnSpc>
+                <a:spcPct val="100000"/>
+              </a:lnSpc>
+              <a:spcBef>
+                <a:spcPts val="400"/>
+              </a:spcBef>
+              <a:buClr>
+                <a:srgbClr val="000000"/>
+              </a:buClr>
+              <a:buFont typeface="Symbol" charset="2"/>
+              <a:buChar char=""/>
+            </a:pPr>
+            <a:r>
+              <a:rPr lang="en-US" sz="2000" b="0" u="none" strike="noStrike">
+                <a:solidFill>
+                  <a:schemeClr val="dk1"/>
+                </a:solidFill>
+                <a:effectLst/>
+                <a:uFillTx/>
+                <a:latin typeface="Arial"/>
+                <a:ea typeface="SimSun"/>
+              </a:rPr>
+              <a:t>Fourth level</a:t>
+            </a:r>
+            <a:endParaRPr lang="en-US" sz="2000" b="0" u="none" strike="noStrike">
+              <a:solidFill>
+                <a:srgbClr val="000000"/>
+              </a:solidFill>
+              <a:effectLst/>
+              <a:uFillTx/>
+              <a:latin typeface="Arial"/>
+            </a:endParaRPr>
+          </a:p>
+          <a:p>
+            <a:pPr marL="2057400" lvl="4" indent="-228600">
+              <a:lnSpc>
+                <a:spcPct val="100000"/>
+              </a:lnSpc>
+              <a:spcBef>
+                <a:spcPts val="400"/>
+              </a:spcBef>
+              <a:buClr>
+                <a:srgbClr val="000000"/>
+              </a:buClr>
+              <a:buFont typeface="OpenSymbol"/>
+              <a:buChar char="»"/>
+            </a:pPr>
+            <a:r>
+              <a:rPr lang="en-US" sz="2000" b="0" u="none" strike="noStrike">
+                <a:solidFill>
+                  <a:schemeClr val="dk1"/>
+                </a:solidFill>
+                <a:effectLst/>
+                <a:uFillTx/>
+                <a:latin typeface="Arial"/>
+                <a:ea typeface="SimSun"/>
+              </a:rPr>
+              <a:t>Fifth level</a:t>
+            </a:r>
+            <a:endParaRPr lang="en-US" sz="2000" b="0" u="none" strike="noStrike">
+              <a:solidFill>
+                <a:srgbClr val="000000"/>
+              </a:solidFill>
+              <a:effectLst/>
+              <a:uFillTx/>
+              <a:latin typeface="Arial"/>
+            </a:endParaRPr>
+          </a:p>
+        </p:txBody>
+      </p:sp>
+      <p:sp>
+        <p:nvSpPr>
+          <p:cNvPr id="48" name="PlaceHolder 3"/>
+          <p:cNvSpPr>
+            <a:spLocks noGrp="1"/>
+          </p:cNvSpPr>
+          <p:nvPr>
+            <p:ph type="body"/>
+          </p:nvPr>
+        </p:nvSpPr>
+        <p:spPr>
+          <a:xfrm>
+            <a:off x="840240" y="2057400"/>
+            <a:ext cx="3924360" cy="3803400"/>
+          </a:xfrm>
+          <a:prstGeom prst="rect">
+            <a:avLst/>
+          </a:prstGeom>
+          <a:noFill/>
+          <a:ln w="9360">
+            <a:noFill/>
+          </a:ln>
+        </p:spPr>
+        <p:txBody>
+          <a:bodyPr lIns="90000" rIns="90000" tIns="45000" bIns="45000" anchor="t">
+            <a:noAutofit/>
+          </a:bodyPr>
+          <a:p>
+            <a:pPr indent="0">
+              <a:lnSpc>
+                <a:spcPct val="100000"/>
+              </a:lnSpc>
+              <a:spcBef>
+                <a:spcPts val="320"/>
+              </a:spcBef>
+              <a:buNone/>
+              <a:tabLst>
+                <a:tab algn="l" pos="0"/>
+              </a:tabLst>
+            </a:pPr>
+            <a:r>
+              <a:rPr lang="en-US" sz="1600" b="0" u="none" strike="noStrike">
+                <a:solidFill>
+                  <a:schemeClr val="dk1"/>
+                </a:solidFill>
+                <a:effectLst/>
+                <a:uFillTx/>
+                <a:latin typeface="Arial"/>
+                <a:ea typeface="SimSun"/>
+              </a:rPr>
+              <a:t>Click to edit Master text styles</a:t>
+            </a:r>
+            <a:endParaRPr lang="en-US" sz="1600" b="0" u="none" strike="noStrike">
+              <a:solidFill>
+                <a:srgbClr val="000000"/>
+              </a:solidFill>
+              <a:effectLst/>
+              <a:uFillTx/>
+              <a:latin typeface="Arial"/>
+            </a:endParaRPr>
+          </a:p>
+        </p:txBody>
+      </p:sp>
+      <p:sp>
+        <p:nvSpPr>
+          <p:cNvPr id="49" name="PlaceHolder 4"/>
           <p:cNvSpPr>
             <a:spLocks noGrp="1"/>
           </p:cNvSpPr>
@@ -4967,7 +4859,7 @@
         <p:spPr>
           <a:xfrm>
             <a:off x="609480" y="6245280"/>
-            <a:ext cx="2836800" cy="468360"/>
+            <a:ext cx="2836440" cy="468000"/>
           </a:xfrm>
           <a:prstGeom prst="rect">
             <a:avLst/>
@@ -5036,7 +4928,7 @@
       </p:sp>
       <p:sp>
         <p:nvSpPr>
-          <p:cNvPr id="51" name="PlaceHolder 3"/>
+          <p:cNvPr id="50" name="PlaceHolder 5"/>
           <p:cNvSpPr>
             <a:spLocks noGrp="1"/>
           </p:cNvSpPr>
@@ -5047,7 +4939,7 @@
         <p:spPr>
           <a:xfrm>
             <a:off x="4165560" y="6245280"/>
-            <a:ext cx="3852720" cy="468360"/>
+            <a:ext cx="3852360" cy="468000"/>
           </a:xfrm>
           <a:prstGeom prst="rect">
             <a:avLst/>
@@ -5116,7 +5008,7 @@
       </p:sp>
       <p:sp>
         <p:nvSpPr>
-          <p:cNvPr id="52" name="PlaceHolder 4"/>
+          <p:cNvPr id="51" name="PlaceHolder 6"/>
           <p:cNvSpPr>
             <a:spLocks noGrp="1"/>
           </p:cNvSpPr>
@@ -5127,7 +5019,7 @@
         <p:spPr>
           <a:xfrm>
             <a:off x="8737560" y="6245280"/>
-            <a:ext cx="2836800" cy="468360"/>
+            <a:ext cx="2836440" cy="468000"/>
           </a:xfrm>
           <a:prstGeom prst="rect">
             <a:avLst/>
@@ -5162,8 +5054,8 @@
 </file>
 
 <file path=ppt/slideLayouts/slideLayout9.xml><?xml version="1.0" encoding="utf-8"?>
-<p:sldLayout xmlns:a="http://schemas.openxmlformats.org/drawingml/2006/main" xmlns:p="http://schemas.openxmlformats.org/presentationml/2006/main" xmlns:r="http://schemas.openxmlformats.org/officeDocument/2006/relationships" xmlns:p14="http://schemas.microsoft.com/office/powerpoint/2010/main" xmlns:p15="http://schemas.microsoft.com/office/powerpoint/2012/main" xmlns:mc="http://schemas.openxmlformats.org/markup-compatibility/2006" type="vertTx" preserve="1">
-  <p:cSld name="Title and Vertical Text">
+<p:sldLayout xmlns:a="http://schemas.openxmlformats.org/drawingml/2006/main" xmlns:p="http://schemas.openxmlformats.org/presentationml/2006/main" xmlns:r="http://schemas.openxmlformats.org/officeDocument/2006/relationships" xmlns:p14="http://schemas.microsoft.com/office/powerpoint/2010/main" xmlns:p15="http://schemas.microsoft.com/office/powerpoint/2012/main" xmlns:mc="http://schemas.openxmlformats.org/markup-compatibility/2006" type="blank" preserve="1">
+  <p:cSld name="Picture with Caption">
     <p:bg>
       <p:bgPr>
         <a:solidFill>
@@ -5187,7 +5079,7 @@
       </p:grpSpPr>
       <p:pic>
         <p:nvPicPr>
-          <p:cNvPr id="53" name="Picture 10"/>
+          <p:cNvPr id="52" name="Picture 10"/>
           <p:cNvPicPr/>
           <p:nvPr/>
         </p:nvPicPr>
@@ -5198,7 +5090,7 @@
         <p:spPr>
           <a:xfrm>
             <a:off x="0" y="0"/>
-            <a:ext cx="12184200" cy="6850080"/>
+            <a:ext cx="12183840" cy="6849720"/>
           </a:xfrm>
           <a:prstGeom prst="rect">
             <a:avLst/>
@@ -5211,7 +5103,7 @@
       </p:pic>
       <p:sp>
         <p:nvSpPr>
-          <p:cNvPr id="54" name="PlaceHolder 1"/>
+          <p:cNvPr id="53" name="PlaceHolder 1"/>
           <p:cNvSpPr>
             <a:spLocks noGrp="1"/>
           </p:cNvSpPr>
@@ -5221,8 +5113,8 @@
         </p:nvSpPr>
         <p:spPr>
           <a:xfrm>
-            <a:off x="609480" y="190440"/>
-            <a:ext cx="10964880" cy="574560"/>
+            <a:off x="840240" y="457200"/>
+            <a:ext cx="3924360" cy="1591920"/>
           </a:xfrm>
           <a:prstGeom prst="rect">
             <a:avLst/>
@@ -5233,7 +5125,7 @@
           </a:ln>
         </p:spPr>
         <p:txBody>
-          <a:bodyPr lIns="90000" rIns="90000" tIns="45000" bIns="45000" anchor="ctr">
+          <a:bodyPr lIns="90000" rIns="90000" tIns="45000" bIns="45000" anchor="b">
             <a:noAutofit/>
           </a:bodyPr>
           <a:p>
@@ -5247,7 +5139,7 @@
               </a:tabLst>
             </a:pPr>
             <a:r>
-              <a:rPr lang="en-US" sz="3600" b="0" u="none" strike="noStrike">
+              <a:rPr lang="en-US" sz="3200" b="0" u="none" strike="noStrike">
                 <a:solidFill>
                   <a:schemeClr val="dk1"/>
                 </a:solidFill>
@@ -5258,7 +5150,7 @@
               </a:rPr>
               <a:t>Click to edit Master title style</a:t>
             </a:r>
-            <a:endParaRPr lang="en-US" sz="3600" b="0" u="none" strike="noStrike">
+            <a:endParaRPr lang="en-US" sz="3200" b="0" u="none" strike="noStrike">
               <a:solidFill>
                 <a:srgbClr val="000000"/>
               </a:solidFill>
@@ -5271,7 +5163,7 @@
       </p:sp>
       <p:sp>
         <p:nvSpPr>
-          <p:cNvPr id="55" name="PlaceHolder 2"/>
+          <p:cNvPr id="54" name="PlaceHolder 2"/>
           <p:cNvSpPr>
             <a:spLocks noGrp="1"/>
           </p:cNvSpPr>
@@ -5281,8 +5173,282 @@
         </p:nvSpPr>
         <p:spPr>
           <a:xfrm>
-            <a:off x="609480" y="1174680"/>
-            <a:ext cx="10964880" cy="4944960"/>
+            <a:off x="5183640" y="987480"/>
+            <a:ext cx="6163920" cy="4865400"/>
+          </a:xfrm>
+          <a:prstGeom prst="rect">
+            <a:avLst/>
+          </a:prstGeom>
+          <a:noFill/>
+          <a:ln w="0">
+            <a:noFill/>
+          </a:ln>
+        </p:spPr>
+        <p:txBody>
+          <a:bodyPr numCol="1" spcCol="0" lIns="91440" rIns="91440" tIns="45720" bIns="45720" anchor="t">
+            <a:noAutofit/>
+          </a:bodyPr>
+          <a:p>
+            <a:pPr marL="431640" indent="-324000">
+              <a:lnSpc>
+                <a:spcPct val="100000"/>
+              </a:lnSpc>
+              <a:spcBef>
+                <a:spcPts val="1414"/>
+              </a:spcBef>
+              <a:buClr>
+                <a:srgbClr val="000000"/>
+              </a:buClr>
+              <a:buSzPct val="45000"/>
+              <a:buFont typeface="Wingdings" charset="2"/>
+              <a:buChar char=""/>
+            </a:pPr>
+            <a:r>
+              <a:rPr lang="en-US" sz="3200" b="0" u="none" strike="noStrike">
+                <a:solidFill>
+                  <a:schemeClr val="dk1"/>
+                </a:solidFill>
+                <a:effectLst/>
+                <a:uFillTx/>
+                <a:latin typeface="Arial"/>
+              </a:rPr>
+              <a:t>Click to edit the outline text format</a:t>
+            </a:r>
+            <a:endParaRPr lang="en-US" sz="3200" b="0" u="none" strike="noStrike">
+              <a:solidFill>
+                <a:srgbClr val="000000"/>
+              </a:solidFill>
+              <a:effectLst/>
+              <a:uFillTx/>
+              <a:latin typeface="Arial"/>
+            </a:endParaRPr>
+          </a:p>
+          <a:p>
+            <a:pPr marL="864360" lvl="1" indent="-324000">
+              <a:lnSpc>
+                <a:spcPct val="100000"/>
+              </a:lnSpc>
+              <a:spcBef>
+                <a:spcPts val="1134"/>
+              </a:spcBef>
+              <a:buClr>
+                <a:srgbClr val="000000"/>
+              </a:buClr>
+              <a:buSzPct val="75000"/>
+              <a:buFont typeface="Symbol" charset="2"/>
+              <a:buChar char=""/>
+            </a:pPr>
+            <a:r>
+              <a:rPr lang="en-US" sz="3200" b="0" u="none" strike="noStrike">
+                <a:solidFill>
+                  <a:schemeClr val="dk1"/>
+                </a:solidFill>
+                <a:effectLst/>
+                <a:uFillTx/>
+                <a:latin typeface="Arial"/>
+              </a:rPr>
+              <a:t>Second Outline Level</a:t>
+            </a:r>
+            <a:endParaRPr lang="en-US" sz="3200" b="0" u="none" strike="noStrike">
+              <a:solidFill>
+                <a:srgbClr val="000000"/>
+              </a:solidFill>
+              <a:effectLst/>
+              <a:uFillTx/>
+              <a:latin typeface="Arial"/>
+            </a:endParaRPr>
+          </a:p>
+          <a:p>
+            <a:pPr marL="1296000" lvl="2" indent="-288360">
+              <a:lnSpc>
+                <a:spcPct val="100000"/>
+              </a:lnSpc>
+              <a:spcBef>
+                <a:spcPts val="850"/>
+              </a:spcBef>
+              <a:buClr>
+                <a:srgbClr val="000000"/>
+              </a:buClr>
+              <a:buSzPct val="45000"/>
+              <a:buFont typeface="Wingdings" charset="2"/>
+              <a:buChar char=""/>
+            </a:pPr>
+            <a:r>
+              <a:rPr lang="en-US" sz="3200" b="0" u="none" strike="noStrike">
+                <a:solidFill>
+                  <a:schemeClr val="dk1"/>
+                </a:solidFill>
+                <a:effectLst/>
+                <a:uFillTx/>
+                <a:latin typeface="Arial"/>
+              </a:rPr>
+              <a:t>Third Outline Level</a:t>
+            </a:r>
+            <a:endParaRPr lang="en-US" sz="3200" b="0" u="none" strike="noStrike">
+              <a:solidFill>
+                <a:srgbClr val="000000"/>
+              </a:solidFill>
+              <a:effectLst/>
+              <a:uFillTx/>
+              <a:latin typeface="Arial"/>
+            </a:endParaRPr>
+          </a:p>
+          <a:p>
+            <a:pPr marL="1728000" lvl="3" indent="-216000">
+              <a:lnSpc>
+                <a:spcPct val="100000"/>
+              </a:lnSpc>
+              <a:spcBef>
+                <a:spcPts val="564"/>
+              </a:spcBef>
+              <a:buClr>
+                <a:srgbClr val="000000"/>
+              </a:buClr>
+              <a:buSzPct val="75000"/>
+              <a:buFont typeface="Symbol" charset="2"/>
+              <a:buChar char=""/>
+            </a:pPr>
+            <a:r>
+              <a:rPr lang="en-US" sz="3200" b="0" u="none" strike="noStrike">
+                <a:solidFill>
+                  <a:schemeClr val="dk1"/>
+                </a:solidFill>
+                <a:effectLst/>
+                <a:uFillTx/>
+                <a:latin typeface="Arial"/>
+              </a:rPr>
+              <a:t>Fourth Outline Level</a:t>
+            </a:r>
+            <a:endParaRPr lang="en-US" sz="3200" b="0" u="none" strike="noStrike">
+              <a:solidFill>
+                <a:srgbClr val="000000"/>
+              </a:solidFill>
+              <a:effectLst/>
+              <a:uFillTx/>
+              <a:latin typeface="Arial"/>
+            </a:endParaRPr>
+          </a:p>
+          <a:p>
+            <a:pPr marL="2160360" lvl="4" indent="-216000">
+              <a:lnSpc>
+                <a:spcPct val="100000"/>
+              </a:lnSpc>
+              <a:spcBef>
+                <a:spcPts val="286"/>
+              </a:spcBef>
+              <a:buClr>
+                <a:srgbClr val="000000"/>
+              </a:buClr>
+              <a:buSzPct val="45000"/>
+              <a:buFont typeface="Wingdings" charset="2"/>
+              <a:buChar char=""/>
+            </a:pPr>
+            <a:r>
+              <a:rPr lang="en-US" sz="3200" b="0" u="none" strike="noStrike">
+                <a:solidFill>
+                  <a:schemeClr val="dk1"/>
+                </a:solidFill>
+                <a:effectLst/>
+                <a:uFillTx/>
+                <a:latin typeface="Arial"/>
+              </a:rPr>
+              <a:t>Fifth Outline Level</a:t>
+            </a:r>
+            <a:endParaRPr lang="en-US" sz="3200" b="0" u="none" strike="noStrike">
+              <a:solidFill>
+                <a:srgbClr val="000000"/>
+              </a:solidFill>
+              <a:effectLst/>
+              <a:uFillTx/>
+              <a:latin typeface="Arial"/>
+            </a:endParaRPr>
+          </a:p>
+          <a:p>
+            <a:pPr marL="2592000" lvl="5" indent="-216000">
+              <a:lnSpc>
+                <a:spcPct val="100000"/>
+              </a:lnSpc>
+              <a:spcBef>
+                <a:spcPts val="286"/>
+              </a:spcBef>
+              <a:buClr>
+                <a:srgbClr val="000000"/>
+              </a:buClr>
+              <a:buSzPct val="45000"/>
+              <a:buFont typeface="Wingdings" charset="2"/>
+              <a:buChar char=""/>
+            </a:pPr>
+            <a:r>
+              <a:rPr lang="en-US" sz="3200" b="0" u="none" strike="noStrike">
+                <a:solidFill>
+                  <a:schemeClr val="dk1"/>
+                </a:solidFill>
+                <a:effectLst/>
+                <a:uFillTx/>
+                <a:latin typeface="Arial"/>
+              </a:rPr>
+              <a:t>Sixth Outline Level</a:t>
+            </a:r>
+            <a:endParaRPr lang="en-US" sz="3200" b="0" u="none" strike="noStrike">
+              <a:solidFill>
+                <a:srgbClr val="000000"/>
+              </a:solidFill>
+              <a:effectLst/>
+              <a:uFillTx/>
+              <a:latin typeface="Arial"/>
+            </a:endParaRPr>
+          </a:p>
+          <a:p>
+            <a:pPr marL="3024000" lvl="6" indent="-216000">
+              <a:lnSpc>
+                <a:spcPct val="100000"/>
+              </a:lnSpc>
+              <a:spcBef>
+                <a:spcPts val="286"/>
+              </a:spcBef>
+              <a:buClr>
+                <a:srgbClr val="000000"/>
+              </a:buClr>
+              <a:buSzPct val="45000"/>
+              <a:buFont typeface="Wingdings" charset="2"/>
+              <a:buChar char=""/>
+            </a:pPr>
+            <a:r>
+              <a:rPr lang="en-US" sz="3200" b="0" u="none" strike="noStrike">
+                <a:solidFill>
+                  <a:schemeClr val="dk1"/>
+                </a:solidFill>
+                <a:effectLst/>
+                <a:uFillTx/>
+                <a:latin typeface="Arial"/>
+              </a:rPr>
+              <a:t>Seventh Outline Level</a:t>
+            </a:r>
+            <a:endParaRPr lang="en-US" sz="3200" b="0" u="none" strike="noStrike">
+              <a:solidFill>
+                <a:srgbClr val="000000"/>
+              </a:solidFill>
+              <a:effectLst/>
+              <a:uFillTx/>
+              <a:latin typeface="Arial"/>
+            </a:endParaRPr>
+          </a:p>
+        </p:txBody>
+      </p:sp>
+      <p:sp>
+        <p:nvSpPr>
+          <p:cNvPr id="55" name="PlaceHolder 3"/>
+          <p:cNvSpPr>
+            <a:spLocks noGrp="1"/>
+          </p:cNvSpPr>
+          <p:nvPr>
+            <p:ph type="body"/>
+          </p:nvPr>
+        </p:nvSpPr>
+        <p:spPr>
+          <a:xfrm>
+            <a:off x="840240" y="2057400"/>
+            <a:ext cx="3924360" cy="3803400"/>
           </a:xfrm>
           <a:prstGeom prst="rect">
             <a:avLst/>
@@ -5293,25 +5459,24 @@
           </a:ln>
         </p:spPr>
         <p:txBody>
-          <a:bodyPr lIns="45000" rIns="45000" tIns="90000" bIns="90000" anchor="t" vert="eaVert">
+          <a:bodyPr lIns="90000" rIns="90000" tIns="45000" bIns="45000" anchor="t">
             <a:noAutofit/>
           </a:bodyPr>
           <a:p>
-            <a:pPr marL="343080" indent="-343080">
+            <a:pPr indent="0">
               <a:lnSpc>
                 <a:spcPct val="100000"/>
               </a:lnSpc>
               <a:spcBef>
-                <a:spcPts val="641"/>
+                <a:spcPts val="320"/>
               </a:spcBef>
-              <a:buClr>
-                <a:srgbClr val="000000"/>
-              </a:buClr>
-              <a:buFont typeface="Symbol" charset="2"/>
-              <a:buChar char=""/>
-            </a:pPr>
-            <a:r>
-              <a:rPr lang="en-US" sz="3200" b="0" u="none" strike="noStrike">
+              <a:buNone/>
+              <a:tabLst>
+                <a:tab algn="l" pos="0"/>
+              </a:tabLst>
+            </a:pPr>
+            <a:r>
+              <a:rPr lang="en-US" sz="1600" b="0" u="none" strike="noStrike">
                 <a:solidFill>
                   <a:schemeClr val="dk1"/>
                 </a:solidFill>
@@ -5322,147 +5487,7 @@
               </a:rPr>
               <a:t>Click to edit Master text styles</a:t>
             </a:r>
-            <a:endParaRPr lang="en-US" sz="3200" b="0" u="none" strike="noStrike">
-              <a:solidFill>
-                <a:srgbClr val="000000"/>
-              </a:solidFill>
-              <a:effectLst/>
-              <a:uFillTx/>
-              <a:latin typeface="Arial"/>
-            </a:endParaRPr>
-          </a:p>
-          <a:p>
-            <a:pPr marL="743040" lvl="1" indent="-285840">
-              <a:lnSpc>
-                <a:spcPct val="100000"/>
-              </a:lnSpc>
-              <a:spcBef>
-                <a:spcPts val="561"/>
-              </a:spcBef>
-              <a:buClr>
-                <a:srgbClr val="000000"/>
-              </a:buClr>
-              <a:buFont typeface="Symbol" charset="2"/>
-              <a:buChar char=""/>
-            </a:pPr>
-            <a:r>
-              <a:rPr lang="en-US" sz="2800" b="0" u="none" strike="noStrike">
-                <a:solidFill>
-                  <a:schemeClr val="dk1"/>
-                </a:solidFill>
-                <a:effectLst/>
-                <a:uFillTx/>
-                <a:latin typeface="Arial"/>
-                <a:ea typeface="SimSun"/>
-              </a:rPr>
-              <a:t>Second level</a:t>
-            </a:r>
-            <a:endParaRPr lang="en-US" sz="2800" b="0" u="none" strike="noStrike">
-              <a:solidFill>
-                <a:srgbClr val="000000"/>
-              </a:solidFill>
-              <a:effectLst/>
-              <a:uFillTx/>
-              <a:latin typeface="Arial"/>
-            </a:endParaRPr>
-          </a:p>
-          <a:p>
-            <a:pPr marL="1143000" lvl="2" indent="-228600">
-              <a:lnSpc>
-                <a:spcPct val="100000"/>
-              </a:lnSpc>
-              <a:spcBef>
-                <a:spcPts val="479"/>
-              </a:spcBef>
-              <a:buClr>
-                <a:srgbClr val="000000"/>
-              </a:buClr>
-              <a:buFont typeface="Symbol" charset="2"/>
-              <a:buChar char=""/>
-            </a:pPr>
-            <a:r>
-              <a:rPr lang="en-US" sz="2400" b="0" u="none" strike="noStrike">
-                <a:solidFill>
-                  <a:schemeClr val="dk1"/>
-                </a:solidFill>
-                <a:effectLst/>
-                <a:uFillTx/>
-                <a:latin typeface="Arial"/>
-                <a:ea typeface="SimSun"/>
-              </a:rPr>
-              <a:t>Third level</a:t>
-            </a:r>
-            <a:endParaRPr lang="en-US" sz="2400" b="0" u="none" strike="noStrike">
-              <a:solidFill>
-                <a:srgbClr val="000000"/>
-              </a:solidFill>
-              <a:effectLst/>
-              <a:uFillTx/>
-              <a:latin typeface="Arial"/>
-            </a:endParaRPr>
-          </a:p>
-          <a:p>
-            <a:pPr marL="1600200" lvl="3" indent="-228600">
-              <a:lnSpc>
-                <a:spcPct val="100000"/>
-              </a:lnSpc>
-              <a:spcBef>
-                <a:spcPts val="400"/>
-              </a:spcBef>
-              <a:buClr>
-                <a:srgbClr val="000000"/>
-              </a:buClr>
-              <a:buFont typeface="Symbol" charset="2"/>
-              <a:buChar char=""/>
-            </a:pPr>
-            <a:r>
-              <a:rPr lang="en-US" sz="2000" b="0" u="none" strike="noStrike">
-                <a:solidFill>
-                  <a:schemeClr val="dk1"/>
-                </a:solidFill>
-                <a:effectLst/>
-                <a:uFillTx/>
-                <a:latin typeface="Arial"/>
-                <a:ea typeface="SimSun"/>
-              </a:rPr>
-              <a:t>Fourth level</a:t>
-            </a:r>
-            <a:endParaRPr lang="en-US" sz="2000" b="0" u="none" strike="noStrike">
-              <a:solidFill>
-                <a:srgbClr val="000000"/>
-              </a:solidFill>
-              <a:effectLst/>
-              <a:uFillTx/>
-              <a:latin typeface="Arial"/>
-            </a:endParaRPr>
-          </a:p>
-          <a:p>
-            <a:pPr marL="2057400" lvl="4" indent="-228600">
-              <a:lnSpc>
-                <a:spcPct val="100000"/>
-              </a:lnSpc>
-              <a:spcBef>
-                <a:spcPts val="400"/>
-              </a:spcBef>
-              <a:buClr>
-                <a:srgbClr val="000000"/>
-              </a:buClr>
-              <a:buFont typeface="OpenSymbol"/>
-              <a:buChar char="»"/>
-            </a:pPr>
-            <a:r>
-              <a:rPr lang="en-US" sz="2000" b="0" u="none" strike="noStrike">
-                <a:solidFill>
-                  <a:schemeClr val="dk1"/>
-                </a:solidFill>
-                <a:effectLst/>
-                <a:uFillTx/>
-                <a:latin typeface="Arial"/>
-                <a:ea typeface="SimSun"/>
-              </a:rPr>
-              <a:t>Fifth level</a:t>
-            </a:r>
-            <a:endParaRPr lang="en-US" sz="2000" b="0" u="none" strike="noStrike">
+            <a:endParaRPr lang="en-US" sz="1600" b="0" u="none" strike="noStrike">
               <a:solidFill>
                 <a:srgbClr val="000000"/>
               </a:solidFill>
@@ -5475,7 +5500,7 @@
       </p:sp>
       <p:sp>
         <p:nvSpPr>
-          <p:cNvPr id="56" name="PlaceHolder 3"/>
+          <p:cNvPr id="56" name="PlaceHolder 4"/>
           <p:cNvSpPr>
             <a:spLocks noGrp="1"/>
           </p:cNvSpPr>
@@ -5486,7 +5511,7 @@
         <p:spPr>
           <a:xfrm>
             <a:off x="609480" y="6245280"/>
-            <a:ext cx="2836800" cy="468360"/>
+            <a:ext cx="2836440" cy="468000"/>
           </a:xfrm>
           <a:prstGeom prst="rect">
             <a:avLst/>
@@ -5555,7 +5580,7 @@
       </p:sp>
       <p:sp>
         <p:nvSpPr>
-          <p:cNvPr id="57" name="PlaceHolder 4"/>
+          <p:cNvPr id="57" name="PlaceHolder 5"/>
           <p:cNvSpPr>
             <a:spLocks noGrp="1"/>
           </p:cNvSpPr>
@@ -5566,7 +5591,7 @@
         <p:spPr>
           <a:xfrm>
             <a:off x="4165560" y="6245280"/>
-            <a:ext cx="3852720" cy="468360"/>
+            <a:ext cx="3852360" cy="468000"/>
           </a:xfrm>
           <a:prstGeom prst="rect">
             <a:avLst/>
@@ -5635,7 +5660,7 @@
       </p:sp>
       <p:sp>
         <p:nvSpPr>
-          <p:cNvPr id="58" name="PlaceHolder 5"/>
+          <p:cNvPr id="58" name="PlaceHolder 6"/>
           <p:cNvSpPr>
             <a:spLocks noGrp="1"/>
           </p:cNvSpPr>
@@ -5646,7 +5671,7 @@
         <p:spPr>
           <a:xfrm>
             <a:off x="8737560" y="6245280"/>
-            <a:ext cx="2836800" cy="468360"/>
+            <a:ext cx="2836440" cy="468000"/>
           </a:xfrm>
           <a:prstGeom prst="rect">
             <a:avLst/>
@@ -5746,7 +5771,7 @@
         <p:spPr>
           <a:xfrm>
             <a:off x="734760" y="1720800"/>
-            <a:ext cx="10330560" cy="2892600"/>
+            <a:ext cx="10330200" cy="2892240"/>
           </a:xfrm>
           <a:prstGeom prst="rect">
             <a:avLst/>
@@ -5888,7 +5913,7 @@
         <p:spPr>
           <a:xfrm>
             <a:off x="232200" y="1828800"/>
-            <a:ext cx="11655000" cy="6066720"/>
+            <a:ext cx="11654640" cy="6066720"/>
           </a:xfrm>
           <a:prstGeom prst="rect">
             <a:avLst/>
@@ -6247,7 +6272,7 @@
         <p:spPr>
           <a:xfrm>
             <a:off x="609840" y="45720"/>
-            <a:ext cx="10964880" cy="488520"/>
+            <a:ext cx="10964520" cy="488160"/>
           </a:xfrm>
           <a:prstGeom prst="rect">
             <a:avLst/>
@@ -6284,6 +6309,7 @@
                 <a:effectLst/>
                 <a:uFillTx/>
                 <a:latin typeface="Arial"/>
+                <a:ea typeface="SimSun"/>
               </a:rPr>
               <a:t>Local Threshold </a:t>
             </a:r>
@@ -6311,7 +6337,7 @@
         <p:spPr>
           <a:xfrm>
             <a:off x="1600200" y="685800"/>
-            <a:ext cx="8735040" cy="1018800"/>
+            <a:ext cx="8734680" cy="1018440"/>
           </a:xfrm>
           <a:prstGeom prst="rect">
             <a:avLst/>
@@ -6364,7 +6390,7 @@
         <p:spPr>
           <a:xfrm>
             <a:off x="228600" y="685800"/>
-            <a:ext cx="11655000" cy="3948120"/>
+            <a:ext cx="11654640" cy="3948120"/>
           </a:xfrm>
           <a:prstGeom prst="rect">
             <a:avLst/>
@@ -6611,7 +6637,7 @@
         <p:spPr>
           <a:xfrm>
             <a:off x="609840" y="-720"/>
-            <a:ext cx="10964880" cy="581760"/>
+            <a:ext cx="10964520" cy="581400"/>
           </a:xfrm>
           <a:prstGeom prst="rect">
             <a:avLst/>
@@ -6648,6 +6674,7 @@
                 <a:effectLst/>
                 <a:uFillTx/>
                 <a:latin typeface="Arial"/>
+                <a:ea typeface="SimSun"/>
               </a:rPr>
               <a:t>Threshold block size</a:t>
             </a:r>
@@ -6671,7 +6698,7 @@
         <p:spPr>
           <a:xfrm>
             <a:off x="3429000" y="3657600"/>
-            <a:ext cx="685800" cy="685800"/>
+            <a:ext cx="685440" cy="685440"/>
           </a:xfrm>
           <a:prstGeom prst="rect">
             <a:avLst/>
@@ -6696,7 +6723,11 @@
             <a:noAutofit/>
           </a:bodyPr>
           <a:p>
-            <a:pPr algn="ctr"/>
+            <a:pPr algn="ctr">
+              <a:lnSpc>
+                <a:spcPct val="100000"/>
+              </a:lnSpc>
+            </a:pPr>
             <a:r>
               <a:rPr lang="en-US" sz="1800" b="0" u="none" strike="noStrike">
                 <a:solidFill>
@@ -6705,6 +6736,7 @@
                 <a:effectLst/>
                 <a:uFillTx/>
                 <a:latin typeface="Arial"/>
+                <a:ea typeface="SimSun"/>
               </a:rPr>
               <a:t>9</a:t>
             </a:r>
@@ -6728,7 +6760,7 @@
         <p:spPr>
           <a:xfrm>
             <a:off x="4800960" y="5029200"/>
-            <a:ext cx="685800" cy="685800"/>
+            <a:ext cx="685440" cy="685440"/>
           </a:xfrm>
           <a:prstGeom prst="rect">
             <a:avLst/>
@@ -6753,7 +6785,11 @@
             <a:noAutofit/>
           </a:bodyPr>
           <a:p>
-            <a:pPr algn="ctr"/>
+            <a:pPr algn="ctr">
+              <a:lnSpc>
+                <a:spcPct val="100000"/>
+              </a:lnSpc>
+            </a:pPr>
             <a:r>
               <a:rPr lang="en-US" sz="1800" b="0" u="none" strike="noStrike">
                 <a:solidFill>
@@ -6762,6 +6798,7 @@
                 <a:effectLst/>
                 <a:uFillTx/>
                 <a:latin typeface="Arial"/>
+                <a:ea typeface="SimSun"/>
               </a:rPr>
               <a:t>2</a:t>
             </a:r>
@@ -6785,7 +6822,7 @@
         <p:spPr>
           <a:xfrm>
             <a:off x="4114800" y="5029200"/>
-            <a:ext cx="685800" cy="685800"/>
+            <a:ext cx="685440" cy="685440"/>
           </a:xfrm>
           <a:prstGeom prst="rect">
             <a:avLst/>
@@ -6810,7 +6847,11 @@
             <a:noAutofit/>
           </a:bodyPr>
           <a:p>
-            <a:pPr algn="ctr"/>
+            <a:pPr algn="ctr">
+              <a:lnSpc>
+                <a:spcPct val="100000"/>
+              </a:lnSpc>
+            </a:pPr>
             <a:r>
               <a:rPr lang="en-US" sz="1800" b="0" u="none" strike="noStrike">
                 <a:solidFill>
@@ -6819,6 +6860,7 @@
                 <a:effectLst/>
                 <a:uFillTx/>
                 <a:latin typeface="Arial"/>
+                <a:ea typeface="SimSun"/>
               </a:rPr>
               <a:t>1</a:t>
             </a:r>
@@ -6842,7 +6884,7 @@
         <p:spPr>
           <a:xfrm>
             <a:off x="3429360" y="5029200"/>
-            <a:ext cx="685800" cy="685800"/>
+            <a:ext cx="685440" cy="685440"/>
           </a:xfrm>
           <a:prstGeom prst="rect">
             <a:avLst/>
@@ -6867,7 +6909,11 @@
             <a:noAutofit/>
           </a:bodyPr>
           <a:p>
-            <a:pPr algn="ctr"/>
+            <a:pPr algn="ctr">
+              <a:lnSpc>
+                <a:spcPct val="100000"/>
+              </a:lnSpc>
+            </a:pPr>
             <a:r>
               <a:rPr lang="en-US" sz="1800" b="0" u="none" strike="noStrike">
                 <a:solidFill>
@@ -6876,6 +6922,7 @@
                 <a:effectLst/>
                 <a:uFillTx/>
                 <a:latin typeface="Arial"/>
+                <a:ea typeface="SimSun"/>
               </a:rPr>
               <a:t>3</a:t>
             </a:r>
@@ -6899,7 +6946,7 @@
         <p:spPr>
           <a:xfrm>
             <a:off x="4800600" y="4343400"/>
-            <a:ext cx="685800" cy="685800"/>
+            <a:ext cx="685440" cy="685440"/>
           </a:xfrm>
           <a:prstGeom prst="rect">
             <a:avLst/>
@@ -6924,7 +6971,11 @@
             <a:noAutofit/>
           </a:bodyPr>
           <a:p>
-            <a:pPr algn="ctr"/>
+            <a:pPr algn="ctr">
+              <a:lnSpc>
+                <a:spcPct val="100000"/>
+              </a:lnSpc>
+            </a:pPr>
             <a:r>
               <a:rPr lang="en-US" sz="1800" b="0" u="none" strike="noStrike">
                 <a:solidFill>
@@ -6933,6 +6984,7 @@
                 <a:effectLst/>
                 <a:uFillTx/>
                 <a:latin typeface="Arial"/>
+                <a:ea typeface="SimSun"/>
               </a:rPr>
               <a:t>5</a:t>
             </a:r>
@@ -6956,7 +7008,7 @@
         <p:spPr>
           <a:xfrm>
             <a:off x="4800600" y="3657600"/>
-            <a:ext cx="685800" cy="685800"/>
+            <a:ext cx="685440" cy="685440"/>
           </a:xfrm>
           <a:prstGeom prst="rect">
             <a:avLst/>
@@ -6981,7 +7033,11 @@
             <a:noAutofit/>
           </a:bodyPr>
           <a:p>
-            <a:pPr algn="ctr"/>
+            <a:pPr algn="ctr">
+              <a:lnSpc>
+                <a:spcPct val="100000"/>
+              </a:lnSpc>
+            </a:pPr>
             <a:r>
               <a:rPr lang="en-US" sz="1800" b="0" u="none" strike="noStrike">
                 <a:solidFill>
@@ -6990,6 +7046,7 @@
                 <a:effectLst/>
                 <a:uFillTx/>
                 <a:latin typeface="Arial"/>
+                <a:ea typeface="SimSun"/>
               </a:rPr>
               <a:t>8</a:t>
             </a:r>
@@ -7013,7 +7070,7 @@
         <p:spPr>
           <a:xfrm>
             <a:off x="4115160" y="4343400"/>
-            <a:ext cx="685800" cy="685800"/>
+            <a:ext cx="685440" cy="685440"/>
           </a:xfrm>
           <a:prstGeom prst="rect">
             <a:avLst/>
@@ -7038,7 +7095,11 @@
             <a:noAutofit/>
           </a:bodyPr>
           <a:p>
-            <a:pPr algn="ctr"/>
+            <a:pPr algn="ctr">
+              <a:lnSpc>
+                <a:spcPct val="100000"/>
+              </a:lnSpc>
+            </a:pPr>
             <a:r>
               <a:rPr lang="en-US" sz="1800" b="0" u="none" strike="noStrike">
                 <a:solidFill>
@@ -7047,6 +7108,7 @@
                 <a:effectLst/>
                 <a:uFillTx/>
                 <a:latin typeface="Arial"/>
+                <a:ea typeface="SimSun"/>
               </a:rPr>
               <a:t>10</a:t>
             </a:r>
@@ -7070,7 +7132,7 @@
         <p:spPr>
           <a:xfrm>
             <a:off x="4114800" y="3657600"/>
-            <a:ext cx="685800" cy="685800"/>
+            <a:ext cx="685440" cy="685440"/>
           </a:xfrm>
           <a:prstGeom prst="rect">
             <a:avLst/>
@@ -7095,7 +7157,11 @@
             <a:noAutofit/>
           </a:bodyPr>
           <a:p>
-            <a:pPr algn="ctr"/>
+            <a:pPr algn="ctr">
+              <a:lnSpc>
+                <a:spcPct val="100000"/>
+              </a:lnSpc>
+            </a:pPr>
             <a:r>
               <a:rPr lang="en-US" sz="1800" b="0" u="none" strike="noStrike">
                 <a:solidFill>
@@ -7104,6 +7170,7 @@
                 <a:effectLst/>
                 <a:uFillTx/>
                 <a:latin typeface="Arial"/>
+                <a:ea typeface="SimSun"/>
               </a:rPr>
               <a:t>8</a:t>
             </a:r>
@@ -7127,7 +7194,7 @@
         <p:spPr>
           <a:xfrm>
             <a:off x="3429360" y="4343400"/>
-            <a:ext cx="685800" cy="685800"/>
+            <a:ext cx="685440" cy="685440"/>
           </a:xfrm>
           <a:prstGeom prst="rect">
             <a:avLst/>
@@ -7152,7 +7219,11 @@
             <a:noAutofit/>
           </a:bodyPr>
           <a:p>
-            <a:pPr algn="ctr"/>
+            <a:pPr algn="ctr">
+              <a:lnSpc>
+                <a:spcPct val="100000"/>
+              </a:lnSpc>
+            </a:pPr>
             <a:r>
               <a:rPr lang="en-US" sz="1800" b="0" u="none" strike="noStrike">
                 <a:solidFill>
@@ -7161,6 +7232,7 @@
                 <a:effectLst/>
                 <a:uFillTx/>
                 <a:latin typeface="Arial"/>
+                <a:ea typeface="SimSun"/>
               </a:rPr>
               <a:t>10</a:t>
             </a:r>
@@ -7184,7 +7256,7 @@
         <p:spPr>
           <a:xfrm>
             <a:off x="7086600" y="3657600"/>
-            <a:ext cx="685800" cy="685800"/>
+            <a:ext cx="685440" cy="685440"/>
           </a:xfrm>
           <a:prstGeom prst="rect">
             <a:avLst/>
@@ -7209,7 +7281,11 @@
             <a:noAutofit/>
           </a:bodyPr>
           <a:p>
-            <a:pPr algn="ctr"/>
+            <a:pPr algn="ctr">
+              <a:lnSpc>
+                <a:spcPct val="100000"/>
+              </a:lnSpc>
+            </a:pPr>
             <a:endParaRPr lang="en-US" sz="1800" b="0" u="none" strike="noStrike">
               <a:solidFill>
                 <a:srgbClr val="000000"/>
@@ -7217,6 +7293,7 @@
               <a:effectLst/>
               <a:uFillTx/>
               <a:latin typeface="Arial"/>
+              <a:ea typeface="SimSun"/>
             </a:endParaRPr>
           </a:p>
         </p:txBody>
@@ -7230,7 +7307,7 @@
         <p:spPr>
           <a:xfrm>
             <a:off x="8458560" y="5029200"/>
-            <a:ext cx="685800" cy="685800"/>
+            <a:ext cx="685440" cy="685440"/>
           </a:xfrm>
           <a:prstGeom prst="rect">
             <a:avLst/>
@@ -7255,7 +7332,11 @@
             <a:noAutofit/>
           </a:bodyPr>
           <a:p>
-            <a:pPr algn="ctr"/>
+            <a:pPr algn="ctr">
+              <a:lnSpc>
+                <a:spcPct val="100000"/>
+              </a:lnSpc>
+            </a:pPr>
             <a:endParaRPr lang="en-US" sz="1800" b="0" u="none" strike="noStrike">
               <a:solidFill>
                 <a:srgbClr val="000000"/>
@@ -7263,6 +7344,7 @@
               <a:effectLst/>
               <a:uFillTx/>
               <a:latin typeface="Arial"/>
+              <a:ea typeface="SimSun"/>
             </a:endParaRPr>
           </a:p>
         </p:txBody>
@@ -7276,7 +7358,7 @@
         <p:spPr>
           <a:xfrm>
             <a:off x="7772400" y="5029200"/>
-            <a:ext cx="685800" cy="685800"/>
+            <a:ext cx="685440" cy="685440"/>
           </a:xfrm>
           <a:prstGeom prst="rect">
             <a:avLst/>
@@ -7301,7 +7383,11 @@
             <a:noAutofit/>
           </a:bodyPr>
           <a:p>
-            <a:pPr algn="ctr"/>
+            <a:pPr algn="ctr">
+              <a:lnSpc>
+                <a:spcPct val="100000"/>
+              </a:lnSpc>
+            </a:pPr>
             <a:endParaRPr lang="en-US" sz="1800" b="0" u="none" strike="noStrike">
               <a:solidFill>
                 <a:srgbClr val="000000"/>
@@ -7309,6 +7395,7 @@
               <a:effectLst/>
               <a:uFillTx/>
               <a:latin typeface="Arial"/>
+              <a:ea typeface="SimSun"/>
             </a:endParaRPr>
           </a:p>
         </p:txBody>
@@ -7322,7 +7409,7 @@
         <p:spPr>
           <a:xfrm>
             <a:off x="7086960" y="5029200"/>
-            <a:ext cx="685800" cy="685800"/>
+            <a:ext cx="685440" cy="685440"/>
           </a:xfrm>
           <a:prstGeom prst="rect">
             <a:avLst/>
@@ -7347,7 +7434,11 @@
             <a:noAutofit/>
           </a:bodyPr>
           <a:p>
-            <a:pPr algn="ctr"/>
+            <a:pPr algn="ctr">
+              <a:lnSpc>
+                <a:spcPct val="100000"/>
+              </a:lnSpc>
+            </a:pPr>
             <a:endParaRPr lang="en-US" sz="1800" b="0" u="none" strike="noStrike">
               <a:solidFill>
                 <a:srgbClr val="000000"/>
@@ -7355,6 +7446,7 @@
               <a:effectLst/>
               <a:uFillTx/>
               <a:latin typeface="Arial"/>
+              <a:ea typeface="SimSun"/>
             </a:endParaRPr>
           </a:p>
         </p:txBody>
@@ -7368,7 +7460,7 @@
         <p:spPr>
           <a:xfrm>
             <a:off x="8458200" y="4343400"/>
-            <a:ext cx="685800" cy="685800"/>
+            <a:ext cx="685440" cy="685440"/>
           </a:xfrm>
           <a:prstGeom prst="rect">
             <a:avLst/>
@@ -7393,7 +7485,11 @@
             <a:noAutofit/>
           </a:bodyPr>
           <a:p>
-            <a:pPr algn="ctr"/>
+            <a:pPr algn="ctr">
+              <a:lnSpc>
+                <a:spcPct val="100000"/>
+              </a:lnSpc>
+            </a:pPr>
             <a:endParaRPr lang="en-US" sz="1800" b="0" u="none" strike="noStrike">
               <a:solidFill>
                 <a:srgbClr val="000000"/>
@@ -7401,6 +7497,7 @@
               <a:effectLst/>
               <a:uFillTx/>
               <a:latin typeface="Arial"/>
+              <a:ea typeface="SimSun"/>
             </a:endParaRPr>
           </a:p>
         </p:txBody>
@@ -7414,7 +7511,7 @@
         <p:spPr>
           <a:xfrm>
             <a:off x="8458200" y="3657600"/>
-            <a:ext cx="685800" cy="685800"/>
+            <a:ext cx="685440" cy="685440"/>
           </a:xfrm>
           <a:prstGeom prst="rect">
             <a:avLst/>
@@ -7439,7 +7536,11 @@
             <a:noAutofit/>
           </a:bodyPr>
           <a:p>
-            <a:pPr algn="ctr"/>
+            <a:pPr algn="ctr">
+              <a:lnSpc>
+                <a:spcPct val="100000"/>
+              </a:lnSpc>
+            </a:pPr>
             <a:endParaRPr lang="en-US" sz="1800" b="0" u="none" strike="noStrike">
               <a:solidFill>
                 <a:srgbClr val="000000"/>
@@ -7447,6 +7548,7 @@
               <a:effectLst/>
               <a:uFillTx/>
               <a:latin typeface="Arial"/>
+              <a:ea typeface="SimSun"/>
             </a:endParaRPr>
           </a:p>
         </p:txBody>
@@ -7460,7 +7562,7 @@
         <p:spPr>
           <a:xfrm>
             <a:off x="7772760" y="4343400"/>
-            <a:ext cx="685800" cy="685800"/>
+            <a:ext cx="685440" cy="685440"/>
           </a:xfrm>
           <a:prstGeom prst="rect">
             <a:avLst/>
@@ -7485,7 +7587,11 @@
             <a:noAutofit/>
           </a:bodyPr>
           <a:p>
-            <a:pPr algn="ctr"/>
+            <a:pPr algn="ctr">
+              <a:lnSpc>
+                <a:spcPct val="100000"/>
+              </a:lnSpc>
+            </a:pPr>
             <a:endParaRPr lang="en-US" sz="1800" b="0" u="none" strike="noStrike">
               <a:solidFill>
                 <a:srgbClr val="000000"/>
@@ -7493,6 +7599,7 @@
               <a:effectLst/>
               <a:uFillTx/>
               <a:latin typeface="Arial"/>
+              <a:ea typeface="SimSun"/>
             </a:endParaRPr>
           </a:p>
         </p:txBody>
@@ -7506,7 +7613,7 @@
         <p:spPr>
           <a:xfrm>
             <a:off x="7772400" y="3657600"/>
-            <a:ext cx="685800" cy="685800"/>
+            <a:ext cx="685440" cy="685440"/>
           </a:xfrm>
           <a:prstGeom prst="rect">
             <a:avLst/>
@@ -7531,7 +7638,11 @@
             <a:noAutofit/>
           </a:bodyPr>
           <a:p>
-            <a:pPr algn="ctr"/>
+            <a:pPr algn="ctr">
+              <a:lnSpc>
+                <a:spcPct val="100000"/>
+              </a:lnSpc>
+            </a:pPr>
             <a:endParaRPr lang="en-US" sz="1800" b="0" u="none" strike="noStrike">
               <a:solidFill>
                 <a:srgbClr val="000000"/>
@@ -7539,6 +7650,7 @@
               <a:effectLst/>
               <a:uFillTx/>
               <a:latin typeface="Arial"/>
+              <a:ea typeface="SimSun"/>
             </a:endParaRPr>
           </a:p>
         </p:txBody>
@@ -7552,7 +7664,7 @@
         <p:spPr>
           <a:xfrm>
             <a:off x="7086960" y="4343400"/>
-            <a:ext cx="685800" cy="685800"/>
+            <a:ext cx="685440" cy="685440"/>
           </a:xfrm>
           <a:prstGeom prst="rect">
             <a:avLst/>
@@ -7577,7 +7689,11 @@
             <a:noAutofit/>
           </a:bodyPr>
           <a:p>
-            <a:pPr algn="ctr"/>
+            <a:pPr algn="ctr">
+              <a:lnSpc>
+                <a:spcPct val="100000"/>
+              </a:lnSpc>
+            </a:pPr>
             <a:endParaRPr lang="en-US" sz="1800" b="0" u="none" strike="noStrike">
               <a:solidFill>
                 <a:srgbClr val="000000"/>
@@ -7585,6 +7701,7 @@
               <a:effectLst/>
               <a:uFillTx/>
               <a:latin typeface="Arial"/>
+              <a:ea typeface="SimSun"/>
             </a:endParaRPr>
           </a:p>
         </p:txBody>
@@ -7598,7 +7715,7 @@
         <p:spPr>
           <a:xfrm>
             <a:off x="9372600" y="3657600"/>
-            <a:ext cx="685800" cy="685800"/>
+            <a:ext cx="685440" cy="685440"/>
           </a:xfrm>
           <a:prstGeom prst="rect">
             <a:avLst/>
@@ -7623,7 +7740,11 @@
             <a:noAutofit/>
           </a:bodyPr>
           <a:p>
-            <a:pPr algn="ctr"/>
+            <a:pPr algn="ctr">
+              <a:lnSpc>
+                <a:spcPct val="100000"/>
+              </a:lnSpc>
+            </a:pPr>
             <a:endParaRPr lang="en-US" sz="1800" b="0" u="none" strike="noStrike">
               <a:solidFill>
                 <a:srgbClr val="000000"/>
@@ -7631,6 +7752,7 @@
               <a:effectLst/>
               <a:uFillTx/>
               <a:latin typeface="Arial"/>
+              <a:ea typeface="SimSun"/>
             </a:endParaRPr>
           </a:p>
         </p:txBody>
@@ -7644,7 +7766,7 @@
         <p:spPr>
           <a:xfrm>
             <a:off x="9372600" y="4800600"/>
-            <a:ext cx="685800" cy="685800"/>
+            <a:ext cx="685440" cy="685440"/>
           </a:xfrm>
           <a:prstGeom prst="rect">
             <a:avLst/>
@@ -7669,6 +7791,11 @@
             <a:noAutofit/>
           </a:bodyPr>
           <a:p>
+            <a:pPr>
+              <a:lnSpc>
+                <a:spcPct val="100000"/>
+              </a:lnSpc>
+            </a:pPr>
             <a:endParaRPr lang="en-US" sz="1800" b="0" u="none" strike="noStrike">
               <a:solidFill>
                 <a:srgbClr val="000000"/>
@@ -7676,6 +7803,7 @@
               <a:effectLst/>
               <a:uFillTx/>
               <a:latin typeface="Arial"/>
+              <a:ea typeface="SimSun"/>
             </a:endParaRPr>
           </a:p>
         </p:txBody>
@@ -7683,13 +7811,13 @@
       <p:sp>
         <p:nvSpPr>
           <p:cNvPr id="125" name=""/>
-          <p:cNvSpPr txBox="1"/>
+          <p:cNvSpPr/>
           <p:nvPr/>
         </p:nvSpPr>
         <p:spPr>
           <a:xfrm>
             <a:off x="10058400" y="3657600"/>
-            <a:ext cx="2057400" cy="685800"/>
+            <a:ext cx="2057040" cy="685440"/>
           </a:xfrm>
           <a:prstGeom prst="rect">
             <a:avLst/>
@@ -7699,11 +7827,22 @@
             <a:noFill/>
           </a:ln>
         </p:spPr>
+        <p:style>
+          <a:lnRef idx="0"/>
+          <a:fillRef idx="0"/>
+          <a:effectRef idx="0"/>
+          <a:fontRef idx="minor"/>
+        </p:style>
         <p:txBody>
           <a:bodyPr lIns="90000" rIns="90000" tIns="45000" bIns="45000" anchor="t">
             <a:spAutoFit/>
           </a:bodyPr>
           <a:p>
+            <a:pPr>
+              <a:lnSpc>
+                <a:spcPct val="100000"/>
+              </a:lnSpc>
+            </a:pPr>
             <a:r>
               <a:rPr lang="en-US" sz="1800" b="0" u="none" strike="noStrike">
                 <a:solidFill>
@@ -7729,13 +7868,13 @@
       <p:sp>
         <p:nvSpPr>
           <p:cNvPr id="126" name=""/>
-          <p:cNvSpPr txBox="1"/>
+          <p:cNvSpPr/>
           <p:nvPr/>
         </p:nvSpPr>
         <p:spPr>
           <a:xfrm>
             <a:off x="10058400" y="4800600"/>
-            <a:ext cx="2057400" cy="685800"/>
+            <a:ext cx="2057040" cy="685440"/>
           </a:xfrm>
           <a:prstGeom prst="rect">
             <a:avLst/>
@@ -7745,11 +7884,22 @@
             <a:noFill/>
           </a:ln>
         </p:spPr>
+        <p:style>
+          <a:lnRef idx="0"/>
+          <a:fillRef idx="0"/>
+          <a:effectRef idx="0"/>
+          <a:fontRef idx="minor"/>
+        </p:style>
         <p:txBody>
           <a:bodyPr lIns="90000" rIns="90000" tIns="45000" bIns="45000" anchor="t">
             <a:spAutoFit/>
           </a:bodyPr>
           <a:p>
+            <a:pPr>
+              <a:lnSpc>
+                <a:spcPct val="100000"/>
+              </a:lnSpc>
+            </a:pPr>
             <a:r>
               <a:rPr lang="en-US" sz="1800" b="0" u="none" strike="noStrike">
                 <a:solidFill>
@@ -7811,7 +7961,7 @@
         <p:spPr>
           <a:xfrm>
             <a:off x="609840" y="45720"/>
-            <a:ext cx="10964880" cy="488520"/>
+            <a:ext cx="10964520" cy="488160"/>
           </a:xfrm>
           <a:prstGeom prst="rect">
             <a:avLst/>
@@ -7848,6 +7998,7 @@
                 <a:effectLst/>
                 <a:uFillTx/>
                 <a:latin typeface="Arial"/>
+                <a:ea typeface="SimSun"/>
               </a:rPr>
               <a:t>Threshold block size</a:t>
             </a:r>
@@ -7870,7 +8021,7 @@
         </p:nvGraphicFramePr>
         <p:xfrm>
           <a:off x="1827000" y="733680"/>
-          <a:ext cx="8458200" cy="5715000"/>
+          <a:ext cx="8457840" cy="5825160"/>
         </p:xfrm>
         <a:graphic>
           <a:graphicData uri="http://schemas.openxmlformats.org/drawingml/2006/table">
@@ -7889,7 +8040,11 @@
                       <a:noAutofit/>
                     </a:bodyPr>
                     <a:p>
-                      <a:pPr algn="ctr"/>
+                      <a:pPr algn="ctr">
+                        <a:lnSpc>
+                          <a:spcPct val="100000"/>
+                        </a:lnSpc>
+                      </a:pPr>
                       <a:r>
                         <a:rPr lang="en-US" sz="1400" b="0" u="none" strike="noStrike">
                           <a:solidFill>
@@ -7945,7 +8100,11 @@
                       <a:noAutofit/>
                     </a:bodyPr>
                     <a:p>
-                      <a:pPr algn="ctr"/>
+                      <a:pPr algn="ctr">
+                        <a:lnSpc>
+                          <a:spcPct val="100000"/>
+                        </a:lnSpc>
+                      </a:pPr>
                       <a:r>
                         <a:rPr lang="en-US" sz="1400" b="0" u="none" strike="noStrike">
                           <a:solidFill>
@@ -8001,7 +8160,11 @@
                       <a:noAutofit/>
                     </a:bodyPr>
                     <a:p>
-                      <a:pPr algn="ctr"/>
+                      <a:pPr algn="ctr">
+                        <a:lnSpc>
+                          <a:spcPct val="100000"/>
+                        </a:lnSpc>
+                      </a:pPr>
                       <a:r>
                         <a:rPr lang="en-US" sz="1400" b="0" u="none" strike="noStrike">
                           <a:solidFill>
@@ -8057,7 +8220,11 @@
                       <a:noAutofit/>
                     </a:bodyPr>
                     <a:p>
-                      <a:pPr algn="ctr"/>
+                      <a:pPr algn="ctr">
+                        <a:lnSpc>
+                          <a:spcPct val="100000"/>
+                        </a:lnSpc>
+                      </a:pPr>
                       <a:r>
                         <a:rPr lang="en-US" sz="1400" b="0" u="none" strike="noStrike">
                           <a:solidFill>
@@ -8115,7 +8282,11 @@
                       <a:noAutofit/>
                     </a:bodyPr>
                     <a:p>
-                      <a:pPr algn="ctr"/>
+                      <a:pPr algn="ctr">
+                        <a:lnSpc>
+                          <a:spcPct val="100000"/>
+                        </a:lnSpc>
+                      </a:pPr>
                       <a:r>
                         <a:rPr lang="en-US" sz="1400" b="0" u="none" strike="noStrike">
                           <a:solidFill>
@@ -8171,7 +8342,11 @@
                       <a:noAutofit/>
                     </a:bodyPr>
                     <a:p>
-                      <a:pPr algn="ctr"/>
+                      <a:pPr algn="ctr">
+                        <a:lnSpc>
+                          <a:spcPct val="100000"/>
+                        </a:lnSpc>
+                      </a:pPr>
                       <a:r>
                         <a:rPr lang="en-US" sz="1400" b="0" u="none" strike="noStrike">
                           <a:solidFill>
@@ -8228,6 +8403,9 @@
                     </a:bodyPr>
                     <a:p>
                       <a:pPr marL="216000" indent="-216000" algn="ctr">
+                        <a:lnSpc>
+                          <a:spcPct val="100000"/>
+                        </a:lnSpc>
                         <a:buClr>
                           <a:srgbClr val="000000"/>
                         </a:buClr>
@@ -8257,6 +8435,9 @@
                     </a:p>
                     <a:p>
                       <a:pPr marL="216000" indent="-216000" algn="ctr">
+                        <a:lnSpc>
+                          <a:spcPct val="100000"/>
+                        </a:lnSpc>
                         <a:buClr>
                           <a:srgbClr val="000000"/>
                         </a:buClr>
@@ -8286,6 +8467,9 @@
                     </a:p>
                     <a:p>
                       <a:pPr marL="216000" indent="-216000" algn="ctr">
+                        <a:lnSpc>
+                          <a:spcPct val="100000"/>
+                        </a:lnSpc>
                         <a:buClr>
                           <a:srgbClr val="000000"/>
                         </a:buClr>
@@ -8315,6 +8499,9 @@
                     </a:p>
                     <a:p>
                       <a:pPr marL="216000" indent="-216000" algn="ctr">
+                        <a:lnSpc>
+                          <a:spcPct val="100000"/>
+                        </a:lnSpc>
                         <a:buClr>
                           <a:srgbClr val="000000"/>
                         </a:buClr>
@@ -8344,6 +8531,9 @@
                     </a:p>
                     <a:p>
                       <a:pPr marL="216000" indent="-216000" algn="ctr">
+                        <a:lnSpc>
+                          <a:spcPct val="100000"/>
+                        </a:lnSpc>
                         <a:buClr>
                           <a:srgbClr val="000000"/>
                         </a:buClr>
@@ -8372,13 +8562,10 @@
                       </a:endParaRPr>
                     </a:p>
                     <a:p>
-                      <a:pPr marL="216000" indent="-216000" algn="ctr">
-                        <a:buClr>
-                          <a:srgbClr val="000000"/>
-                        </a:buClr>
-                        <a:buSzPct val="45000"/>
-                        <a:buFont typeface="Wingdings" charset="2"/>
-                        <a:buChar char=""/>
+                      <a:pPr algn="ctr">
+                        <a:lnSpc>
+                          <a:spcPct val="100000"/>
+                        </a:lnSpc>
                       </a:pPr>
                       <a:endParaRPr lang="en-US" sz="1400" b="0" u="none" strike="noStrike">
                         <a:solidFill>
@@ -8390,7 +8577,11 @@
                       </a:endParaRPr>
                     </a:p>
                     <a:p>
-                      <a:pPr algn="ctr"/>
+                      <a:pPr algn="ctr">
+                        <a:lnSpc>
+                          <a:spcPct val="100000"/>
+                        </a:lnSpc>
+                      </a:pPr>
                       <a:r>
                         <a:rPr lang="en-US" sz="1400" b="0" u="none" strike="noStrike">
                           <a:solidFill>
@@ -8412,7 +8603,11 @@
                       </a:endParaRPr>
                     </a:p>
                     <a:p>
-                      <a:pPr algn="ctr"/>
+                      <a:pPr algn="ctr">
+                        <a:lnSpc>
+                          <a:spcPct val="100000"/>
+                        </a:lnSpc>
+                      </a:pPr>
                       <a:r>
                         <a:rPr lang="en-US" sz="1400" b="0" u="none" strike="noStrike">
                           <a:solidFill>
@@ -8434,7 +8629,11 @@
                       </a:endParaRPr>
                     </a:p>
                     <a:p>
-                      <a:pPr algn="ctr"/>
+                      <a:pPr algn="ctr">
+                        <a:lnSpc>
+                          <a:spcPct val="100000"/>
+                        </a:lnSpc>
+                      </a:pPr>
                       <a:endParaRPr lang="en-US" sz="1400" b="0" u="none" strike="noStrike">
                         <a:solidFill>
                           <a:srgbClr val="000000"/>
@@ -8479,7 +8678,11 @@
                       <a:noAutofit/>
                     </a:bodyPr>
                     <a:p>
-                      <a:pPr algn="ctr"/>
+                      <a:pPr algn="ctr">
+                        <a:lnSpc>
+                          <a:spcPct val="100000"/>
+                        </a:lnSpc>
+                      </a:pPr>
                       <a:r>
                         <a:rPr lang="en-US" sz="1400" b="0" u="none" strike="noStrike">
                           <a:solidFill>
@@ -8537,7 +8740,11 @@
                       <a:noAutofit/>
                     </a:bodyPr>
                     <a:p>
-                      <a:pPr algn="ctr"/>
+                      <a:pPr algn="ctr">
+                        <a:lnSpc>
+                          <a:spcPct val="100000"/>
+                        </a:lnSpc>
+                      </a:pPr>
                       <a:r>
                         <a:rPr lang="en-US" sz="1400" b="0" u="none" strike="noStrike">
                           <a:solidFill>
@@ -8593,7 +8800,11 @@
                       <a:noAutofit/>
                     </a:bodyPr>
                     <a:p>
-                      <a:pPr algn="ctr"/>
+                      <a:pPr algn="ctr">
+                        <a:lnSpc>
+                          <a:spcPct val="100000"/>
+                        </a:lnSpc>
+                      </a:pPr>
                       <a:r>
                         <a:rPr lang="en-US" sz="1400" b="0" u="none" strike="noStrike">
                           <a:solidFill>
@@ -8650,6 +8861,9 @@
                     </a:bodyPr>
                     <a:p>
                       <a:pPr marL="216000" indent="-216000" algn="ctr">
+                        <a:lnSpc>
+                          <a:spcPct val="100000"/>
+                        </a:lnSpc>
                         <a:buClr>
                           <a:srgbClr val="000000"/>
                         </a:buClr>
@@ -8666,18 +8880,7 @@
                           <a:uFillTx/>
                           <a:latin typeface="Arial"/>
                         </a:rPr>
-                        <a:t>Detects thin neurites </a:t>
-                      </a:r>
-                      <a:r>
-                        <a:rPr lang="en-US" sz="1400" b="0" u="none" strike="noStrike">
-                          <a:solidFill>
-                            <a:srgbClr val="000000"/>
-                          </a:solidFill>
-                          <a:effectLst/>
-                          <a:uFillTx/>
-                          <a:latin typeface="Arial"/>
-                        </a:rPr>
-                        <a:t>better.</a:t>
+                        <a:t>Detects thin neurites better.</a:t>
                       </a:r>
                       <a:endParaRPr lang="en-US" sz="1400" b="0" u="none" strike="noStrike">
                         <a:solidFill>
@@ -8690,6 +8893,9 @@
                     </a:p>
                     <a:p>
                       <a:pPr marL="216000" indent="-216000" algn="ctr">
+                        <a:lnSpc>
+                          <a:spcPct val="100000"/>
+                        </a:lnSpc>
                         <a:buClr>
                           <a:srgbClr val="000000"/>
                         </a:buClr>
@@ -8706,18 +8912,7 @@
                           <a:uFillTx/>
                           <a:latin typeface="Arial"/>
                         </a:rPr>
-                        <a:t>Adapts quickly to </a:t>
-                      </a:r>
-                      <a:r>
-                        <a:rPr lang="en-US" sz="1400" b="0" u="none" strike="noStrike">
-                          <a:solidFill>
-                            <a:srgbClr val="000000"/>
-                          </a:solidFill>
-                          <a:effectLst/>
-                          <a:uFillTx/>
-                          <a:latin typeface="Arial"/>
-                        </a:rPr>
-                        <a:t>local changes.</a:t>
+                        <a:t>Adapts quickly to local changes.</a:t>
                       </a:r>
                       <a:endParaRPr lang="en-US" sz="1400" b="0" u="none" strike="noStrike">
                         <a:solidFill>
@@ -8730,6 +8925,9 @@
                     </a:p>
                     <a:p>
                       <a:pPr marL="216000" indent="-216000" algn="ctr">
+                        <a:lnSpc>
+                          <a:spcPct val="100000"/>
+                        </a:lnSpc>
                         <a:buClr>
                           <a:srgbClr val="000000"/>
                         </a:buClr>
@@ -8746,18 +8944,7 @@
                           <a:uFillTx/>
                           <a:latin typeface="Arial"/>
                         </a:rPr>
-                        <a:t>More sensitive to </a:t>
-                      </a:r>
-                      <a:r>
-                        <a:rPr lang="en-US" sz="1400" b="0" u="none" strike="noStrike">
-                          <a:solidFill>
-                            <a:srgbClr val="ff0000"/>
-                          </a:solidFill>
-                          <a:effectLst/>
-                          <a:uFillTx/>
-                          <a:latin typeface="Arial"/>
-                        </a:rPr>
-                        <a:t>noise.</a:t>
+                        <a:t>More sensitive to noise.</a:t>
                       </a:r>
                       <a:endParaRPr lang="en-US" sz="1400" b="0" u="none" strike="noStrike">
                         <a:solidFill>
@@ -8770,6 +8957,9 @@
                     </a:p>
                     <a:p>
                       <a:pPr marL="216000" indent="-216000" algn="ctr">
+                        <a:lnSpc>
+                          <a:spcPct val="100000"/>
+                        </a:lnSpc>
                         <a:buClr>
                           <a:srgbClr val="000000"/>
                         </a:buClr>
@@ -8786,18 +8976,7 @@
                           <a:uFillTx/>
                           <a:latin typeface="Arial"/>
                         </a:rPr>
-                        <a:t> Mask may look </a:t>
-                      </a:r>
-                      <a:r>
-                        <a:rPr lang="en-US" sz="1400" b="0" u="none" strike="noStrike">
-                          <a:solidFill>
-                            <a:srgbClr val="ff0000"/>
-                          </a:solidFill>
-                          <a:effectLst/>
-                          <a:uFillTx/>
-                          <a:latin typeface="Arial"/>
-                        </a:rPr>
-                        <a:t>patchy.</a:t>
+                        <a:t> Mask may look patchy.</a:t>
                       </a:r>
                       <a:endParaRPr lang="en-US" sz="1400" b="0" u="none" strike="noStrike">
                         <a:solidFill>
@@ -8809,7 +8988,11 @@
                       </a:endParaRPr>
                     </a:p>
                     <a:p>
-                      <a:pPr algn="ctr"/>
+                      <a:pPr algn="ctr">
+                        <a:lnSpc>
+                          <a:spcPct val="100000"/>
+                        </a:lnSpc>
+                      </a:pPr>
                       <a:endParaRPr lang="en-US" sz="1400" b="0" u="none" strike="noStrike">
                         <a:solidFill>
                           <a:srgbClr val="000000"/>
@@ -8820,7 +9003,11 @@
                       </a:endParaRPr>
                     </a:p>
                     <a:p>
-                      <a:pPr algn="ctr"/>
+                      <a:pPr algn="ctr">
+                        <a:lnSpc>
+                          <a:spcPct val="100000"/>
+                        </a:lnSpc>
+                      </a:pPr>
                       <a:r>
                         <a:rPr lang="en-US" sz="1400" b="0" u="none" strike="noStrike">
                           <a:solidFill>
@@ -8842,7 +9029,11 @@
                       </a:endParaRPr>
                     </a:p>
                     <a:p>
-                      <a:pPr algn="ctr"/>
+                      <a:pPr algn="ctr">
+                        <a:lnSpc>
+                          <a:spcPct val="100000"/>
+                        </a:lnSpc>
+                      </a:pPr>
                       <a:r>
                         <a:rPr lang="en-US" sz="1400" b="0" u="none" strike="noStrike">
                           <a:solidFill>
@@ -8852,29 +9043,7 @@
                           <a:uFillTx/>
                           <a:latin typeface="Arial"/>
                         </a:rPr>
-                        <a:t>“You judge brightness </a:t>
-                      </a:r>
-                      <a:r>
-                        <a:rPr lang="en-US" sz="1400" b="0" u="none" strike="noStrike">
-                          <a:solidFill>
-                            <a:srgbClr val="000000"/>
-                          </a:solidFill>
-                          <a:effectLst/>
-                          <a:uFillTx/>
-                          <a:latin typeface="Arial"/>
-                        </a:rPr>
-                        <a:t>compared to a tiny </a:t>
-                      </a:r>
-                      <a:r>
-                        <a:rPr lang="en-US" sz="1400" b="0" u="none" strike="noStrike">
-                          <a:solidFill>
-                            <a:srgbClr val="000000"/>
-                          </a:solidFill>
-                          <a:effectLst/>
-                          <a:uFillTx/>
-                          <a:latin typeface="Arial"/>
-                        </a:rPr>
-                        <a:t>neighborhood.”</a:t>
+                        <a:t>“You judge brightness compared to a tiny neighborhood.”</a:t>
                       </a:r>
                       <a:endParaRPr lang="en-US" sz="1400" b="0" u="none" strike="noStrike">
                         <a:solidFill>
@@ -8886,7 +9055,11 @@
                       </a:endParaRPr>
                     </a:p>
                     <a:p>
-                      <a:pPr algn="ctr"/>
+                      <a:pPr algn="ctr">
+                        <a:lnSpc>
+                          <a:spcPct val="100000"/>
+                        </a:lnSpc>
+                      </a:pPr>
                       <a:endParaRPr lang="en-US" sz="1400" b="0" u="none" strike="noStrike">
                         <a:solidFill>
                           <a:srgbClr val="000000"/>
@@ -8931,7 +9104,11 @@
                       <a:noAutofit/>
                     </a:bodyPr>
                     <a:p>
-                      <a:pPr algn="ctr"/>
+                      <a:pPr algn="ctr">
+                        <a:lnSpc>
+                          <a:spcPct val="100000"/>
+                        </a:lnSpc>
+                      </a:pPr>
                       <a:r>
                         <a:rPr lang="en-US" sz="1400" b="0" u="none" strike="noStrike">
                           <a:solidFill>
@@ -8941,51 +9118,7 @@
                           <a:uFillTx/>
                           <a:latin typeface="Arial"/>
                         </a:rPr>
-                        <a:t>Sensit</a:t>
-                      </a:r>
-                      <a:r>
-                        <a:rPr lang="en-US" sz="1400" b="0" u="none" strike="noStrike">
-                          <a:solidFill>
-                            <a:srgbClr val="000000"/>
-                          </a:solidFill>
-                          <a:effectLst/>
-                          <a:uFillTx/>
-                          <a:latin typeface="Arial"/>
-                        </a:rPr>
-                        <a:t>ive, </a:t>
-                      </a:r>
-                      <a:r>
-                        <a:rPr lang="en-US" sz="1400" b="0" u="none" strike="noStrike">
-                          <a:solidFill>
-                            <a:srgbClr val="000000"/>
-                          </a:solidFill>
-                          <a:effectLst/>
-                          <a:uFillTx/>
-                          <a:latin typeface="Arial"/>
-                        </a:rPr>
-                        <a:t>detail</a:t>
-                      </a:r>
-                      <a:r>
-                        <a:rPr lang="en-US" sz="1400" b="0" u="none" strike="noStrike">
-                          <a:solidFill>
-                            <a:srgbClr val="000000"/>
-                          </a:solidFill>
-                          <a:effectLst/>
-                          <a:uFillTx/>
-                          <a:latin typeface="Arial"/>
-                        </a:rPr>
-                        <a:t>ed </a:t>
-                      </a:r>
-                      <a:r>
-                        <a:rPr lang="en-US" sz="1400" b="0" u="none" strike="noStrike">
-                          <a:solidFill>
-                            <a:srgbClr val="000000"/>
-                          </a:solidFill>
-                          <a:effectLst/>
-                          <a:uFillTx/>
-                          <a:latin typeface="Arial"/>
-                        </a:rPr>
-                        <a:t>mask </a:t>
+                        <a:t>Sensitive, detailed mask </a:t>
                       </a:r>
                       <a:endParaRPr lang="en-US" sz="1400" b="0" u="none" strike="noStrike">
                         <a:solidFill>
@@ -9072,8 +9205,8 @@
         </p:nvSpPr>
         <p:spPr>
           <a:xfrm>
-            <a:off x="609480" y="-1440"/>
-            <a:ext cx="10964880" cy="582480"/>
+            <a:off x="609480" y="-1800"/>
+            <a:ext cx="10964520" cy="582840"/>
           </a:xfrm>
           <a:prstGeom prst="rect">
             <a:avLst/>
@@ -9128,7 +9261,7 @@
         <p:spPr>
           <a:xfrm>
             <a:off x="228600" y="685800"/>
-            <a:ext cx="11655000" cy="3865680"/>
+            <a:ext cx="11654640" cy="3864960"/>
           </a:xfrm>
           <a:prstGeom prst="rect">
             <a:avLst/>
@@ -9209,7 +9342,7 @@
             </a:endParaRPr>
           </a:p>
           <a:p>
-            <a:pPr marL="216000" indent="-216000">
+            <a:pPr>
               <a:lnSpc>
                 <a:spcPct val="100000"/>
               </a:lnSpc>
@@ -9219,11 +9352,6 @@
               <a:spcAft>
                 <a:spcPts val="425"/>
               </a:spcAft>
-              <a:buClr>
-                <a:srgbClr val="000000"/>
-              </a:buClr>
-              <a:buFont typeface="Wingdings" charset="2"/>
-              <a:buChar char=""/>
             </a:pPr>
             <a:endParaRPr lang="en-US" sz="1800" b="0" u="none" strike="noStrike">
               <a:solidFill>
@@ -9343,7 +9471,7 @@
         </p:nvGraphicFramePr>
         <p:xfrm>
           <a:off x="1626840" y="1883520"/>
-          <a:ext cx="7084440" cy="4487400"/>
+          <a:ext cx="5846760" cy="4822920"/>
         </p:xfrm>
         <a:graphic>
           <a:graphicData uri="http://schemas.openxmlformats.org/drawingml/2006/table">
@@ -9361,7 +9489,11 @@
                       <a:noAutofit/>
                     </a:bodyPr>
                     <a:p>
-                      <a:pPr algn="ctr"/>
+                      <a:pPr algn="ctr">
+                        <a:lnSpc>
+                          <a:spcPct val="100000"/>
+                        </a:lnSpc>
+                      </a:pPr>
                       <a:r>
                         <a:rPr lang="en-US" sz="1400" b="0" u="none" strike="noStrike">
                           <a:solidFill>
@@ -9417,7 +9549,11 @@
                       <a:noAutofit/>
                     </a:bodyPr>
                     <a:p>
-                      <a:pPr algn="ctr"/>
+                      <a:pPr algn="ctr">
+                        <a:lnSpc>
+                          <a:spcPct val="100000"/>
+                        </a:lnSpc>
+                      </a:pPr>
                       <a:r>
                         <a:rPr lang="en-US" sz="1400" b="0" u="none" strike="noStrike">
                           <a:solidFill>
@@ -9473,7 +9609,11 @@
                       <a:noAutofit/>
                     </a:bodyPr>
                     <a:p>
-                      <a:pPr algn="ctr"/>
+                      <a:pPr algn="ctr">
+                        <a:lnSpc>
+                          <a:spcPct val="100000"/>
+                        </a:lnSpc>
+                      </a:pPr>
                       <a:r>
                         <a:rPr lang="en-US" sz="1400" b="0" u="none" strike="noStrike">
                           <a:solidFill>
@@ -9531,7 +9671,11 @@
                       <a:noAutofit/>
                     </a:bodyPr>
                     <a:p>
-                      <a:pPr algn="ctr"/>
+                      <a:pPr algn="ctr">
+                        <a:lnSpc>
+                          <a:spcPct val="100000"/>
+                        </a:lnSpc>
+                      </a:pPr>
                       <a:r>
                         <a:rPr lang="en-US" sz="1400" b="0" u="none" strike="noStrike">
                           <a:solidFill>
@@ -9587,7 +9731,11 @@
                       <a:noAutofit/>
                     </a:bodyPr>
                     <a:p>
-                      <a:pPr algn="ctr"/>
+                      <a:pPr algn="ctr">
+                        <a:lnSpc>
+                          <a:spcPct val="100000"/>
+                        </a:lnSpc>
+                      </a:pPr>
                       <a:r>
                         <a:rPr lang="en-US" sz="1400" b="0" u="none" strike="noStrike">
                           <a:solidFill>
@@ -9643,6 +9791,11 @@
                       <a:noAutofit/>
                     </a:bodyPr>
                     <a:p>
+                      <a:pPr>
+                        <a:lnSpc>
+                          <a:spcPct val="100000"/>
+                        </a:lnSpc>
+                      </a:pPr>
                       <a:r>
                         <a:rPr lang="en-US" sz="1800" b="0" u="none" strike="noStrike">
                           <a:solidFill>
@@ -9652,7 +9805,7 @@
                           <a:uFillTx/>
                           <a:latin typeface="Arial"/>
                         </a:rPr>
-                        <a:t>Dim neurites kept</a:t>
+                        <a:t>-Dim neurites kept.</a:t>
                       </a:r>
                       <a:endParaRPr lang="en-US" sz="1800" b="0" u="none" strike="noStrike">
                         <a:solidFill>
@@ -9664,6 +9817,11 @@
                       </a:endParaRPr>
                     </a:p>
                     <a:p>
+                      <a:pPr>
+                        <a:lnSpc>
+                          <a:spcPct val="100000"/>
+                        </a:lnSpc>
+                      </a:pPr>
                       <a:r>
                         <a:rPr lang="en-US" sz="1800" b="0" u="none" strike="noStrike">
                           <a:solidFill>
@@ -9673,7 +9831,7 @@
                           <a:uFillTx/>
                           <a:latin typeface="Arial"/>
                         </a:rPr>
-                        <a:t>✔ Fewer gaps</a:t>
+                        <a:t>-Fewer gaps</a:t>
                       </a:r>
                       <a:endParaRPr lang="en-US" sz="1800" b="0" u="none" strike="noStrike">
                         <a:solidFill>
@@ -9685,16 +9843,21 @@
                       </a:endParaRPr>
                     </a:p>
                     <a:p>
+                      <a:pPr>
+                        <a:lnSpc>
+                          <a:spcPct val="100000"/>
+                        </a:lnSpc>
+                      </a:pPr>
                       <a:r>
                         <a:rPr lang="en-US" sz="1800" b="0" u="none" strike="noStrike">
                           <a:solidFill>
-                            <a:srgbClr val="000000"/>
+                            <a:srgbClr val="ff0000"/>
                           </a:solidFill>
                           <a:effectLst/>
                           <a:uFillTx/>
                           <a:latin typeface="Arial"/>
                         </a:rPr>
-                        <a:t>❌ More noise included</a:t>
+                        <a:t>-More noise included</a:t>
                       </a:r>
                       <a:endParaRPr lang="en-US" sz="1800" b="0" u="none" strike="noStrike">
                         <a:solidFill>
@@ -9706,6 +9869,26 @@
                       </a:endParaRPr>
                     </a:p>
                     <a:p>
+                      <a:pPr>
+                        <a:lnSpc>
+                          <a:spcPct val="100000"/>
+                        </a:lnSpc>
+                      </a:pPr>
+                      <a:endParaRPr lang="en-US" sz="1800" b="0" u="none" strike="noStrike">
+                        <a:solidFill>
+                          <a:srgbClr val="000000"/>
+                        </a:solidFill>
+                        <a:effectLst/>
+                        <a:uFillTx/>
+                        <a:latin typeface="Arial"/>
+                      </a:endParaRPr>
+                    </a:p>
+                    <a:p>
+                      <a:pPr>
+                        <a:lnSpc>
+                          <a:spcPct val="100000"/>
+                        </a:lnSpc>
+                      </a:pPr>
                       <a:r>
                         <a:rPr lang="en-US" sz="1800" b="0" u="none" strike="noStrike">
                           <a:solidFill>
@@ -9715,7 +9898,7 @@
                           <a:uFillTx/>
                           <a:latin typeface="Arial"/>
                         </a:rPr>
-                        <a:t>Think:</a:t>
+                        <a:t>In simply words:</a:t>
                       </a:r>
                       <a:endParaRPr lang="en-US" sz="1800" b="0" u="none" strike="noStrike">
                         <a:solidFill>
@@ -9727,6 +9910,11 @@
                       </a:endParaRPr>
                     </a:p>
                     <a:p>
+                      <a:pPr>
+                        <a:lnSpc>
+                          <a:spcPct val="100000"/>
+                        </a:lnSpc>
+                      </a:pPr>
                       <a:r>
                         <a:rPr lang="en-US" sz="1800" b="0" u="none" strike="noStrike">
                           <a:solidFill>
@@ -9748,6 +9936,11 @@
                       </a:endParaRPr>
                     </a:p>
                     <a:p>
+                      <a:pPr>
+                        <a:lnSpc>
+                          <a:spcPct val="100000"/>
+                        </a:lnSpc>
+                      </a:pPr>
                       <a:endParaRPr lang="en-US" sz="1800" b="0" u="none" strike="noStrike">
                         <a:solidFill>
                           <a:srgbClr val="000000"/>
@@ -9794,7 +9987,11 @@
                       <a:noAutofit/>
                     </a:bodyPr>
                     <a:p>
-                      <a:pPr algn="ctr"/>
+                      <a:pPr algn="ctr">
+                        <a:lnSpc>
+                          <a:spcPct val="100000"/>
+                        </a:lnSpc>
+                      </a:pPr>
                       <a:r>
                         <a:rPr lang="en-US" sz="1400" b="0" u="none" strike="noStrike">
                           <a:solidFill>
@@ -9850,7 +10047,11 @@
                       <a:noAutofit/>
                     </a:bodyPr>
                     <a:p>
-                      <a:pPr algn="ctr"/>
+                      <a:pPr algn="ctr">
+                        <a:lnSpc>
+                          <a:spcPct val="100000"/>
+                        </a:lnSpc>
+                      </a:pPr>
                       <a:r>
                         <a:rPr lang="en-US" sz="1400" b="0" u="none" strike="noStrike">
                           <a:solidFill>
@@ -9906,6 +10107,11 @@
                       <a:noAutofit/>
                     </a:bodyPr>
                     <a:p>
+                      <a:pPr>
+                        <a:lnSpc>
+                          <a:spcPct val="100000"/>
+                        </a:lnSpc>
+                      </a:pPr>
                       <a:r>
                         <a:rPr lang="en-US" sz="1800" b="0" u="none" strike="noStrike">
                           <a:solidFill>
@@ -9915,7 +10121,7 @@
                           <a:uFillTx/>
                           <a:latin typeface="Arial"/>
                         </a:rPr>
-                        <a:t>✔ Strict</a:t>
+                        <a:t>-Strict</a:t>
                       </a:r>
                       <a:endParaRPr lang="en-US" sz="1800" b="0" u="none" strike="noStrike">
                         <a:solidFill>
@@ -9927,6 +10133,11 @@
                       </a:endParaRPr>
                     </a:p>
                     <a:p>
+                      <a:pPr>
+                        <a:lnSpc>
+                          <a:spcPct val="100000"/>
+                        </a:lnSpc>
+                      </a:pPr>
                       <a:r>
                         <a:rPr lang="en-US" sz="1800" b="0" u="none" strike="noStrike">
                           <a:solidFill>
@@ -9936,7 +10147,7 @@
                           <a:uFillTx/>
                           <a:latin typeface="Arial"/>
                         </a:rPr>
-                        <a:t>✔ Only bright neurites kept</a:t>
+                        <a:t>-Only bright neurites kept</a:t>
                       </a:r>
                       <a:endParaRPr lang="en-US" sz="1800" b="0" u="none" strike="noStrike">
                         <a:solidFill>
@@ -9948,16 +10159,21 @@
                       </a:endParaRPr>
                     </a:p>
                     <a:p>
+                      <a:pPr>
+                        <a:lnSpc>
+                          <a:spcPct val="100000"/>
+                        </a:lnSpc>
+                      </a:pPr>
                       <a:r>
                         <a:rPr lang="en-US" sz="1800" b="0" u="none" strike="noStrike">
                           <a:solidFill>
-                            <a:srgbClr val="000000"/>
+                            <a:srgbClr val="ff0000"/>
                           </a:solidFill>
                           <a:effectLst/>
                           <a:uFillTx/>
                           <a:latin typeface="Arial"/>
                         </a:rPr>
-                        <a:t>❌ Dim neurites may disappear</a:t>
+                        <a:t>-Dim neurites may disappear</a:t>
                       </a:r>
                       <a:endParaRPr lang="en-US" sz="1800" b="0" u="none" strike="noStrike">
                         <a:solidFill>
@@ -9969,6 +10185,26 @@
                       </a:endParaRPr>
                     </a:p>
                     <a:p>
+                      <a:pPr>
+                        <a:lnSpc>
+                          <a:spcPct val="100000"/>
+                        </a:lnSpc>
+                      </a:pPr>
+                      <a:endParaRPr lang="en-US" sz="1800" b="0" u="none" strike="noStrike">
+                        <a:solidFill>
+                          <a:srgbClr val="000000"/>
+                        </a:solidFill>
+                        <a:effectLst/>
+                        <a:uFillTx/>
+                        <a:latin typeface="Arial"/>
+                      </a:endParaRPr>
+                    </a:p>
+                    <a:p>
+                      <a:pPr>
+                        <a:lnSpc>
+                          <a:spcPct val="100000"/>
+                        </a:lnSpc>
+                      </a:pPr>
                       <a:r>
                         <a:rPr lang="en-US" sz="1800" b="0" u="none" strike="noStrike">
                           <a:solidFill>
@@ -9978,7 +10214,7 @@
                           <a:uFillTx/>
                           <a:latin typeface="Arial"/>
                         </a:rPr>
-                        <a:t>Think:</a:t>
+                        <a:t>In simply words:</a:t>
                       </a:r>
                       <a:endParaRPr lang="en-US" sz="1800" b="0" u="none" strike="noStrike">
                         <a:solidFill>
@@ -9990,6 +10226,11 @@
                       </a:endParaRPr>
                     </a:p>
                     <a:p>
+                      <a:pPr>
+                        <a:lnSpc>
+                          <a:spcPct val="100000"/>
+                        </a:lnSpc>
+                      </a:pPr>
                       <a:r>
                         <a:rPr lang="en-US" sz="1800" b="0" u="none" strike="noStrike">
                           <a:solidFill>
@@ -10011,6 +10252,11 @@
                       </a:endParaRPr>
                     </a:p>
                     <a:p>
+                      <a:pPr>
+                        <a:lnSpc>
+                          <a:spcPct val="100000"/>
+                        </a:lnSpc>
+                      </a:pPr>
                       <a:endParaRPr lang="en-US" sz="1800" b="0" u="none" strike="noStrike">
                         <a:solidFill>
                           <a:srgbClr val="000000"/>
@@ -10086,14 +10332,73 @@
       </p:grpSpPr>
       <p:sp>
         <p:nvSpPr>
-          <p:cNvPr id="132" name=""/>
+          <p:cNvPr id="132" name="PlaceHolder 1"/>
+          <p:cNvSpPr>
+            <a:spLocks noGrp="1"/>
+          </p:cNvSpPr>
+          <p:nvPr>
+            <p:ph type="title"/>
+          </p:nvPr>
+        </p:nvSpPr>
+        <p:spPr>
+          <a:xfrm>
+            <a:off x="609480" y="-1800"/>
+            <a:ext cx="10964520" cy="582840"/>
+          </a:xfrm>
+          <a:prstGeom prst="rect">
+            <a:avLst/>
+          </a:prstGeom>
+          <a:noFill/>
+          <a:ln w="0">
+            <a:noFill/>
+          </a:ln>
+        </p:spPr>
+        <p:txBody>
+          <a:bodyPr lIns="0" rIns="0" tIns="0" bIns="0" anchor="ctr">
+            <a:spAutoFit/>
+          </a:bodyPr>
+          <a:p>
+            <a:pPr indent="0">
+              <a:lnSpc>
+                <a:spcPct val="100000"/>
+              </a:lnSpc>
+              <a:buNone/>
+              <a:tabLst>
+                <a:tab algn="l" pos="0"/>
+              </a:tabLst>
+            </a:pPr>
+            <a:r>
+              <a:rPr lang="en-US" sz="3200" b="1" u="none" strike="noStrike">
+                <a:solidFill>
+                  <a:srgbClr val="ff0000"/>
+                </a:solidFill>
+                <a:effectLst/>
+                <a:uFillTx/>
+                <a:latin typeface="Arial"/>
+              </a:rPr>
+              <a:t>Threshold block size and Threshold offset std multiplier</a:t>
+            </a:r>
+            <a:endParaRPr lang="en-US" sz="3200" b="0" u="none" strike="noStrike">
+              <a:solidFill>
+                <a:srgbClr val="000000"/>
+              </a:solidFill>
+              <a:effectLst/>
+              <a:uFillTx/>
+              <a:latin typeface="Arial"/>
+            </a:endParaRPr>
+          </a:p>
+        </p:txBody>
+      </p:sp>
+      <p:sp>
+        <p:nvSpPr>
+          <p:cNvPr id="133" name=""/>
           <p:cNvSpPr/>
           <p:nvPr/>
         </p:nvSpPr>
         <p:spPr>
           <a:xfrm>
-            <a:off x="914400" y="914400"/>
-            <a:ext cx="10054800" cy="1095120"/>
+            <a:off x="228600" y="685800"/>
+            <a:ext cx="11654640" cy="2753280"/>
           </a:xfrm>
           <a:prstGeom prst="rect">
             <a:avLst/>
@@ -10120,30 +10425,18 @@
               </a:lnSpc>
             </a:pPr>
             <a:r>
-              <a:rPr lang="en-US" sz="2600" b="1" u="none" strike="noStrike">
-                <a:solidFill>
-                  <a:srgbClr val="2a6099"/>
+              <a:rPr lang="en-US" sz="2200" b="1" u="none" strike="noStrike">
+                <a:solidFill>
+                  <a:srgbClr val="158466"/>
                 </a:solidFill>
                 <a:effectLst/>
                 <a:uFillTx/>
                 <a:latin typeface="Arial"/>
                 <a:ea typeface="SimSun"/>
               </a:rPr>
-              <a:t> Add new layers to filter per cells ID and lysosomes ID</a:t>
-            </a:r>
-            <a:r>
-              <a:rPr lang="en-US" sz="2600" b="1" u="none" strike="noStrike">
-                <a:solidFill>
-                  <a:srgbClr val="000000"/>
-                </a:solidFill>
-                <a:effectLst/>
-                <a:uFillTx/>
-                <a:latin typeface="Arial"/>
-                <a:ea typeface="SimSun"/>
-              </a:rPr>
-              <a:t>.</a:t>
-            </a:r>
-            <a:endParaRPr lang="en-US" sz="2600" b="0" u="none" strike="noStrike">
+              <a:t>Examples</a:t>
+            </a:r>
+            <a:endParaRPr lang="en-US" sz="2200" b="0" u="none" strike="noStrike">
               <a:solidFill>
                 <a:srgbClr val="000000"/>
               </a:solidFill>
@@ -10157,8 +10450,14 @@
               <a:lnSpc>
                 <a:spcPct val="100000"/>
               </a:lnSpc>
-            </a:pPr>
-            <a:endParaRPr lang="en-US" sz="2600" b="0" u="none" strike="noStrike">
+              <a:spcBef>
+                <a:spcPts val="1191"/>
+              </a:spcBef>
+              <a:spcAft>
+                <a:spcPts val="992"/>
+              </a:spcAft>
+            </a:pPr>
+            <a:endParaRPr lang="en-US" sz="2200" b="0" u="none" strike="noStrike">
               <a:solidFill>
                 <a:srgbClr val="000000"/>
               </a:solidFill>
@@ -10172,8 +10471,71 @@
               <a:lnSpc>
                 <a:spcPct val="100000"/>
               </a:lnSpc>
-            </a:pPr>
-            <a:endParaRPr lang="en-US" sz="1400" b="0" u="none" strike="noStrike">
+              <a:spcBef>
+                <a:spcPts val="1191"/>
+              </a:spcBef>
+              <a:spcAft>
+                <a:spcPts val="992"/>
+              </a:spcAft>
+            </a:pPr>
+            <a:endParaRPr lang="en-US" sz="1800" b="0" u="none" strike="noStrike">
+              <a:solidFill>
+                <a:srgbClr val="000000"/>
+              </a:solidFill>
+              <a:effectLst/>
+              <a:uFillTx/>
+              <a:latin typeface="Arial"/>
+            </a:endParaRPr>
+          </a:p>
+          <a:p>
+            <a:pPr>
+              <a:lnSpc>
+                <a:spcPct val="100000"/>
+              </a:lnSpc>
+              <a:spcBef>
+                <a:spcPts val="1191"/>
+              </a:spcBef>
+              <a:spcAft>
+                <a:spcPts val="992"/>
+              </a:spcAft>
+            </a:pPr>
+            <a:endParaRPr lang="en-US" sz="1000" b="0" u="none" strike="noStrike">
+              <a:solidFill>
+                <a:srgbClr val="000000"/>
+              </a:solidFill>
+              <a:effectLst/>
+              <a:uFillTx/>
+              <a:latin typeface="Arial"/>
+            </a:endParaRPr>
+          </a:p>
+          <a:p>
+            <a:pPr>
+              <a:lnSpc>
+                <a:spcPct val="100000"/>
+              </a:lnSpc>
+              <a:spcBef>
+                <a:spcPts val="1191"/>
+              </a:spcBef>
+              <a:spcAft>
+                <a:spcPts val="992"/>
+              </a:spcAft>
+            </a:pPr>
+            <a:endParaRPr lang="en-US" sz="2000" b="0" u="none" strike="noStrike">
+              <a:solidFill>
+                <a:srgbClr val="000000"/>
+              </a:solidFill>
+              <a:effectLst/>
+              <a:uFillTx/>
+              <a:latin typeface="Arial"/>
+            </a:endParaRPr>
+          </a:p>
+          <a:p>
+            <a:pPr>
+              <a:lnSpc>
+                <a:spcPct val="100000"/>
+              </a:lnSpc>
+            </a:pPr>
+            <a:endParaRPr lang="en-US" sz="1000" b="0" u="none" strike="noStrike">
               <a:solidFill>
                 <a:srgbClr val="000000"/>
               </a:solidFill>
@@ -10184,67 +10546,353 @@
           </a:p>
         </p:txBody>
       </p:sp>
-      <p:sp>
-        <p:nvSpPr>
-          <p:cNvPr id="133" name="PlaceHolder 5"/>
-          <p:cNvSpPr/>
+      <p:graphicFrame>
+        <p:nvGraphicFramePr>
+          <p:cNvPr id="134" name=""/>
+          <p:cNvGraphicFramePr/>
           <p:nvPr/>
-        </p:nvSpPr>
-        <p:spPr>
-          <a:xfrm>
-            <a:off x="609480" y="235800"/>
-            <a:ext cx="10964880" cy="487080"/>
-          </a:xfrm>
-          <a:prstGeom prst="rect">
-            <a:avLst/>
-          </a:prstGeom>
-          <a:noFill/>
-          <a:ln w="0">
-            <a:noFill/>
-          </a:ln>
-        </p:spPr>
-        <p:style>
-          <a:lnRef idx="0"/>
-          <a:fillRef idx="0"/>
-          <a:effectRef idx="0"/>
-          <a:fontRef idx="minor"/>
-        </p:style>
-        <p:txBody>
-          <a:bodyPr lIns="0" rIns="0" tIns="0" bIns="0" anchor="ctr">
-            <a:spAutoFit/>
-          </a:bodyPr>
-          <a:p>
-            <a:pPr>
-              <a:lnSpc>
-                <a:spcPct val="100000"/>
-              </a:lnSpc>
-              <a:tabLst>
-                <a:tab algn="l" pos="0"/>
-              </a:tabLst>
-            </a:pPr>
-            <a:r>
-              <a:rPr lang="en-US" sz="3200" b="1" u="none" strike="noStrike">
-                <a:solidFill>
-                  <a:srgbClr val="ff0000"/>
-                </a:solidFill>
-                <a:effectLst/>
-                <a:uFillTx/>
-                <a:latin typeface="Arial"/>
-                <a:ea typeface="SimSun"/>
-              </a:rPr>
-              <a:t>VIEWER LAYERS</a:t>
-            </a:r>
-            <a:endParaRPr lang="en-US" sz="3200" b="0" u="none" strike="noStrike">
-              <a:solidFill>
-                <a:srgbClr val="000000"/>
-              </a:solidFill>
-              <a:effectLst/>
-              <a:uFillTx/>
-              <a:latin typeface="Arial"/>
-            </a:endParaRPr>
-          </a:p>
-        </p:txBody>
-      </p:sp>
+        </p:nvGraphicFramePr>
+        <p:xfrm>
+          <a:off x="2107080" y="713520"/>
+          <a:ext cx="8686440" cy="1040040"/>
+        </p:xfrm>
+        <a:graphic>
+          <a:graphicData uri="http://schemas.openxmlformats.org/drawingml/2006/table">
+            <a:tbl>
+              <a:tblPr/>
+              <a:tblGrid>
+                <a:gridCol w="2894760"/>
+                <a:gridCol w="3176280"/>
+              </a:tblGrid>
+              <a:tr h="0">
+                <a:tc>
+                  <a:txBody>
+                    <a:bodyPr lIns="36000" rIns="36000" tIns="36000" bIns="36000" anchor="t">
+                      <a:noAutofit/>
+                    </a:bodyPr>
+                    <a:p>
+                      <a:endParaRPr lang="en-US" sz="1800" b="0" u="none" strike="noStrike">
+                        <a:solidFill>
+                          <a:srgbClr val="000000"/>
+                        </a:solidFill>
+                        <a:effectLst/>
+                        <a:uFillTx/>
+                        <a:latin typeface="Arial"/>
+                      </a:endParaRPr>
+                    </a:p>
+                  </a:txBody>
+                  <a:tcPr anchor="t" marL="36000" marR="36000" marT="36000" marB="36000">
+                    <a:lnL w="7200">
+                      <a:solidFill>
+                        <a:srgbClr val="000000"/>
+                      </a:solidFill>
+                      <a:prstDash val="solid"/>
+                    </a:lnL>
+                    <a:lnR w="7200">
+                      <a:solidFill>
+                        <a:srgbClr val="000000"/>
+                      </a:solidFill>
+                      <a:prstDash val="solid"/>
+                    </a:lnR>
+                    <a:lnT w="7200">
+                      <a:solidFill>
+                        <a:srgbClr val="000000"/>
+                      </a:solidFill>
+                      <a:prstDash val="solid"/>
+                    </a:lnT>
+                    <a:lnB w="7200">
+                      <a:solidFill>
+                        <a:srgbClr val="000000"/>
+                      </a:solidFill>
+                      <a:prstDash val="solid"/>
+                    </a:lnB>
+                    <a:noFill/>
+                  </a:tcPr>
+                </a:tc>
+                <a:tc>
+                  <a:txBody>
+                    <a:bodyPr lIns="36000" rIns="36000" tIns="36000" bIns="36000" anchor="t">
+                      <a:noAutofit/>
+                    </a:bodyPr>
+                    <a:p>
+                      <a:r>
+                        <a:rPr lang="en-US" sz="1800" b="0" u="none" strike="noStrike">
+                          <a:solidFill>
+                            <a:srgbClr val="000000"/>
+                          </a:solidFill>
+                          <a:effectLst/>
+                          <a:uFillTx/>
+                          <a:latin typeface="Arial"/>
+                        </a:rPr>
+                        <a:t>What it controls </a:t>
+                      </a:r>
+                      <a:endParaRPr lang="en-US" sz="1800" b="0" u="none" strike="noStrike">
+                        <a:solidFill>
+                          <a:srgbClr val="000000"/>
+                        </a:solidFill>
+                        <a:effectLst/>
+                        <a:uFillTx/>
+                        <a:latin typeface="Arial"/>
+                      </a:endParaRPr>
+                    </a:p>
+                  </a:txBody>
+                  <a:tcPr anchor="t" marL="36000" marR="36000" marT="36000" marB="36000">
+                    <a:lnL w="7200">
+                      <a:solidFill>
+                        <a:srgbClr val="000000"/>
+                      </a:solidFill>
+                      <a:prstDash val="solid"/>
+                    </a:lnL>
+                    <a:lnR w="7200">
+                      <a:solidFill>
+                        <a:srgbClr val="000000"/>
+                      </a:solidFill>
+                      <a:prstDash val="solid"/>
+                    </a:lnR>
+                    <a:lnT w="7200">
+                      <a:solidFill>
+                        <a:srgbClr val="000000"/>
+                      </a:solidFill>
+                      <a:prstDash val="solid"/>
+                    </a:lnT>
+                    <a:lnB w="7200">
+                      <a:solidFill>
+                        <a:srgbClr val="000000"/>
+                      </a:solidFill>
+                      <a:prstDash val="solid"/>
+                    </a:lnB>
+                    <a:noFill/>
+                  </a:tcPr>
+                </a:tc>
+              </a:tr>
+              <a:tr h="0">
+                <a:tc>
+                  <a:txBody>
+                    <a:bodyPr lIns="36000" rIns="36000" tIns="36000" bIns="36000" anchor="t">
+                      <a:noAutofit/>
+                    </a:bodyPr>
+                    <a:p>
+                      <a:r>
+                        <a:rPr lang="en-US" sz="1800" b="0" u="none" strike="noStrike">
+                          <a:solidFill>
+                            <a:srgbClr val="000000"/>
+                          </a:solidFill>
+                          <a:effectLst/>
+                          <a:uFillTx/>
+                          <a:latin typeface="Arial"/>
+                        </a:rPr>
+                        <a:t>block_size </a:t>
+                      </a:r>
+                      <a:endParaRPr lang="en-US" sz="1800" b="0" u="none" strike="noStrike">
+                        <a:solidFill>
+                          <a:srgbClr val="000000"/>
+                        </a:solidFill>
+                        <a:effectLst/>
+                        <a:uFillTx/>
+                        <a:latin typeface="Arial"/>
+                      </a:endParaRPr>
+                    </a:p>
+                  </a:txBody>
+                  <a:tcPr anchor="t" marL="36000" marR="36000" marT="36000" marB="36000">
+                    <a:lnL w="7200">
+                      <a:solidFill>
+                        <a:srgbClr val="000000"/>
+                      </a:solidFill>
+                      <a:prstDash val="solid"/>
+                    </a:lnL>
+                    <a:lnR w="7200">
+                      <a:solidFill>
+                        <a:srgbClr val="000000"/>
+                      </a:solidFill>
+                      <a:prstDash val="solid"/>
+                    </a:lnR>
+                    <a:lnT w="7200">
+                      <a:solidFill>
+                        <a:srgbClr val="000000"/>
+                      </a:solidFill>
+                      <a:prstDash val="solid"/>
+                    </a:lnT>
+                    <a:lnB w="7200">
+                      <a:solidFill>
+                        <a:srgbClr val="000000"/>
+                      </a:solidFill>
+                      <a:prstDash val="solid"/>
+                    </a:lnB>
+                    <a:noFill/>
+                  </a:tcPr>
+                </a:tc>
+                <a:tc>
+                  <a:txBody>
+                    <a:bodyPr lIns="36000" rIns="36000" tIns="36000" bIns="36000" anchor="t">
+                      <a:noAutofit/>
+                    </a:bodyPr>
+                    <a:p>
+                      <a:r>
+                        <a:rPr lang="en-US" sz="1800" b="0" u="none" strike="noStrike">
+                          <a:solidFill>
+                            <a:srgbClr val="000000"/>
+                          </a:solidFill>
+                          <a:effectLst/>
+                          <a:uFillTx/>
+                          <a:latin typeface="Arial"/>
+                        </a:rPr>
+                        <a:t>How LOCAL the decision is </a:t>
+                      </a:r>
+                      <a:endParaRPr lang="en-US" sz="1800" b="0" u="none" strike="noStrike">
+                        <a:solidFill>
+                          <a:srgbClr val="000000"/>
+                        </a:solidFill>
+                        <a:effectLst/>
+                        <a:uFillTx/>
+                        <a:latin typeface="Arial"/>
+                      </a:endParaRPr>
+                    </a:p>
+                  </a:txBody>
+                  <a:tcPr anchor="t" marL="36000" marR="36000" marT="36000" marB="36000">
+                    <a:lnL w="7200">
+                      <a:solidFill>
+                        <a:srgbClr val="000000"/>
+                      </a:solidFill>
+                      <a:prstDash val="solid"/>
+                    </a:lnL>
+                    <a:lnR w="7200">
+                      <a:solidFill>
+                        <a:srgbClr val="000000"/>
+                      </a:solidFill>
+                      <a:prstDash val="solid"/>
+                    </a:lnR>
+                    <a:lnT w="7200">
+                      <a:solidFill>
+                        <a:srgbClr val="000000"/>
+                      </a:solidFill>
+                      <a:prstDash val="solid"/>
+                    </a:lnT>
+                    <a:lnB w="7200">
+                      <a:solidFill>
+                        <a:srgbClr val="000000"/>
+                      </a:solidFill>
+                      <a:prstDash val="solid"/>
+                    </a:lnB>
+                    <a:noFill/>
+                  </a:tcPr>
+                </a:tc>
+              </a:tr>
+              <a:tr h="346320">
+                <a:tc>
+                  <a:txBody>
+                    <a:bodyPr lIns="36000" rIns="36000" tIns="36000" bIns="36000" anchor="t">
+                      <a:noAutofit/>
+                    </a:bodyPr>
+                    <a:p>
+                      <a:r>
+                        <a:rPr lang="en-US" sz="1800" b="0" u="none" strike="noStrike">
+                          <a:solidFill>
+                            <a:srgbClr val="000000"/>
+                          </a:solidFill>
+                          <a:effectLst/>
+                          <a:uFillTx/>
+                          <a:latin typeface="Arial"/>
+                        </a:rPr>
+                        <a:t>offset_std_mult </a:t>
+                      </a:r>
+                      <a:endParaRPr lang="en-US" sz="1800" b="0" u="none" strike="noStrike">
+                        <a:solidFill>
+                          <a:srgbClr val="000000"/>
+                        </a:solidFill>
+                        <a:effectLst/>
+                        <a:uFillTx/>
+                        <a:latin typeface="Arial"/>
+                      </a:endParaRPr>
+                    </a:p>
+                  </a:txBody>
+                  <a:tcPr anchor="t" marL="36000" marR="36000" marT="36000" marB="36000">
+                    <a:lnL w="7200">
+                      <a:solidFill>
+                        <a:srgbClr val="000000"/>
+                      </a:solidFill>
+                      <a:prstDash val="solid"/>
+                    </a:lnL>
+                    <a:lnR w="7200">
+                      <a:solidFill>
+                        <a:srgbClr val="000000"/>
+                      </a:solidFill>
+                      <a:prstDash val="solid"/>
+                    </a:lnR>
+                    <a:lnT w="7200">
+                      <a:solidFill>
+                        <a:srgbClr val="000000"/>
+                      </a:solidFill>
+                      <a:prstDash val="solid"/>
+                    </a:lnT>
+                    <a:lnB w="7200">
+                      <a:solidFill>
+                        <a:srgbClr val="000000"/>
+                      </a:solidFill>
+                      <a:prstDash val="solid"/>
+                    </a:lnB>
+                    <a:noFill/>
+                  </a:tcPr>
+                </a:tc>
+                <a:tc>
+                  <a:txBody>
+                    <a:bodyPr lIns="36000" rIns="36000" tIns="36000" bIns="36000" anchor="t">
+                      <a:noAutofit/>
+                    </a:bodyPr>
+                    <a:p>
+                      <a:r>
+                        <a:rPr lang="en-US" sz="1800" b="0" u="none" strike="noStrike">
+                          <a:solidFill>
+                            <a:srgbClr val="000000"/>
+                          </a:solidFill>
+                          <a:effectLst/>
+                          <a:uFillTx/>
+                          <a:latin typeface="Arial"/>
+                        </a:rPr>
+                        <a:t>How STRICT the decision is </a:t>
+                      </a:r>
+                      <a:endParaRPr lang="en-US" sz="1800" b="0" u="none" strike="noStrike">
+                        <a:solidFill>
+                          <a:srgbClr val="000000"/>
+                        </a:solidFill>
+                        <a:effectLst/>
+                        <a:uFillTx/>
+                        <a:latin typeface="Arial"/>
+                      </a:endParaRPr>
+                    </a:p>
+                  </a:txBody>
+                  <a:tcPr anchor="t" marL="36000" marR="36000" marT="36000" marB="36000">
+                    <a:lnL w="7200">
+                      <a:solidFill>
+                        <a:srgbClr val="000000"/>
+                      </a:solidFill>
+                      <a:prstDash val="solid"/>
+                    </a:lnL>
+                    <a:lnR w="7200">
+                      <a:solidFill>
+                        <a:srgbClr val="000000"/>
+                      </a:solidFill>
+                      <a:prstDash val="solid"/>
+                    </a:lnR>
+                    <a:lnT w="7200">
+                      <a:solidFill>
+                        <a:srgbClr val="000000"/>
+                      </a:solidFill>
+                      <a:prstDash val="solid"/>
+                    </a:lnT>
+                    <a:lnB w="7200">
+                      <a:solidFill>
+                        <a:srgbClr val="000000"/>
+                      </a:solidFill>
+                      <a:prstDash val="solid"/>
+                    </a:lnB>
+                    <a:noFill/>
+                  </a:tcPr>
+                </a:tc>
+              </a:tr>
+            </a:tbl>
+          </a:graphicData>
+        </a:graphic>
+      </p:graphicFrame>
     </p:spTree>
   </p:cSld>
   <mc:AlternateContent>
@@ -10277,18 +10925,14 @@
       </p:grpSpPr>
       <p:sp>
         <p:nvSpPr>
-          <p:cNvPr id="134" name="PlaceHolder 1"/>
-          <p:cNvSpPr>
-            <a:spLocks noGrp="1"/>
-          </p:cNvSpPr>
-          <p:nvPr>
-            <p:ph type="title"/>
-          </p:nvPr>
+          <p:cNvPr id="135" name=""/>
+          <p:cNvSpPr/>
+          <p:nvPr/>
         </p:nvSpPr>
         <p:spPr>
           <a:xfrm>
-            <a:off x="459360" y="71640"/>
-            <a:ext cx="10964880" cy="6343560"/>
+            <a:off x="914400" y="914400"/>
+            <a:ext cx="10054440" cy="1095120"/>
           </a:xfrm>
           <a:prstGeom prst="rect">
             <a:avLst/>
@@ -10298,16 +10942,121 @@
             <a:noFill/>
           </a:ln>
         </p:spPr>
+        <p:style>
+          <a:lnRef idx="0"/>
+          <a:fillRef idx="0"/>
+          <a:effectRef idx="0"/>
+          <a:fontRef idx="minor"/>
+        </p:style>
+        <p:txBody>
+          <a:bodyPr lIns="90000" rIns="90000" tIns="45000" bIns="45000" anchor="t">
+            <a:spAutoFit/>
+          </a:bodyPr>
+          <a:p>
+            <a:pPr>
+              <a:lnSpc>
+                <a:spcPct val="100000"/>
+              </a:lnSpc>
+            </a:pPr>
+            <a:r>
+              <a:rPr lang="en-US" sz="2600" b="1" u="none" strike="noStrike">
+                <a:solidFill>
+                  <a:srgbClr val="2a6099"/>
+                </a:solidFill>
+                <a:effectLst/>
+                <a:uFillTx/>
+                <a:latin typeface="Arial"/>
+                <a:ea typeface="SimSun"/>
+              </a:rPr>
+              <a:t> Add new layers to filter per cells ID and lysosomes ID</a:t>
+            </a:r>
+            <a:r>
+              <a:rPr lang="en-US" sz="2600" b="1" u="none" strike="noStrike">
+                <a:solidFill>
+                  <a:srgbClr val="000000"/>
+                </a:solidFill>
+                <a:effectLst/>
+                <a:uFillTx/>
+                <a:latin typeface="Arial"/>
+                <a:ea typeface="SimSun"/>
+              </a:rPr>
+              <a:t>.</a:t>
+            </a:r>
+            <a:endParaRPr lang="en-US" sz="2600" b="0" u="none" strike="noStrike">
+              <a:solidFill>
+                <a:srgbClr val="000000"/>
+              </a:solidFill>
+              <a:effectLst/>
+              <a:uFillTx/>
+              <a:latin typeface="Arial"/>
+            </a:endParaRPr>
+          </a:p>
+          <a:p>
+            <a:pPr>
+              <a:lnSpc>
+                <a:spcPct val="100000"/>
+              </a:lnSpc>
+            </a:pPr>
+            <a:endParaRPr lang="en-US" sz="2600" b="0" u="none" strike="noStrike">
+              <a:solidFill>
+                <a:srgbClr val="000000"/>
+              </a:solidFill>
+              <a:effectLst/>
+              <a:uFillTx/>
+              <a:latin typeface="Arial"/>
+            </a:endParaRPr>
+          </a:p>
+          <a:p>
+            <a:pPr>
+              <a:lnSpc>
+                <a:spcPct val="100000"/>
+              </a:lnSpc>
+            </a:pPr>
+            <a:endParaRPr lang="en-US" sz="1400" b="0" u="none" strike="noStrike">
+              <a:solidFill>
+                <a:srgbClr val="000000"/>
+              </a:solidFill>
+              <a:effectLst/>
+              <a:uFillTx/>
+              <a:latin typeface="Arial"/>
+            </a:endParaRPr>
+          </a:p>
+        </p:txBody>
+      </p:sp>
+      <p:sp>
+        <p:nvSpPr>
+          <p:cNvPr id="136" name="PlaceHolder 5"/>
+          <p:cNvSpPr/>
+          <p:nvPr/>
+        </p:nvSpPr>
+        <p:spPr>
+          <a:xfrm>
+            <a:off x="609480" y="235800"/>
+            <a:ext cx="10964520" cy="487080"/>
+          </a:xfrm>
+          <a:prstGeom prst="rect">
+            <a:avLst/>
+          </a:prstGeom>
+          <a:noFill/>
+          <a:ln w="0">
+            <a:noFill/>
+          </a:ln>
+        </p:spPr>
+        <p:style>
+          <a:lnRef idx="0"/>
+          <a:fillRef idx="0"/>
+          <a:effectRef idx="0"/>
+          <a:fontRef idx="minor"/>
+        </p:style>
         <p:txBody>
           <a:bodyPr lIns="0" rIns="0" tIns="0" bIns="0" anchor="ctr">
             <a:spAutoFit/>
           </a:bodyPr>
           <a:p>
-            <a:pPr indent="0">
-              <a:lnSpc>
-                <a:spcPct val="150000"/>
-              </a:lnSpc>
-              <a:buNone/>
+            <a:pPr>
+              <a:lnSpc>
+                <a:spcPct val="100000"/>
+              </a:lnSpc>
               <a:tabLst>
                 <a:tab algn="l" pos="0"/>
               </a:tabLst>
@@ -10315,54 +11064,15 @@
             <a:r>
               <a:rPr lang="en-US" sz="3200" b="1" u="none" strike="noStrike">
                 <a:solidFill>
-                  <a:srgbClr val="000000"/>
+                  <a:srgbClr val="ff0000"/>
                 </a:solidFill>
                 <a:effectLst/>
                 <a:uFillTx/>
                 <a:latin typeface="Arial"/>
-                <a:ea typeface="Microsoft YaHei"/>
-              </a:rPr>
-              <a:t>FILES:</a:t>
-            </a:r>
-            <a:br>
-              <a:rPr sz="3200"/>
-            </a:br>
-            <a:r>
-              <a:rPr lang="en-US" sz="3200" b="0" i="1" u="none" strike="noStrike">
-                <a:solidFill>
-                  <a:srgbClr val="000000"/>
-                </a:solidFill>
-                <a:effectLst/>
-                <a:uFillTx/>
-                <a:latin typeface="Arial"/>
-                <a:ea typeface="Microsoft YaHei"/>
-              </a:rPr>
-              <a:t>-Airy scan_40A_UAS-TMEM-HA_axon_0h_again_2_051222</a:t>
-            </a:r>
-            <a:br>
-              <a:rPr sz="3200"/>
-            </a:br>
-            <a:r>
-              <a:rPr lang="en-US" sz="3200" b="0" i="1" u="none" strike="noStrike">
-                <a:solidFill>
-                  <a:srgbClr val="000000"/>
-                </a:solidFill>
-                <a:effectLst/>
-                <a:uFillTx/>
-                <a:latin typeface="Arial"/>
-                <a:ea typeface="Microsoft YaHei"/>
-              </a:rPr>
-              <a:t>-Airy scan_40A_UAS-TMEM-HA_axon_0h_again_3_051222</a:t>
-            </a:r>
-            <a:br>
-              <a:rPr sz="3200"/>
-            </a:br>
-            <a:br>
-              <a:rPr sz="3200"/>
-            </a:br>
-            <a:br>
-              <a:rPr sz="3200"/>
-            </a:br>
+                <a:ea typeface="SimSun"/>
+              </a:rPr>
+              <a:t>VIEWER LAYERS</a:t>
+            </a:r>
             <a:endParaRPr lang="en-US" sz="3200" b="0" u="none" strike="noStrike">
               <a:solidFill>
                 <a:srgbClr val="000000"/>
@@ -10406,7 +11116,7 @@
       </p:grpSpPr>
       <p:sp>
         <p:nvSpPr>
-          <p:cNvPr id="135" name="PlaceHolder 1"/>
+          <p:cNvPr id="137" name="PlaceHolder 1"/>
           <p:cNvSpPr>
             <a:spLocks noGrp="1"/>
           </p:cNvSpPr>
@@ -10416,8 +11126,8 @@
         </p:nvSpPr>
         <p:spPr>
           <a:xfrm>
-            <a:off x="609480" y="140760"/>
-            <a:ext cx="2589120" cy="674640"/>
+            <a:off x="459360" y="71280"/>
+            <a:ext cx="10964520" cy="6343920"/>
           </a:xfrm>
           <a:prstGeom prst="rect">
             <a:avLst/>
@@ -10432,9 +11142,9 @@
             <a:spAutoFit/>
           </a:bodyPr>
           <a:p>
-            <a:pPr indent="0" algn="ctr">
-              <a:lnSpc>
-                <a:spcPct val="100000"/>
+            <a:pPr indent="0">
+              <a:lnSpc>
+                <a:spcPct val="150000"/>
               </a:lnSpc>
               <a:buNone/>
               <a:tabLst>
@@ -10442,256 +11152,57 @@
               </a:tabLst>
             </a:pPr>
             <a:r>
-              <a:rPr lang="en-US" sz="4400" b="1" u="none" strike="noStrike">
-                <a:solidFill>
-                  <a:srgbClr val="ff0000"/>
+              <a:rPr lang="en-US" sz="3200" b="1" u="none" strike="noStrike">
+                <a:solidFill>
+                  <a:srgbClr val="000000"/>
                 </a:solidFill>
                 <a:effectLst/>
                 <a:uFillTx/>
                 <a:latin typeface="Arial"/>
-              </a:rPr>
-              <a:t>0H 2</a:t>
-            </a:r>
-            <a:endParaRPr lang="en-US" sz="4400" b="0" u="none" strike="noStrike">
-              <a:solidFill>
-                <a:srgbClr val="000000"/>
-              </a:solidFill>
-              <a:effectLst/>
-              <a:uFillTx/>
-              <a:latin typeface="Arial"/>
-            </a:endParaRPr>
-          </a:p>
-        </p:txBody>
-      </p:sp>
-      <p:sp>
-        <p:nvSpPr>
-          <p:cNvPr id="136" name="Rectangles 104"/>
-          <p:cNvSpPr/>
-          <p:nvPr/>
-        </p:nvSpPr>
-        <p:spPr>
-          <a:xfrm>
-            <a:off x="0" y="1143000"/>
-            <a:ext cx="2509560" cy="5252760"/>
-          </a:xfrm>
-          <a:prstGeom prst="rect">
-            <a:avLst/>
-          </a:prstGeom>
-          <a:solidFill>
-            <a:srgbClr val="729fcf"/>
-          </a:solidFill>
-          <a:ln w="0">
-            <a:solidFill>
-              <a:srgbClr val="3465a4"/>
-            </a:solidFill>
-          </a:ln>
-        </p:spPr>
-        <p:style>
-          <a:lnRef idx="0"/>
-          <a:fillRef idx="0"/>
-          <a:effectRef idx="0"/>
-          <a:fontRef idx="minor"/>
-        </p:style>
-        <p:txBody>
-          <a:bodyPr lIns="90000" rIns="90000" tIns="45000" bIns="45000" anchor="ctr">
-            <a:noAutofit/>
-          </a:bodyPr>
-          <a:p>
-            <a:pPr defTabSz="914400">
-              <a:lnSpc>
-                <a:spcPct val="100000"/>
-              </a:lnSpc>
-            </a:pPr>
-            <a:r>
-              <a:rPr lang="en-US" sz="1400" b="1" u="none" strike="noStrike">
+                <a:ea typeface="Microsoft YaHei"/>
+              </a:rPr>
+              <a:t>FILES:</a:t>
+            </a:r>
+            <a:br>
+              <a:rPr sz="3200"/>
+            </a:br>
+            <a:r>
+              <a:rPr lang="en-US" sz="3200" b="0" i="1" u="none" strike="noStrike">
                 <a:solidFill>
                   <a:srgbClr val="000000"/>
                 </a:solidFill>
                 <a:effectLst/>
                 <a:uFillTx/>
                 <a:latin typeface="Arial"/>
-                <a:ea typeface="SimSun"/>
-              </a:rPr>
-              <a:t>Erosion = 4</a:t>
-            </a:r>
-            <a:endParaRPr lang="en-US" sz="1400" b="0" u="none" strike="noStrike">
-              <a:solidFill>
-                <a:srgbClr val="000000"/>
-              </a:solidFill>
-              <a:effectLst/>
-              <a:uFillTx/>
-              <a:latin typeface="Arial"/>
-            </a:endParaRPr>
-          </a:p>
-          <a:p>
-            <a:pPr defTabSz="914400">
-              <a:lnSpc>
-                <a:spcPct val="100000"/>
-              </a:lnSpc>
-            </a:pPr>
-            <a:r>
-              <a:rPr lang="en-US" sz="1400" b="1" u="none" strike="noStrike">
+                <a:ea typeface="Microsoft YaHei"/>
+              </a:rPr>
+              <a:t>-Airy scan_40A_UAS-TMEM-HA_axon_0h_again_2_051222</a:t>
+            </a:r>
+            <a:br>
+              <a:rPr sz="3200"/>
+            </a:br>
+            <a:r>
+              <a:rPr lang="en-US" sz="3200" b="0" i="1" u="none" strike="noStrike">
                 <a:solidFill>
                   <a:srgbClr val="000000"/>
                 </a:solidFill>
                 <a:effectLst/>
                 <a:uFillTx/>
                 <a:latin typeface="Arial"/>
-                <a:ea typeface="SimSun"/>
-              </a:rPr>
-              <a:t>Thresholding = 0.002</a:t>
-            </a:r>
-            <a:endParaRPr lang="en-US" sz="1400" b="0" u="none" strike="noStrike">
-              <a:solidFill>
-                <a:srgbClr val="000000"/>
-              </a:solidFill>
-              <a:effectLst/>
-              <a:uFillTx/>
-              <a:latin typeface="Arial"/>
-            </a:endParaRPr>
-          </a:p>
-          <a:p>
-            <a:pPr defTabSz="914400">
-              <a:lnSpc>
-                <a:spcPct val="100000"/>
-              </a:lnSpc>
-            </a:pPr>
-            <a:r>
-              <a:rPr lang="en-US" sz="1400" b="1" u="none" strike="noStrike">
-                <a:solidFill>
-                  <a:srgbClr val="000000"/>
-                </a:solidFill>
-                <a:effectLst/>
-                <a:uFillTx/>
-                <a:latin typeface="Arial"/>
-                <a:ea typeface="SimSun"/>
-              </a:rPr>
-              <a:t>margin um = 0.5</a:t>
-            </a:r>
-            <a:endParaRPr lang="en-US" sz="1400" b="0" u="none" strike="noStrike">
-              <a:solidFill>
-                <a:srgbClr val="000000"/>
-              </a:solidFill>
-              <a:effectLst/>
-              <a:uFillTx/>
-              <a:latin typeface="Arial"/>
-            </a:endParaRPr>
-          </a:p>
-          <a:p>
-            <a:pPr defTabSz="914400">
-              <a:lnSpc>
-                <a:spcPct val="100000"/>
-              </a:lnSpc>
-            </a:pPr>
-            <a:r>
-              <a:rPr lang="en-US" sz="1400" b="1" u="none" strike="noStrike">
-                <a:solidFill>
-                  <a:srgbClr val="000000"/>
-                </a:solidFill>
-                <a:effectLst/>
-                <a:uFillTx/>
-                <a:latin typeface="Arial"/>
-                <a:ea typeface="SimSun"/>
-              </a:rPr>
-              <a:t>overlap alpha = 0.4</a:t>
-            </a:r>
-            <a:endParaRPr lang="en-US" sz="1400" b="0" u="none" strike="noStrike">
-              <a:solidFill>
-                <a:srgbClr val="000000"/>
-              </a:solidFill>
-              <a:effectLst/>
-              <a:uFillTx/>
-              <a:latin typeface="Arial"/>
-            </a:endParaRPr>
-          </a:p>
-          <a:p>
-            <a:pPr defTabSz="914400">
-              <a:lnSpc>
-                <a:spcPct val="100000"/>
-              </a:lnSpc>
-            </a:pPr>
-            <a:r>
-              <a:rPr lang="en-US" sz="1400" b="1" u="none" strike="noStrike">
-                <a:solidFill>
-                  <a:srgbClr val="000000"/>
-                </a:solidFill>
-                <a:effectLst/>
-                <a:uFillTx/>
-                <a:latin typeface="Arial"/>
-                <a:ea typeface="SimSun"/>
-              </a:rPr>
-              <a:t>viz min voxels = 2000</a:t>
-            </a:r>
-            <a:endParaRPr lang="en-US" sz="1400" b="0" u="none" strike="noStrike">
-              <a:solidFill>
-                <a:srgbClr val="000000"/>
-              </a:solidFill>
-              <a:effectLst/>
-              <a:uFillTx/>
-              <a:latin typeface="Arial"/>
-            </a:endParaRPr>
-          </a:p>
-          <a:p>
-            <a:pPr defTabSz="914400">
-              <a:lnSpc>
-                <a:spcPct val="100000"/>
-              </a:lnSpc>
-            </a:pPr>
-            <a:r>
-              <a:rPr lang="en-US" sz="1400" b="1" u="none" strike="noStrike">
-                <a:solidFill>
-                  <a:srgbClr val="000000"/>
-                </a:solidFill>
-                <a:effectLst/>
-                <a:uFillTx/>
-                <a:latin typeface="Arial"/>
-                <a:ea typeface="SimSun"/>
-              </a:rPr>
-              <a:t>CLOSING = 6</a:t>
-            </a:r>
-            <a:endParaRPr lang="en-US" sz="1400" b="0" u="none" strike="noStrike">
-              <a:solidFill>
-                <a:srgbClr val="000000"/>
-              </a:solidFill>
-              <a:effectLst/>
-              <a:uFillTx/>
-              <a:latin typeface="Arial"/>
-            </a:endParaRPr>
-          </a:p>
-          <a:p>
-            <a:pPr defTabSz="914400">
-              <a:lnSpc>
-                <a:spcPct val="100000"/>
-              </a:lnSpc>
-            </a:pPr>
-            <a:r>
-              <a:rPr lang="en-US" sz="1400" b="1" u="none" strike="noStrike">
-                <a:solidFill>
-                  <a:srgbClr val="000000"/>
-                </a:solidFill>
-                <a:effectLst/>
-                <a:uFillTx/>
-                <a:latin typeface="Arial"/>
-                <a:ea typeface="SimSun"/>
-              </a:rPr>
-              <a:t>max_gap_UM = 4</a:t>
-            </a:r>
-            <a:endParaRPr lang="en-US" sz="1400" b="0" u="none" strike="noStrike">
-              <a:solidFill>
-                <a:srgbClr val="000000"/>
-              </a:solidFill>
-              <a:effectLst/>
-              <a:uFillTx/>
-              <a:latin typeface="Arial"/>
-            </a:endParaRPr>
-          </a:p>
-          <a:p>
-            <a:pPr defTabSz="914400">
-              <a:lnSpc>
-                <a:spcPct val="100000"/>
-              </a:lnSpc>
-            </a:pPr>
-            <a:endParaRPr lang="en-US" sz="1800" b="0" u="none" strike="noStrike">
+                <a:ea typeface="Microsoft YaHei"/>
+              </a:rPr>
+              <a:t>-Airy scan_40A_UAS-TMEM-HA_axon_0h_again_3_051222</a:t>
+            </a:r>
+            <a:br>
+              <a:rPr sz="3200"/>
+            </a:br>
+            <a:br>
+              <a:rPr sz="3200"/>
+            </a:br>
+            <a:br>
+              <a:rPr sz="3200"/>
+            </a:br>
+            <a:endParaRPr lang="en-US" sz="3200" b="0" u="none" strike="noStrike">
               <a:solidFill>
                 <a:srgbClr val="000000"/>
               </a:solidFill>
@@ -10734,7 +11245,7 @@
       </p:grpSpPr>
       <p:sp>
         <p:nvSpPr>
-          <p:cNvPr id="137" name="PlaceHolder 1"/>
+          <p:cNvPr id="138" name="PlaceHolder 1"/>
           <p:cNvSpPr>
             <a:spLocks noGrp="1"/>
           </p:cNvSpPr>
@@ -10744,8 +11255,8 @@
         </p:nvSpPr>
         <p:spPr>
           <a:xfrm>
-            <a:off x="609480" y="140040"/>
-            <a:ext cx="10964880" cy="675720"/>
+            <a:off x="609480" y="140400"/>
+            <a:ext cx="2588760" cy="675000"/>
           </a:xfrm>
           <a:prstGeom prst="rect">
             <a:avLst/>
@@ -10791,54 +11302,245 @@
           </a:p>
         </p:txBody>
       </p:sp>
-      <p:pic>
-        <p:nvPicPr>
-          <p:cNvPr id="138" name="Picture 108"/>
-          <p:cNvPicPr/>
+      <p:sp>
+        <p:nvSpPr>
+          <p:cNvPr id="139" name="Rectangles 104"/>
+          <p:cNvSpPr/>
           <p:nvPr/>
-        </p:nvPicPr>
-        <p:blipFill>
-          <a:blip r:embed="rId1"/>
-          <a:stretch/>
-        </p:blipFill>
+        </p:nvSpPr>
         <p:spPr>
           <a:xfrm>
-            <a:off x="457200" y="914400"/>
-            <a:ext cx="4959360" cy="5256360"/>
+            <a:off x="0" y="1143000"/>
+            <a:ext cx="2509200" cy="5252400"/>
           </a:xfrm>
           <a:prstGeom prst="rect">
             <a:avLst/>
           </a:prstGeom>
-          <a:noFill/>
+          <a:solidFill>
+            <a:srgbClr val="729fcf"/>
+          </a:solidFill>
           <a:ln w="0">
-            <a:noFill/>
+            <a:solidFill>
+              <a:srgbClr val="3465a4"/>
+            </a:solidFill>
           </a:ln>
         </p:spPr>
-      </p:pic>
-      <p:pic>
-        <p:nvPicPr>
-          <p:cNvPr id="139" name="Picture 109"/>
-          <p:cNvPicPr/>
-          <p:nvPr/>
-        </p:nvPicPr>
-        <p:blipFill>
-          <a:blip r:embed="rId2"/>
-          <a:stretch/>
-        </p:blipFill>
-        <p:spPr>
-          <a:xfrm>
-            <a:off x="5718600" y="951840"/>
-            <a:ext cx="4338360" cy="5223600"/>
-          </a:xfrm>
-          <a:prstGeom prst="rect">
-            <a:avLst/>
-          </a:prstGeom>
-          <a:noFill/>
-          <a:ln w="0">
-            <a:noFill/>
-          </a:ln>
-        </p:spPr>
-      </p:pic>
+        <p:style>
+          <a:lnRef idx="0"/>
+          <a:fillRef idx="0"/>
+          <a:effectRef idx="0"/>
+          <a:fontRef idx="minor"/>
+        </p:style>
+        <p:txBody>
+          <a:bodyPr lIns="90000" rIns="90000" tIns="45000" bIns="45000" anchor="ctr">
+            <a:noAutofit/>
+          </a:bodyPr>
+          <a:p>
+            <a:pPr defTabSz="914400">
+              <a:lnSpc>
+                <a:spcPct val="100000"/>
+              </a:lnSpc>
+            </a:pPr>
+            <a:r>
+              <a:rPr lang="en-US" sz="1400" b="1" u="none" strike="noStrike">
+                <a:solidFill>
+                  <a:srgbClr val="000000"/>
+                </a:solidFill>
+                <a:effectLst/>
+                <a:uFillTx/>
+                <a:latin typeface="Arial"/>
+                <a:ea typeface="SimSun"/>
+              </a:rPr>
+              <a:t>Erosion = 4</a:t>
+            </a:r>
+            <a:endParaRPr lang="en-US" sz="1400" b="0" u="none" strike="noStrike">
+              <a:solidFill>
+                <a:srgbClr val="000000"/>
+              </a:solidFill>
+              <a:effectLst/>
+              <a:uFillTx/>
+              <a:latin typeface="Arial"/>
+            </a:endParaRPr>
+          </a:p>
+          <a:p>
+            <a:pPr defTabSz="914400">
+              <a:lnSpc>
+                <a:spcPct val="100000"/>
+              </a:lnSpc>
+            </a:pPr>
+            <a:r>
+              <a:rPr lang="en-US" sz="1400" b="1" u="none" strike="noStrike">
+                <a:solidFill>
+                  <a:srgbClr val="000000"/>
+                </a:solidFill>
+                <a:effectLst/>
+                <a:uFillTx/>
+                <a:latin typeface="Arial"/>
+                <a:ea typeface="SimSun"/>
+              </a:rPr>
+              <a:t>Thresholding = 0.002</a:t>
+            </a:r>
+            <a:endParaRPr lang="en-US" sz="1400" b="0" u="none" strike="noStrike">
+              <a:solidFill>
+                <a:srgbClr val="000000"/>
+              </a:solidFill>
+              <a:effectLst/>
+              <a:uFillTx/>
+              <a:latin typeface="Arial"/>
+            </a:endParaRPr>
+          </a:p>
+          <a:p>
+            <a:pPr defTabSz="914400">
+              <a:lnSpc>
+                <a:spcPct val="100000"/>
+              </a:lnSpc>
+            </a:pPr>
+            <a:r>
+              <a:rPr lang="en-US" sz="1400" b="1" u="none" strike="noStrike">
+                <a:solidFill>
+                  <a:srgbClr val="000000"/>
+                </a:solidFill>
+                <a:effectLst/>
+                <a:uFillTx/>
+                <a:latin typeface="Arial"/>
+                <a:ea typeface="SimSun"/>
+              </a:rPr>
+              <a:t>margin um = 0.5</a:t>
+            </a:r>
+            <a:endParaRPr lang="en-US" sz="1400" b="0" u="none" strike="noStrike">
+              <a:solidFill>
+                <a:srgbClr val="000000"/>
+              </a:solidFill>
+              <a:effectLst/>
+              <a:uFillTx/>
+              <a:latin typeface="Arial"/>
+            </a:endParaRPr>
+          </a:p>
+          <a:p>
+            <a:pPr defTabSz="914400">
+              <a:lnSpc>
+                <a:spcPct val="100000"/>
+              </a:lnSpc>
+            </a:pPr>
+            <a:r>
+              <a:rPr lang="en-US" sz="1400" b="1" u="none" strike="noStrike">
+                <a:solidFill>
+                  <a:srgbClr val="000000"/>
+                </a:solidFill>
+                <a:effectLst/>
+                <a:uFillTx/>
+                <a:latin typeface="Arial"/>
+                <a:ea typeface="SimSun"/>
+              </a:rPr>
+              <a:t>overlap alpha = 0.4</a:t>
+            </a:r>
+            <a:endParaRPr lang="en-US" sz="1400" b="0" u="none" strike="noStrike">
+              <a:solidFill>
+                <a:srgbClr val="000000"/>
+              </a:solidFill>
+              <a:effectLst/>
+              <a:uFillTx/>
+              <a:latin typeface="Arial"/>
+            </a:endParaRPr>
+          </a:p>
+          <a:p>
+            <a:pPr defTabSz="914400">
+              <a:lnSpc>
+                <a:spcPct val="100000"/>
+              </a:lnSpc>
+            </a:pPr>
+            <a:r>
+              <a:rPr lang="en-US" sz="1400" b="1" u="none" strike="noStrike">
+                <a:solidFill>
+                  <a:srgbClr val="000000"/>
+                </a:solidFill>
+                <a:effectLst/>
+                <a:uFillTx/>
+                <a:latin typeface="Arial"/>
+                <a:ea typeface="SimSun"/>
+              </a:rPr>
+              <a:t>viz min voxels = 2000</a:t>
+            </a:r>
+            <a:endParaRPr lang="en-US" sz="1400" b="0" u="none" strike="noStrike">
+              <a:solidFill>
+                <a:srgbClr val="000000"/>
+              </a:solidFill>
+              <a:effectLst/>
+              <a:uFillTx/>
+              <a:latin typeface="Arial"/>
+            </a:endParaRPr>
+          </a:p>
+          <a:p>
+            <a:pPr defTabSz="914400">
+              <a:lnSpc>
+                <a:spcPct val="100000"/>
+              </a:lnSpc>
+            </a:pPr>
+            <a:r>
+              <a:rPr lang="en-US" sz="1400" b="1" u="none" strike="noStrike">
+                <a:solidFill>
+                  <a:srgbClr val="000000"/>
+                </a:solidFill>
+                <a:effectLst/>
+                <a:uFillTx/>
+                <a:latin typeface="Arial"/>
+                <a:ea typeface="SimSun"/>
+              </a:rPr>
+              <a:t>CLOSING = 6</a:t>
+            </a:r>
+            <a:endParaRPr lang="en-US" sz="1400" b="0" u="none" strike="noStrike">
+              <a:solidFill>
+                <a:srgbClr val="000000"/>
+              </a:solidFill>
+              <a:effectLst/>
+              <a:uFillTx/>
+              <a:latin typeface="Arial"/>
+            </a:endParaRPr>
+          </a:p>
+          <a:p>
+            <a:pPr defTabSz="914400">
+              <a:lnSpc>
+                <a:spcPct val="100000"/>
+              </a:lnSpc>
+            </a:pPr>
+            <a:r>
+              <a:rPr lang="en-US" sz="1400" b="1" u="none" strike="noStrike">
+                <a:solidFill>
+                  <a:srgbClr val="000000"/>
+                </a:solidFill>
+                <a:effectLst/>
+                <a:uFillTx/>
+                <a:latin typeface="Arial"/>
+                <a:ea typeface="SimSun"/>
+              </a:rPr>
+              <a:t>max_gap_UM = 4</a:t>
+            </a:r>
+            <a:endParaRPr lang="en-US" sz="1400" b="0" u="none" strike="noStrike">
+              <a:solidFill>
+                <a:srgbClr val="000000"/>
+              </a:solidFill>
+              <a:effectLst/>
+              <a:uFillTx/>
+              <a:latin typeface="Arial"/>
+            </a:endParaRPr>
+          </a:p>
+          <a:p>
+            <a:pPr defTabSz="914400">
+              <a:lnSpc>
+                <a:spcPct val="100000"/>
+              </a:lnSpc>
+            </a:pPr>
+            <a:endParaRPr lang="en-US" sz="1800" b="0" u="none" strike="noStrike">
+              <a:solidFill>
+                <a:srgbClr val="000000"/>
+              </a:solidFill>
+              <a:effectLst/>
+              <a:uFillTx/>
+              <a:latin typeface="Arial"/>
+            </a:endParaRPr>
+          </a:p>
+        </p:txBody>
+      </p:sp>
     </p:spTree>
   </p:cSld>
   <mc:AlternateContent>
@@ -10881,8 +11583,8 @@
         </p:nvSpPr>
         <p:spPr>
           <a:xfrm>
-            <a:off x="609480" y="140040"/>
-            <a:ext cx="10964880" cy="675720"/>
+            <a:off x="609480" y="139680"/>
+            <a:ext cx="10964520" cy="676080"/>
           </a:xfrm>
           <a:prstGeom prst="rect">
             <a:avLst/>
@@ -10915,7 +11617,7 @@
                 <a:uFillTx/>
                 <a:latin typeface="Arial"/>
               </a:rPr>
-              <a:t>0H 3</a:t>
+              <a:t>0H 2</a:t>
             </a:r>
             <a:endParaRPr lang="en-US" sz="4400" b="0" u="none" strike="noStrike">
               <a:solidFill>
@@ -10928,245 +11630,54 @@
           </a:p>
         </p:txBody>
       </p:sp>
-      <p:sp>
-        <p:nvSpPr>
-          <p:cNvPr id="141" name="Rectangles 111"/>
-          <p:cNvSpPr/>
+      <p:pic>
+        <p:nvPicPr>
+          <p:cNvPr id="141" name="Picture 108"/>
+          <p:cNvPicPr/>
           <p:nvPr/>
-        </p:nvSpPr>
+        </p:nvPicPr>
+        <p:blipFill>
+          <a:blip r:embed="rId1"/>
+          <a:stretch/>
+        </p:blipFill>
         <p:spPr>
           <a:xfrm>
-            <a:off x="360" y="1143360"/>
-            <a:ext cx="2509560" cy="5252760"/>
+            <a:off x="457200" y="914400"/>
+            <a:ext cx="4959000" cy="5256000"/>
           </a:xfrm>
           <a:prstGeom prst="rect">
             <a:avLst/>
           </a:prstGeom>
-          <a:solidFill>
-            <a:srgbClr val="729fcf"/>
-          </a:solidFill>
+          <a:noFill/>
           <a:ln w="0">
-            <a:solidFill>
-              <a:srgbClr val="3465a4"/>
-            </a:solidFill>
+            <a:noFill/>
           </a:ln>
         </p:spPr>
-        <p:style>
-          <a:lnRef idx="0"/>
-          <a:fillRef idx="0"/>
-          <a:effectRef idx="0"/>
-          <a:fontRef idx="minor"/>
-        </p:style>
-        <p:txBody>
-          <a:bodyPr lIns="90000" rIns="90000" tIns="45000" bIns="45000" anchor="ctr">
-            <a:noAutofit/>
-          </a:bodyPr>
-          <a:p>
-            <a:pPr defTabSz="914400">
-              <a:lnSpc>
-                <a:spcPct val="100000"/>
-              </a:lnSpc>
-            </a:pPr>
-            <a:r>
-              <a:rPr lang="en-US" sz="1400" b="1" u="none" strike="noStrike">
-                <a:solidFill>
-                  <a:srgbClr val="000000"/>
-                </a:solidFill>
-                <a:effectLst/>
-                <a:uFillTx/>
-                <a:latin typeface="Arial"/>
-                <a:ea typeface="SimSun"/>
-              </a:rPr>
-              <a:t>Erosion = 4</a:t>
-            </a:r>
-            <a:endParaRPr lang="en-US" sz="1400" b="0" u="none" strike="noStrike">
-              <a:solidFill>
-                <a:srgbClr val="000000"/>
-              </a:solidFill>
-              <a:effectLst/>
-              <a:uFillTx/>
-              <a:latin typeface="Arial"/>
-            </a:endParaRPr>
-          </a:p>
-          <a:p>
-            <a:pPr defTabSz="914400">
-              <a:lnSpc>
-                <a:spcPct val="100000"/>
-              </a:lnSpc>
-            </a:pPr>
-            <a:r>
-              <a:rPr lang="en-US" sz="1400" b="1" u="none" strike="noStrike">
-                <a:solidFill>
-                  <a:srgbClr val="000000"/>
-                </a:solidFill>
-                <a:effectLst/>
-                <a:uFillTx/>
-                <a:latin typeface="Arial"/>
-                <a:ea typeface="SimSun"/>
-              </a:rPr>
-              <a:t>Thresholding = 0.001</a:t>
-            </a:r>
-            <a:endParaRPr lang="en-US" sz="1400" b="0" u="none" strike="noStrike">
-              <a:solidFill>
-                <a:srgbClr val="000000"/>
-              </a:solidFill>
-              <a:effectLst/>
-              <a:uFillTx/>
-              <a:latin typeface="Arial"/>
-            </a:endParaRPr>
-          </a:p>
-          <a:p>
-            <a:pPr defTabSz="914400">
-              <a:lnSpc>
-                <a:spcPct val="100000"/>
-              </a:lnSpc>
-            </a:pPr>
-            <a:r>
-              <a:rPr lang="en-US" sz="1400" b="1" u="none" strike="noStrike">
-                <a:solidFill>
-                  <a:srgbClr val="000000"/>
-                </a:solidFill>
-                <a:effectLst/>
-                <a:uFillTx/>
-                <a:latin typeface="Arial"/>
-                <a:ea typeface="SimSun"/>
-              </a:rPr>
-              <a:t>margin um = 0.5</a:t>
-            </a:r>
-            <a:endParaRPr lang="en-US" sz="1400" b="0" u="none" strike="noStrike">
-              <a:solidFill>
-                <a:srgbClr val="000000"/>
-              </a:solidFill>
-              <a:effectLst/>
-              <a:uFillTx/>
-              <a:latin typeface="Arial"/>
-            </a:endParaRPr>
-          </a:p>
-          <a:p>
-            <a:pPr defTabSz="914400">
-              <a:lnSpc>
-                <a:spcPct val="100000"/>
-              </a:lnSpc>
-            </a:pPr>
-            <a:r>
-              <a:rPr lang="en-US" sz="1400" b="1" u="none" strike="noStrike">
-                <a:solidFill>
-                  <a:srgbClr val="000000"/>
-                </a:solidFill>
-                <a:effectLst/>
-                <a:uFillTx/>
-                <a:latin typeface="Arial"/>
-                <a:ea typeface="SimSun"/>
-              </a:rPr>
-              <a:t>overlap alpha = 0.4</a:t>
-            </a:r>
-            <a:endParaRPr lang="en-US" sz="1400" b="0" u="none" strike="noStrike">
-              <a:solidFill>
-                <a:srgbClr val="000000"/>
-              </a:solidFill>
-              <a:effectLst/>
-              <a:uFillTx/>
-              <a:latin typeface="Arial"/>
-            </a:endParaRPr>
-          </a:p>
-          <a:p>
-            <a:pPr defTabSz="914400">
-              <a:lnSpc>
-                <a:spcPct val="100000"/>
-              </a:lnSpc>
-            </a:pPr>
-            <a:r>
-              <a:rPr lang="en-US" sz="1400" b="1" u="none" strike="noStrike">
-                <a:solidFill>
-                  <a:srgbClr val="000000"/>
-                </a:solidFill>
-                <a:effectLst/>
-                <a:uFillTx/>
-                <a:latin typeface="Arial"/>
-                <a:ea typeface="SimSun"/>
-              </a:rPr>
-              <a:t>viz min voxels = 2000</a:t>
-            </a:r>
-            <a:endParaRPr lang="en-US" sz="1400" b="0" u="none" strike="noStrike">
-              <a:solidFill>
-                <a:srgbClr val="000000"/>
-              </a:solidFill>
-              <a:effectLst/>
-              <a:uFillTx/>
-              <a:latin typeface="Arial"/>
-            </a:endParaRPr>
-          </a:p>
-          <a:p>
-            <a:pPr defTabSz="914400">
-              <a:lnSpc>
-                <a:spcPct val="100000"/>
-              </a:lnSpc>
-            </a:pPr>
-            <a:r>
-              <a:rPr lang="en-US" sz="1400" b="1" u="none" strike="noStrike">
-                <a:solidFill>
-                  <a:srgbClr val="000000"/>
-                </a:solidFill>
-                <a:effectLst/>
-                <a:uFillTx/>
-                <a:latin typeface="Arial"/>
-                <a:ea typeface="SimSun"/>
-              </a:rPr>
-              <a:t>CLOSING = 9</a:t>
-            </a:r>
-            <a:endParaRPr lang="en-US" sz="1400" b="0" u="none" strike="noStrike">
-              <a:solidFill>
-                <a:srgbClr val="000000"/>
-              </a:solidFill>
-              <a:effectLst/>
-              <a:uFillTx/>
-              <a:latin typeface="Arial"/>
-            </a:endParaRPr>
-          </a:p>
-          <a:p>
-            <a:pPr defTabSz="914400">
-              <a:lnSpc>
-                <a:spcPct val="100000"/>
-              </a:lnSpc>
-            </a:pPr>
-            <a:r>
-              <a:rPr lang="en-US" sz="1400" b="1" u="none" strike="noStrike">
-                <a:solidFill>
-                  <a:srgbClr val="000000"/>
-                </a:solidFill>
-                <a:effectLst/>
-                <a:uFillTx/>
-                <a:latin typeface="Arial"/>
-                <a:ea typeface="SimSun"/>
-              </a:rPr>
-              <a:t>max_gap_UM = 3</a:t>
-            </a:r>
-            <a:endParaRPr lang="en-US" sz="1400" b="0" u="none" strike="noStrike">
-              <a:solidFill>
-                <a:srgbClr val="000000"/>
-              </a:solidFill>
-              <a:effectLst/>
-              <a:uFillTx/>
-              <a:latin typeface="Arial"/>
-            </a:endParaRPr>
-          </a:p>
-          <a:p>
-            <a:pPr defTabSz="914400">
-              <a:lnSpc>
-                <a:spcPct val="100000"/>
-              </a:lnSpc>
-            </a:pPr>
-            <a:endParaRPr lang="en-US" sz="1800" b="0" u="none" strike="noStrike">
-              <a:solidFill>
-                <a:srgbClr val="000000"/>
-              </a:solidFill>
-              <a:effectLst/>
-              <a:uFillTx/>
-              <a:latin typeface="Arial"/>
-            </a:endParaRPr>
-          </a:p>
-        </p:txBody>
-      </p:sp>
+      </p:pic>
+      <p:pic>
+        <p:nvPicPr>
+          <p:cNvPr id="142" name="Picture 109"/>
+          <p:cNvPicPr/>
+          <p:nvPr/>
+        </p:nvPicPr>
+        <p:blipFill>
+          <a:blip r:embed="rId2"/>
+          <a:stretch/>
+        </p:blipFill>
+        <p:spPr>
+          <a:xfrm>
+            <a:off x="5718600" y="951840"/>
+            <a:ext cx="4338000" cy="5223240"/>
+          </a:xfrm>
+          <a:prstGeom prst="rect">
+            <a:avLst/>
+          </a:prstGeom>
+          <a:noFill/>
+          <a:ln w="0">
+            <a:noFill/>
+          </a:ln>
+        </p:spPr>
+      </p:pic>
     </p:spTree>
   </p:cSld>
   <mc:AlternateContent>
@@ -11199,7 +11710,7 @@
       </p:grpSpPr>
       <p:sp>
         <p:nvSpPr>
-          <p:cNvPr id="142" name="PlaceHolder 1"/>
+          <p:cNvPr id="143" name="PlaceHolder 1"/>
           <p:cNvSpPr>
             <a:spLocks noGrp="1"/>
           </p:cNvSpPr>
@@ -11209,8 +11720,8 @@
         </p:nvSpPr>
         <p:spPr>
           <a:xfrm>
-            <a:off x="609480" y="140040"/>
-            <a:ext cx="10964880" cy="675720"/>
+            <a:off x="609480" y="139680"/>
+            <a:ext cx="10964520" cy="676080"/>
           </a:xfrm>
           <a:prstGeom prst="rect">
             <a:avLst/>
@@ -11256,54 +11767,245 @@
           </a:p>
         </p:txBody>
       </p:sp>
-      <p:pic>
-        <p:nvPicPr>
-          <p:cNvPr id="143" name="Picture 115"/>
-          <p:cNvPicPr/>
+      <p:sp>
+        <p:nvSpPr>
+          <p:cNvPr id="144" name="Rectangles 111"/>
+          <p:cNvSpPr/>
           <p:nvPr/>
-        </p:nvPicPr>
-        <p:blipFill>
-          <a:blip r:embed="rId1"/>
-          <a:stretch/>
-        </p:blipFill>
+        </p:nvSpPr>
         <p:spPr>
           <a:xfrm>
-            <a:off x="475920" y="914400"/>
-            <a:ext cx="5234040" cy="5464080"/>
+            <a:off x="360" y="1143360"/>
+            <a:ext cx="2509200" cy="5252400"/>
           </a:xfrm>
           <a:prstGeom prst="rect">
             <a:avLst/>
           </a:prstGeom>
-          <a:noFill/>
+          <a:solidFill>
+            <a:srgbClr val="729fcf"/>
+          </a:solidFill>
           <a:ln w="0">
-            <a:noFill/>
+            <a:solidFill>
+              <a:srgbClr val="3465a4"/>
+            </a:solidFill>
           </a:ln>
         </p:spPr>
-      </p:pic>
-      <p:pic>
-        <p:nvPicPr>
-          <p:cNvPr id="144" name="Picture 116"/>
-          <p:cNvPicPr/>
-          <p:nvPr/>
-        </p:nvPicPr>
-        <p:blipFill>
-          <a:blip r:embed="rId2"/>
-          <a:stretch/>
-        </p:blipFill>
-        <p:spPr>
-          <a:xfrm>
-            <a:off x="5943600" y="914400"/>
-            <a:ext cx="4825800" cy="5481360"/>
-          </a:xfrm>
-          <a:prstGeom prst="rect">
-            <a:avLst/>
-          </a:prstGeom>
-          <a:noFill/>
-          <a:ln w="0">
-            <a:noFill/>
-          </a:ln>
-        </p:spPr>
-      </p:pic>
+        <p:style>
+          <a:lnRef idx="0"/>
+          <a:fillRef idx="0"/>
+          <a:effectRef idx="0"/>
+          <a:fontRef idx="minor"/>
+        </p:style>
+        <p:txBody>
+          <a:bodyPr lIns="90000" rIns="90000" tIns="45000" bIns="45000" anchor="ctr">
+            <a:noAutofit/>
+          </a:bodyPr>
+          <a:p>
+            <a:pPr defTabSz="914400">
+              <a:lnSpc>
+                <a:spcPct val="100000"/>
+              </a:lnSpc>
+            </a:pPr>
+            <a:r>
+              <a:rPr lang="en-US" sz="1400" b="1" u="none" strike="noStrike">
+                <a:solidFill>
+                  <a:srgbClr val="000000"/>
+                </a:solidFill>
+                <a:effectLst/>
+                <a:uFillTx/>
+                <a:latin typeface="Arial"/>
+                <a:ea typeface="SimSun"/>
+              </a:rPr>
+              <a:t>Erosion = 4</a:t>
+            </a:r>
+            <a:endParaRPr lang="en-US" sz="1400" b="0" u="none" strike="noStrike">
+              <a:solidFill>
+                <a:srgbClr val="000000"/>
+              </a:solidFill>
+              <a:effectLst/>
+              <a:uFillTx/>
+              <a:latin typeface="Arial"/>
+            </a:endParaRPr>
+          </a:p>
+          <a:p>
+            <a:pPr defTabSz="914400">
+              <a:lnSpc>
+                <a:spcPct val="100000"/>
+              </a:lnSpc>
+            </a:pPr>
+            <a:r>
+              <a:rPr lang="en-US" sz="1400" b="1" u="none" strike="noStrike">
+                <a:solidFill>
+                  <a:srgbClr val="000000"/>
+                </a:solidFill>
+                <a:effectLst/>
+                <a:uFillTx/>
+                <a:latin typeface="Arial"/>
+                <a:ea typeface="SimSun"/>
+              </a:rPr>
+              <a:t>Thresholding = 0.001</a:t>
+            </a:r>
+            <a:endParaRPr lang="en-US" sz="1400" b="0" u="none" strike="noStrike">
+              <a:solidFill>
+                <a:srgbClr val="000000"/>
+              </a:solidFill>
+              <a:effectLst/>
+              <a:uFillTx/>
+              <a:latin typeface="Arial"/>
+            </a:endParaRPr>
+          </a:p>
+          <a:p>
+            <a:pPr defTabSz="914400">
+              <a:lnSpc>
+                <a:spcPct val="100000"/>
+              </a:lnSpc>
+            </a:pPr>
+            <a:r>
+              <a:rPr lang="en-US" sz="1400" b="1" u="none" strike="noStrike">
+                <a:solidFill>
+                  <a:srgbClr val="000000"/>
+                </a:solidFill>
+                <a:effectLst/>
+                <a:uFillTx/>
+                <a:latin typeface="Arial"/>
+                <a:ea typeface="SimSun"/>
+              </a:rPr>
+              <a:t>margin um = 0.5</a:t>
+            </a:r>
+            <a:endParaRPr lang="en-US" sz="1400" b="0" u="none" strike="noStrike">
+              <a:solidFill>
+                <a:srgbClr val="000000"/>
+              </a:solidFill>
+              <a:effectLst/>
+              <a:uFillTx/>
+              <a:latin typeface="Arial"/>
+            </a:endParaRPr>
+          </a:p>
+          <a:p>
+            <a:pPr defTabSz="914400">
+              <a:lnSpc>
+                <a:spcPct val="100000"/>
+              </a:lnSpc>
+            </a:pPr>
+            <a:r>
+              <a:rPr lang="en-US" sz="1400" b="1" u="none" strike="noStrike">
+                <a:solidFill>
+                  <a:srgbClr val="000000"/>
+                </a:solidFill>
+                <a:effectLst/>
+                <a:uFillTx/>
+                <a:latin typeface="Arial"/>
+                <a:ea typeface="SimSun"/>
+              </a:rPr>
+              <a:t>overlap alpha = 0.4</a:t>
+            </a:r>
+            <a:endParaRPr lang="en-US" sz="1400" b="0" u="none" strike="noStrike">
+              <a:solidFill>
+                <a:srgbClr val="000000"/>
+              </a:solidFill>
+              <a:effectLst/>
+              <a:uFillTx/>
+              <a:latin typeface="Arial"/>
+            </a:endParaRPr>
+          </a:p>
+          <a:p>
+            <a:pPr defTabSz="914400">
+              <a:lnSpc>
+                <a:spcPct val="100000"/>
+              </a:lnSpc>
+            </a:pPr>
+            <a:r>
+              <a:rPr lang="en-US" sz="1400" b="1" u="none" strike="noStrike">
+                <a:solidFill>
+                  <a:srgbClr val="000000"/>
+                </a:solidFill>
+                <a:effectLst/>
+                <a:uFillTx/>
+                <a:latin typeface="Arial"/>
+                <a:ea typeface="SimSun"/>
+              </a:rPr>
+              <a:t>viz min voxels = 2000</a:t>
+            </a:r>
+            <a:endParaRPr lang="en-US" sz="1400" b="0" u="none" strike="noStrike">
+              <a:solidFill>
+                <a:srgbClr val="000000"/>
+              </a:solidFill>
+              <a:effectLst/>
+              <a:uFillTx/>
+              <a:latin typeface="Arial"/>
+            </a:endParaRPr>
+          </a:p>
+          <a:p>
+            <a:pPr defTabSz="914400">
+              <a:lnSpc>
+                <a:spcPct val="100000"/>
+              </a:lnSpc>
+            </a:pPr>
+            <a:r>
+              <a:rPr lang="en-US" sz="1400" b="1" u="none" strike="noStrike">
+                <a:solidFill>
+                  <a:srgbClr val="000000"/>
+                </a:solidFill>
+                <a:effectLst/>
+                <a:uFillTx/>
+                <a:latin typeface="Arial"/>
+                <a:ea typeface="SimSun"/>
+              </a:rPr>
+              <a:t>CLOSING = 9</a:t>
+            </a:r>
+            <a:endParaRPr lang="en-US" sz="1400" b="0" u="none" strike="noStrike">
+              <a:solidFill>
+                <a:srgbClr val="000000"/>
+              </a:solidFill>
+              <a:effectLst/>
+              <a:uFillTx/>
+              <a:latin typeface="Arial"/>
+            </a:endParaRPr>
+          </a:p>
+          <a:p>
+            <a:pPr defTabSz="914400">
+              <a:lnSpc>
+                <a:spcPct val="100000"/>
+              </a:lnSpc>
+            </a:pPr>
+            <a:r>
+              <a:rPr lang="en-US" sz="1400" b="1" u="none" strike="noStrike">
+                <a:solidFill>
+                  <a:srgbClr val="000000"/>
+                </a:solidFill>
+                <a:effectLst/>
+                <a:uFillTx/>
+                <a:latin typeface="Arial"/>
+                <a:ea typeface="SimSun"/>
+              </a:rPr>
+              <a:t>max_gap_UM = 3</a:t>
+            </a:r>
+            <a:endParaRPr lang="en-US" sz="1400" b="0" u="none" strike="noStrike">
+              <a:solidFill>
+                <a:srgbClr val="000000"/>
+              </a:solidFill>
+              <a:effectLst/>
+              <a:uFillTx/>
+              <a:latin typeface="Arial"/>
+            </a:endParaRPr>
+          </a:p>
+          <a:p>
+            <a:pPr defTabSz="914400">
+              <a:lnSpc>
+                <a:spcPct val="100000"/>
+              </a:lnSpc>
+            </a:pPr>
+            <a:endParaRPr lang="en-US" sz="1800" b="0" u="none" strike="noStrike">
+              <a:solidFill>
+                <a:srgbClr val="000000"/>
+              </a:solidFill>
+              <a:effectLst/>
+              <a:uFillTx/>
+              <a:latin typeface="Arial"/>
+            </a:endParaRPr>
+          </a:p>
+        </p:txBody>
+      </p:sp>
     </p:spTree>
   </p:cSld>
   <mc:AlternateContent>
@@ -11347,7 +12049,7 @@
         <p:spPr>
           <a:xfrm>
             <a:off x="1143000" y="2743200"/>
-            <a:ext cx="10964880" cy="754200"/>
+            <a:ext cx="10964520" cy="753840"/>
           </a:xfrm>
           <a:prstGeom prst="rect">
             <a:avLst/>
@@ -11394,6 +12096,143 @@
           </a:p>
         </p:txBody>
       </p:sp>
+    </p:spTree>
+  </p:cSld>
+  <mc:AlternateContent>
+    <mc:Choice Requires="p14">
+      <p:transition spd="slow" p14:dur="2000"/>
+    </mc:Choice>
+    <mc:Fallback>
+      <p:transition spd="slow"/>
+    </mc:Fallback>
+  </mc:AlternateContent>
+</p:sld>
+</file>
+
+<file path=ppt/slides/slide20.xml><?xml version="1.0" encoding="utf-8"?>
+<p:sld xmlns:a="http://schemas.openxmlformats.org/drawingml/2006/main" xmlns:p="http://schemas.openxmlformats.org/presentationml/2006/main" xmlns:r="http://schemas.openxmlformats.org/officeDocument/2006/relationships" xmlns:p14="http://schemas.microsoft.com/office/powerpoint/2010/main" xmlns:p15="http://schemas.microsoft.com/office/powerpoint/2012/main" xmlns:mc="http://schemas.openxmlformats.org/markup-compatibility/2006">
+  <p:cSld>
+    <p:spTree>
+      <p:nvGrpSpPr>
+        <p:cNvPr id="1" name=""/>
+        <p:cNvGrpSpPr/>
+        <p:nvPr/>
+      </p:nvGrpSpPr>
+      <p:grpSpPr>
+        <a:xfrm>
+          <a:off x="0" y="0"/>
+          <a:ext cx="0" cy="0"/>
+          <a:chOff x="0" y="0"/>
+          <a:chExt cx="0" cy="0"/>
+        </a:xfrm>
+      </p:grpSpPr>
+      <p:sp>
+        <p:nvSpPr>
+          <p:cNvPr id="145" name="PlaceHolder 1"/>
+          <p:cNvSpPr>
+            <a:spLocks noGrp="1"/>
+          </p:cNvSpPr>
+          <p:nvPr>
+            <p:ph type="title"/>
+          </p:nvPr>
+        </p:nvSpPr>
+        <p:spPr>
+          <a:xfrm>
+            <a:off x="609480" y="139680"/>
+            <a:ext cx="10964520" cy="676080"/>
+          </a:xfrm>
+          <a:prstGeom prst="rect">
+            <a:avLst/>
+          </a:prstGeom>
+          <a:noFill/>
+          <a:ln w="0">
+            <a:noFill/>
+          </a:ln>
+        </p:spPr>
+        <p:txBody>
+          <a:bodyPr lIns="0" rIns="0" tIns="0" bIns="0" anchor="ctr">
+            <a:spAutoFit/>
+          </a:bodyPr>
+          <a:p>
+            <a:pPr indent="0" algn="ctr">
+              <a:lnSpc>
+                <a:spcPct val="100000"/>
+              </a:lnSpc>
+              <a:buNone/>
+              <a:tabLst>
+                <a:tab algn="l" pos="0"/>
+              </a:tabLst>
+            </a:pPr>
+            <a:r>
+              <a:rPr lang="en-US" sz="4400" b="1" u="none" strike="noStrike">
+                <a:solidFill>
+                  <a:srgbClr val="ff0000"/>
+                </a:solidFill>
+                <a:effectLst/>
+                <a:uFillTx/>
+                <a:latin typeface="Arial"/>
+              </a:rPr>
+              <a:t>0H 3</a:t>
+            </a:r>
+            <a:endParaRPr lang="en-US" sz="4400" b="0" u="none" strike="noStrike">
+              <a:solidFill>
+                <a:srgbClr val="000000"/>
+              </a:solidFill>
+              <a:effectLst/>
+              <a:uFillTx/>
+              <a:latin typeface="Arial"/>
+            </a:endParaRPr>
+          </a:p>
+        </p:txBody>
+      </p:sp>
+      <p:pic>
+        <p:nvPicPr>
+          <p:cNvPr id="146" name="Picture 115"/>
+          <p:cNvPicPr/>
+          <p:nvPr/>
+        </p:nvPicPr>
+        <p:blipFill>
+          <a:blip r:embed="rId1"/>
+          <a:stretch/>
+        </p:blipFill>
+        <p:spPr>
+          <a:xfrm>
+            <a:off x="475920" y="914400"/>
+            <a:ext cx="5233680" cy="5463720"/>
+          </a:xfrm>
+          <a:prstGeom prst="rect">
+            <a:avLst/>
+          </a:prstGeom>
+          <a:noFill/>
+          <a:ln w="0">
+            <a:noFill/>
+          </a:ln>
+        </p:spPr>
+      </p:pic>
+      <p:pic>
+        <p:nvPicPr>
+          <p:cNvPr id="147" name="Picture 116"/>
+          <p:cNvPicPr/>
+          <p:nvPr/>
+        </p:nvPicPr>
+        <p:blipFill>
+          <a:blip r:embed="rId2"/>
+          <a:stretch/>
+        </p:blipFill>
+        <p:spPr>
+          <a:xfrm>
+            <a:off x="5943600" y="914400"/>
+            <a:ext cx="4825440" cy="5481000"/>
+          </a:xfrm>
+          <a:prstGeom prst="rect">
+            <a:avLst/>
+          </a:prstGeom>
+          <a:noFill/>
+          <a:ln w="0">
+            <a:noFill/>
+          </a:ln>
+        </p:spPr>
+      </p:pic>
     </p:spTree>
   </p:cSld>
   <mc:AlternateContent>
@@ -11436,8 +12275,8 @@
         </p:nvSpPr>
         <p:spPr>
           <a:xfrm>
-            <a:off x="609480" y="-1440"/>
-            <a:ext cx="10964880" cy="582480"/>
+            <a:off x="609480" y="-1800"/>
+            <a:ext cx="10964520" cy="582840"/>
           </a:xfrm>
           <a:prstGeom prst="rect">
             <a:avLst/>
@@ -11492,7 +12331,7 @@
         <p:spPr>
           <a:xfrm>
             <a:off x="228600" y="685800"/>
-            <a:ext cx="11655000" cy="9092880"/>
+            <a:ext cx="11654640" cy="9092880"/>
           </a:xfrm>
           <a:prstGeom prst="rect">
             <a:avLst/>
@@ -11961,8 +12800,8 @@
         </p:nvSpPr>
         <p:spPr>
           <a:xfrm>
-            <a:off x="609480" y="-45720"/>
-            <a:ext cx="10964880" cy="671040"/>
+            <a:off x="609480" y="-46080"/>
+            <a:ext cx="10964520" cy="671400"/>
           </a:xfrm>
           <a:prstGeom prst="rect">
             <a:avLst/>
@@ -12017,7 +12856,7 @@
         <p:spPr>
           <a:xfrm>
             <a:off x="228600" y="685800"/>
-            <a:ext cx="11655000" cy="6618240"/>
+            <a:ext cx="11654640" cy="6618240"/>
           </a:xfrm>
           <a:prstGeom prst="rect">
             <a:avLst/>
@@ -12505,7 +13344,7 @@
         <p:spPr>
           <a:xfrm>
             <a:off x="1371600" y="5029200"/>
-            <a:ext cx="228240" cy="1371240"/>
+            <a:ext cx="227880" cy="1370880"/>
           </a:xfrm>
           <a:prstGeom prst="upArrow">
             <a:avLst>
@@ -12559,7 +13398,7 @@
         <p:spPr>
           <a:xfrm>
             <a:off x="2057400" y="5029200"/>
-            <a:ext cx="228240" cy="1371240"/>
+            <a:ext cx="227880" cy="1370880"/>
           </a:xfrm>
           <a:prstGeom prst="downArrow">
             <a:avLst>
@@ -12613,7 +13452,7 @@
         <p:spPr>
           <a:xfrm>
             <a:off x="5715000" y="5029200"/>
-            <a:ext cx="228240" cy="1371240"/>
+            <a:ext cx="227880" cy="1370880"/>
           </a:xfrm>
           <a:prstGeom prst="downArrow">
             <a:avLst>
@@ -12667,7 +13506,7 @@
         <p:spPr>
           <a:xfrm>
             <a:off x="5943600" y="6400800"/>
-            <a:ext cx="1599840" cy="228240"/>
+            <a:ext cx="1599480" cy="227880"/>
           </a:xfrm>
           <a:prstGeom prst="leftArrow">
             <a:avLst>
@@ -12721,7 +13560,7 @@
         <p:spPr>
           <a:xfrm>
             <a:off x="9601200" y="5029200"/>
-            <a:ext cx="228240" cy="456840"/>
+            <a:ext cx="227880" cy="456480"/>
           </a:xfrm>
           <a:prstGeom prst="downArrow">
             <a:avLst>
@@ -12775,7 +13614,7 @@
         <p:spPr>
           <a:xfrm>
             <a:off x="9601200" y="5715000"/>
-            <a:ext cx="228240" cy="456840"/>
+            <a:ext cx="227880" cy="456480"/>
           </a:xfrm>
           <a:prstGeom prst="upArrow">
             <a:avLst>
@@ -12829,7 +13668,7 @@
         <p:spPr>
           <a:xfrm>
             <a:off x="1371960" y="5029200"/>
-            <a:ext cx="228240" cy="1371240"/>
+            <a:ext cx="227880" cy="1370880"/>
           </a:xfrm>
           <a:prstGeom prst="upArrow">
             <a:avLst>
@@ -12883,7 +13722,7 @@
         <p:spPr>
           <a:xfrm>
             <a:off x="6172200" y="511200"/>
-            <a:ext cx="5486040" cy="1180800"/>
+            <a:ext cx="5485680" cy="1180440"/>
           </a:xfrm>
           <a:prstGeom prst="rect">
             <a:avLst/>
@@ -12922,6 +13761,7 @@
                 <a:effectLst/>
                 <a:uFillTx/>
                 <a:latin typeface="Arial"/>
+                <a:ea typeface="SimSun"/>
               </a:rPr>
               <a:t>This value is called the cosine of the angle. </a:t>
             </a:r>
@@ -12954,6 +13794,7 @@
                 <a:effectLst/>
                 <a:uFillTx/>
                 <a:latin typeface="Arial"/>
+                <a:ea typeface="SimSun"/>
               </a:rPr>
               <a:t>What cos_min does?</a:t>
             </a:r>
@@ -12986,6 +13827,7 @@
                 <a:effectLst/>
                 <a:uFillTx/>
                 <a:latin typeface="Arial"/>
+                <a:ea typeface="SimSun"/>
               </a:rPr>
               <a:t>Only connect fragments if their alignment is at least this good.</a:t>
             </a:r>
@@ -13057,8 +13899,8 @@
         </p:nvSpPr>
         <p:spPr>
           <a:xfrm>
-            <a:off x="609480" y="-45720"/>
-            <a:ext cx="10964880" cy="671040"/>
+            <a:off x="609480" y="-46080"/>
+            <a:ext cx="10964520" cy="671400"/>
           </a:xfrm>
           <a:prstGeom prst="rect">
             <a:avLst/>
@@ -14563,8 +15405,8 @@
         </p:nvSpPr>
         <p:spPr>
           <a:xfrm>
-            <a:off x="609480" y="-1440"/>
-            <a:ext cx="10964880" cy="582480"/>
+            <a:off x="609480" y="-1800"/>
+            <a:ext cx="10964520" cy="582840"/>
           </a:xfrm>
           <a:prstGeom prst="rect">
             <a:avLst/>
@@ -14619,7 +15461,7 @@
         <p:spPr>
           <a:xfrm>
             <a:off x="228600" y="685800"/>
-            <a:ext cx="11655000" cy="7039800"/>
+            <a:ext cx="11654640" cy="7039800"/>
           </a:xfrm>
           <a:prstGeom prst="rect">
             <a:avLst/>
@@ -15076,8 +15918,8 @@
         </p:nvSpPr>
         <p:spPr>
           <a:xfrm>
-            <a:off x="609480" y="-45720"/>
-            <a:ext cx="10964880" cy="671040"/>
+            <a:off x="609480" y="-46080"/>
+            <a:ext cx="10964520" cy="671400"/>
           </a:xfrm>
           <a:prstGeom prst="rect">
             <a:avLst/>
@@ -15950,8 +16792,8 @@
         </p:nvSpPr>
         <p:spPr>
           <a:xfrm>
-            <a:off x="609480" y="-1440"/>
-            <a:ext cx="10964880" cy="582480"/>
+            <a:off x="609480" y="-1800"/>
+            <a:ext cx="10964520" cy="582840"/>
           </a:xfrm>
           <a:prstGeom prst="rect">
             <a:avLst/>
@@ -15984,7 +16826,7 @@
                 <a:uFillTx/>
                 <a:latin typeface="Arial"/>
               </a:rPr>
-              <a:t>Intensity_min_fract.VS.cos_min</a:t>
+              <a:t>Intensity_min_fract and cos_min</a:t>
             </a:r>
             <a:endParaRPr lang="en-US" sz="3200" b="0" u="none" strike="noStrike">
               <a:solidFill>
@@ -16006,7 +16848,7 @@
         <p:spPr>
           <a:xfrm>
             <a:off x="228600" y="685800"/>
-            <a:ext cx="11655000" cy="7183800"/>
+            <a:ext cx="11654640" cy="7183800"/>
           </a:xfrm>
           <a:prstGeom prst="rect">
             <a:avLst/>
@@ -16982,7 +17824,7 @@
         <p:spPr>
           <a:xfrm>
             <a:off x="6172200" y="4473360"/>
-            <a:ext cx="4876560" cy="2155680"/>
+            <a:ext cx="4876200" cy="2155320"/>
           </a:xfrm>
           <a:prstGeom prst="rect">
             <a:avLst/>
@@ -17021,6 +17863,7 @@
                 <a:effectLst/>
                 <a:uFillTx/>
                 <a:latin typeface="Arial"/>
+                <a:ea typeface="SimSun"/>
               </a:rPr>
               <a:t>Summary</a:t>
             </a:r>
@@ -17062,6 +17905,7 @@
                 <a:effectLst/>
                 <a:uFillTx/>
                 <a:latin typeface="Arial"/>
+                <a:ea typeface="SimSun"/>
               </a:rPr>
               <a:t>cos_min:</a:t>
             </a:r>
@@ -17073,6 +17917,7 @@
                 <a:effectLst/>
                 <a:uFillTx/>
                 <a:latin typeface="Arial"/>
+                <a:ea typeface="SimSun"/>
               </a:rPr>
               <a:t> Are they pointing at each other?</a:t>
             </a:r>
@@ -17114,6 +17959,7 @@
                 <a:effectLst/>
                 <a:uFillTx/>
                 <a:latin typeface="Arial"/>
+                <a:ea typeface="SimSun"/>
               </a:rPr>
               <a:t>intensity_min_frac:</a:t>
             </a:r>
@@ -17125,6 +17971,7 @@
                 <a:effectLst/>
                 <a:uFillTx/>
                 <a:latin typeface="Arial"/>
+                <a:ea typeface="SimSun"/>
               </a:rPr>
               <a:t> Does the connection path actually look like neurite?</a:t>
             </a:r>
@@ -17181,8 +18028,8 @@
         </p:nvSpPr>
         <p:spPr>
           <a:xfrm>
-            <a:off x="609480" y="-1440"/>
-            <a:ext cx="10964880" cy="582480"/>
+            <a:off x="609480" y="-1800"/>
+            <a:ext cx="10964520" cy="582840"/>
           </a:xfrm>
           <a:prstGeom prst="rect">
             <a:avLst/>
@@ -17215,7 +18062,7 @@
                 <a:uFillTx/>
                 <a:latin typeface="Arial"/>
               </a:rPr>
-              <a:t>Intensity_min_fract.VS.cos_min</a:t>
+              <a:t>Intensity_min_fract and cos_min</a:t>
             </a:r>
             <a:endParaRPr lang="en-US" sz="3200" b="0" u="none" strike="noStrike">
               <a:solidFill>
@@ -17237,7 +18084,7 @@
         <p:spPr>
           <a:xfrm>
             <a:off x="228600" y="685800"/>
-            <a:ext cx="11655000" cy="2753280"/>
+            <a:ext cx="11654640" cy="2753280"/>
           </a:xfrm>
           <a:prstGeom prst="rect">
             <a:avLst/>
@@ -17956,7 +18803,7 @@
         <p:spPr>
           <a:xfrm>
             <a:off x="3061440" y="1888200"/>
-            <a:ext cx="6768000" cy="4512240"/>
+            <a:ext cx="6767640" cy="4511880"/>
           </a:xfrm>
           <a:prstGeom prst="rect">
             <a:avLst/>

--- a/UPDATE 19-2.pptx
+++ b/UPDATE 19-2.pptx
@@ -2046,7 +2046,55 @@
                 <a:latin typeface="Arial"/>
                 <a:ea typeface="SimSun"/>
               </a:rPr>
-              <a:t>Click to edit Master title style</a:t>
+              <a:t>Click to </a:t>
+            </a:r>
+            <a:r>
+              <a:rPr lang="en-US" sz="6000" b="0" u="none" strike="noStrike">
+                <a:solidFill>
+                  <a:schemeClr val="dk1"/>
+                </a:solidFill>
+                <a:effectLst/>
+                <a:uFillTx/>
+                <a:latin typeface="Arial"/>
+                <a:ea typeface="SimSun"/>
+              </a:rPr>
+              <a:t>edit </a:t>
+            </a:r>
+            <a:r>
+              <a:rPr lang="en-US" sz="6000" b="0" u="none" strike="noStrike">
+                <a:solidFill>
+                  <a:schemeClr val="dk1"/>
+                </a:solidFill>
+                <a:effectLst/>
+                <a:uFillTx/>
+                <a:latin typeface="Arial"/>
+                <a:ea typeface="SimSun"/>
+              </a:rPr>
+              <a:t>Master </a:t>
+            </a:r>
+            <a:r>
+              <a:rPr lang="en-US" sz="6000" b="0" u="none" strike="noStrike">
+                <a:solidFill>
+                  <a:schemeClr val="dk1"/>
+                </a:solidFill>
+                <a:effectLst/>
+                <a:uFillTx/>
+                <a:latin typeface="Arial"/>
+                <a:ea typeface="SimSun"/>
+              </a:rPr>
+              <a:t>title </a:t>
+            </a:r>
+            <a:r>
+              <a:rPr lang="en-US" sz="6000" b="0" u="none" strike="noStrike">
+                <a:solidFill>
+                  <a:schemeClr val="dk1"/>
+                </a:solidFill>
+                <a:effectLst/>
+                <a:uFillTx/>
+                <a:latin typeface="Arial"/>
+                <a:ea typeface="SimSun"/>
+              </a:rPr>
+              <a:t>style</a:t>
             </a:r>
             <a:endParaRPr lang="en-US" sz="6000" b="0" u="none" strike="noStrike">
               <a:solidFill>
@@ -10434,7 +10482,7 @@
                 <a:latin typeface="Arial"/>
                 <a:ea typeface="SimSun"/>
               </a:rPr>
-              <a:t>Examples</a:t>
+              <a:t>Comparison</a:t>
             </a:r>
             <a:endParaRPr lang="en-US" sz="2200" b="0" u="none" strike="noStrike">
               <a:solidFill>
@@ -10849,6 +10897,1622 @@
                           <a:latin typeface="Arial"/>
                         </a:rPr>
                         <a:t>How STRICT the decision is </a:t>
+                      </a:r>
+                      <a:endParaRPr lang="en-US" sz="1800" b="0" u="none" strike="noStrike">
+                        <a:solidFill>
+                          <a:srgbClr val="000000"/>
+                        </a:solidFill>
+                        <a:effectLst/>
+                        <a:uFillTx/>
+                        <a:latin typeface="Arial"/>
+                      </a:endParaRPr>
+                    </a:p>
+                  </a:txBody>
+                  <a:tcPr anchor="t" marL="36000" marR="36000" marT="36000" marB="36000">
+                    <a:lnL w="7200">
+                      <a:solidFill>
+                        <a:srgbClr val="000000"/>
+                      </a:solidFill>
+                      <a:prstDash val="solid"/>
+                    </a:lnL>
+                    <a:lnR w="7200">
+                      <a:solidFill>
+                        <a:srgbClr val="000000"/>
+                      </a:solidFill>
+                      <a:prstDash val="solid"/>
+                    </a:lnR>
+                    <a:lnT w="7200">
+                      <a:solidFill>
+                        <a:srgbClr val="000000"/>
+                      </a:solidFill>
+                      <a:prstDash val="solid"/>
+                    </a:lnT>
+                    <a:lnB w="7200">
+                      <a:solidFill>
+                        <a:srgbClr val="000000"/>
+                      </a:solidFill>
+                      <a:prstDash val="solid"/>
+                    </a:lnB>
+                    <a:noFill/>
+                  </a:tcPr>
+                </a:tc>
+              </a:tr>
+            </a:tbl>
+          </a:graphicData>
+        </a:graphic>
+      </p:graphicFrame>
+      <p:sp>
+        <p:nvSpPr>
+          <p:cNvPr id="135" name=""/>
+          <p:cNvSpPr txBox="1"/>
+          <p:nvPr/>
+        </p:nvSpPr>
+        <p:spPr>
+          <a:xfrm>
+            <a:off x="140400" y="2057400"/>
+            <a:ext cx="9918000" cy="5338080"/>
+          </a:xfrm>
+          <a:prstGeom prst="rect">
+            <a:avLst/>
+          </a:prstGeom>
+          <a:noFill/>
+          <a:ln w="0">
+            <a:noFill/>
+          </a:ln>
+        </p:spPr>
+        <p:txBody>
+          <a:bodyPr lIns="90000" rIns="90000" tIns="45000" bIns="45000" anchor="t">
+            <a:spAutoFit/>
+          </a:bodyPr>
+          <a:p>
+            <a:r>
+              <a:rPr lang="en-US" sz="1400" b="1" u="none" strike="noStrike">
+                <a:solidFill>
+                  <a:srgbClr val="000000"/>
+                </a:solidFill>
+                <a:effectLst/>
+                <a:uFillTx/>
+                <a:latin typeface="Arial"/>
+              </a:rPr>
+              <a:t>How They Work Together</a:t>
+            </a:r>
+            <a:endParaRPr lang="en-US" sz="1400" b="1" u="none" strike="noStrike">
+              <a:solidFill>
+                <a:srgbClr val="000000"/>
+              </a:solidFill>
+              <a:effectLst/>
+              <a:uFillTx/>
+              <a:latin typeface="Arial"/>
+            </a:endParaRPr>
+          </a:p>
+          <a:p>
+            <a:r>
+              <a:rPr lang="en-US" sz="1400" b="0" u="none" strike="noStrike">
+                <a:solidFill>
+                  <a:srgbClr val="000000"/>
+                </a:solidFill>
+                <a:effectLst/>
+                <a:uFillTx/>
+                <a:latin typeface="Arial"/>
+              </a:rPr>
+              <a:t>Large block + small offset: Very conservative mask → possible broken branches</a:t>
+            </a:r>
+            <a:endParaRPr lang="en-US" sz="1400" b="0" u="none" strike="noStrike">
+              <a:solidFill>
+                <a:srgbClr val="000000"/>
+              </a:solidFill>
+              <a:effectLst/>
+              <a:uFillTx/>
+              <a:latin typeface="Arial"/>
+            </a:endParaRPr>
+          </a:p>
+          <a:p>
+            <a:r>
+              <a:rPr lang="en-US" sz="1400" b="1" u="none" strike="noStrike">
+                <a:solidFill>
+                  <a:srgbClr val="000000"/>
+                </a:solidFill>
+                <a:effectLst/>
+                <a:uFillTx/>
+                <a:latin typeface="Arial"/>
+              </a:rPr>
+              <a:t>Small block + large offset: </a:t>
+            </a:r>
+            <a:r>
+              <a:rPr lang="en-US" sz="1400" b="0" u="none" strike="noStrike">
+                <a:solidFill>
+                  <a:srgbClr val="000000"/>
+                </a:solidFill>
+                <a:effectLst/>
+                <a:uFillTx/>
+                <a:latin typeface="Arial"/>
+              </a:rPr>
+              <a:t>Very permissive mask → noise</a:t>
+            </a:r>
+            <a:endParaRPr lang="en-US" sz="1400" b="1" u="none" strike="noStrike">
+              <a:solidFill>
+                <a:srgbClr val="000000"/>
+              </a:solidFill>
+              <a:effectLst/>
+              <a:uFillTx/>
+              <a:latin typeface="Arial"/>
+            </a:endParaRPr>
+          </a:p>
+          <a:p>
+            <a:pPr>
+              <a:lnSpc>
+                <a:spcPct val="100000"/>
+              </a:lnSpc>
+              <a:spcBef>
+                <a:spcPts val="340"/>
+              </a:spcBef>
+              <a:spcAft>
+                <a:spcPts val="142"/>
+              </a:spcAft>
+            </a:pPr>
+            <a:r>
+              <a:rPr lang="en-US" sz="1400" b="1" u="none" strike="noStrike">
+                <a:solidFill>
+                  <a:srgbClr val="000000"/>
+                </a:solidFill>
+                <a:effectLst/>
+                <a:uFillTx/>
+                <a:latin typeface="Arial"/>
+              </a:rPr>
+              <a:t>block_size =</a:t>
+            </a:r>
+            <a:r>
+              <a:rPr lang="en-US" sz="1400" b="0" u="none" strike="noStrike">
+                <a:solidFill>
+                  <a:srgbClr val="000000"/>
+                </a:solidFill>
+                <a:effectLst/>
+                <a:uFillTx/>
+                <a:latin typeface="Arial"/>
+              </a:rPr>
+              <a:t> “How big is the area I compare each pixel to?”</a:t>
+            </a:r>
+            <a:endParaRPr lang="en-US" sz="1400" b="1" u="none" strike="noStrike">
+              <a:solidFill>
+                <a:srgbClr val="000000"/>
+              </a:solidFill>
+              <a:effectLst/>
+              <a:uFillTx/>
+              <a:latin typeface="Arial"/>
+              <a:ea typeface="Microsoft YaHei"/>
+            </a:endParaRPr>
+          </a:p>
+          <a:p>
+            <a:pPr>
+              <a:lnSpc>
+                <a:spcPct val="100000"/>
+              </a:lnSpc>
+              <a:spcBef>
+                <a:spcPts val="340"/>
+              </a:spcBef>
+              <a:spcAft>
+                <a:spcPts val="142"/>
+              </a:spcAft>
+            </a:pPr>
+            <a:r>
+              <a:rPr lang="en-US" sz="1400" b="1" u="none" strike="noStrike">
+                <a:solidFill>
+                  <a:srgbClr val="000000"/>
+                </a:solidFill>
+                <a:effectLst/>
+                <a:uFillTx/>
+                <a:latin typeface="Arial"/>
+              </a:rPr>
+              <a:t>offset_std_mult =</a:t>
+            </a:r>
+            <a:r>
+              <a:rPr lang="en-US" sz="1400" b="0" u="none" strike="noStrike">
+                <a:solidFill>
+                  <a:srgbClr val="000000"/>
+                </a:solidFill>
+                <a:effectLst/>
+                <a:uFillTx/>
+                <a:latin typeface="Arial"/>
+              </a:rPr>
+              <a:t> “How easy do I allow pixels to pass the threshold?”</a:t>
+            </a:r>
+            <a:endParaRPr lang="en-US" sz="1400" b="1" u="none" strike="noStrike">
+              <a:solidFill>
+                <a:srgbClr val="000000"/>
+              </a:solidFill>
+              <a:effectLst/>
+              <a:uFillTx/>
+              <a:latin typeface="Arial"/>
+              <a:ea typeface="Microsoft YaHei"/>
+            </a:endParaRPr>
+          </a:p>
+          <a:p>
+            <a:pPr>
+              <a:lnSpc>
+                <a:spcPct val="100000"/>
+              </a:lnSpc>
+              <a:spcBef>
+                <a:spcPts val="340"/>
+              </a:spcBef>
+              <a:spcAft>
+                <a:spcPts val="142"/>
+              </a:spcAft>
+            </a:pPr>
+            <a:endParaRPr lang="en-US" sz="1400" b="1" u="none" strike="noStrike">
+              <a:solidFill>
+                <a:srgbClr val="000000"/>
+              </a:solidFill>
+              <a:effectLst/>
+              <a:uFillTx/>
+              <a:latin typeface="Arial"/>
+              <a:ea typeface="Microsoft YaHei"/>
+            </a:endParaRPr>
+          </a:p>
+          <a:p>
+            <a:pPr>
+              <a:lnSpc>
+                <a:spcPct val="100000"/>
+              </a:lnSpc>
+              <a:spcBef>
+                <a:spcPts val="1191"/>
+              </a:spcBef>
+              <a:spcAft>
+                <a:spcPts val="992"/>
+              </a:spcAft>
+            </a:pPr>
+            <a:r>
+              <a:rPr lang="en-US" sz="1200" b="1" u="none" strike="noStrike">
+                <a:solidFill>
+                  <a:srgbClr val="000000"/>
+                </a:solidFill>
+                <a:effectLst/>
+                <a:uFillTx/>
+                <a:latin typeface="Arial"/>
+                <a:ea typeface="Microsoft YaHei"/>
+              </a:rPr>
+              <a:t> If you see broken branches</a:t>
+            </a:r>
+            <a:endParaRPr lang="en-US" sz="1200" b="1" u="none" strike="noStrike">
+              <a:solidFill>
+                <a:srgbClr val="000000"/>
+              </a:solidFill>
+              <a:effectLst/>
+              <a:uFillTx/>
+              <a:latin typeface="Arial"/>
+            </a:endParaRPr>
+          </a:p>
+          <a:p>
+            <a:pPr>
+              <a:lnSpc>
+                <a:spcPct val="100000"/>
+              </a:lnSpc>
+              <a:spcBef>
+                <a:spcPts val="340"/>
+              </a:spcBef>
+              <a:spcAft>
+                <a:spcPts val="142"/>
+              </a:spcAft>
+            </a:pPr>
+            <a:r>
+              <a:rPr lang="en-US" sz="1200" b="0" u="none" strike="noStrike">
+                <a:solidFill>
+                  <a:srgbClr val="000000"/>
+                </a:solidFill>
+                <a:effectLst/>
+                <a:uFillTx/>
+                <a:latin typeface="Arial"/>
+                <a:ea typeface="Microsoft YaHei"/>
+              </a:rPr>
+              <a:t>→ Increase offset</a:t>
+            </a:r>
+            <a:endParaRPr lang="en-US" sz="1200" b="0" u="none" strike="noStrike">
+              <a:solidFill>
+                <a:srgbClr val="000000"/>
+              </a:solidFill>
+              <a:effectLst/>
+              <a:uFillTx/>
+              <a:latin typeface="Arial"/>
+              <a:ea typeface="Microsoft YaHei"/>
+            </a:endParaRPr>
+          </a:p>
+          <a:p>
+            <a:pPr>
+              <a:lnSpc>
+                <a:spcPct val="100000"/>
+              </a:lnSpc>
+              <a:spcBef>
+                <a:spcPts val="340"/>
+              </a:spcBef>
+              <a:spcAft>
+                <a:spcPts val="142"/>
+              </a:spcAft>
+            </a:pPr>
+            <a:r>
+              <a:rPr lang="en-US" sz="1200" b="0" u="none" strike="noStrike">
+                <a:solidFill>
+                  <a:srgbClr val="000000"/>
+                </a:solidFill>
+                <a:effectLst/>
+                <a:uFillTx/>
+                <a:latin typeface="Arial"/>
+                <a:ea typeface="Microsoft YaHei"/>
+              </a:rPr>
+              <a:t>→ Or decrease block_size</a:t>
+            </a:r>
+            <a:endParaRPr lang="en-US" sz="1200" b="0" u="none" strike="noStrike">
+              <a:solidFill>
+                <a:srgbClr val="000000"/>
+              </a:solidFill>
+              <a:effectLst/>
+              <a:uFillTx/>
+              <a:latin typeface="Arial"/>
+              <a:ea typeface="Microsoft YaHei"/>
+            </a:endParaRPr>
+          </a:p>
+          <a:p>
+            <a:pPr>
+              <a:lnSpc>
+                <a:spcPct val="100000"/>
+              </a:lnSpc>
+              <a:spcBef>
+                <a:spcPts val="1191"/>
+              </a:spcBef>
+              <a:spcAft>
+                <a:spcPts val="992"/>
+              </a:spcAft>
+            </a:pPr>
+            <a:r>
+              <a:rPr lang="en-US" sz="1200" b="1" u="none" strike="noStrike">
+                <a:solidFill>
+                  <a:srgbClr val="000000"/>
+                </a:solidFill>
+                <a:effectLst/>
+                <a:uFillTx/>
+                <a:latin typeface="Arial"/>
+                <a:ea typeface="Microsoft YaHei"/>
+              </a:rPr>
+              <a:t>If you see too much noise</a:t>
+            </a:r>
+            <a:endParaRPr lang="en-US" sz="1200" b="1" u="none" strike="noStrike">
+              <a:solidFill>
+                <a:srgbClr val="000000"/>
+              </a:solidFill>
+              <a:effectLst/>
+              <a:uFillTx/>
+              <a:latin typeface="Arial"/>
+            </a:endParaRPr>
+          </a:p>
+          <a:p>
+            <a:pPr>
+              <a:lnSpc>
+                <a:spcPct val="100000"/>
+              </a:lnSpc>
+              <a:spcBef>
+                <a:spcPts val="624"/>
+              </a:spcBef>
+              <a:spcAft>
+                <a:spcPts val="425"/>
+              </a:spcAft>
+            </a:pPr>
+            <a:r>
+              <a:rPr lang="en-US" sz="1200" b="0" u="none" strike="noStrike">
+                <a:solidFill>
+                  <a:srgbClr val="000000"/>
+                </a:solidFill>
+                <a:effectLst/>
+                <a:uFillTx/>
+                <a:latin typeface="Arial"/>
+                <a:ea typeface="Microsoft YaHei"/>
+              </a:rPr>
+              <a:t>→ Decrease offset</a:t>
+            </a:r>
+            <a:endParaRPr lang="en-US" sz="1200" b="0" u="none" strike="noStrike">
+              <a:solidFill>
+                <a:srgbClr val="000000"/>
+              </a:solidFill>
+              <a:effectLst/>
+              <a:uFillTx/>
+              <a:latin typeface="Arial"/>
+              <a:ea typeface="Microsoft YaHei"/>
+            </a:endParaRPr>
+          </a:p>
+          <a:p>
+            <a:pPr>
+              <a:lnSpc>
+                <a:spcPct val="100000"/>
+              </a:lnSpc>
+              <a:spcBef>
+                <a:spcPts val="624"/>
+              </a:spcBef>
+              <a:spcAft>
+                <a:spcPts val="425"/>
+              </a:spcAft>
+            </a:pPr>
+            <a:r>
+              <a:rPr lang="en-US" sz="1200" b="0" u="none" strike="noStrike">
+                <a:solidFill>
+                  <a:srgbClr val="000000"/>
+                </a:solidFill>
+                <a:effectLst/>
+                <a:uFillTx/>
+                <a:latin typeface="Arial"/>
+                <a:ea typeface="Microsoft YaHei"/>
+              </a:rPr>
+              <a:t>→ Or increase block_size</a:t>
+            </a:r>
+            <a:endParaRPr lang="en-US" sz="1200" b="0" u="none" strike="noStrike">
+              <a:solidFill>
+                <a:srgbClr val="000000"/>
+              </a:solidFill>
+              <a:effectLst/>
+              <a:uFillTx/>
+              <a:latin typeface="Arial"/>
+              <a:ea typeface="Microsoft YaHei"/>
+            </a:endParaRPr>
+          </a:p>
+          <a:p>
+            <a:pPr>
+              <a:lnSpc>
+                <a:spcPct val="100000"/>
+              </a:lnSpc>
+              <a:spcBef>
+                <a:spcPts val="1191"/>
+              </a:spcBef>
+              <a:spcAft>
+                <a:spcPts val="992"/>
+              </a:spcAft>
+            </a:pPr>
+            <a:endParaRPr lang="en-US" sz="1200" b="0" u="none" strike="noStrike">
+              <a:solidFill>
+                <a:srgbClr val="000000"/>
+              </a:solidFill>
+              <a:effectLst/>
+              <a:uFillTx/>
+              <a:latin typeface="Arial"/>
+            </a:endParaRPr>
+          </a:p>
+          <a:p>
+            <a:endParaRPr lang="en-US" sz="1400" b="1" u="none" strike="noStrike">
+              <a:solidFill>
+                <a:srgbClr val="000000"/>
+              </a:solidFill>
+              <a:effectLst/>
+              <a:uFillTx/>
+              <a:latin typeface="Arial"/>
+            </a:endParaRPr>
+          </a:p>
+          <a:p>
+            <a:endParaRPr lang="en-US" sz="1000" b="0" u="none" strike="noStrike">
+              <a:solidFill>
+                <a:srgbClr val="000000"/>
+              </a:solidFill>
+              <a:effectLst/>
+              <a:uFillTx/>
+              <a:latin typeface="Arial"/>
+            </a:endParaRPr>
+          </a:p>
+        </p:txBody>
+      </p:sp>
+      <p:graphicFrame>
+        <p:nvGraphicFramePr>
+          <p:cNvPr id="136" name=""/>
+          <p:cNvGraphicFramePr/>
+          <p:nvPr/>
+        </p:nvGraphicFramePr>
+        <p:xfrm>
+          <a:off x="6841800" y="2035080"/>
+          <a:ext cx="5075280" cy="1731240"/>
+        </p:xfrm>
+        <a:graphic>
+          <a:graphicData uri="http://schemas.openxmlformats.org/drawingml/2006/table">
+            <a:tbl>
+              <a:tblPr/>
+              <a:tblGrid>
+                <a:gridCol w="2537640"/>
+                <a:gridCol w="2538000"/>
+              </a:tblGrid>
+              <a:tr h="346320">
+                <a:tc>
+                  <a:txBody>
+                    <a:bodyPr lIns="36000" rIns="36000" tIns="36000" bIns="36000" anchor="t">
+                      <a:noAutofit/>
+                    </a:bodyPr>
+                    <a:p>
+                      <a:r>
+                        <a:rPr lang="en-US" sz="1800" b="0" u="none" strike="noStrike">
+                          <a:solidFill>
+                            <a:srgbClr val="000000"/>
+                          </a:solidFill>
+                          <a:effectLst/>
+                          <a:uFillTx/>
+                          <a:latin typeface="Arial"/>
+                        </a:rPr>
+                        <a:t>Situation</a:t>
+                      </a:r>
+                      <a:endParaRPr lang="en-US" sz="1800" b="0" u="none" strike="noStrike">
+                        <a:solidFill>
+                          <a:srgbClr val="000000"/>
+                        </a:solidFill>
+                        <a:effectLst/>
+                        <a:uFillTx/>
+                        <a:latin typeface="Arial"/>
+                      </a:endParaRPr>
+                    </a:p>
+                  </a:txBody>
+                  <a:tcPr anchor="t" marL="36000" marR="36000" marT="36000" marB="36000">
+                    <a:lnL w="7200">
+                      <a:solidFill>
+                        <a:srgbClr val="000000"/>
+                      </a:solidFill>
+                      <a:prstDash val="solid"/>
+                    </a:lnL>
+                    <a:lnR w="7200">
+                      <a:solidFill>
+                        <a:srgbClr val="000000"/>
+                      </a:solidFill>
+                      <a:prstDash val="solid"/>
+                    </a:lnR>
+                    <a:lnT w="7200">
+                      <a:solidFill>
+                        <a:srgbClr val="000000"/>
+                      </a:solidFill>
+                      <a:prstDash val="solid"/>
+                    </a:lnT>
+                    <a:lnB w="7200">
+                      <a:solidFill>
+                        <a:srgbClr val="000000"/>
+                      </a:solidFill>
+                      <a:prstDash val="solid"/>
+                    </a:lnB>
+                    <a:noFill/>
+                  </a:tcPr>
+                </a:tc>
+                <a:tc>
+                  <a:txBody>
+                    <a:bodyPr lIns="36000" rIns="36000" tIns="36000" bIns="36000" anchor="t">
+                      <a:noAutofit/>
+                    </a:bodyPr>
+                    <a:p>
+                      <a:r>
+                        <a:rPr lang="en-US" sz="1800" b="0" u="none" strike="noStrike">
+                          <a:solidFill>
+                            <a:srgbClr val="000000"/>
+                          </a:solidFill>
+                          <a:effectLst/>
+                          <a:uFillTx/>
+                          <a:latin typeface="Arial"/>
+                        </a:rPr>
+                        <a:t> COMBINATIONS</a:t>
+                      </a:r>
+                      <a:endParaRPr lang="en-US" sz="1800" b="0" u="none" strike="noStrike">
+                        <a:solidFill>
+                          <a:srgbClr val="000000"/>
+                        </a:solidFill>
+                        <a:effectLst/>
+                        <a:uFillTx/>
+                        <a:latin typeface="Arial"/>
+                      </a:endParaRPr>
+                    </a:p>
+                  </a:txBody>
+                  <a:tcPr anchor="t" marL="36000" marR="36000" marT="36000" marB="36000">
+                    <a:lnL w="7200">
+                      <a:solidFill>
+                        <a:srgbClr val="000000"/>
+                      </a:solidFill>
+                      <a:prstDash val="solid"/>
+                    </a:lnL>
+                    <a:lnR w="7200">
+                      <a:solidFill>
+                        <a:srgbClr val="000000"/>
+                      </a:solidFill>
+                      <a:prstDash val="solid"/>
+                    </a:lnR>
+                    <a:lnT w="7200">
+                      <a:solidFill>
+                        <a:srgbClr val="000000"/>
+                      </a:solidFill>
+                      <a:prstDash val="solid"/>
+                    </a:lnT>
+                    <a:lnB w="7200">
+                      <a:solidFill>
+                        <a:srgbClr val="000000"/>
+                      </a:solidFill>
+                      <a:prstDash val="solid"/>
+                    </a:lnB>
+                    <a:noFill/>
+                  </a:tcPr>
+                </a:tc>
+              </a:tr>
+              <a:tr h="346320">
+                <a:tc>
+                  <a:txBody>
+                    <a:bodyPr lIns="36000" rIns="36000" tIns="36000" bIns="36000" anchor="t">
+                      <a:noAutofit/>
+                    </a:bodyPr>
+                    <a:p>
+                      <a:r>
+                        <a:rPr lang="en-US" sz="1800" b="0" u="none" strike="noStrike">
+                          <a:solidFill>
+                            <a:srgbClr val="000000"/>
+                          </a:solidFill>
+                          <a:effectLst/>
+                          <a:uFillTx/>
+                          <a:latin typeface="Arial"/>
+                        </a:rPr>
+                        <a:t>Thick bright axons </a:t>
+                      </a:r>
+                      <a:endParaRPr lang="en-US" sz="1800" b="0" u="none" strike="noStrike">
+                        <a:solidFill>
+                          <a:srgbClr val="000000"/>
+                        </a:solidFill>
+                        <a:effectLst/>
+                        <a:uFillTx/>
+                        <a:latin typeface="Arial"/>
+                      </a:endParaRPr>
+                    </a:p>
+                  </a:txBody>
+                  <a:tcPr anchor="t" marL="36000" marR="36000" marT="36000" marB="36000">
+                    <a:lnL w="7200">
+                      <a:solidFill>
+                        <a:srgbClr val="000000"/>
+                      </a:solidFill>
+                      <a:prstDash val="solid"/>
+                    </a:lnL>
+                    <a:lnR w="7200">
+                      <a:solidFill>
+                        <a:srgbClr val="000000"/>
+                      </a:solidFill>
+                      <a:prstDash val="solid"/>
+                    </a:lnR>
+                    <a:lnT w="7200">
+                      <a:solidFill>
+                        <a:srgbClr val="000000"/>
+                      </a:solidFill>
+                      <a:prstDash val="solid"/>
+                    </a:lnT>
+                    <a:lnB w="7200">
+                      <a:solidFill>
+                        <a:srgbClr val="000000"/>
+                      </a:solidFill>
+                      <a:prstDash val="solid"/>
+                    </a:lnB>
+                    <a:noFill/>
+                  </a:tcPr>
+                </a:tc>
+                <a:tc>
+                  <a:txBody>
+                    <a:bodyPr lIns="36000" rIns="36000" tIns="36000" bIns="36000" anchor="t">
+                      <a:noAutofit/>
+                    </a:bodyPr>
+                    <a:p>
+                      <a:r>
+                        <a:rPr lang="en-US" sz="1800" b="0" u="none" strike="noStrike">
+                          <a:solidFill>
+                            <a:srgbClr val="000000"/>
+                          </a:solidFill>
+                          <a:effectLst/>
+                          <a:uFillTx/>
+                          <a:latin typeface="Arial"/>
+                        </a:rPr>
+                        <a:t>151–201 + 0.12–0.15 </a:t>
+                      </a:r>
+                      <a:endParaRPr lang="en-US" sz="1800" b="0" u="none" strike="noStrike">
+                        <a:solidFill>
+                          <a:srgbClr val="000000"/>
+                        </a:solidFill>
+                        <a:effectLst/>
+                        <a:uFillTx/>
+                        <a:latin typeface="Arial"/>
+                      </a:endParaRPr>
+                    </a:p>
+                  </a:txBody>
+                  <a:tcPr anchor="t" marL="36000" marR="36000" marT="36000" marB="36000">
+                    <a:lnL w="7200">
+                      <a:solidFill>
+                        <a:srgbClr val="000000"/>
+                      </a:solidFill>
+                      <a:prstDash val="solid"/>
+                    </a:lnL>
+                    <a:lnR w="7200">
+                      <a:solidFill>
+                        <a:srgbClr val="000000"/>
+                      </a:solidFill>
+                      <a:prstDash val="solid"/>
+                    </a:lnR>
+                    <a:lnT w="7200">
+                      <a:solidFill>
+                        <a:srgbClr val="000000"/>
+                      </a:solidFill>
+                      <a:prstDash val="solid"/>
+                    </a:lnT>
+                    <a:lnB w="7200">
+                      <a:solidFill>
+                        <a:srgbClr val="000000"/>
+                      </a:solidFill>
+                      <a:prstDash val="solid"/>
+                    </a:lnB>
+                    <a:noFill/>
+                  </a:tcPr>
+                </a:tc>
+              </a:tr>
+              <a:tr h="346320">
+                <a:tc>
+                  <a:txBody>
+                    <a:bodyPr lIns="36000" rIns="36000" tIns="36000" bIns="36000" anchor="t">
+                      <a:noAutofit/>
+                    </a:bodyPr>
+                    <a:p>
+                      <a:r>
+                        <a:rPr lang="en-US" sz="1800" b="0" u="none" strike="noStrike">
+                          <a:solidFill>
+                            <a:srgbClr val="000000"/>
+                          </a:solidFill>
+                          <a:effectLst/>
+                          <a:uFillTx/>
+                          <a:latin typeface="Arial"/>
+                        </a:rPr>
+                        <a:t>Thin dim neurites </a:t>
+                      </a:r>
+                      <a:endParaRPr lang="en-US" sz="1800" b="0" u="none" strike="noStrike">
+                        <a:solidFill>
+                          <a:srgbClr val="000000"/>
+                        </a:solidFill>
+                        <a:effectLst/>
+                        <a:uFillTx/>
+                        <a:latin typeface="Arial"/>
+                      </a:endParaRPr>
+                    </a:p>
+                  </a:txBody>
+                  <a:tcPr anchor="t" marL="36000" marR="36000" marT="36000" marB="36000">
+                    <a:lnL w="7200">
+                      <a:solidFill>
+                        <a:srgbClr val="000000"/>
+                      </a:solidFill>
+                      <a:prstDash val="solid"/>
+                    </a:lnL>
+                    <a:lnR w="7200">
+                      <a:solidFill>
+                        <a:srgbClr val="000000"/>
+                      </a:solidFill>
+                      <a:prstDash val="solid"/>
+                    </a:lnR>
+                    <a:lnT w="7200">
+                      <a:solidFill>
+                        <a:srgbClr val="000000"/>
+                      </a:solidFill>
+                      <a:prstDash val="solid"/>
+                    </a:lnT>
+                    <a:lnB w="7200">
+                      <a:solidFill>
+                        <a:srgbClr val="000000"/>
+                      </a:solidFill>
+                      <a:prstDash val="solid"/>
+                    </a:lnB>
+                    <a:noFill/>
+                  </a:tcPr>
+                </a:tc>
+                <a:tc>
+                  <a:txBody>
+                    <a:bodyPr lIns="36000" rIns="36000" tIns="36000" bIns="36000" anchor="t">
+                      <a:noAutofit/>
+                    </a:bodyPr>
+                    <a:p>
+                      <a:r>
+                        <a:rPr lang="en-US" sz="1800" b="0" u="none" strike="noStrike">
+                          <a:solidFill>
+                            <a:srgbClr val="000000"/>
+                          </a:solidFill>
+                          <a:effectLst/>
+                          <a:uFillTx/>
+                          <a:latin typeface="Arial"/>
+                        </a:rPr>
+                        <a:t>91–151 + 0.18–0.22 </a:t>
+                      </a:r>
+                      <a:endParaRPr lang="en-US" sz="1800" b="0" u="none" strike="noStrike">
+                        <a:solidFill>
+                          <a:srgbClr val="000000"/>
+                        </a:solidFill>
+                        <a:effectLst/>
+                        <a:uFillTx/>
+                        <a:latin typeface="Arial"/>
+                      </a:endParaRPr>
+                    </a:p>
+                  </a:txBody>
+                  <a:tcPr anchor="t" marL="36000" marR="36000" marT="36000" marB="36000">
+                    <a:lnL w="7200">
+                      <a:solidFill>
+                        <a:srgbClr val="000000"/>
+                      </a:solidFill>
+                      <a:prstDash val="solid"/>
+                    </a:lnL>
+                    <a:lnR w="7200">
+                      <a:solidFill>
+                        <a:srgbClr val="000000"/>
+                      </a:solidFill>
+                      <a:prstDash val="solid"/>
+                    </a:lnR>
+                    <a:lnT w="7200">
+                      <a:solidFill>
+                        <a:srgbClr val="000000"/>
+                      </a:solidFill>
+                      <a:prstDash val="solid"/>
+                    </a:lnT>
+                    <a:lnB w="7200">
+                      <a:solidFill>
+                        <a:srgbClr val="000000"/>
+                      </a:solidFill>
+                      <a:prstDash val="solid"/>
+                    </a:lnB>
+                    <a:noFill/>
+                  </a:tcPr>
+                </a:tc>
+              </a:tr>
+              <a:tr h="346320">
+                <a:tc>
+                  <a:txBody>
+                    <a:bodyPr lIns="36000" rIns="36000" tIns="36000" bIns="36000" anchor="t">
+                      <a:noAutofit/>
+                    </a:bodyPr>
+                    <a:p>
+                      <a:r>
+                        <a:rPr lang="en-US" sz="1800" b="0" u="none" strike="noStrike">
+                          <a:solidFill>
+                            <a:srgbClr val="000000"/>
+                          </a:solidFill>
+                          <a:effectLst/>
+                          <a:uFillTx/>
+                          <a:latin typeface="Arial"/>
+                        </a:rPr>
+                        <a:t>Very noisy image </a:t>
+                      </a:r>
+                      <a:endParaRPr lang="en-US" sz="1800" b="0" u="none" strike="noStrike">
+                        <a:solidFill>
+                          <a:srgbClr val="000000"/>
+                        </a:solidFill>
+                        <a:effectLst/>
+                        <a:uFillTx/>
+                        <a:latin typeface="Arial"/>
+                      </a:endParaRPr>
+                    </a:p>
+                  </a:txBody>
+                  <a:tcPr anchor="t" marL="36000" marR="36000" marT="36000" marB="36000">
+                    <a:lnL w="7200">
+                      <a:solidFill>
+                        <a:srgbClr val="000000"/>
+                      </a:solidFill>
+                      <a:prstDash val="solid"/>
+                    </a:lnL>
+                    <a:lnR w="7200">
+                      <a:solidFill>
+                        <a:srgbClr val="000000"/>
+                      </a:solidFill>
+                      <a:prstDash val="solid"/>
+                    </a:lnR>
+                    <a:lnT w="7200">
+                      <a:solidFill>
+                        <a:srgbClr val="000000"/>
+                      </a:solidFill>
+                      <a:prstDash val="solid"/>
+                    </a:lnT>
+                    <a:lnB w="7200">
+                      <a:solidFill>
+                        <a:srgbClr val="000000"/>
+                      </a:solidFill>
+                      <a:prstDash val="solid"/>
+                    </a:lnB>
+                    <a:noFill/>
+                  </a:tcPr>
+                </a:tc>
+                <a:tc>
+                  <a:txBody>
+                    <a:bodyPr lIns="36000" rIns="36000" tIns="36000" bIns="36000" anchor="t">
+                      <a:noAutofit/>
+                    </a:bodyPr>
+                    <a:p>
+                      <a:r>
+                        <a:rPr lang="en-US" sz="1800" b="0" u="none" strike="noStrike">
+                          <a:solidFill>
+                            <a:srgbClr val="000000"/>
+                          </a:solidFill>
+                          <a:effectLst/>
+                          <a:uFillTx/>
+                          <a:latin typeface="Arial"/>
+                        </a:rPr>
+                        <a:t>201 + 0.08–0.12 </a:t>
+                      </a:r>
+                      <a:endParaRPr lang="en-US" sz="1800" b="0" u="none" strike="noStrike">
+                        <a:solidFill>
+                          <a:srgbClr val="000000"/>
+                        </a:solidFill>
+                        <a:effectLst/>
+                        <a:uFillTx/>
+                        <a:latin typeface="Arial"/>
+                      </a:endParaRPr>
+                    </a:p>
+                  </a:txBody>
+                  <a:tcPr anchor="t" marL="36000" marR="36000" marT="36000" marB="36000">
+                    <a:lnL w="7200">
+                      <a:solidFill>
+                        <a:srgbClr val="000000"/>
+                      </a:solidFill>
+                      <a:prstDash val="solid"/>
+                    </a:lnL>
+                    <a:lnR w="7200">
+                      <a:solidFill>
+                        <a:srgbClr val="000000"/>
+                      </a:solidFill>
+                      <a:prstDash val="solid"/>
+                    </a:lnR>
+                    <a:lnT w="7200">
+                      <a:solidFill>
+                        <a:srgbClr val="000000"/>
+                      </a:solidFill>
+                      <a:prstDash val="solid"/>
+                    </a:lnT>
+                    <a:lnB w="7200">
+                      <a:solidFill>
+                        <a:srgbClr val="000000"/>
+                      </a:solidFill>
+                      <a:prstDash val="solid"/>
+                    </a:lnB>
+                    <a:noFill/>
+                  </a:tcPr>
+                </a:tc>
+              </a:tr>
+              <a:tr h="346320">
+                <a:tc>
+                  <a:txBody>
+                    <a:bodyPr lIns="36000" rIns="36000" tIns="36000" bIns="36000" anchor="t">
+                      <a:noAutofit/>
+                    </a:bodyPr>
+                    <a:p>
+                      <a:r>
+                        <a:rPr lang="en-US" sz="1800" b="0" u="none" strike="noStrike">
+                          <a:solidFill>
+                            <a:srgbClr val="000000"/>
+                          </a:solidFill>
+                          <a:effectLst/>
+                          <a:uFillTx/>
+                          <a:latin typeface="Arial"/>
+                        </a:rPr>
+                        <a:t>Highly fragmented mask </a:t>
+                      </a:r>
+                      <a:endParaRPr lang="en-US" sz="1800" b="0" u="none" strike="noStrike">
+                        <a:solidFill>
+                          <a:srgbClr val="000000"/>
+                        </a:solidFill>
+                        <a:effectLst/>
+                        <a:uFillTx/>
+                        <a:latin typeface="Arial"/>
+                      </a:endParaRPr>
+                    </a:p>
+                  </a:txBody>
+                  <a:tcPr anchor="t" marL="36000" marR="36000" marT="36000" marB="36000">
+                    <a:lnL w="7200">
+                      <a:solidFill>
+                        <a:srgbClr val="000000"/>
+                      </a:solidFill>
+                      <a:prstDash val="solid"/>
+                    </a:lnL>
+                    <a:lnR w="7200">
+                      <a:solidFill>
+                        <a:srgbClr val="000000"/>
+                      </a:solidFill>
+                      <a:prstDash val="solid"/>
+                    </a:lnR>
+                    <a:lnT w="7200">
+                      <a:solidFill>
+                        <a:srgbClr val="000000"/>
+                      </a:solidFill>
+                      <a:prstDash val="solid"/>
+                    </a:lnT>
+                    <a:lnB w="7200">
+                      <a:solidFill>
+                        <a:srgbClr val="000000"/>
+                      </a:solidFill>
+                      <a:prstDash val="solid"/>
+                    </a:lnB>
+                    <a:noFill/>
+                  </a:tcPr>
+                </a:tc>
+                <a:tc>
+                  <a:txBody>
+                    <a:bodyPr lIns="36000" rIns="36000" tIns="36000" bIns="36000" anchor="t">
+                      <a:noAutofit/>
+                    </a:bodyPr>
+                    <a:p>
+                      <a:r>
+                        <a:rPr lang="en-US" sz="1800" b="0" u="none" strike="noStrike">
+                          <a:solidFill>
+                            <a:srgbClr val="000000"/>
+                          </a:solidFill>
+                          <a:effectLst/>
+                          <a:uFillTx/>
+                          <a:latin typeface="Arial"/>
+                        </a:rPr>
+                        <a:t>101 + 0.18–0.22 </a:t>
+                      </a:r>
+                      <a:endParaRPr lang="en-US" sz="1800" b="0" u="none" strike="noStrike">
+                        <a:solidFill>
+                          <a:srgbClr val="000000"/>
+                        </a:solidFill>
+                        <a:effectLst/>
+                        <a:uFillTx/>
+                        <a:latin typeface="Arial"/>
+                      </a:endParaRPr>
+                    </a:p>
+                  </a:txBody>
+                  <a:tcPr anchor="t" marL="36000" marR="36000" marT="36000" marB="36000">
+                    <a:lnL w="7200">
+                      <a:solidFill>
+                        <a:srgbClr val="000000"/>
+                      </a:solidFill>
+                      <a:prstDash val="solid"/>
+                    </a:lnL>
+                    <a:lnR w="7200">
+                      <a:solidFill>
+                        <a:srgbClr val="000000"/>
+                      </a:solidFill>
+                      <a:prstDash val="solid"/>
+                    </a:lnR>
+                    <a:lnT w="7200">
+                      <a:solidFill>
+                        <a:srgbClr val="000000"/>
+                      </a:solidFill>
+                      <a:prstDash val="solid"/>
+                    </a:lnT>
+                    <a:lnB w="7200">
+                      <a:solidFill>
+                        <a:srgbClr val="000000"/>
+                      </a:solidFill>
+                      <a:prstDash val="solid"/>
+                    </a:lnB>
+                    <a:noFill/>
+                  </a:tcPr>
+                </a:tc>
+              </a:tr>
+            </a:tbl>
+          </a:graphicData>
+        </a:graphic>
+      </p:graphicFrame>
+      <p:graphicFrame>
+        <p:nvGraphicFramePr>
+          <p:cNvPr id="137" name=""/>
+          <p:cNvGraphicFramePr/>
+          <p:nvPr/>
+        </p:nvGraphicFramePr>
+        <p:xfrm>
+          <a:off x="6944760" y="4153680"/>
+          <a:ext cx="5075280" cy="1731240"/>
+        </p:xfrm>
+        <a:graphic>
+          <a:graphicData uri="http://schemas.openxmlformats.org/drawingml/2006/table">
+            <a:tbl>
+              <a:tblPr/>
+              <a:tblGrid>
+                <a:gridCol w="2537640"/>
+                <a:gridCol w="2538000"/>
+              </a:tblGrid>
+              <a:tr h="346320">
+                <a:tc>
+                  <a:txBody>
+                    <a:bodyPr lIns="36000" rIns="36000" tIns="36000" bIns="36000" anchor="t">
+                      <a:noAutofit/>
+                    </a:bodyPr>
+                    <a:p>
+                      <a:r>
+                        <a:rPr lang="en-US" sz="1800" b="0" u="none" strike="noStrike">
+                          <a:solidFill>
+                            <a:srgbClr val="000000"/>
+                          </a:solidFill>
+                          <a:effectLst/>
+                          <a:uFillTx/>
+                          <a:latin typeface="Arial"/>
+                        </a:rPr>
+                        <a:t>You want</a:t>
+                      </a:r>
+                      <a:endParaRPr lang="en-US" sz="1800" b="0" u="none" strike="noStrike">
+                        <a:solidFill>
+                          <a:srgbClr val="000000"/>
+                        </a:solidFill>
+                        <a:effectLst/>
+                        <a:uFillTx/>
+                        <a:latin typeface="Arial"/>
+                      </a:endParaRPr>
+                    </a:p>
+                  </a:txBody>
+                  <a:tcPr anchor="t" marL="36000" marR="36000" marT="36000" marB="36000">
+                    <a:lnL w="7200">
+                      <a:solidFill>
+                        <a:srgbClr val="000000"/>
+                      </a:solidFill>
+                      <a:prstDash val="solid"/>
+                    </a:lnL>
+                    <a:lnR w="7200">
+                      <a:solidFill>
+                        <a:srgbClr val="000000"/>
+                      </a:solidFill>
+                      <a:prstDash val="solid"/>
+                    </a:lnR>
+                    <a:lnT w="7200">
+                      <a:solidFill>
+                        <a:srgbClr val="000000"/>
+                      </a:solidFill>
+                      <a:prstDash val="solid"/>
+                    </a:lnT>
+                    <a:lnB w="7200">
+                      <a:solidFill>
+                        <a:srgbClr val="000000"/>
+                      </a:solidFill>
+                      <a:prstDash val="solid"/>
+                    </a:lnB>
+                    <a:noFill/>
+                  </a:tcPr>
+                </a:tc>
+                <a:tc>
+                  <a:txBody>
+                    <a:bodyPr lIns="36000" rIns="36000" tIns="36000" bIns="36000" anchor="t">
+                      <a:noAutofit/>
+                    </a:bodyPr>
+                    <a:p>
+                      <a:r>
+                        <a:rPr lang="en-US" sz="1800" b="0" u="none" strike="noStrike">
+                          <a:solidFill>
+                            <a:srgbClr val="000000"/>
+                          </a:solidFill>
+                          <a:effectLst/>
+                          <a:uFillTx/>
+                          <a:latin typeface="Arial"/>
+                        </a:rPr>
+                        <a:t>Do this</a:t>
+                      </a:r>
+                      <a:endParaRPr lang="en-US" sz="1800" b="0" u="none" strike="noStrike">
+                        <a:solidFill>
+                          <a:srgbClr val="000000"/>
+                        </a:solidFill>
+                        <a:effectLst/>
+                        <a:uFillTx/>
+                        <a:latin typeface="Arial"/>
+                      </a:endParaRPr>
+                    </a:p>
+                  </a:txBody>
+                  <a:tcPr anchor="t" marL="36000" marR="36000" marT="36000" marB="36000">
+                    <a:lnL w="7200">
+                      <a:solidFill>
+                        <a:srgbClr val="000000"/>
+                      </a:solidFill>
+                      <a:prstDash val="solid"/>
+                    </a:lnL>
+                    <a:lnR w="7200">
+                      <a:solidFill>
+                        <a:srgbClr val="000000"/>
+                      </a:solidFill>
+                      <a:prstDash val="solid"/>
+                    </a:lnR>
+                    <a:lnT w="7200">
+                      <a:solidFill>
+                        <a:srgbClr val="000000"/>
+                      </a:solidFill>
+                      <a:prstDash val="solid"/>
+                    </a:lnT>
+                    <a:lnB w="7200">
+                      <a:solidFill>
+                        <a:srgbClr val="000000"/>
+                      </a:solidFill>
+                      <a:prstDash val="solid"/>
+                    </a:lnB>
+                    <a:noFill/>
+                  </a:tcPr>
+                </a:tc>
+              </a:tr>
+              <a:tr h="346320">
+                <a:tc>
+                  <a:txBody>
+                    <a:bodyPr lIns="36000" rIns="36000" tIns="36000" bIns="36000" anchor="t">
+                      <a:noAutofit/>
+                    </a:bodyPr>
+                    <a:p>
+                      <a:r>
+                        <a:rPr lang="en-US" sz="1800" b="0" u="none" strike="noStrike">
+                          <a:solidFill>
+                            <a:srgbClr val="000000"/>
+                          </a:solidFill>
+                          <a:effectLst/>
+                          <a:uFillTx/>
+                          <a:latin typeface="Arial"/>
+                        </a:rPr>
+                        <a:t>More continuity </a:t>
+                      </a:r>
+                      <a:endParaRPr lang="en-US" sz="1800" b="0" u="none" strike="noStrike">
+                        <a:solidFill>
+                          <a:srgbClr val="000000"/>
+                        </a:solidFill>
+                        <a:effectLst/>
+                        <a:uFillTx/>
+                        <a:latin typeface="Arial"/>
+                      </a:endParaRPr>
+                    </a:p>
+                  </a:txBody>
+                  <a:tcPr anchor="t" marL="36000" marR="36000" marT="36000" marB="36000">
+                    <a:lnL w="7200">
+                      <a:solidFill>
+                        <a:srgbClr val="000000"/>
+                      </a:solidFill>
+                      <a:prstDash val="solid"/>
+                    </a:lnL>
+                    <a:lnR w="7200">
+                      <a:solidFill>
+                        <a:srgbClr val="000000"/>
+                      </a:solidFill>
+                      <a:prstDash val="solid"/>
+                    </a:lnR>
+                    <a:lnT w="7200">
+                      <a:solidFill>
+                        <a:srgbClr val="000000"/>
+                      </a:solidFill>
+                      <a:prstDash val="solid"/>
+                    </a:lnT>
+                    <a:lnB w="7200">
+                      <a:solidFill>
+                        <a:srgbClr val="000000"/>
+                      </a:solidFill>
+                      <a:prstDash val="solid"/>
+                    </a:lnB>
+                    <a:noFill/>
+                  </a:tcPr>
+                </a:tc>
+                <a:tc>
+                  <a:txBody>
+                    <a:bodyPr lIns="36000" rIns="36000" tIns="36000" bIns="36000" anchor="t">
+                      <a:noAutofit/>
+                    </a:bodyPr>
+                    <a:p>
+                      <a:r>
+                        <a:rPr lang="en-US" sz="1800" b="0" u="none" strike="noStrike">
+                          <a:solidFill>
+                            <a:srgbClr val="000000"/>
+                          </a:solidFill>
+                          <a:effectLst/>
+                          <a:uFillTx/>
+                          <a:latin typeface="Arial"/>
+                        </a:rPr>
+                        <a:t>Increase offset </a:t>
+                      </a:r>
+                      <a:endParaRPr lang="en-US" sz="1800" b="0" u="none" strike="noStrike">
+                        <a:solidFill>
+                          <a:srgbClr val="000000"/>
+                        </a:solidFill>
+                        <a:effectLst/>
+                        <a:uFillTx/>
+                        <a:latin typeface="Arial"/>
+                      </a:endParaRPr>
+                    </a:p>
+                  </a:txBody>
+                  <a:tcPr anchor="t" marL="36000" marR="36000" marT="36000" marB="36000">
+                    <a:lnL w="7200">
+                      <a:solidFill>
+                        <a:srgbClr val="000000"/>
+                      </a:solidFill>
+                      <a:prstDash val="solid"/>
+                    </a:lnL>
+                    <a:lnR w="7200">
+                      <a:solidFill>
+                        <a:srgbClr val="000000"/>
+                      </a:solidFill>
+                      <a:prstDash val="solid"/>
+                    </a:lnR>
+                    <a:lnT w="7200">
+                      <a:solidFill>
+                        <a:srgbClr val="000000"/>
+                      </a:solidFill>
+                      <a:prstDash val="solid"/>
+                    </a:lnT>
+                    <a:lnB w="7200">
+                      <a:solidFill>
+                        <a:srgbClr val="000000"/>
+                      </a:solidFill>
+                      <a:prstDash val="solid"/>
+                    </a:lnB>
+                    <a:noFill/>
+                  </a:tcPr>
+                </a:tc>
+              </a:tr>
+              <a:tr h="346320">
+                <a:tc>
+                  <a:txBody>
+                    <a:bodyPr lIns="36000" rIns="36000" tIns="36000" bIns="36000" anchor="t">
+                      <a:noAutofit/>
+                    </a:bodyPr>
+                    <a:p>
+                      <a:r>
+                        <a:rPr lang="en-US" sz="1800" b="0" u="none" strike="noStrike">
+                          <a:solidFill>
+                            <a:srgbClr val="000000"/>
+                          </a:solidFill>
+                          <a:effectLst/>
+                          <a:uFillTx/>
+                          <a:latin typeface="Arial"/>
+                        </a:rPr>
+                        <a:t>Less noise </a:t>
+                      </a:r>
+                      <a:endParaRPr lang="en-US" sz="1800" b="0" u="none" strike="noStrike">
+                        <a:solidFill>
+                          <a:srgbClr val="000000"/>
+                        </a:solidFill>
+                        <a:effectLst/>
+                        <a:uFillTx/>
+                        <a:latin typeface="Arial"/>
+                      </a:endParaRPr>
+                    </a:p>
+                  </a:txBody>
+                  <a:tcPr anchor="t" marL="36000" marR="36000" marT="36000" marB="36000">
+                    <a:lnL w="7200">
+                      <a:solidFill>
+                        <a:srgbClr val="000000"/>
+                      </a:solidFill>
+                      <a:prstDash val="solid"/>
+                    </a:lnL>
+                    <a:lnR w="7200">
+                      <a:solidFill>
+                        <a:srgbClr val="000000"/>
+                      </a:solidFill>
+                      <a:prstDash val="solid"/>
+                    </a:lnR>
+                    <a:lnT w="7200">
+                      <a:solidFill>
+                        <a:srgbClr val="000000"/>
+                      </a:solidFill>
+                      <a:prstDash val="solid"/>
+                    </a:lnT>
+                    <a:lnB w="7200">
+                      <a:solidFill>
+                        <a:srgbClr val="000000"/>
+                      </a:solidFill>
+                      <a:prstDash val="solid"/>
+                    </a:lnB>
+                    <a:noFill/>
+                  </a:tcPr>
+                </a:tc>
+                <a:tc>
+                  <a:txBody>
+                    <a:bodyPr lIns="36000" rIns="36000" tIns="36000" bIns="36000" anchor="t">
+                      <a:noAutofit/>
+                    </a:bodyPr>
+                    <a:p>
+                      <a:r>
+                        <a:rPr lang="en-US" sz="1800" b="0" u="none" strike="noStrike">
+                          <a:solidFill>
+                            <a:srgbClr val="000000"/>
+                          </a:solidFill>
+                          <a:effectLst/>
+                          <a:uFillTx/>
+                          <a:latin typeface="Arial"/>
+                        </a:rPr>
+                        <a:t>Decrease offset </a:t>
+                      </a:r>
+                      <a:endParaRPr lang="en-US" sz="1800" b="0" u="none" strike="noStrike">
+                        <a:solidFill>
+                          <a:srgbClr val="000000"/>
+                        </a:solidFill>
+                        <a:effectLst/>
+                        <a:uFillTx/>
+                        <a:latin typeface="Arial"/>
+                      </a:endParaRPr>
+                    </a:p>
+                  </a:txBody>
+                  <a:tcPr anchor="t" marL="36000" marR="36000" marT="36000" marB="36000">
+                    <a:lnL w="7200">
+                      <a:solidFill>
+                        <a:srgbClr val="000000"/>
+                      </a:solidFill>
+                      <a:prstDash val="solid"/>
+                    </a:lnL>
+                    <a:lnR w="7200">
+                      <a:solidFill>
+                        <a:srgbClr val="000000"/>
+                      </a:solidFill>
+                      <a:prstDash val="solid"/>
+                    </a:lnR>
+                    <a:lnT w="7200">
+                      <a:solidFill>
+                        <a:srgbClr val="000000"/>
+                      </a:solidFill>
+                      <a:prstDash val="solid"/>
+                    </a:lnT>
+                    <a:lnB w="7200">
+                      <a:solidFill>
+                        <a:srgbClr val="000000"/>
+                      </a:solidFill>
+                      <a:prstDash val="solid"/>
+                    </a:lnB>
+                    <a:noFill/>
+                  </a:tcPr>
+                </a:tc>
+              </a:tr>
+              <a:tr h="346320">
+                <a:tc>
+                  <a:txBody>
+                    <a:bodyPr lIns="36000" rIns="36000" tIns="36000" bIns="36000" anchor="t">
+                      <a:noAutofit/>
+                    </a:bodyPr>
+                    <a:p>
+                      <a:r>
+                        <a:rPr lang="en-US" sz="1800" b="0" u="none" strike="noStrike">
+                          <a:solidFill>
+                            <a:srgbClr val="000000"/>
+                          </a:solidFill>
+                          <a:effectLst/>
+                          <a:uFillTx/>
+                          <a:latin typeface="Arial"/>
+                        </a:rPr>
+                        <a:t>More sensitivity </a:t>
+                      </a:r>
+                      <a:endParaRPr lang="en-US" sz="1800" b="0" u="none" strike="noStrike">
+                        <a:solidFill>
+                          <a:srgbClr val="000000"/>
+                        </a:solidFill>
+                        <a:effectLst/>
+                        <a:uFillTx/>
+                        <a:latin typeface="Arial"/>
+                      </a:endParaRPr>
+                    </a:p>
+                  </a:txBody>
+                  <a:tcPr anchor="t" marL="36000" marR="36000" marT="36000" marB="36000">
+                    <a:lnL w="7200">
+                      <a:solidFill>
+                        <a:srgbClr val="000000"/>
+                      </a:solidFill>
+                      <a:prstDash val="solid"/>
+                    </a:lnL>
+                    <a:lnR w="7200">
+                      <a:solidFill>
+                        <a:srgbClr val="000000"/>
+                      </a:solidFill>
+                      <a:prstDash val="solid"/>
+                    </a:lnR>
+                    <a:lnT w="7200">
+                      <a:solidFill>
+                        <a:srgbClr val="000000"/>
+                      </a:solidFill>
+                      <a:prstDash val="solid"/>
+                    </a:lnT>
+                    <a:lnB w="7200">
+                      <a:solidFill>
+                        <a:srgbClr val="000000"/>
+                      </a:solidFill>
+                      <a:prstDash val="solid"/>
+                    </a:lnB>
+                    <a:noFill/>
+                  </a:tcPr>
+                </a:tc>
+                <a:tc>
+                  <a:txBody>
+                    <a:bodyPr lIns="36000" rIns="36000" tIns="36000" bIns="36000" anchor="t">
+                      <a:noAutofit/>
+                    </a:bodyPr>
+                    <a:p>
+                      <a:r>
+                        <a:rPr lang="en-US" sz="1800" b="0" u="none" strike="noStrike">
+                          <a:solidFill>
+                            <a:srgbClr val="000000"/>
+                          </a:solidFill>
+                          <a:effectLst/>
+                          <a:uFillTx/>
+                          <a:latin typeface="Arial"/>
+                        </a:rPr>
+                        <a:t>Decrease block size </a:t>
+                      </a:r>
+                      <a:endParaRPr lang="en-US" sz="1800" b="0" u="none" strike="noStrike">
+                        <a:solidFill>
+                          <a:srgbClr val="000000"/>
+                        </a:solidFill>
+                        <a:effectLst/>
+                        <a:uFillTx/>
+                        <a:latin typeface="Arial"/>
+                      </a:endParaRPr>
+                    </a:p>
+                  </a:txBody>
+                  <a:tcPr anchor="t" marL="36000" marR="36000" marT="36000" marB="36000">
+                    <a:lnL w="7200">
+                      <a:solidFill>
+                        <a:srgbClr val="000000"/>
+                      </a:solidFill>
+                      <a:prstDash val="solid"/>
+                    </a:lnL>
+                    <a:lnR w="7200">
+                      <a:solidFill>
+                        <a:srgbClr val="000000"/>
+                      </a:solidFill>
+                      <a:prstDash val="solid"/>
+                    </a:lnR>
+                    <a:lnT w="7200">
+                      <a:solidFill>
+                        <a:srgbClr val="000000"/>
+                      </a:solidFill>
+                      <a:prstDash val="solid"/>
+                    </a:lnT>
+                    <a:lnB w="7200">
+                      <a:solidFill>
+                        <a:srgbClr val="000000"/>
+                      </a:solidFill>
+                      <a:prstDash val="solid"/>
+                    </a:lnB>
+                    <a:noFill/>
+                  </a:tcPr>
+                </a:tc>
+              </a:tr>
+              <a:tr h="346320">
+                <a:tc>
+                  <a:txBody>
+                    <a:bodyPr lIns="36000" rIns="36000" tIns="36000" bIns="36000" anchor="t">
+                      <a:noAutofit/>
+                    </a:bodyPr>
+                    <a:p>
+                      <a:r>
+                        <a:rPr lang="en-US" sz="1800" b="0" u="none" strike="noStrike">
+                          <a:solidFill>
+                            <a:srgbClr val="000000"/>
+                          </a:solidFill>
+                          <a:effectLst/>
+                          <a:uFillTx/>
+                          <a:latin typeface="Arial"/>
+                        </a:rPr>
+                        <a:t>More smooth mask </a:t>
+                      </a:r>
+                      <a:endParaRPr lang="en-US" sz="1800" b="0" u="none" strike="noStrike">
+                        <a:solidFill>
+                          <a:srgbClr val="000000"/>
+                        </a:solidFill>
+                        <a:effectLst/>
+                        <a:uFillTx/>
+                        <a:latin typeface="Arial"/>
+                      </a:endParaRPr>
+                    </a:p>
+                  </a:txBody>
+                  <a:tcPr anchor="t" marL="36000" marR="36000" marT="36000" marB="36000">
+                    <a:lnL w="7200">
+                      <a:solidFill>
+                        <a:srgbClr val="000000"/>
+                      </a:solidFill>
+                      <a:prstDash val="solid"/>
+                    </a:lnL>
+                    <a:lnR w="7200">
+                      <a:solidFill>
+                        <a:srgbClr val="000000"/>
+                      </a:solidFill>
+                      <a:prstDash val="solid"/>
+                    </a:lnR>
+                    <a:lnT w="7200">
+                      <a:solidFill>
+                        <a:srgbClr val="000000"/>
+                      </a:solidFill>
+                      <a:prstDash val="solid"/>
+                    </a:lnT>
+                    <a:lnB w="7200">
+                      <a:solidFill>
+                        <a:srgbClr val="000000"/>
+                      </a:solidFill>
+                      <a:prstDash val="solid"/>
+                    </a:lnB>
+                    <a:noFill/>
+                  </a:tcPr>
+                </a:tc>
+                <a:tc>
+                  <a:txBody>
+                    <a:bodyPr lIns="36000" rIns="36000" tIns="36000" bIns="36000" anchor="t">
+                      <a:noAutofit/>
+                    </a:bodyPr>
+                    <a:p>
+                      <a:r>
+                        <a:rPr lang="en-US" sz="1800" b="0" u="none" strike="noStrike">
+                          <a:solidFill>
+                            <a:srgbClr val="000000"/>
+                          </a:solidFill>
+                          <a:effectLst/>
+                          <a:uFillTx/>
+                          <a:latin typeface="Arial"/>
+                        </a:rPr>
+                        <a:t>Increase block size </a:t>
                       </a:r>
                       <a:endParaRPr lang="en-US" sz="1800" b="0" u="none" strike="noStrike">
                         <a:solidFill>
@@ -10925,7 +12589,7 @@
       </p:grpSpPr>
       <p:sp>
         <p:nvSpPr>
-          <p:cNvPr id="135" name=""/>
+          <p:cNvPr id="138" name=""/>
           <p:cNvSpPr/>
           <p:nvPr/>
         </p:nvSpPr>
@@ -11025,7 +12689,7 @@
       </p:sp>
       <p:sp>
         <p:nvSpPr>
-          <p:cNvPr id="136" name="PlaceHolder 5"/>
+          <p:cNvPr id="139" name="PlaceHolder 5"/>
           <p:cNvSpPr/>
           <p:nvPr/>
         </p:nvSpPr>
@@ -11116,7 +12780,7 @@
       </p:grpSpPr>
       <p:sp>
         <p:nvSpPr>
-          <p:cNvPr id="137" name="PlaceHolder 1"/>
+          <p:cNvPr id="140" name="PlaceHolder 1"/>
           <p:cNvSpPr>
             <a:spLocks noGrp="1"/>
           </p:cNvSpPr>
@@ -11245,7 +12909,7 @@
       </p:grpSpPr>
       <p:sp>
         <p:nvSpPr>
-          <p:cNvPr id="138" name="PlaceHolder 1"/>
+          <p:cNvPr id="141" name="PlaceHolder 1"/>
           <p:cNvSpPr>
             <a:spLocks noGrp="1"/>
           </p:cNvSpPr>
@@ -11304,7 +12968,7 @@
       </p:sp>
       <p:sp>
         <p:nvSpPr>
-          <p:cNvPr id="139" name="Rectangles 104"/>
+          <p:cNvPr id="142" name="Rectangles 104"/>
           <p:cNvSpPr/>
           <p:nvPr/>
         </p:nvSpPr>
@@ -11573,7 +13237,7 @@
       </p:grpSpPr>
       <p:sp>
         <p:nvSpPr>
-          <p:cNvPr id="140" name="PlaceHolder 1"/>
+          <p:cNvPr id="143" name="PlaceHolder 1"/>
           <p:cNvSpPr>
             <a:spLocks noGrp="1"/>
           </p:cNvSpPr>
@@ -11632,7 +13296,7 @@
       </p:sp>
       <p:pic>
         <p:nvPicPr>
-          <p:cNvPr id="141" name="Picture 108"/>
+          <p:cNvPr id="144" name="Picture 108"/>
           <p:cNvPicPr/>
           <p:nvPr/>
         </p:nvPicPr>
@@ -11656,7 +13320,7 @@
       </p:pic>
       <p:pic>
         <p:nvPicPr>
-          <p:cNvPr id="142" name="Picture 109"/>
+          <p:cNvPr id="145" name="Picture 109"/>
           <p:cNvPicPr/>
           <p:nvPr/>
         </p:nvPicPr>
@@ -11710,7 +13374,7 @@
       </p:grpSpPr>
       <p:sp>
         <p:nvSpPr>
-          <p:cNvPr id="143" name="PlaceHolder 1"/>
+          <p:cNvPr id="146" name="PlaceHolder 1"/>
           <p:cNvSpPr>
             <a:spLocks noGrp="1"/>
           </p:cNvSpPr>
@@ -11769,7 +13433,7 @@
       </p:sp>
       <p:sp>
         <p:nvSpPr>
-          <p:cNvPr id="144" name="Rectangles 111"/>
+          <p:cNvPr id="147" name="Rectangles 111"/>
           <p:cNvSpPr/>
           <p:nvPr/>
         </p:nvSpPr>
@@ -12128,7 +13792,7 @@
       </p:grpSpPr>
       <p:sp>
         <p:nvSpPr>
-          <p:cNvPr id="145" name="PlaceHolder 1"/>
+          <p:cNvPr id="148" name="PlaceHolder 1"/>
           <p:cNvSpPr>
             <a:spLocks noGrp="1"/>
           </p:cNvSpPr>
@@ -12187,7 +13851,7 @@
       </p:sp>
       <p:pic>
         <p:nvPicPr>
-          <p:cNvPr id="146" name="Picture 115"/>
+          <p:cNvPr id="149" name="Picture 115"/>
           <p:cNvPicPr/>
           <p:nvPr/>
         </p:nvPicPr>
@@ -12211,7 +13875,7 @@
       </p:pic>
       <p:pic>
         <p:nvPicPr>
-          <p:cNvPr id="147" name="Picture 116"/>
+          <p:cNvPr id="150" name="Picture 116"/>
           <p:cNvPicPr/>
           <p:nvPr/>
         </p:nvPicPr>
@@ -13933,7 +15597,29 @@
                 <a:uFillTx/>
                 <a:latin typeface="Arial"/>
               </a:rPr>
-              <a:t>Coseno minimum</a:t>
+              <a:t>Coseno </a:t>
+            </a:r>
+            <a:r>
+              <a:rPr lang="en-US" sz="4400" b="1" u="none" strike="noStrike">
+                <a:solidFill>
+                  <a:srgbClr val="ff0000"/>
+                </a:solidFill>
+                <a:effectLst/>
+                <a:uFillTx/>
+                <a:latin typeface="Arial"/>
+              </a:rPr>
+              <a:t>minimu</a:t>
+            </a:r>
+            <a:r>
+              <a:rPr lang="en-US" sz="4400" b="1" u="none" strike="noStrike">
+                <a:solidFill>
+                  <a:srgbClr val="ff0000"/>
+                </a:solidFill>
+                <a:effectLst/>
+                <a:uFillTx/>
+                <a:latin typeface="Arial"/>
+              </a:rPr>
+              <a:t>m</a:t>
             </a:r>
             <a:endParaRPr lang="en-US" sz="4400" b="0" u="none" strike="noStrike">
               <a:solidFill>
